--- a/docs/SMAP Materials Unbranded.pptx
+++ b/docs/SMAP Materials Unbranded.pptx
@@ -7,9 +7,34 @@
   <p:sldIdLst>
     <p:sldId id="256" r:id="rId2"/>
     <p:sldId id="257" r:id="rId3"/>
-    <p:sldId id="258" r:id="rId4"/>
-    <p:sldId id="259" r:id="rId5"/>
-    <p:sldId id="260" r:id="rId6"/>
+    <p:sldId id="261" r:id="rId4"/>
+    <p:sldId id="262" r:id="rId5"/>
+    <p:sldId id="263" r:id="rId6"/>
+    <p:sldId id="264" r:id="rId7"/>
+    <p:sldId id="265" r:id="rId8"/>
+    <p:sldId id="278" r:id="rId9"/>
+    <p:sldId id="266" r:id="rId10"/>
+    <p:sldId id="267" r:id="rId11"/>
+    <p:sldId id="268" r:id="rId12"/>
+    <p:sldId id="258" r:id="rId13"/>
+    <p:sldId id="270" r:id="rId14"/>
+    <p:sldId id="271" r:id="rId15"/>
+    <p:sldId id="279" r:id="rId16"/>
+    <p:sldId id="272" r:id="rId17"/>
+    <p:sldId id="273" r:id="rId18"/>
+    <p:sldId id="274" r:id="rId19"/>
+    <p:sldId id="269" r:id="rId20"/>
+    <p:sldId id="280" r:id="rId21"/>
+    <p:sldId id="275" r:id="rId22"/>
+    <p:sldId id="276" r:id="rId23"/>
+    <p:sldId id="277" r:id="rId24"/>
+    <p:sldId id="259" r:id="rId25"/>
+    <p:sldId id="281" r:id="rId26"/>
+    <p:sldId id="282" r:id="rId27"/>
+    <p:sldId id="283" r:id="rId28"/>
+    <p:sldId id="260" r:id="rId29"/>
+    <p:sldId id="284" r:id="rId30"/>
+    <p:sldId id="285" r:id="rId31"/>
   </p:sldIdLst>
   <p:sldSz cx="12192000" cy="6858000"/>
   <p:notesSz cx="6858000" cy="9144000"/>
@@ -108,6 +133,11 @@
       </a:defRPr>
     </a:lvl9pPr>
   </p:defaultTextStyle>
+  <p:extLst>
+    <p:ext uri="{EFAFB233-063F-42B5-8137-9DF3F51BA10A}">
+      <p15:sldGuideLst xmlns:p15="http://schemas.microsoft.com/office/powerpoint/2012/main"/>
+    </p:ext>
+  </p:extLst>
 </p:presentation>
 </file>
 
@@ -161,7 +191,7 @@
           <a:noFill/>
           <a:extLst>
             <a:ext uri="{909E8E84-426E-40dd-AFC4-6F175D3DCCD1}">
-              <a14:hiddenFill xmlns:a14="http://schemas.microsoft.com/office/drawing/2010/main" xmlns="">
+              <a14:hiddenFill xmlns="" xmlns:a14="http://schemas.microsoft.com/office/drawing/2010/main">
                 <a:solidFill>
                   <a:srgbClr val="FFFFFF"/>
                 </a:solidFill>
@@ -221,7 +251,7 @@
             </a:ln>
             <a:extLst>
               <a:ext uri="{91240B29-F687-4f45-9708-019B960494DF}">
-                <a14:hiddenLine xmlns:a14="http://schemas.microsoft.com/office/drawing/2010/main" xmlns="" w="9525">
+                <a14:hiddenLine xmlns="" xmlns:a14="http://schemas.microsoft.com/office/drawing/2010/main" w="9525">
                   <a:solidFill>
                     <a:srgbClr val="000000"/>
                   </a:solidFill>
@@ -311,7 +341,7 @@
             </a:ln>
             <a:extLst>
               <a:ext uri="{91240B29-F687-4f45-9708-019B960494DF}">
-                <a14:hiddenLine xmlns:a14="http://schemas.microsoft.com/office/drawing/2010/main" xmlns="" w="9525">
+                <a14:hiddenLine xmlns="" xmlns:a14="http://schemas.microsoft.com/office/drawing/2010/main" w="9525">
                   <a:solidFill>
                     <a:srgbClr val="000000"/>
                   </a:solidFill>
@@ -401,7 +431,7 @@
             </a:ln>
             <a:extLst>
               <a:ext uri="{91240B29-F687-4f45-9708-019B960494DF}">
-                <a14:hiddenLine xmlns:a14="http://schemas.microsoft.com/office/drawing/2010/main" xmlns="" w="9525">
+                <a14:hiddenLine xmlns="" xmlns:a14="http://schemas.microsoft.com/office/drawing/2010/main" w="9525">
                   <a:solidFill>
                     <a:srgbClr val="000000"/>
                   </a:solidFill>
@@ -435,7 +465,7 @@
             </a:ln>
             <a:extLst>
               <a:ext uri="{91240B29-F687-4f45-9708-019B960494DF}">
-                <a14:hiddenLine xmlns:a14="http://schemas.microsoft.com/office/drawing/2010/main" xmlns="" w="9525">
+                <a14:hiddenLine xmlns="" xmlns:a14="http://schemas.microsoft.com/office/drawing/2010/main" w="9525">
                   <a:solidFill>
                     <a:srgbClr val="000000"/>
                   </a:solidFill>
@@ -525,7 +555,7 @@
             </a:ln>
             <a:extLst>
               <a:ext uri="{91240B29-F687-4f45-9708-019B960494DF}">
-                <a14:hiddenLine xmlns:a14="http://schemas.microsoft.com/office/drawing/2010/main" xmlns="" w="9525">
+                <a14:hiddenLine xmlns="" xmlns:a14="http://schemas.microsoft.com/office/drawing/2010/main" w="9525">
                   <a:solidFill>
                     <a:srgbClr val="000000"/>
                   </a:solidFill>
@@ -587,7 +617,7 @@
             </a:ln>
             <a:extLst>
               <a:ext uri="{91240B29-F687-4f45-9708-019B960494DF}">
-                <a14:hiddenLine xmlns:a14="http://schemas.microsoft.com/office/drawing/2010/main" xmlns="" w="9525">
+                <a14:hiddenLine xmlns="" xmlns:a14="http://schemas.microsoft.com/office/drawing/2010/main" w="9525">
                   <a:solidFill>
                     <a:srgbClr val="000000"/>
                   </a:solidFill>
@@ -649,7 +679,7 @@
             </a:ln>
             <a:extLst>
               <a:ext uri="{91240B29-F687-4f45-9708-019B960494DF}">
-                <a14:hiddenLine xmlns:a14="http://schemas.microsoft.com/office/drawing/2010/main" xmlns="" w="9525">
+                <a14:hiddenLine xmlns="" xmlns:a14="http://schemas.microsoft.com/office/drawing/2010/main" w="9525">
                   <a:solidFill>
                     <a:srgbClr val="000000"/>
                   </a:solidFill>
@@ -739,7 +769,7 @@
             </a:ln>
             <a:extLst>
               <a:ext uri="{91240B29-F687-4f45-9708-019B960494DF}">
-                <a14:hiddenLine xmlns:a14="http://schemas.microsoft.com/office/drawing/2010/main" xmlns="" w="9525">
+                <a14:hiddenLine xmlns="" xmlns:a14="http://schemas.microsoft.com/office/drawing/2010/main" w="9525">
                   <a:solidFill>
                     <a:srgbClr val="000000"/>
                   </a:solidFill>
@@ -801,7 +831,7 @@
             </a:ln>
             <a:extLst>
               <a:ext uri="{91240B29-F687-4f45-9708-019B960494DF}">
-                <a14:hiddenLine xmlns:a14="http://schemas.microsoft.com/office/drawing/2010/main" xmlns="" w="9525">
+                <a14:hiddenLine xmlns="" xmlns:a14="http://schemas.microsoft.com/office/drawing/2010/main" w="9525">
                   <a:solidFill>
                     <a:srgbClr val="000000"/>
                   </a:solidFill>
@@ -863,7 +893,7 @@
             </a:ln>
             <a:extLst>
               <a:ext uri="{91240B29-F687-4f45-9708-019B960494DF}">
-                <a14:hiddenLine xmlns:a14="http://schemas.microsoft.com/office/drawing/2010/main" xmlns="" w="9525">
+                <a14:hiddenLine xmlns="" xmlns:a14="http://schemas.microsoft.com/office/drawing/2010/main" w="9525">
                   <a:solidFill>
                     <a:srgbClr val="000000"/>
                   </a:solidFill>
@@ -953,7 +983,7 @@
             </a:ln>
             <a:extLst>
               <a:ext uri="{91240B29-F687-4f45-9708-019B960494DF}">
-                <a14:hiddenLine xmlns:a14="http://schemas.microsoft.com/office/drawing/2010/main" xmlns="" w="9525">
+                <a14:hiddenLine xmlns="" xmlns:a14="http://schemas.microsoft.com/office/drawing/2010/main" w="9525">
                   <a:solidFill>
                     <a:srgbClr val="000000"/>
                   </a:solidFill>
@@ -1043,7 +1073,7 @@
             </a:ln>
             <a:extLst>
               <a:ext uri="{91240B29-F687-4f45-9708-019B960494DF}">
-                <a14:hiddenLine xmlns:a14="http://schemas.microsoft.com/office/drawing/2010/main" xmlns="" w="9525">
+                <a14:hiddenLine xmlns="" xmlns:a14="http://schemas.microsoft.com/office/drawing/2010/main" w="9525">
                   <a:solidFill>
                     <a:srgbClr val="000000"/>
                   </a:solidFill>
@@ -1105,7 +1135,7 @@
             </a:ln>
             <a:extLst>
               <a:ext uri="{91240B29-F687-4f45-9708-019B960494DF}">
-                <a14:hiddenLine xmlns:a14="http://schemas.microsoft.com/office/drawing/2010/main" xmlns="" w="9525">
+                <a14:hiddenLine xmlns="" xmlns:a14="http://schemas.microsoft.com/office/drawing/2010/main" w="9525">
                   <a:solidFill>
                     <a:srgbClr val="000000"/>
                   </a:solidFill>
@@ -1215,7 +1245,7 @@
             </a:ln>
             <a:extLst>
               <a:ext uri="{91240B29-F687-4f45-9708-019B960494DF}">
-                <a14:hiddenLine xmlns:a14="http://schemas.microsoft.com/office/drawing/2010/main" xmlns="" w="9525">
+                <a14:hiddenLine xmlns="" xmlns:a14="http://schemas.microsoft.com/office/drawing/2010/main" w="9525">
                   <a:solidFill>
                     <a:srgbClr val="000000"/>
                   </a:solidFill>
@@ -1277,7 +1307,7 @@
             </a:ln>
             <a:extLst>
               <a:ext uri="{91240B29-F687-4f45-9708-019B960494DF}">
-                <a14:hiddenLine xmlns:a14="http://schemas.microsoft.com/office/drawing/2010/main" xmlns="" w="9525">
+                <a14:hiddenLine xmlns="" xmlns:a14="http://schemas.microsoft.com/office/drawing/2010/main" w="9525">
                   <a:solidFill>
                     <a:srgbClr val="000000"/>
                   </a:solidFill>
@@ -1367,7 +1397,7 @@
             </a:ln>
             <a:extLst>
               <a:ext uri="{91240B29-F687-4f45-9708-019B960494DF}">
-                <a14:hiddenLine xmlns:a14="http://schemas.microsoft.com/office/drawing/2010/main" xmlns="" w="9525">
+                <a14:hiddenLine xmlns="" xmlns:a14="http://schemas.microsoft.com/office/drawing/2010/main" w="9525">
                   <a:solidFill>
                     <a:srgbClr val="000000"/>
                   </a:solidFill>
@@ -1457,7 +1487,7 @@
             </a:ln>
             <a:extLst>
               <a:ext uri="{91240B29-F687-4f45-9708-019B960494DF}">
-                <a14:hiddenLine xmlns:a14="http://schemas.microsoft.com/office/drawing/2010/main" xmlns="" w="9525">
+                <a14:hiddenLine xmlns="" xmlns:a14="http://schemas.microsoft.com/office/drawing/2010/main" w="9525">
                   <a:solidFill>
                     <a:srgbClr val="000000"/>
                   </a:solidFill>
@@ -1519,7 +1549,7 @@
             </a:ln>
             <a:extLst>
               <a:ext uri="{91240B29-F687-4f45-9708-019B960494DF}">
-                <a14:hiddenLine xmlns:a14="http://schemas.microsoft.com/office/drawing/2010/main" xmlns="" w="9525">
+                <a14:hiddenLine xmlns="" xmlns:a14="http://schemas.microsoft.com/office/drawing/2010/main" w="9525">
                   <a:solidFill>
                     <a:srgbClr val="000000"/>
                   </a:solidFill>
@@ -1609,7 +1639,7 @@
             </a:ln>
             <a:extLst>
               <a:ext uri="{91240B29-F687-4f45-9708-019B960494DF}">
-                <a14:hiddenLine xmlns:a14="http://schemas.microsoft.com/office/drawing/2010/main" xmlns="" w="9525">
+                <a14:hiddenLine xmlns="" xmlns:a14="http://schemas.microsoft.com/office/drawing/2010/main" w="9525">
                   <a:solidFill>
                     <a:srgbClr val="000000"/>
                   </a:solidFill>
@@ -1699,7 +1729,7 @@
             </a:ln>
             <a:extLst>
               <a:ext uri="{91240B29-F687-4f45-9708-019B960494DF}">
-                <a14:hiddenLine xmlns:a14="http://schemas.microsoft.com/office/drawing/2010/main" xmlns="" w="9525">
+                <a14:hiddenLine xmlns="" xmlns:a14="http://schemas.microsoft.com/office/drawing/2010/main" w="9525">
                   <a:solidFill>
                     <a:srgbClr val="000000"/>
                   </a:solidFill>
@@ -1755,7 +1785,7 @@
             </a:ln>
             <a:extLst>
               <a:ext uri="{91240B29-F687-4f45-9708-019B960494DF}">
-                <a14:hiddenLine xmlns:a14="http://schemas.microsoft.com/office/drawing/2010/main" xmlns="" w="9525">
+                <a14:hiddenLine xmlns="" xmlns:a14="http://schemas.microsoft.com/office/drawing/2010/main" w="9525">
                   <a:solidFill>
                     <a:srgbClr val="000000"/>
                   </a:solidFill>
@@ -1845,7 +1875,7 @@
             </a:ln>
             <a:extLst>
               <a:ext uri="{91240B29-F687-4f45-9708-019B960494DF}">
-                <a14:hiddenLine xmlns:a14="http://schemas.microsoft.com/office/drawing/2010/main" xmlns="" w="9525">
+                <a14:hiddenLine xmlns="" xmlns:a14="http://schemas.microsoft.com/office/drawing/2010/main" w="9525">
                   <a:solidFill>
                     <a:srgbClr val="000000"/>
                   </a:solidFill>
@@ -1901,7 +1931,7 @@
             </a:ln>
             <a:extLst>
               <a:ext uri="{91240B29-F687-4f45-9708-019B960494DF}">
-                <a14:hiddenLine xmlns:a14="http://schemas.microsoft.com/office/drawing/2010/main" xmlns="" w="9525">
+                <a14:hiddenLine xmlns="" xmlns:a14="http://schemas.microsoft.com/office/drawing/2010/main" w="9525">
                   <a:solidFill>
                     <a:srgbClr val="000000"/>
                   </a:solidFill>
@@ -1991,7 +2021,7 @@
             </a:ln>
             <a:extLst>
               <a:ext uri="{91240B29-F687-4f45-9708-019B960494DF}">
-                <a14:hiddenLine xmlns:a14="http://schemas.microsoft.com/office/drawing/2010/main" xmlns="" w="9525">
+                <a14:hiddenLine xmlns="" xmlns:a14="http://schemas.microsoft.com/office/drawing/2010/main" w="9525">
                   <a:solidFill>
                     <a:srgbClr val="000000"/>
                   </a:solidFill>
@@ -2059,7 +2089,7 @@
             </a:ln>
             <a:extLst>
               <a:ext uri="{91240B29-F687-4f45-9708-019B960494DF}">
-                <a14:hiddenLine xmlns:a14="http://schemas.microsoft.com/office/drawing/2010/main" xmlns="" w="9525">
+                <a14:hiddenLine xmlns="" xmlns:a14="http://schemas.microsoft.com/office/drawing/2010/main" w="9525">
                   <a:solidFill>
                     <a:srgbClr val="000000"/>
                   </a:solidFill>
@@ -2149,7 +2179,7 @@
             </a:ln>
             <a:extLst>
               <a:ext uri="{91240B29-F687-4f45-9708-019B960494DF}">
-                <a14:hiddenLine xmlns:a14="http://schemas.microsoft.com/office/drawing/2010/main" xmlns="" w="9525">
+                <a14:hiddenLine xmlns="" xmlns:a14="http://schemas.microsoft.com/office/drawing/2010/main" w="9525">
                   <a:solidFill>
                     <a:srgbClr val="000000"/>
                   </a:solidFill>
@@ -2217,7 +2247,7 @@
             </a:ln>
             <a:extLst>
               <a:ext uri="{91240B29-F687-4f45-9708-019B960494DF}">
-                <a14:hiddenLine xmlns:a14="http://schemas.microsoft.com/office/drawing/2010/main" xmlns="" w="9525">
+                <a14:hiddenLine xmlns="" xmlns:a14="http://schemas.microsoft.com/office/drawing/2010/main" w="9525">
                   <a:solidFill>
                     <a:srgbClr val="000000"/>
                   </a:solidFill>
@@ -2307,7 +2337,7 @@
             </a:ln>
             <a:extLst>
               <a:ext uri="{91240B29-F687-4f45-9708-019B960494DF}">
-                <a14:hiddenLine xmlns:a14="http://schemas.microsoft.com/office/drawing/2010/main" xmlns="" w="9525">
+                <a14:hiddenLine xmlns="" xmlns:a14="http://schemas.microsoft.com/office/drawing/2010/main" w="9525">
                   <a:solidFill>
                     <a:srgbClr val="000000"/>
                   </a:solidFill>
@@ -2341,7 +2371,7 @@
             </a:ln>
             <a:extLst>
               <a:ext uri="{91240B29-F687-4f45-9708-019B960494DF}">
-                <a14:hiddenLine xmlns:a14="http://schemas.microsoft.com/office/drawing/2010/main" xmlns="" w="9525">
+                <a14:hiddenLine xmlns="" xmlns:a14="http://schemas.microsoft.com/office/drawing/2010/main" w="9525">
                   <a:solidFill>
                     <a:srgbClr val="000000"/>
                   </a:solidFill>
@@ -2431,7 +2461,7 @@
             </a:ln>
             <a:extLst>
               <a:ext uri="{91240B29-F687-4f45-9708-019B960494DF}">
-                <a14:hiddenLine xmlns:a14="http://schemas.microsoft.com/office/drawing/2010/main" xmlns="" w="9525">
+                <a14:hiddenLine xmlns="" xmlns:a14="http://schemas.microsoft.com/office/drawing/2010/main" w="9525">
                   <a:solidFill>
                     <a:srgbClr val="000000"/>
                   </a:solidFill>
@@ -2493,7 +2523,7 @@
             </a:ln>
             <a:extLst>
               <a:ext uri="{91240B29-F687-4f45-9708-019B960494DF}">
-                <a14:hiddenLine xmlns:a14="http://schemas.microsoft.com/office/drawing/2010/main" xmlns="" w="9525">
+                <a14:hiddenLine xmlns="" xmlns:a14="http://schemas.microsoft.com/office/drawing/2010/main" w="9525">
                   <a:solidFill>
                     <a:srgbClr val="000000"/>
                   </a:solidFill>
@@ -2555,7 +2585,7 @@
             </a:ln>
             <a:extLst>
               <a:ext uri="{91240B29-F687-4f45-9708-019B960494DF}">
-                <a14:hiddenLine xmlns:a14="http://schemas.microsoft.com/office/drawing/2010/main" xmlns="" w="9525">
+                <a14:hiddenLine xmlns="" xmlns:a14="http://schemas.microsoft.com/office/drawing/2010/main" w="9525">
                   <a:solidFill>
                     <a:srgbClr val="000000"/>
                   </a:solidFill>
@@ -2645,7 +2675,7 @@
             </a:ln>
             <a:extLst>
               <a:ext uri="{91240B29-F687-4f45-9708-019B960494DF}">
-                <a14:hiddenLine xmlns:a14="http://schemas.microsoft.com/office/drawing/2010/main" xmlns="" w="9525">
+                <a14:hiddenLine xmlns="" xmlns:a14="http://schemas.microsoft.com/office/drawing/2010/main" w="9525">
                   <a:solidFill>
                     <a:srgbClr val="000000"/>
                   </a:solidFill>
@@ -2713,7 +2743,7 @@
             </a:ln>
             <a:extLst>
               <a:ext uri="{91240B29-F687-4f45-9708-019B960494DF}">
-                <a14:hiddenLine xmlns:a14="http://schemas.microsoft.com/office/drawing/2010/main" xmlns="" w="9525">
+                <a14:hiddenLine xmlns="" xmlns:a14="http://schemas.microsoft.com/office/drawing/2010/main" w="9525">
                   <a:solidFill>
                     <a:srgbClr val="000000"/>
                   </a:solidFill>
@@ -2775,7 +2805,7 @@
             </a:ln>
             <a:extLst>
               <a:ext uri="{91240B29-F687-4f45-9708-019B960494DF}">
-                <a14:hiddenLine xmlns:a14="http://schemas.microsoft.com/office/drawing/2010/main" xmlns="" w="9525">
+                <a14:hiddenLine xmlns="" xmlns:a14="http://schemas.microsoft.com/office/drawing/2010/main" w="9525">
                   <a:solidFill>
                     <a:srgbClr val="000000"/>
                   </a:solidFill>
@@ -2865,7 +2895,7 @@
             </a:ln>
             <a:extLst>
               <a:ext uri="{91240B29-F687-4f45-9708-019B960494DF}">
-                <a14:hiddenLine xmlns:a14="http://schemas.microsoft.com/office/drawing/2010/main" xmlns="" w="9525">
+                <a14:hiddenLine xmlns="" xmlns:a14="http://schemas.microsoft.com/office/drawing/2010/main" w="9525">
                   <a:solidFill>
                     <a:srgbClr val="000000"/>
                   </a:solidFill>
@@ -2927,7 +2957,7 @@
             </a:ln>
             <a:extLst>
               <a:ext uri="{91240B29-F687-4f45-9708-019B960494DF}">
-                <a14:hiddenLine xmlns:a14="http://schemas.microsoft.com/office/drawing/2010/main" xmlns="" w="9525">
+                <a14:hiddenLine xmlns="" xmlns:a14="http://schemas.microsoft.com/office/drawing/2010/main" w="9525">
                   <a:solidFill>
                     <a:srgbClr val="000000"/>
                   </a:solidFill>
@@ -3017,7 +3047,7 @@
             </a:ln>
             <a:extLst>
               <a:ext uri="{91240B29-F687-4f45-9708-019B960494DF}">
-                <a14:hiddenLine xmlns:a14="http://schemas.microsoft.com/office/drawing/2010/main" xmlns="" w="9525">
+                <a14:hiddenLine xmlns="" xmlns:a14="http://schemas.microsoft.com/office/drawing/2010/main" w="9525">
                   <a:solidFill>
                     <a:srgbClr val="000000"/>
                   </a:solidFill>
@@ -3079,7 +3109,7 @@
             </a:ln>
             <a:extLst>
               <a:ext uri="{91240B29-F687-4f45-9708-019B960494DF}">
-                <a14:hiddenLine xmlns:a14="http://schemas.microsoft.com/office/drawing/2010/main" xmlns="" w="9525">
+                <a14:hiddenLine xmlns="" xmlns:a14="http://schemas.microsoft.com/office/drawing/2010/main" w="9525">
                   <a:solidFill>
                     <a:srgbClr val="000000"/>
                   </a:solidFill>
@@ -3169,7 +3199,7 @@
             </a:ln>
             <a:extLst>
               <a:ext uri="{91240B29-F687-4f45-9708-019B960494DF}">
-                <a14:hiddenLine xmlns:a14="http://schemas.microsoft.com/office/drawing/2010/main" xmlns="" w="9525">
+                <a14:hiddenLine xmlns="" xmlns:a14="http://schemas.microsoft.com/office/drawing/2010/main" w="9525">
                   <a:solidFill>
                     <a:srgbClr val="000000"/>
                   </a:solidFill>
@@ -3203,7 +3233,7 @@
             </a:ln>
             <a:extLst>
               <a:ext uri="{91240B29-F687-4f45-9708-019B960494DF}">
-                <a14:hiddenLine xmlns:a14="http://schemas.microsoft.com/office/drawing/2010/main" xmlns="" w="9525">
+                <a14:hiddenLine xmlns="" xmlns:a14="http://schemas.microsoft.com/office/drawing/2010/main" w="9525">
                   <a:solidFill>
                     <a:srgbClr val="000000"/>
                   </a:solidFill>
@@ -3268,7 +3298,7 @@
             </a:ln>
             <a:extLst>
               <a:ext uri="{91240B29-F687-4f45-9708-019B960494DF}">
-                <a14:hiddenLine xmlns:a14="http://schemas.microsoft.com/office/drawing/2010/main" xmlns="" w="9525">
+                <a14:hiddenLine xmlns="" xmlns:a14="http://schemas.microsoft.com/office/drawing/2010/main" w="9525">
                   <a:solidFill>
                     <a:srgbClr val="000000"/>
                   </a:solidFill>
@@ -3358,7 +3388,7 @@
             </a:ln>
             <a:extLst>
               <a:ext uri="{91240B29-F687-4f45-9708-019B960494DF}">
-                <a14:hiddenLine xmlns:a14="http://schemas.microsoft.com/office/drawing/2010/main" xmlns="" w="9525">
+                <a14:hiddenLine xmlns="" xmlns:a14="http://schemas.microsoft.com/office/drawing/2010/main" w="9525">
                   <a:solidFill>
                     <a:srgbClr val="000000"/>
                   </a:solidFill>
@@ -3420,7 +3450,7 @@
             </a:ln>
             <a:extLst>
               <a:ext uri="{91240B29-F687-4f45-9708-019B960494DF}">
-                <a14:hiddenLine xmlns:a14="http://schemas.microsoft.com/office/drawing/2010/main" xmlns="" w="9525">
+                <a14:hiddenLine xmlns="" xmlns:a14="http://schemas.microsoft.com/office/drawing/2010/main" w="9525">
                   <a:solidFill>
                     <a:srgbClr val="000000"/>
                   </a:solidFill>
@@ -3510,7 +3540,7 @@
             </a:ln>
             <a:extLst>
               <a:ext uri="{91240B29-F687-4f45-9708-019B960494DF}">
-                <a14:hiddenLine xmlns:a14="http://schemas.microsoft.com/office/drawing/2010/main" xmlns="" w="9525">
+                <a14:hiddenLine xmlns="" xmlns:a14="http://schemas.microsoft.com/office/drawing/2010/main" w="9525">
                   <a:solidFill>
                     <a:srgbClr val="000000"/>
                   </a:solidFill>
@@ -3600,7 +3630,7 @@
             </a:ln>
             <a:extLst>
               <a:ext uri="{91240B29-F687-4f45-9708-019B960494DF}">
-                <a14:hiddenLine xmlns:a14="http://schemas.microsoft.com/office/drawing/2010/main" xmlns="" w="9525">
+                <a14:hiddenLine xmlns="" xmlns:a14="http://schemas.microsoft.com/office/drawing/2010/main" w="9525">
                   <a:solidFill>
                     <a:srgbClr val="000000"/>
                   </a:solidFill>
@@ -3665,7 +3695,7 @@
             </a:ln>
             <a:extLst>
               <a:ext uri="{91240B29-F687-4f45-9708-019B960494DF}">
-                <a14:hiddenLine xmlns:a14="http://schemas.microsoft.com/office/drawing/2010/main" xmlns="" w="9525">
+                <a14:hiddenLine xmlns="" xmlns:a14="http://schemas.microsoft.com/office/drawing/2010/main" w="9525">
                   <a:solidFill>
                     <a:srgbClr val="000000"/>
                   </a:solidFill>
@@ -3727,7 +3757,7 @@
             </a:ln>
             <a:extLst>
               <a:ext uri="{91240B29-F687-4f45-9708-019B960494DF}">
-                <a14:hiddenLine xmlns:a14="http://schemas.microsoft.com/office/drawing/2010/main" xmlns="" w="9525">
+                <a14:hiddenLine xmlns="" xmlns:a14="http://schemas.microsoft.com/office/drawing/2010/main" w="9525">
                   <a:solidFill>
                     <a:srgbClr val="000000"/>
                   </a:solidFill>
@@ -3817,7 +3847,7 @@
             </a:ln>
             <a:extLst>
               <a:ext uri="{91240B29-F687-4f45-9708-019B960494DF}">
-                <a14:hiddenLine xmlns:a14="http://schemas.microsoft.com/office/drawing/2010/main" xmlns="" w="9525">
+                <a14:hiddenLine xmlns="" xmlns:a14="http://schemas.microsoft.com/office/drawing/2010/main" w="9525">
                   <a:solidFill>
                     <a:srgbClr val="000000"/>
                   </a:solidFill>
@@ -3907,7 +3937,7 @@
             </a:ln>
             <a:extLst>
               <a:ext uri="{91240B29-F687-4f45-9708-019B960494DF}">
-                <a14:hiddenLine xmlns:a14="http://schemas.microsoft.com/office/drawing/2010/main" xmlns="" w="9525">
+                <a14:hiddenLine xmlns="" xmlns:a14="http://schemas.microsoft.com/office/drawing/2010/main" w="9525">
                   <a:solidFill>
                     <a:srgbClr val="000000"/>
                   </a:solidFill>
@@ -3969,7 +3999,7 @@
             </a:ln>
             <a:extLst>
               <a:ext uri="{91240B29-F687-4f45-9708-019B960494DF}">
-                <a14:hiddenLine xmlns:a14="http://schemas.microsoft.com/office/drawing/2010/main" xmlns="" w="9525">
+                <a14:hiddenLine xmlns="" xmlns:a14="http://schemas.microsoft.com/office/drawing/2010/main" w="9525">
                   <a:solidFill>
                     <a:srgbClr val="000000"/>
                   </a:solidFill>
@@ -4089,7 +4119,7 @@
             </a:ln>
             <a:extLst>
               <a:ext uri="{91240B29-F687-4f45-9708-019B960494DF}">
-                <a14:hiddenLine xmlns:a14="http://schemas.microsoft.com/office/drawing/2010/main" xmlns="" w="9525">
+                <a14:hiddenLine xmlns="" xmlns:a14="http://schemas.microsoft.com/office/drawing/2010/main" w="9525">
                   <a:solidFill>
                     <a:srgbClr val="000000"/>
                   </a:solidFill>
@@ -4157,7 +4187,7 @@
             </a:ln>
             <a:extLst>
               <a:ext uri="{91240B29-F687-4f45-9708-019B960494DF}">
-                <a14:hiddenLine xmlns:a14="http://schemas.microsoft.com/office/drawing/2010/main" xmlns="" w="9525">
+                <a14:hiddenLine xmlns="" xmlns:a14="http://schemas.microsoft.com/office/drawing/2010/main" w="9525">
                   <a:solidFill>
                     <a:srgbClr val="000000"/>
                   </a:solidFill>
@@ -4247,7 +4277,7 @@
             </a:ln>
             <a:extLst>
               <a:ext uri="{91240B29-F687-4f45-9708-019B960494DF}">
-                <a14:hiddenLine xmlns:a14="http://schemas.microsoft.com/office/drawing/2010/main" xmlns="" w="9525">
+                <a14:hiddenLine xmlns="" xmlns:a14="http://schemas.microsoft.com/office/drawing/2010/main" w="9525">
                   <a:solidFill>
                     <a:srgbClr val="000000"/>
                   </a:solidFill>
@@ -4387,7 +4417,7 @@
           <a:p>
             <a:fld id="{48A87A34-81AB-432B-8DAE-1953F412C126}" type="datetimeFigureOut">
               <a:rPr lang="en-US" dirty="0"/>
-              <a:t>7/5/2019</a:t>
+              <a:t>7/8/2019</a:t>
             </a:fld>
             <a:endParaRPr lang="en-US" dirty="0"/>
           </a:p>
@@ -4649,7 +4679,7 @@
           <a:p>
             <a:fld id="{48A87A34-81AB-432B-8DAE-1953F412C126}" type="datetimeFigureOut">
               <a:rPr lang="en-US" dirty="0"/>
-              <a:t>7/5/2019</a:t>
+              <a:t>7/8/2019</a:t>
             </a:fld>
             <a:endParaRPr lang="en-US" dirty="0"/>
           </a:p>
@@ -4840,7 +4870,7 @@
           <a:p>
             <a:fld id="{48A87A34-81AB-432B-8DAE-1953F412C126}" type="datetimeFigureOut">
               <a:rPr lang="en-US" dirty="0"/>
-              <a:t>7/5/2019</a:t>
+              <a:t>7/8/2019</a:t>
             </a:fld>
             <a:endParaRPr lang="en-US" dirty="0"/>
           </a:p>
@@ -5098,7 +5128,7 @@
           <a:p>
             <a:fld id="{48A87A34-81AB-432B-8DAE-1953F412C126}" type="datetimeFigureOut">
               <a:rPr lang="en-US" dirty="0"/>
-              <a:t>7/5/2019</a:t>
+              <a:t>7/8/2019</a:t>
             </a:fld>
             <a:endParaRPr lang="en-US" dirty="0"/>
           </a:p>
@@ -5527,7 +5557,7 @@
           <a:p>
             <a:fld id="{48A87A34-81AB-432B-8DAE-1953F412C126}" type="datetimeFigureOut">
               <a:rPr lang="en-US" dirty="0"/>
-              <a:t>7/5/2019</a:t>
+              <a:t>7/8/2019</a:t>
             </a:fld>
             <a:endParaRPr lang="en-US" dirty="0"/>
           </a:p>
@@ -6068,7 +6098,7 @@
           <a:p>
             <a:fld id="{48A87A34-81AB-432B-8DAE-1953F412C126}" type="datetimeFigureOut">
               <a:rPr lang="en-US" dirty="0"/>
-              <a:t>7/5/2019</a:t>
+              <a:t>7/8/2019</a:t>
             </a:fld>
             <a:endParaRPr lang="en-US" dirty="0"/>
           </a:p>
@@ -6783,7 +6813,7 @@
           <a:p>
             <a:fld id="{48A87A34-81AB-432B-8DAE-1953F412C126}" type="datetimeFigureOut">
               <a:rPr lang="en-US" dirty="0"/>
-              <a:t>7/5/2019</a:t>
+              <a:t>7/8/2019</a:t>
             </a:fld>
             <a:endParaRPr lang="en-US" dirty="0"/>
           </a:p>
@@ -6948,7 +6978,7 @@
           <a:p>
             <a:fld id="{48A87A34-81AB-432B-8DAE-1953F412C126}" type="datetimeFigureOut">
               <a:rPr lang="en-US" dirty="0"/>
-              <a:t>7/5/2019</a:t>
+              <a:t>7/8/2019</a:t>
             </a:fld>
             <a:endParaRPr lang="en-US" dirty="0"/>
           </a:p>
@@ -7123,7 +7153,7 @@
           <a:p>
             <a:fld id="{48A87A34-81AB-432B-8DAE-1953F412C126}" type="datetimeFigureOut">
               <a:rPr lang="en-US" dirty="0"/>
-              <a:t>7/5/2019</a:t>
+              <a:t>7/8/2019</a:t>
             </a:fld>
             <a:endParaRPr lang="en-US" dirty="0"/>
           </a:p>
@@ -7288,7 +7318,7 @@
           <a:p>
             <a:fld id="{48A87A34-81AB-432B-8DAE-1953F412C126}" type="datetimeFigureOut">
               <a:rPr lang="en-US" dirty="0"/>
-              <a:t>7/5/2019</a:t>
+              <a:t>7/8/2019</a:t>
             </a:fld>
             <a:endParaRPr lang="en-US" dirty="0"/>
           </a:p>
@@ -7533,7 +7563,7 @@
           <a:p>
             <a:fld id="{48A87A34-81AB-432B-8DAE-1953F412C126}" type="datetimeFigureOut">
               <a:rPr lang="en-US" dirty="0"/>
-              <a:t>7/5/2019</a:t>
+              <a:t>7/8/2019</a:t>
             </a:fld>
             <a:endParaRPr lang="en-US" dirty="0"/>
           </a:p>
@@ -7760,7 +7790,7 @@
           <a:p>
             <a:fld id="{48A87A34-81AB-432B-8DAE-1953F412C126}" type="datetimeFigureOut">
               <a:rPr lang="en-US" dirty="0"/>
-              <a:t>7/5/2019</a:t>
+              <a:t>7/8/2019</a:t>
             </a:fld>
             <a:endParaRPr lang="en-US" dirty="0"/>
           </a:p>
@@ -8136,7 +8166,7 @@
           <a:p>
             <a:fld id="{48A87A34-81AB-432B-8DAE-1953F412C126}" type="datetimeFigureOut">
               <a:rPr lang="en-US" dirty="0"/>
-              <a:t>7/5/2019</a:t>
+              <a:t>7/8/2019</a:t>
             </a:fld>
             <a:endParaRPr lang="en-US" dirty="0"/>
           </a:p>
@@ -8249,7 +8279,7 @@
           <a:p>
             <a:fld id="{48A87A34-81AB-432B-8DAE-1953F412C126}" type="datetimeFigureOut">
               <a:rPr lang="en-US" dirty="0"/>
-              <a:t>7/5/2019</a:t>
+              <a:t>7/8/2019</a:t>
             </a:fld>
             <a:endParaRPr lang="en-US" dirty="0"/>
           </a:p>
@@ -8339,7 +8369,7 @@
           <a:p>
             <a:fld id="{48A87A34-81AB-432B-8DAE-1953F412C126}" type="datetimeFigureOut">
               <a:rPr lang="en-US" dirty="0"/>
-              <a:t>7/5/2019</a:t>
+              <a:t>7/8/2019</a:t>
             </a:fld>
             <a:endParaRPr lang="en-US" dirty="0"/>
           </a:p>
@@ -8583,7 +8613,7 @@
           <a:p>
             <a:fld id="{48A87A34-81AB-432B-8DAE-1953F412C126}" type="datetimeFigureOut">
               <a:rPr lang="en-US" dirty="0"/>
-              <a:t>7/5/2019</a:t>
+              <a:t>7/8/2019</a:t>
             </a:fld>
             <a:endParaRPr lang="en-US" dirty="0"/>
           </a:p>
@@ -8858,7 +8888,7 @@
           <a:p>
             <a:fld id="{48A87A34-81AB-432B-8DAE-1953F412C126}" type="datetimeFigureOut">
               <a:rPr lang="en-US" dirty="0"/>
-              <a:t>7/5/2019</a:t>
+              <a:t>7/8/2019</a:t>
             </a:fld>
             <a:endParaRPr lang="en-US" dirty="0"/>
           </a:p>
@@ -8969,7 +8999,7 @@
           <a:noFill/>
           <a:extLst>
             <a:ext uri="{909E8E84-426E-40dd-AFC4-6F175D3DCCD1}">
-              <a14:hiddenFill xmlns:a14="http://schemas.microsoft.com/office/drawing/2010/main" xmlns="">
+              <a14:hiddenFill xmlns="" xmlns:a14="http://schemas.microsoft.com/office/drawing/2010/main">
                 <a:solidFill>
                   <a:srgbClr val="FFFFFF"/>
                 </a:solidFill>
@@ -9043,7 +9073,7 @@
               </a:ln>
               <a:extLst>
                 <a:ext uri="{91240B29-F687-4f45-9708-019B960494DF}">
-                  <a14:hiddenLine xmlns:a14="http://schemas.microsoft.com/office/drawing/2010/main" xmlns="" w="9525">
+                  <a14:hiddenLine xmlns="" xmlns:a14="http://schemas.microsoft.com/office/drawing/2010/main" w="9525">
                     <a:solidFill>
                       <a:srgbClr val="000000"/>
                     </a:solidFill>
@@ -9133,7 +9163,7 @@
               </a:ln>
               <a:extLst>
                 <a:ext uri="{91240B29-F687-4f45-9708-019B960494DF}">
-                  <a14:hiddenLine xmlns:a14="http://schemas.microsoft.com/office/drawing/2010/main" xmlns="" w="9525">
+                  <a14:hiddenLine xmlns="" xmlns:a14="http://schemas.microsoft.com/office/drawing/2010/main" w="9525">
                     <a:solidFill>
                       <a:srgbClr val="000000"/>
                     </a:solidFill>
@@ -9223,7 +9253,7 @@
               </a:ln>
               <a:extLst>
                 <a:ext uri="{91240B29-F687-4f45-9708-019B960494DF}">
-                  <a14:hiddenLine xmlns:a14="http://schemas.microsoft.com/office/drawing/2010/main" xmlns="" w="9525">
+                  <a14:hiddenLine xmlns="" xmlns:a14="http://schemas.microsoft.com/office/drawing/2010/main" w="9525">
                     <a:solidFill>
                       <a:srgbClr val="000000"/>
                     </a:solidFill>
@@ -9285,7 +9315,7 @@
               </a:ln>
               <a:extLst>
                 <a:ext uri="{91240B29-F687-4f45-9708-019B960494DF}">
-                  <a14:hiddenLine xmlns:a14="http://schemas.microsoft.com/office/drawing/2010/main" xmlns="" w="9525">
+                  <a14:hiddenLine xmlns="" xmlns:a14="http://schemas.microsoft.com/office/drawing/2010/main" w="9525">
                     <a:solidFill>
                       <a:srgbClr val="000000"/>
                     </a:solidFill>
@@ -9375,7 +9405,7 @@
               </a:ln>
               <a:extLst>
                 <a:ext uri="{91240B29-F687-4f45-9708-019B960494DF}">
-                  <a14:hiddenLine xmlns:a14="http://schemas.microsoft.com/office/drawing/2010/main" xmlns="" w="9525">
+                  <a14:hiddenLine xmlns="" xmlns:a14="http://schemas.microsoft.com/office/drawing/2010/main" w="9525">
                     <a:solidFill>
                       <a:srgbClr val="000000"/>
                     </a:solidFill>
@@ -9437,7 +9467,7 @@
               </a:ln>
               <a:extLst>
                 <a:ext uri="{91240B29-F687-4f45-9708-019B960494DF}">
-                  <a14:hiddenLine xmlns:a14="http://schemas.microsoft.com/office/drawing/2010/main" xmlns="" w="9525">
+                  <a14:hiddenLine xmlns="" xmlns:a14="http://schemas.microsoft.com/office/drawing/2010/main" w="9525">
                     <a:solidFill>
                       <a:srgbClr val="000000"/>
                     </a:solidFill>
@@ -9499,7 +9529,7 @@
               </a:ln>
               <a:extLst>
                 <a:ext uri="{91240B29-F687-4f45-9708-019B960494DF}">
-                  <a14:hiddenLine xmlns:a14="http://schemas.microsoft.com/office/drawing/2010/main" xmlns="" w="9525">
+                  <a14:hiddenLine xmlns="" xmlns:a14="http://schemas.microsoft.com/office/drawing/2010/main" w="9525">
                     <a:solidFill>
                       <a:srgbClr val="000000"/>
                     </a:solidFill>
@@ -9589,7 +9619,7 @@
               </a:ln>
               <a:extLst>
                 <a:ext uri="{91240B29-F687-4f45-9708-019B960494DF}">
-                  <a14:hiddenLine xmlns:a14="http://schemas.microsoft.com/office/drawing/2010/main" xmlns="" w="9525">
+                  <a14:hiddenLine xmlns="" xmlns:a14="http://schemas.microsoft.com/office/drawing/2010/main" w="9525">
                     <a:solidFill>
                       <a:srgbClr val="000000"/>
                     </a:solidFill>
@@ -9679,7 +9709,7 @@
               </a:ln>
               <a:extLst>
                 <a:ext uri="{91240B29-F687-4f45-9708-019B960494DF}">
-                  <a14:hiddenLine xmlns:a14="http://schemas.microsoft.com/office/drawing/2010/main" xmlns="" w="9525">
+                  <a14:hiddenLine xmlns="" xmlns:a14="http://schemas.microsoft.com/office/drawing/2010/main" w="9525">
                     <a:solidFill>
                       <a:srgbClr val="000000"/>
                     </a:solidFill>
@@ -9741,7 +9771,7 @@
               </a:ln>
               <a:extLst>
                 <a:ext uri="{91240B29-F687-4f45-9708-019B960494DF}">
-                  <a14:hiddenLine xmlns:a14="http://schemas.microsoft.com/office/drawing/2010/main" xmlns="" w="9525">
+                  <a14:hiddenLine xmlns="" xmlns:a14="http://schemas.microsoft.com/office/drawing/2010/main" w="9525">
                     <a:solidFill>
                       <a:srgbClr val="000000"/>
                     </a:solidFill>
@@ -9851,7 +9881,7 @@
               </a:ln>
               <a:extLst>
                 <a:ext uri="{91240B29-F687-4f45-9708-019B960494DF}">
-                  <a14:hiddenLine xmlns:a14="http://schemas.microsoft.com/office/drawing/2010/main" xmlns="" w="9525">
+                  <a14:hiddenLine xmlns="" xmlns:a14="http://schemas.microsoft.com/office/drawing/2010/main" w="9525">
                     <a:solidFill>
                       <a:srgbClr val="000000"/>
                     </a:solidFill>
@@ -9935,7 +9965,7 @@
               </a:ln>
               <a:extLst>
                 <a:ext uri="{91240B29-F687-4f45-9708-019B960494DF}">
-                  <a14:hiddenLine xmlns:a14="http://schemas.microsoft.com/office/drawing/2010/main" xmlns="" w="9525">
+                  <a14:hiddenLine xmlns="" xmlns:a14="http://schemas.microsoft.com/office/drawing/2010/main" w="9525">
                     <a:solidFill>
                       <a:srgbClr val="000000"/>
                     </a:solidFill>
@@ -9997,7 +10027,7 @@
               </a:ln>
               <a:extLst>
                 <a:ext uri="{91240B29-F687-4f45-9708-019B960494DF}">
-                  <a14:hiddenLine xmlns:a14="http://schemas.microsoft.com/office/drawing/2010/main" xmlns="" w="9525">
+                  <a14:hiddenLine xmlns="" xmlns:a14="http://schemas.microsoft.com/office/drawing/2010/main" w="9525">
                     <a:solidFill>
                       <a:srgbClr val="000000"/>
                     </a:solidFill>
@@ -10059,7 +10089,7 @@
               </a:ln>
               <a:extLst>
                 <a:ext uri="{91240B29-F687-4f45-9708-019B960494DF}">
-                  <a14:hiddenLine xmlns:a14="http://schemas.microsoft.com/office/drawing/2010/main" xmlns="" w="9525">
+                  <a14:hiddenLine xmlns="" xmlns:a14="http://schemas.microsoft.com/office/drawing/2010/main" w="9525">
                     <a:solidFill>
                       <a:srgbClr val="000000"/>
                     </a:solidFill>
@@ -10149,7 +10179,7 @@
               </a:ln>
               <a:extLst>
                 <a:ext uri="{91240B29-F687-4f45-9708-019B960494DF}">
-                  <a14:hiddenLine xmlns:a14="http://schemas.microsoft.com/office/drawing/2010/main" xmlns="" w="9525">
+                  <a14:hiddenLine xmlns="" xmlns:a14="http://schemas.microsoft.com/office/drawing/2010/main" w="9525">
                     <a:solidFill>
                       <a:srgbClr val="000000"/>
                     </a:solidFill>
@@ -10183,7 +10213,7 @@
               </a:ln>
               <a:extLst>
                 <a:ext uri="{91240B29-F687-4f45-9708-019B960494DF}">
-                  <a14:hiddenLine xmlns:a14="http://schemas.microsoft.com/office/drawing/2010/main" xmlns="" w="9525">
+                  <a14:hiddenLine xmlns="" xmlns:a14="http://schemas.microsoft.com/office/drawing/2010/main" w="9525">
                     <a:solidFill>
                       <a:srgbClr val="000000"/>
                     </a:solidFill>
@@ -10248,7 +10278,7 @@
               </a:ln>
               <a:extLst>
                 <a:ext uri="{91240B29-F687-4f45-9708-019B960494DF}">
-                  <a14:hiddenLine xmlns:a14="http://schemas.microsoft.com/office/drawing/2010/main" xmlns="" w="9525">
+                  <a14:hiddenLine xmlns="" xmlns:a14="http://schemas.microsoft.com/office/drawing/2010/main" w="9525">
                     <a:solidFill>
                       <a:srgbClr val="000000"/>
                     </a:solidFill>
@@ -10338,7 +10368,7 @@
               </a:ln>
               <a:extLst>
                 <a:ext uri="{91240B29-F687-4f45-9708-019B960494DF}">
-                  <a14:hiddenLine xmlns:a14="http://schemas.microsoft.com/office/drawing/2010/main" xmlns="" w="9525">
+                  <a14:hiddenLine xmlns="" xmlns:a14="http://schemas.microsoft.com/office/drawing/2010/main" w="9525">
                     <a:solidFill>
                       <a:srgbClr val="000000"/>
                     </a:solidFill>
@@ -10400,7 +10430,7 @@
               </a:ln>
               <a:extLst>
                 <a:ext uri="{91240B29-F687-4f45-9708-019B960494DF}">
-                  <a14:hiddenLine xmlns:a14="http://schemas.microsoft.com/office/drawing/2010/main" xmlns="" w="9525">
+                  <a14:hiddenLine xmlns="" xmlns:a14="http://schemas.microsoft.com/office/drawing/2010/main" w="9525">
                     <a:solidFill>
                       <a:srgbClr val="000000"/>
                     </a:solidFill>
@@ -10490,7 +10520,7 @@
               </a:ln>
               <a:extLst>
                 <a:ext uri="{91240B29-F687-4f45-9708-019B960494DF}">
-                  <a14:hiddenLine xmlns:a14="http://schemas.microsoft.com/office/drawing/2010/main" xmlns="" w="9525">
+                  <a14:hiddenLine xmlns="" xmlns:a14="http://schemas.microsoft.com/office/drawing/2010/main" w="9525">
                     <a:solidFill>
                       <a:srgbClr val="000000"/>
                     </a:solidFill>
@@ -10555,7 +10585,7 @@
               </a:ln>
               <a:extLst>
                 <a:ext uri="{91240B29-F687-4f45-9708-019B960494DF}">
-                  <a14:hiddenLine xmlns:a14="http://schemas.microsoft.com/office/drawing/2010/main" xmlns="" w="9525">
+                  <a14:hiddenLine xmlns="" xmlns:a14="http://schemas.microsoft.com/office/drawing/2010/main" w="9525">
                     <a:solidFill>
                       <a:srgbClr val="000000"/>
                     </a:solidFill>
@@ -10617,7 +10647,7 @@
               </a:ln>
               <a:extLst>
                 <a:ext uri="{91240B29-F687-4f45-9708-019B960494DF}">
-                  <a14:hiddenLine xmlns:a14="http://schemas.microsoft.com/office/drawing/2010/main" xmlns="" w="9525">
+                  <a14:hiddenLine xmlns="" xmlns:a14="http://schemas.microsoft.com/office/drawing/2010/main" w="9525">
                     <a:solidFill>
                       <a:srgbClr val="000000"/>
                     </a:solidFill>
@@ -10707,7 +10737,7 @@
               </a:ln>
               <a:extLst>
                 <a:ext uri="{91240B29-F687-4f45-9708-019B960494DF}">
-                  <a14:hiddenLine xmlns:a14="http://schemas.microsoft.com/office/drawing/2010/main" xmlns="" w="9525">
+                  <a14:hiddenLine xmlns="" xmlns:a14="http://schemas.microsoft.com/office/drawing/2010/main" w="9525">
                     <a:solidFill>
                       <a:srgbClr val="000000"/>
                     </a:solidFill>
@@ -10797,7 +10827,7 @@
               </a:ln>
               <a:extLst>
                 <a:ext uri="{91240B29-F687-4f45-9708-019B960494DF}">
-                  <a14:hiddenLine xmlns:a14="http://schemas.microsoft.com/office/drawing/2010/main" xmlns="" w="9525">
+                  <a14:hiddenLine xmlns="" xmlns:a14="http://schemas.microsoft.com/office/drawing/2010/main" w="9525">
                     <a:solidFill>
                       <a:srgbClr val="000000"/>
                     </a:solidFill>
@@ -10862,7 +10892,7 @@
               </a:ln>
               <a:extLst>
                 <a:ext uri="{91240B29-F687-4f45-9708-019B960494DF}">
-                  <a14:hiddenLine xmlns:a14="http://schemas.microsoft.com/office/drawing/2010/main" xmlns="" w="9525">
+                  <a14:hiddenLine xmlns="" xmlns:a14="http://schemas.microsoft.com/office/drawing/2010/main" w="9525">
                     <a:solidFill>
                       <a:srgbClr val="000000"/>
                     </a:solidFill>
@@ -10982,7 +11012,7 @@
               </a:ln>
               <a:extLst>
                 <a:ext uri="{91240B29-F687-4f45-9708-019B960494DF}">
-                  <a14:hiddenLine xmlns:a14="http://schemas.microsoft.com/office/drawing/2010/main" xmlns="" w="9525">
+                  <a14:hiddenLine xmlns="" xmlns:a14="http://schemas.microsoft.com/office/drawing/2010/main" w="9525">
                     <a:solidFill>
                       <a:srgbClr val="000000"/>
                     </a:solidFill>
@@ -11080,7 +11110,7 @@
               </a:ln>
               <a:extLst>
                 <a:ext uri="{91240B29-F687-4f45-9708-019B960494DF}">
-                  <a14:hiddenLine xmlns:a14="http://schemas.microsoft.com/office/drawing/2010/main" xmlns="" w="9525">
+                  <a14:hiddenLine xmlns="" xmlns:a14="http://schemas.microsoft.com/office/drawing/2010/main" w="9525">
                     <a:solidFill>
                       <a:srgbClr val="000000"/>
                     </a:solidFill>
@@ -11195,7 +11225,7 @@
               </a:ln>
               <a:extLst>
                 <a:ext uri="{91240B29-F687-4f45-9708-019B960494DF}">
-                  <a14:hiddenLine xmlns:a14="http://schemas.microsoft.com/office/drawing/2010/main" xmlns="" w="9525">
+                  <a14:hiddenLine xmlns="" xmlns:a14="http://schemas.microsoft.com/office/drawing/2010/main" w="9525">
                     <a:solidFill>
                       <a:srgbClr val="000000"/>
                     </a:solidFill>
@@ -11285,7 +11315,7 @@
               </a:ln>
               <a:extLst>
                 <a:ext uri="{91240B29-F687-4f45-9708-019B960494DF}">
-                  <a14:hiddenLine xmlns:a14="http://schemas.microsoft.com/office/drawing/2010/main" xmlns="" w="9525">
+                  <a14:hiddenLine xmlns="" xmlns:a14="http://schemas.microsoft.com/office/drawing/2010/main" w="9525">
                     <a:solidFill>
                       <a:srgbClr val="000000"/>
                     </a:solidFill>
@@ -11350,7 +11380,7 @@
               </a:ln>
               <a:extLst>
                 <a:ext uri="{91240B29-F687-4f45-9708-019B960494DF}">
-                  <a14:hiddenLine xmlns:a14="http://schemas.microsoft.com/office/drawing/2010/main" xmlns="" w="9525">
+                  <a14:hiddenLine xmlns="" xmlns:a14="http://schemas.microsoft.com/office/drawing/2010/main" w="9525">
                     <a:solidFill>
                       <a:srgbClr val="000000"/>
                     </a:solidFill>
@@ -11440,7 +11470,7 @@
               </a:ln>
               <a:extLst>
                 <a:ext uri="{91240B29-F687-4f45-9708-019B960494DF}">
-                  <a14:hiddenLine xmlns:a14="http://schemas.microsoft.com/office/drawing/2010/main" xmlns="" w="9525">
+                  <a14:hiddenLine xmlns="" xmlns:a14="http://schemas.microsoft.com/office/drawing/2010/main" w="9525">
                     <a:solidFill>
                       <a:srgbClr val="000000"/>
                     </a:solidFill>
@@ -11508,7 +11538,7 @@
               </a:ln>
               <a:extLst>
                 <a:ext uri="{91240B29-F687-4f45-9708-019B960494DF}">
-                  <a14:hiddenLine xmlns:a14="http://schemas.microsoft.com/office/drawing/2010/main" xmlns="" w="9525">
+                  <a14:hiddenLine xmlns="" xmlns:a14="http://schemas.microsoft.com/office/drawing/2010/main" w="9525">
                     <a:solidFill>
                       <a:srgbClr val="000000"/>
                     </a:solidFill>
@@ -11598,7 +11628,7 @@
               </a:ln>
               <a:extLst>
                 <a:ext uri="{91240B29-F687-4f45-9708-019B960494DF}">
-                  <a14:hiddenLine xmlns:a14="http://schemas.microsoft.com/office/drawing/2010/main" xmlns="" w="9525">
+                  <a14:hiddenLine xmlns="" xmlns:a14="http://schemas.microsoft.com/office/drawing/2010/main" w="9525">
                     <a:solidFill>
                       <a:srgbClr val="000000"/>
                     </a:solidFill>
@@ -11666,7 +11696,7 @@
               </a:ln>
               <a:extLst>
                 <a:ext uri="{91240B29-F687-4f45-9708-019B960494DF}">
-                  <a14:hiddenLine xmlns:a14="http://schemas.microsoft.com/office/drawing/2010/main" xmlns="" w="9525">
+                  <a14:hiddenLine xmlns="" xmlns:a14="http://schemas.microsoft.com/office/drawing/2010/main" w="9525">
                     <a:solidFill>
                       <a:srgbClr val="000000"/>
                     </a:solidFill>
@@ -11756,7 +11786,7 @@
               </a:ln>
               <a:extLst>
                 <a:ext uri="{91240B29-F687-4f45-9708-019B960494DF}">
-                  <a14:hiddenLine xmlns:a14="http://schemas.microsoft.com/office/drawing/2010/main" xmlns="" w="9525">
+                  <a14:hiddenLine xmlns="" xmlns:a14="http://schemas.microsoft.com/office/drawing/2010/main" w="9525">
                     <a:solidFill>
                       <a:srgbClr val="000000"/>
                     </a:solidFill>
@@ -11790,7 +11820,7 @@
               </a:ln>
               <a:extLst>
                 <a:ext uri="{91240B29-F687-4f45-9708-019B960494DF}">
-                  <a14:hiddenLine xmlns:a14="http://schemas.microsoft.com/office/drawing/2010/main" xmlns="" w="9525">
+                  <a14:hiddenLine xmlns="" xmlns:a14="http://schemas.microsoft.com/office/drawing/2010/main" w="9525">
                     <a:solidFill>
                       <a:srgbClr val="000000"/>
                     </a:solidFill>
@@ -11931,7 +11961,7 @@
             <a:fld id="{48A87A34-81AB-432B-8DAE-1953F412C126}" type="datetimeFigureOut">
               <a:rPr lang="en-US" dirty="0"/>
               <a:pPr/>
-              <a:t>7/5/2019</a:t>
+              <a:t>7/8/2019</a:t>
             </a:fld>
             <a:endParaRPr lang="en-US" dirty="0"/>
           </a:p>
@@ -12424,6 +12454,901 @@
 </p:sld>
 </file>
 
+<file path=ppt/slides/slide10.xml><?xml version="1.0" encoding="utf-8"?>
+<p:sld xmlns:a="http://schemas.openxmlformats.org/drawingml/2006/main" xmlns:r="http://schemas.openxmlformats.org/officeDocument/2006/relationships" xmlns:p="http://schemas.openxmlformats.org/presentationml/2006/main">
+  <p:cSld>
+    <p:spTree>
+      <p:nvGrpSpPr>
+        <p:cNvPr id="1" name=""/>
+        <p:cNvGrpSpPr/>
+        <p:nvPr/>
+      </p:nvGrpSpPr>
+      <p:grpSpPr>
+        <a:xfrm>
+          <a:off x="0" y="0"/>
+          <a:ext cx="0" cy="0"/>
+          <a:chOff x="0" y="0"/>
+          <a:chExt cx="0" cy="0"/>
+        </a:xfrm>
+      </p:grpSpPr>
+      <p:sp>
+        <p:nvSpPr>
+          <p:cNvPr id="2" name="Title 1"/>
+          <p:cNvSpPr>
+            <a:spLocks noGrp="1"/>
+          </p:cNvSpPr>
+          <p:nvPr>
+            <p:ph type="title"/>
+          </p:nvPr>
+        </p:nvSpPr>
+        <p:spPr/>
+        <p:txBody>
+          <a:bodyPr/>
+          <a:lstStyle/>
+          <a:p>
+            <a:r>
+              <a:rPr lang="en-US" dirty="0" err="1" smtClean="0"/>
+              <a:t>cIRCUITS</a:t>
+            </a:r>
+            <a:endParaRPr lang="en-US" dirty="0"/>
+          </a:p>
+        </p:txBody>
+      </p:sp>
+      <p:sp>
+        <p:nvSpPr>
+          <p:cNvPr id="3" name="Content Placeholder 2"/>
+          <p:cNvSpPr>
+            <a:spLocks noGrp="1"/>
+          </p:cNvSpPr>
+          <p:nvPr>
+            <p:ph idx="1"/>
+          </p:nvPr>
+        </p:nvSpPr>
+        <p:spPr/>
+        <p:txBody>
+          <a:bodyPr/>
+          <a:lstStyle/>
+          <a:p>
+            <a:r>
+              <a:rPr lang="en-US" dirty="0" smtClean="0"/>
+              <a:t>What is a circuit</a:t>
+            </a:r>
+          </a:p>
+          <a:p>
+            <a:r>
+              <a:rPr lang="en-US" dirty="0" smtClean="0"/>
+              <a:t>Electrics / Electronics using Raspberry Pi</a:t>
+            </a:r>
+          </a:p>
+          <a:p>
+            <a:r>
+              <a:rPr lang="en-US" dirty="0" smtClean="0"/>
+              <a:t>How to read circuit diagrams</a:t>
+            </a:r>
+          </a:p>
+          <a:p>
+            <a:endParaRPr lang="en-US" dirty="0"/>
+          </a:p>
+        </p:txBody>
+      </p:sp>
+    </p:spTree>
+    <p:extLst>
+      <p:ext uri="{BB962C8B-B14F-4D97-AF65-F5344CB8AC3E}">
+        <p14:creationId xmlns:p14="http://schemas.microsoft.com/office/powerpoint/2010/main" val="4205968302"/>
+      </p:ext>
+    </p:extLst>
+  </p:cSld>
+  <p:clrMapOvr>
+    <a:masterClrMapping/>
+  </p:clrMapOvr>
+</p:sld>
+</file>
+
+<file path=ppt/slides/slide11.xml><?xml version="1.0" encoding="utf-8"?>
+<p:sld xmlns:a="http://schemas.openxmlformats.org/drawingml/2006/main" xmlns:r="http://schemas.openxmlformats.org/officeDocument/2006/relationships" xmlns:p="http://schemas.openxmlformats.org/presentationml/2006/main">
+  <p:cSld>
+    <p:spTree>
+      <p:nvGrpSpPr>
+        <p:cNvPr id="1" name=""/>
+        <p:cNvGrpSpPr/>
+        <p:nvPr/>
+      </p:nvGrpSpPr>
+      <p:grpSpPr>
+        <a:xfrm>
+          <a:off x="0" y="0"/>
+          <a:ext cx="0" cy="0"/>
+          <a:chOff x="0" y="0"/>
+          <a:chExt cx="0" cy="0"/>
+        </a:xfrm>
+      </p:grpSpPr>
+      <p:sp>
+        <p:nvSpPr>
+          <p:cNvPr id="2" name="Title 1"/>
+          <p:cNvSpPr>
+            <a:spLocks noGrp="1"/>
+          </p:cNvSpPr>
+          <p:nvPr>
+            <p:ph type="title"/>
+          </p:nvPr>
+        </p:nvSpPr>
+        <p:spPr/>
+        <p:txBody>
+          <a:bodyPr/>
+          <a:lstStyle/>
+          <a:p>
+            <a:r>
+              <a:rPr lang="en-US" dirty="0" smtClean="0"/>
+              <a:t>Raspberry Pi circuit</a:t>
+            </a:r>
+            <a:endParaRPr lang="en-US" dirty="0"/>
+          </a:p>
+        </p:txBody>
+      </p:sp>
+      <p:sp>
+        <p:nvSpPr>
+          <p:cNvPr id="3" name="Content Placeholder 2"/>
+          <p:cNvSpPr>
+            <a:spLocks noGrp="1"/>
+          </p:cNvSpPr>
+          <p:nvPr>
+            <p:ph idx="1"/>
+          </p:nvPr>
+        </p:nvSpPr>
+        <p:spPr/>
+        <p:txBody>
+          <a:bodyPr/>
+          <a:lstStyle/>
+          <a:p>
+            <a:r>
+              <a:rPr lang="en-US" dirty="0" smtClean="0"/>
+              <a:t>Build the Raspberry Pi Circuit</a:t>
+            </a:r>
+            <a:endParaRPr lang="en-US" dirty="0"/>
+          </a:p>
+        </p:txBody>
+      </p:sp>
+    </p:spTree>
+    <p:extLst>
+      <p:ext uri="{BB962C8B-B14F-4D97-AF65-F5344CB8AC3E}">
+        <p14:creationId xmlns:p14="http://schemas.microsoft.com/office/powerpoint/2010/main" val="3169014870"/>
+      </p:ext>
+    </p:extLst>
+  </p:cSld>
+  <p:clrMapOvr>
+    <a:masterClrMapping/>
+  </p:clrMapOvr>
+</p:sld>
+</file>
+
+<file path=ppt/slides/slide12.xml><?xml version="1.0" encoding="utf-8"?>
+<p:sld xmlns:a="http://schemas.openxmlformats.org/drawingml/2006/main" xmlns:r="http://schemas.openxmlformats.org/officeDocument/2006/relationships" xmlns:p="http://schemas.openxmlformats.org/presentationml/2006/main">
+  <p:cSld>
+    <p:spTree>
+      <p:nvGrpSpPr>
+        <p:cNvPr id="1" name=""/>
+        <p:cNvGrpSpPr/>
+        <p:nvPr/>
+      </p:nvGrpSpPr>
+      <p:grpSpPr>
+        <a:xfrm>
+          <a:off x="0" y="0"/>
+          <a:ext cx="0" cy="0"/>
+          <a:chOff x="0" y="0"/>
+          <a:chExt cx="0" cy="0"/>
+        </a:xfrm>
+      </p:grpSpPr>
+      <p:sp>
+        <p:nvSpPr>
+          <p:cNvPr id="2" name="Title 1"/>
+          <p:cNvSpPr>
+            <a:spLocks noGrp="1"/>
+          </p:cNvSpPr>
+          <p:nvPr>
+            <p:ph type="title"/>
+          </p:nvPr>
+        </p:nvSpPr>
+        <p:spPr/>
+        <p:txBody>
+          <a:bodyPr/>
+          <a:lstStyle/>
+          <a:p>
+            <a:r>
+              <a:rPr lang="en-US" dirty="0" smtClean="0"/>
+              <a:t>Day 2: let’s code!</a:t>
+            </a:r>
+            <a:endParaRPr lang="en-GB" dirty="0"/>
+          </a:p>
+        </p:txBody>
+      </p:sp>
+      <p:sp>
+        <p:nvSpPr>
+          <p:cNvPr id="3" name="Content Placeholder 2"/>
+          <p:cNvSpPr>
+            <a:spLocks noGrp="1"/>
+          </p:cNvSpPr>
+          <p:nvPr>
+            <p:ph idx="1"/>
+          </p:nvPr>
+        </p:nvSpPr>
+        <p:spPr/>
+        <p:txBody>
+          <a:bodyPr>
+            <a:normAutofit/>
+          </a:bodyPr>
+          <a:lstStyle/>
+          <a:p>
+            <a:r>
+              <a:rPr lang="en-US" dirty="0"/>
+              <a:t>Programming Basics</a:t>
+            </a:r>
+          </a:p>
+          <a:p>
+            <a:pPr lvl="1"/>
+            <a:r>
+              <a:rPr lang="en-US" dirty="0"/>
+              <a:t>Functions</a:t>
+            </a:r>
+          </a:p>
+          <a:p>
+            <a:pPr lvl="1"/>
+            <a:r>
+              <a:rPr lang="en-US" dirty="0"/>
+              <a:t>Comments</a:t>
+            </a:r>
+          </a:p>
+          <a:p>
+            <a:pPr lvl="1"/>
+            <a:r>
+              <a:rPr lang="en-US" dirty="0"/>
+              <a:t>Variables</a:t>
+            </a:r>
+          </a:p>
+          <a:p>
+            <a:pPr lvl="1"/>
+            <a:r>
+              <a:rPr lang="en-US" dirty="0" smtClean="0"/>
+              <a:t>Error Handling </a:t>
+            </a:r>
+            <a:endParaRPr lang="en-US" dirty="0"/>
+          </a:p>
+          <a:p>
+            <a:r>
+              <a:rPr lang="en-US" dirty="0" smtClean="0"/>
+              <a:t>Create </a:t>
+            </a:r>
+            <a:r>
+              <a:rPr lang="en-US" dirty="0"/>
+              <a:t>Email To Thom functionality</a:t>
+            </a:r>
+          </a:p>
+          <a:p>
+            <a:r>
+              <a:rPr lang="en-US" dirty="0"/>
+              <a:t>Send Email by Raspberry Pi</a:t>
+            </a:r>
+          </a:p>
+          <a:p>
+            <a:endParaRPr lang="en-GB" dirty="0"/>
+          </a:p>
+        </p:txBody>
+      </p:sp>
+    </p:spTree>
+    <p:extLst>
+      <p:ext uri="{BB962C8B-B14F-4D97-AF65-F5344CB8AC3E}">
+        <p14:creationId xmlns:p14="http://schemas.microsoft.com/office/powerpoint/2010/main" val="1097960428"/>
+      </p:ext>
+    </p:extLst>
+  </p:cSld>
+  <p:clrMapOvr>
+    <a:masterClrMapping/>
+  </p:clrMapOvr>
+</p:sld>
+</file>
+
+<file path=ppt/slides/slide13.xml><?xml version="1.0" encoding="utf-8"?>
+<p:sld xmlns:a="http://schemas.openxmlformats.org/drawingml/2006/main" xmlns:r="http://schemas.openxmlformats.org/officeDocument/2006/relationships" xmlns:p="http://schemas.openxmlformats.org/presentationml/2006/main">
+  <p:cSld>
+    <p:spTree>
+      <p:nvGrpSpPr>
+        <p:cNvPr id="1" name=""/>
+        <p:cNvGrpSpPr/>
+        <p:nvPr/>
+      </p:nvGrpSpPr>
+      <p:grpSpPr>
+        <a:xfrm>
+          <a:off x="0" y="0"/>
+          <a:ext cx="0" cy="0"/>
+          <a:chOff x="0" y="0"/>
+          <a:chExt cx="0" cy="0"/>
+        </a:xfrm>
+      </p:grpSpPr>
+      <p:sp>
+        <p:nvSpPr>
+          <p:cNvPr id="2" name="Title 1"/>
+          <p:cNvSpPr>
+            <a:spLocks noGrp="1"/>
+          </p:cNvSpPr>
+          <p:nvPr>
+            <p:ph type="title"/>
+          </p:nvPr>
+        </p:nvSpPr>
+        <p:spPr/>
+        <p:txBody>
+          <a:bodyPr/>
+          <a:lstStyle/>
+          <a:p>
+            <a:r>
+              <a:rPr lang="en-US" dirty="0" smtClean="0"/>
+              <a:t>Recap</a:t>
+            </a:r>
+            <a:endParaRPr lang="en-US" dirty="0"/>
+          </a:p>
+        </p:txBody>
+      </p:sp>
+      <p:sp>
+        <p:nvSpPr>
+          <p:cNvPr id="3" name="Content Placeholder 2"/>
+          <p:cNvSpPr>
+            <a:spLocks noGrp="1"/>
+          </p:cNvSpPr>
+          <p:nvPr>
+            <p:ph idx="1"/>
+          </p:nvPr>
+        </p:nvSpPr>
+        <p:spPr/>
+        <p:txBody>
+          <a:bodyPr/>
+          <a:lstStyle/>
+          <a:p>
+            <a:r>
+              <a:rPr lang="en-US" dirty="0" smtClean="0"/>
+              <a:t>Especially hello world</a:t>
+            </a:r>
+          </a:p>
+          <a:p>
+            <a:endParaRPr lang="en-US" dirty="0"/>
+          </a:p>
+        </p:txBody>
+      </p:sp>
+    </p:spTree>
+    <p:extLst>
+      <p:ext uri="{BB962C8B-B14F-4D97-AF65-F5344CB8AC3E}">
+        <p14:creationId xmlns:p14="http://schemas.microsoft.com/office/powerpoint/2010/main" val="2180251118"/>
+      </p:ext>
+    </p:extLst>
+  </p:cSld>
+  <p:clrMapOvr>
+    <a:masterClrMapping/>
+  </p:clrMapOvr>
+</p:sld>
+</file>
+
+<file path=ppt/slides/slide14.xml><?xml version="1.0" encoding="utf-8"?>
+<p:sld xmlns:a="http://schemas.openxmlformats.org/drawingml/2006/main" xmlns:r="http://schemas.openxmlformats.org/officeDocument/2006/relationships" xmlns:p="http://schemas.openxmlformats.org/presentationml/2006/main">
+  <p:cSld>
+    <p:spTree>
+      <p:nvGrpSpPr>
+        <p:cNvPr id="1" name=""/>
+        <p:cNvGrpSpPr/>
+        <p:nvPr/>
+      </p:nvGrpSpPr>
+      <p:grpSpPr>
+        <a:xfrm>
+          <a:off x="0" y="0"/>
+          <a:ext cx="0" cy="0"/>
+          <a:chOff x="0" y="0"/>
+          <a:chExt cx="0" cy="0"/>
+        </a:xfrm>
+      </p:grpSpPr>
+      <p:sp>
+        <p:nvSpPr>
+          <p:cNvPr id="2" name="Title 1"/>
+          <p:cNvSpPr>
+            <a:spLocks noGrp="1"/>
+          </p:cNvSpPr>
+          <p:nvPr>
+            <p:ph type="title"/>
+          </p:nvPr>
+        </p:nvSpPr>
+        <p:spPr/>
+        <p:txBody>
+          <a:bodyPr/>
+          <a:lstStyle/>
+          <a:p>
+            <a:r>
+              <a:rPr lang="en-US" dirty="0" smtClean="0"/>
+              <a:t>Programming Concepts</a:t>
+            </a:r>
+            <a:endParaRPr lang="en-US" dirty="0"/>
+          </a:p>
+        </p:txBody>
+      </p:sp>
+      <p:sp>
+        <p:nvSpPr>
+          <p:cNvPr id="3" name="Content Placeholder 2"/>
+          <p:cNvSpPr>
+            <a:spLocks noGrp="1"/>
+          </p:cNvSpPr>
+          <p:nvPr>
+            <p:ph idx="1"/>
+          </p:nvPr>
+        </p:nvSpPr>
+        <p:spPr/>
+        <p:txBody>
+          <a:bodyPr/>
+          <a:lstStyle/>
+          <a:p>
+            <a:r>
+              <a:rPr lang="en-US" dirty="0" smtClean="0"/>
+              <a:t>Keywords</a:t>
+            </a:r>
+          </a:p>
+          <a:p>
+            <a:r>
+              <a:rPr lang="en-US" dirty="0" smtClean="0"/>
+              <a:t>Strings / Numbers</a:t>
+            </a:r>
+          </a:p>
+          <a:p>
+            <a:r>
+              <a:rPr lang="en-US" dirty="0" smtClean="0"/>
+              <a:t>Variables</a:t>
+            </a:r>
+          </a:p>
+          <a:p>
+            <a:r>
+              <a:rPr lang="en-US" dirty="0" smtClean="0"/>
+              <a:t>Comments</a:t>
+            </a:r>
+            <a:endParaRPr lang="en-US" dirty="0"/>
+          </a:p>
+        </p:txBody>
+      </p:sp>
+    </p:spTree>
+    <p:extLst>
+      <p:ext uri="{BB962C8B-B14F-4D97-AF65-F5344CB8AC3E}">
+        <p14:creationId xmlns:p14="http://schemas.microsoft.com/office/powerpoint/2010/main" val="2686902082"/>
+      </p:ext>
+    </p:extLst>
+  </p:cSld>
+  <p:clrMapOvr>
+    <a:masterClrMapping/>
+  </p:clrMapOvr>
+</p:sld>
+</file>
+
+<file path=ppt/slides/slide15.xml><?xml version="1.0" encoding="utf-8"?>
+<p:sld xmlns:a="http://schemas.openxmlformats.org/drawingml/2006/main" xmlns:r="http://schemas.openxmlformats.org/officeDocument/2006/relationships" xmlns:p="http://schemas.openxmlformats.org/presentationml/2006/main">
+  <p:cSld>
+    <p:spTree>
+      <p:nvGrpSpPr>
+        <p:cNvPr id="1" name=""/>
+        <p:cNvGrpSpPr/>
+        <p:nvPr/>
+      </p:nvGrpSpPr>
+      <p:grpSpPr>
+        <a:xfrm>
+          <a:off x="0" y="0"/>
+          <a:ext cx="0" cy="0"/>
+          <a:chOff x="0" y="0"/>
+          <a:chExt cx="0" cy="0"/>
+        </a:xfrm>
+      </p:grpSpPr>
+      <p:sp>
+        <p:nvSpPr>
+          <p:cNvPr id="2" name="Title 1"/>
+          <p:cNvSpPr>
+            <a:spLocks noGrp="1"/>
+          </p:cNvSpPr>
+          <p:nvPr>
+            <p:ph type="title"/>
+          </p:nvPr>
+        </p:nvSpPr>
+        <p:spPr/>
+        <p:txBody>
+          <a:bodyPr>
+            <a:normAutofit/>
+          </a:bodyPr>
+          <a:lstStyle/>
+          <a:p>
+            <a:r>
+              <a:rPr lang="en-US" dirty="0" smtClean="0"/>
+              <a:t>Break</a:t>
+            </a:r>
+            <a:endParaRPr lang="en-US" dirty="0"/>
+          </a:p>
+        </p:txBody>
+      </p:sp>
+      <p:sp>
+        <p:nvSpPr>
+          <p:cNvPr id="3" name="Content Placeholder 2"/>
+          <p:cNvSpPr>
+            <a:spLocks noGrp="1"/>
+          </p:cNvSpPr>
+          <p:nvPr>
+            <p:ph idx="1"/>
+          </p:nvPr>
+        </p:nvSpPr>
+        <p:spPr/>
+        <p:txBody>
+          <a:bodyPr/>
+          <a:lstStyle/>
+          <a:p>
+            <a:endParaRPr lang="en-US"/>
+          </a:p>
+        </p:txBody>
+      </p:sp>
+    </p:spTree>
+    <p:extLst>
+      <p:ext uri="{BB962C8B-B14F-4D97-AF65-F5344CB8AC3E}">
+        <p14:creationId xmlns:p14="http://schemas.microsoft.com/office/powerpoint/2010/main" val="3920042752"/>
+      </p:ext>
+    </p:extLst>
+  </p:cSld>
+  <p:clrMapOvr>
+    <a:masterClrMapping/>
+  </p:clrMapOvr>
+</p:sld>
+</file>
+
+<file path=ppt/slides/slide16.xml><?xml version="1.0" encoding="utf-8"?>
+<p:sld xmlns:a="http://schemas.openxmlformats.org/drawingml/2006/main" xmlns:r="http://schemas.openxmlformats.org/officeDocument/2006/relationships" xmlns:p="http://schemas.openxmlformats.org/presentationml/2006/main">
+  <p:cSld>
+    <p:spTree>
+      <p:nvGrpSpPr>
+        <p:cNvPr id="1" name=""/>
+        <p:cNvGrpSpPr/>
+        <p:nvPr/>
+      </p:nvGrpSpPr>
+      <p:grpSpPr>
+        <a:xfrm>
+          <a:off x="0" y="0"/>
+          <a:ext cx="0" cy="0"/>
+          <a:chOff x="0" y="0"/>
+          <a:chExt cx="0" cy="0"/>
+        </a:xfrm>
+      </p:grpSpPr>
+      <p:sp>
+        <p:nvSpPr>
+          <p:cNvPr id="2" name="Title 1"/>
+          <p:cNvSpPr>
+            <a:spLocks noGrp="1"/>
+          </p:cNvSpPr>
+          <p:nvPr>
+            <p:ph type="title"/>
+          </p:nvPr>
+        </p:nvSpPr>
+        <p:spPr/>
+        <p:txBody>
+          <a:bodyPr/>
+          <a:lstStyle/>
+          <a:p>
+            <a:r>
+              <a:rPr lang="en-US" dirty="0" smtClean="0"/>
+              <a:t>Programming concepts</a:t>
+            </a:r>
+            <a:endParaRPr lang="en-US" dirty="0"/>
+          </a:p>
+        </p:txBody>
+      </p:sp>
+      <p:sp>
+        <p:nvSpPr>
+          <p:cNvPr id="3" name="Content Placeholder 2"/>
+          <p:cNvSpPr>
+            <a:spLocks noGrp="1"/>
+          </p:cNvSpPr>
+          <p:nvPr>
+            <p:ph idx="1"/>
+          </p:nvPr>
+        </p:nvSpPr>
+        <p:spPr/>
+        <p:txBody>
+          <a:bodyPr/>
+          <a:lstStyle/>
+          <a:p>
+            <a:r>
+              <a:rPr lang="en-US" dirty="0" smtClean="0"/>
+              <a:t>Functions</a:t>
+            </a:r>
+          </a:p>
+          <a:p>
+            <a:pPr lvl="1"/>
+            <a:r>
+              <a:rPr lang="en-US" dirty="0" smtClean="0"/>
+              <a:t>Writing functions</a:t>
+            </a:r>
+          </a:p>
+          <a:p>
+            <a:pPr lvl="1"/>
+            <a:r>
+              <a:rPr lang="en-US" dirty="0" smtClean="0"/>
+              <a:t>Calling functions</a:t>
+            </a:r>
+          </a:p>
+          <a:p>
+            <a:pPr lvl="1"/>
+            <a:r>
+              <a:rPr lang="en-US" dirty="0" smtClean="0"/>
+              <a:t>Passing parameters to functions</a:t>
+            </a:r>
+          </a:p>
+          <a:p>
+            <a:pPr lvl="1"/>
+            <a:r>
+              <a:rPr lang="en-US" dirty="0" smtClean="0"/>
+              <a:t>Returning values from functions</a:t>
+            </a:r>
+            <a:endParaRPr lang="en-US" dirty="0"/>
+          </a:p>
+        </p:txBody>
+      </p:sp>
+    </p:spTree>
+    <p:extLst>
+      <p:ext uri="{BB962C8B-B14F-4D97-AF65-F5344CB8AC3E}">
+        <p14:creationId xmlns:p14="http://schemas.microsoft.com/office/powerpoint/2010/main" val="3221242589"/>
+      </p:ext>
+    </p:extLst>
+  </p:cSld>
+  <p:clrMapOvr>
+    <a:masterClrMapping/>
+  </p:clrMapOvr>
+</p:sld>
+</file>
+
+<file path=ppt/slides/slide17.xml><?xml version="1.0" encoding="utf-8"?>
+<p:sld xmlns:a="http://schemas.openxmlformats.org/drawingml/2006/main" xmlns:r="http://schemas.openxmlformats.org/officeDocument/2006/relationships" xmlns:p="http://schemas.openxmlformats.org/presentationml/2006/main">
+  <p:cSld>
+    <p:spTree>
+      <p:nvGrpSpPr>
+        <p:cNvPr id="1" name=""/>
+        <p:cNvGrpSpPr/>
+        <p:nvPr/>
+      </p:nvGrpSpPr>
+      <p:grpSpPr>
+        <a:xfrm>
+          <a:off x="0" y="0"/>
+          <a:ext cx="0" cy="0"/>
+          <a:chOff x="0" y="0"/>
+          <a:chExt cx="0" cy="0"/>
+        </a:xfrm>
+      </p:grpSpPr>
+      <p:sp>
+        <p:nvSpPr>
+          <p:cNvPr id="2" name="Title 1"/>
+          <p:cNvSpPr>
+            <a:spLocks noGrp="1"/>
+          </p:cNvSpPr>
+          <p:nvPr>
+            <p:ph type="title"/>
+          </p:nvPr>
+        </p:nvSpPr>
+        <p:spPr/>
+        <p:txBody>
+          <a:bodyPr/>
+          <a:lstStyle/>
+          <a:p>
+            <a:r>
+              <a:rPr lang="en-US" dirty="0" smtClean="0"/>
+              <a:t>Program – Hello [name]</a:t>
+            </a:r>
+            <a:endParaRPr lang="en-US" dirty="0"/>
+          </a:p>
+        </p:txBody>
+      </p:sp>
+      <p:sp>
+        <p:nvSpPr>
+          <p:cNvPr id="3" name="Content Placeholder 2"/>
+          <p:cNvSpPr>
+            <a:spLocks noGrp="1"/>
+          </p:cNvSpPr>
+          <p:nvPr>
+            <p:ph idx="1"/>
+          </p:nvPr>
+        </p:nvSpPr>
+        <p:spPr/>
+        <p:txBody>
+          <a:bodyPr/>
+          <a:lstStyle/>
+          <a:p>
+            <a:endParaRPr lang="en-US" dirty="0"/>
+          </a:p>
+        </p:txBody>
+      </p:sp>
+    </p:spTree>
+    <p:extLst>
+      <p:ext uri="{BB962C8B-B14F-4D97-AF65-F5344CB8AC3E}">
+        <p14:creationId xmlns:p14="http://schemas.microsoft.com/office/powerpoint/2010/main" val="4174675986"/>
+      </p:ext>
+    </p:extLst>
+  </p:cSld>
+  <p:clrMapOvr>
+    <a:masterClrMapping/>
+  </p:clrMapOvr>
+</p:sld>
+</file>
+
+<file path=ppt/slides/slide18.xml><?xml version="1.0" encoding="utf-8"?>
+<p:sld xmlns:a="http://schemas.openxmlformats.org/drawingml/2006/main" xmlns:r="http://schemas.openxmlformats.org/officeDocument/2006/relationships" xmlns:p="http://schemas.openxmlformats.org/presentationml/2006/main">
+  <p:cSld>
+    <p:spTree>
+      <p:nvGrpSpPr>
+        <p:cNvPr id="1" name=""/>
+        <p:cNvGrpSpPr/>
+        <p:nvPr/>
+      </p:nvGrpSpPr>
+      <p:grpSpPr>
+        <a:xfrm>
+          <a:off x="0" y="0"/>
+          <a:ext cx="0" cy="0"/>
+          <a:chOff x="0" y="0"/>
+          <a:chExt cx="0" cy="0"/>
+        </a:xfrm>
+      </p:grpSpPr>
+      <p:sp>
+        <p:nvSpPr>
+          <p:cNvPr id="2" name="Title 1"/>
+          <p:cNvSpPr>
+            <a:spLocks noGrp="1"/>
+          </p:cNvSpPr>
+          <p:nvPr>
+            <p:ph type="title"/>
+          </p:nvPr>
+        </p:nvSpPr>
+        <p:spPr/>
+        <p:txBody>
+          <a:bodyPr/>
+          <a:lstStyle/>
+          <a:p>
+            <a:r>
+              <a:rPr lang="en-US" dirty="0" smtClean="0"/>
+              <a:t>Importing libraries</a:t>
+            </a:r>
+            <a:endParaRPr lang="en-US" dirty="0"/>
+          </a:p>
+        </p:txBody>
+      </p:sp>
+      <p:sp>
+        <p:nvSpPr>
+          <p:cNvPr id="3" name="Content Placeholder 2"/>
+          <p:cNvSpPr>
+            <a:spLocks noGrp="1"/>
+          </p:cNvSpPr>
+          <p:nvPr>
+            <p:ph idx="1"/>
+          </p:nvPr>
+        </p:nvSpPr>
+        <p:spPr/>
+        <p:txBody>
+          <a:bodyPr/>
+          <a:lstStyle/>
+          <a:p>
+            <a:r>
+              <a:rPr lang="en-US" dirty="0" smtClean="0"/>
+              <a:t>Why?</a:t>
+            </a:r>
+          </a:p>
+          <a:p>
+            <a:r>
+              <a:rPr lang="en-US" dirty="0" smtClean="0"/>
+              <a:t>Where is this code?</a:t>
+            </a:r>
+          </a:p>
+          <a:p>
+            <a:r>
+              <a:rPr lang="en-US" dirty="0" smtClean="0"/>
+              <a:t>Can you build your own?</a:t>
+            </a:r>
+            <a:endParaRPr lang="en-US" dirty="0"/>
+          </a:p>
+        </p:txBody>
+      </p:sp>
+    </p:spTree>
+    <p:extLst>
+      <p:ext uri="{BB962C8B-B14F-4D97-AF65-F5344CB8AC3E}">
+        <p14:creationId xmlns:p14="http://schemas.microsoft.com/office/powerpoint/2010/main" val="1877813157"/>
+      </p:ext>
+    </p:extLst>
+  </p:cSld>
+  <p:clrMapOvr>
+    <a:masterClrMapping/>
+  </p:clrMapOvr>
+</p:sld>
+</file>
+
+<file path=ppt/slides/slide19.xml><?xml version="1.0" encoding="utf-8"?>
+<p:sld xmlns:a="http://schemas.openxmlformats.org/drawingml/2006/main" xmlns:r="http://schemas.openxmlformats.org/officeDocument/2006/relationships" xmlns:p="http://schemas.openxmlformats.org/presentationml/2006/main">
+  <p:cSld>
+    <p:spTree>
+      <p:nvGrpSpPr>
+        <p:cNvPr id="1" name=""/>
+        <p:cNvGrpSpPr/>
+        <p:nvPr/>
+      </p:nvGrpSpPr>
+      <p:grpSpPr>
+        <a:xfrm>
+          <a:off x="0" y="0"/>
+          <a:ext cx="0" cy="0"/>
+          <a:chOff x="0" y="0"/>
+          <a:chExt cx="0" cy="0"/>
+        </a:xfrm>
+      </p:grpSpPr>
+      <p:sp>
+        <p:nvSpPr>
+          <p:cNvPr id="2" name="Title 1"/>
+          <p:cNvSpPr>
+            <a:spLocks noGrp="1"/>
+          </p:cNvSpPr>
+          <p:nvPr>
+            <p:ph type="title"/>
+          </p:nvPr>
+        </p:nvSpPr>
+        <p:spPr/>
+        <p:txBody>
+          <a:bodyPr/>
+          <a:lstStyle/>
+          <a:p>
+            <a:r>
+              <a:rPr lang="en-US" dirty="0" smtClean="0"/>
+              <a:t>Raspberry Pi Software</a:t>
+            </a:r>
+            <a:endParaRPr lang="en-US" dirty="0"/>
+          </a:p>
+        </p:txBody>
+      </p:sp>
+      <p:sp>
+        <p:nvSpPr>
+          <p:cNvPr id="3" name="Content Placeholder 2"/>
+          <p:cNvSpPr>
+            <a:spLocks noGrp="1"/>
+          </p:cNvSpPr>
+          <p:nvPr>
+            <p:ph idx="1"/>
+          </p:nvPr>
+        </p:nvSpPr>
+        <p:spPr/>
+        <p:txBody>
+          <a:bodyPr/>
+          <a:lstStyle/>
+          <a:p>
+            <a:r>
+              <a:rPr lang="en-US" dirty="0" smtClean="0"/>
+              <a:t>Copy source code</a:t>
+            </a:r>
+          </a:p>
+          <a:p>
+            <a:r>
+              <a:rPr lang="en-US" dirty="0" smtClean="0"/>
+              <a:t>Run it</a:t>
+            </a:r>
+          </a:p>
+          <a:p>
+            <a:r>
+              <a:rPr lang="en-US" dirty="0" smtClean="0"/>
+              <a:t>Explain it</a:t>
+            </a:r>
+          </a:p>
+          <a:p>
+            <a:r>
+              <a:rPr lang="en-US" dirty="0" smtClean="0"/>
+              <a:t>Change – leave light on for 5 seconds after pushing button</a:t>
+            </a:r>
+            <a:endParaRPr lang="en-US" dirty="0"/>
+          </a:p>
+        </p:txBody>
+      </p:sp>
+    </p:spTree>
+    <p:extLst>
+      <p:ext uri="{BB962C8B-B14F-4D97-AF65-F5344CB8AC3E}">
+        <p14:creationId xmlns:p14="http://schemas.microsoft.com/office/powerpoint/2010/main" val="2634014740"/>
+      </p:ext>
+    </p:extLst>
+  </p:cSld>
+  <p:clrMapOvr>
+    <a:masterClrMapping/>
+  </p:clrMapOvr>
+</p:sld>
+</file>
+
 <file path=ppt/slides/slide2.xml><?xml version="1.0" encoding="utf-8"?>
 <p:sld xmlns:a="http://schemas.openxmlformats.org/drawingml/2006/main" xmlns:r="http://schemas.openxmlformats.org/officeDocument/2006/relationships" xmlns:p="http://schemas.openxmlformats.org/presentationml/2006/main">
   <p:cSld>
@@ -12556,13 +13481,13 @@
           </a:p>
           <a:p>
             <a:r>
-              <a:rPr lang="en-US" dirty="0"/>
+              <a:rPr lang="en-US" dirty="0" smtClean="0"/>
               <a:t>“Hello World!”</a:t>
             </a:r>
           </a:p>
           <a:p>
             <a:r>
-              <a:rPr lang="en-US" dirty="0"/>
+              <a:rPr lang="en-US" dirty="0" smtClean="0"/>
               <a:t>Wiring up the Raspberry Pi</a:t>
             </a:r>
           </a:p>
@@ -12578,6 +13503,953 @@
     <p:extLst>
       <p:ext uri="{BB962C8B-B14F-4D97-AF65-F5344CB8AC3E}">
         <p14:creationId xmlns:p14="http://schemas.microsoft.com/office/powerpoint/2010/main" val="1058106917"/>
+      </p:ext>
+    </p:extLst>
+  </p:cSld>
+  <p:clrMapOvr>
+    <a:masterClrMapping/>
+  </p:clrMapOvr>
+</p:sld>
+</file>
+
+<file path=ppt/slides/slide20.xml><?xml version="1.0" encoding="utf-8"?>
+<p:sld xmlns:a="http://schemas.openxmlformats.org/drawingml/2006/main" xmlns:r="http://schemas.openxmlformats.org/officeDocument/2006/relationships" xmlns:p="http://schemas.openxmlformats.org/presentationml/2006/main">
+  <p:cSld>
+    <p:spTree>
+      <p:nvGrpSpPr>
+        <p:cNvPr id="1" name=""/>
+        <p:cNvGrpSpPr/>
+        <p:nvPr/>
+      </p:nvGrpSpPr>
+      <p:grpSpPr>
+        <a:xfrm>
+          <a:off x="0" y="0"/>
+          <a:ext cx="0" cy="0"/>
+          <a:chOff x="0" y="0"/>
+          <a:chExt cx="0" cy="0"/>
+        </a:xfrm>
+      </p:grpSpPr>
+      <p:sp>
+        <p:nvSpPr>
+          <p:cNvPr id="2" name="Title 1"/>
+          <p:cNvSpPr>
+            <a:spLocks noGrp="1"/>
+          </p:cNvSpPr>
+          <p:nvPr>
+            <p:ph type="title"/>
+          </p:nvPr>
+        </p:nvSpPr>
+        <p:spPr/>
+        <p:txBody>
+          <a:bodyPr/>
+          <a:lstStyle/>
+          <a:p>
+            <a:r>
+              <a:rPr lang="en-US" dirty="0" smtClean="0"/>
+              <a:t>Break</a:t>
+            </a:r>
+            <a:endParaRPr lang="en-US" dirty="0"/>
+          </a:p>
+        </p:txBody>
+      </p:sp>
+      <p:sp>
+        <p:nvSpPr>
+          <p:cNvPr id="3" name="Content Placeholder 2"/>
+          <p:cNvSpPr>
+            <a:spLocks noGrp="1"/>
+          </p:cNvSpPr>
+          <p:nvPr>
+            <p:ph idx="1"/>
+          </p:nvPr>
+        </p:nvSpPr>
+        <p:spPr/>
+        <p:txBody>
+          <a:bodyPr/>
+          <a:lstStyle/>
+          <a:p>
+            <a:endParaRPr lang="en-US"/>
+          </a:p>
+        </p:txBody>
+      </p:sp>
+    </p:spTree>
+    <p:extLst>
+      <p:ext uri="{BB962C8B-B14F-4D97-AF65-F5344CB8AC3E}">
+        <p14:creationId xmlns:p14="http://schemas.microsoft.com/office/powerpoint/2010/main" val="367889435"/>
+      </p:ext>
+    </p:extLst>
+  </p:cSld>
+  <p:clrMapOvr>
+    <a:masterClrMapping/>
+  </p:clrMapOvr>
+</p:sld>
+</file>
+
+<file path=ppt/slides/slide21.xml><?xml version="1.0" encoding="utf-8"?>
+<p:sld xmlns:a="http://schemas.openxmlformats.org/drawingml/2006/main" xmlns:r="http://schemas.openxmlformats.org/officeDocument/2006/relationships" xmlns:p="http://schemas.openxmlformats.org/presentationml/2006/main">
+  <p:cSld>
+    <p:spTree>
+      <p:nvGrpSpPr>
+        <p:cNvPr id="1" name=""/>
+        <p:cNvGrpSpPr/>
+        <p:nvPr/>
+      </p:nvGrpSpPr>
+      <p:grpSpPr>
+        <a:xfrm>
+          <a:off x="0" y="0"/>
+          <a:ext cx="0" cy="0"/>
+          <a:chOff x="0" y="0"/>
+          <a:chExt cx="0" cy="0"/>
+        </a:xfrm>
+      </p:grpSpPr>
+      <p:sp>
+        <p:nvSpPr>
+          <p:cNvPr id="2" name="Title 1"/>
+          <p:cNvSpPr>
+            <a:spLocks noGrp="1"/>
+          </p:cNvSpPr>
+          <p:nvPr>
+            <p:ph type="title"/>
+          </p:nvPr>
+        </p:nvSpPr>
+        <p:spPr/>
+        <p:txBody>
+          <a:bodyPr/>
+          <a:lstStyle/>
+          <a:p>
+            <a:r>
+              <a:rPr lang="en-US" dirty="0" smtClean="0"/>
+              <a:t>Send an email</a:t>
+            </a:r>
+            <a:endParaRPr lang="en-US" dirty="0"/>
+          </a:p>
+        </p:txBody>
+      </p:sp>
+      <p:sp>
+        <p:nvSpPr>
+          <p:cNvPr id="3" name="Content Placeholder 2"/>
+          <p:cNvSpPr>
+            <a:spLocks noGrp="1"/>
+          </p:cNvSpPr>
+          <p:nvPr>
+            <p:ph idx="1"/>
+          </p:nvPr>
+        </p:nvSpPr>
+        <p:spPr/>
+        <p:txBody>
+          <a:bodyPr/>
+          <a:lstStyle/>
+          <a:p>
+            <a:r>
+              <a:rPr lang="en-US" dirty="0" smtClean="0"/>
+              <a:t>Basic send email code</a:t>
+            </a:r>
+          </a:p>
+          <a:p>
+            <a:pPr lvl="1"/>
+            <a:r>
+              <a:rPr lang="en-US" dirty="0" smtClean="0"/>
+              <a:t>To: </a:t>
+            </a:r>
+            <a:r>
+              <a:rPr lang="en-US" dirty="0" smtClean="0">
+                <a:hlinkClick r:id="rId2"/>
+              </a:rPr>
+              <a:t>Thom.Christensen@Schroders.com</a:t>
+            </a:r>
+            <a:endParaRPr lang="en-US" dirty="0" smtClean="0"/>
+          </a:p>
+          <a:p>
+            <a:pPr lvl="1"/>
+            <a:r>
+              <a:rPr lang="en-US" dirty="0" smtClean="0"/>
+              <a:t>Subject: Sending a test email from my raspberry pi</a:t>
+            </a:r>
+          </a:p>
+          <a:p>
+            <a:pPr lvl="1"/>
+            <a:r>
+              <a:rPr lang="en-US" dirty="0" smtClean="0"/>
+              <a:t>Body: Make something up :-)</a:t>
+            </a:r>
+          </a:p>
+          <a:p>
+            <a:r>
+              <a:rPr lang="en-US" dirty="0" smtClean="0"/>
+              <a:t>Not in a function (Sami’s example)</a:t>
+            </a:r>
+          </a:p>
+          <a:p>
+            <a:r>
+              <a:rPr lang="en-US" dirty="0" smtClean="0"/>
+              <a:t>Test it</a:t>
+            </a:r>
+          </a:p>
+          <a:p>
+            <a:r>
+              <a:rPr lang="en-US" dirty="0" smtClean="0"/>
+              <a:t>Put it in a function &amp; test</a:t>
+            </a:r>
+            <a:endParaRPr lang="en-US" dirty="0"/>
+          </a:p>
+        </p:txBody>
+      </p:sp>
+    </p:spTree>
+    <p:extLst>
+      <p:ext uri="{BB962C8B-B14F-4D97-AF65-F5344CB8AC3E}">
+        <p14:creationId xmlns:p14="http://schemas.microsoft.com/office/powerpoint/2010/main" val="2500281021"/>
+      </p:ext>
+    </p:extLst>
+  </p:cSld>
+  <p:clrMapOvr>
+    <a:masterClrMapping/>
+  </p:clrMapOvr>
+</p:sld>
+</file>
+
+<file path=ppt/slides/slide22.xml><?xml version="1.0" encoding="utf-8"?>
+<p:sld xmlns:a="http://schemas.openxmlformats.org/drawingml/2006/main" xmlns:r="http://schemas.openxmlformats.org/officeDocument/2006/relationships" xmlns:p="http://schemas.openxmlformats.org/presentationml/2006/main">
+  <p:cSld>
+    <p:spTree>
+      <p:nvGrpSpPr>
+        <p:cNvPr id="1" name=""/>
+        <p:cNvGrpSpPr/>
+        <p:nvPr/>
+      </p:nvGrpSpPr>
+      <p:grpSpPr>
+        <a:xfrm>
+          <a:off x="0" y="0"/>
+          <a:ext cx="0" cy="0"/>
+          <a:chOff x="0" y="0"/>
+          <a:chExt cx="0" cy="0"/>
+        </a:xfrm>
+      </p:grpSpPr>
+      <p:sp>
+        <p:nvSpPr>
+          <p:cNvPr id="2" name="Title 1"/>
+          <p:cNvSpPr>
+            <a:spLocks noGrp="1"/>
+          </p:cNvSpPr>
+          <p:nvPr>
+            <p:ph type="title"/>
+          </p:nvPr>
+        </p:nvSpPr>
+        <p:spPr/>
+        <p:txBody>
+          <a:bodyPr/>
+          <a:lstStyle/>
+          <a:p>
+            <a:r>
+              <a:rPr lang="en-US" dirty="0" smtClean="0"/>
+              <a:t>Build a class</a:t>
+            </a:r>
+            <a:endParaRPr lang="en-US" dirty="0"/>
+          </a:p>
+        </p:txBody>
+      </p:sp>
+      <p:sp>
+        <p:nvSpPr>
+          <p:cNvPr id="3" name="Content Placeholder 2"/>
+          <p:cNvSpPr>
+            <a:spLocks noGrp="1"/>
+          </p:cNvSpPr>
+          <p:nvPr>
+            <p:ph idx="1"/>
+          </p:nvPr>
+        </p:nvSpPr>
+        <p:spPr/>
+        <p:txBody>
+          <a:bodyPr/>
+          <a:lstStyle/>
+          <a:p>
+            <a:r>
+              <a:rPr lang="en-US" dirty="0" smtClean="0"/>
+              <a:t>What is a class</a:t>
+            </a:r>
+          </a:p>
+          <a:p>
+            <a:r>
+              <a:rPr lang="en-US" dirty="0" smtClean="0"/>
+              <a:t>Why?</a:t>
+            </a:r>
+          </a:p>
+          <a:p>
+            <a:r>
+              <a:rPr lang="en-US" dirty="0" smtClean="0"/>
+              <a:t>How?</a:t>
+            </a:r>
+            <a:endParaRPr lang="en-US" dirty="0"/>
+          </a:p>
+        </p:txBody>
+      </p:sp>
+    </p:spTree>
+    <p:extLst>
+      <p:ext uri="{BB962C8B-B14F-4D97-AF65-F5344CB8AC3E}">
+        <p14:creationId xmlns:p14="http://schemas.microsoft.com/office/powerpoint/2010/main" val="2967063638"/>
+      </p:ext>
+    </p:extLst>
+  </p:cSld>
+  <p:clrMapOvr>
+    <a:masterClrMapping/>
+  </p:clrMapOvr>
+</p:sld>
+</file>
+
+<file path=ppt/slides/slide23.xml><?xml version="1.0" encoding="utf-8"?>
+<p:sld xmlns:a="http://schemas.openxmlformats.org/drawingml/2006/main" xmlns:r="http://schemas.openxmlformats.org/officeDocument/2006/relationships" xmlns:p="http://schemas.openxmlformats.org/presentationml/2006/main">
+  <p:cSld>
+    <p:spTree>
+      <p:nvGrpSpPr>
+        <p:cNvPr id="1" name=""/>
+        <p:cNvGrpSpPr/>
+        <p:nvPr/>
+      </p:nvGrpSpPr>
+      <p:grpSpPr>
+        <a:xfrm>
+          <a:off x="0" y="0"/>
+          <a:ext cx="0" cy="0"/>
+          <a:chOff x="0" y="0"/>
+          <a:chExt cx="0" cy="0"/>
+        </a:xfrm>
+      </p:grpSpPr>
+      <p:sp>
+        <p:nvSpPr>
+          <p:cNvPr id="2" name="Title 1"/>
+          <p:cNvSpPr>
+            <a:spLocks noGrp="1"/>
+          </p:cNvSpPr>
+          <p:nvPr>
+            <p:ph type="title"/>
+          </p:nvPr>
+        </p:nvSpPr>
+        <p:spPr/>
+        <p:txBody>
+          <a:bodyPr/>
+          <a:lstStyle/>
+          <a:p>
+            <a:r>
+              <a:rPr lang="en-US" dirty="0" smtClean="0"/>
+              <a:t>Enhanced send an email</a:t>
+            </a:r>
+            <a:endParaRPr lang="en-US" dirty="0"/>
+          </a:p>
+        </p:txBody>
+      </p:sp>
+      <p:sp>
+        <p:nvSpPr>
+          <p:cNvPr id="3" name="Content Placeholder 2"/>
+          <p:cNvSpPr>
+            <a:spLocks noGrp="1"/>
+          </p:cNvSpPr>
+          <p:nvPr>
+            <p:ph idx="1"/>
+          </p:nvPr>
+        </p:nvSpPr>
+        <p:spPr/>
+        <p:txBody>
+          <a:bodyPr/>
+          <a:lstStyle/>
+          <a:p>
+            <a:r>
+              <a:rPr lang="en-US" dirty="0" smtClean="0"/>
+              <a:t>Take email function and put it in a class</a:t>
+            </a:r>
+          </a:p>
+          <a:p>
+            <a:r>
+              <a:rPr lang="en-US" dirty="0" smtClean="0"/>
+              <a:t>Import into push button, and turn on light and send the email when button is pressed</a:t>
+            </a:r>
+          </a:p>
+          <a:p>
+            <a:r>
+              <a:rPr lang="en-US" dirty="0" smtClean="0"/>
+              <a:t>Count the number of times the button is pressed</a:t>
+            </a:r>
+          </a:p>
+          <a:p>
+            <a:r>
+              <a:rPr lang="en-US" dirty="0" smtClean="0"/>
+              <a:t>Save the number of times the button is pressed between reboots</a:t>
+            </a:r>
+            <a:endParaRPr lang="en-US" dirty="0"/>
+          </a:p>
+        </p:txBody>
+      </p:sp>
+    </p:spTree>
+    <p:extLst>
+      <p:ext uri="{BB962C8B-B14F-4D97-AF65-F5344CB8AC3E}">
+        <p14:creationId xmlns:p14="http://schemas.microsoft.com/office/powerpoint/2010/main" val="3997814917"/>
+      </p:ext>
+    </p:extLst>
+  </p:cSld>
+  <p:clrMapOvr>
+    <a:masterClrMapping/>
+  </p:clrMapOvr>
+</p:sld>
+</file>
+
+<file path=ppt/slides/slide24.xml><?xml version="1.0" encoding="utf-8"?>
+<p:sld xmlns:a="http://schemas.openxmlformats.org/drawingml/2006/main" xmlns:r="http://schemas.openxmlformats.org/officeDocument/2006/relationships" xmlns:p="http://schemas.openxmlformats.org/presentationml/2006/main">
+  <p:cSld>
+    <p:spTree>
+      <p:nvGrpSpPr>
+        <p:cNvPr id="1" name=""/>
+        <p:cNvGrpSpPr/>
+        <p:nvPr/>
+      </p:nvGrpSpPr>
+      <p:grpSpPr>
+        <a:xfrm>
+          <a:off x="0" y="0"/>
+          <a:ext cx="0" cy="0"/>
+          <a:chOff x="0" y="0"/>
+          <a:chExt cx="0" cy="0"/>
+        </a:xfrm>
+      </p:grpSpPr>
+      <p:sp>
+        <p:nvSpPr>
+          <p:cNvPr id="2" name="Title 1"/>
+          <p:cNvSpPr>
+            <a:spLocks noGrp="1"/>
+          </p:cNvSpPr>
+          <p:nvPr>
+            <p:ph type="title"/>
+          </p:nvPr>
+        </p:nvSpPr>
+        <p:spPr/>
+        <p:txBody>
+          <a:bodyPr/>
+          <a:lstStyle/>
+          <a:p>
+            <a:r>
+              <a:rPr lang="en-US" dirty="0" smtClean="0"/>
+              <a:t>Day 3: working with the business</a:t>
+            </a:r>
+            <a:endParaRPr lang="en-GB" dirty="0"/>
+          </a:p>
+        </p:txBody>
+      </p:sp>
+      <p:sp>
+        <p:nvSpPr>
+          <p:cNvPr id="3" name="Content Placeholder 2"/>
+          <p:cNvSpPr>
+            <a:spLocks noGrp="1"/>
+          </p:cNvSpPr>
+          <p:nvPr>
+            <p:ph idx="1"/>
+          </p:nvPr>
+        </p:nvSpPr>
+        <p:spPr/>
+        <p:txBody>
+          <a:bodyPr/>
+          <a:lstStyle/>
+          <a:p>
+            <a:r>
+              <a:rPr lang="en-US" dirty="0"/>
+              <a:t>The basics of Service Management</a:t>
+            </a:r>
+          </a:p>
+          <a:p>
+            <a:r>
+              <a:rPr lang="en-US" dirty="0"/>
+              <a:t>Introduction to </a:t>
+            </a:r>
+            <a:r>
+              <a:rPr lang="en-US" dirty="0" err="1"/>
+              <a:t>ServiceNow</a:t>
+            </a:r>
+            <a:endParaRPr lang="en-US" dirty="0"/>
+          </a:p>
+          <a:p>
+            <a:r>
+              <a:rPr lang="en-US" dirty="0"/>
+              <a:t>Send Email to </a:t>
+            </a:r>
+            <a:r>
+              <a:rPr lang="en-US" dirty="0" err="1"/>
+              <a:t>ServiceNow</a:t>
+            </a:r>
+            <a:endParaRPr lang="en-US" dirty="0"/>
+          </a:p>
+          <a:p>
+            <a:r>
+              <a:rPr lang="en-US" dirty="0"/>
+              <a:t>Reporting on issues</a:t>
+            </a:r>
+          </a:p>
+          <a:p>
+            <a:r>
+              <a:rPr lang="en-US" dirty="0"/>
+              <a:t>Device Registration</a:t>
+            </a:r>
+          </a:p>
+          <a:p>
+            <a:r>
+              <a:rPr lang="en-US" dirty="0"/>
+              <a:t>Ticket validation / Preventing Spam</a:t>
+            </a:r>
+          </a:p>
+          <a:p>
+            <a:endParaRPr lang="en-US" dirty="0"/>
+          </a:p>
+          <a:p>
+            <a:endParaRPr lang="en-GB" dirty="0"/>
+          </a:p>
+        </p:txBody>
+      </p:sp>
+    </p:spTree>
+    <p:extLst>
+      <p:ext uri="{BB962C8B-B14F-4D97-AF65-F5344CB8AC3E}">
+        <p14:creationId xmlns:p14="http://schemas.microsoft.com/office/powerpoint/2010/main" val="138573571"/>
+      </p:ext>
+    </p:extLst>
+  </p:cSld>
+  <p:clrMapOvr>
+    <a:masterClrMapping/>
+  </p:clrMapOvr>
+</p:sld>
+</file>
+
+<file path=ppt/slides/slide25.xml><?xml version="1.0" encoding="utf-8"?>
+<p:sld xmlns:a="http://schemas.openxmlformats.org/drawingml/2006/main" xmlns:r="http://schemas.openxmlformats.org/officeDocument/2006/relationships" xmlns:p="http://schemas.openxmlformats.org/presentationml/2006/main">
+  <p:cSld>
+    <p:spTree>
+      <p:nvGrpSpPr>
+        <p:cNvPr id="1" name=""/>
+        <p:cNvGrpSpPr/>
+        <p:nvPr/>
+      </p:nvGrpSpPr>
+      <p:grpSpPr>
+        <a:xfrm>
+          <a:off x="0" y="0"/>
+          <a:ext cx="0" cy="0"/>
+          <a:chOff x="0" y="0"/>
+          <a:chExt cx="0" cy="0"/>
+        </a:xfrm>
+      </p:grpSpPr>
+      <p:sp>
+        <p:nvSpPr>
+          <p:cNvPr id="2" name="Title 1"/>
+          <p:cNvSpPr>
+            <a:spLocks noGrp="1"/>
+          </p:cNvSpPr>
+          <p:nvPr>
+            <p:ph type="title"/>
+          </p:nvPr>
+        </p:nvSpPr>
+        <p:spPr/>
+        <p:txBody>
+          <a:bodyPr/>
+          <a:lstStyle/>
+          <a:p>
+            <a:r>
+              <a:rPr lang="en-US" dirty="0" smtClean="0"/>
+              <a:t>Service Management</a:t>
+            </a:r>
+            <a:endParaRPr lang="en-US" dirty="0"/>
+          </a:p>
+        </p:txBody>
+      </p:sp>
+      <p:sp>
+        <p:nvSpPr>
+          <p:cNvPr id="3" name="Content Placeholder 2"/>
+          <p:cNvSpPr>
+            <a:spLocks noGrp="1"/>
+          </p:cNvSpPr>
+          <p:nvPr>
+            <p:ph idx="1"/>
+          </p:nvPr>
+        </p:nvSpPr>
+        <p:spPr/>
+        <p:txBody>
+          <a:bodyPr/>
+          <a:lstStyle/>
+          <a:p>
+            <a:r>
+              <a:rPr lang="en-US" dirty="0" smtClean="0"/>
+              <a:t>Why is this needed?</a:t>
+            </a:r>
+          </a:p>
+          <a:p>
+            <a:r>
+              <a:rPr lang="en-US" dirty="0" smtClean="0"/>
+              <a:t>What </a:t>
+            </a:r>
+            <a:r>
+              <a:rPr lang="en-US" dirty="0" err="1" smtClean="0"/>
+              <a:t>ServiceNow</a:t>
+            </a:r>
+            <a:r>
+              <a:rPr lang="en-US" dirty="0" smtClean="0"/>
+              <a:t> does</a:t>
+            </a:r>
+          </a:p>
+          <a:p>
+            <a:r>
+              <a:rPr lang="en-US" dirty="0" smtClean="0"/>
+              <a:t>Issue lifecycle</a:t>
+            </a:r>
+          </a:p>
+          <a:p>
+            <a:r>
+              <a:rPr lang="en-US" dirty="0" smtClean="0"/>
+              <a:t>Send an alert to </a:t>
+            </a:r>
+            <a:r>
+              <a:rPr lang="en-US" dirty="0" err="1" smtClean="0"/>
+              <a:t>ServiceNow</a:t>
+            </a:r>
+            <a:endParaRPr lang="en-US" dirty="0" smtClean="0"/>
+          </a:p>
+          <a:p>
+            <a:endParaRPr lang="en-US" dirty="0"/>
+          </a:p>
+        </p:txBody>
+      </p:sp>
+    </p:spTree>
+    <p:extLst>
+      <p:ext uri="{BB962C8B-B14F-4D97-AF65-F5344CB8AC3E}">
+        <p14:creationId xmlns:p14="http://schemas.microsoft.com/office/powerpoint/2010/main" val="1158526004"/>
+      </p:ext>
+    </p:extLst>
+  </p:cSld>
+  <p:clrMapOvr>
+    <a:masterClrMapping/>
+  </p:clrMapOvr>
+</p:sld>
+</file>
+
+<file path=ppt/slides/slide26.xml><?xml version="1.0" encoding="utf-8"?>
+<p:sld xmlns:a="http://schemas.openxmlformats.org/drawingml/2006/main" xmlns:r="http://schemas.openxmlformats.org/officeDocument/2006/relationships" xmlns:p="http://schemas.openxmlformats.org/presentationml/2006/main">
+  <p:cSld>
+    <p:spTree>
+      <p:nvGrpSpPr>
+        <p:cNvPr id="1" name=""/>
+        <p:cNvGrpSpPr/>
+        <p:nvPr/>
+      </p:nvGrpSpPr>
+      <p:grpSpPr>
+        <a:xfrm>
+          <a:off x="0" y="0"/>
+          <a:ext cx="0" cy="0"/>
+          <a:chOff x="0" y="0"/>
+          <a:chExt cx="0" cy="0"/>
+        </a:xfrm>
+      </p:grpSpPr>
+      <p:sp>
+        <p:nvSpPr>
+          <p:cNvPr id="2" name="Title 1"/>
+          <p:cNvSpPr>
+            <a:spLocks noGrp="1"/>
+          </p:cNvSpPr>
+          <p:nvPr>
+            <p:ph type="title"/>
+          </p:nvPr>
+        </p:nvSpPr>
+        <p:spPr/>
+        <p:txBody>
+          <a:bodyPr/>
+          <a:lstStyle/>
+          <a:p>
+            <a:r>
+              <a:rPr lang="en-US" dirty="0" smtClean="0"/>
+              <a:t>Identifying unique devices </a:t>
+            </a:r>
+            <a:endParaRPr lang="en-US" dirty="0"/>
+          </a:p>
+        </p:txBody>
+      </p:sp>
+      <p:sp>
+        <p:nvSpPr>
+          <p:cNvPr id="3" name="Content Placeholder 2"/>
+          <p:cNvSpPr>
+            <a:spLocks noGrp="1"/>
+          </p:cNvSpPr>
+          <p:nvPr>
+            <p:ph idx="1"/>
+          </p:nvPr>
+        </p:nvSpPr>
+        <p:spPr/>
+        <p:txBody>
+          <a:bodyPr/>
+          <a:lstStyle/>
+          <a:p>
+            <a:endParaRPr lang="en-US"/>
+          </a:p>
+        </p:txBody>
+      </p:sp>
+    </p:spTree>
+    <p:extLst>
+      <p:ext uri="{BB962C8B-B14F-4D97-AF65-F5344CB8AC3E}">
+        <p14:creationId xmlns:p14="http://schemas.microsoft.com/office/powerpoint/2010/main" val="2115797855"/>
+      </p:ext>
+    </p:extLst>
+  </p:cSld>
+  <p:clrMapOvr>
+    <a:masterClrMapping/>
+  </p:clrMapOvr>
+</p:sld>
+</file>
+
+<file path=ppt/slides/slide27.xml><?xml version="1.0" encoding="utf-8"?>
+<p:sld xmlns:a="http://schemas.openxmlformats.org/drawingml/2006/main" xmlns:r="http://schemas.openxmlformats.org/officeDocument/2006/relationships" xmlns:p="http://schemas.openxmlformats.org/presentationml/2006/main">
+  <p:cSld>
+    <p:spTree>
+      <p:nvGrpSpPr>
+        <p:cNvPr id="1" name=""/>
+        <p:cNvGrpSpPr/>
+        <p:nvPr/>
+      </p:nvGrpSpPr>
+      <p:grpSpPr>
+        <a:xfrm>
+          <a:off x="0" y="0"/>
+          <a:ext cx="0" cy="0"/>
+          <a:chOff x="0" y="0"/>
+          <a:chExt cx="0" cy="0"/>
+        </a:xfrm>
+      </p:grpSpPr>
+      <p:sp>
+        <p:nvSpPr>
+          <p:cNvPr id="2" name="Title 1"/>
+          <p:cNvSpPr>
+            <a:spLocks noGrp="1"/>
+          </p:cNvSpPr>
+          <p:nvPr>
+            <p:ph type="title"/>
+          </p:nvPr>
+        </p:nvSpPr>
+        <p:spPr/>
+        <p:txBody>
+          <a:bodyPr/>
+          <a:lstStyle/>
+          <a:p>
+            <a:r>
+              <a:rPr lang="en-US" dirty="0" smtClean="0"/>
+              <a:t>Checking if a service call is open</a:t>
+            </a:r>
+            <a:endParaRPr lang="en-US" dirty="0"/>
+          </a:p>
+        </p:txBody>
+      </p:sp>
+      <p:sp>
+        <p:nvSpPr>
+          <p:cNvPr id="3" name="Content Placeholder 2"/>
+          <p:cNvSpPr>
+            <a:spLocks noGrp="1"/>
+          </p:cNvSpPr>
+          <p:nvPr>
+            <p:ph idx="1"/>
+          </p:nvPr>
+        </p:nvSpPr>
+        <p:spPr/>
+        <p:txBody>
+          <a:bodyPr/>
+          <a:lstStyle/>
+          <a:p>
+            <a:endParaRPr lang="en-US" dirty="0"/>
+          </a:p>
+        </p:txBody>
+      </p:sp>
+    </p:spTree>
+    <p:extLst>
+      <p:ext uri="{BB962C8B-B14F-4D97-AF65-F5344CB8AC3E}">
+        <p14:creationId xmlns:p14="http://schemas.microsoft.com/office/powerpoint/2010/main" val="3955968203"/>
+      </p:ext>
+    </p:extLst>
+  </p:cSld>
+  <p:clrMapOvr>
+    <a:masterClrMapping/>
+  </p:clrMapOvr>
+</p:sld>
+</file>
+
+<file path=ppt/slides/slide28.xml><?xml version="1.0" encoding="utf-8"?>
+<p:sld xmlns:a="http://schemas.openxmlformats.org/drawingml/2006/main" xmlns:r="http://schemas.openxmlformats.org/officeDocument/2006/relationships" xmlns:p="http://schemas.openxmlformats.org/presentationml/2006/main">
+  <p:cSld>
+    <p:spTree>
+      <p:nvGrpSpPr>
+        <p:cNvPr id="1" name=""/>
+        <p:cNvGrpSpPr/>
+        <p:nvPr/>
+      </p:nvGrpSpPr>
+      <p:grpSpPr>
+        <a:xfrm>
+          <a:off x="0" y="0"/>
+          <a:ext cx="0" cy="0"/>
+          <a:chOff x="0" y="0"/>
+          <a:chExt cx="0" cy="0"/>
+        </a:xfrm>
+      </p:grpSpPr>
+      <p:sp>
+        <p:nvSpPr>
+          <p:cNvPr id="2" name="Title 1"/>
+          <p:cNvSpPr>
+            <a:spLocks noGrp="1"/>
+          </p:cNvSpPr>
+          <p:nvPr>
+            <p:ph type="title"/>
+          </p:nvPr>
+        </p:nvSpPr>
+        <p:spPr/>
+        <p:txBody>
+          <a:bodyPr/>
+          <a:lstStyle/>
+          <a:p>
+            <a:r>
+              <a:rPr lang="en-US" dirty="0" smtClean="0"/>
+              <a:t>Day 4: maturing the model</a:t>
+            </a:r>
+            <a:endParaRPr lang="en-GB" dirty="0"/>
+          </a:p>
+        </p:txBody>
+      </p:sp>
+      <p:sp>
+        <p:nvSpPr>
+          <p:cNvPr id="3" name="Content Placeholder 2"/>
+          <p:cNvSpPr>
+            <a:spLocks noGrp="1"/>
+          </p:cNvSpPr>
+          <p:nvPr>
+            <p:ph idx="1"/>
+          </p:nvPr>
+        </p:nvSpPr>
+        <p:spPr/>
+        <p:txBody>
+          <a:bodyPr>
+            <a:normAutofit fontScale="92500" lnSpcReduction="10000"/>
+          </a:bodyPr>
+          <a:lstStyle/>
+          <a:p>
+            <a:r>
+              <a:rPr lang="en-US" dirty="0"/>
+              <a:t>Using the Cloud to create </a:t>
+            </a:r>
+            <a:r>
+              <a:rPr lang="en-US" dirty="0" err="1"/>
+              <a:t>ServiceNow</a:t>
+            </a:r>
+            <a:r>
+              <a:rPr lang="en-US" dirty="0"/>
+              <a:t> tickets</a:t>
+            </a:r>
+          </a:p>
+          <a:p>
+            <a:r>
+              <a:rPr lang="en-US" dirty="0"/>
+              <a:t>Calling Azure from the Raspberry Pi</a:t>
+            </a:r>
+          </a:p>
+          <a:p>
+            <a:r>
+              <a:rPr lang="en-US" dirty="0"/>
+              <a:t>[SPACE FOR OVER RUN]</a:t>
+            </a:r>
+          </a:p>
+          <a:p>
+            <a:endParaRPr lang="en-US" dirty="0"/>
+          </a:p>
+          <a:p>
+            <a:r>
+              <a:rPr lang="en-US" dirty="0"/>
+              <a:t>Wrapping up</a:t>
+            </a:r>
+          </a:p>
+          <a:p>
+            <a:r>
+              <a:rPr lang="en-US" dirty="0"/>
+              <a:t>Other things you can do with a Raspberry Pi</a:t>
+            </a:r>
+          </a:p>
+          <a:p>
+            <a:r>
+              <a:rPr lang="en-US" dirty="0"/>
+              <a:t>Participant Feedback</a:t>
+            </a:r>
+          </a:p>
+          <a:p>
+            <a:endParaRPr lang="en-GB" dirty="0"/>
+          </a:p>
+        </p:txBody>
+      </p:sp>
+    </p:spTree>
+    <p:extLst>
+      <p:ext uri="{BB962C8B-B14F-4D97-AF65-F5344CB8AC3E}">
+        <p14:creationId xmlns:p14="http://schemas.microsoft.com/office/powerpoint/2010/main" val="1778859132"/>
+      </p:ext>
+    </p:extLst>
+  </p:cSld>
+  <p:clrMapOvr>
+    <a:masterClrMapping/>
+  </p:clrMapOvr>
+</p:sld>
+</file>
+
+<file path=ppt/slides/slide29.xml><?xml version="1.0" encoding="utf-8"?>
+<p:sld xmlns:a="http://schemas.openxmlformats.org/drawingml/2006/main" xmlns:r="http://schemas.openxmlformats.org/officeDocument/2006/relationships" xmlns:p="http://schemas.openxmlformats.org/presentationml/2006/main">
+  <p:cSld>
+    <p:spTree>
+      <p:nvGrpSpPr>
+        <p:cNvPr id="1" name=""/>
+        <p:cNvGrpSpPr/>
+        <p:nvPr/>
+      </p:nvGrpSpPr>
+      <p:grpSpPr>
+        <a:xfrm>
+          <a:off x="0" y="0"/>
+          <a:ext cx="0" cy="0"/>
+          <a:chOff x="0" y="0"/>
+          <a:chExt cx="0" cy="0"/>
+        </a:xfrm>
+      </p:grpSpPr>
+      <p:sp>
+        <p:nvSpPr>
+          <p:cNvPr id="2" name="Title 1"/>
+          <p:cNvSpPr>
+            <a:spLocks noGrp="1"/>
+          </p:cNvSpPr>
+          <p:nvPr>
+            <p:ph type="title"/>
+          </p:nvPr>
+        </p:nvSpPr>
+        <p:spPr/>
+        <p:txBody>
+          <a:bodyPr/>
+          <a:lstStyle/>
+          <a:p>
+            <a:r>
+              <a:rPr lang="en-US" dirty="0" smtClean="0"/>
+              <a:t>Azure stuff</a:t>
+            </a:r>
+            <a:endParaRPr lang="en-US" dirty="0"/>
+          </a:p>
+        </p:txBody>
+      </p:sp>
+      <p:sp>
+        <p:nvSpPr>
+          <p:cNvPr id="3" name="Content Placeholder 2"/>
+          <p:cNvSpPr>
+            <a:spLocks noGrp="1"/>
+          </p:cNvSpPr>
+          <p:nvPr>
+            <p:ph idx="1"/>
+          </p:nvPr>
+        </p:nvSpPr>
+        <p:spPr/>
+        <p:txBody>
+          <a:bodyPr/>
+          <a:lstStyle/>
+          <a:p>
+            <a:r>
+              <a:rPr lang="en-US" dirty="0" smtClean="0"/>
+              <a:t>Work with Josh/Vlad to write</a:t>
+            </a:r>
+            <a:endParaRPr lang="en-US" dirty="0"/>
+          </a:p>
+        </p:txBody>
+      </p:sp>
+    </p:spTree>
+    <p:extLst>
+      <p:ext uri="{BB962C8B-B14F-4D97-AF65-F5344CB8AC3E}">
+        <p14:creationId xmlns:p14="http://schemas.microsoft.com/office/powerpoint/2010/main" val="3358359096"/>
       </p:ext>
     </p:extLst>
   </p:cSld>
@@ -12621,9 +14493,9 @@
           <a:p>
             <a:r>
               <a:rPr lang="en-US" dirty="0" smtClean="0"/>
-              <a:t>Day 2: let’s code!</a:t>
-            </a:r>
-            <a:endParaRPr lang="en-GB" dirty="0"/>
+              <a:t>Ice breaker</a:t>
+            </a:r>
+            <a:endParaRPr lang="en-US" dirty="0"/>
           </a:p>
         </p:txBody>
       </p:sp>
@@ -12639,79 +14511,150 @@
         </p:nvSpPr>
         <p:spPr/>
         <p:txBody>
-          <a:bodyPr>
-            <a:normAutofit fontScale="92500" lnSpcReduction="20000"/>
-          </a:bodyPr>
+          <a:bodyPr/>
           <a:lstStyle/>
           <a:p>
             <a:r>
-              <a:rPr lang="en-US" dirty="0"/>
-              <a:t>Programming Basics</a:t>
-            </a:r>
-          </a:p>
-          <a:p>
-            <a:pPr lvl="1"/>
-            <a:r>
-              <a:rPr lang="en-US" dirty="0"/>
-              <a:t>Functions</a:t>
-            </a:r>
-          </a:p>
-          <a:p>
-            <a:pPr lvl="1"/>
-            <a:r>
-              <a:rPr lang="en-US" dirty="0"/>
-              <a:t>Comments</a:t>
-            </a:r>
-          </a:p>
-          <a:p>
-            <a:pPr lvl="1"/>
-            <a:r>
-              <a:rPr lang="en-US" dirty="0"/>
-              <a:t>Variables</a:t>
-            </a:r>
-          </a:p>
-          <a:p>
-            <a:pPr lvl="1"/>
-            <a:r>
-              <a:rPr lang="en-US" dirty="0"/>
-              <a:t>What’s an API</a:t>
-            </a:r>
-          </a:p>
-          <a:p>
-            <a:pPr lvl="1"/>
-            <a:r>
-              <a:rPr lang="en-US" dirty="0"/>
-              <a:t>Error Handling</a:t>
-            </a:r>
-          </a:p>
-          <a:p>
-            <a:pPr lvl="1"/>
-            <a:r>
-              <a:rPr lang="en-US" dirty="0"/>
-              <a:t>Testing(?)</a:t>
-            </a:r>
-          </a:p>
-          <a:p>
-            <a:r>
-              <a:rPr lang="en-US" dirty="0"/>
-              <a:t>Create Email To Thom functionality</a:t>
-            </a:r>
-          </a:p>
-          <a:p>
-            <a:r>
-              <a:rPr lang="en-US" dirty="0"/>
-              <a:t>Send Email by Raspberry Pi</a:t>
-            </a:r>
-          </a:p>
-          <a:p>
-            <a:endParaRPr lang="en-GB" dirty="0"/>
+              <a:rPr lang="en-US" dirty="0" smtClean="0"/>
+              <a:t>NAME TAGS</a:t>
+            </a:r>
+          </a:p>
+          <a:p>
+            <a:r>
+              <a:rPr lang="en-US" dirty="0" smtClean="0"/>
+              <a:t>CV Bingo – need fun-fact about each other</a:t>
+            </a:r>
+            <a:endParaRPr lang="en-US" dirty="0"/>
           </a:p>
         </p:txBody>
       </p:sp>
     </p:spTree>
     <p:extLst>
       <p:ext uri="{BB962C8B-B14F-4D97-AF65-F5344CB8AC3E}">
-        <p14:creationId xmlns:p14="http://schemas.microsoft.com/office/powerpoint/2010/main" val="1097960428"/>
+        <p14:creationId xmlns:p14="http://schemas.microsoft.com/office/powerpoint/2010/main" val="3551927864"/>
+      </p:ext>
+    </p:extLst>
+  </p:cSld>
+  <p:clrMapOvr>
+    <a:masterClrMapping/>
+  </p:clrMapOvr>
+</p:sld>
+</file>
+
+<file path=ppt/slides/slide30.xml><?xml version="1.0" encoding="utf-8"?>
+<p:sld xmlns:a="http://schemas.openxmlformats.org/drawingml/2006/main" xmlns:r="http://schemas.openxmlformats.org/officeDocument/2006/relationships" xmlns:p="http://schemas.openxmlformats.org/presentationml/2006/main">
+  <p:cSld>
+    <p:spTree>
+      <p:nvGrpSpPr>
+        <p:cNvPr id="1" name=""/>
+        <p:cNvGrpSpPr/>
+        <p:nvPr/>
+      </p:nvGrpSpPr>
+      <p:grpSpPr>
+        <a:xfrm>
+          <a:off x="0" y="0"/>
+          <a:ext cx="0" cy="0"/>
+          <a:chOff x="0" y="0"/>
+          <a:chExt cx="0" cy="0"/>
+        </a:xfrm>
+      </p:grpSpPr>
+      <p:sp>
+        <p:nvSpPr>
+          <p:cNvPr id="2" name="Title 1"/>
+          <p:cNvSpPr>
+            <a:spLocks noGrp="1"/>
+          </p:cNvSpPr>
+          <p:nvPr>
+            <p:ph type="title"/>
+          </p:nvPr>
+        </p:nvSpPr>
+        <p:spPr/>
+        <p:txBody>
+          <a:bodyPr/>
+          <a:lstStyle/>
+          <a:p>
+            <a:r>
+              <a:rPr lang="en-US" dirty="0" smtClean="0"/>
+              <a:t>Other projects</a:t>
+            </a:r>
+            <a:endParaRPr lang="en-US" dirty="0"/>
+          </a:p>
+        </p:txBody>
+      </p:sp>
+      <p:sp>
+        <p:nvSpPr>
+          <p:cNvPr id="3" name="Content Placeholder 2"/>
+          <p:cNvSpPr>
+            <a:spLocks noGrp="1"/>
+          </p:cNvSpPr>
+          <p:nvPr>
+            <p:ph idx="1"/>
+          </p:nvPr>
+        </p:nvSpPr>
+        <p:spPr/>
+        <p:txBody>
+          <a:bodyPr/>
+          <a:lstStyle/>
+          <a:p>
+            <a:r>
+              <a:rPr lang="en-US" dirty="0" smtClean="0"/>
+              <a:t>Link to </a:t>
+            </a:r>
+            <a:r>
+              <a:rPr lang="en-US" dirty="0" err="1" smtClean="0"/>
+              <a:t>Adafruit</a:t>
+            </a:r>
+            <a:endParaRPr lang="en-US" dirty="0" smtClean="0"/>
+          </a:p>
+          <a:p>
+            <a:r>
+              <a:rPr lang="en-US" dirty="0" smtClean="0"/>
+              <a:t>Alien Invasion</a:t>
+            </a:r>
+          </a:p>
+          <a:p>
+            <a:r>
+              <a:rPr lang="en-US" dirty="0" smtClean="0"/>
+              <a:t>Other ideas?</a:t>
+            </a:r>
+          </a:p>
+          <a:p>
+            <a:pPr lvl="1"/>
+            <a:r>
+              <a:rPr lang="en-US" dirty="0" err="1" smtClean="0"/>
+              <a:t>Rpi</a:t>
+            </a:r>
+            <a:r>
+              <a:rPr lang="en-US" dirty="0" smtClean="0"/>
+              <a:t> Media Center</a:t>
+            </a:r>
+          </a:p>
+          <a:p>
+            <a:pPr lvl="1"/>
+            <a:r>
+              <a:rPr lang="en-US" dirty="0" err="1" smtClean="0"/>
+              <a:t>Rpi</a:t>
+            </a:r>
+            <a:r>
+              <a:rPr lang="en-US" dirty="0" smtClean="0"/>
+              <a:t> </a:t>
+            </a:r>
+            <a:r>
+              <a:rPr lang="en-US" dirty="0" err="1" smtClean="0"/>
+              <a:t>Wifi</a:t>
+            </a:r>
+            <a:r>
+              <a:rPr lang="en-US" dirty="0" smtClean="0"/>
+              <a:t> Booster</a:t>
+            </a:r>
+            <a:endParaRPr lang="en-US" dirty="0"/>
+          </a:p>
+        </p:txBody>
+      </p:sp>
+    </p:spTree>
+    <p:extLst>
+      <p:ext uri="{BB962C8B-B14F-4D97-AF65-F5344CB8AC3E}">
+        <p14:creationId xmlns:p14="http://schemas.microsoft.com/office/powerpoint/2010/main" val="4038175424"/>
       </p:ext>
     </p:extLst>
   </p:cSld>
@@ -12755,9 +14698,9 @@
           <a:p>
             <a:r>
               <a:rPr lang="en-US" dirty="0" smtClean="0"/>
-              <a:t>Day 3: working with the business</a:t>
-            </a:r>
-            <a:endParaRPr lang="en-GB" dirty="0"/>
+              <a:t>Project outline</a:t>
+            </a:r>
+            <a:endParaRPr lang="en-US" dirty="0"/>
           </a:p>
         </p:txBody>
       </p:sp>
@@ -12777,62 +14720,29 @@
           <a:lstStyle/>
           <a:p>
             <a:r>
-              <a:rPr lang="en-US" dirty="0"/>
-              <a:t>The basics of Service Management</a:t>
-            </a:r>
-          </a:p>
-          <a:p>
-            <a:r>
-              <a:rPr lang="en-US" dirty="0"/>
-              <a:t>Introduction to </a:t>
-            </a:r>
-            <a:r>
-              <a:rPr lang="en-US" dirty="0" err="1"/>
-              <a:t>ServiceNow</a:t>
+              <a:rPr lang="en-US" dirty="0" smtClean="0"/>
+              <a:t>What will we be doing</a:t>
+            </a:r>
+          </a:p>
+          <a:p>
+            <a:r>
+              <a:rPr lang="en-US" dirty="0" smtClean="0"/>
+              <a:t>What will you get out of it</a:t>
+            </a:r>
+          </a:p>
+          <a:p>
+            <a:r>
+              <a:rPr lang="en-US" dirty="0" smtClean="0"/>
+              <a:t>What do you want out of it???</a:t>
             </a:r>
             <a:endParaRPr lang="en-US" dirty="0"/>
-          </a:p>
-          <a:p>
-            <a:r>
-              <a:rPr lang="en-US" dirty="0"/>
-              <a:t>Send Email to </a:t>
-            </a:r>
-            <a:r>
-              <a:rPr lang="en-US" dirty="0" err="1"/>
-              <a:t>ServiceNow</a:t>
-            </a:r>
-            <a:endParaRPr lang="en-US" dirty="0"/>
-          </a:p>
-          <a:p>
-            <a:r>
-              <a:rPr lang="en-US" dirty="0"/>
-              <a:t>Reporting on issues</a:t>
-            </a:r>
-          </a:p>
-          <a:p>
-            <a:r>
-              <a:rPr lang="en-US" dirty="0"/>
-              <a:t>Device Registration</a:t>
-            </a:r>
-          </a:p>
-          <a:p>
-            <a:r>
-              <a:rPr lang="en-US" dirty="0"/>
-              <a:t>Ticket validation / Preventing Spam</a:t>
-            </a:r>
-          </a:p>
-          <a:p>
-            <a:endParaRPr lang="en-US" dirty="0"/>
-          </a:p>
-          <a:p>
-            <a:endParaRPr lang="en-GB" dirty="0"/>
           </a:p>
         </p:txBody>
       </p:sp>
     </p:spTree>
     <p:extLst>
       <p:ext uri="{BB962C8B-B14F-4D97-AF65-F5344CB8AC3E}">
-        <p14:creationId xmlns:p14="http://schemas.microsoft.com/office/powerpoint/2010/main" val="138573571"/>
+        <p14:creationId xmlns:p14="http://schemas.microsoft.com/office/powerpoint/2010/main" val="241811975"/>
       </p:ext>
     </p:extLst>
   </p:cSld>
@@ -12876,9 +14786,9 @@
           <a:p>
             <a:r>
               <a:rPr lang="en-US" dirty="0" smtClean="0"/>
-              <a:t>Day 4: maturing the model</a:t>
-            </a:r>
-            <a:endParaRPr lang="en-GB" dirty="0"/>
+              <a:t>Case Study / Scenario / Background</a:t>
+            </a:r>
+            <a:endParaRPr lang="en-US" dirty="0"/>
           </a:p>
         </p:txBody>
       </p:sp>
@@ -12894,66 +14804,388 @@
         </p:nvSpPr>
         <p:spPr/>
         <p:txBody>
-          <a:bodyPr>
-            <a:normAutofit fontScale="92500" lnSpcReduction="10000"/>
-          </a:bodyPr>
+          <a:bodyPr/>
           <a:lstStyle/>
           <a:p>
             <a:r>
-              <a:rPr lang="en-US" dirty="0"/>
-              <a:t>Using the Cloud to create </a:t>
-            </a:r>
-            <a:r>
-              <a:rPr lang="en-US" dirty="0" err="1"/>
-              <a:t>ServiceNow</a:t>
-            </a:r>
-            <a:r>
-              <a:rPr lang="en-US" dirty="0"/>
-              <a:t> tickets</a:t>
-            </a:r>
-          </a:p>
-          <a:p>
-            <a:r>
-              <a:rPr lang="en-US" dirty="0"/>
-              <a:t>Calling Azure from the Raspberry Pi</a:t>
-            </a:r>
-          </a:p>
-          <a:p>
-            <a:r>
-              <a:rPr lang="en-US" dirty="0"/>
-              <a:t>[SPACE FOR OVER RUN]</a:t>
+              <a:rPr lang="en-US" dirty="0" smtClean="0"/>
+              <a:t>Here’s the situation</a:t>
+            </a:r>
+          </a:p>
+          <a:p>
+            <a:r>
+              <a:rPr lang="en-US" dirty="0" smtClean="0"/>
+              <a:t>Let’s have Thom act it out</a:t>
             </a:r>
           </a:p>
           <a:p>
             <a:endParaRPr lang="en-US" dirty="0"/>
-          </a:p>
-          <a:p>
-            <a:r>
-              <a:rPr lang="en-US" dirty="0"/>
-              <a:t>Wrapping up</a:t>
-            </a:r>
-          </a:p>
-          <a:p>
-            <a:r>
-              <a:rPr lang="en-US" dirty="0"/>
-              <a:t>Other things you can do with a Raspberry Pi</a:t>
-            </a:r>
-          </a:p>
-          <a:p>
-            <a:r>
-              <a:rPr lang="en-US" dirty="0"/>
-              <a:t>Participant Feedback</a:t>
-            </a:r>
-          </a:p>
-          <a:p>
-            <a:endParaRPr lang="en-GB" dirty="0"/>
           </a:p>
         </p:txBody>
       </p:sp>
     </p:spTree>
     <p:extLst>
       <p:ext uri="{BB962C8B-B14F-4D97-AF65-F5344CB8AC3E}">
-        <p14:creationId xmlns:p14="http://schemas.microsoft.com/office/powerpoint/2010/main" val="1778859132"/>
+        <p14:creationId xmlns:p14="http://schemas.microsoft.com/office/powerpoint/2010/main" val="3060739340"/>
+      </p:ext>
+    </p:extLst>
+  </p:cSld>
+  <p:clrMapOvr>
+    <a:masterClrMapping/>
+  </p:clrMapOvr>
+</p:sld>
+</file>
+
+<file path=ppt/slides/slide6.xml><?xml version="1.0" encoding="utf-8"?>
+<p:sld xmlns:a="http://schemas.openxmlformats.org/drawingml/2006/main" xmlns:r="http://schemas.openxmlformats.org/officeDocument/2006/relationships" xmlns:p="http://schemas.openxmlformats.org/presentationml/2006/main">
+  <p:cSld>
+    <p:spTree>
+      <p:nvGrpSpPr>
+        <p:cNvPr id="1" name=""/>
+        <p:cNvGrpSpPr/>
+        <p:nvPr/>
+      </p:nvGrpSpPr>
+      <p:grpSpPr>
+        <a:xfrm>
+          <a:off x="0" y="0"/>
+          <a:ext cx="0" cy="0"/>
+          <a:chOff x="0" y="0"/>
+          <a:chExt cx="0" cy="0"/>
+        </a:xfrm>
+      </p:grpSpPr>
+      <p:sp>
+        <p:nvSpPr>
+          <p:cNvPr id="2" name="Title 1"/>
+          <p:cNvSpPr>
+            <a:spLocks noGrp="1"/>
+          </p:cNvSpPr>
+          <p:nvPr>
+            <p:ph type="title"/>
+          </p:nvPr>
+        </p:nvSpPr>
+        <p:spPr/>
+        <p:txBody>
+          <a:bodyPr/>
+          <a:lstStyle/>
+          <a:p>
+            <a:r>
+              <a:rPr lang="en-US" dirty="0" smtClean="0"/>
+              <a:t>Technology Overview</a:t>
+            </a:r>
+            <a:endParaRPr lang="en-US" dirty="0"/>
+          </a:p>
+        </p:txBody>
+      </p:sp>
+      <p:sp>
+        <p:nvSpPr>
+          <p:cNvPr id="3" name="Content Placeholder 2"/>
+          <p:cNvSpPr>
+            <a:spLocks noGrp="1"/>
+          </p:cNvSpPr>
+          <p:nvPr>
+            <p:ph idx="1"/>
+          </p:nvPr>
+        </p:nvSpPr>
+        <p:spPr/>
+        <p:txBody>
+          <a:bodyPr/>
+          <a:lstStyle/>
+          <a:p>
+            <a:endParaRPr lang="en-US"/>
+          </a:p>
+        </p:txBody>
+      </p:sp>
+    </p:spTree>
+    <p:extLst>
+      <p:ext uri="{BB962C8B-B14F-4D97-AF65-F5344CB8AC3E}">
+        <p14:creationId xmlns:p14="http://schemas.microsoft.com/office/powerpoint/2010/main" val="3794471099"/>
+      </p:ext>
+    </p:extLst>
+  </p:cSld>
+  <p:clrMapOvr>
+    <a:masterClrMapping/>
+  </p:clrMapOvr>
+</p:sld>
+</file>
+
+<file path=ppt/slides/slide7.xml><?xml version="1.0" encoding="utf-8"?>
+<p:sld xmlns:a="http://schemas.openxmlformats.org/drawingml/2006/main" xmlns:r="http://schemas.openxmlformats.org/officeDocument/2006/relationships" xmlns:p="http://schemas.openxmlformats.org/presentationml/2006/main">
+  <p:cSld>
+    <p:spTree>
+      <p:nvGrpSpPr>
+        <p:cNvPr id="1" name=""/>
+        <p:cNvGrpSpPr/>
+        <p:nvPr/>
+      </p:nvGrpSpPr>
+      <p:grpSpPr>
+        <a:xfrm>
+          <a:off x="0" y="0"/>
+          <a:ext cx="0" cy="0"/>
+          <a:chOff x="0" y="0"/>
+          <a:chExt cx="0" cy="0"/>
+        </a:xfrm>
+      </p:grpSpPr>
+      <p:sp>
+        <p:nvSpPr>
+          <p:cNvPr id="2" name="Title 1"/>
+          <p:cNvSpPr>
+            <a:spLocks noGrp="1"/>
+          </p:cNvSpPr>
+          <p:nvPr>
+            <p:ph type="title"/>
+          </p:nvPr>
+        </p:nvSpPr>
+        <p:spPr/>
+        <p:txBody>
+          <a:bodyPr/>
+          <a:lstStyle/>
+          <a:p>
+            <a:r>
+              <a:rPr lang="en-US" dirty="0" smtClean="0"/>
+              <a:t>Raspberry pi Intro</a:t>
+            </a:r>
+            <a:endParaRPr lang="en-US" dirty="0"/>
+          </a:p>
+        </p:txBody>
+      </p:sp>
+      <p:sp>
+        <p:nvSpPr>
+          <p:cNvPr id="3" name="Content Placeholder 2"/>
+          <p:cNvSpPr>
+            <a:spLocks noGrp="1"/>
+          </p:cNvSpPr>
+          <p:nvPr>
+            <p:ph idx="1"/>
+          </p:nvPr>
+        </p:nvSpPr>
+        <p:spPr/>
+        <p:txBody>
+          <a:bodyPr/>
+          <a:lstStyle/>
+          <a:p>
+            <a:r>
+              <a:rPr lang="en-US" dirty="0" smtClean="0"/>
+              <a:t>Plug in</a:t>
+            </a:r>
+          </a:p>
+          <a:p>
+            <a:r>
+              <a:rPr lang="en-US" dirty="0" smtClean="0"/>
+              <a:t>Console</a:t>
+            </a:r>
+          </a:p>
+          <a:p>
+            <a:r>
+              <a:rPr lang="en-US" dirty="0" smtClean="0"/>
+              <a:t>Blah </a:t>
+            </a:r>
+            <a:r>
+              <a:rPr lang="en-US" dirty="0" err="1" smtClean="0"/>
+              <a:t>blah</a:t>
+            </a:r>
+            <a:r>
+              <a:rPr lang="en-US" dirty="0" smtClean="0"/>
+              <a:t> </a:t>
+            </a:r>
+            <a:r>
+              <a:rPr lang="en-US" dirty="0" err="1" smtClean="0"/>
+              <a:t>blah</a:t>
+            </a:r>
+            <a:endParaRPr lang="en-US" dirty="0" smtClean="0"/>
+          </a:p>
+          <a:p>
+            <a:r>
+              <a:rPr lang="en-US" dirty="0" smtClean="0"/>
+              <a:t>Clone the repo</a:t>
+            </a:r>
+          </a:p>
+          <a:p>
+            <a:endParaRPr lang="en-US" dirty="0"/>
+          </a:p>
+        </p:txBody>
+      </p:sp>
+    </p:spTree>
+    <p:extLst>
+      <p:ext uri="{BB962C8B-B14F-4D97-AF65-F5344CB8AC3E}">
+        <p14:creationId xmlns:p14="http://schemas.microsoft.com/office/powerpoint/2010/main" val="2044859461"/>
+      </p:ext>
+    </p:extLst>
+  </p:cSld>
+  <p:clrMapOvr>
+    <a:masterClrMapping/>
+  </p:clrMapOvr>
+</p:sld>
+</file>
+
+<file path=ppt/slides/slide8.xml><?xml version="1.0" encoding="utf-8"?>
+<p:sld xmlns:a="http://schemas.openxmlformats.org/drawingml/2006/main" xmlns:r="http://schemas.openxmlformats.org/officeDocument/2006/relationships" xmlns:p="http://schemas.openxmlformats.org/presentationml/2006/main">
+  <p:cSld>
+    <p:spTree>
+      <p:nvGrpSpPr>
+        <p:cNvPr id="1" name=""/>
+        <p:cNvGrpSpPr/>
+        <p:nvPr/>
+      </p:nvGrpSpPr>
+      <p:grpSpPr>
+        <a:xfrm>
+          <a:off x="0" y="0"/>
+          <a:ext cx="0" cy="0"/>
+          <a:chOff x="0" y="0"/>
+          <a:chExt cx="0" cy="0"/>
+        </a:xfrm>
+      </p:grpSpPr>
+      <p:sp>
+        <p:nvSpPr>
+          <p:cNvPr id="2" name="Title 1"/>
+          <p:cNvSpPr>
+            <a:spLocks noGrp="1"/>
+          </p:cNvSpPr>
+          <p:nvPr>
+            <p:ph type="title"/>
+          </p:nvPr>
+        </p:nvSpPr>
+        <p:spPr/>
+        <p:txBody>
+          <a:bodyPr/>
+          <a:lstStyle/>
+          <a:p>
+            <a:r>
+              <a:rPr lang="en-US" dirty="0" smtClean="0"/>
+              <a:t>Break</a:t>
+            </a:r>
+            <a:endParaRPr lang="en-US" dirty="0"/>
+          </a:p>
+        </p:txBody>
+      </p:sp>
+      <p:sp>
+        <p:nvSpPr>
+          <p:cNvPr id="3" name="Content Placeholder 2"/>
+          <p:cNvSpPr>
+            <a:spLocks noGrp="1"/>
+          </p:cNvSpPr>
+          <p:nvPr>
+            <p:ph idx="1"/>
+          </p:nvPr>
+        </p:nvSpPr>
+        <p:spPr/>
+        <p:txBody>
+          <a:bodyPr/>
+          <a:lstStyle/>
+          <a:p>
+            <a:endParaRPr lang="en-US"/>
+          </a:p>
+        </p:txBody>
+      </p:sp>
+    </p:spTree>
+    <p:extLst>
+      <p:ext uri="{BB962C8B-B14F-4D97-AF65-F5344CB8AC3E}">
+        <p14:creationId xmlns:p14="http://schemas.microsoft.com/office/powerpoint/2010/main" val="446194975"/>
+      </p:ext>
+    </p:extLst>
+  </p:cSld>
+  <p:clrMapOvr>
+    <a:masterClrMapping/>
+  </p:clrMapOvr>
+</p:sld>
+</file>
+
+<file path=ppt/slides/slide9.xml><?xml version="1.0" encoding="utf-8"?>
+<p:sld xmlns:a="http://schemas.openxmlformats.org/drawingml/2006/main" xmlns:r="http://schemas.openxmlformats.org/officeDocument/2006/relationships" xmlns:p="http://schemas.openxmlformats.org/presentationml/2006/main">
+  <p:cSld>
+    <p:spTree>
+      <p:nvGrpSpPr>
+        <p:cNvPr id="1" name=""/>
+        <p:cNvGrpSpPr/>
+        <p:nvPr/>
+      </p:nvGrpSpPr>
+      <p:grpSpPr>
+        <a:xfrm>
+          <a:off x="0" y="0"/>
+          <a:ext cx="0" cy="0"/>
+          <a:chOff x="0" y="0"/>
+          <a:chExt cx="0" cy="0"/>
+        </a:xfrm>
+      </p:grpSpPr>
+      <p:sp>
+        <p:nvSpPr>
+          <p:cNvPr id="2" name="Title 1"/>
+          <p:cNvSpPr>
+            <a:spLocks noGrp="1"/>
+          </p:cNvSpPr>
+          <p:nvPr>
+            <p:ph type="title"/>
+          </p:nvPr>
+        </p:nvSpPr>
+        <p:spPr/>
+        <p:txBody>
+          <a:bodyPr/>
+          <a:lstStyle/>
+          <a:p>
+            <a:r>
+              <a:rPr lang="en-US" dirty="0" smtClean="0"/>
+              <a:t>Python</a:t>
+            </a:r>
+            <a:endParaRPr lang="en-US" dirty="0"/>
+          </a:p>
+        </p:txBody>
+      </p:sp>
+      <p:sp>
+        <p:nvSpPr>
+          <p:cNvPr id="3" name="Content Placeholder 2"/>
+          <p:cNvSpPr>
+            <a:spLocks noGrp="1"/>
+          </p:cNvSpPr>
+          <p:nvPr>
+            <p:ph idx="1"/>
+          </p:nvPr>
+        </p:nvSpPr>
+        <p:spPr/>
+        <p:txBody>
+          <a:bodyPr/>
+          <a:lstStyle/>
+          <a:p>
+            <a:r>
+              <a:rPr lang="en-US" dirty="0" smtClean="0"/>
+              <a:t>What is Python</a:t>
+            </a:r>
+          </a:p>
+          <a:p>
+            <a:r>
+              <a:rPr lang="en-US" dirty="0" smtClean="0"/>
+              <a:t>Opening the text editor</a:t>
+            </a:r>
+          </a:p>
+          <a:p>
+            <a:r>
+              <a:rPr lang="en-US" dirty="0" smtClean="0"/>
+              <a:t>Write hello world</a:t>
+            </a:r>
+          </a:p>
+          <a:p>
+            <a:pPr lvl="1"/>
+            <a:r>
+              <a:rPr lang="en-US" dirty="0" smtClean="0"/>
+              <a:t>Notice the different colors of the words. Why is that?</a:t>
+            </a:r>
+          </a:p>
+          <a:p>
+            <a:r>
+              <a:rPr lang="en-US" dirty="0" smtClean="0"/>
+              <a:t>Run it</a:t>
+            </a:r>
+          </a:p>
+          <a:p>
+            <a:pPr marL="0" indent="0">
+              <a:buNone/>
+            </a:pPr>
+            <a:endParaRPr lang="en-US" dirty="0"/>
+          </a:p>
+        </p:txBody>
+      </p:sp>
+    </p:spTree>
+    <p:extLst>
+      <p:ext uri="{BB962C8B-B14F-4D97-AF65-F5344CB8AC3E}">
+        <p14:creationId xmlns:p14="http://schemas.microsoft.com/office/powerpoint/2010/main" val="1824136748"/>
       </p:ext>
     </p:extLst>
   </p:cSld>

--- a/docs/SMAP Materials Unbranded.pptx
+++ b/docs/SMAP Materials Unbranded.pptx
@@ -10,31 +10,31 @@
     <p:sldId id="261" r:id="rId4"/>
     <p:sldId id="262" r:id="rId5"/>
     <p:sldId id="263" r:id="rId6"/>
-    <p:sldId id="264" r:id="rId7"/>
-    <p:sldId id="265" r:id="rId8"/>
-    <p:sldId id="278" r:id="rId9"/>
+    <p:sldId id="287" r:id="rId7"/>
+    <p:sldId id="264" r:id="rId8"/>
+    <p:sldId id="265" r:id="rId9"/>
     <p:sldId id="266" r:id="rId10"/>
     <p:sldId id="267" r:id="rId11"/>
-    <p:sldId id="268" r:id="rId12"/>
-    <p:sldId id="258" r:id="rId13"/>
-    <p:sldId id="270" r:id="rId14"/>
-    <p:sldId id="271" r:id="rId15"/>
-    <p:sldId id="279" r:id="rId16"/>
+    <p:sldId id="286" r:id="rId12"/>
+    <p:sldId id="268" r:id="rId13"/>
+    <p:sldId id="258" r:id="rId14"/>
+    <p:sldId id="270" r:id="rId15"/>
+    <p:sldId id="271" r:id="rId16"/>
     <p:sldId id="272" r:id="rId17"/>
-    <p:sldId id="273" r:id="rId18"/>
-    <p:sldId id="274" r:id="rId19"/>
-    <p:sldId id="269" r:id="rId20"/>
-    <p:sldId id="280" r:id="rId21"/>
-    <p:sldId id="275" r:id="rId22"/>
-    <p:sldId id="276" r:id="rId23"/>
-    <p:sldId id="277" r:id="rId24"/>
-    <p:sldId id="259" r:id="rId25"/>
-    <p:sldId id="281" r:id="rId26"/>
-    <p:sldId id="282" r:id="rId27"/>
-    <p:sldId id="283" r:id="rId28"/>
-    <p:sldId id="260" r:id="rId29"/>
-    <p:sldId id="284" r:id="rId30"/>
-    <p:sldId id="285" r:id="rId31"/>
+    <p:sldId id="274" r:id="rId18"/>
+    <p:sldId id="269" r:id="rId19"/>
+    <p:sldId id="275" r:id="rId20"/>
+    <p:sldId id="276" r:id="rId21"/>
+    <p:sldId id="277" r:id="rId22"/>
+    <p:sldId id="259" r:id="rId23"/>
+    <p:sldId id="281" r:id="rId24"/>
+    <p:sldId id="282" r:id="rId25"/>
+    <p:sldId id="283" r:id="rId26"/>
+    <p:sldId id="260" r:id="rId27"/>
+    <p:sldId id="284" r:id="rId28"/>
+    <p:sldId id="288" r:id="rId29"/>
+    <p:sldId id="285" r:id="rId30"/>
+    <p:sldId id="289" r:id="rId31"/>
   </p:sldIdLst>
   <p:sldSz cx="12192000" cy="6858000"/>
   <p:notesSz cx="6858000" cy="9144000"/>
@@ -4417,7 +4417,7 @@
           <a:p>
             <a:fld id="{48A87A34-81AB-432B-8DAE-1953F412C126}" type="datetimeFigureOut">
               <a:rPr lang="en-US" dirty="0"/>
-              <a:t>7/8/2019</a:t>
+              <a:t>7/10/2019</a:t>
             </a:fld>
             <a:endParaRPr lang="en-US" dirty="0"/>
           </a:p>
@@ -4679,7 +4679,7 @@
           <a:p>
             <a:fld id="{48A87A34-81AB-432B-8DAE-1953F412C126}" type="datetimeFigureOut">
               <a:rPr lang="en-US" dirty="0"/>
-              <a:t>7/8/2019</a:t>
+              <a:t>7/10/2019</a:t>
             </a:fld>
             <a:endParaRPr lang="en-US" dirty="0"/>
           </a:p>
@@ -4870,7 +4870,7 @@
           <a:p>
             <a:fld id="{48A87A34-81AB-432B-8DAE-1953F412C126}" type="datetimeFigureOut">
               <a:rPr lang="en-US" dirty="0"/>
-              <a:t>7/8/2019</a:t>
+              <a:t>7/10/2019</a:t>
             </a:fld>
             <a:endParaRPr lang="en-US" dirty="0"/>
           </a:p>
@@ -5128,7 +5128,7 @@
           <a:p>
             <a:fld id="{48A87A34-81AB-432B-8DAE-1953F412C126}" type="datetimeFigureOut">
               <a:rPr lang="en-US" dirty="0"/>
-              <a:t>7/8/2019</a:t>
+              <a:t>7/10/2019</a:t>
             </a:fld>
             <a:endParaRPr lang="en-US" dirty="0"/>
           </a:p>
@@ -5557,7 +5557,7 @@
           <a:p>
             <a:fld id="{48A87A34-81AB-432B-8DAE-1953F412C126}" type="datetimeFigureOut">
               <a:rPr lang="en-US" dirty="0"/>
-              <a:t>7/8/2019</a:t>
+              <a:t>7/10/2019</a:t>
             </a:fld>
             <a:endParaRPr lang="en-US" dirty="0"/>
           </a:p>
@@ -6098,7 +6098,7 @@
           <a:p>
             <a:fld id="{48A87A34-81AB-432B-8DAE-1953F412C126}" type="datetimeFigureOut">
               <a:rPr lang="en-US" dirty="0"/>
-              <a:t>7/8/2019</a:t>
+              <a:t>7/10/2019</a:t>
             </a:fld>
             <a:endParaRPr lang="en-US" dirty="0"/>
           </a:p>
@@ -6813,7 +6813,7 @@
           <a:p>
             <a:fld id="{48A87A34-81AB-432B-8DAE-1953F412C126}" type="datetimeFigureOut">
               <a:rPr lang="en-US" dirty="0"/>
-              <a:t>7/8/2019</a:t>
+              <a:t>7/10/2019</a:t>
             </a:fld>
             <a:endParaRPr lang="en-US" dirty="0"/>
           </a:p>
@@ -6978,7 +6978,7 @@
           <a:p>
             <a:fld id="{48A87A34-81AB-432B-8DAE-1953F412C126}" type="datetimeFigureOut">
               <a:rPr lang="en-US" dirty="0"/>
-              <a:t>7/8/2019</a:t>
+              <a:t>7/10/2019</a:t>
             </a:fld>
             <a:endParaRPr lang="en-US" dirty="0"/>
           </a:p>
@@ -7153,7 +7153,7 @@
           <a:p>
             <a:fld id="{48A87A34-81AB-432B-8DAE-1953F412C126}" type="datetimeFigureOut">
               <a:rPr lang="en-US" dirty="0"/>
-              <a:t>7/8/2019</a:t>
+              <a:t>7/10/2019</a:t>
             </a:fld>
             <a:endParaRPr lang="en-US" dirty="0"/>
           </a:p>
@@ -7318,7 +7318,7 @@
           <a:p>
             <a:fld id="{48A87A34-81AB-432B-8DAE-1953F412C126}" type="datetimeFigureOut">
               <a:rPr lang="en-US" dirty="0"/>
-              <a:t>7/8/2019</a:t>
+              <a:t>7/10/2019</a:t>
             </a:fld>
             <a:endParaRPr lang="en-US" dirty="0"/>
           </a:p>
@@ -7563,7 +7563,7 @@
           <a:p>
             <a:fld id="{48A87A34-81AB-432B-8DAE-1953F412C126}" type="datetimeFigureOut">
               <a:rPr lang="en-US" dirty="0"/>
-              <a:t>7/8/2019</a:t>
+              <a:t>7/10/2019</a:t>
             </a:fld>
             <a:endParaRPr lang="en-US" dirty="0"/>
           </a:p>
@@ -7790,7 +7790,7 @@
           <a:p>
             <a:fld id="{48A87A34-81AB-432B-8DAE-1953F412C126}" type="datetimeFigureOut">
               <a:rPr lang="en-US" dirty="0"/>
-              <a:t>7/8/2019</a:t>
+              <a:t>7/10/2019</a:t>
             </a:fld>
             <a:endParaRPr lang="en-US" dirty="0"/>
           </a:p>
@@ -8166,7 +8166,7 @@
           <a:p>
             <a:fld id="{48A87A34-81AB-432B-8DAE-1953F412C126}" type="datetimeFigureOut">
               <a:rPr lang="en-US" dirty="0"/>
-              <a:t>7/8/2019</a:t>
+              <a:t>7/10/2019</a:t>
             </a:fld>
             <a:endParaRPr lang="en-US" dirty="0"/>
           </a:p>
@@ -8279,7 +8279,7 @@
           <a:p>
             <a:fld id="{48A87A34-81AB-432B-8DAE-1953F412C126}" type="datetimeFigureOut">
               <a:rPr lang="en-US" dirty="0"/>
-              <a:t>7/8/2019</a:t>
+              <a:t>7/10/2019</a:t>
             </a:fld>
             <a:endParaRPr lang="en-US" dirty="0"/>
           </a:p>
@@ -8369,7 +8369,7 @@
           <a:p>
             <a:fld id="{48A87A34-81AB-432B-8DAE-1953F412C126}" type="datetimeFigureOut">
               <a:rPr lang="en-US" dirty="0"/>
-              <a:t>7/8/2019</a:t>
+              <a:t>7/10/2019</a:t>
             </a:fld>
             <a:endParaRPr lang="en-US" dirty="0"/>
           </a:p>
@@ -8613,7 +8613,7 @@
           <a:p>
             <a:fld id="{48A87A34-81AB-432B-8DAE-1953F412C126}" type="datetimeFigureOut">
               <a:rPr lang="en-US" dirty="0"/>
-              <a:t>7/8/2019</a:t>
+              <a:t>7/10/2019</a:t>
             </a:fld>
             <a:endParaRPr lang="en-US" dirty="0"/>
           </a:p>
@@ -8888,7 +8888,7 @@
           <a:p>
             <a:fld id="{48A87A34-81AB-432B-8DAE-1953F412C126}" type="datetimeFigureOut">
               <a:rPr lang="en-US" dirty="0"/>
-              <a:t>7/8/2019</a:t>
+              <a:t>7/10/2019</a:t>
             </a:fld>
             <a:endParaRPr lang="en-US" dirty="0"/>
           </a:p>
@@ -11961,7 +11961,7 @@
             <a:fld id="{48A87A34-81AB-432B-8DAE-1953F412C126}" type="datetimeFigureOut">
               <a:rPr lang="en-US" dirty="0"/>
               <a:pPr/>
-              <a:t>7/8/2019</a:t>
+              <a:t>7/10/2019</a:t>
             </a:fld>
             <a:endParaRPr lang="en-US" dirty="0"/>
           </a:p>
@@ -12488,7 +12488,11 @@
           <a:p>
             <a:r>
               <a:rPr lang="en-US" dirty="0" err="1" smtClean="0"/>
-              <a:t>cIRCUITS</a:t>
+              <a:t>cIRCUIT</a:t>
+            </a:r>
+            <a:r>
+              <a:rPr lang="en-US" dirty="0" smtClean="0"/>
+              <a:t> symbols</a:t>
             </a:r>
             <a:endParaRPr lang="en-US" dirty="0"/>
           </a:p>
@@ -12509,28 +12513,40 @@
           <a:bodyPr/>
           <a:lstStyle/>
           <a:p>
-            <a:r>
-              <a:rPr lang="en-US" dirty="0" smtClean="0"/>
-              <a:t>What is a circuit</a:t>
-            </a:r>
-          </a:p>
-          <a:p>
-            <a:r>
-              <a:rPr lang="en-US" dirty="0" smtClean="0"/>
-              <a:t>Electrics / Electronics using Raspberry Pi</a:t>
-            </a:r>
-          </a:p>
-          <a:p>
-            <a:r>
-              <a:rPr lang="en-US" dirty="0" smtClean="0"/>
-              <a:t>How to read circuit diagrams</a:t>
-            </a:r>
+            <a:pPr marL="0" indent="0">
+              <a:buNone/>
+            </a:pPr>
+            <a:endParaRPr lang="en-US" dirty="0" smtClean="0"/>
           </a:p>
           <a:p>
             <a:endParaRPr lang="en-US" dirty="0"/>
           </a:p>
         </p:txBody>
       </p:sp>
+      <p:pic>
+        <p:nvPicPr>
+          <p:cNvPr id="11" name="Picture 10"/>
+          <p:cNvPicPr>
+            <a:picLocks noChangeAspect="1"/>
+          </p:cNvPicPr>
+          <p:nvPr/>
+        </p:nvPicPr>
+        <p:blipFill>
+          <a:blip r:embed="rId2"/>
+          <a:stretch>
+            <a:fillRect/>
+          </a:stretch>
+        </p:blipFill>
+        <p:spPr>
+          <a:xfrm>
+            <a:off x="2758860" y="1698652"/>
+            <a:ext cx="6671101" cy="4643383"/>
+          </a:xfrm>
+          <a:prstGeom prst="rect">
+            <a:avLst/>
+          </a:prstGeom>
+        </p:spPr>
+      </p:pic>
     </p:spTree>
     <p:extLst>
       <p:ext uri="{BB962C8B-B14F-4D97-AF65-F5344CB8AC3E}">
@@ -12577,8 +12593,16 @@
           <a:lstStyle/>
           <a:p>
             <a:r>
+              <a:rPr lang="en-US" dirty="0" err="1" smtClean="0"/>
+              <a:t>cIRCUIT</a:t>
+            </a:r>
+            <a:r>
               <a:rPr lang="en-US" dirty="0" smtClean="0"/>
-              <a:t>Raspberry Pi circuit</a:t>
+              <a:t> </a:t>
+            </a:r>
+            <a:r>
+              <a:rPr lang="en-US" dirty="0" err="1" smtClean="0"/>
+              <a:t>diagramS</a:t>
             </a:r>
             <a:endParaRPr lang="en-US" dirty="0"/>
           </a:p>
@@ -12599,18 +12623,92 @@
           <a:bodyPr/>
           <a:lstStyle/>
           <a:p>
-            <a:r>
-              <a:rPr lang="en-US" dirty="0" smtClean="0"/>
-              <a:t>Build the Raspberry Pi Circuit</a:t>
-            </a:r>
+            <a:pPr marL="0" indent="0">
+              <a:buNone/>
+            </a:pPr>
+            <a:endParaRPr lang="en-US" dirty="0" smtClean="0"/>
+          </a:p>
+          <a:p>
             <a:endParaRPr lang="en-US" dirty="0"/>
           </a:p>
         </p:txBody>
       </p:sp>
+      <p:pic>
+        <p:nvPicPr>
+          <p:cNvPr id="5" name="Picture 4"/>
+          <p:cNvPicPr>
+            <a:picLocks noChangeAspect="1"/>
+          </p:cNvPicPr>
+          <p:nvPr/>
+        </p:nvPicPr>
+        <p:blipFill>
+          <a:blip r:embed="rId2"/>
+          <a:stretch>
+            <a:fillRect/>
+          </a:stretch>
+        </p:blipFill>
+        <p:spPr>
+          <a:xfrm>
+            <a:off x="1141412" y="1861839"/>
+            <a:ext cx="3907200" cy="1977326"/>
+          </a:xfrm>
+          <a:prstGeom prst="rect">
+            <a:avLst/>
+          </a:prstGeom>
+        </p:spPr>
+      </p:pic>
+      <p:pic>
+        <p:nvPicPr>
+          <p:cNvPr id="6" name="Picture 5"/>
+          <p:cNvPicPr>
+            <a:picLocks noChangeAspect="1"/>
+          </p:cNvPicPr>
+          <p:nvPr/>
+        </p:nvPicPr>
+        <p:blipFill>
+          <a:blip r:embed="rId3"/>
+          <a:stretch>
+            <a:fillRect/>
+          </a:stretch>
+        </p:blipFill>
+        <p:spPr>
+          <a:xfrm>
+            <a:off x="5691282" y="1861839"/>
+            <a:ext cx="3907200" cy="1977326"/>
+          </a:xfrm>
+          <a:prstGeom prst="rect">
+            <a:avLst/>
+          </a:prstGeom>
+        </p:spPr>
+      </p:pic>
+      <p:pic>
+        <p:nvPicPr>
+          <p:cNvPr id="7" name="Picture 6"/>
+          <p:cNvPicPr>
+            <a:picLocks noChangeAspect="1"/>
+          </p:cNvPicPr>
+          <p:nvPr/>
+        </p:nvPicPr>
+        <p:blipFill>
+          <a:blip r:embed="rId4"/>
+          <a:stretch>
+            <a:fillRect/>
+          </a:stretch>
+        </p:blipFill>
+        <p:spPr>
+          <a:xfrm>
+            <a:off x="3554571" y="4328000"/>
+            <a:ext cx="3907200" cy="2232823"/>
+          </a:xfrm>
+          <a:prstGeom prst="rect">
+            <a:avLst/>
+          </a:prstGeom>
+        </p:spPr>
+      </p:pic>
     </p:spTree>
     <p:extLst>
       <p:ext uri="{BB962C8B-B14F-4D97-AF65-F5344CB8AC3E}">
-        <p14:creationId xmlns:p14="http://schemas.microsoft.com/office/powerpoint/2010/main" val="3169014870"/>
+        <p14:creationId xmlns:p14="http://schemas.microsoft.com/office/powerpoint/2010/main" val="1384871489"/>
       </p:ext>
     </p:extLst>
   </p:cSld>
@@ -12654,15 +12752,15 @@
           <a:p>
             <a:r>
               <a:rPr lang="en-US" dirty="0" smtClean="0"/>
-              <a:t>Day 2: let’s code!</a:t>
-            </a:r>
-            <a:endParaRPr lang="en-GB" dirty="0"/>
-          </a:p>
-        </p:txBody>
-      </p:sp>
-      <p:sp>
-        <p:nvSpPr>
-          <p:cNvPr id="3" name="Content Placeholder 2"/>
+              <a:t>Raspberry Pi circuit</a:t>
+            </a:r>
+            <a:endParaRPr lang="en-US" dirty="0"/>
+          </a:p>
+        </p:txBody>
+      </p:sp>
+      <p:sp>
+        <p:nvSpPr>
+          <p:cNvPr id="8" name="Content Placeholder 2"/>
           <p:cNvSpPr>
             <a:spLocks noGrp="1"/>
           </p:cNvSpPr>
@@ -12670,72 +12768,38 @@
             <p:ph idx="1"/>
           </p:nvPr>
         </p:nvSpPr>
-        <p:spPr/>
-        <p:txBody>
-          <a:bodyPr>
-            <a:normAutofit/>
-          </a:bodyPr>
+        <p:spPr>
+          <a:xfrm>
+            <a:off x="1141412" y="2249487"/>
+            <a:ext cx="9905999" cy="3541714"/>
+          </a:xfrm>
+        </p:spPr>
+        <p:txBody>
+          <a:bodyPr/>
           <a:lstStyle/>
           <a:p>
             <a:r>
-              <a:rPr lang="en-US" dirty="0"/>
-              <a:t>Programming Basics</a:t>
-            </a:r>
-          </a:p>
-          <a:p>
-            <a:pPr lvl="1"/>
-            <a:r>
-              <a:rPr lang="en-US" dirty="0"/>
-              <a:t>Functions</a:t>
-            </a:r>
-          </a:p>
-          <a:p>
-            <a:pPr lvl="1"/>
-            <a:r>
-              <a:rPr lang="en-US" dirty="0"/>
-              <a:t>Comments</a:t>
-            </a:r>
-          </a:p>
-          <a:p>
-            <a:pPr lvl="1"/>
-            <a:r>
-              <a:rPr lang="en-US" dirty="0"/>
-              <a:t>Variables</a:t>
-            </a:r>
-          </a:p>
-          <a:p>
-            <a:pPr lvl="1"/>
-            <a:r>
               <a:rPr lang="en-US" dirty="0" smtClean="0"/>
-              <a:t>Error Handling </a:t>
-            </a:r>
-            <a:endParaRPr lang="en-US" dirty="0"/>
-          </a:p>
-          <a:p>
+              <a:t>What </a:t>
+            </a:r>
             <a:r>
               <a:rPr lang="en-US" dirty="0" smtClean="0"/>
-              <a:t>Create </a:t>
-            </a:r>
-            <a:r>
-              <a:rPr lang="en-US" dirty="0"/>
-              <a:t>Email To Thom functionality</a:t>
-            </a:r>
-          </a:p>
-          <a:p>
-            <a:r>
-              <a:rPr lang="en-US" dirty="0"/>
-              <a:t>Send Email by Raspberry Pi</a:t>
-            </a:r>
-          </a:p>
-          <a:p>
-            <a:endParaRPr lang="en-GB" dirty="0"/>
+              <a:t>will this look like? Draw the circuit diagram</a:t>
+            </a:r>
+          </a:p>
+          <a:p>
+            <a:r>
+              <a:rPr lang="en-US" dirty="0" smtClean="0"/>
+              <a:t>Now build it!</a:t>
+            </a:r>
+            <a:endParaRPr lang="en-US" dirty="0" smtClean="0"/>
           </a:p>
         </p:txBody>
       </p:sp>
     </p:spTree>
     <p:extLst>
       <p:ext uri="{BB962C8B-B14F-4D97-AF65-F5344CB8AC3E}">
-        <p14:creationId xmlns:p14="http://schemas.microsoft.com/office/powerpoint/2010/main" val="1097960428"/>
+        <p14:creationId xmlns:p14="http://schemas.microsoft.com/office/powerpoint/2010/main" val="3169014870"/>
       </p:ext>
     </p:extLst>
   </p:cSld>
@@ -12779,41 +12843,95 @@
           <a:p>
             <a:r>
               <a:rPr lang="en-US" dirty="0" smtClean="0"/>
+              <a:t>Day 2: let’s code!</a:t>
+            </a:r>
+            <a:endParaRPr lang="en-GB" dirty="0"/>
+          </a:p>
+        </p:txBody>
+      </p:sp>
+      <p:sp>
+        <p:nvSpPr>
+          <p:cNvPr id="3" name="Content Placeholder 2"/>
+          <p:cNvSpPr>
+            <a:spLocks noGrp="1"/>
+          </p:cNvSpPr>
+          <p:nvPr>
+            <p:ph idx="1"/>
+          </p:nvPr>
+        </p:nvSpPr>
+        <p:spPr/>
+        <p:txBody>
+          <a:bodyPr>
+            <a:normAutofit fontScale="92500" lnSpcReduction="10000"/>
+          </a:bodyPr>
+          <a:lstStyle/>
+          <a:p>
+            <a:r>
+              <a:rPr lang="en-US" dirty="0" smtClean="0"/>
               <a:t>Recap</a:t>
             </a:r>
+          </a:p>
+          <a:p>
+            <a:r>
+              <a:rPr lang="en-US" dirty="0" smtClean="0"/>
+              <a:t>Programming concepts</a:t>
+            </a:r>
             <a:endParaRPr lang="en-US" dirty="0"/>
           </a:p>
-        </p:txBody>
-      </p:sp>
-      <p:sp>
-        <p:nvSpPr>
-          <p:cNvPr id="3" name="Content Placeholder 2"/>
-          <p:cNvSpPr>
-            <a:spLocks noGrp="1"/>
-          </p:cNvSpPr>
-          <p:nvPr>
-            <p:ph idx="1"/>
-          </p:nvPr>
-        </p:nvSpPr>
-        <p:spPr/>
-        <p:txBody>
-          <a:bodyPr/>
-          <a:lstStyle/>
-          <a:p>
+          <a:p>
+            <a:pPr lvl="1"/>
+            <a:r>
+              <a:rPr lang="en-US" dirty="0"/>
+              <a:t>Functions</a:t>
+            </a:r>
+          </a:p>
+          <a:p>
+            <a:pPr lvl="1"/>
+            <a:r>
+              <a:rPr lang="en-US" dirty="0"/>
+              <a:t>Comments</a:t>
+            </a:r>
+          </a:p>
+          <a:p>
+            <a:pPr lvl="1"/>
+            <a:r>
+              <a:rPr lang="en-US" dirty="0"/>
+              <a:t>Variables</a:t>
+            </a:r>
+          </a:p>
+          <a:p>
+            <a:pPr lvl="1"/>
             <a:r>
               <a:rPr lang="en-US" dirty="0" smtClean="0"/>
-              <a:t>Especially hello world</a:t>
-            </a:r>
-          </a:p>
-          <a:p>
+              <a:t>Error Handling </a:t>
+            </a:r>
             <a:endParaRPr lang="en-US" dirty="0"/>
+          </a:p>
+          <a:p>
+            <a:r>
+              <a:rPr lang="en-US" dirty="0" smtClean="0"/>
+              <a:t>Create </a:t>
+            </a:r>
+            <a:r>
+              <a:rPr lang="en-US" dirty="0"/>
+              <a:t>Email To Thom functionality</a:t>
+            </a:r>
+          </a:p>
+          <a:p>
+            <a:r>
+              <a:rPr lang="en-US" dirty="0"/>
+              <a:t>Send Email by Raspberry Pi</a:t>
+            </a:r>
+          </a:p>
+          <a:p>
+            <a:endParaRPr lang="en-GB" dirty="0"/>
           </a:p>
         </p:txBody>
       </p:sp>
     </p:spTree>
     <p:extLst>
       <p:ext uri="{BB962C8B-B14F-4D97-AF65-F5344CB8AC3E}">
-        <p14:creationId xmlns:p14="http://schemas.microsoft.com/office/powerpoint/2010/main" val="2180251118"/>
+        <p14:creationId xmlns:p14="http://schemas.microsoft.com/office/powerpoint/2010/main" val="1097960428"/>
       </p:ext>
     </p:extLst>
   </p:cSld>
@@ -12857,7 +12975,7 @@
           <a:p>
             <a:r>
               <a:rPr lang="en-US" dirty="0" smtClean="0"/>
-              <a:t>Programming Concepts</a:t>
+              <a:t>Recap</a:t>
             </a:r>
             <a:endParaRPr lang="en-US" dirty="0"/>
           </a:p>
@@ -12878,27 +12996,12 @@
           <a:bodyPr/>
           <a:lstStyle/>
           <a:p>
+            <a:pPr marL="0" indent="0">
+              <a:buNone/>
+            </a:pPr>
             <a:r>
               <a:rPr lang="en-US" dirty="0" smtClean="0"/>
-              <a:t>Keywords</a:t>
-            </a:r>
-          </a:p>
-          <a:p>
-            <a:r>
-              <a:rPr lang="en-US" dirty="0" smtClean="0"/>
-              <a:t>Strings / Numbers</a:t>
-            </a:r>
-          </a:p>
-          <a:p>
-            <a:r>
-              <a:rPr lang="en-US" dirty="0" smtClean="0"/>
-              <a:t>Variables</a:t>
-            </a:r>
-          </a:p>
-          <a:p>
-            <a:r>
-              <a:rPr lang="en-US" dirty="0" smtClean="0"/>
-              <a:t>Comments</a:t>
+              <a:t>What did we cover yesterday?</a:t>
             </a:r>
             <a:endParaRPr lang="en-US" dirty="0"/>
           </a:p>
@@ -12907,7 +13010,7 @@
     </p:spTree>
     <p:extLst>
       <p:ext uri="{BB962C8B-B14F-4D97-AF65-F5344CB8AC3E}">
-        <p14:creationId xmlns:p14="http://schemas.microsoft.com/office/powerpoint/2010/main" val="2686902082"/>
+        <p14:creationId xmlns:p14="http://schemas.microsoft.com/office/powerpoint/2010/main" val="2180251118"/>
       </p:ext>
     </p:extLst>
   </p:cSld>
@@ -12946,42 +13049,69 @@
         </p:nvSpPr>
         <p:spPr/>
         <p:txBody>
-          <a:bodyPr>
-            <a:normAutofit/>
-          </a:bodyPr>
-          <a:lstStyle/>
-          <a:p>
-            <a:r>
-              <a:rPr lang="en-US" dirty="0" smtClean="0"/>
-              <a:t>Break</a:t>
-            </a:r>
-            <a:endParaRPr lang="en-US" dirty="0"/>
-          </a:p>
-        </p:txBody>
-      </p:sp>
-      <p:sp>
-        <p:nvSpPr>
-          <p:cNvPr id="3" name="Content Placeholder 2"/>
-          <p:cNvSpPr>
-            <a:spLocks noGrp="1"/>
-          </p:cNvSpPr>
-          <p:nvPr>
-            <p:ph idx="1"/>
-          </p:nvPr>
-        </p:nvSpPr>
-        <p:spPr/>
-        <p:txBody>
           <a:bodyPr/>
           <a:lstStyle/>
           <a:p>
-            <a:endParaRPr lang="en-US"/>
+            <a:r>
+              <a:rPr lang="en-US" dirty="0" smtClean="0"/>
+              <a:t>Programming basics</a:t>
+            </a:r>
+            <a:endParaRPr lang="en-US" dirty="0"/>
+          </a:p>
+        </p:txBody>
+      </p:sp>
+      <p:sp>
+        <p:nvSpPr>
+          <p:cNvPr id="3" name="Content Placeholder 2"/>
+          <p:cNvSpPr>
+            <a:spLocks noGrp="1"/>
+          </p:cNvSpPr>
+          <p:nvPr>
+            <p:ph idx="1"/>
+          </p:nvPr>
+        </p:nvSpPr>
+        <p:spPr/>
+        <p:txBody>
+          <a:bodyPr/>
+          <a:lstStyle/>
+          <a:p>
+            <a:r>
+              <a:rPr lang="en-US" dirty="0" smtClean="0"/>
+              <a:t>Keywords – which keyword have we already come across?</a:t>
+            </a:r>
+            <a:endParaRPr lang="en-US" dirty="0" smtClean="0"/>
+          </a:p>
+          <a:p>
+            <a:r>
+              <a:rPr lang="en-US" dirty="0" smtClean="0"/>
+              <a:t>Strings / </a:t>
+            </a:r>
+            <a:r>
+              <a:rPr lang="en-US" dirty="0" smtClean="0"/>
+              <a:t>Numbers – how can you tell the difference?</a:t>
+            </a:r>
+            <a:endParaRPr lang="en-US" dirty="0" smtClean="0"/>
+          </a:p>
+          <a:p>
+            <a:r>
+              <a:rPr lang="en-US" dirty="0" smtClean="0"/>
+              <a:t>Variables – why would you need these?</a:t>
+            </a:r>
+            <a:endParaRPr lang="en-US" dirty="0" smtClean="0"/>
+          </a:p>
+          <a:p>
+            <a:r>
+              <a:rPr lang="en-US" dirty="0" smtClean="0"/>
+              <a:t>Comments – why would you need these?</a:t>
+            </a:r>
+            <a:endParaRPr lang="en-US" dirty="0"/>
           </a:p>
         </p:txBody>
       </p:sp>
     </p:spTree>
     <p:extLst>
       <p:ext uri="{BB962C8B-B14F-4D97-AF65-F5344CB8AC3E}">
-        <p14:creationId xmlns:p14="http://schemas.microsoft.com/office/powerpoint/2010/main" val="3920042752"/>
+        <p14:creationId xmlns:p14="http://schemas.microsoft.com/office/powerpoint/2010/main" val="2686902082"/>
       </p:ext>
     </p:extLst>
   </p:cSld>
@@ -13025,7 +13155,7 @@
           <a:p>
             <a:r>
               <a:rPr lang="en-US" dirty="0" smtClean="0"/>
-              <a:t>Programming concepts</a:t>
+              <a:t>Programming functions</a:t>
             </a:r>
             <a:endParaRPr lang="en-US" dirty="0"/>
           </a:p>
@@ -13048,35 +13178,45 @@
           <a:p>
             <a:r>
               <a:rPr lang="en-US" dirty="0" smtClean="0"/>
-              <a:t>Functions</a:t>
-            </a:r>
-          </a:p>
-          <a:p>
-            <a:pPr lvl="1"/>
+              <a:t>How do you write a function?</a:t>
+            </a:r>
+            <a:endParaRPr lang="en-US" dirty="0" smtClean="0"/>
+          </a:p>
+          <a:p>
             <a:r>
               <a:rPr lang="en-US" dirty="0" smtClean="0"/>
-              <a:t>Writing functions</a:t>
-            </a:r>
-          </a:p>
-          <a:p>
-            <a:pPr lvl="1"/>
+              <a:t>How do you call a function?</a:t>
+            </a:r>
+            <a:endParaRPr lang="en-US" dirty="0" smtClean="0"/>
+          </a:p>
+          <a:p>
             <a:r>
               <a:rPr lang="en-US" dirty="0" smtClean="0"/>
-              <a:t>Calling functions</a:t>
-            </a:r>
-          </a:p>
-          <a:p>
-            <a:pPr lvl="1"/>
+              <a:t>How do you use parameters within functions? And why would you want to?</a:t>
+            </a:r>
+            <a:endParaRPr lang="en-US" dirty="0" smtClean="0"/>
+          </a:p>
+          <a:p>
             <a:r>
               <a:rPr lang="en-US" dirty="0" smtClean="0"/>
-              <a:t>Passing parameters to functions</a:t>
-            </a:r>
-          </a:p>
-          <a:p>
-            <a:pPr lvl="1"/>
+              <a:t>How do you return </a:t>
+            </a:r>
             <a:r>
               <a:rPr lang="en-US" dirty="0" smtClean="0"/>
-              <a:t>Returning values from functions</a:t>
+              <a:t>values from </a:t>
+            </a:r>
+            <a:r>
+              <a:rPr lang="en-US" dirty="0" smtClean="0"/>
+              <a:t>functions? And why would you want to?</a:t>
+            </a:r>
+          </a:p>
+          <a:p>
+            <a:pPr marL="0" indent="0">
+              <a:buNone/>
+            </a:pPr>
+            <a:r>
+              <a:rPr lang="en-US" dirty="0" smtClean="0"/>
+              <a:t>Q: What is the difference between a variable, a parameter and a value?</a:t>
             </a:r>
             <a:endParaRPr lang="en-US" dirty="0"/>
           </a:p>
@@ -13129,7 +13269,7 @@
           <a:p>
             <a:r>
               <a:rPr lang="en-US" dirty="0" smtClean="0"/>
-              <a:t>Program – Hello [name]</a:t>
+              <a:t>Importing libraries</a:t>
             </a:r>
             <a:endParaRPr lang="en-US" dirty="0"/>
           </a:p>
@@ -13150,6 +13290,34 @@
           <a:bodyPr/>
           <a:lstStyle/>
           <a:p>
+            <a:r>
+              <a:rPr lang="en-US" dirty="0" smtClean="0"/>
+              <a:t>What is a library?</a:t>
+            </a:r>
+          </a:p>
+          <a:p>
+            <a:r>
+              <a:rPr lang="en-US" dirty="0" smtClean="0"/>
+              <a:t>Why would you want to use one?</a:t>
+            </a:r>
+            <a:endParaRPr lang="en-US" dirty="0" smtClean="0"/>
+          </a:p>
+          <a:p>
+            <a:r>
+              <a:rPr lang="en-US" dirty="0" smtClean="0"/>
+              <a:t>Where is this </a:t>
+            </a:r>
+            <a:r>
+              <a:rPr lang="en-US" dirty="0" smtClean="0"/>
+              <a:t>code stored?</a:t>
+            </a:r>
+            <a:endParaRPr lang="en-US" dirty="0" smtClean="0"/>
+          </a:p>
+          <a:p>
+            <a:r>
+              <a:rPr lang="en-US" dirty="0" smtClean="0"/>
+              <a:t>Can you build your own?</a:t>
+            </a:r>
             <a:endParaRPr lang="en-US" dirty="0"/>
           </a:p>
         </p:txBody>
@@ -13157,7 +13325,7 @@
     </p:spTree>
     <p:extLst>
       <p:ext uri="{BB962C8B-B14F-4D97-AF65-F5344CB8AC3E}">
-        <p14:creationId xmlns:p14="http://schemas.microsoft.com/office/powerpoint/2010/main" val="4174675986"/>
+        <p14:creationId xmlns:p14="http://schemas.microsoft.com/office/powerpoint/2010/main" val="1877813157"/>
       </p:ext>
     </p:extLst>
   </p:cSld>
@@ -13201,7 +13369,7 @@
           <a:p>
             <a:r>
               <a:rPr lang="en-US" dirty="0" smtClean="0"/>
-              <a:t>Importing libraries</a:t>
+              <a:t>Raspberry Pi Software</a:t>
             </a:r>
             <a:endParaRPr lang="en-US" dirty="0"/>
           </a:p>
@@ -13222,21 +13390,73 @@
           <a:bodyPr/>
           <a:lstStyle/>
           <a:p>
+            <a:pPr marL="0" indent="0">
+              <a:buNone/>
+            </a:pPr>
             <a:r>
               <a:rPr lang="en-US" dirty="0" smtClean="0"/>
-              <a:t>Why?</a:t>
-            </a:r>
-          </a:p>
-          <a:p>
+              <a:t>1) Copy </a:t>
+            </a:r>
             <a:r>
               <a:rPr lang="en-US" dirty="0" smtClean="0"/>
-              <a:t>Where is this code?</a:t>
-            </a:r>
-          </a:p>
-          <a:p>
+              <a:t>source code</a:t>
+            </a:r>
+          </a:p>
+          <a:p>
+            <a:pPr marL="0" indent="0">
+              <a:buNone/>
+            </a:pPr>
             <a:r>
               <a:rPr lang="en-US" dirty="0" smtClean="0"/>
-              <a:t>Can you build your own?</a:t>
+              <a:t>2) Run the code</a:t>
+            </a:r>
+            <a:endParaRPr lang="en-US" dirty="0" smtClean="0"/>
+          </a:p>
+          <a:p>
+            <a:pPr marL="0" indent="0">
+              <a:buNone/>
+            </a:pPr>
+            <a:r>
+              <a:rPr lang="en-US" dirty="0" smtClean="0"/>
+              <a:t>3) Explain </a:t>
+            </a:r>
+            <a:r>
+              <a:rPr lang="en-US" dirty="0" smtClean="0"/>
+              <a:t>it</a:t>
+            </a:r>
+          </a:p>
+          <a:p>
+            <a:pPr marL="0" indent="0">
+              <a:buNone/>
+            </a:pPr>
+            <a:r>
+              <a:rPr lang="en-US" dirty="0" smtClean="0"/>
+              <a:t>4) Change the code so the </a:t>
+            </a:r>
+            <a:r>
+              <a:rPr lang="en-US" dirty="0" smtClean="0"/>
+              <a:t>light </a:t>
+            </a:r>
+            <a:r>
+              <a:rPr lang="en-US" dirty="0" smtClean="0"/>
+              <a:t>remains on </a:t>
+            </a:r>
+            <a:r>
+              <a:rPr lang="en-US" dirty="0" smtClean="0"/>
+              <a:t>for 5 seconds after pushing </a:t>
+            </a:r>
+            <a:r>
+              <a:rPr lang="en-US" dirty="0" smtClean="0"/>
+              <a:t>button</a:t>
+            </a:r>
+          </a:p>
+          <a:p>
+            <a:pPr marL="0" indent="0">
+              <a:buNone/>
+            </a:pPr>
+            <a:r>
+              <a:rPr lang="en-US" dirty="0" smtClean="0"/>
+              <a:t>5) Test it</a:t>
             </a:r>
             <a:endParaRPr lang="en-US" dirty="0"/>
           </a:p>
@@ -13245,7 +13465,7 @@
     </p:spTree>
     <p:extLst>
       <p:ext uri="{BB962C8B-B14F-4D97-AF65-F5344CB8AC3E}">
-        <p14:creationId xmlns:p14="http://schemas.microsoft.com/office/powerpoint/2010/main" val="1877813157"/>
+        <p14:creationId xmlns:p14="http://schemas.microsoft.com/office/powerpoint/2010/main" val="2634014740"/>
       </p:ext>
     </p:extLst>
   </p:cSld>
@@ -13289,7 +13509,7 @@
           <a:p>
             <a:r>
               <a:rPr lang="en-US" dirty="0" smtClean="0"/>
-              <a:t>Raspberry Pi Software</a:t>
+              <a:t>Send an email</a:t>
             </a:r>
             <a:endParaRPr lang="en-US" dirty="0"/>
           </a:p>
@@ -13312,25 +13532,61 @@
           <a:p>
             <a:r>
               <a:rPr lang="en-US" dirty="0" smtClean="0"/>
-              <a:t>Copy source code</a:t>
-            </a:r>
-          </a:p>
-          <a:p>
+              <a:t>Review and edit the code</a:t>
+            </a:r>
+            <a:endParaRPr lang="en-US" dirty="0" smtClean="0"/>
+          </a:p>
+          <a:p>
+            <a:pPr lvl="1"/>
             <a:r>
               <a:rPr lang="en-US" dirty="0" smtClean="0"/>
-              <a:t>Run it</a:t>
-            </a:r>
-          </a:p>
-          <a:p>
+              <a:t>To: </a:t>
+            </a:r>
+            <a:r>
+              <a:rPr lang="en-US" dirty="0" smtClean="0">
+                <a:hlinkClick r:id="rId2"/>
+              </a:rPr>
+              <a:t>Thom.Christensen@Schroders.com</a:t>
+            </a:r>
+            <a:endParaRPr lang="en-US" dirty="0" smtClean="0"/>
+          </a:p>
+          <a:p>
+            <a:pPr lvl="1"/>
             <a:r>
               <a:rPr lang="en-US" dirty="0" smtClean="0"/>
-              <a:t>Explain it</a:t>
-            </a:r>
-          </a:p>
-          <a:p>
+              <a:t>Subject: Sending a test email from my raspberry pi</a:t>
+            </a:r>
+          </a:p>
+          <a:p>
+            <a:pPr lvl="1"/>
             <a:r>
               <a:rPr lang="en-US" dirty="0" smtClean="0"/>
-              <a:t>Change – leave light on for 5 seconds after pushing button</a:t>
+              <a:t>Body: Make something </a:t>
+            </a:r>
+            <a:r>
+              <a:rPr lang="en-US" dirty="0" smtClean="0"/>
+              <a:t>up!</a:t>
+            </a:r>
+            <a:endParaRPr lang="en-US" dirty="0" smtClean="0"/>
+          </a:p>
+          <a:p>
+            <a:r>
+              <a:rPr lang="en-US" dirty="0" smtClean="0"/>
+              <a:t>Test it</a:t>
+            </a:r>
+            <a:endParaRPr lang="en-US" dirty="0" smtClean="0"/>
+          </a:p>
+          <a:p>
+            <a:r>
+              <a:rPr lang="en-US" dirty="0" smtClean="0"/>
+              <a:t>Embed the code into a function</a:t>
+            </a:r>
+            <a:endParaRPr lang="en-US" dirty="0" smtClean="0"/>
+          </a:p>
+          <a:p>
+            <a:r>
+              <a:rPr lang="en-US" dirty="0" smtClean="0"/>
+              <a:t>Test it</a:t>
             </a:r>
             <a:endParaRPr lang="en-US" dirty="0"/>
           </a:p>
@@ -13339,7 +13595,7 @@
     </p:spTree>
     <p:extLst>
       <p:ext uri="{BB962C8B-B14F-4D97-AF65-F5344CB8AC3E}">
-        <p14:creationId xmlns:p14="http://schemas.microsoft.com/office/powerpoint/2010/main" val="2634014740"/>
+        <p14:creationId xmlns:p14="http://schemas.microsoft.com/office/powerpoint/2010/main" val="2500281021"/>
       </p:ext>
     </p:extLst>
   </p:cSld>
@@ -13402,93 +13658,64 @@
         <p:spPr/>
         <p:txBody>
           <a:bodyPr>
-            <a:normAutofit fontScale="62500" lnSpcReduction="20000"/>
+            <a:normAutofit fontScale="85000" lnSpcReduction="20000"/>
           </a:bodyPr>
           <a:lstStyle/>
           <a:p>
             <a:r>
+              <a:rPr lang="en-US" dirty="0" smtClean="0"/>
+              <a:t>Introductions</a:t>
+            </a:r>
+            <a:endParaRPr lang="en-US" dirty="0"/>
+          </a:p>
+          <a:p>
+            <a:r>
               <a:rPr lang="en-US" dirty="0"/>
-              <a:t>Introduction to the team</a:t>
-            </a:r>
-          </a:p>
-          <a:p>
-            <a:r>
-              <a:rPr lang="en-US" dirty="0"/>
-              <a:t>Project Review</a:t>
-            </a:r>
-          </a:p>
-          <a:p>
-            <a:r>
-              <a:rPr lang="en-US" dirty="0"/>
-              <a:t>Business Context</a:t>
-            </a:r>
-          </a:p>
-          <a:p>
-            <a:r>
-              <a:rPr lang="en-US" dirty="0"/>
-              <a:t>Introducing the Raspberry Pi</a:t>
-            </a:r>
-          </a:p>
-          <a:p>
-            <a:pPr lvl="1"/>
-            <a:r>
-              <a:rPr lang="en-US" dirty="0"/>
-              <a:t>(Pre-</a:t>
-            </a:r>
-            <a:r>
-              <a:rPr lang="en-US" dirty="0" err="1"/>
-              <a:t>config</a:t>
-            </a:r>
-            <a:r>
-              <a:rPr lang="en-US" dirty="0"/>
-              <a:t> </a:t>
-            </a:r>
-            <a:r>
-              <a:rPr lang="en-US" dirty="0" err="1"/>
-              <a:t>wifi</a:t>
-            </a:r>
-            <a:r>
-              <a:rPr lang="en-US" dirty="0"/>
-              <a:t> and hostname)</a:t>
-            </a:r>
-          </a:p>
-          <a:p>
-            <a:pPr lvl="1"/>
-            <a:r>
-              <a:rPr lang="en-US" dirty="0"/>
-              <a:t>Basic Linux Command Line (?)</a:t>
-            </a:r>
-          </a:p>
-          <a:p>
-            <a:r>
-              <a:rPr lang="en-US" dirty="0"/>
-              <a:t>What is Python</a:t>
-            </a:r>
-          </a:p>
-          <a:p>
-            <a:r>
-              <a:rPr lang="en-US" dirty="0"/>
-              <a:t>Getting the source code (</a:t>
-            </a:r>
-            <a:r>
-              <a:rPr lang="en-US" dirty="0" err="1"/>
-              <a:t>Git</a:t>
-            </a:r>
-            <a:r>
-              <a:rPr lang="en-US" dirty="0"/>
-              <a:t>) (?)</a:t>
-            </a:r>
-          </a:p>
-          <a:p>
+              <a:t>Project o</a:t>
+            </a:r>
             <a:r>
               <a:rPr lang="en-US" dirty="0" smtClean="0"/>
-              <a:t>“Hello World!”</a:t>
-            </a:r>
+              <a:t>utline</a:t>
+            </a:r>
+            <a:endParaRPr lang="en-US" dirty="0"/>
           </a:p>
           <a:p>
             <a:r>
               <a:rPr lang="en-US" dirty="0" smtClean="0"/>
-              <a:t>Wiring up the Raspberry Pi</a:t>
+              <a:t>Business background</a:t>
+            </a:r>
+            <a:endParaRPr lang="en-US" dirty="0"/>
+          </a:p>
+          <a:p>
+            <a:r>
+              <a:rPr lang="en-US" dirty="0" smtClean="0"/>
+              <a:t>Technology overview</a:t>
+            </a:r>
+            <a:endParaRPr lang="en-US" dirty="0"/>
+          </a:p>
+          <a:p>
+            <a:r>
+              <a:rPr lang="en-US" dirty="0" smtClean="0"/>
+              <a:t>Intro to Raspberry Pi</a:t>
+            </a:r>
+            <a:endParaRPr lang="en-US" dirty="0"/>
+          </a:p>
+          <a:p>
+            <a:r>
+              <a:rPr lang="en-US" dirty="0" smtClean="0"/>
+              <a:t>Python</a:t>
+            </a:r>
+          </a:p>
+          <a:p>
+            <a:r>
+              <a:rPr lang="en-US" dirty="0" smtClean="0"/>
+              <a:t>Circuits</a:t>
+            </a:r>
+          </a:p>
+          <a:p>
+            <a:r>
+              <a:rPr lang="en-US" dirty="0" smtClean="0"/>
+              <a:t>Raspberry Pi circuit</a:t>
             </a:r>
           </a:p>
           <a:p>
@@ -13546,7 +13773,7 @@
           <a:p>
             <a:r>
               <a:rPr lang="en-US" dirty="0" smtClean="0"/>
-              <a:t>Break</a:t>
+              <a:t>Build a class</a:t>
             </a:r>
             <a:endParaRPr lang="en-US" dirty="0"/>
           </a:p>
@@ -13567,14 +13794,42 @@
           <a:bodyPr/>
           <a:lstStyle/>
           <a:p>
-            <a:endParaRPr lang="en-US"/>
+            <a:r>
+              <a:rPr lang="en-US" dirty="0" smtClean="0"/>
+              <a:t>What is a </a:t>
+            </a:r>
+            <a:r>
+              <a:rPr lang="en-US" dirty="0" smtClean="0"/>
+              <a:t>class?</a:t>
+            </a:r>
+            <a:endParaRPr lang="en-US" dirty="0" smtClean="0"/>
+          </a:p>
+          <a:p>
+            <a:r>
+              <a:rPr lang="en-US" dirty="0" smtClean="0"/>
+              <a:t>Why would we use classes?</a:t>
+            </a:r>
+            <a:endParaRPr lang="en-US" dirty="0" smtClean="0"/>
+          </a:p>
+          <a:p>
+            <a:r>
+              <a:rPr lang="en-US" dirty="0" smtClean="0"/>
+              <a:t>How would you use classes?</a:t>
+            </a:r>
+          </a:p>
+          <a:p>
+            <a:r>
+              <a:rPr lang="en-US" dirty="0" smtClean="0"/>
+              <a:t>What is Object Oriented Programming (OOP)?</a:t>
+            </a:r>
+            <a:endParaRPr lang="en-US" dirty="0"/>
           </a:p>
         </p:txBody>
       </p:sp>
     </p:spTree>
     <p:extLst>
       <p:ext uri="{BB962C8B-B14F-4D97-AF65-F5344CB8AC3E}">
-        <p14:creationId xmlns:p14="http://schemas.microsoft.com/office/powerpoint/2010/main" val="367889435"/>
+        <p14:creationId xmlns:p14="http://schemas.microsoft.com/office/powerpoint/2010/main" val="2967063638"/>
       </p:ext>
     </p:extLst>
   </p:cSld>
@@ -13618,7 +13873,7 @@
           <a:p>
             <a:r>
               <a:rPr lang="en-US" dirty="0" smtClean="0"/>
-              <a:t>Send an email</a:t>
+              <a:t>Enhanced send an email</a:t>
             </a:r>
             <a:endParaRPr lang="en-US" dirty="0"/>
           </a:p>
@@ -13641,53 +13896,37 @@
           <a:p>
             <a:r>
               <a:rPr lang="en-US" dirty="0" smtClean="0"/>
-              <a:t>Basic send email code</a:t>
-            </a:r>
-          </a:p>
-          <a:p>
-            <a:pPr lvl="1"/>
+              <a:t>Take </a:t>
+            </a:r>
             <a:r>
               <a:rPr lang="en-US" dirty="0" smtClean="0"/>
-              <a:t>To: </a:t>
-            </a:r>
-            <a:r>
-              <a:rPr lang="en-US" dirty="0" smtClean="0">
-                <a:hlinkClick r:id="rId2"/>
-              </a:rPr>
-              <a:t>Thom.Christensen@Schroders.com</a:t>
-            </a:r>
-            <a:endParaRPr lang="en-US" dirty="0" smtClean="0"/>
-          </a:p>
-          <a:p>
-            <a:pPr lvl="1"/>
+              <a:t>your email </a:t>
+            </a:r>
             <a:r>
               <a:rPr lang="en-US" dirty="0" smtClean="0"/>
-              <a:t>Subject: Sending a test email from my raspberry pi</a:t>
-            </a:r>
-          </a:p>
-          <a:p>
-            <a:pPr lvl="1"/>
+              <a:t>function and put it in a class</a:t>
+            </a:r>
+          </a:p>
+          <a:p>
             <a:r>
               <a:rPr lang="en-US" dirty="0" smtClean="0"/>
-              <a:t>Body: Make something up :-)</a:t>
-            </a:r>
-          </a:p>
-          <a:p>
+              <a:t>Add functionality to push button to turn </a:t>
+            </a:r>
             <a:r>
               <a:rPr lang="en-US" dirty="0" smtClean="0"/>
-              <a:t>Not in a function (Sami’s example)</a:t>
+              <a:t>on light and send the email when button is pressed</a:t>
             </a:r>
           </a:p>
           <a:p>
             <a:r>
               <a:rPr lang="en-US" dirty="0" smtClean="0"/>
-              <a:t>Test it</a:t>
+              <a:t>Count the number of times the button is pressed</a:t>
             </a:r>
           </a:p>
           <a:p>
             <a:r>
               <a:rPr lang="en-US" dirty="0" smtClean="0"/>
-              <a:t>Put it in a function &amp; test</a:t>
+              <a:t>Save the number of times the button is pressed between reboots</a:t>
             </a:r>
             <a:endParaRPr lang="en-US" dirty="0"/>
           </a:p>
@@ -13696,7 +13935,7 @@
     </p:spTree>
     <p:extLst>
       <p:ext uri="{BB962C8B-B14F-4D97-AF65-F5344CB8AC3E}">
-        <p14:creationId xmlns:p14="http://schemas.microsoft.com/office/powerpoint/2010/main" val="2500281021"/>
+        <p14:creationId xmlns:p14="http://schemas.microsoft.com/office/powerpoint/2010/main" val="3997814917"/>
       </p:ext>
     </p:extLst>
   </p:cSld>
@@ -13740,9 +13979,9 @@
           <a:p>
             <a:r>
               <a:rPr lang="en-US" dirty="0" smtClean="0"/>
-              <a:t>Build a class</a:t>
-            </a:r>
-            <a:endParaRPr lang="en-US" dirty="0"/>
+              <a:t>Day 3: working with the business</a:t>
+            </a:r>
+            <a:endParaRPr lang="en-GB" dirty="0"/>
           </a:p>
         </p:txBody>
       </p:sp>
@@ -13762,29 +14001,70 @@
           <a:lstStyle/>
           <a:p>
             <a:r>
+              <a:rPr lang="en-US" dirty="0"/>
+              <a:t>The basics of Service Management</a:t>
+            </a:r>
+          </a:p>
+          <a:p>
+            <a:r>
+              <a:rPr lang="en-US" dirty="0"/>
+              <a:t>Introduction to </a:t>
+            </a:r>
+            <a:r>
+              <a:rPr lang="en-US" dirty="0" err="1"/>
+              <a:t>ServiceNow</a:t>
+            </a:r>
+            <a:endParaRPr lang="en-US" dirty="0"/>
+          </a:p>
+          <a:p>
+            <a:r>
+              <a:rPr lang="en-US" dirty="0"/>
+              <a:t>Send </a:t>
+            </a:r>
+            <a:r>
               <a:rPr lang="en-US" dirty="0" smtClean="0"/>
-              <a:t>What is a class</a:t>
-            </a:r>
-          </a:p>
-          <a:p>
-            <a:r>
-              <a:rPr lang="en-US" dirty="0" smtClean="0"/>
-              <a:t>Why?</a:t>
-            </a:r>
-          </a:p>
-          <a:p>
-            <a:r>
-              <a:rPr lang="en-US" dirty="0" smtClean="0"/>
-              <a:t>How?</a:t>
+              <a:t>an alert </a:t>
+            </a:r>
+            <a:r>
+              <a:rPr lang="en-US" dirty="0"/>
+              <a:t>to </a:t>
+            </a:r>
+            <a:r>
+              <a:rPr lang="en-US" dirty="0" err="1"/>
+              <a:t>ServiceNow</a:t>
             </a:r>
             <a:endParaRPr lang="en-US" dirty="0"/>
+          </a:p>
+          <a:p>
+            <a:r>
+              <a:rPr lang="en-US" dirty="0"/>
+              <a:t>Reporting on issues</a:t>
+            </a:r>
+          </a:p>
+          <a:p>
+            <a:r>
+              <a:rPr lang="en-US" dirty="0"/>
+              <a:t>Device Registration</a:t>
+            </a:r>
+          </a:p>
+          <a:p>
+            <a:r>
+              <a:rPr lang="en-US" dirty="0"/>
+              <a:t>Ticket validation / Preventing Spam</a:t>
+            </a:r>
+          </a:p>
+          <a:p>
+            <a:endParaRPr lang="en-US" dirty="0"/>
+          </a:p>
+          <a:p>
+            <a:endParaRPr lang="en-GB" dirty="0"/>
           </a:p>
         </p:txBody>
       </p:sp>
     </p:spTree>
     <p:extLst>
       <p:ext uri="{BB962C8B-B14F-4D97-AF65-F5344CB8AC3E}">
-        <p14:creationId xmlns:p14="http://schemas.microsoft.com/office/powerpoint/2010/main" val="2967063638"/>
+        <p14:creationId xmlns:p14="http://schemas.microsoft.com/office/powerpoint/2010/main" val="138573571"/>
       </p:ext>
     </p:extLst>
   </p:cSld>
@@ -13828,7 +14108,7 @@
           <a:p>
             <a:r>
               <a:rPr lang="en-US" dirty="0" smtClean="0"/>
-              <a:t>Enhanced send an email</a:t>
+              <a:t>Service Management</a:t>
             </a:r>
             <a:endParaRPr lang="en-US" dirty="0"/>
           </a:p>
@@ -13851,26 +14131,63 @@
           <a:p>
             <a:r>
               <a:rPr lang="en-US" dirty="0" smtClean="0"/>
-              <a:t>Take email function and put it in a class</a:t>
+              <a:t>Why is this needed?</a:t>
             </a:r>
           </a:p>
           <a:p>
             <a:r>
               <a:rPr lang="en-US" dirty="0" smtClean="0"/>
-              <a:t>Import into push button, and turn on light and send the email when button is pressed</a:t>
-            </a:r>
-          </a:p>
-          <a:p>
+              <a:t>What </a:t>
+            </a:r>
             <a:r>
               <a:rPr lang="en-US" dirty="0" smtClean="0"/>
-              <a:t>Count the number of times the button is pressed</a:t>
-            </a:r>
-          </a:p>
-          <a:p>
+              <a:t>does </a:t>
+            </a:r>
+            <a:r>
+              <a:rPr lang="en-US" dirty="0" err="1" smtClean="0"/>
+              <a:t>ServiceNow</a:t>
+            </a:r>
             <a:r>
               <a:rPr lang="en-US" dirty="0" smtClean="0"/>
-              <a:t>Save the number of times the button is pressed between reboots</a:t>
-            </a:r>
+              <a:t> do?</a:t>
+            </a:r>
+            <a:endParaRPr lang="en-US" dirty="0" smtClean="0"/>
+          </a:p>
+          <a:p>
+            <a:r>
+              <a:rPr lang="en-US" dirty="0" smtClean="0"/>
+              <a:t>What is the i</a:t>
+            </a:r>
+            <a:r>
+              <a:rPr lang="en-US" dirty="0" smtClean="0"/>
+              <a:t>ssue lifecycle?</a:t>
+            </a:r>
+            <a:endParaRPr lang="en-US" dirty="0" smtClean="0"/>
+          </a:p>
+          <a:p>
+            <a:r>
+              <a:rPr lang="en-US" dirty="0" smtClean="0"/>
+              <a:t>How do we s</a:t>
+            </a:r>
+            <a:r>
+              <a:rPr lang="en-US" dirty="0" smtClean="0"/>
+              <a:t>end </a:t>
+            </a:r>
+            <a:r>
+              <a:rPr lang="en-US" dirty="0" smtClean="0"/>
+              <a:t>an alert to </a:t>
+            </a:r>
+            <a:r>
+              <a:rPr lang="en-US" dirty="0" err="1" smtClean="0"/>
+              <a:t>ServiceNow</a:t>
+            </a:r>
+            <a:r>
+              <a:rPr lang="en-US" dirty="0" smtClean="0"/>
+              <a:t>?</a:t>
+            </a:r>
+            <a:endParaRPr lang="en-US" dirty="0" smtClean="0"/>
+          </a:p>
+          <a:p>
             <a:endParaRPr lang="en-US" dirty="0"/>
           </a:p>
         </p:txBody>
@@ -13878,7 +14195,7 @@
     </p:spTree>
     <p:extLst>
       <p:ext uri="{BB962C8B-B14F-4D97-AF65-F5344CB8AC3E}">
-        <p14:creationId xmlns:p14="http://schemas.microsoft.com/office/powerpoint/2010/main" val="3997814917"/>
+        <p14:creationId xmlns:p14="http://schemas.microsoft.com/office/powerpoint/2010/main" val="1158526004"/>
       </p:ext>
     </p:extLst>
   </p:cSld>
@@ -13922,9 +14239,9 @@
           <a:p>
             <a:r>
               <a:rPr lang="en-US" dirty="0" smtClean="0"/>
-              <a:t>Day 3: working with the business</a:t>
-            </a:r>
-            <a:endParaRPr lang="en-GB" dirty="0"/>
+              <a:t>Identifying unique devices </a:t>
+            </a:r>
+            <a:endParaRPr lang="en-US" dirty="0"/>
           </a:p>
         </p:txBody>
       </p:sp>
@@ -13943,63 +14260,21 @@
           <a:bodyPr/>
           <a:lstStyle/>
           <a:p>
-            <a:r>
-              <a:rPr lang="en-US" dirty="0"/>
-              <a:t>The basics of Service Management</a:t>
-            </a:r>
-          </a:p>
-          <a:p>
-            <a:r>
-              <a:rPr lang="en-US" dirty="0"/>
-              <a:t>Introduction to </a:t>
-            </a:r>
-            <a:r>
-              <a:rPr lang="en-US" dirty="0" err="1"/>
-              <a:t>ServiceNow</a:t>
+            <a:pPr marL="0" indent="0">
+              <a:buNone/>
+            </a:pPr>
+            <a:r>
+              <a:rPr lang="en-US" dirty="0" smtClean="0"/>
+              <a:t>If we placed each device in a different location, how could we tell which button was pressed to trigger an alert?</a:t>
             </a:r>
             <a:endParaRPr lang="en-US" dirty="0"/>
-          </a:p>
-          <a:p>
-            <a:r>
-              <a:rPr lang="en-US" dirty="0"/>
-              <a:t>Send Email to </a:t>
-            </a:r>
-            <a:r>
-              <a:rPr lang="en-US" dirty="0" err="1"/>
-              <a:t>ServiceNow</a:t>
-            </a:r>
-            <a:endParaRPr lang="en-US" dirty="0"/>
-          </a:p>
-          <a:p>
-            <a:r>
-              <a:rPr lang="en-US" dirty="0"/>
-              <a:t>Reporting on issues</a:t>
-            </a:r>
-          </a:p>
-          <a:p>
-            <a:r>
-              <a:rPr lang="en-US" dirty="0"/>
-              <a:t>Device Registration</a:t>
-            </a:r>
-          </a:p>
-          <a:p>
-            <a:r>
-              <a:rPr lang="en-US" dirty="0"/>
-              <a:t>Ticket validation / Preventing Spam</a:t>
-            </a:r>
-          </a:p>
-          <a:p>
-            <a:endParaRPr lang="en-US" dirty="0"/>
-          </a:p>
-          <a:p>
-            <a:endParaRPr lang="en-GB" dirty="0"/>
           </a:p>
         </p:txBody>
       </p:sp>
     </p:spTree>
     <p:extLst>
       <p:ext uri="{BB962C8B-B14F-4D97-AF65-F5344CB8AC3E}">
-        <p14:creationId xmlns:p14="http://schemas.microsoft.com/office/powerpoint/2010/main" val="138573571"/>
+        <p14:creationId xmlns:p14="http://schemas.microsoft.com/office/powerpoint/2010/main" val="2115797855"/>
       </p:ext>
     </p:extLst>
   </p:cSld>
@@ -14043,7 +14318,7 @@
           <a:p>
             <a:r>
               <a:rPr lang="en-US" dirty="0" smtClean="0"/>
-              <a:t>Service Management</a:t>
+              <a:t>Repeated tickets</a:t>
             </a:r>
             <a:endParaRPr lang="en-US" dirty="0"/>
           </a:p>
@@ -14064,43 +14339,45 @@
           <a:bodyPr/>
           <a:lstStyle/>
           <a:p>
+            <a:pPr marL="0" indent="0">
+              <a:buNone/>
+            </a:pPr>
             <a:r>
               <a:rPr lang="en-US" dirty="0" smtClean="0"/>
-              <a:t>Why is this needed?</a:t>
-            </a:r>
-          </a:p>
-          <a:p>
+              <a:t>Scenario 1: One person notices the coffee machine is broken and presses the button. A second person does the same, and a third person. All within five minutes. Three</a:t>
+            </a:r>
             <a:r>
               <a:rPr lang="en-US" dirty="0" smtClean="0"/>
-              <a:t>What </a:t>
-            </a:r>
-            <a:r>
-              <a:rPr lang="en-US" dirty="0" err="1" smtClean="0"/>
-              <a:t>ServiceNow</a:t>
-            </a:r>
+              <a:t> tickets are raised for one incident. </a:t>
+            </a:r>
+          </a:p>
+          <a:p>
+            <a:pPr marL="0" indent="0">
+              <a:buNone/>
+            </a:pPr>
             <a:r>
               <a:rPr lang="en-US" dirty="0" smtClean="0"/>
-              <a:t> does</a:t>
-            </a:r>
-          </a:p>
-          <a:p>
+              <a:t>Scenario 2: One person notices the coffe</a:t>
+            </a:r>
             <a:r>
               <a:rPr lang="en-US" dirty="0" smtClean="0"/>
-              <a:t>Issue lifecycle</a:t>
-            </a:r>
-          </a:p>
-          <a:p>
+              <a:t>e machine is broken. They really want coffee. They press the button repeatedly twenty times. Twenty tickets are raised for one incident.</a:t>
+            </a:r>
+          </a:p>
+          <a:p>
+            <a:pPr marL="0" indent="0">
+              <a:buNone/>
+            </a:pPr>
             <a:r>
               <a:rPr lang="en-US" dirty="0" smtClean="0"/>
-              <a:t>Send an alert to </a:t>
-            </a:r>
-            <a:r>
-              <a:rPr lang="en-US" dirty="0" err="1" smtClean="0"/>
-              <a:t>ServiceNow</a:t>
-            </a:r>
-            <a:endParaRPr lang="en-US" dirty="0" smtClean="0"/>
-          </a:p>
-          <a:p>
+              <a:t>Q: How would we avoid these scenarios?</a:t>
+            </a:r>
+            <a:endParaRPr lang="en-US" dirty="0"/>
+          </a:p>
+          <a:p>
+            <a:pPr marL="0" indent="0">
+              <a:buNone/>
+            </a:pPr>
             <a:endParaRPr lang="en-US" dirty="0"/>
           </a:p>
         </p:txBody>
@@ -14108,7 +14385,7 @@
     </p:spTree>
     <p:extLst>
       <p:ext uri="{BB962C8B-B14F-4D97-AF65-F5344CB8AC3E}">
-        <p14:creationId xmlns:p14="http://schemas.microsoft.com/office/powerpoint/2010/main" val="1158526004"/>
+        <p14:creationId xmlns:p14="http://schemas.microsoft.com/office/powerpoint/2010/main" val="3955968203"/>
       </p:ext>
     </p:extLst>
   </p:cSld>
@@ -14152,35 +14429,80 @@
           <a:p>
             <a:r>
               <a:rPr lang="en-US" dirty="0" smtClean="0"/>
-              <a:t>Identifying unique devices </a:t>
+              <a:t>Day 4: maturing the model</a:t>
+            </a:r>
+            <a:endParaRPr lang="en-GB" dirty="0"/>
+          </a:p>
+        </p:txBody>
+      </p:sp>
+      <p:sp>
+        <p:nvSpPr>
+          <p:cNvPr id="3" name="Content Placeholder 2"/>
+          <p:cNvSpPr>
+            <a:spLocks noGrp="1"/>
+          </p:cNvSpPr>
+          <p:nvPr>
+            <p:ph idx="1"/>
+          </p:nvPr>
+        </p:nvSpPr>
+        <p:spPr/>
+        <p:txBody>
+          <a:bodyPr>
+            <a:normAutofit/>
+          </a:bodyPr>
+          <a:lstStyle/>
+          <a:p>
+            <a:r>
+              <a:rPr lang="en-US" dirty="0"/>
+              <a:t>Using the Cloud to create </a:t>
+            </a:r>
+            <a:r>
+              <a:rPr lang="en-US" dirty="0" err="1"/>
+              <a:t>ServiceNow</a:t>
+            </a:r>
+            <a:r>
+              <a:rPr lang="en-US" dirty="0"/>
+              <a:t> </a:t>
+            </a:r>
+            <a:r>
+              <a:rPr lang="en-US" dirty="0" smtClean="0"/>
+              <a:t>tickets</a:t>
+            </a:r>
+          </a:p>
+          <a:p>
+            <a:r>
+              <a:rPr lang="en-US" dirty="0" smtClean="0"/>
+              <a:t>Reporting</a:t>
             </a:r>
             <a:endParaRPr lang="en-US" dirty="0"/>
           </a:p>
-        </p:txBody>
-      </p:sp>
-      <p:sp>
-        <p:nvSpPr>
-          <p:cNvPr id="3" name="Content Placeholder 2"/>
-          <p:cNvSpPr>
-            <a:spLocks noGrp="1"/>
-          </p:cNvSpPr>
-          <p:nvPr>
-            <p:ph idx="1"/>
-          </p:nvPr>
-        </p:nvSpPr>
-        <p:spPr/>
-        <p:txBody>
-          <a:bodyPr/>
-          <a:lstStyle/>
-          <a:p>
-            <a:endParaRPr lang="en-US"/>
+          <a:p>
+            <a:r>
+              <a:rPr lang="en-US" dirty="0"/>
+              <a:t>Wrapping up</a:t>
+            </a:r>
+          </a:p>
+          <a:p>
+            <a:r>
+              <a:rPr lang="en-US" dirty="0"/>
+              <a:t>Other things you can do with a Raspberry Pi</a:t>
+            </a:r>
+          </a:p>
+          <a:p>
+            <a:r>
+              <a:rPr lang="en-US" dirty="0"/>
+              <a:t>Participant Feedback</a:t>
+            </a:r>
+          </a:p>
+          <a:p>
+            <a:endParaRPr lang="en-GB" dirty="0"/>
           </a:p>
         </p:txBody>
       </p:sp>
     </p:spTree>
     <p:extLst>
       <p:ext uri="{BB962C8B-B14F-4D97-AF65-F5344CB8AC3E}">
-        <p14:creationId xmlns:p14="http://schemas.microsoft.com/office/powerpoint/2010/main" val="2115797855"/>
+        <p14:creationId xmlns:p14="http://schemas.microsoft.com/office/powerpoint/2010/main" val="1778859132"/>
       </p:ext>
     </p:extLst>
   </p:cSld>
@@ -14224,7 +14546,7 @@
           <a:p>
             <a:r>
               <a:rPr lang="en-US" dirty="0" smtClean="0"/>
-              <a:t>Checking if a service call is open</a:t>
+              <a:t>Azure stuff</a:t>
             </a:r>
             <a:endParaRPr lang="en-US" dirty="0"/>
           </a:p>
@@ -14245,14 +14567,38 @@
           <a:bodyPr/>
           <a:lstStyle/>
           <a:p>
-            <a:endParaRPr lang="en-US" dirty="0"/>
+            <a:r>
+              <a:rPr lang="en-US" dirty="0" smtClean="0"/>
+              <a:t>What is the cloud?</a:t>
+            </a:r>
+          </a:p>
+          <a:p>
+            <a:r>
+              <a:rPr lang="en-US" dirty="0" smtClean="0"/>
+              <a:t>Why use it?</a:t>
+            </a:r>
+          </a:p>
+          <a:p>
+            <a:r>
+              <a:rPr lang="en-US" dirty="0" smtClean="0">
+                <a:solidFill>
+                  <a:srgbClr val="FF0000"/>
+                </a:solidFill>
+              </a:rPr>
+              <a:t>Work with Josh &amp; Vlad to write rest of content</a:t>
+            </a:r>
+            <a:endParaRPr lang="en-US" dirty="0">
+              <a:solidFill>
+                <a:srgbClr val="FF0000"/>
+              </a:solidFill>
+            </a:endParaRPr>
           </a:p>
         </p:txBody>
       </p:sp>
     </p:spTree>
     <p:extLst>
       <p:ext uri="{BB962C8B-B14F-4D97-AF65-F5344CB8AC3E}">
-        <p14:creationId xmlns:p14="http://schemas.microsoft.com/office/powerpoint/2010/main" val="3955968203"/>
+        <p14:creationId xmlns:p14="http://schemas.microsoft.com/office/powerpoint/2010/main" val="3358359096"/>
       </p:ext>
     </p:extLst>
   </p:cSld>
@@ -14296,7 +14642,7 @@
           <a:p>
             <a:r>
               <a:rPr lang="en-US" dirty="0" smtClean="0"/>
-              <a:t>Day 4: maturing the model</a:t>
+              <a:t>Reporting</a:t>
             </a:r>
             <a:endParaRPr lang="en-GB" dirty="0"/>
           </a:p>
@@ -14314,66 +14660,45 @@
         </p:nvSpPr>
         <p:spPr/>
         <p:txBody>
-          <a:bodyPr>
-            <a:normAutofit fontScale="92500" lnSpcReduction="10000"/>
-          </a:bodyPr>
+          <a:bodyPr/>
           <a:lstStyle/>
           <a:p>
             <a:r>
-              <a:rPr lang="en-US" dirty="0"/>
-              <a:t>Using the Cloud to create </a:t>
-            </a:r>
-            <a:r>
-              <a:rPr lang="en-US" dirty="0" err="1"/>
-              <a:t>ServiceNow</a:t>
-            </a:r>
-            <a:r>
-              <a:rPr lang="en-US" dirty="0"/>
-              <a:t> tickets</a:t>
-            </a:r>
-          </a:p>
-          <a:p>
-            <a:r>
-              <a:rPr lang="en-US" dirty="0"/>
-              <a:t>Calling Azure from the Raspberry Pi</a:t>
-            </a:r>
-          </a:p>
-          <a:p>
-            <a:r>
-              <a:rPr lang="en-US" dirty="0"/>
-              <a:t>[SPACE FOR OVER RUN]</a:t>
-            </a:r>
-          </a:p>
-          <a:p>
-            <a:endParaRPr lang="en-US" dirty="0"/>
-          </a:p>
-          <a:p>
-            <a:r>
-              <a:rPr lang="en-US" dirty="0"/>
-              <a:t>Wrapping up</a:t>
-            </a:r>
-          </a:p>
-          <a:p>
-            <a:r>
-              <a:rPr lang="en-US" dirty="0"/>
-              <a:t>Other things you can do with a Raspberry Pi</a:t>
-            </a:r>
-          </a:p>
-          <a:p>
-            <a:r>
-              <a:rPr lang="en-US" dirty="0"/>
-              <a:t>Participant Feedback</a:t>
-            </a:r>
-          </a:p>
-          <a:p>
-            <a:endParaRPr lang="en-GB" dirty="0"/>
+              <a:rPr lang="en-US" dirty="0" smtClean="0">
+                <a:solidFill>
+                  <a:srgbClr val="FF0000"/>
+                </a:solidFill>
+              </a:rPr>
+              <a:t>Work with </a:t>
+            </a:r>
+            <a:r>
+              <a:rPr lang="en-US" dirty="0" err="1" smtClean="0">
+                <a:solidFill>
+                  <a:srgbClr val="FF0000"/>
+                </a:solidFill>
+              </a:rPr>
+              <a:t>Kalpana</a:t>
+            </a:r>
+            <a:r>
+              <a:rPr lang="en-US" dirty="0" smtClean="0">
+                <a:solidFill>
+                  <a:srgbClr val="FF0000"/>
+                </a:solidFill>
+              </a:rPr>
+              <a:t> to write content</a:t>
+            </a:r>
+            <a:endParaRPr lang="en-GB" dirty="0">
+              <a:solidFill>
+                <a:srgbClr val="FF0000"/>
+              </a:solidFill>
+            </a:endParaRPr>
           </a:p>
         </p:txBody>
       </p:sp>
     </p:spTree>
     <p:extLst>
       <p:ext uri="{BB962C8B-B14F-4D97-AF65-F5344CB8AC3E}">
-        <p14:creationId xmlns:p14="http://schemas.microsoft.com/office/powerpoint/2010/main" val="1778859132"/>
+        <p14:creationId xmlns:p14="http://schemas.microsoft.com/office/powerpoint/2010/main" val="3197062606"/>
       </p:ext>
     </p:extLst>
   </p:cSld>
@@ -14417,7 +14742,7 @@
           <a:p>
             <a:r>
               <a:rPr lang="en-US" dirty="0" smtClean="0"/>
-              <a:t>Azure stuff</a:t>
+              <a:t>Other projects</a:t>
             </a:r>
             <a:endParaRPr lang="en-US" dirty="0"/>
           </a:p>
@@ -14440,16 +14765,66 @@
           <a:p>
             <a:r>
               <a:rPr lang="en-US" dirty="0" smtClean="0"/>
-              <a:t>Work with Josh/Vlad to write</a:t>
-            </a:r>
-            <a:endParaRPr lang="en-US" dirty="0"/>
+              <a:t>Alien </a:t>
+            </a:r>
+            <a:r>
+              <a:rPr lang="en-US" dirty="0" smtClean="0"/>
+              <a:t>Invasion</a:t>
+            </a:r>
+          </a:p>
+          <a:p>
+            <a:r>
+              <a:rPr lang="en-US" dirty="0" err="1" smtClean="0"/>
+              <a:t>Kodi</a:t>
+            </a:r>
+            <a:r>
+              <a:rPr lang="en-US" dirty="0" smtClean="0"/>
+              <a:t> Media Center</a:t>
+            </a:r>
+          </a:p>
+          <a:p>
+            <a:r>
+              <a:rPr lang="en-US" dirty="0" smtClean="0"/>
+              <a:t>Steam link – stream your PC games to your TV</a:t>
+            </a:r>
+          </a:p>
+          <a:p>
+            <a:r>
+              <a:rPr lang="en-US" dirty="0" smtClean="0"/>
+              <a:t>Alexa: Build your own Amazon Echo/ Google assistant</a:t>
+            </a:r>
+          </a:p>
+          <a:p>
+            <a:r>
+              <a:rPr lang="en-US" dirty="0" smtClean="0"/>
+              <a:t>Pi-hole – network wide ad-blocker</a:t>
+            </a:r>
+          </a:p>
+          <a:p>
+            <a:r>
+              <a:rPr lang="en-US" dirty="0" err="1"/>
+              <a:t>Adafruit</a:t>
+            </a:r>
+            <a:r>
+              <a:rPr lang="en-US"/>
+              <a:t> for </a:t>
+            </a:r>
+            <a:r>
+              <a:rPr lang="en-US"/>
+              <a:t>more </a:t>
+            </a:r>
+            <a:r>
+              <a:rPr lang="en-US" smtClean="0"/>
+              <a:t>accessories</a:t>
+            </a:r>
+            <a:endParaRPr lang="en-US"/>
           </a:p>
         </p:txBody>
       </p:sp>
     </p:spTree>
     <p:extLst>
       <p:ext uri="{BB962C8B-B14F-4D97-AF65-F5344CB8AC3E}">
-        <p14:creationId xmlns:p14="http://schemas.microsoft.com/office/powerpoint/2010/main" val="3358359096"/>
+        <p14:creationId xmlns:p14="http://schemas.microsoft.com/office/powerpoint/2010/main" val="4038175424"/>
       </p:ext>
     </p:extLst>
   </p:cSld>
@@ -14493,7 +14868,7 @@
           <a:p>
             <a:r>
               <a:rPr lang="en-US" dirty="0" smtClean="0"/>
-              <a:t>Ice breaker</a:t>
+              <a:t>introductions</a:t>
             </a:r>
             <a:endParaRPr lang="en-US" dirty="0"/>
           </a:p>
@@ -14516,15 +14891,23 @@
           <a:p>
             <a:r>
               <a:rPr lang="en-US" dirty="0" smtClean="0"/>
-              <a:t>NAME TAGS</a:t>
+              <a:t>Name tags</a:t>
             </a:r>
           </a:p>
           <a:p>
             <a:r>
               <a:rPr lang="en-US" dirty="0" smtClean="0"/>
-              <a:t>CV Bingo – need fun-fact about each other</a:t>
-            </a:r>
-            <a:endParaRPr lang="en-US" dirty="0"/>
+              <a:t>Icebreaker: Who is it? </a:t>
+            </a:r>
+          </a:p>
+          <a:p>
+            <a:pPr marL="0" indent="0">
+              <a:buNone/>
+            </a:pPr>
+            <a:r>
+              <a:rPr lang="en-US" dirty="0" smtClean="0"/>
+              <a:t>Everyone write a fun fact about themselves onto a slip of paper and put it into the hat. Each slip will be drawn one by one and the aim is to guess who is the person behind the fact. Once a person’s fact has been read aloud, they will pick the next fact from the hat.</a:t>
+            </a:r>
           </a:p>
         </p:txBody>
       </p:sp>
@@ -14575,9 +14958,9 @@
           <a:p>
             <a:r>
               <a:rPr lang="en-US" dirty="0" smtClean="0"/>
-              <a:t>Other projects</a:t>
-            </a:r>
-            <a:endParaRPr lang="en-US" dirty="0"/>
+              <a:t>Thank you</a:t>
+            </a:r>
+            <a:endParaRPr lang="en-GB" dirty="0"/>
           </a:p>
         </p:txBody>
       </p:sp>
@@ -14596,65 +14979,36 @@
           <a:bodyPr/>
           <a:lstStyle/>
           <a:p>
+            <a:pPr marL="0" indent="0">
+              <a:buNone/>
+            </a:pPr>
             <a:r>
               <a:rPr lang="en-US" dirty="0" smtClean="0"/>
-              <a:t>Link to </a:t>
-            </a:r>
-            <a:r>
-              <a:rPr lang="en-US" dirty="0" err="1" smtClean="0"/>
-              <a:t>Adafruit</a:t>
-            </a:r>
-            <a:endParaRPr lang="en-US" dirty="0" smtClean="0"/>
-          </a:p>
-          <a:p>
+              <a:t>Thank you for taking part in our first collaboration with Read Alliance. </a:t>
+            </a:r>
+          </a:p>
+          <a:p>
+            <a:pPr marL="0" indent="0">
+              <a:buNone/>
+            </a:pPr>
+            <a:endParaRPr lang="en-US" dirty="0"/>
+          </a:p>
+          <a:p>
+            <a:pPr marL="0" indent="0">
+              <a:buNone/>
+            </a:pPr>
             <a:r>
               <a:rPr lang="en-US" dirty="0" smtClean="0"/>
-              <a:t>Alien Invasion</a:t>
-            </a:r>
-          </a:p>
-          <a:p>
-            <a:r>
-              <a:rPr lang="en-US" dirty="0" smtClean="0"/>
-              <a:t>Other ideas?</a:t>
-            </a:r>
-          </a:p>
-          <a:p>
-            <a:pPr lvl="1"/>
-            <a:r>
-              <a:rPr lang="en-US" dirty="0" err="1" smtClean="0"/>
-              <a:t>Rpi</a:t>
-            </a:r>
-            <a:r>
-              <a:rPr lang="en-US" dirty="0" smtClean="0"/>
-              <a:t> Media Center</a:t>
-            </a:r>
-          </a:p>
-          <a:p>
-            <a:pPr lvl="1"/>
-            <a:r>
-              <a:rPr lang="en-US" dirty="0" err="1" smtClean="0"/>
-              <a:t>Rpi</a:t>
-            </a:r>
-            <a:r>
-              <a:rPr lang="en-US" dirty="0" smtClean="0"/>
-              <a:t> </a:t>
-            </a:r>
-            <a:r>
-              <a:rPr lang="en-US" dirty="0" err="1" smtClean="0"/>
-              <a:t>Wifi</a:t>
-            </a:r>
-            <a:r>
-              <a:rPr lang="en-US" dirty="0" smtClean="0"/>
-              <a:t> Booster</a:t>
-            </a:r>
-            <a:endParaRPr lang="en-US" dirty="0"/>
+              <a:t>Please provide any feedback on the forms provided.</a:t>
+            </a:r>
+            <a:endParaRPr lang="en-GB" dirty="0"/>
           </a:p>
         </p:txBody>
       </p:sp>
     </p:spTree>
     <p:extLst>
       <p:ext uri="{BB962C8B-B14F-4D97-AF65-F5344CB8AC3E}">
-        <p14:creationId xmlns:p14="http://schemas.microsoft.com/office/powerpoint/2010/main" val="4038175424"/>
+        <p14:creationId xmlns:p14="http://schemas.microsoft.com/office/powerpoint/2010/main" val="1845689352"/>
       </p:ext>
     </p:extLst>
   </p:cSld>
@@ -14716,24 +15070,59 @@
         </p:nvSpPr>
         <p:spPr/>
         <p:txBody>
-          <a:bodyPr/>
+          <a:bodyPr>
+            <a:normAutofit/>
+          </a:bodyPr>
           <a:lstStyle/>
           <a:p>
             <a:r>
               <a:rPr lang="en-US" dirty="0" smtClean="0"/>
-              <a:t>What will we be doing</a:t>
+              <a:t>What will we be doing?</a:t>
             </a:r>
           </a:p>
           <a:p>
             <a:r>
               <a:rPr lang="en-US" dirty="0" smtClean="0"/>
-              <a:t>What will you get out of it</a:t>
-            </a:r>
-          </a:p>
-          <a:p>
+              <a:t>What will you learn about?</a:t>
+            </a:r>
+          </a:p>
+          <a:p>
+            <a:pPr lvl="1"/>
             <a:r>
               <a:rPr lang="en-US" dirty="0" smtClean="0"/>
-              <a:t>What do you want out of it???</a:t>
+              <a:t>Raspberry </a:t>
+            </a:r>
+            <a:r>
+              <a:rPr lang="en-US" dirty="0" err="1" smtClean="0"/>
+              <a:t>Pis</a:t>
+            </a:r>
+            <a:endParaRPr lang="en-US" dirty="0" smtClean="0"/>
+          </a:p>
+          <a:p>
+            <a:pPr lvl="1"/>
+            <a:r>
+              <a:rPr lang="en-US" dirty="0" smtClean="0"/>
+              <a:t>Programming in Python</a:t>
+            </a:r>
+          </a:p>
+          <a:p>
+            <a:pPr lvl="1"/>
+            <a:r>
+              <a:rPr lang="en-US" dirty="0" smtClean="0"/>
+              <a:t>Project Management</a:t>
+            </a:r>
+          </a:p>
+          <a:p>
+            <a:pPr lvl="1"/>
+            <a:r>
+              <a:rPr lang="en-US" dirty="0" smtClean="0"/>
+              <a:t>Service Management</a:t>
+            </a:r>
+          </a:p>
+          <a:p>
+            <a:r>
+              <a:rPr lang="en-US" dirty="0" smtClean="0"/>
+              <a:t>What do you want out these workshops?</a:t>
             </a:r>
             <a:endParaRPr lang="en-US" dirty="0"/>
           </a:p>
@@ -14786,7 +15175,7 @@
           <a:p>
             <a:r>
               <a:rPr lang="en-US" dirty="0" smtClean="0"/>
-              <a:t>Case Study / Scenario / Background</a:t>
+              <a:t>Business Background</a:t>
             </a:r>
             <a:endParaRPr lang="en-US" dirty="0"/>
           </a:p>
@@ -14809,13 +15198,13 @@
           <a:p>
             <a:r>
               <a:rPr lang="en-US" dirty="0" smtClean="0"/>
-              <a:t>Here’s the situation</a:t>
+              <a:t>Why do we need an alerting system?</a:t>
             </a:r>
           </a:p>
           <a:p>
             <a:r>
               <a:rPr lang="en-US" dirty="0" smtClean="0"/>
-              <a:t>Let’s have Thom act it out</a:t>
+              <a:t>What is the use case for this? - Thom</a:t>
             </a:r>
           </a:p>
           <a:p>
@@ -14870,9 +15259,9 @@
           <a:p>
             <a:r>
               <a:rPr lang="en-US" dirty="0" smtClean="0"/>
-              <a:t>Technology Overview</a:t>
-            </a:r>
-            <a:endParaRPr lang="en-US" dirty="0"/>
+              <a:t>Project management</a:t>
+            </a:r>
+            <a:endParaRPr lang="en-GB" dirty="0"/>
           </a:p>
         </p:txBody>
       </p:sp>
@@ -14891,14 +15280,30 @@
           <a:bodyPr/>
           <a:lstStyle/>
           <a:p>
-            <a:endParaRPr lang="en-US"/>
+            <a:r>
+              <a:rPr lang="en-US" dirty="0" smtClean="0"/>
+              <a:t>You have your project brief. Where do you start?</a:t>
+            </a:r>
+          </a:p>
+          <a:p>
+            <a:r>
+              <a:rPr lang="en-US" dirty="0" smtClean="0"/>
+              <a:t>How will you keep track of progress?</a:t>
+            </a:r>
+          </a:p>
+          <a:p>
+            <a:r>
+              <a:rPr lang="en-US" dirty="0" smtClean="0"/>
+              <a:t>If you were running the project as a team, how would you split up the work?</a:t>
+            </a:r>
+            <a:endParaRPr lang="en-GB" dirty="0"/>
           </a:p>
         </p:txBody>
       </p:sp>
     </p:spTree>
     <p:extLst>
       <p:ext uri="{BB962C8B-B14F-4D97-AF65-F5344CB8AC3E}">
-        <p14:creationId xmlns:p14="http://schemas.microsoft.com/office/powerpoint/2010/main" val="3794471099"/>
+        <p14:creationId xmlns:p14="http://schemas.microsoft.com/office/powerpoint/2010/main" val="3115507988"/>
       </p:ext>
     </p:extLst>
   </p:cSld>
@@ -14942,7 +15347,7 @@
           <a:p>
             <a:r>
               <a:rPr lang="en-US" dirty="0" smtClean="0"/>
-              <a:t>Raspberry pi Intro</a:t>
+              <a:t>Technology Overview</a:t>
             </a:r>
             <a:endParaRPr lang="en-US" dirty="0"/>
           </a:p>
@@ -14965,49 +15370,105 @@
           <a:p>
             <a:r>
               <a:rPr lang="en-US" dirty="0" smtClean="0"/>
-              <a:t>Plug in</a:t>
-            </a:r>
-          </a:p>
-          <a:p>
-            <a:r>
-              <a:rPr lang="en-US" dirty="0" smtClean="0"/>
-              <a:t>Console</a:t>
-            </a:r>
-          </a:p>
-          <a:p>
-            <a:r>
-              <a:rPr lang="en-US" dirty="0" smtClean="0"/>
-              <a:t>Blah </a:t>
-            </a:r>
-            <a:r>
-              <a:rPr lang="en-US" dirty="0" err="1" smtClean="0"/>
-              <a:t>blah</a:t>
-            </a:r>
-            <a:r>
-              <a:rPr lang="en-US" dirty="0" smtClean="0"/>
-              <a:t> </a:t>
-            </a:r>
-            <a:r>
-              <a:rPr lang="en-US" dirty="0" err="1" smtClean="0"/>
-              <a:t>blah</a:t>
-            </a:r>
-            <a:endParaRPr lang="en-US" dirty="0" smtClean="0"/>
-          </a:p>
-          <a:p>
-            <a:r>
-              <a:rPr lang="en-US" dirty="0" smtClean="0"/>
-              <a:t>Clone the repo</a:t>
-            </a:r>
-          </a:p>
-          <a:p>
+              <a:t>What will we need to build a simple alerting system?</a:t>
+            </a:r>
             <a:endParaRPr lang="en-US" dirty="0"/>
           </a:p>
         </p:txBody>
       </p:sp>
+      <p:pic>
+        <p:nvPicPr>
+          <p:cNvPr id="1032" name="Picture 8" descr="Image result for raspberry pi logo"/>
+          <p:cNvPicPr>
+            <a:picLocks noChangeAspect="1" noChangeArrowheads="1"/>
+          </p:cNvPicPr>
+          <p:nvPr/>
+        </p:nvPicPr>
+        <p:blipFill>
+          <a:blip r:embed="rId2">
+            <a:extLst>
+              <a:ext uri="{28A0092B-C50C-407E-A947-70E740481C1C}">
+                <a14:useLocalDpi xmlns:a14="http://schemas.microsoft.com/office/drawing/2010/main" val="0"/>
+              </a:ext>
+            </a:extLst>
+          </a:blip>
+          <a:srcRect/>
+          <a:stretch>
+            <a:fillRect/>
+          </a:stretch>
+        </p:blipFill>
+        <p:spPr bwMode="auto">
+          <a:xfrm>
+            <a:off x="1548881" y="3384140"/>
+            <a:ext cx="1651000" cy="2076309"/>
+          </a:xfrm>
+          <a:prstGeom prst="rect">
+            <a:avLst/>
+          </a:prstGeom>
+          <a:noFill/>
+          <a:extLst>
+            <a:ext uri="{909E8E84-426E-40DD-AFC4-6F175D3DCCD1}">
+              <a14:hiddenFill xmlns:a14="http://schemas.microsoft.com/office/drawing/2010/main">
+                <a:solidFill>
+                  <a:srgbClr val="FFFFFF"/>
+                </a:solidFill>
+              </a14:hiddenFill>
+            </a:ext>
+          </a:extLst>
+        </p:spPr>
+      </p:pic>
+      <p:pic>
+        <p:nvPicPr>
+          <p:cNvPr id="17" name="Picture 16"/>
+          <p:cNvPicPr>
+            <a:picLocks noChangeAspect="1"/>
+          </p:cNvPicPr>
+          <p:nvPr/>
+        </p:nvPicPr>
+        <p:blipFill>
+          <a:blip r:embed="rId3"/>
+          <a:stretch>
+            <a:fillRect/>
+          </a:stretch>
+        </p:blipFill>
+        <p:spPr>
+          <a:xfrm>
+            <a:off x="4214035" y="4023923"/>
+            <a:ext cx="2765681" cy="930632"/>
+          </a:xfrm>
+          <a:prstGeom prst="rect">
+            <a:avLst/>
+          </a:prstGeom>
+        </p:spPr>
+      </p:pic>
+      <p:pic>
+        <p:nvPicPr>
+          <p:cNvPr id="23" name="Picture 22"/>
+          <p:cNvPicPr>
+            <a:picLocks noChangeAspect="1"/>
+          </p:cNvPicPr>
+          <p:nvPr/>
+        </p:nvPicPr>
+        <p:blipFill>
+          <a:blip r:embed="rId4"/>
+          <a:stretch>
+            <a:fillRect/>
+          </a:stretch>
+        </p:blipFill>
+        <p:spPr>
+          <a:xfrm>
+            <a:off x="7993870" y="3384140"/>
+            <a:ext cx="2279588" cy="1936989"/>
+          </a:xfrm>
+          <a:prstGeom prst="rect">
+            <a:avLst/>
+          </a:prstGeom>
+        </p:spPr>
+      </p:pic>
     </p:spTree>
     <p:extLst>
       <p:ext uri="{BB962C8B-B14F-4D97-AF65-F5344CB8AC3E}">
-        <p14:creationId xmlns:p14="http://schemas.microsoft.com/office/powerpoint/2010/main" val="2044859461"/>
+        <p14:creationId xmlns:p14="http://schemas.microsoft.com/office/powerpoint/2010/main" val="3794471099"/>
       </p:ext>
     </p:extLst>
   </p:cSld>
@@ -15051,7 +15512,7 @@
           <a:p>
             <a:r>
               <a:rPr lang="en-US" dirty="0" smtClean="0"/>
-              <a:t>Break</a:t>
+              <a:t>Intro to Raspberry pi</a:t>
             </a:r>
             <a:endParaRPr lang="en-US" dirty="0"/>
           </a:p>
@@ -15072,14 +15533,63 @@
           <a:bodyPr/>
           <a:lstStyle/>
           <a:p>
-            <a:endParaRPr lang="en-US"/>
+            <a:pPr marL="0" indent="0">
+              <a:buNone/>
+            </a:pPr>
+            <a:r>
+              <a:rPr lang="en-US" dirty="0" smtClean="0"/>
+              <a:t>1) Plug in</a:t>
+            </a:r>
+          </a:p>
+          <a:p>
+            <a:pPr marL="0" indent="0">
+              <a:buNone/>
+            </a:pPr>
+            <a:r>
+              <a:rPr lang="en-US" dirty="0" smtClean="0"/>
+              <a:t>2) Console</a:t>
+            </a:r>
+          </a:p>
+          <a:p>
+            <a:pPr marL="0" indent="0">
+              <a:buNone/>
+            </a:pPr>
+            <a:r>
+              <a:rPr lang="en-US" dirty="0" smtClean="0"/>
+              <a:t>3) Blah </a:t>
+            </a:r>
+            <a:r>
+              <a:rPr lang="en-US" dirty="0" err="1" smtClean="0"/>
+              <a:t>blah</a:t>
+            </a:r>
+            <a:r>
+              <a:rPr lang="en-US" dirty="0" smtClean="0"/>
+              <a:t> </a:t>
+            </a:r>
+            <a:r>
+              <a:rPr lang="en-US" dirty="0" err="1" smtClean="0"/>
+              <a:t>blah</a:t>
+            </a:r>
+            <a:endParaRPr lang="en-US" dirty="0" smtClean="0"/>
+          </a:p>
+          <a:p>
+            <a:pPr marL="0" indent="0">
+              <a:buNone/>
+            </a:pPr>
+            <a:r>
+              <a:rPr lang="en-US" dirty="0" smtClean="0"/>
+              <a:t>4) Clone the repo</a:t>
+            </a:r>
+          </a:p>
+          <a:p>
+            <a:endParaRPr lang="en-US" dirty="0"/>
           </a:p>
         </p:txBody>
       </p:sp>
     </p:spTree>
     <p:extLst>
       <p:ext uri="{BB962C8B-B14F-4D97-AF65-F5344CB8AC3E}">
-        <p14:creationId xmlns:p14="http://schemas.microsoft.com/office/powerpoint/2010/main" val="446194975"/>
+        <p14:creationId xmlns:p14="http://schemas.microsoft.com/office/powerpoint/2010/main" val="2044859461"/>
       </p:ext>
     </p:extLst>
   </p:cSld>
@@ -15146,8 +15656,13 @@
           <a:p>
             <a:r>
               <a:rPr lang="en-US" dirty="0" smtClean="0"/>
-              <a:t>What is Python</a:t>
-            </a:r>
+              <a:t>What is </a:t>
+            </a:r>
+            <a:r>
+              <a:rPr lang="en-US" dirty="0" smtClean="0"/>
+              <a:t>Python?</a:t>
+            </a:r>
+            <a:endParaRPr lang="en-US" dirty="0" smtClean="0"/>
           </a:p>
           <a:p>
             <a:r>
@@ -15158,8 +15673,9 @@
           <a:p>
             <a:r>
               <a:rPr lang="en-US" dirty="0" smtClean="0"/>
-              <a:t>Write hello world</a:t>
-            </a:r>
+              <a:t>The first program: Hello World!</a:t>
+            </a:r>
+            <a:endParaRPr lang="en-US" dirty="0" smtClean="0"/>
           </a:p>
           <a:p>
             <a:pPr lvl="1"/>
@@ -15171,8 +15687,9 @@
           <a:p>
             <a:r>
               <a:rPr lang="en-US" dirty="0" smtClean="0"/>
-              <a:t>Run it</a:t>
-            </a:r>
+              <a:t>Running programs</a:t>
+            </a:r>
+            <a:endParaRPr lang="en-US" dirty="0" smtClean="0"/>
           </a:p>
           <a:p>
             <a:pPr marL="0" indent="0">

--- a/docs/SMAP Materials Unbranded.pptx
+++ b/docs/SMAP Materials Unbranded.pptx
@@ -191,7 +191,7 @@
           <a:noFill/>
           <a:extLst>
             <a:ext uri="{909E8E84-426E-40dd-AFC4-6F175D3DCCD1}">
-              <a14:hiddenFill xmlns="" xmlns:a14="http://schemas.microsoft.com/office/drawing/2010/main">
+              <a14:hiddenFill xmlns:a14="http://schemas.microsoft.com/office/drawing/2010/main" xmlns="">
                 <a:solidFill>
                   <a:srgbClr val="FFFFFF"/>
                 </a:solidFill>
@@ -251,7 +251,7 @@
             </a:ln>
             <a:extLst>
               <a:ext uri="{91240B29-F687-4f45-9708-019B960494DF}">
-                <a14:hiddenLine xmlns="" xmlns:a14="http://schemas.microsoft.com/office/drawing/2010/main" w="9525">
+                <a14:hiddenLine xmlns:a14="http://schemas.microsoft.com/office/drawing/2010/main" xmlns="" w="9525">
                   <a:solidFill>
                     <a:srgbClr val="000000"/>
                   </a:solidFill>
@@ -341,7 +341,7 @@
             </a:ln>
             <a:extLst>
               <a:ext uri="{91240B29-F687-4f45-9708-019B960494DF}">
-                <a14:hiddenLine xmlns="" xmlns:a14="http://schemas.microsoft.com/office/drawing/2010/main" w="9525">
+                <a14:hiddenLine xmlns:a14="http://schemas.microsoft.com/office/drawing/2010/main" xmlns="" w="9525">
                   <a:solidFill>
                     <a:srgbClr val="000000"/>
                   </a:solidFill>
@@ -431,7 +431,7 @@
             </a:ln>
             <a:extLst>
               <a:ext uri="{91240B29-F687-4f45-9708-019B960494DF}">
-                <a14:hiddenLine xmlns="" xmlns:a14="http://schemas.microsoft.com/office/drawing/2010/main" w="9525">
+                <a14:hiddenLine xmlns:a14="http://schemas.microsoft.com/office/drawing/2010/main" xmlns="" w="9525">
                   <a:solidFill>
                     <a:srgbClr val="000000"/>
                   </a:solidFill>
@@ -465,7 +465,7 @@
             </a:ln>
             <a:extLst>
               <a:ext uri="{91240B29-F687-4f45-9708-019B960494DF}">
-                <a14:hiddenLine xmlns="" xmlns:a14="http://schemas.microsoft.com/office/drawing/2010/main" w="9525">
+                <a14:hiddenLine xmlns:a14="http://schemas.microsoft.com/office/drawing/2010/main" xmlns="" w="9525">
                   <a:solidFill>
                     <a:srgbClr val="000000"/>
                   </a:solidFill>
@@ -555,7 +555,7 @@
             </a:ln>
             <a:extLst>
               <a:ext uri="{91240B29-F687-4f45-9708-019B960494DF}">
-                <a14:hiddenLine xmlns="" xmlns:a14="http://schemas.microsoft.com/office/drawing/2010/main" w="9525">
+                <a14:hiddenLine xmlns:a14="http://schemas.microsoft.com/office/drawing/2010/main" xmlns="" w="9525">
                   <a:solidFill>
                     <a:srgbClr val="000000"/>
                   </a:solidFill>
@@ -617,7 +617,7 @@
             </a:ln>
             <a:extLst>
               <a:ext uri="{91240B29-F687-4f45-9708-019B960494DF}">
-                <a14:hiddenLine xmlns="" xmlns:a14="http://schemas.microsoft.com/office/drawing/2010/main" w="9525">
+                <a14:hiddenLine xmlns:a14="http://schemas.microsoft.com/office/drawing/2010/main" xmlns="" w="9525">
                   <a:solidFill>
                     <a:srgbClr val="000000"/>
                   </a:solidFill>
@@ -679,7 +679,7 @@
             </a:ln>
             <a:extLst>
               <a:ext uri="{91240B29-F687-4f45-9708-019B960494DF}">
-                <a14:hiddenLine xmlns="" xmlns:a14="http://schemas.microsoft.com/office/drawing/2010/main" w="9525">
+                <a14:hiddenLine xmlns:a14="http://schemas.microsoft.com/office/drawing/2010/main" xmlns="" w="9525">
                   <a:solidFill>
                     <a:srgbClr val="000000"/>
                   </a:solidFill>
@@ -769,7 +769,7 @@
             </a:ln>
             <a:extLst>
               <a:ext uri="{91240B29-F687-4f45-9708-019B960494DF}">
-                <a14:hiddenLine xmlns="" xmlns:a14="http://schemas.microsoft.com/office/drawing/2010/main" w="9525">
+                <a14:hiddenLine xmlns:a14="http://schemas.microsoft.com/office/drawing/2010/main" xmlns="" w="9525">
                   <a:solidFill>
                     <a:srgbClr val="000000"/>
                   </a:solidFill>
@@ -831,7 +831,7 @@
             </a:ln>
             <a:extLst>
               <a:ext uri="{91240B29-F687-4f45-9708-019B960494DF}">
-                <a14:hiddenLine xmlns="" xmlns:a14="http://schemas.microsoft.com/office/drawing/2010/main" w="9525">
+                <a14:hiddenLine xmlns:a14="http://schemas.microsoft.com/office/drawing/2010/main" xmlns="" w="9525">
                   <a:solidFill>
                     <a:srgbClr val="000000"/>
                   </a:solidFill>
@@ -893,7 +893,7 @@
             </a:ln>
             <a:extLst>
               <a:ext uri="{91240B29-F687-4f45-9708-019B960494DF}">
-                <a14:hiddenLine xmlns="" xmlns:a14="http://schemas.microsoft.com/office/drawing/2010/main" w="9525">
+                <a14:hiddenLine xmlns:a14="http://schemas.microsoft.com/office/drawing/2010/main" xmlns="" w="9525">
                   <a:solidFill>
                     <a:srgbClr val="000000"/>
                   </a:solidFill>
@@ -983,7 +983,7 @@
             </a:ln>
             <a:extLst>
               <a:ext uri="{91240B29-F687-4f45-9708-019B960494DF}">
-                <a14:hiddenLine xmlns="" xmlns:a14="http://schemas.microsoft.com/office/drawing/2010/main" w="9525">
+                <a14:hiddenLine xmlns:a14="http://schemas.microsoft.com/office/drawing/2010/main" xmlns="" w="9525">
                   <a:solidFill>
                     <a:srgbClr val="000000"/>
                   </a:solidFill>
@@ -1073,7 +1073,7 @@
             </a:ln>
             <a:extLst>
               <a:ext uri="{91240B29-F687-4f45-9708-019B960494DF}">
-                <a14:hiddenLine xmlns="" xmlns:a14="http://schemas.microsoft.com/office/drawing/2010/main" w="9525">
+                <a14:hiddenLine xmlns:a14="http://schemas.microsoft.com/office/drawing/2010/main" xmlns="" w="9525">
                   <a:solidFill>
                     <a:srgbClr val="000000"/>
                   </a:solidFill>
@@ -1135,7 +1135,7 @@
             </a:ln>
             <a:extLst>
               <a:ext uri="{91240B29-F687-4f45-9708-019B960494DF}">
-                <a14:hiddenLine xmlns="" xmlns:a14="http://schemas.microsoft.com/office/drawing/2010/main" w="9525">
+                <a14:hiddenLine xmlns:a14="http://schemas.microsoft.com/office/drawing/2010/main" xmlns="" w="9525">
                   <a:solidFill>
                     <a:srgbClr val="000000"/>
                   </a:solidFill>
@@ -1245,7 +1245,7 @@
             </a:ln>
             <a:extLst>
               <a:ext uri="{91240B29-F687-4f45-9708-019B960494DF}">
-                <a14:hiddenLine xmlns="" xmlns:a14="http://schemas.microsoft.com/office/drawing/2010/main" w="9525">
+                <a14:hiddenLine xmlns:a14="http://schemas.microsoft.com/office/drawing/2010/main" xmlns="" w="9525">
                   <a:solidFill>
                     <a:srgbClr val="000000"/>
                   </a:solidFill>
@@ -1307,7 +1307,7 @@
             </a:ln>
             <a:extLst>
               <a:ext uri="{91240B29-F687-4f45-9708-019B960494DF}">
-                <a14:hiddenLine xmlns="" xmlns:a14="http://schemas.microsoft.com/office/drawing/2010/main" w="9525">
+                <a14:hiddenLine xmlns:a14="http://schemas.microsoft.com/office/drawing/2010/main" xmlns="" w="9525">
                   <a:solidFill>
                     <a:srgbClr val="000000"/>
                   </a:solidFill>
@@ -1397,7 +1397,7 @@
             </a:ln>
             <a:extLst>
               <a:ext uri="{91240B29-F687-4f45-9708-019B960494DF}">
-                <a14:hiddenLine xmlns="" xmlns:a14="http://schemas.microsoft.com/office/drawing/2010/main" w="9525">
+                <a14:hiddenLine xmlns:a14="http://schemas.microsoft.com/office/drawing/2010/main" xmlns="" w="9525">
                   <a:solidFill>
                     <a:srgbClr val="000000"/>
                   </a:solidFill>
@@ -1487,7 +1487,7 @@
             </a:ln>
             <a:extLst>
               <a:ext uri="{91240B29-F687-4f45-9708-019B960494DF}">
-                <a14:hiddenLine xmlns="" xmlns:a14="http://schemas.microsoft.com/office/drawing/2010/main" w="9525">
+                <a14:hiddenLine xmlns:a14="http://schemas.microsoft.com/office/drawing/2010/main" xmlns="" w="9525">
                   <a:solidFill>
                     <a:srgbClr val="000000"/>
                   </a:solidFill>
@@ -1549,7 +1549,7 @@
             </a:ln>
             <a:extLst>
               <a:ext uri="{91240B29-F687-4f45-9708-019B960494DF}">
-                <a14:hiddenLine xmlns="" xmlns:a14="http://schemas.microsoft.com/office/drawing/2010/main" w="9525">
+                <a14:hiddenLine xmlns:a14="http://schemas.microsoft.com/office/drawing/2010/main" xmlns="" w="9525">
                   <a:solidFill>
                     <a:srgbClr val="000000"/>
                   </a:solidFill>
@@ -1639,7 +1639,7 @@
             </a:ln>
             <a:extLst>
               <a:ext uri="{91240B29-F687-4f45-9708-019B960494DF}">
-                <a14:hiddenLine xmlns="" xmlns:a14="http://schemas.microsoft.com/office/drawing/2010/main" w="9525">
+                <a14:hiddenLine xmlns:a14="http://schemas.microsoft.com/office/drawing/2010/main" xmlns="" w="9525">
                   <a:solidFill>
                     <a:srgbClr val="000000"/>
                   </a:solidFill>
@@ -1729,7 +1729,7 @@
             </a:ln>
             <a:extLst>
               <a:ext uri="{91240B29-F687-4f45-9708-019B960494DF}">
-                <a14:hiddenLine xmlns="" xmlns:a14="http://schemas.microsoft.com/office/drawing/2010/main" w="9525">
+                <a14:hiddenLine xmlns:a14="http://schemas.microsoft.com/office/drawing/2010/main" xmlns="" w="9525">
                   <a:solidFill>
                     <a:srgbClr val="000000"/>
                   </a:solidFill>
@@ -1785,7 +1785,7 @@
             </a:ln>
             <a:extLst>
               <a:ext uri="{91240B29-F687-4f45-9708-019B960494DF}">
-                <a14:hiddenLine xmlns="" xmlns:a14="http://schemas.microsoft.com/office/drawing/2010/main" w="9525">
+                <a14:hiddenLine xmlns:a14="http://schemas.microsoft.com/office/drawing/2010/main" xmlns="" w="9525">
                   <a:solidFill>
                     <a:srgbClr val="000000"/>
                   </a:solidFill>
@@ -1875,7 +1875,7 @@
             </a:ln>
             <a:extLst>
               <a:ext uri="{91240B29-F687-4f45-9708-019B960494DF}">
-                <a14:hiddenLine xmlns="" xmlns:a14="http://schemas.microsoft.com/office/drawing/2010/main" w="9525">
+                <a14:hiddenLine xmlns:a14="http://schemas.microsoft.com/office/drawing/2010/main" xmlns="" w="9525">
                   <a:solidFill>
                     <a:srgbClr val="000000"/>
                   </a:solidFill>
@@ -1931,7 +1931,7 @@
             </a:ln>
             <a:extLst>
               <a:ext uri="{91240B29-F687-4f45-9708-019B960494DF}">
-                <a14:hiddenLine xmlns="" xmlns:a14="http://schemas.microsoft.com/office/drawing/2010/main" w="9525">
+                <a14:hiddenLine xmlns:a14="http://schemas.microsoft.com/office/drawing/2010/main" xmlns="" w="9525">
                   <a:solidFill>
                     <a:srgbClr val="000000"/>
                   </a:solidFill>
@@ -2021,7 +2021,7 @@
             </a:ln>
             <a:extLst>
               <a:ext uri="{91240B29-F687-4f45-9708-019B960494DF}">
-                <a14:hiddenLine xmlns="" xmlns:a14="http://schemas.microsoft.com/office/drawing/2010/main" w="9525">
+                <a14:hiddenLine xmlns:a14="http://schemas.microsoft.com/office/drawing/2010/main" xmlns="" w="9525">
                   <a:solidFill>
                     <a:srgbClr val="000000"/>
                   </a:solidFill>
@@ -2089,7 +2089,7 @@
             </a:ln>
             <a:extLst>
               <a:ext uri="{91240B29-F687-4f45-9708-019B960494DF}">
-                <a14:hiddenLine xmlns="" xmlns:a14="http://schemas.microsoft.com/office/drawing/2010/main" w="9525">
+                <a14:hiddenLine xmlns:a14="http://schemas.microsoft.com/office/drawing/2010/main" xmlns="" w="9525">
                   <a:solidFill>
                     <a:srgbClr val="000000"/>
                   </a:solidFill>
@@ -2179,7 +2179,7 @@
             </a:ln>
             <a:extLst>
               <a:ext uri="{91240B29-F687-4f45-9708-019B960494DF}">
-                <a14:hiddenLine xmlns="" xmlns:a14="http://schemas.microsoft.com/office/drawing/2010/main" w="9525">
+                <a14:hiddenLine xmlns:a14="http://schemas.microsoft.com/office/drawing/2010/main" xmlns="" w="9525">
                   <a:solidFill>
                     <a:srgbClr val="000000"/>
                   </a:solidFill>
@@ -2247,7 +2247,7 @@
             </a:ln>
             <a:extLst>
               <a:ext uri="{91240B29-F687-4f45-9708-019B960494DF}">
-                <a14:hiddenLine xmlns="" xmlns:a14="http://schemas.microsoft.com/office/drawing/2010/main" w="9525">
+                <a14:hiddenLine xmlns:a14="http://schemas.microsoft.com/office/drawing/2010/main" xmlns="" w="9525">
                   <a:solidFill>
                     <a:srgbClr val="000000"/>
                   </a:solidFill>
@@ -2337,7 +2337,7 @@
             </a:ln>
             <a:extLst>
               <a:ext uri="{91240B29-F687-4f45-9708-019B960494DF}">
-                <a14:hiddenLine xmlns="" xmlns:a14="http://schemas.microsoft.com/office/drawing/2010/main" w="9525">
+                <a14:hiddenLine xmlns:a14="http://schemas.microsoft.com/office/drawing/2010/main" xmlns="" w="9525">
                   <a:solidFill>
                     <a:srgbClr val="000000"/>
                   </a:solidFill>
@@ -2371,7 +2371,7 @@
             </a:ln>
             <a:extLst>
               <a:ext uri="{91240B29-F687-4f45-9708-019B960494DF}">
-                <a14:hiddenLine xmlns="" xmlns:a14="http://schemas.microsoft.com/office/drawing/2010/main" w="9525">
+                <a14:hiddenLine xmlns:a14="http://schemas.microsoft.com/office/drawing/2010/main" xmlns="" w="9525">
                   <a:solidFill>
                     <a:srgbClr val="000000"/>
                   </a:solidFill>
@@ -2461,7 +2461,7 @@
             </a:ln>
             <a:extLst>
               <a:ext uri="{91240B29-F687-4f45-9708-019B960494DF}">
-                <a14:hiddenLine xmlns="" xmlns:a14="http://schemas.microsoft.com/office/drawing/2010/main" w="9525">
+                <a14:hiddenLine xmlns:a14="http://schemas.microsoft.com/office/drawing/2010/main" xmlns="" w="9525">
                   <a:solidFill>
                     <a:srgbClr val="000000"/>
                   </a:solidFill>
@@ -2523,7 +2523,7 @@
             </a:ln>
             <a:extLst>
               <a:ext uri="{91240B29-F687-4f45-9708-019B960494DF}">
-                <a14:hiddenLine xmlns="" xmlns:a14="http://schemas.microsoft.com/office/drawing/2010/main" w="9525">
+                <a14:hiddenLine xmlns:a14="http://schemas.microsoft.com/office/drawing/2010/main" xmlns="" w="9525">
                   <a:solidFill>
                     <a:srgbClr val="000000"/>
                   </a:solidFill>
@@ -2585,7 +2585,7 @@
             </a:ln>
             <a:extLst>
               <a:ext uri="{91240B29-F687-4f45-9708-019B960494DF}">
-                <a14:hiddenLine xmlns="" xmlns:a14="http://schemas.microsoft.com/office/drawing/2010/main" w="9525">
+                <a14:hiddenLine xmlns:a14="http://schemas.microsoft.com/office/drawing/2010/main" xmlns="" w="9525">
                   <a:solidFill>
                     <a:srgbClr val="000000"/>
                   </a:solidFill>
@@ -2675,7 +2675,7 @@
             </a:ln>
             <a:extLst>
               <a:ext uri="{91240B29-F687-4f45-9708-019B960494DF}">
-                <a14:hiddenLine xmlns="" xmlns:a14="http://schemas.microsoft.com/office/drawing/2010/main" w="9525">
+                <a14:hiddenLine xmlns:a14="http://schemas.microsoft.com/office/drawing/2010/main" xmlns="" w="9525">
                   <a:solidFill>
                     <a:srgbClr val="000000"/>
                   </a:solidFill>
@@ -2743,7 +2743,7 @@
             </a:ln>
             <a:extLst>
               <a:ext uri="{91240B29-F687-4f45-9708-019B960494DF}">
-                <a14:hiddenLine xmlns="" xmlns:a14="http://schemas.microsoft.com/office/drawing/2010/main" w="9525">
+                <a14:hiddenLine xmlns:a14="http://schemas.microsoft.com/office/drawing/2010/main" xmlns="" w="9525">
                   <a:solidFill>
                     <a:srgbClr val="000000"/>
                   </a:solidFill>
@@ -2805,7 +2805,7 @@
             </a:ln>
             <a:extLst>
               <a:ext uri="{91240B29-F687-4f45-9708-019B960494DF}">
-                <a14:hiddenLine xmlns="" xmlns:a14="http://schemas.microsoft.com/office/drawing/2010/main" w="9525">
+                <a14:hiddenLine xmlns:a14="http://schemas.microsoft.com/office/drawing/2010/main" xmlns="" w="9525">
                   <a:solidFill>
                     <a:srgbClr val="000000"/>
                   </a:solidFill>
@@ -2895,7 +2895,7 @@
             </a:ln>
             <a:extLst>
               <a:ext uri="{91240B29-F687-4f45-9708-019B960494DF}">
-                <a14:hiddenLine xmlns="" xmlns:a14="http://schemas.microsoft.com/office/drawing/2010/main" w="9525">
+                <a14:hiddenLine xmlns:a14="http://schemas.microsoft.com/office/drawing/2010/main" xmlns="" w="9525">
                   <a:solidFill>
                     <a:srgbClr val="000000"/>
                   </a:solidFill>
@@ -2957,7 +2957,7 @@
             </a:ln>
             <a:extLst>
               <a:ext uri="{91240B29-F687-4f45-9708-019B960494DF}">
-                <a14:hiddenLine xmlns="" xmlns:a14="http://schemas.microsoft.com/office/drawing/2010/main" w="9525">
+                <a14:hiddenLine xmlns:a14="http://schemas.microsoft.com/office/drawing/2010/main" xmlns="" w="9525">
                   <a:solidFill>
                     <a:srgbClr val="000000"/>
                   </a:solidFill>
@@ -3047,7 +3047,7 @@
             </a:ln>
             <a:extLst>
               <a:ext uri="{91240B29-F687-4f45-9708-019B960494DF}">
-                <a14:hiddenLine xmlns="" xmlns:a14="http://schemas.microsoft.com/office/drawing/2010/main" w="9525">
+                <a14:hiddenLine xmlns:a14="http://schemas.microsoft.com/office/drawing/2010/main" xmlns="" w="9525">
                   <a:solidFill>
                     <a:srgbClr val="000000"/>
                   </a:solidFill>
@@ -3109,7 +3109,7 @@
             </a:ln>
             <a:extLst>
               <a:ext uri="{91240B29-F687-4f45-9708-019B960494DF}">
-                <a14:hiddenLine xmlns="" xmlns:a14="http://schemas.microsoft.com/office/drawing/2010/main" w="9525">
+                <a14:hiddenLine xmlns:a14="http://schemas.microsoft.com/office/drawing/2010/main" xmlns="" w="9525">
                   <a:solidFill>
                     <a:srgbClr val="000000"/>
                   </a:solidFill>
@@ -3199,7 +3199,7 @@
             </a:ln>
             <a:extLst>
               <a:ext uri="{91240B29-F687-4f45-9708-019B960494DF}">
-                <a14:hiddenLine xmlns="" xmlns:a14="http://schemas.microsoft.com/office/drawing/2010/main" w="9525">
+                <a14:hiddenLine xmlns:a14="http://schemas.microsoft.com/office/drawing/2010/main" xmlns="" w="9525">
                   <a:solidFill>
                     <a:srgbClr val="000000"/>
                   </a:solidFill>
@@ -3233,7 +3233,7 @@
             </a:ln>
             <a:extLst>
               <a:ext uri="{91240B29-F687-4f45-9708-019B960494DF}">
-                <a14:hiddenLine xmlns="" xmlns:a14="http://schemas.microsoft.com/office/drawing/2010/main" w="9525">
+                <a14:hiddenLine xmlns:a14="http://schemas.microsoft.com/office/drawing/2010/main" xmlns="" w="9525">
                   <a:solidFill>
                     <a:srgbClr val="000000"/>
                   </a:solidFill>
@@ -3298,7 +3298,7 @@
             </a:ln>
             <a:extLst>
               <a:ext uri="{91240B29-F687-4f45-9708-019B960494DF}">
-                <a14:hiddenLine xmlns="" xmlns:a14="http://schemas.microsoft.com/office/drawing/2010/main" w="9525">
+                <a14:hiddenLine xmlns:a14="http://schemas.microsoft.com/office/drawing/2010/main" xmlns="" w="9525">
                   <a:solidFill>
                     <a:srgbClr val="000000"/>
                   </a:solidFill>
@@ -3388,7 +3388,7 @@
             </a:ln>
             <a:extLst>
               <a:ext uri="{91240B29-F687-4f45-9708-019B960494DF}">
-                <a14:hiddenLine xmlns="" xmlns:a14="http://schemas.microsoft.com/office/drawing/2010/main" w="9525">
+                <a14:hiddenLine xmlns:a14="http://schemas.microsoft.com/office/drawing/2010/main" xmlns="" w="9525">
                   <a:solidFill>
                     <a:srgbClr val="000000"/>
                   </a:solidFill>
@@ -3450,7 +3450,7 @@
             </a:ln>
             <a:extLst>
               <a:ext uri="{91240B29-F687-4f45-9708-019B960494DF}">
-                <a14:hiddenLine xmlns="" xmlns:a14="http://schemas.microsoft.com/office/drawing/2010/main" w="9525">
+                <a14:hiddenLine xmlns:a14="http://schemas.microsoft.com/office/drawing/2010/main" xmlns="" w="9525">
                   <a:solidFill>
                     <a:srgbClr val="000000"/>
                   </a:solidFill>
@@ -3540,7 +3540,7 @@
             </a:ln>
             <a:extLst>
               <a:ext uri="{91240B29-F687-4f45-9708-019B960494DF}">
-                <a14:hiddenLine xmlns="" xmlns:a14="http://schemas.microsoft.com/office/drawing/2010/main" w="9525">
+                <a14:hiddenLine xmlns:a14="http://schemas.microsoft.com/office/drawing/2010/main" xmlns="" w="9525">
                   <a:solidFill>
                     <a:srgbClr val="000000"/>
                   </a:solidFill>
@@ -3630,7 +3630,7 @@
             </a:ln>
             <a:extLst>
               <a:ext uri="{91240B29-F687-4f45-9708-019B960494DF}">
-                <a14:hiddenLine xmlns="" xmlns:a14="http://schemas.microsoft.com/office/drawing/2010/main" w="9525">
+                <a14:hiddenLine xmlns:a14="http://schemas.microsoft.com/office/drawing/2010/main" xmlns="" w="9525">
                   <a:solidFill>
                     <a:srgbClr val="000000"/>
                   </a:solidFill>
@@ -3695,7 +3695,7 @@
             </a:ln>
             <a:extLst>
               <a:ext uri="{91240B29-F687-4f45-9708-019B960494DF}">
-                <a14:hiddenLine xmlns="" xmlns:a14="http://schemas.microsoft.com/office/drawing/2010/main" w="9525">
+                <a14:hiddenLine xmlns:a14="http://schemas.microsoft.com/office/drawing/2010/main" xmlns="" w="9525">
                   <a:solidFill>
                     <a:srgbClr val="000000"/>
                   </a:solidFill>
@@ -3757,7 +3757,7 @@
             </a:ln>
             <a:extLst>
               <a:ext uri="{91240B29-F687-4f45-9708-019B960494DF}">
-                <a14:hiddenLine xmlns="" xmlns:a14="http://schemas.microsoft.com/office/drawing/2010/main" w="9525">
+                <a14:hiddenLine xmlns:a14="http://schemas.microsoft.com/office/drawing/2010/main" xmlns="" w="9525">
                   <a:solidFill>
                     <a:srgbClr val="000000"/>
                   </a:solidFill>
@@ -3847,7 +3847,7 @@
             </a:ln>
             <a:extLst>
               <a:ext uri="{91240B29-F687-4f45-9708-019B960494DF}">
-                <a14:hiddenLine xmlns="" xmlns:a14="http://schemas.microsoft.com/office/drawing/2010/main" w="9525">
+                <a14:hiddenLine xmlns:a14="http://schemas.microsoft.com/office/drawing/2010/main" xmlns="" w="9525">
                   <a:solidFill>
                     <a:srgbClr val="000000"/>
                   </a:solidFill>
@@ -3937,7 +3937,7 @@
             </a:ln>
             <a:extLst>
               <a:ext uri="{91240B29-F687-4f45-9708-019B960494DF}">
-                <a14:hiddenLine xmlns="" xmlns:a14="http://schemas.microsoft.com/office/drawing/2010/main" w="9525">
+                <a14:hiddenLine xmlns:a14="http://schemas.microsoft.com/office/drawing/2010/main" xmlns="" w="9525">
                   <a:solidFill>
                     <a:srgbClr val="000000"/>
                   </a:solidFill>
@@ -3999,7 +3999,7 @@
             </a:ln>
             <a:extLst>
               <a:ext uri="{91240B29-F687-4f45-9708-019B960494DF}">
-                <a14:hiddenLine xmlns="" xmlns:a14="http://schemas.microsoft.com/office/drawing/2010/main" w="9525">
+                <a14:hiddenLine xmlns:a14="http://schemas.microsoft.com/office/drawing/2010/main" xmlns="" w="9525">
                   <a:solidFill>
                     <a:srgbClr val="000000"/>
                   </a:solidFill>
@@ -4119,7 +4119,7 @@
             </a:ln>
             <a:extLst>
               <a:ext uri="{91240B29-F687-4f45-9708-019B960494DF}">
-                <a14:hiddenLine xmlns="" xmlns:a14="http://schemas.microsoft.com/office/drawing/2010/main" w="9525">
+                <a14:hiddenLine xmlns:a14="http://schemas.microsoft.com/office/drawing/2010/main" xmlns="" w="9525">
                   <a:solidFill>
                     <a:srgbClr val="000000"/>
                   </a:solidFill>
@@ -4187,7 +4187,7 @@
             </a:ln>
             <a:extLst>
               <a:ext uri="{91240B29-F687-4f45-9708-019B960494DF}">
-                <a14:hiddenLine xmlns="" xmlns:a14="http://schemas.microsoft.com/office/drawing/2010/main" w="9525">
+                <a14:hiddenLine xmlns:a14="http://schemas.microsoft.com/office/drawing/2010/main" xmlns="" w="9525">
                   <a:solidFill>
                     <a:srgbClr val="000000"/>
                   </a:solidFill>
@@ -4277,7 +4277,7 @@
             </a:ln>
             <a:extLst>
               <a:ext uri="{91240B29-F687-4f45-9708-019B960494DF}">
-                <a14:hiddenLine xmlns="" xmlns:a14="http://schemas.microsoft.com/office/drawing/2010/main" w="9525">
+                <a14:hiddenLine xmlns:a14="http://schemas.microsoft.com/office/drawing/2010/main" xmlns="" w="9525">
                   <a:solidFill>
                     <a:srgbClr val="000000"/>
                   </a:solidFill>
@@ -4417,7 +4417,7 @@
           <a:p>
             <a:fld id="{48A87A34-81AB-432B-8DAE-1953F412C126}" type="datetimeFigureOut">
               <a:rPr lang="en-US" dirty="0"/>
-              <a:t>7/10/2019</a:t>
+              <a:t>7/18/2019</a:t>
             </a:fld>
             <a:endParaRPr lang="en-US" dirty="0"/>
           </a:p>
@@ -4679,7 +4679,7 @@
           <a:p>
             <a:fld id="{48A87A34-81AB-432B-8DAE-1953F412C126}" type="datetimeFigureOut">
               <a:rPr lang="en-US" dirty="0"/>
-              <a:t>7/10/2019</a:t>
+              <a:t>7/18/2019</a:t>
             </a:fld>
             <a:endParaRPr lang="en-US" dirty="0"/>
           </a:p>
@@ -4870,7 +4870,7 @@
           <a:p>
             <a:fld id="{48A87A34-81AB-432B-8DAE-1953F412C126}" type="datetimeFigureOut">
               <a:rPr lang="en-US" dirty="0"/>
-              <a:t>7/10/2019</a:t>
+              <a:t>7/18/2019</a:t>
             </a:fld>
             <a:endParaRPr lang="en-US" dirty="0"/>
           </a:p>
@@ -5128,7 +5128,7 @@
           <a:p>
             <a:fld id="{48A87A34-81AB-432B-8DAE-1953F412C126}" type="datetimeFigureOut">
               <a:rPr lang="en-US" dirty="0"/>
-              <a:t>7/10/2019</a:t>
+              <a:t>7/18/2019</a:t>
             </a:fld>
             <a:endParaRPr lang="en-US" dirty="0"/>
           </a:p>
@@ -5557,7 +5557,7 @@
           <a:p>
             <a:fld id="{48A87A34-81AB-432B-8DAE-1953F412C126}" type="datetimeFigureOut">
               <a:rPr lang="en-US" dirty="0"/>
-              <a:t>7/10/2019</a:t>
+              <a:t>7/18/2019</a:t>
             </a:fld>
             <a:endParaRPr lang="en-US" dirty="0"/>
           </a:p>
@@ -6098,7 +6098,7 @@
           <a:p>
             <a:fld id="{48A87A34-81AB-432B-8DAE-1953F412C126}" type="datetimeFigureOut">
               <a:rPr lang="en-US" dirty="0"/>
-              <a:t>7/10/2019</a:t>
+              <a:t>7/18/2019</a:t>
             </a:fld>
             <a:endParaRPr lang="en-US" dirty="0"/>
           </a:p>
@@ -6813,7 +6813,7 @@
           <a:p>
             <a:fld id="{48A87A34-81AB-432B-8DAE-1953F412C126}" type="datetimeFigureOut">
               <a:rPr lang="en-US" dirty="0"/>
-              <a:t>7/10/2019</a:t>
+              <a:t>7/18/2019</a:t>
             </a:fld>
             <a:endParaRPr lang="en-US" dirty="0"/>
           </a:p>
@@ -6978,7 +6978,7 @@
           <a:p>
             <a:fld id="{48A87A34-81AB-432B-8DAE-1953F412C126}" type="datetimeFigureOut">
               <a:rPr lang="en-US" dirty="0"/>
-              <a:t>7/10/2019</a:t>
+              <a:t>7/18/2019</a:t>
             </a:fld>
             <a:endParaRPr lang="en-US" dirty="0"/>
           </a:p>
@@ -7153,7 +7153,7 @@
           <a:p>
             <a:fld id="{48A87A34-81AB-432B-8DAE-1953F412C126}" type="datetimeFigureOut">
               <a:rPr lang="en-US" dirty="0"/>
-              <a:t>7/10/2019</a:t>
+              <a:t>7/18/2019</a:t>
             </a:fld>
             <a:endParaRPr lang="en-US" dirty="0"/>
           </a:p>
@@ -7318,7 +7318,7 @@
           <a:p>
             <a:fld id="{48A87A34-81AB-432B-8DAE-1953F412C126}" type="datetimeFigureOut">
               <a:rPr lang="en-US" dirty="0"/>
-              <a:t>7/10/2019</a:t>
+              <a:t>7/18/2019</a:t>
             </a:fld>
             <a:endParaRPr lang="en-US" dirty="0"/>
           </a:p>
@@ -7563,7 +7563,7 @@
           <a:p>
             <a:fld id="{48A87A34-81AB-432B-8DAE-1953F412C126}" type="datetimeFigureOut">
               <a:rPr lang="en-US" dirty="0"/>
-              <a:t>7/10/2019</a:t>
+              <a:t>7/18/2019</a:t>
             </a:fld>
             <a:endParaRPr lang="en-US" dirty="0"/>
           </a:p>
@@ -7790,7 +7790,7 @@
           <a:p>
             <a:fld id="{48A87A34-81AB-432B-8DAE-1953F412C126}" type="datetimeFigureOut">
               <a:rPr lang="en-US" dirty="0"/>
-              <a:t>7/10/2019</a:t>
+              <a:t>7/18/2019</a:t>
             </a:fld>
             <a:endParaRPr lang="en-US" dirty="0"/>
           </a:p>
@@ -8166,7 +8166,7 @@
           <a:p>
             <a:fld id="{48A87A34-81AB-432B-8DAE-1953F412C126}" type="datetimeFigureOut">
               <a:rPr lang="en-US" dirty="0"/>
-              <a:t>7/10/2019</a:t>
+              <a:t>7/18/2019</a:t>
             </a:fld>
             <a:endParaRPr lang="en-US" dirty="0"/>
           </a:p>
@@ -8279,7 +8279,7 @@
           <a:p>
             <a:fld id="{48A87A34-81AB-432B-8DAE-1953F412C126}" type="datetimeFigureOut">
               <a:rPr lang="en-US" dirty="0"/>
-              <a:t>7/10/2019</a:t>
+              <a:t>7/18/2019</a:t>
             </a:fld>
             <a:endParaRPr lang="en-US" dirty="0"/>
           </a:p>
@@ -8369,7 +8369,7 @@
           <a:p>
             <a:fld id="{48A87A34-81AB-432B-8DAE-1953F412C126}" type="datetimeFigureOut">
               <a:rPr lang="en-US" dirty="0"/>
-              <a:t>7/10/2019</a:t>
+              <a:t>7/18/2019</a:t>
             </a:fld>
             <a:endParaRPr lang="en-US" dirty="0"/>
           </a:p>
@@ -8613,7 +8613,7 @@
           <a:p>
             <a:fld id="{48A87A34-81AB-432B-8DAE-1953F412C126}" type="datetimeFigureOut">
               <a:rPr lang="en-US" dirty="0"/>
-              <a:t>7/10/2019</a:t>
+              <a:t>7/18/2019</a:t>
             </a:fld>
             <a:endParaRPr lang="en-US" dirty="0"/>
           </a:p>
@@ -8888,7 +8888,7 @@
           <a:p>
             <a:fld id="{48A87A34-81AB-432B-8DAE-1953F412C126}" type="datetimeFigureOut">
               <a:rPr lang="en-US" dirty="0"/>
-              <a:t>7/10/2019</a:t>
+              <a:t>7/18/2019</a:t>
             </a:fld>
             <a:endParaRPr lang="en-US" dirty="0"/>
           </a:p>
@@ -8999,7 +8999,7 @@
           <a:noFill/>
           <a:extLst>
             <a:ext uri="{909E8E84-426E-40dd-AFC4-6F175D3DCCD1}">
-              <a14:hiddenFill xmlns="" xmlns:a14="http://schemas.microsoft.com/office/drawing/2010/main">
+              <a14:hiddenFill xmlns:a14="http://schemas.microsoft.com/office/drawing/2010/main" xmlns="">
                 <a:solidFill>
                   <a:srgbClr val="FFFFFF"/>
                 </a:solidFill>
@@ -9073,7 +9073,7 @@
               </a:ln>
               <a:extLst>
                 <a:ext uri="{91240B29-F687-4f45-9708-019B960494DF}">
-                  <a14:hiddenLine xmlns="" xmlns:a14="http://schemas.microsoft.com/office/drawing/2010/main" w="9525">
+                  <a14:hiddenLine xmlns:a14="http://schemas.microsoft.com/office/drawing/2010/main" xmlns="" w="9525">
                     <a:solidFill>
                       <a:srgbClr val="000000"/>
                     </a:solidFill>
@@ -9163,7 +9163,7 @@
               </a:ln>
               <a:extLst>
                 <a:ext uri="{91240B29-F687-4f45-9708-019B960494DF}">
-                  <a14:hiddenLine xmlns="" xmlns:a14="http://schemas.microsoft.com/office/drawing/2010/main" w="9525">
+                  <a14:hiddenLine xmlns:a14="http://schemas.microsoft.com/office/drawing/2010/main" xmlns="" w="9525">
                     <a:solidFill>
                       <a:srgbClr val="000000"/>
                     </a:solidFill>
@@ -9253,7 +9253,7 @@
               </a:ln>
               <a:extLst>
                 <a:ext uri="{91240B29-F687-4f45-9708-019B960494DF}">
-                  <a14:hiddenLine xmlns="" xmlns:a14="http://schemas.microsoft.com/office/drawing/2010/main" w="9525">
+                  <a14:hiddenLine xmlns:a14="http://schemas.microsoft.com/office/drawing/2010/main" xmlns="" w="9525">
                     <a:solidFill>
                       <a:srgbClr val="000000"/>
                     </a:solidFill>
@@ -9315,7 +9315,7 @@
               </a:ln>
               <a:extLst>
                 <a:ext uri="{91240B29-F687-4f45-9708-019B960494DF}">
-                  <a14:hiddenLine xmlns="" xmlns:a14="http://schemas.microsoft.com/office/drawing/2010/main" w="9525">
+                  <a14:hiddenLine xmlns:a14="http://schemas.microsoft.com/office/drawing/2010/main" xmlns="" w="9525">
                     <a:solidFill>
                       <a:srgbClr val="000000"/>
                     </a:solidFill>
@@ -9405,7 +9405,7 @@
               </a:ln>
               <a:extLst>
                 <a:ext uri="{91240B29-F687-4f45-9708-019B960494DF}">
-                  <a14:hiddenLine xmlns="" xmlns:a14="http://schemas.microsoft.com/office/drawing/2010/main" w="9525">
+                  <a14:hiddenLine xmlns:a14="http://schemas.microsoft.com/office/drawing/2010/main" xmlns="" w="9525">
                     <a:solidFill>
                       <a:srgbClr val="000000"/>
                     </a:solidFill>
@@ -9467,7 +9467,7 @@
               </a:ln>
               <a:extLst>
                 <a:ext uri="{91240B29-F687-4f45-9708-019B960494DF}">
-                  <a14:hiddenLine xmlns="" xmlns:a14="http://schemas.microsoft.com/office/drawing/2010/main" w="9525">
+                  <a14:hiddenLine xmlns:a14="http://schemas.microsoft.com/office/drawing/2010/main" xmlns="" w="9525">
                     <a:solidFill>
                       <a:srgbClr val="000000"/>
                     </a:solidFill>
@@ -9529,7 +9529,7 @@
               </a:ln>
               <a:extLst>
                 <a:ext uri="{91240B29-F687-4f45-9708-019B960494DF}">
-                  <a14:hiddenLine xmlns="" xmlns:a14="http://schemas.microsoft.com/office/drawing/2010/main" w="9525">
+                  <a14:hiddenLine xmlns:a14="http://schemas.microsoft.com/office/drawing/2010/main" xmlns="" w="9525">
                     <a:solidFill>
                       <a:srgbClr val="000000"/>
                     </a:solidFill>
@@ -9619,7 +9619,7 @@
               </a:ln>
               <a:extLst>
                 <a:ext uri="{91240B29-F687-4f45-9708-019B960494DF}">
-                  <a14:hiddenLine xmlns="" xmlns:a14="http://schemas.microsoft.com/office/drawing/2010/main" w="9525">
+                  <a14:hiddenLine xmlns:a14="http://schemas.microsoft.com/office/drawing/2010/main" xmlns="" w="9525">
                     <a:solidFill>
                       <a:srgbClr val="000000"/>
                     </a:solidFill>
@@ -9709,7 +9709,7 @@
               </a:ln>
               <a:extLst>
                 <a:ext uri="{91240B29-F687-4f45-9708-019B960494DF}">
-                  <a14:hiddenLine xmlns="" xmlns:a14="http://schemas.microsoft.com/office/drawing/2010/main" w="9525">
+                  <a14:hiddenLine xmlns:a14="http://schemas.microsoft.com/office/drawing/2010/main" xmlns="" w="9525">
                     <a:solidFill>
                       <a:srgbClr val="000000"/>
                     </a:solidFill>
@@ -9771,7 +9771,7 @@
               </a:ln>
               <a:extLst>
                 <a:ext uri="{91240B29-F687-4f45-9708-019B960494DF}">
-                  <a14:hiddenLine xmlns="" xmlns:a14="http://schemas.microsoft.com/office/drawing/2010/main" w="9525">
+                  <a14:hiddenLine xmlns:a14="http://schemas.microsoft.com/office/drawing/2010/main" xmlns="" w="9525">
                     <a:solidFill>
                       <a:srgbClr val="000000"/>
                     </a:solidFill>
@@ -9881,7 +9881,7 @@
               </a:ln>
               <a:extLst>
                 <a:ext uri="{91240B29-F687-4f45-9708-019B960494DF}">
-                  <a14:hiddenLine xmlns="" xmlns:a14="http://schemas.microsoft.com/office/drawing/2010/main" w="9525">
+                  <a14:hiddenLine xmlns:a14="http://schemas.microsoft.com/office/drawing/2010/main" xmlns="" w="9525">
                     <a:solidFill>
                       <a:srgbClr val="000000"/>
                     </a:solidFill>
@@ -9965,7 +9965,7 @@
               </a:ln>
               <a:extLst>
                 <a:ext uri="{91240B29-F687-4f45-9708-019B960494DF}">
-                  <a14:hiddenLine xmlns="" xmlns:a14="http://schemas.microsoft.com/office/drawing/2010/main" w="9525">
+                  <a14:hiddenLine xmlns:a14="http://schemas.microsoft.com/office/drawing/2010/main" xmlns="" w="9525">
                     <a:solidFill>
                       <a:srgbClr val="000000"/>
                     </a:solidFill>
@@ -10027,7 +10027,7 @@
               </a:ln>
               <a:extLst>
                 <a:ext uri="{91240B29-F687-4f45-9708-019B960494DF}">
-                  <a14:hiddenLine xmlns="" xmlns:a14="http://schemas.microsoft.com/office/drawing/2010/main" w="9525">
+                  <a14:hiddenLine xmlns:a14="http://schemas.microsoft.com/office/drawing/2010/main" xmlns="" w="9525">
                     <a:solidFill>
                       <a:srgbClr val="000000"/>
                     </a:solidFill>
@@ -10089,7 +10089,7 @@
               </a:ln>
               <a:extLst>
                 <a:ext uri="{91240B29-F687-4f45-9708-019B960494DF}">
-                  <a14:hiddenLine xmlns="" xmlns:a14="http://schemas.microsoft.com/office/drawing/2010/main" w="9525">
+                  <a14:hiddenLine xmlns:a14="http://schemas.microsoft.com/office/drawing/2010/main" xmlns="" w="9525">
                     <a:solidFill>
                       <a:srgbClr val="000000"/>
                     </a:solidFill>
@@ -10179,7 +10179,7 @@
               </a:ln>
               <a:extLst>
                 <a:ext uri="{91240B29-F687-4f45-9708-019B960494DF}">
-                  <a14:hiddenLine xmlns="" xmlns:a14="http://schemas.microsoft.com/office/drawing/2010/main" w="9525">
+                  <a14:hiddenLine xmlns:a14="http://schemas.microsoft.com/office/drawing/2010/main" xmlns="" w="9525">
                     <a:solidFill>
                       <a:srgbClr val="000000"/>
                     </a:solidFill>
@@ -10213,7 +10213,7 @@
               </a:ln>
               <a:extLst>
                 <a:ext uri="{91240B29-F687-4f45-9708-019B960494DF}">
-                  <a14:hiddenLine xmlns="" xmlns:a14="http://schemas.microsoft.com/office/drawing/2010/main" w="9525">
+                  <a14:hiddenLine xmlns:a14="http://schemas.microsoft.com/office/drawing/2010/main" xmlns="" w="9525">
                     <a:solidFill>
                       <a:srgbClr val="000000"/>
                     </a:solidFill>
@@ -10278,7 +10278,7 @@
               </a:ln>
               <a:extLst>
                 <a:ext uri="{91240B29-F687-4f45-9708-019B960494DF}">
-                  <a14:hiddenLine xmlns="" xmlns:a14="http://schemas.microsoft.com/office/drawing/2010/main" w="9525">
+                  <a14:hiddenLine xmlns:a14="http://schemas.microsoft.com/office/drawing/2010/main" xmlns="" w="9525">
                     <a:solidFill>
                       <a:srgbClr val="000000"/>
                     </a:solidFill>
@@ -10368,7 +10368,7 @@
               </a:ln>
               <a:extLst>
                 <a:ext uri="{91240B29-F687-4f45-9708-019B960494DF}">
-                  <a14:hiddenLine xmlns="" xmlns:a14="http://schemas.microsoft.com/office/drawing/2010/main" w="9525">
+                  <a14:hiddenLine xmlns:a14="http://schemas.microsoft.com/office/drawing/2010/main" xmlns="" w="9525">
                     <a:solidFill>
                       <a:srgbClr val="000000"/>
                     </a:solidFill>
@@ -10430,7 +10430,7 @@
               </a:ln>
               <a:extLst>
                 <a:ext uri="{91240B29-F687-4f45-9708-019B960494DF}">
-                  <a14:hiddenLine xmlns="" xmlns:a14="http://schemas.microsoft.com/office/drawing/2010/main" w="9525">
+                  <a14:hiddenLine xmlns:a14="http://schemas.microsoft.com/office/drawing/2010/main" xmlns="" w="9525">
                     <a:solidFill>
                       <a:srgbClr val="000000"/>
                     </a:solidFill>
@@ -10520,7 +10520,7 @@
               </a:ln>
               <a:extLst>
                 <a:ext uri="{91240B29-F687-4f45-9708-019B960494DF}">
-                  <a14:hiddenLine xmlns="" xmlns:a14="http://schemas.microsoft.com/office/drawing/2010/main" w="9525">
+                  <a14:hiddenLine xmlns:a14="http://schemas.microsoft.com/office/drawing/2010/main" xmlns="" w="9525">
                     <a:solidFill>
                       <a:srgbClr val="000000"/>
                     </a:solidFill>
@@ -10585,7 +10585,7 @@
               </a:ln>
               <a:extLst>
                 <a:ext uri="{91240B29-F687-4f45-9708-019B960494DF}">
-                  <a14:hiddenLine xmlns="" xmlns:a14="http://schemas.microsoft.com/office/drawing/2010/main" w="9525">
+                  <a14:hiddenLine xmlns:a14="http://schemas.microsoft.com/office/drawing/2010/main" xmlns="" w="9525">
                     <a:solidFill>
                       <a:srgbClr val="000000"/>
                     </a:solidFill>
@@ -10647,7 +10647,7 @@
               </a:ln>
               <a:extLst>
                 <a:ext uri="{91240B29-F687-4f45-9708-019B960494DF}">
-                  <a14:hiddenLine xmlns="" xmlns:a14="http://schemas.microsoft.com/office/drawing/2010/main" w="9525">
+                  <a14:hiddenLine xmlns:a14="http://schemas.microsoft.com/office/drawing/2010/main" xmlns="" w="9525">
                     <a:solidFill>
                       <a:srgbClr val="000000"/>
                     </a:solidFill>
@@ -10737,7 +10737,7 @@
               </a:ln>
               <a:extLst>
                 <a:ext uri="{91240B29-F687-4f45-9708-019B960494DF}">
-                  <a14:hiddenLine xmlns="" xmlns:a14="http://schemas.microsoft.com/office/drawing/2010/main" w="9525">
+                  <a14:hiddenLine xmlns:a14="http://schemas.microsoft.com/office/drawing/2010/main" xmlns="" w="9525">
                     <a:solidFill>
                       <a:srgbClr val="000000"/>
                     </a:solidFill>
@@ -10827,7 +10827,7 @@
               </a:ln>
               <a:extLst>
                 <a:ext uri="{91240B29-F687-4f45-9708-019B960494DF}">
-                  <a14:hiddenLine xmlns="" xmlns:a14="http://schemas.microsoft.com/office/drawing/2010/main" w="9525">
+                  <a14:hiddenLine xmlns:a14="http://schemas.microsoft.com/office/drawing/2010/main" xmlns="" w="9525">
                     <a:solidFill>
                       <a:srgbClr val="000000"/>
                     </a:solidFill>
@@ -10892,7 +10892,7 @@
               </a:ln>
               <a:extLst>
                 <a:ext uri="{91240B29-F687-4f45-9708-019B960494DF}">
-                  <a14:hiddenLine xmlns="" xmlns:a14="http://schemas.microsoft.com/office/drawing/2010/main" w="9525">
+                  <a14:hiddenLine xmlns:a14="http://schemas.microsoft.com/office/drawing/2010/main" xmlns="" w="9525">
                     <a:solidFill>
                       <a:srgbClr val="000000"/>
                     </a:solidFill>
@@ -11012,7 +11012,7 @@
               </a:ln>
               <a:extLst>
                 <a:ext uri="{91240B29-F687-4f45-9708-019B960494DF}">
-                  <a14:hiddenLine xmlns="" xmlns:a14="http://schemas.microsoft.com/office/drawing/2010/main" w="9525">
+                  <a14:hiddenLine xmlns:a14="http://schemas.microsoft.com/office/drawing/2010/main" xmlns="" w="9525">
                     <a:solidFill>
                       <a:srgbClr val="000000"/>
                     </a:solidFill>
@@ -11110,7 +11110,7 @@
               </a:ln>
               <a:extLst>
                 <a:ext uri="{91240B29-F687-4f45-9708-019B960494DF}">
-                  <a14:hiddenLine xmlns="" xmlns:a14="http://schemas.microsoft.com/office/drawing/2010/main" w="9525">
+                  <a14:hiddenLine xmlns:a14="http://schemas.microsoft.com/office/drawing/2010/main" xmlns="" w="9525">
                     <a:solidFill>
                       <a:srgbClr val="000000"/>
                     </a:solidFill>
@@ -11225,7 +11225,7 @@
               </a:ln>
               <a:extLst>
                 <a:ext uri="{91240B29-F687-4f45-9708-019B960494DF}">
-                  <a14:hiddenLine xmlns="" xmlns:a14="http://schemas.microsoft.com/office/drawing/2010/main" w="9525">
+                  <a14:hiddenLine xmlns:a14="http://schemas.microsoft.com/office/drawing/2010/main" xmlns="" w="9525">
                     <a:solidFill>
                       <a:srgbClr val="000000"/>
                     </a:solidFill>
@@ -11315,7 +11315,7 @@
               </a:ln>
               <a:extLst>
                 <a:ext uri="{91240B29-F687-4f45-9708-019B960494DF}">
-                  <a14:hiddenLine xmlns="" xmlns:a14="http://schemas.microsoft.com/office/drawing/2010/main" w="9525">
+                  <a14:hiddenLine xmlns:a14="http://schemas.microsoft.com/office/drawing/2010/main" xmlns="" w="9525">
                     <a:solidFill>
                       <a:srgbClr val="000000"/>
                     </a:solidFill>
@@ -11380,7 +11380,7 @@
               </a:ln>
               <a:extLst>
                 <a:ext uri="{91240B29-F687-4f45-9708-019B960494DF}">
-                  <a14:hiddenLine xmlns="" xmlns:a14="http://schemas.microsoft.com/office/drawing/2010/main" w="9525">
+                  <a14:hiddenLine xmlns:a14="http://schemas.microsoft.com/office/drawing/2010/main" xmlns="" w="9525">
                     <a:solidFill>
                       <a:srgbClr val="000000"/>
                     </a:solidFill>
@@ -11470,7 +11470,7 @@
               </a:ln>
               <a:extLst>
                 <a:ext uri="{91240B29-F687-4f45-9708-019B960494DF}">
-                  <a14:hiddenLine xmlns="" xmlns:a14="http://schemas.microsoft.com/office/drawing/2010/main" w="9525">
+                  <a14:hiddenLine xmlns:a14="http://schemas.microsoft.com/office/drawing/2010/main" xmlns="" w="9525">
                     <a:solidFill>
                       <a:srgbClr val="000000"/>
                     </a:solidFill>
@@ -11538,7 +11538,7 @@
               </a:ln>
               <a:extLst>
                 <a:ext uri="{91240B29-F687-4f45-9708-019B960494DF}">
-                  <a14:hiddenLine xmlns="" xmlns:a14="http://schemas.microsoft.com/office/drawing/2010/main" w="9525">
+                  <a14:hiddenLine xmlns:a14="http://schemas.microsoft.com/office/drawing/2010/main" xmlns="" w="9525">
                     <a:solidFill>
                       <a:srgbClr val="000000"/>
                     </a:solidFill>
@@ -11628,7 +11628,7 @@
               </a:ln>
               <a:extLst>
                 <a:ext uri="{91240B29-F687-4f45-9708-019B960494DF}">
-                  <a14:hiddenLine xmlns="" xmlns:a14="http://schemas.microsoft.com/office/drawing/2010/main" w="9525">
+                  <a14:hiddenLine xmlns:a14="http://schemas.microsoft.com/office/drawing/2010/main" xmlns="" w="9525">
                     <a:solidFill>
                       <a:srgbClr val="000000"/>
                     </a:solidFill>
@@ -11696,7 +11696,7 @@
               </a:ln>
               <a:extLst>
                 <a:ext uri="{91240B29-F687-4f45-9708-019B960494DF}">
-                  <a14:hiddenLine xmlns="" xmlns:a14="http://schemas.microsoft.com/office/drawing/2010/main" w="9525">
+                  <a14:hiddenLine xmlns:a14="http://schemas.microsoft.com/office/drawing/2010/main" xmlns="" w="9525">
                     <a:solidFill>
                       <a:srgbClr val="000000"/>
                     </a:solidFill>
@@ -11786,7 +11786,7 @@
               </a:ln>
               <a:extLst>
                 <a:ext uri="{91240B29-F687-4f45-9708-019B960494DF}">
-                  <a14:hiddenLine xmlns="" xmlns:a14="http://schemas.microsoft.com/office/drawing/2010/main" w="9525">
+                  <a14:hiddenLine xmlns:a14="http://schemas.microsoft.com/office/drawing/2010/main" xmlns="" w="9525">
                     <a:solidFill>
                       <a:srgbClr val="000000"/>
                     </a:solidFill>
@@ -11820,7 +11820,7 @@
               </a:ln>
               <a:extLst>
                 <a:ext uri="{91240B29-F687-4f45-9708-019B960494DF}">
-                  <a14:hiddenLine xmlns="" xmlns:a14="http://schemas.microsoft.com/office/drawing/2010/main" w="9525">
+                  <a14:hiddenLine xmlns:a14="http://schemas.microsoft.com/office/drawing/2010/main" xmlns="" w="9525">
                     <a:solidFill>
                       <a:srgbClr val="000000"/>
                     </a:solidFill>
@@ -11961,7 +11961,7 @@
             <a:fld id="{48A87A34-81AB-432B-8DAE-1953F412C126}" type="datetimeFigureOut">
               <a:rPr lang="en-US" dirty="0"/>
               <a:pPr/>
-              <a:t>7/10/2019</a:t>
+              <a:t>7/18/2019</a:t>
             </a:fld>
             <a:endParaRPr lang="en-US" dirty="0"/>
           </a:p>
@@ -12780,11 +12780,7 @@
           <a:p>
             <a:r>
               <a:rPr lang="en-US" dirty="0" smtClean="0"/>
-              <a:t>What </a:t>
-            </a:r>
-            <a:r>
-              <a:rPr lang="en-US" dirty="0" smtClean="0"/>
-              <a:t>will this look like? Draw the circuit diagram</a:t>
+              <a:t>What will this look like? Draw the circuit diagram</a:t>
             </a:r>
           </a:p>
           <a:p>
@@ -12792,7 +12788,6 @@
               <a:rPr lang="en-US" dirty="0" smtClean="0"/>
               <a:t>Now build it!</a:t>
             </a:r>
-            <a:endParaRPr lang="en-US" dirty="0" smtClean="0"/>
           </a:p>
         </p:txBody>
       </p:sp>
@@ -13079,25 +13074,18 @@
               <a:rPr lang="en-US" dirty="0" smtClean="0"/>
               <a:t>Keywords – which keyword have we already come across?</a:t>
             </a:r>
-            <a:endParaRPr lang="en-US" dirty="0" smtClean="0"/>
           </a:p>
           <a:p>
             <a:r>
               <a:rPr lang="en-US" dirty="0" smtClean="0"/>
-              <a:t>Strings / </a:t>
-            </a:r>
-            <a:r>
-              <a:rPr lang="en-US" dirty="0" smtClean="0"/>
-              <a:t>Numbers – how can you tell the difference?</a:t>
-            </a:r>
-            <a:endParaRPr lang="en-US" dirty="0" smtClean="0"/>
+              <a:t>Strings / Numbers – how can you tell the difference?</a:t>
+            </a:r>
           </a:p>
           <a:p>
             <a:r>
               <a:rPr lang="en-US" dirty="0" smtClean="0"/>
               <a:t>Variables – why would you need these?</a:t>
             </a:r>
-            <a:endParaRPr lang="en-US" dirty="0" smtClean="0"/>
           </a:p>
           <a:p>
             <a:r>
@@ -13180,34 +13168,23 @@
               <a:rPr lang="en-US" dirty="0" smtClean="0"/>
               <a:t>How do you write a function?</a:t>
             </a:r>
-            <a:endParaRPr lang="en-US" dirty="0" smtClean="0"/>
           </a:p>
           <a:p>
             <a:r>
               <a:rPr lang="en-US" dirty="0" smtClean="0"/>
               <a:t>How do you call a function?</a:t>
             </a:r>
-            <a:endParaRPr lang="en-US" dirty="0" smtClean="0"/>
           </a:p>
           <a:p>
             <a:r>
               <a:rPr lang="en-US" dirty="0" smtClean="0"/>
               <a:t>How do you use parameters within functions? And why would you want to?</a:t>
             </a:r>
-            <a:endParaRPr lang="en-US" dirty="0" smtClean="0"/>
           </a:p>
           <a:p>
             <a:r>
               <a:rPr lang="en-US" dirty="0" smtClean="0"/>
-              <a:t>How do you return </a:t>
-            </a:r>
-            <a:r>
-              <a:rPr lang="en-US" dirty="0" smtClean="0"/>
-              <a:t>values from </a:t>
-            </a:r>
-            <a:r>
-              <a:rPr lang="en-US" dirty="0" smtClean="0"/>
-              <a:t>functions? And why would you want to?</a:t>
+              <a:t>How do you return values from functions? And why would you want to?</a:t>
             </a:r>
           </a:p>
           <a:p>
@@ -13300,18 +13277,12 @@
               <a:rPr lang="en-US" dirty="0" smtClean="0"/>
               <a:t>Why would you want to use one?</a:t>
             </a:r>
-            <a:endParaRPr lang="en-US" dirty="0" smtClean="0"/>
           </a:p>
           <a:p>
             <a:r>
               <a:rPr lang="en-US" dirty="0" smtClean="0"/>
-              <a:t>Where is this </a:t>
-            </a:r>
-            <a:r>
-              <a:rPr lang="en-US" dirty="0" smtClean="0"/>
-              <a:t>code stored?</a:t>
-            </a:r>
-            <a:endParaRPr lang="en-US" dirty="0" smtClean="0"/>
+              <a:t>Where is this code stored?</a:t>
+            </a:r>
           </a:p>
           <a:p>
             <a:r>
@@ -13395,11 +13366,7 @@
             </a:pPr>
             <a:r>
               <a:rPr lang="en-US" dirty="0" smtClean="0"/>
-              <a:t>1) Copy </a:t>
-            </a:r>
-            <a:r>
-              <a:rPr lang="en-US" dirty="0" smtClean="0"/>
-              <a:t>source code</a:t>
+              <a:t>1) Copy source code</a:t>
             </a:r>
           </a:p>
           <a:p>
@@ -13410,7 +13377,6 @@
               <a:rPr lang="en-US" dirty="0" smtClean="0"/>
               <a:t>2) Run the code</a:t>
             </a:r>
-            <a:endParaRPr lang="en-US" dirty="0" smtClean="0"/>
           </a:p>
           <a:p>
             <a:pPr marL="0" indent="0">
@@ -13418,36 +13384,16 @@
             </a:pPr>
             <a:r>
               <a:rPr lang="en-US" dirty="0" smtClean="0"/>
-              <a:t>3) Explain </a:t>
-            </a:r>
+              <a:t>3) Explain it</a:t>
+            </a:r>
+          </a:p>
+          <a:p>
+            <a:pPr marL="0" indent="0">
+              <a:buNone/>
+            </a:pPr>
             <a:r>
               <a:rPr lang="en-US" dirty="0" smtClean="0"/>
-              <a:t>it</a:t>
-            </a:r>
-          </a:p>
-          <a:p>
-            <a:pPr marL="0" indent="0">
-              <a:buNone/>
-            </a:pPr>
-            <a:r>
-              <a:rPr lang="en-US" dirty="0" smtClean="0"/>
-              <a:t>4) Change the code so the </a:t>
-            </a:r>
-            <a:r>
-              <a:rPr lang="en-US" dirty="0" smtClean="0"/>
-              <a:t>light </a:t>
-            </a:r>
-            <a:r>
-              <a:rPr lang="en-US" dirty="0" smtClean="0"/>
-              <a:t>remains on </a:t>
-            </a:r>
-            <a:r>
-              <a:rPr lang="en-US" dirty="0" smtClean="0"/>
-              <a:t>for 5 seconds after pushing </a:t>
-            </a:r>
-            <a:r>
-              <a:rPr lang="en-US" dirty="0" smtClean="0"/>
-              <a:t>button</a:t>
+              <a:t>4) Change the code so the light remains on for 5 seconds after pushing button</a:t>
             </a:r>
           </a:p>
           <a:p>
@@ -13534,7 +13480,6 @@
               <a:rPr lang="en-US" dirty="0" smtClean="0"/>
               <a:t>Review and edit the code</a:t>
             </a:r>
-            <a:endParaRPr lang="en-US" dirty="0" smtClean="0"/>
           </a:p>
           <a:p>
             <a:pPr lvl="1"/>
@@ -13561,27 +13506,20 @@
             <a:pPr lvl="1"/>
             <a:r>
               <a:rPr lang="en-US" dirty="0" smtClean="0"/>
-              <a:t>Body: Make something </a:t>
-            </a:r>
-            <a:r>
-              <a:rPr lang="en-US" dirty="0" smtClean="0"/>
-              <a:t>up!</a:t>
-            </a:r>
-            <a:endParaRPr lang="en-US" dirty="0" smtClean="0"/>
+              <a:t>Body: Make something up!</a:t>
+            </a:r>
           </a:p>
           <a:p>
             <a:r>
               <a:rPr lang="en-US" dirty="0" smtClean="0"/>
               <a:t>Test it</a:t>
             </a:r>
-            <a:endParaRPr lang="en-US" dirty="0" smtClean="0"/>
           </a:p>
           <a:p>
             <a:r>
               <a:rPr lang="en-US" dirty="0" smtClean="0"/>
               <a:t>Embed the code into a function</a:t>
             </a:r>
-            <a:endParaRPr lang="en-US" dirty="0" smtClean="0"/>
           </a:p>
           <a:p>
             <a:r>
@@ -13796,20 +13734,14 @@
           <a:p>
             <a:r>
               <a:rPr lang="en-US" dirty="0" smtClean="0"/>
-              <a:t>What is a </a:t>
-            </a:r>
-            <a:r>
-              <a:rPr lang="en-US" dirty="0" smtClean="0"/>
-              <a:t>class?</a:t>
-            </a:r>
-            <a:endParaRPr lang="en-US" dirty="0" smtClean="0"/>
+              <a:t>What is a class?</a:t>
+            </a:r>
           </a:p>
           <a:p>
             <a:r>
               <a:rPr lang="en-US" dirty="0" smtClean="0"/>
               <a:t>Why would we use classes?</a:t>
             </a:r>
-            <a:endParaRPr lang="en-US" dirty="0" smtClean="0"/>
           </a:p>
           <a:p>
             <a:r>
@@ -13896,25 +13828,13 @@
           <a:p>
             <a:r>
               <a:rPr lang="en-US" dirty="0" smtClean="0"/>
-              <a:t>Take </a:t>
-            </a:r>
+              <a:t>Take your email function and put it in a class</a:t>
+            </a:r>
+          </a:p>
+          <a:p>
             <a:r>
               <a:rPr lang="en-US" dirty="0" smtClean="0"/>
-              <a:t>your email </a:t>
-            </a:r>
-            <a:r>
-              <a:rPr lang="en-US" dirty="0" smtClean="0"/>
-              <a:t>function and put it in a class</a:t>
-            </a:r>
-          </a:p>
-          <a:p>
-            <a:r>
-              <a:rPr lang="en-US" dirty="0" smtClean="0"/>
-              <a:t>Add functionality to push button to turn </a:t>
-            </a:r>
-            <a:r>
-              <a:rPr lang="en-US" dirty="0" smtClean="0"/>
-              <a:t>on light and send the email when button is pressed</a:t>
+              <a:t>Add functionality to push button to turn on light and send the email when button is pressed</a:t>
             </a:r>
           </a:p>
           <a:p>
@@ -14137,11 +14057,7 @@
           <a:p>
             <a:r>
               <a:rPr lang="en-US" dirty="0" smtClean="0"/>
-              <a:t>What </a:t>
-            </a:r>
-            <a:r>
-              <a:rPr lang="en-US" dirty="0" smtClean="0"/>
-              <a:t>does </a:t>
+              <a:t>What does </a:t>
             </a:r>
             <a:r>
               <a:rPr lang="en-US" dirty="0" err="1" smtClean="0"/>
@@ -14151,31 +14067,17 @@
               <a:rPr lang="en-US" dirty="0" smtClean="0"/>
               <a:t> do?</a:t>
             </a:r>
-            <a:endParaRPr lang="en-US" dirty="0" smtClean="0"/>
           </a:p>
           <a:p>
             <a:r>
               <a:rPr lang="en-US" dirty="0" smtClean="0"/>
-              <a:t>What is the i</a:t>
-            </a:r>
+              <a:t>What is the issue lifecycle?</a:t>
+            </a:r>
+          </a:p>
+          <a:p>
             <a:r>
               <a:rPr lang="en-US" dirty="0" smtClean="0"/>
-              <a:t>ssue lifecycle?</a:t>
-            </a:r>
-            <a:endParaRPr lang="en-US" dirty="0" smtClean="0"/>
-          </a:p>
-          <a:p>
-            <a:r>
-              <a:rPr lang="en-US" dirty="0" smtClean="0"/>
-              <a:t>How do we s</a:t>
-            </a:r>
-            <a:r>
-              <a:rPr lang="en-US" dirty="0" smtClean="0"/>
-              <a:t>end </a:t>
-            </a:r>
-            <a:r>
-              <a:rPr lang="en-US" dirty="0" smtClean="0"/>
-              <a:t>an alert to </a:t>
+              <a:t>How do we send an alert to </a:t>
             </a:r>
             <a:r>
               <a:rPr lang="en-US" dirty="0" err="1" smtClean="0"/>
@@ -14185,7 +14087,6 @@
               <a:rPr lang="en-US" dirty="0" smtClean="0"/>
               <a:t>?</a:t>
             </a:r>
-            <a:endParaRPr lang="en-US" dirty="0" smtClean="0"/>
           </a:p>
           <a:p>
             <a:endParaRPr lang="en-US" dirty="0"/>
@@ -14344,24 +14245,16 @@
             </a:pPr>
             <a:r>
               <a:rPr lang="en-US" dirty="0" smtClean="0"/>
-              <a:t>Scenario 1: One person notices the coffee machine is broken and presses the button. A second person does the same, and a third person. All within five minutes. Three</a:t>
-            </a:r>
+              <a:t>Scenario 1: One person notices the coffee machine is broken and presses the button. A second person does the same, and a third person. All within five minutes. Three tickets are raised for one incident. </a:t>
+            </a:r>
+          </a:p>
+          <a:p>
+            <a:pPr marL="0" indent="0">
+              <a:buNone/>
+            </a:pPr>
             <a:r>
               <a:rPr lang="en-US" dirty="0" smtClean="0"/>
-              <a:t> tickets are raised for one incident. </a:t>
-            </a:r>
-          </a:p>
-          <a:p>
-            <a:pPr marL="0" indent="0">
-              <a:buNone/>
-            </a:pPr>
-            <a:r>
-              <a:rPr lang="en-US" dirty="0" smtClean="0"/>
-              <a:t>Scenario 2: One person notices the coffe</a:t>
-            </a:r>
-            <a:r>
-              <a:rPr lang="en-US" dirty="0" smtClean="0"/>
-              <a:t>e machine is broken. They really want coffee. They press the button repeatedly twenty times. Twenty tickets are raised for one incident.</a:t>
+              <a:t>Scenario 2: One person notices the coffee machine is broken. They really want coffee. They press the button repeatedly twenty times. Twenty tickets are raised for one incident.</a:t>
             </a:r>
           </a:p>
           <a:p>
@@ -14569,29 +14462,27 @@
           <a:p>
             <a:r>
               <a:rPr lang="en-US" dirty="0" smtClean="0"/>
+              <a:t>Why use back end system instead of emailing directly?</a:t>
+            </a:r>
+          </a:p>
+          <a:p>
+            <a:r>
+              <a:rPr lang="en-US" dirty="0" smtClean="0"/>
+              <a:t>How do we talk to the back end system?</a:t>
+            </a:r>
+          </a:p>
+          <a:p>
+            <a:r>
+              <a:rPr lang="en-US" dirty="0" smtClean="0"/>
               <a:t>What is the cloud?</a:t>
             </a:r>
           </a:p>
           <a:p>
             <a:r>
               <a:rPr lang="en-US" dirty="0" smtClean="0"/>
-              <a:t>Why use it?</a:t>
-            </a:r>
-          </a:p>
-          <a:p>
-            <a:r>
-              <a:rPr lang="en-US" dirty="0" smtClean="0">
-                <a:solidFill>
-                  <a:srgbClr val="FF0000"/>
-                </a:solidFill>
-              </a:rPr>
-              <a:t>Work with Josh &amp; Vlad to write rest of content</a:t>
-            </a:r>
-            <a:endParaRPr lang="en-US" dirty="0">
-              <a:solidFill>
-                <a:srgbClr val="FF0000"/>
-              </a:solidFill>
-            </a:endParaRPr>
+              <a:t>Update the Raspberry Pi to talk to the API to raise a ticket in ServiceNow</a:t>
+            </a:r>
+            <a:endParaRPr lang="en-US" dirty="0" smtClean="0"/>
           </a:p>
         </p:txBody>
       </p:sp>
@@ -14605,6 +14496,13 @@
   <p:clrMapOvr>
     <a:masterClrMapping/>
   </p:clrMapOvr>
+  <p:timing>
+    <p:tnLst>
+      <p:par>
+        <p:cTn id="1" dur="indefinite" restart="never" nodeType="tmRoot"/>
+      </p:par>
+    </p:tnLst>
+  </p:timing>
 </p:sld>
 </file>
 
@@ -14642,7 +14540,11 @@
           <a:p>
             <a:r>
               <a:rPr lang="en-US" dirty="0" smtClean="0"/>
-              <a:t>Reporting</a:t>
+              <a:t>Reporting with </a:t>
+            </a:r>
+            <a:r>
+              <a:rPr lang="en-US" dirty="0" err="1" smtClean="0"/>
+              <a:t>Servicenow</a:t>
             </a:r>
             <a:endParaRPr lang="en-GB" dirty="0"/>
           </a:p>
@@ -14765,11 +14667,7 @@
           <a:p>
             <a:r>
               <a:rPr lang="en-US" dirty="0" smtClean="0"/>
-              <a:t>Alien </a:t>
-            </a:r>
-            <a:r>
-              <a:rPr lang="en-US" dirty="0" smtClean="0"/>
-              <a:t>Invasion</a:t>
+              <a:t>Alien Invasion</a:t>
             </a:r>
           </a:p>
           <a:p>
@@ -14807,11 +14705,7 @@
             </a:r>
             <a:r>
               <a:rPr lang="en-US"/>
-              <a:t> for </a:t>
-            </a:r>
-            <a:r>
-              <a:rPr lang="en-US"/>
-              <a:t>more </a:t>
+              <a:t> for more </a:t>
             </a:r>
             <a:r>
               <a:rPr lang="en-US" smtClean="0"/>
@@ -15656,13 +15550,8 @@
           <a:p>
             <a:r>
               <a:rPr lang="en-US" dirty="0" smtClean="0"/>
-              <a:t>What is </a:t>
-            </a:r>
-            <a:r>
-              <a:rPr lang="en-US" dirty="0" smtClean="0"/>
-              <a:t>Python?</a:t>
-            </a:r>
-            <a:endParaRPr lang="en-US" dirty="0" smtClean="0"/>
+              <a:t>What is Python?</a:t>
+            </a:r>
           </a:p>
           <a:p>
             <a:r>
@@ -15675,7 +15564,6 @@
               <a:rPr lang="en-US" dirty="0" smtClean="0"/>
               <a:t>The first program: Hello World!</a:t>
             </a:r>
-            <a:endParaRPr lang="en-US" dirty="0" smtClean="0"/>
           </a:p>
           <a:p>
             <a:pPr lvl="1"/>
@@ -15689,7 +15577,6 @@
               <a:rPr lang="en-US" dirty="0" smtClean="0"/>
               <a:t>Running programs</a:t>
             </a:r>
-            <a:endParaRPr lang="en-US" dirty="0" smtClean="0"/>
           </a:p>
           <a:p>
             <a:pPr marL="0" indent="0">

--- a/docs/SMAP Materials Unbranded.pptx
+++ b/docs/SMAP Materials Unbranded.pptx
@@ -191,7 +191,7 @@
           <a:noFill/>
           <a:extLst>
             <a:ext uri="{909E8E84-426E-40dd-AFC4-6F175D3DCCD1}">
-              <a14:hiddenFill xmlns:a14="http://schemas.microsoft.com/office/drawing/2010/main" xmlns="">
+              <a14:hiddenFill xmlns="" xmlns:a14="http://schemas.microsoft.com/office/drawing/2010/main">
                 <a:solidFill>
                   <a:srgbClr val="FFFFFF"/>
                 </a:solidFill>
@@ -251,7 +251,7 @@
             </a:ln>
             <a:extLst>
               <a:ext uri="{91240B29-F687-4f45-9708-019B960494DF}">
-                <a14:hiddenLine xmlns:a14="http://schemas.microsoft.com/office/drawing/2010/main" xmlns="" w="9525">
+                <a14:hiddenLine xmlns="" xmlns:a14="http://schemas.microsoft.com/office/drawing/2010/main" w="9525">
                   <a:solidFill>
                     <a:srgbClr val="000000"/>
                   </a:solidFill>
@@ -341,7 +341,7 @@
             </a:ln>
             <a:extLst>
               <a:ext uri="{91240B29-F687-4f45-9708-019B960494DF}">
-                <a14:hiddenLine xmlns:a14="http://schemas.microsoft.com/office/drawing/2010/main" xmlns="" w="9525">
+                <a14:hiddenLine xmlns="" xmlns:a14="http://schemas.microsoft.com/office/drawing/2010/main" w="9525">
                   <a:solidFill>
                     <a:srgbClr val="000000"/>
                   </a:solidFill>
@@ -431,7 +431,7 @@
             </a:ln>
             <a:extLst>
               <a:ext uri="{91240B29-F687-4f45-9708-019B960494DF}">
-                <a14:hiddenLine xmlns:a14="http://schemas.microsoft.com/office/drawing/2010/main" xmlns="" w="9525">
+                <a14:hiddenLine xmlns="" xmlns:a14="http://schemas.microsoft.com/office/drawing/2010/main" w="9525">
                   <a:solidFill>
                     <a:srgbClr val="000000"/>
                   </a:solidFill>
@@ -465,7 +465,7 @@
             </a:ln>
             <a:extLst>
               <a:ext uri="{91240B29-F687-4f45-9708-019B960494DF}">
-                <a14:hiddenLine xmlns:a14="http://schemas.microsoft.com/office/drawing/2010/main" xmlns="" w="9525">
+                <a14:hiddenLine xmlns="" xmlns:a14="http://schemas.microsoft.com/office/drawing/2010/main" w="9525">
                   <a:solidFill>
                     <a:srgbClr val="000000"/>
                   </a:solidFill>
@@ -555,7 +555,7 @@
             </a:ln>
             <a:extLst>
               <a:ext uri="{91240B29-F687-4f45-9708-019B960494DF}">
-                <a14:hiddenLine xmlns:a14="http://schemas.microsoft.com/office/drawing/2010/main" xmlns="" w="9525">
+                <a14:hiddenLine xmlns="" xmlns:a14="http://schemas.microsoft.com/office/drawing/2010/main" w="9525">
                   <a:solidFill>
                     <a:srgbClr val="000000"/>
                   </a:solidFill>
@@ -617,7 +617,7 @@
             </a:ln>
             <a:extLst>
               <a:ext uri="{91240B29-F687-4f45-9708-019B960494DF}">
-                <a14:hiddenLine xmlns:a14="http://schemas.microsoft.com/office/drawing/2010/main" xmlns="" w="9525">
+                <a14:hiddenLine xmlns="" xmlns:a14="http://schemas.microsoft.com/office/drawing/2010/main" w="9525">
                   <a:solidFill>
                     <a:srgbClr val="000000"/>
                   </a:solidFill>
@@ -679,7 +679,7 @@
             </a:ln>
             <a:extLst>
               <a:ext uri="{91240B29-F687-4f45-9708-019B960494DF}">
-                <a14:hiddenLine xmlns:a14="http://schemas.microsoft.com/office/drawing/2010/main" xmlns="" w="9525">
+                <a14:hiddenLine xmlns="" xmlns:a14="http://schemas.microsoft.com/office/drawing/2010/main" w="9525">
                   <a:solidFill>
                     <a:srgbClr val="000000"/>
                   </a:solidFill>
@@ -769,7 +769,7 @@
             </a:ln>
             <a:extLst>
               <a:ext uri="{91240B29-F687-4f45-9708-019B960494DF}">
-                <a14:hiddenLine xmlns:a14="http://schemas.microsoft.com/office/drawing/2010/main" xmlns="" w="9525">
+                <a14:hiddenLine xmlns="" xmlns:a14="http://schemas.microsoft.com/office/drawing/2010/main" w="9525">
                   <a:solidFill>
                     <a:srgbClr val="000000"/>
                   </a:solidFill>
@@ -831,7 +831,7 @@
             </a:ln>
             <a:extLst>
               <a:ext uri="{91240B29-F687-4f45-9708-019B960494DF}">
-                <a14:hiddenLine xmlns:a14="http://schemas.microsoft.com/office/drawing/2010/main" xmlns="" w="9525">
+                <a14:hiddenLine xmlns="" xmlns:a14="http://schemas.microsoft.com/office/drawing/2010/main" w="9525">
                   <a:solidFill>
                     <a:srgbClr val="000000"/>
                   </a:solidFill>
@@ -893,7 +893,7 @@
             </a:ln>
             <a:extLst>
               <a:ext uri="{91240B29-F687-4f45-9708-019B960494DF}">
-                <a14:hiddenLine xmlns:a14="http://schemas.microsoft.com/office/drawing/2010/main" xmlns="" w="9525">
+                <a14:hiddenLine xmlns="" xmlns:a14="http://schemas.microsoft.com/office/drawing/2010/main" w="9525">
                   <a:solidFill>
                     <a:srgbClr val="000000"/>
                   </a:solidFill>
@@ -983,7 +983,7 @@
             </a:ln>
             <a:extLst>
               <a:ext uri="{91240B29-F687-4f45-9708-019B960494DF}">
-                <a14:hiddenLine xmlns:a14="http://schemas.microsoft.com/office/drawing/2010/main" xmlns="" w="9525">
+                <a14:hiddenLine xmlns="" xmlns:a14="http://schemas.microsoft.com/office/drawing/2010/main" w="9525">
                   <a:solidFill>
                     <a:srgbClr val="000000"/>
                   </a:solidFill>
@@ -1073,7 +1073,7 @@
             </a:ln>
             <a:extLst>
               <a:ext uri="{91240B29-F687-4f45-9708-019B960494DF}">
-                <a14:hiddenLine xmlns:a14="http://schemas.microsoft.com/office/drawing/2010/main" xmlns="" w="9525">
+                <a14:hiddenLine xmlns="" xmlns:a14="http://schemas.microsoft.com/office/drawing/2010/main" w="9525">
                   <a:solidFill>
                     <a:srgbClr val="000000"/>
                   </a:solidFill>
@@ -1135,7 +1135,7 @@
             </a:ln>
             <a:extLst>
               <a:ext uri="{91240B29-F687-4f45-9708-019B960494DF}">
-                <a14:hiddenLine xmlns:a14="http://schemas.microsoft.com/office/drawing/2010/main" xmlns="" w="9525">
+                <a14:hiddenLine xmlns="" xmlns:a14="http://schemas.microsoft.com/office/drawing/2010/main" w="9525">
                   <a:solidFill>
                     <a:srgbClr val="000000"/>
                   </a:solidFill>
@@ -1245,7 +1245,7 @@
             </a:ln>
             <a:extLst>
               <a:ext uri="{91240B29-F687-4f45-9708-019B960494DF}">
-                <a14:hiddenLine xmlns:a14="http://schemas.microsoft.com/office/drawing/2010/main" xmlns="" w="9525">
+                <a14:hiddenLine xmlns="" xmlns:a14="http://schemas.microsoft.com/office/drawing/2010/main" w="9525">
                   <a:solidFill>
                     <a:srgbClr val="000000"/>
                   </a:solidFill>
@@ -1307,7 +1307,7 @@
             </a:ln>
             <a:extLst>
               <a:ext uri="{91240B29-F687-4f45-9708-019B960494DF}">
-                <a14:hiddenLine xmlns:a14="http://schemas.microsoft.com/office/drawing/2010/main" xmlns="" w="9525">
+                <a14:hiddenLine xmlns="" xmlns:a14="http://schemas.microsoft.com/office/drawing/2010/main" w="9525">
                   <a:solidFill>
                     <a:srgbClr val="000000"/>
                   </a:solidFill>
@@ -1397,7 +1397,7 @@
             </a:ln>
             <a:extLst>
               <a:ext uri="{91240B29-F687-4f45-9708-019B960494DF}">
-                <a14:hiddenLine xmlns:a14="http://schemas.microsoft.com/office/drawing/2010/main" xmlns="" w="9525">
+                <a14:hiddenLine xmlns="" xmlns:a14="http://schemas.microsoft.com/office/drawing/2010/main" w="9525">
                   <a:solidFill>
                     <a:srgbClr val="000000"/>
                   </a:solidFill>
@@ -1487,7 +1487,7 @@
             </a:ln>
             <a:extLst>
               <a:ext uri="{91240B29-F687-4f45-9708-019B960494DF}">
-                <a14:hiddenLine xmlns:a14="http://schemas.microsoft.com/office/drawing/2010/main" xmlns="" w="9525">
+                <a14:hiddenLine xmlns="" xmlns:a14="http://schemas.microsoft.com/office/drawing/2010/main" w="9525">
                   <a:solidFill>
                     <a:srgbClr val="000000"/>
                   </a:solidFill>
@@ -1549,7 +1549,7 @@
             </a:ln>
             <a:extLst>
               <a:ext uri="{91240B29-F687-4f45-9708-019B960494DF}">
-                <a14:hiddenLine xmlns:a14="http://schemas.microsoft.com/office/drawing/2010/main" xmlns="" w="9525">
+                <a14:hiddenLine xmlns="" xmlns:a14="http://schemas.microsoft.com/office/drawing/2010/main" w="9525">
                   <a:solidFill>
                     <a:srgbClr val="000000"/>
                   </a:solidFill>
@@ -1639,7 +1639,7 @@
             </a:ln>
             <a:extLst>
               <a:ext uri="{91240B29-F687-4f45-9708-019B960494DF}">
-                <a14:hiddenLine xmlns:a14="http://schemas.microsoft.com/office/drawing/2010/main" xmlns="" w="9525">
+                <a14:hiddenLine xmlns="" xmlns:a14="http://schemas.microsoft.com/office/drawing/2010/main" w="9525">
                   <a:solidFill>
                     <a:srgbClr val="000000"/>
                   </a:solidFill>
@@ -1729,7 +1729,7 @@
             </a:ln>
             <a:extLst>
               <a:ext uri="{91240B29-F687-4f45-9708-019B960494DF}">
-                <a14:hiddenLine xmlns:a14="http://schemas.microsoft.com/office/drawing/2010/main" xmlns="" w="9525">
+                <a14:hiddenLine xmlns="" xmlns:a14="http://schemas.microsoft.com/office/drawing/2010/main" w="9525">
                   <a:solidFill>
                     <a:srgbClr val="000000"/>
                   </a:solidFill>
@@ -1785,7 +1785,7 @@
             </a:ln>
             <a:extLst>
               <a:ext uri="{91240B29-F687-4f45-9708-019B960494DF}">
-                <a14:hiddenLine xmlns:a14="http://schemas.microsoft.com/office/drawing/2010/main" xmlns="" w="9525">
+                <a14:hiddenLine xmlns="" xmlns:a14="http://schemas.microsoft.com/office/drawing/2010/main" w="9525">
                   <a:solidFill>
                     <a:srgbClr val="000000"/>
                   </a:solidFill>
@@ -1875,7 +1875,7 @@
             </a:ln>
             <a:extLst>
               <a:ext uri="{91240B29-F687-4f45-9708-019B960494DF}">
-                <a14:hiddenLine xmlns:a14="http://schemas.microsoft.com/office/drawing/2010/main" xmlns="" w="9525">
+                <a14:hiddenLine xmlns="" xmlns:a14="http://schemas.microsoft.com/office/drawing/2010/main" w="9525">
                   <a:solidFill>
                     <a:srgbClr val="000000"/>
                   </a:solidFill>
@@ -1931,7 +1931,7 @@
             </a:ln>
             <a:extLst>
               <a:ext uri="{91240B29-F687-4f45-9708-019B960494DF}">
-                <a14:hiddenLine xmlns:a14="http://schemas.microsoft.com/office/drawing/2010/main" xmlns="" w="9525">
+                <a14:hiddenLine xmlns="" xmlns:a14="http://schemas.microsoft.com/office/drawing/2010/main" w="9525">
                   <a:solidFill>
                     <a:srgbClr val="000000"/>
                   </a:solidFill>
@@ -2021,7 +2021,7 @@
             </a:ln>
             <a:extLst>
               <a:ext uri="{91240B29-F687-4f45-9708-019B960494DF}">
-                <a14:hiddenLine xmlns:a14="http://schemas.microsoft.com/office/drawing/2010/main" xmlns="" w="9525">
+                <a14:hiddenLine xmlns="" xmlns:a14="http://schemas.microsoft.com/office/drawing/2010/main" w="9525">
                   <a:solidFill>
                     <a:srgbClr val="000000"/>
                   </a:solidFill>
@@ -2089,7 +2089,7 @@
             </a:ln>
             <a:extLst>
               <a:ext uri="{91240B29-F687-4f45-9708-019B960494DF}">
-                <a14:hiddenLine xmlns:a14="http://schemas.microsoft.com/office/drawing/2010/main" xmlns="" w="9525">
+                <a14:hiddenLine xmlns="" xmlns:a14="http://schemas.microsoft.com/office/drawing/2010/main" w="9525">
                   <a:solidFill>
                     <a:srgbClr val="000000"/>
                   </a:solidFill>
@@ -2179,7 +2179,7 @@
             </a:ln>
             <a:extLst>
               <a:ext uri="{91240B29-F687-4f45-9708-019B960494DF}">
-                <a14:hiddenLine xmlns:a14="http://schemas.microsoft.com/office/drawing/2010/main" xmlns="" w="9525">
+                <a14:hiddenLine xmlns="" xmlns:a14="http://schemas.microsoft.com/office/drawing/2010/main" w="9525">
                   <a:solidFill>
                     <a:srgbClr val="000000"/>
                   </a:solidFill>
@@ -2247,7 +2247,7 @@
             </a:ln>
             <a:extLst>
               <a:ext uri="{91240B29-F687-4f45-9708-019B960494DF}">
-                <a14:hiddenLine xmlns:a14="http://schemas.microsoft.com/office/drawing/2010/main" xmlns="" w="9525">
+                <a14:hiddenLine xmlns="" xmlns:a14="http://schemas.microsoft.com/office/drawing/2010/main" w="9525">
                   <a:solidFill>
                     <a:srgbClr val="000000"/>
                   </a:solidFill>
@@ -2337,7 +2337,7 @@
             </a:ln>
             <a:extLst>
               <a:ext uri="{91240B29-F687-4f45-9708-019B960494DF}">
-                <a14:hiddenLine xmlns:a14="http://schemas.microsoft.com/office/drawing/2010/main" xmlns="" w="9525">
+                <a14:hiddenLine xmlns="" xmlns:a14="http://schemas.microsoft.com/office/drawing/2010/main" w="9525">
                   <a:solidFill>
                     <a:srgbClr val="000000"/>
                   </a:solidFill>
@@ -2371,7 +2371,7 @@
             </a:ln>
             <a:extLst>
               <a:ext uri="{91240B29-F687-4f45-9708-019B960494DF}">
-                <a14:hiddenLine xmlns:a14="http://schemas.microsoft.com/office/drawing/2010/main" xmlns="" w="9525">
+                <a14:hiddenLine xmlns="" xmlns:a14="http://schemas.microsoft.com/office/drawing/2010/main" w="9525">
                   <a:solidFill>
                     <a:srgbClr val="000000"/>
                   </a:solidFill>
@@ -2461,7 +2461,7 @@
             </a:ln>
             <a:extLst>
               <a:ext uri="{91240B29-F687-4f45-9708-019B960494DF}">
-                <a14:hiddenLine xmlns:a14="http://schemas.microsoft.com/office/drawing/2010/main" xmlns="" w="9525">
+                <a14:hiddenLine xmlns="" xmlns:a14="http://schemas.microsoft.com/office/drawing/2010/main" w="9525">
                   <a:solidFill>
                     <a:srgbClr val="000000"/>
                   </a:solidFill>
@@ -2523,7 +2523,7 @@
             </a:ln>
             <a:extLst>
               <a:ext uri="{91240B29-F687-4f45-9708-019B960494DF}">
-                <a14:hiddenLine xmlns:a14="http://schemas.microsoft.com/office/drawing/2010/main" xmlns="" w="9525">
+                <a14:hiddenLine xmlns="" xmlns:a14="http://schemas.microsoft.com/office/drawing/2010/main" w="9525">
                   <a:solidFill>
                     <a:srgbClr val="000000"/>
                   </a:solidFill>
@@ -2585,7 +2585,7 @@
             </a:ln>
             <a:extLst>
               <a:ext uri="{91240B29-F687-4f45-9708-019B960494DF}">
-                <a14:hiddenLine xmlns:a14="http://schemas.microsoft.com/office/drawing/2010/main" xmlns="" w="9525">
+                <a14:hiddenLine xmlns="" xmlns:a14="http://schemas.microsoft.com/office/drawing/2010/main" w="9525">
                   <a:solidFill>
                     <a:srgbClr val="000000"/>
                   </a:solidFill>
@@ -2675,7 +2675,7 @@
             </a:ln>
             <a:extLst>
               <a:ext uri="{91240B29-F687-4f45-9708-019B960494DF}">
-                <a14:hiddenLine xmlns:a14="http://schemas.microsoft.com/office/drawing/2010/main" xmlns="" w="9525">
+                <a14:hiddenLine xmlns="" xmlns:a14="http://schemas.microsoft.com/office/drawing/2010/main" w="9525">
                   <a:solidFill>
                     <a:srgbClr val="000000"/>
                   </a:solidFill>
@@ -2743,7 +2743,7 @@
             </a:ln>
             <a:extLst>
               <a:ext uri="{91240B29-F687-4f45-9708-019B960494DF}">
-                <a14:hiddenLine xmlns:a14="http://schemas.microsoft.com/office/drawing/2010/main" xmlns="" w="9525">
+                <a14:hiddenLine xmlns="" xmlns:a14="http://schemas.microsoft.com/office/drawing/2010/main" w="9525">
                   <a:solidFill>
                     <a:srgbClr val="000000"/>
                   </a:solidFill>
@@ -2805,7 +2805,7 @@
             </a:ln>
             <a:extLst>
               <a:ext uri="{91240B29-F687-4f45-9708-019B960494DF}">
-                <a14:hiddenLine xmlns:a14="http://schemas.microsoft.com/office/drawing/2010/main" xmlns="" w="9525">
+                <a14:hiddenLine xmlns="" xmlns:a14="http://schemas.microsoft.com/office/drawing/2010/main" w="9525">
                   <a:solidFill>
                     <a:srgbClr val="000000"/>
                   </a:solidFill>
@@ -2895,7 +2895,7 @@
             </a:ln>
             <a:extLst>
               <a:ext uri="{91240B29-F687-4f45-9708-019B960494DF}">
-                <a14:hiddenLine xmlns:a14="http://schemas.microsoft.com/office/drawing/2010/main" xmlns="" w="9525">
+                <a14:hiddenLine xmlns="" xmlns:a14="http://schemas.microsoft.com/office/drawing/2010/main" w="9525">
                   <a:solidFill>
                     <a:srgbClr val="000000"/>
                   </a:solidFill>
@@ -2957,7 +2957,7 @@
             </a:ln>
             <a:extLst>
               <a:ext uri="{91240B29-F687-4f45-9708-019B960494DF}">
-                <a14:hiddenLine xmlns:a14="http://schemas.microsoft.com/office/drawing/2010/main" xmlns="" w="9525">
+                <a14:hiddenLine xmlns="" xmlns:a14="http://schemas.microsoft.com/office/drawing/2010/main" w="9525">
                   <a:solidFill>
                     <a:srgbClr val="000000"/>
                   </a:solidFill>
@@ -3047,7 +3047,7 @@
             </a:ln>
             <a:extLst>
               <a:ext uri="{91240B29-F687-4f45-9708-019B960494DF}">
-                <a14:hiddenLine xmlns:a14="http://schemas.microsoft.com/office/drawing/2010/main" xmlns="" w="9525">
+                <a14:hiddenLine xmlns="" xmlns:a14="http://schemas.microsoft.com/office/drawing/2010/main" w="9525">
                   <a:solidFill>
                     <a:srgbClr val="000000"/>
                   </a:solidFill>
@@ -3109,7 +3109,7 @@
             </a:ln>
             <a:extLst>
               <a:ext uri="{91240B29-F687-4f45-9708-019B960494DF}">
-                <a14:hiddenLine xmlns:a14="http://schemas.microsoft.com/office/drawing/2010/main" xmlns="" w="9525">
+                <a14:hiddenLine xmlns="" xmlns:a14="http://schemas.microsoft.com/office/drawing/2010/main" w="9525">
                   <a:solidFill>
                     <a:srgbClr val="000000"/>
                   </a:solidFill>
@@ -3199,7 +3199,7 @@
             </a:ln>
             <a:extLst>
               <a:ext uri="{91240B29-F687-4f45-9708-019B960494DF}">
-                <a14:hiddenLine xmlns:a14="http://schemas.microsoft.com/office/drawing/2010/main" xmlns="" w="9525">
+                <a14:hiddenLine xmlns="" xmlns:a14="http://schemas.microsoft.com/office/drawing/2010/main" w="9525">
                   <a:solidFill>
                     <a:srgbClr val="000000"/>
                   </a:solidFill>
@@ -3233,7 +3233,7 @@
             </a:ln>
             <a:extLst>
               <a:ext uri="{91240B29-F687-4f45-9708-019B960494DF}">
-                <a14:hiddenLine xmlns:a14="http://schemas.microsoft.com/office/drawing/2010/main" xmlns="" w="9525">
+                <a14:hiddenLine xmlns="" xmlns:a14="http://schemas.microsoft.com/office/drawing/2010/main" w="9525">
                   <a:solidFill>
                     <a:srgbClr val="000000"/>
                   </a:solidFill>
@@ -3298,7 +3298,7 @@
             </a:ln>
             <a:extLst>
               <a:ext uri="{91240B29-F687-4f45-9708-019B960494DF}">
-                <a14:hiddenLine xmlns:a14="http://schemas.microsoft.com/office/drawing/2010/main" xmlns="" w="9525">
+                <a14:hiddenLine xmlns="" xmlns:a14="http://schemas.microsoft.com/office/drawing/2010/main" w="9525">
                   <a:solidFill>
                     <a:srgbClr val="000000"/>
                   </a:solidFill>
@@ -3388,7 +3388,7 @@
             </a:ln>
             <a:extLst>
               <a:ext uri="{91240B29-F687-4f45-9708-019B960494DF}">
-                <a14:hiddenLine xmlns:a14="http://schemas.microsoft.com/office/drawing/2010/main" xmlns="" w="9525">
+                <a14:hiddenLine xmlns="" xmlns:a14="http://schemas.microsoft.com/office/drawing/2010/main" w="9525">
                   <a:solidFill>
                     <a:srgbClr val="000000"/>
                   </a:solidFill>
@@ -3450,7 +3450,7 @@
             </a:ln>
             <a:extLst>
               <a:ext uri="{91240B29-F687-4f45-9708-019B960494DF}">
-                <a14:hiddenLine xmlns:a14="http://schemas.microsoft.com/office/drawing/2010/main" xmlns="" w="9525">
+                <a14:hiddenLine xmlns="" xmlns:a14="http://schemas.microsoft.com/office/drawing/2010/main" w="9525">
                   <a:solidFill>
                     <a:srgbClr val="000000"/>
                   </a:solidFill>
@@ -3540,7 +3540,7 @@
             </a:ln>
             <a:extLst>
               <a:ext uri="{91240B29-F687-4f45-9708-019B960494DF}">
-                <a14:hiddenLine xmlns:a14="http://schemas.microsoft.com/office/drawing/2010/main" xmlns="" w="9525">
+                <a14:hiddenLine xmlns="" xmlns:a14="http://schemas.microsoft.com/office/drawing/2010/main" w="9525">
                   <a:solidFill>
                     <a:srgbClr val="000000"/>
                   </a:solidFill>
@@ -3630,7 +3630,7 @@
             </a:ln>
             <a:extLst>
               <a:ext uri="{91240B29-F687-4f45-9708-019B960494DF}">
-                <a14:hiddenLine xmlns:a14="http://schemas.microsoft.com/office/drawing/2010/main" xmlns="" w="9525">
+                <a14:hiddenLine xmlns="" xmlns:a14="http://schemas.microsoft.com/office/drawing/2010/main" w="9525">
                   <a:solidFill>
                     <a:srgbClr val="000000"/>
                   </a:solidFill>
@@ -3695,7 +3695,7 @@
             </a:ln>
             <a:extLst>
               <a:ext uri="{91240B29-F687-4f45-9708-019B960494DF}">
-                <a14:hiddenLine xmlns:a14="http://schemas.microsoft.com/office/drawing/2010/main" xmlns="" w="9525">
+                <a14:hiddenLine xmlns="" xmlns:a14="http://schemas.microsoft.com/office/drawing/2010/main" w="9525">
                   <a:solidFill>
                     <a:srgbClr val="000000"/>
                   </a:solidFill>
@@ -3757,7 +3757,7 @@
             </a:ln>
             <a:extLst>
               <a:ext uri="{91240B29-F687-4f45-9708-019B960494DF}">
-                <a14:hiddenLine xmlns:a14="http://schemas.microsoft.com/office/drawing/2010/main" xmlns="" w="9525">
+                <a14:hiddenLine xmlns="" xmlns:a14="http://schemas.microsoft.com/office/drawing/2010/main" w="9525">
                   <a:solidFill>
                     <a:srgbClr val="000000"/>
                   </a:solidFill>
@@ -3847,7 +3847,7 @@
             </a:ln>
             <a:extLst>
               <a:ext uri="{91240B29-F687-4f45-9708-019B960494DF}">
-                <a14:hiddenLine xmlns:a14="http://schemas.microsoft.com/office/drawing/2010/main" xmlns="" w="9525">
+                <a14:hiddenLine xmlns="" xmlns:a14="http://schemas.microsoft.com/office/drawing/2010/main" w="9525">
                   <a:solidFill>
                     <a:srgbClr val="000000"/>
                   </a:solidFill>
@@ -3937,7 +3937,7 @@
             </a:ln>
             <a:extLst>
               <a:ext uri="{91240B29-F687-4f45-9708-019B960494DF}">
-                <a14:hiddenLine xmlns:a14="http://schemas.microsoft.com/office/drawing/2010/main" xmlns="" w="9525">
+                <a14:hiddenLine xmlns="" xmlns:a14="http://schemas.microsoft.com/office/drawing/2010/main" w="9525">
                   <a:solidFill>
                     <a:srgbClr val="000000"/>
                   </a:solidFill>
@@ -3999,7 +3999,7 @@
             </a:ln>
             <a:extLst>
               <a:ext uri="{91240B29-F687-4f45-9708-019B960494DF}">
-                <a14:hiddenLine xmlns:a14="http://schemas.microsoft.com/office/drawing/2010/main" xmlns="" w="9525">
+                <a14:hiddenLine xmlns="" xmlns:a14="http://schemas.microsoft.com/office/drawing/2010/main" w="9525">
                   <a:solidFill>
                     <a:srgbClr val="000000"/>
                   </a:solidFill>
@@ -4119,7 +4119,7 @@
             </a:ln>
             <a:extLst>
               <a:ext uri="{91240B29-F687-4f45-9708-019B960494DF}">
-                <a14:hiddenLine xmlns:a14="http://schemas.microsoft.com/office/drawing/2010/main" xmlns="" w="9525">
+                <a14:hiddenLine xmlns="" xmlns:a14="http://schemas.microsoft.com/office/drawing/2010/main" w="9525">
                   <a:solidFill>
                     <a:srgbClr val="000000"/>
                   </a:solidFill>
@@ -4187,7 +4187,7 @@
             </a:ln>
             <a:extLst>
               <a:ext uri="{91240B29-F687-4f45-9708-019B960494DF}">
-                <a14:hiddenLine xmlns:a14="http://schemas.microsoft.com/office/drawing/2010/main" xmlns="" w="9525">
+                <a14:hiddenLine xmlns="" xmlns:a14="http://schemas.microsoft.com/office/drawing/2010/main" w="9525">
                   <a:solidFill>
                     <a:srgbClr val="000000"/>
                   </a:solidFill>
@@ -4277,7 +4277,7 @@
             </a:ln>
             <a:extLst>
               <a:ext uri="{91240B29-F687-4f45-9708-019B960494DF}">
-                <a14:hiddenLine xmlns:a14="http://schemas.microsoft.com/office/drawing/2010/main" xmlns="" w="9525">
+                <a14:hiddenLine xmlns="" xmlns:a14="http://schemas.microsoft.com/office/drawing/2010/main" w="9525">
                   <a:solidFill>
                     <a:srgbClr val="000000"/>
                   </a:solidFill>
@@ -4417,7 +4417,7 @@
           <a:p>
             <a:fld id="{48A87A34-81AB-432B-8DAE-1953F412C126}" type="datetimeFigureOut">
               <a:rPr lang="en-US" dirty="0"/>
-              <a:t>7/18/2019</a:t>
+              <a:t>7/19/2019</a:t>
             </a:fld>
             <a:endParaRPr lang="en-US" dirty="0"/>
           </a:p>
@@ -4679,7 +4679,7 @@
           <a:p>
             <a:fld id="{48A87A34-81AB-432B-8DAE-1953F412C126}" type="datetimeFigureOut">
               <a:rPr lang="en-US" dirty="0"/>
-              <a:t>7/18/2019</a:t>
+              <a:t>7/19/2019</a:t>
             </a:fld>
             <a:endParaRPr lang="en-US" dirty="0"/>
           </a:p>
@@ -4870,7 +4870,7 @@
           <a:p>
             <a:fld id="{48A87A34-81AB-432B-8DAE-1953F412C126}" type="datetimeFigureOut">
               <a:rPr lang="en-US" dirty="0"/>
-              <a:t>7/18/2019</a:t>
+              <a:t>7/19/2019</a:t>
             </a:fld>
             <a:endParaRPr lang="en-US" dirty="0"/>
           </a:p>
@@ -5128,7 +5128,7 @@
           <a:p>
             <a:fld id="{48A87A34-81AB-432B-8DAE-1953F412C126}" type="datetimeFigureOut">
               <a:rPr lang="en-US" dirty="0"/>
-              <a:t>7/18/2019</a:t>
+              <a:t>7/19/2019</a:t>
             </a:fld>
             <a:endParaRPr lang="en-US" dirty="0"/>
           </a:p>
@@ -5557,7 +5557,7 @@
           <a:p>
             <a:fld id="{48A87A34-81AB-432B-8DAE-1953F412C126}" type="datetimeFigureOut">
               <a:rPr lang="en-US" dirty="0"/>
-              <a:t>7/18/2019</a:t>
+              <a:t>7/19/2019</a:t>
             </a:fld>
             <a:endParaRPr lang="en-US" dirty="0"/>
           </a:p>
@@ -6098,7 +6098,7 @@
           <a:p>
             <a:fld id="{48A87A34-81AB-432B-8DAE-1953F412C126}" type="datetimeFigureOut">
               <a:rPr lang="en-US" dirty="0"/>
-              <a:t>7/18/2019</a:t>
+              <a:t>7/19/2019</a:t>
             </a:fld>
             <a:endParaRPr lang="en-US" dirty="0"/>
           </a:p>
@@ -6813,7 +6813,7 @@
           <a:p>
             <a:fld id="{48A87A34-81AB-432B-8DAE-1953F412C126}" type="datetimeFigureOut">
               <a:rPr lang="en-US" dirty="0"/>
-              <a:t>7/18/2019</a:t>
+              <a:t>7/19/2019</a:t>
             </a:fld>
             <a:endParaRPr lang="en-US" dirty="0"/>
           </a:p>
@@ -6978,7 +6978,7 @@
           <a:p>
             <a:fld id="{48A87A34-81AB-432B-8DAE-1953F412C126}" type="datetimeFigureOut">
               <a:rPr lang="en-US" dirty="0"/>
-              <a:t>7/18/2019</a:t>
+              <a:t>7/19/2019</a:t>
             </a:fld>
             <a:endParaRPr lang="en-US" dirty="0"/>
           </a:p>
@@ -7153,7 +7153,7 @@
           <a:p>
             <a:fld id="{48A87A34-81AB-432B-8DAE-1953F412C126}" type="datetimeFigureOut">
               <a:rPr lang="en-US" dirty="0"/>
-              <a:t>7/18/2019</a:t>
+              <a:t>7/19/2019</a:t>
             </a:fld>
             <a:endParaRPr lang="en-US" dirty="0"/>
           </a:p>
@@ -7318,7 +7318,7 @@
           <a:p>
             <a:fld id="{48A87A34-81AB-432B-8DAE-1953F412C126}" type="datetimeFigureOut">
               <a:rPr lang="en-US" dirty="0"/>
-              <a:t>7/18/2019</a:t>
+              <a:t>7/19/2019</a:t>
             </a:fld>
             <a:endParaRPr lang="en-US" dirty="0"/>
           </a:p>
@@ -7563,7 +7563,7 @@
           <a:p>
             <a:fld id="{48A87A34-81AB-432B-8DAE-1953F412C126}" type="datetimeFigureOut">
               <a:rPr lang="en-US" dirty="0"/>
-              <a:t>7/18/2019</a:t>
+              <a:t>7/19/2019</a:t>
             </a:fld>
             <a:endParaRPr lang="en-US" dirty="0"/>
           </a:p>
@@ -7790,7 +7790,7 @@
           <a:p>
             <a:fld id="{48A87A34-81AB-432B-8DAE-1953F412C126}" type="datetimeFigureOut">
               <a:rPr lang="en-US" dirty="0"/>
-              <a:t>7/18/2019</a:t>
+              <a:t>7/19/2019</a:t>
             </a:fld>
             <a:endParaRPr lang="en-US" dirty="0"/>
           </a:p>
@@ -8166,7 +8166,7 @@
           <a:p>
             <a:fld id="{48A87A34-81AB-432B-8DAE-1953F412C126}" type="datetimeFigureOut">
               <a:rPr lang="en-US" dirty="0"/>
-              <a:t>7/18/2019</a:t>
+              <a:t>7/19/2019</a:t>
             </a:fld>
             <a:endParaRPr lang="en-US" dirty="0"/>
           </a:p>
@@ -8279,7 +8279,7 @@
           <a:p>
             <a:fld id="{48A87A34-81AB-432B-8DAE-1953F412C126}" type="datetimeFigureOut">
               <a:rPr lang="en-US" dirty="0"/>
-              <a:t>7/18/2019</a:t>
+              <a:t>7/19/2019</a:t>
             </a:fld>
             <a:endParaRPr lang="en-US" dirty="0"/>
           </a:p>
@@ -8369,7 +8369,7 @@
           <a:p>
             <a:fld id="{48A87A34-81AB-432B-8DAE-1953F412C126}" type="datetimeFigureOut">
               <a:rPr lang="en-US" dirty="0"/>
-              <a:t>7/18/2019</a:t>
+              <a:t>7/19/2019</a:t>
             </a:fld>
             <a:endParaRPr lang="en-US" dirty="0"/>
           </a:p>
@@ -8613,7 +8613,7 @@
           <a:p>
             <a:fld id="{48A87A34-81AB-432B-8DAE-1953F412C126}" type="datetimeFigureOut">
               <a:rPr lang="en-US" dirty="0"/>
-              <a:t>7/18/2019</a:t>
+              <a:t>7/19/2019</a:t>
             </a:fld>
             <a:endParaRPr lang="en-US" dirty="0"/>
           </a:p>
@@ -8888,7 +8888,7 @@
           <a:p>
             <a:fld id="{48A87A34-81AB-432B-8DAE-1953F412C126}" type="datetimeFigureOut">
               <a:rPr lang="en-US" dirty="0"/>
-              <a:t>7/18/2019</a:t>
+              <a:t>7/19/2019</a:t>
             </a:fld>
             <a:endParaRPr lang="en-US" dirty="0"/>
           </a:p>
@@ -8999,7 +8999,7 @@
           <a:noFill/>
           <a:extLst>
             <a:ext uri="{909E8E84-426E-40dd-AFC4-6F175D3DCCD1}">
-              <a14:hiddenFill xmlns:a14="http://schemas.microsoft.com/office/drawing/2010/main" xmlns="">
+              <a14:hiddenFill xmlns="" xmlns:a14="http://schemas.microsoft.com/office/drawing/2010/main">
                 <a:solidFill>
                   <a:srgbClr val="FFFFFF"/>
                 </a:solidFill>
@@ -9073,7 +9073,7 @@
               </a:ln>
               <a:extLst>
                 <a:ext uri="{91240B29-F687-4f45-9708-019B960494DF}">
-                  <a14:hiddenLine xmlns:a14="http://schemas.microsoft.com/office/drawing/2010/main" xmlns="" w="9525">
+                  <a14:hiddenLine xmlns="" xmlns:a14="http://schemas.microsoft.com/office/drawing/2010/main" w="9525">
                     <a:solidFill>
                       <a:srgbClr val="000000"/>
                     </a:solidFill>
@@ -9163,7 +9163,7 @@
               </a:ln>
               <a:extLst>
                 <a:ext uri="{91240B29-F687-4f45-9708-019B960494DF}">
-                  <a14:hiddenLine xmlns:a14="http://schemas.microsoft.com/office/drawing/2010/main" xmlns="" w="9525">
+                  <a14:hiddenLine xmlns="" xmlns:a14="http://schemas.microsoft.com/office/drawing/2010/main" w="9525">
                     <a:solidFill>
                       <a:srgbClr val="000000"/>
                     </a:solidFill>
@@ -9253,7 +9253,7 @@
               </a:ln>
               <a:extLst>
                 <a:ext uri="{91240B29-F687-4f45-9708-019B960494DF}">
-                  <a14:hiddenLine xmlns:a14="http://schemas.microsoft.com/office/drawing/2010/main" xmlns="" w="9525">
+                  <a14:hiddenLine xmlns="" xmlns:a14="http://schemas.microsoft.com/office/drawing/2010/main" w="9525">
                     <a:solidFill>
                       <a:srgbClr val="000000"/>
                     </a:solidFill>
@@ -9315,7 +9315,7 @@
               </a:ln>
               <a:extLst>
                 <a:ext uri="{91240B29-F687-4f45-9708-019B960494DF}">
-                  <a14:hiddenLine xmlns:a14="http://schemas.microsoft.com/office/drawing/2010/main" xmlns="" w="9525">
+                  <a14:hiddenLine xmlns="" xmlns:a14="http://schemas.microsoft.com/office/drawing/2010/main" w="9525">
                     <a:solidFill>
                       <a:srgbClr val="000000"/>
                     </a:solidFill>
@@ -9405,7 +9405,7 @@
               </a:ln>
               <a:extLst>
                 <a:ext uri="{91240B29-F687-4f45-9708-019B960494DF}">
-                  <a14:hiddenLine xmlns:a14="http://schemas.microsoft.com/office/drawing/2010/main" xmlns="" w="9525">
+                  <a14:hiddenLine xmlns="" xmlns:a14="http://schemas.microsoft.com/office/drawing/2010/main" w="9525">
                     <a:solidFill>
                       <a:srgbClr val="000000"/>
                     </a:solidFill>
@@ -9467,7 +9467,7 @@
               </a:ln>
               <a:extLst>
                 <a:ext uri="{91240B29-F687-4f45-9708-019B960494DF}">
-                  <a14:hiddenLine xmlns:a14="http://schemas.microsoft.com/office/drawing/2010/main" xmlns="" w="9525">
+                  <a14:hiddenLine xmlns="" xmlns:a14="http://schemas.microsoft.com/office/drawing/2010/main" w="9525">
                     <a:solidFill>
                       <a:srgbClr val="000000"/>
                     </a:solidFill>
@@ -9529,7 +9529,7 @@
               </a:ln>
               <a:extLst>
                 <a:ext uri="{91240B29-F687-4f45-9708-019B960494DF}">
-                  <a14:hiddenLine xmlns:a14="http://schemas.microsoft.com/office/drawing/2010/main" xmlns="" w="9525">
+                  <a14:hiddenLine xmlns="" xmlns:a14="http://schemas.microsoft.com/office/drawing/2010/main" w="9525">
                     <a:solidFill>
                       <a:srgbClr val="000000"/>
                     </a:solidFill>
@@ -9619,7 +9619,7 @@
               </a:ln>
               <a:extLst>
                 <a:ext uri="{91240B29-F687-4f45-9708-019B960494DF}">
-                  <a14:hiddenLine xmlns:a14="http://schemas.microsoft.com/office/drawing/2010/main" xmlns="" w="9525">
+                  <a14:hiddenLine xmlns="" xmlns:a14="http://schemas.microsoft.com/office/drawing/2010/main" w="9525">
                     <a:solidFill>
                       <a:srgbClr val="000000"/>
                     </a:solidFill>
@@ -9709,7 +9709,7 @@
               </a:ln>
               <a:extLst>
                 <a:ext uri="{91240B29-F687-4f45-9708-019B960494DF}">
-                  <a14:hiddenLine xmlns:a14="http://schemas.microsoft.com/office/drawing/2010/main" xmlns="" w="9525">
+                  <a14:hiddenLine xmlns="" xmlns:a14="http://schemas.microsoft.com/office/drawing/2010/main" w="9525">
                     <a:solidFill>
                       <a:srgbClr val="000000"/>
                     </a:solidFill>
@@ -9771,7 +9771,7 @@
               </a:ln>
               <a:extLst>
                 <a:ext uri="{91240B29-F687-4f45-9708-019B960494DF}">
-                  <a14:hiddenLine xmlns:a14="http://schemas.microsoft.com/office/drawing/2010/main" xmlns="" w="9525">
+                  <a14:hiddenLine xmlns="" xmlns:a14="http://schemas.microsoft.com/office/drawing/2010/main" w="9525">
                     <a:solidFill>
                       <a:srgbClr val="000000"/>
                     </a:solidFill>
@@ -9881,7 +9881,7 @@
               </a:ln>
               <a:extLst>
                 <a:ext uri="{91240B29-F687-4f45-9708-019B960494DF}">
-                  <a14:hiddenLine xmlns:a14="http://schemas.microsoft.com/office/drawing/2010/main" xmlns="" w="9525">
+                  <a14:hiddenLine xmlns="" xmlns:a14="http://schemas.microsoft.com/office/drawing/2010/main" w="9525">
                     <a:solidFill>
                       <a:srgbClr val="000000"/>
                     </a:solidFill>
@@ -9965,7 +9965,7 @@
               </a:ln>
               <a:extLst>
                 <a:ext uri="{91240B29-F687-4f45-9708-019B960494DF}">
-                  <a14:hiddenLine xmlns:a14="http://schemas.microsoft.com/office/drawing/2010/main" xmlns="" w="9525">
+                  <a14:hiddenLine xmlns="" xmlns:a14="http://schemas.microsoft.com/office/drawing/2010/main" w="9525">
                     <a:solidFill>
                       <a:srgbClr val="000000"/>
                     </a:solidFill>
@@ -10027,7 +10027,7 @@
               </a:ln>
               <a:extLst>
                 <a:ext uri="{91240B29-F687-4f45-9708-019B960494DF}">
-                  <a14:hiddenLine xmlns:a14="http://schemas.microsoft.com/office/drawing/2010/main" xmlns="" w="9525">
+                  <a14:hiddenLine xmlns="" xmlns:a14="http://schemas.microsoft.com/office/drawing/2010/main" w="9525">
                     <a:solidFill>
                       <a:srgbClr val="000000"/>
                     </a:solidFill>
@@ -10089,7 +10089,7 @@
               </a:ln>
               <a:extLst>
                 <a:ext uri="{91240B29-F687-4f45-9708-019B960494DF}">
-                  <a14:hiddenLine xmlns:a14="http://schemas.microsoft.com/office/drawing/2010/main" xmlns="" w="9525">
+                  <a14:hiddenLine xmlns="" xmlns:a14="http://schemas.microsoft.com/office/drawing/2010/main" w="9525">
                     <a:solidFill>
                       <a:srgbClr val="000000"/>
                     </a:solidFill>
@@ -10179,7 +10179,7 @@
               </a:ln>
               <a:extLst>
                 <a:ext uri="{91240B29-F687-4f45-9708-019B960494DF}">
-                  <a14:hiddenLine xmlns:a14="http://schemas.microsoft.com/office/drawing/2010/main" xmlns="" w="9525">
+                  <a14:hiddenLine xmlns="" xmlns:a14="http://schemas.microsoft.com/office/drawing/2010/main" w="9525">
                     <a:solidFill>
                       <a:srgbClr val="000000"/>
                     </a:solidFill>
@@ -10213,7 +10213,7 @@
               </a:ln>
               <a:extLst>
                 <a:ext uri="{91240B29-F687-4f45-9708-019B960494DF}">
-                  <a14:hiddenLine xmlns:a14="http://schemas.microsoft.com/office/drawing/2010/main" xmlns="" w="9525">
+                  <a14:hiddenLine xmlns="" xmlns:a14="http://schemas.microsoft.com/office/drawing/2010/main" w="9525">
                     <a:solidFill>
                       <a:srgbClr val="000000"/>
                     </a:solidFill>
@@ -10278,7 +10278,7 @@
               </a:ln>
               <a:extLst>
                 <a:ext uri="{91240B29-F687-4f45-9708-019B960494DF}">
-                  <a14:hiddenLine xmlns:a14="http://schemas.microsoft.com/office/drawing/2010/main" xmlns="" w="9525">
+                  <a14:hiddenLine xmlns="" xmlns:a14="http://schemas.microsoft.com/office/drawing/2010/main" w="9525">
                     <a:solidFill>
                       <a:srgbClr val="000000"/>
                     </a:solidFill>
@@ -10368,7 +10368,7 @@
               </a:ln>
               <a:extLst>
                 <a:ext uri="{91240B29-F687-4f45-9708-019B960494DF}">
-                  <a14:hiddenLine xmlns:a14="http://schemas.microsoft.com/office/drawing/2010/main" xmlns="" w="9525">
+                  <a14:hiddenLine xmlns="" xmlns:a14="http://schemas.microsoft.com/office/drawing/2010/main" w="9525">
                     <a:solidFill>
                       <a:srgbClr val="000000"/>
                     </a:solidFill>
@@ -10430,7 +10430,7 @@
               </a:ln>
               <a:extLst>
                 <a:ext uri="{91240B29-F687-4f45-9708-019B960494DF}">
-                  <a14:hiddenLine xmlns:a14="http://schemas.microsoft.com/office/drawing/2010/main" xmlns="" w="9525">
+                  <a14:hiddenLine xmlns="" xmlns:a14="http://schemas.microsoft.com/office/drawing/2010/main" w="9525">
                     <a:solidFill>
                       <a:srgbClr val="000000"/>
                     </a:solidFill>
@@ -10520,7 +10520,7 @@
               </a:ln>
               <a:extLst>
                 <a:ext uri="{91240B29-F687-4f45-9708-019B960494DF}">
-                  <a14:hiddenLine xmlns:a14="http://schemas.microsoft.com/office/drawing/2010/main" xmlns="" w="9525">
+                  <a14:hiddenLine xmlns="" xmlns:a14="http://schemas.microsoft.com/office/drawing/2010/main" w="9525">
                     <a:solidFill>
                       <a:srgbClr val="000000"/>
                     </a:solidFill>
@@ -10585,7 +10585,7 @@
               </a:ln>
               <a:extLst>
                 <a:ext uri="{91240B29-F687-4f45-9708-019B960494DF}">
-                  <a14:hiddenLine xmlns:a14="http://schemas.microsoft.com/office/drawing/2010/main" xmlns="" w="9525">
+                  <a14:hiddenLine xmlns="" xmlns:a14="http://schemas.microsoft.com/office/drawing/2010/main" w="9525">
                     <a:solidFill>
                       <a:srgbClr val="000000"/>
                     </a:solidFill>
@@ -10647,7 +10647,7 @@
               </a:ln>
               <a:extLst>
                 <a:ext uri="{91240B29-F687-4f45-9708-019B960494DF}">
-                  <a14:hiddenLine xmlns:a14="http://schemas.microsoft.com/office/drawing/2010/main" xmlns="" w="9525">
+                  <a14:hiddenLine xmlns="" xmlns:a14="http://schemas.microsoft.com/office/drawing/2010/main" w="9525">
                     <a:solidFill>
                       <a:srgbClr val="000000"/>
                     </a:solidFill>
@@ -10737,7 +10737,7 @@
               </a:ln>
               <a:extLst>
                 <a:ext uri="{91240B29-F687-4f45-9708-019B960494DF}">
-                  <a14:hiddenLine xmlns:a14="http://schemas.microsoft.com/office/drawing/2010/main" xmlns="" w="9525">
+                  <a14:hiddenLine xmlns="" xmlns:a14="http://schemas.microsoft.com/office/drawing/2010/main" w="9525">
                     <a:solidFill>
                       <a:srgbClr val="000000"/>
                     </a:solidFill>
@@ -10827,7 +10827,7 @@
               </a:ln>
               <a:extLst>
                 <a:ext uri="{91240B29-F687-4f45-9708-019B960494DF}">
-                  <a14:hiddenLine xmlns:a14="http://schemas.microsoft.com/office/drawing/2010/main" xmlns="" w="9525">
+                  <a14:hiddenLine xmlns="" xmlns:a14="http://schemas.microsoft.com/office/drawing/2010/main" w="9525">
                     <a:solidFill>
                       <a:srgbClr val="000000"/>
                     </a:solidFill>
@@ -10892,7 +10892,7 @@
               </a:ln>
               <a:extLst>
                 <a:ext uri="{91240B29-F687-4f45-9708-019B960494DF}">
-                  <a14:hiddenLine xmlns:a14="http://schemas.microsoft.com/office/drawing/2010/main" xmlns="" w="9525">
+                  <a14:hiddenLine xmlns="" xmlns:a14="http://schemas.microsoft.com/office/drawing/2010/main" w="9525">
                     <a:solidFill>
                       <a:srgbClr val="000000"/>
                     </a:solidFill>
@@ -11012,7 +11012,7 @@
               </a:ln>
               <a:extLst>
                 <a:ext uri="{91240B29-F687-4f45-9708-019B960494DF}">
-                  <a14:hiddenLine xmlns:a14="http://schemas.microsoft.com/office/drawing/2010/main" xmlns="" w="9525">
+                  <a14:hiddenLine xmlns="" xmlns:a14="http://schemas.microsoft.com/office/drawing/2010/main" w="9525">
                     <a:solidFill>
                       <a:srgbClr val="000000"/>
                     </a:solidFill>
@@ -11110,7 +11110,7 @@
               </a:ln>
               <a:extLst>
                 <a:ext uri="{91240B29-F687-4f45-9708-019B960494DF}">
-                  <a14:hiddenLine xmlns:a14="http://schemas.microsoft.com/office/drawing/2010/main" xmlns="" w="9525">
+                  <a14:hiddenLine xmlns="" xmlns:a14="http://schemas.microsoft.com/office/drawing/2010/main" w="9525">
                     <a:solidFill>
                       <a:srgbClr val="000000"/>
                     </a:solidFill>
@@ -11225,7 +11225,7 @@
               </a:ln>
               <a:extLst>
                 <a:ext uri="{91240B29-F687-4f45-9708-019B960494DF}">
-                  <a14:hiddenLine xmlns:a14="http://schemas.microsoft.com/office/drawing/2010/main" xmlns="" w="9525">
+                  <a14:hiddenLine xmlns="" xmlns:a14="http://schemas.microsoft.com/office/drawing/2010/main" w="9525">
                     <a:solidFill>
                       <a:srgbClr val="000000"/>
                     </a:solidFill>
@@ -11315,7 +11315,7 @@
               </a:ln>
               <a:extLst>
                 <a:ext uri="{91240B29-F687-4f45-9708-019B960494DF}">
-                  <a14:hiddenLine xmlns:a14="http://schemas.microsoft.com/office/drawing/2010/main" xmlns="" w="9525">
+                  <a14:hiddenLine xmlns="" xmlns:a14="http://schemas.microsoft.com/office/drawing/2010/main" w="9525">
                     <a:solidFill>
                       <a:srgbClr val="000000"/>
                     </a:solidFill>
@@ -11380,7 +11380,7 @@
               </a:ln>
               <a:extLst>
                 <a:ext uri="{91240B29-F687-4f45-9708-019B960494DF}">
-                  <a14:hiddenLine xmlns:a14="http://schemas.microsoft.com/office/drawing/2010/main" xmlns="" w="9525">
+                  <a14:hiddenLine xmlns="" xmlns:a14="http://schemas.microsoft.com/office/drawing/2010/main" w="9525">
                     <a:solidFill>
                       <a:srgbClr val="000000"/>
                     </a:solidFill>
@@ -11470,7 +11470,7 @@
               </a:ln>
               <a:extLst>
                 <a:ext uri="{91240B29-F687-4f45-9708-019B960494DF}">
-                  <a14:hiddenLine xmlns:a14="http://schemas.microsoft.com/office/drawing/2010/main" xmlns="" w="9525">
+                  <a14:hiddenLine xmlns="" xmlns:a14="http://schemas.microsoft.com/office/drawing/2010/main" w="9525">
                     <a:solidFill>
                       <a:srgbClr val="000000"/>
                     </a:solidFill>
@@ -11538,7 +11538,7 @@
               </a:ln>
               <a:extLst>
                 <a:ext uri="{91240B29-F687-4f45-9708-019B960494DF}">
-                  <a14:hiddenLine xmlns:a14="http://schemas.microsoft.com/office/drawing/2010/main" xmlns="" w="9525">
+                  <a14:hiddenLine xmlns="" xmlns:a14="http://schemas.microsoft.com/office/drawing/2010/main" w="9525">
                     <a:solidFill>
                       <a:srgbClr val="000000"/>
                     </a:solidFill>
@@ -11628,7 +11628,7 @@
               </a:ln>
               <a:extLst>
                 <a:ext uri="{91240B29-F687-4f45-9708-019B960494DF}">
-                  <a14:hiddenLine xmlns:a14="http://schemas.microsoft.com/office/drawing/2010/main" xmlns="" w="9525">
+                  <a14:hiddenLine xmlns="" xmlns:a14="http://schemas.microsoft.com/office/drawing/2010/main" w="9525">
                     <a:solidFill>
                       <a:srgbClr val="000000"/>
                     </a:solidFill>
@@ -11696,7 +11696,7 @@
               </a:ln>
               <a:extLst>
                 <a:ext uri="{91240B29-F687-4f45-9708-019B960494DF}">
-                  <a14:hiddenLine xmlns:a14="http://schemas.microsoft.com/office/drawing/2010/main" xmlns="" w="9525">
+                  <a14:hiddenLine xmlns="" xmlns:a14="http://schemas.microsoft.com/office/drawing/2010/main" w="9525">
                     <a:solidFill>
                       <a:srgbClr val="000000"/>
                     </a:solidFill>
@@ -11786,7 +11786,7 @@
               </a:ln>
               <a:extLst>
                 <a:ext uri="{91240B29-F687-4f45-9708-019B960494DF}">
-                  <a14:hiddenLine xmlns:a14="http://schemas.microsoft.com/office/drawing/2010/main" xmlns="" w="9525">
+                  <a14:hiddenLine xmlns="" xmlns:a14="http://schemas.microsoft.com/office/drawing/2010/main" w="9525">
                     <a:solidFill>
                       <a:srgbClr val="000000"/>
                     </a:solidFill>
@@ -11820,7 +11820,7 @@
               </a:ln>
               <a:extLst>
                 <a:ext uri="{91240B29-F687-4f45-9708-019B960494DF}">
-                  <a14:hiddenLine xmlns:a14="http://schemas.microsoft.com/office/drawing/2010/main" xmlns="" w="9525">
+                  <a14:hiddenLine xmlns="" xmlns:a14="http://schemas.microsoft.com/office/drawing/2010/main" w="9525">
                     <a:solidFill>
                       <a:srgbClr val="000000"/>
                     </a:solidFill>
@@ -11961,7 +11961,7 @@
             <a:fld id="{48A87A34-81AB-432B-8DAE-1953F412C126}" type="datetimeFigureOut">
               <a:rPr lang="en-US" dirty="0"/>
               <a:pPr/>
-              <a:t>7/18/2019</a:t>
+              <a:t>7/19/2019</a:t>
             </a:fld>
             <a:endParaRPr lang="en-US" dirty="0"/>
           </a:p>
@@ -14482,7 +14482,6 @@
               <a:rPr lang="en-US" dirty="0" smtClean="0"/>
               <a:t>Update the Raspberry Pi to talk to the API to raise a ticket in ServiceNow</a:t>
             </a:r>
-            <a:endParaRPr lang="en-US" dirty="0" smtClean="0"/>
           </a:p>
         </p:txBody>
       </p:sp>
@@ -14540,11 +14539,7 @@
           <a:p>
             <a:r>
               <a:rPr lang="en-US" dirty="0" smtClean="0"/>
-              <a:t>Reporting with </a:t>
-            </a:r>
-            <a:r>
-              <a:rPr lang="en-US" dirty="0" err="1" smtClean="0"/>
-              <a:t>Servicenow</a:t>
+              <a:t>Reporting</a:t>
             </a:r>
             <a:endParaRPr lang="en-GB" dirty="0"/>
           </a:p>
@@ -14566,34 +14561,51 @@
           <a:lstStyle/>
           <a:p>
             <a:r>
-              <a:rPr lang="en-US" dirty="0" smtClean="0">
-                <a:solidFill>
-                  <a:srgbClr val="FF0000"/>
-                </a:solidFill>
-              </a:rPr>
-              <a:t>Work with </a:t>
-            </a:r>
-            <a:r>
-              <a:rPr lang="en-US" dirty="0" err="1" smtClean="0">
-                <a:solidFill>
-                  <a:srgbClr val="FF0000"/>
-                </a:solidFill>
-              </a:rPr>
-              <a:t>Kalpana</a:t>
-            </a:r>
-            <a:r>
-              <a:rPr lang="en-US" dirty="0" smtClean="0">
-                <a:solidFill>
-                  <a:srgbClr val="FF0000"/>
-                </a:solidFill>
-              </a:rPr>
-              <a:t> to write content</a:t>
-            </a:r>
-            <a:endParaRPr lang="en-GB" dirty="0">
-              <a:solidFill>
-                <a:srgbClr val="FF0000"/>
-              </a:solidFill>
-            </a:endParaRPr>
+              <a:rPr lang="en-GB" dirty="0" smtClean="0"/>
+              <a:t>Where do you see reporting in your everyday life?</a:t>
+            </a:r>
+          </a:p>
+          <a:p>
+            <a:r>
+              <a:rPr lang="en-GB" dirty="0" smtClean="0"/>
+              <a:t>Why is it important?</a:t>
+            </a:r>
+          </a:p>
+          <a:p>
+            <a:r>
+              <a:rPr lang="en-GB" dirty="0" smtClean="0"/>
+              <a:t>What </a:t>
+            </a:r>
+            <a:r>
+              <a:rPr lang="en-GB" smtClean="0"/>
+              <a:t>does bad/good </a:t>
+            </a:r>
+            <a:r>
+              <a:rPr lang="en-GB" dirty="0" smtClean="0"/>
+              <a:t>reporting look like?</a:t>
+            </a:r>
+          </a:p>
+          <a:p>
+            <a:r>
+              <a:rPr lang="en-GB" dirty="0" smtClean="0"/>
+              <a:t>What do we want to </a:t>
+            </a:r>
+            <a:r>
+              <a:rPr lang="en-GB" dirty="0"/>
+              <a:t>learn from ServiceNow </a:t>
+            </a:r>
+            <a:r>
+              <a:rPr lang="en-GB" dirty="0" smtClean="0"/>
+              <a:t>data</a:t>
+            </a:r>
+            <a:endParaRPr lang="en-GB" dirty="0" smtClean="0"/>
+          </a:p>
+          <a:p>
+            <a:r>
+              <a:rPr lang="en-GB" dirty="0" smtClean="0"/>
+              <a:t>Create your own data visualizations</a:t>
+            </a:r>
+            <a:endParaRPr lang="en-GB" dirty="0"/>
           </a:p>
         </p:txBody>
       </p:sp>

--- a/docs/SMAP Materials Unbranded.pptx
+++ b/docs/SMAP Materials Unbranded.pptx
@@ -12,13 +12,13 @@
     <p:sldId id="263" r:id="rId6"/>
     <p:sldId id="287" r:id="rId7"/>
     <p:sldId id="264" r:id="rId8"/>
-    <p:sldId id="265" r:id="rId9"/>
-    <p:sldId id="266" r:id="rId10"/>
-    <p:sldId id="267" r:id="rId11"/>
-    <p:sldId id="286" r:id="rId12"/>
-    <p:sldId id="268" r:id="rId13"/>
-    <p:sldId id="258" r:id="rId14"/>
-    <p:sldId id="270" r:id="rId15"/>
+    <p:sldId id="267" r:id="rId9"/>
+    <p:sldId id="286" r:id="rId10"/>
+    <p:sldId id="265" r:id="rId11"/>
+    <p:sldId id="268" r:id="rId12"/>
+    <p:sldId id="258" r:id="rId13"/>
+    <p:sldId id="270" r:id="rId14"/>
+    <p:sldId id="266" r:id="rId15"/>
     <p:sldId id="271" r:id="rId16"/>
     <p:sldId id="272" r:id="rId17"/>
     <p:sldId id="274" r:id="rId18"/>
@@ -27,14 +27,17 @@
     <p:sldId id="276" r:id="rId21"/>
     <p:sldId id="277" r:id="rId22"/>
     <p:sldId id="259" r:id="rId23"/>
-    <p:sldId id="281" r:id="rId24"/>
-    <p:sldId id="282" r:id="rId25"/>
-    <p:sldId id="283" r:id="rId26"/>
-    <p:sldId id="260" r:id="rId27"/>
-    <p:sldId id="284" r:id="rId28"/>
-    <p:sldId id="288" r:id="rId29"/>
-    <p:sldId id="285" r:id="rId30"/>
-    <p:sldId id="289" r:id="rId31"/>
+    <p:sldId id="290" r:id="rId24"/>
+    <p:sldId id="281" r:id="rId25"/>
+    <p:sldId id="282" r:id="rId26"/>
+    <p:sldId id="291" r:id="rId27"/>
+    <p:sldId id="283" r:id="rId28"/>
+    <p:sldId id="260" r:id="rId29"/>
+    <p:sldId id="292" r:id="rId30"/>
+    <p:sldId id="284" r:id="rId31"/>
+    <p:sldId id="288" r:id="rId32"/>
+    <p:sldId id="285" r:id="rId33"/>
+    <p:sldId id="289" r:id="rId34"/>
   </p:sldIdLst>
   <p:sldSz cx="12192000" cy="6858000"/>
   <p:notesSz cx="6858000" cy="9144000"/>
@@ -191,7 +194,7 @@
           <a:noFill/>
           <a:extLst>
             <a:ext uri="{909E8E84-426E-40dd-AFC4-6F175D3DCCD1}">
-              <a14:hiddenFill xmlns="" xmlns:a14="http://schemas.microsoft.com/office/drawing/2010/main">
+              <a14:hiddenFill xmlns:a14="http://schemas.microsoft.com/office/drawing/2010/main" xmlns="">
                 <a:solidFill>
                   <a:srgbClr val="FFFFFF"/>
                 </a:solidFill>
@@ -251,7 +254,7 @@
             </a:ln>
             <a:extLst>
               <a:ext uri="{91240B29-F687-4f45-9708-019B960494DF}">
-                <a14:hiddenLine xmlns="" xmlns:a14="http://schemas.microsoft.com/office/drawing/2010/main" w="9525">
+                <a14:hiddenLine xmlns:a14="http://schemas.microsoft.com/office/drawing/2010/main" xmlns="" w="9525">
                   <a:solidFill>
                     <a:srgbClr val="000000"/>
                   </a:solidFill>
@@ -341,7 +344,7 @@
             </a:ln>
             <a:extLst>
               <a:ext uri="{91240B29-F687-4f45-9708-019B960494DF}">
-                <a14:hiddenLine xmlns="" xmlns:a14="http://schemas.microsoft.com/office/drawing/2010/main" w="9525">
+                <a14:hiddenLine xmlns:a14="http://schemas.microsoft.com/office/drawing/2010/main" xmlns="" w="9525">
                   <a:solidFill>
                     <a:srgbClr val="000000"/>
                   </a:solidFill>
@@ -431,7 +434,7 @@
             </a:ln>
             <a:extLst>
               <a:ext uri="{91240B29-F687-4f45-9708-019B960494DF}">
-                <a14:hiddenLine xmlns="" xmlns:a14="http://schemas.microsoft.com/office/drawing/2010/main" w="9525">
+                <a14:hiddenLine xmlns:a14="http://schemas.microsoft.com/office/drawing/2010/main" xmlns="" w="9525">
                   <a:solidFill>
                     <a:srgbClr val="000000"/>
                   </a:solidFill>
@@ -465,7 +468,7 @@
             </a:ln>
             <a:extLst>
               <a:ext uri="{91240B29-F687-4f45-9708-019B960494DF}">
-                <a14:hiddenLine xmlns="" xmlns:a14="http://schemas.microsoft.com/office/drawing/2010/main" w="9525">
+                <a14:hiddenLine xmlns:a14="http://schemas.microsoft.com/office/drawing/2010/main" xmlns="" w="9525">
                   <a:solidFill>
                     <a:srgbClr val="000000"/>
                   </a:solidFill>
@@ -555,7 +558,7 @@
             </a:ln>
             <a:extLst>
               <a:ext uri="{91240B29-F687-4f45-9708-019B960494DF}">
-                <a14:hiddenLine xmlns="" xmlns:a14="http://schemas.microsoft.com/office/drawing/2010/main" w="9525">
+                <a14:hiddenLine xmlns:a14="http://schemas.microsoft.com/office/drawing/2010/main" xmlns="" w="9525">
                   <a:solidFill>
                     <a:srgbClr val="000000"/>
                   </a:solidFill>
@@ -617,7 +620,7 @@
             </a:ln>
             <a:extLst>
               <a:ext uri="{91240B29-F687-4f45-9708-019B960494DF}">
-                <a14:hiddenLine xmlns="" xmlns:a14="http://schemas.microsoft.com/office/drawing/2010/main" w="9525">
+                <a14:hiddenLine xmlns:a14="http://schemas.microsoft.com/office/drawing/2010/main" xmlns="" w="9525">
                   <a:solidFill>
                     <a:srgbClr val="000000"/>
                   </a:solidFill>
@@ -679,7 +682,7 @@
             </a:ln>
             <a:extLst>
               <a:ext uri="{91240B29-F687-4f45-9708-019B960494DF}">
-                <a14:hiddenLine xmlns="" xmlns:a14="http://schemas.microsoft.com/office/drawing/2010/main" w="9525">
+                <a14:hiddenLine xmlns:a14="http://schemas.microsoft.com/office/drawing/2010/main" xmlns="" w="9525">
                   <a:solidFill>
                     <a:srgbClr val="000000"/>
                   </a:solidFill>
@@ -769,7 +772,7 @@
             </a:ln>
             <a:extLst>
               <a:ext uri="{91240B29-F687-4f45-9708-019B960494DF}">
-                <a14:hiddenLine xmlns="" xmlns:a14="http://schemas.microsoft.com/office/drawing/2010/main" w="9525">
+                <a14:hiddenLine xmlns:a14="http://schemas.microsoft.com/office/drawing/2010/main" xmlns="" w="9525">
                   <a:solidFill>
                     <a:srgbClr val="000000"/>
                   </a:solidFill>
@@ -831,7 +834,7 @@
             </a:ln>
             <a:extLst>
               <a:ext uri="{91240B29-F687-4f45-9708-019B960494DF}">
-                <a14:hiddenLine xmlns="" xmlns:a14="http://schemas.microsoft.com/office/drawing/2010/main" w="9525">
+                <a14:hiddenLine xmlns:a14="http://schemas.microsoft.com/office/drawing/2010/main" xmlns="" w="9525">
                   <a:solidFill>
                     <a:srgbClr val="000000"/>
                   </a:solidFill>
@@ -893,7 +896,7 @@
             </a:ln>
             <a:extLst>
               <a:ext uri="{91240B29-F687-4f45-9708-019B960494DF}">
-                <a14:hiddenLine xmlns="" xmlns:a14="http://schemas.microsoft.com/office/drawing/2010/main" w="9525">
+                <a14:hiddenLine xmlns:a14="http://schemas.microsoft.com/office/drawing/2010/main" xmlns="" w="9525">
                   <a:solidFill>
                     <a:srgbClr val="000000"/>
                   </a:solidFill>
@@ -983,7 +986,7 @@
             </a:ln>
             <a:extLst>
               <a:ext uri="{91240B29-F687-4f45-9708-019B960494DF}">
-                <a14:hiddenLine xmlns="" xmlns:a14="http://schemas.microsoft.com/office/drawing/2010/main" w="9525">
+                <a14:hiddenLine xmlns:a14="http://schemas.microsoft.com/office/drawing/2010/main" xmlns="" w="9525">
                   <a:solidFill>
                     <a:srgbClr val="000000"/>
                   </a:solidFill>
@@ -1073,7 +1076,7 @@
             </a:ln>
             <a:extLst>
               <a:ext uri="{91240B29-F687-4f45-9708-019B960494DF}">
-                <a14:hiddenLine xmlns="" xmlns:a14="http://schemas.microsoft.com/office/drawing/2010/main" w="9525">
+                <a14:hiddenLine xmlns:a14="http://schemas.microsoft.com/office/drawing/2010/main" xmlns="" w="9525">
                   <a:solidFill>
                     <a:srgbClr val="000000"/>
                   </a:solidFill>
@@ -1135,7 +1138,7 @@
             </a:ln>
             <a:extLst>
               <a:ext uri="{91240B29-F687-4f45-9708-019B960494DF}">
-                <a14:hiddenLine xmlns="" xmlns:a14="http://schemas.microsoft.com/office/drawing/2010/main" w="9525">
+                <a14:hiddenLine xmlns:a14="http://schemas.microsoft.com/office/drawing/2010/main" xmlns="" w="9525">
                   <a:solidFill>
                     <a:srgbClr val="000000"/>
                   </a:solidFill>
@@ -1245,7 +1248,7 @@
             </a:ln>
             <a:extLst>
               <a:ext uri="{91240B29-F687-4f45-9708-019B960494DF}">
-                <a14:hiddenLine xmlns="" xmlns:a14="http://schemas.microsoft.com/office/drawing/2010/main" w="9525">
+                <a14:hiddenLine xmlns:a14="http://schemas.microsoft.com/office/drawing/2010/main" xmlns="" w="9525">
                   <a:solidFill>
                     <a:srgbClr val="000000"/>
                   </a:solidFill>
@@ -1307,7 +1310,7 @@
             </a:ln>
             <a:extLst>
               <a:ext uri="{91240B29-F687-4f45-9708-019B960494DF}">
-                <a14:hiddenLine xmlns="" xmlns:a14="http://schemas.microsoft.com/office/drawing/2010/main" w="9525">
+                <a14:hiddenLine xmlns:a14="http://schemas.microsoft.com/office/drawing/2010/main" xmlns="" w="9525">
                   <a:solidFill>
                     <a:srgbClr val="000000"/>
                   </a:solidFill>
@@ -1397,7 +1400,7 @@
             </a:ln>
             <a:extLst>
               <a:ext uri="{91240B29-F687-4f45-9708-019B960494DF}">
-                <a14:hiddenLine xmlns="" xmlns:a14="http://schemas.microsoft.com/office/drawing/2010/main" w="9525">
+                <a14:hiddenLine xmlns:a14="http://schemas.microsoft.com/office/drawing/2010/main" xmlns="" w="9525">
                   <a:solidFill>
                     <a:srgbClr val="000000"/>
                   </a:solidFill>
@@ -1487,7 +1490,7 @@
             </a:ln>
             <a:extLst>
               <a:ext uri="{91240B29-F687-4f45-9708-019B960494DF}">
-                <a14:hiddenLine xmlns="" xmlns:a14="http://schemas.microsoft.com/office/drawing/2010/main" w="9525">
+                <a14:hiddenLine xmlns:a14="http://schemas.microsoft.com/office/drawing/2010/main" xmlns="" w="9525">
                   <a:solidFill>
                     <a:srgbClr val="000000"/>
                   </a:solidFill>
@@ -1549,7 +1552,7 @@
             </a:ln>
             <a:extLst>
               <a:ext uri="{91240B29-F687-4f45-9708-019B960494DF}">
-                <a14:hiddenLine xmlns="" xmlns:a14="http://schemas.microsoft.com/office/drawing/2010/main" w="9525">
+                <a14:hiddenLine xmlns:a14="http://schemas.microsoft.com/office/drawing/2010/main" xmlns="" w="9525">
                   <a:solidFill>
                     <a:srgbClr val="000000"/>
                   </a:solidFill>
@@ -1639,7 +1642,7 @@
             </a:ln>
             <a:extLst>
               <a:ext uri="{91240B29-F687-4f45-9708-019B960494DF}">
-                <a14:hiddenLine xmlns="" xmlns:a14="http://schemas.microsoft.com/office/drawing/2010/main" w="9525">
+                <a14:hiddenLine xmlns:a14="http://schemas.microsoft.com/office/drawing/2010/main" xmlns="" w="9525">
                   <a:solidFill>
                     <a:srgbClr val="000000"/>
                   </a:solidFill>
@@ -1729,7 +1732,7 @@
             </a:ln>
             <a:extLst>
               <a:ext uri="{91240B29-F687-4f45-9708-019B960494DF}">
-                <a14:hiddenLine xmlns="" xmlns:a14="http://schemas.microsoft.com/office/drawing/2010/main" w="9525">
+                <a14:hiddenLine xmlns:a14="http://schemas.microsoft.com/office/drawing/2010/main" xmlns="" w="9525">
                   <a:solidFill>
                     <a:srgbClr val="000000"/>
                   </a:solidFill>
@@ -1785,7 +1788,7 @@
             </a:ln>
             <a:extLst>
               <a:ext uri="{91240B29-F687-4f45-9708-019B960494DF}">
-                <a14:hiddenLine xmlns="" xmlns:a14="http://schemas.microsoft.com/office/drawing/2010/main" w="9525">
+                <a14:hiddenLine xmlns:a14="http://schemas.microsoft.com/office/drawing/2010/main" xmlns="" w="9525">
                   <a:solidFill>
                     <a:srgbClr val="000000"/>
                   </a:solidFill>
@@ -1875,7 +1878,7 @@
             </a:ln>
             <a:extLst>
               <a:ext uri="{91240B29-F687-4f45-9708-019B960494DF}">
-                <a14:hiddenLine xmlns="" xmlns:a14="http://schemas.microsoft.com/office/drawing/2010/main" w="9525">
+                <a14:hiddenLine xmlns:a14="http://schemas.microsoft.com/office/drawing/2010/main" xmlns="" w="9525">
                   <a:solidFill>
                     <a:srgbClr val="000000"/>
                   </a:solidFill>
@@ -1931,7 +1934,7 @@
             </a:ln>
             <a:extLst>
               <a:ext uri="{91240B29-F687-4f45-9708-019B960494DF}">
-                <a14:hiddenLine xmlns="" xmlns:a14="http://schemas.microsoft.com/office/drawing/2010/main" w="9525">
+                <a14:hiddenLine xmlns:a14="http://schemas.microsoft.com/office/drawing/2010/main" xmlns="" w="9525">
                   <a:solidFill>
                     <a:srgbClr val="000000"/>
                   </a:solidFill>
@@ -2021,7 +2024,7 @@
             </a:ln>
             <a:extLst>
               <a:ext uri="{91240B29-F687-4f45-9708-019B960494DF}">
-                <a14:hiddenLine xmlns="" xmlns:a14="http://schemas.microsoft.com/office/drawing/2010/main" w="9525">
+                <a14:hiddenLine xmlns:a14="http://schemas.microsoft.com/office/drawing/2010/main" xmlns="" w="9525">
                   <a:solidFill>
                     <a:srgbClr val="000000"/>
                   </a:solidFill>
@@ -2089,7 +2092,7 @@
             </a:ln>
             <a:extLst>
               <a:ext uri="{91240B29-F687-4f45-9708-019B960494DF}">
-                <a14:hiddenLine xmlns="" xmlns:a14="http://schemas.microsoft.com/office/drawing/2010/main" w="9525">
+                <a14:hiddenLine xmlns:a14="http://schemas.microsoft.com/office/drawing/2010/main" xmlns="" w="9525">
                   <a:solidFill>
                     <a:srgbClr val="000000"/>
                   </a:solidFill>
@@ -2179,7 +2182,7 @@
             </a:ln>
             <a:extLst>
               <a:ext uri="{91240B29-F687-4f45-9708-019B960494DF}">
-                <a14:hiddenLine xmlns="" xmlns:a14="http://schemas.microsoft.com/office/drawing/2010/main" w="9525">
+                <a14:hiddenLine xmlns:a14="http://schemas.microsoft.com/office/drawing/2010/main" xmlns="" w="9525">
                   <a:solidFill>
                     <a:srgbClr val="000000"/>
                   </a:solidFill>
@@ -2247,7 +2250,7 @@
             </a:ln>
             <a:extLst>
               <a:ext uri="{91240B29-F687-4f45-9708-019B960494DF}">
-                <a14:hiddenLine xmlns="" xmlns:a14="http://schemas.microsoft.com/office/drawing/2010/main" w="9525">
+                <a14:hiddenLine xmlns:a14="http://schemas.microsoft.com/office/drawing/2010/main" xmlns="" w="9525">
                   <a:solidFill>
                     <a:srgbClr val="000000"/>
                   </a:solidFill>
@@ -2337,7 +2340,7 @@
             </a:ln>
             <a:extLst>
               <a:ext uri="{91240B29-F687-4f45-9708-019B960494DF}">
-                <a14:hiddenLine xmlns="" xmlns:a14="http://schemas.microsoft.com/office/drawing/2010/main" w="9525">
+                <a14:hiddenLine xmlns:a14="http://schemas.microsoft.com/office/drawing/2010/main" xmlns="" w="9525">
                   <a:solidFill>
                     <a:srgbClr val="000000"/>
                   </a:solidFill>
@@ -2371,7 +2374,7 @@
             </a:ln>
             <a:extLst>
               <a:ext uri="{91240B29-F687-4f45-9708-019B960494DF}">
-                <a14:hiddenLine xmlns="" xmlns:a14="http://schemas.microsoft.com/office/drawing/2010/main" w="9525">
+                <a14:hiddenLine xmlns:a14="http://schemas.microsoft.com/office/drawing/2010/main" xmlns="" w="9525">
                   <a:solidFill>
                     <a:srgbClr val="000000"/>
                   </a:solidFill>
@@ -2461,7 +2464,7 @@
             </a:ln>
             <a:extLst>
               <a:ext uri="{91240B29-F687-4f45-9708-019B960494DF}">
-                <a14:hiddenLine xmlns="" xmlns:a14="http://schemas.microsoft.com/office/drawing/2010/main" w="9525">
+                <a14:hiddenLine xmlns:a14="http://schemas.microsoft.com/office/drawing/2010/main" xmlns="" w="9525">
                   <a:solidFill>
                     <a:srgbClr val="000000"/>
                   </a:solidFill>
@@ -2523,7 +2526,7 @@
             </a:ln>
             <a:extLst>
               <a:ext uri="{91240B29-F687-4f45-9708-019B960494DF}">
-                <a14:hiddenLine xmlns="" xmlns:a14="http://schemas.microsoft.com/office/drawing/2010/main" w="9525">
+                <a14:hiddenLine xmlns:a14="http://schemas.microsoft.com/office/drawing/2010/main" xmlns="" w="9525">
                   <a:solidFill>
                     <a:srgbClr val="000000"/>
                   </a:solidFill>
@@ -2585,7 +2588,7 @@
             </a:ln>
             <a:extLst>
               <a:ext uri="{91240B29-F687-4f45-9708-019B960494DF}">
-                <a14:hiddenLine xmlns="" xmlns:a14="http://schemas.microsoft.com/office/drawing/2010/main" w="9525">
+                <a14:hiddenLine xmlns:a14="http://schemas.microsoft.com/office/drawing/2010/main" xmlns="" w="9525">
                   <a:solidFill>
                     <a:srgbClr val="000000"/>
                   </a:solidFill>
@@ -2675,7 +2678,7 @@
             </a:ln>
             <a:extLst>
               <a:ext uri="{91240B29-F687-4f45-9708-019B960494DF}">
-                <a14:hiddenLine xmlns="" xmlns:a14="http://schemas.microsoft.com/office/drawing/2010/main" w="9525">
+                <a14:hiddenLine xmlns:a14="http://schemas.microsoft.com/office/drawing/2010/main" xmlns="" w="9525">
                   <a:solidFill>
                     <a:srgbClr val="000000"/>
                   </a:solidFill>
@@ -2743,7 +2746,7 @@
             </a:ln>
             <a:extLst>
               <a:ext uri="{91240B29-F687-4f45-9708-019B960494DF}">
-                <a14:hiddenLine xmlns="" xmlns:a14="http://schemas.microsoft.com/office/drawing/2010/main" w="9525">
+                <a14:hiddenLine xmlns:a14="http://schemas.microsoft.com/office/drawing/2010/main" xmlns="" w="9525">
                   <a:solidFill>
                     <a:srgbClr val="000000"/>
                   </a:solidFill>
@@ -2805,7 +2808,7 @@
             </a:ln>
             <a:extLst>
               <a:ext uri="{91240B29-F687-4f45-9708-019B960494DF}">
-                <a14:hiddenLine xmlns="" xmlns:a14="http://schemas.microsoft.com/office/drawing/2010/main" w="9525">
+                <a14:hiddenLine xmlns:a14="http://schemas.microsoft.com/office/drawing/2010/main" xmlns="" w="9525">
                   <a:solidFill>
                     <a:srgbClr val="000000"/>
                   </a:solidFill>
@@ -2895,7 +2898,7 @@
             </a:ln>
             <a:extLst>
               <a:ext uri="{91240B29-F687-4f45-9708-019B960494DF}">
-                <a14:hiddenLine xmlns="" xmlns:a14="http://schemas.microsoft.com/office/drawing/2010/main" w="9525">
+                <a14:hiddenLine xmlns:a14="http://schemas.microsoft.com/office/drawing/2010/main" xmlns="" w="9525">
                   <a:solidFill>
                     <a:srgbClr val="000000"/>
                   </a:solidFill>
@@ -2957,7 +2960,7 @@
             </a:ln>
             <a:extLst>
               <a:ext uri="{91240B29-F687-4f45-9708-019B960494DF}">
-                <a14:hiddenLine xmlns="" xmlns:a14="http://schemas.microsoft.com/office/drawing/2010/main" w="9525">
+                <a14:hiddenLine xmlns:a14="http://schemas.microsoft.com/office/drawing/2010/main" xmlns="" w="9525">
                   <a:solidFill>
                     <a:srgbClr val="000000"/>
                   </a:solidFill>
@@ -3047,7 +3050,7 @@
             </a:ln>
             <a:extLst>
               <a:ext uri="{91240B29-F687-4f45-9708-019B960494DF}">
-                <a14:hiddenLine xmlns="" xmlns:a14="http://schemas.microsoft.com/office/drawing/2010/main" w="9525">
+                <a14:hiddenLine xmlns:a14="http://schemas.microsoft.com/office/drawing/2010/main" xmlns="" w="9525">
                   <a:solidFill>
                     <a:srgbClr val="000000"/>
                   </a:solidFill>
@@ -3109,7 +3112,7 @@
             </a:ln>
             <a:extLst>
               <a:ext uri="{91240B29-F687-4f45-9708-019B960494DF}">
-                <a14:hiddenLine xmlns="" xmlns:a14="http://schemas.microsoft.com/office/drawing/2010/main" w="9525">
+                <a14:hiddenLine xmlns:a14="http://schemas.microsoft.com/office/drawing/2010/main" xmlns="" w="9525">
                   <a:solidFill>
                     <a:srgbClr val="000000"/>
                   </a:solidFill>
@@ -3199,7 +3202,7 @@
             </a:ln>
             <a:extLst>
               <a:ext uri="{91240B29-F687-4f45-9708-019B960494DF}">
-                <a14:hiddenLine xmlns="" xmlns:a14="http://schemas.microsoft.com/office/drawing/2010/main" w="9525">
+                <a14:hiddenLine xmlns:a14="http://schemas.microsoft.com/office/drawing/2010/main" xmlns="" w="9525">
                   <a:solidFill>
                     <a:srgbClr val="000000"/>
                   </a:solidFill>
@@ -3233,7 +3236,7 @@
             </a:ln>
             <a:extLst>
               <a:ext uri="{91240B29-F687-4f45-9708-019B960494DF}">
-                <a14:hiddenLine xmlns="" xmlns:a14="http://schemas.microsoft.com/office/drawing/2010/main" w="9525">
+                <a14:hiddenLine xmlns:a14="http://schemas.microsoft.com/office/drawing/2010/main" xmlns="" w="9525">
                   <a:solidFill>
                     <a:srgbClr val="000000"/>
                   </a:solidFill>
@@ -3298,7 +3301,7 @@
             </a:ln>
             <a:extLst>
               <a:ext uri="{91240B29-F687-4f45-9708-019B960494DF}">
-                <a14:hiddenLine xmlns="" xmlns:a14="http://schemas.microsoft.com/office/drawing/2010/main" w="9525">
+                <a14:hiddenLine xmlns:a14="http://schemas.microsoft.com/office/drawing/2010/main" xmlns="" w="9525">
                   <a:solidFill>
                     <a:srgbClr val="000000"/>
                   </a:solidFill>
@@ -3388,7 +3391,7 @@
             </a:ln>
             <a:extLst>
               <a:ext uri="{91240B29-F687-4f45-9708-019B960494DF}">
-                <a14:hiddenLine xmlns="" xmlns:a14="http://schemas.microsoft.com/office/drawing/2010/main" w="9525">
+                <a14:hiddenLine xmlns:a14="http://schemas.microsoft.com/office/drawing/2010/main" xmlns="" w="9525">
                   <a:solidFill>
                     <a:srgbClr val="000000"/>
                   </a:solidFill>
@@ -3450,7 +3453,7 @@
             </a:ln>
             <a:extLst>
               <a:ext uri="{91240B29-F687-4f45-9708-019B960494DF}">
-                <a14:hiddenLine xmlns="" xmlns:a14="http://schemas.microsoft.com/office/drawing/2010/main" w="9525">
+                <a14:hiddenLine xmlns:a14="http://schemas.microsoft.com/office/drawing/2010/main" xmlns="" w="9525">
                   <a:solidFill>
                     <a:srgbClr val="000000"/>
                   </a:solidFill>
@@ -3540,7 +3543,7 @@
             </a:ln>
             <a:extLst>
               <a:ext uri="{91240B29-F687-4f45-9708-019B960494DF}">
-                <a14:hiddenLine xmlns="" xmlns:a14="http://schemas.microsoft.com/office/drawing/2010/main" w="9525">
+                <a14:hiddenLine xmlns:a14="http://schemas.microsoft.com/office/drawing/2010/main" xmlns="" w="9525">
                   <a:solidFill>
                     <a:srgbClr val="000000"/>
                   </a:solidFill>
@@ -3630,7 +3633,7 @@
             </a:ln>
             <a:extLst>
               <a:ext uri="{91240B29-F687-4f45-9708-019B960494DF}">
-                <a14:hiddenLine xmlns="" xmlns:a14="http://schemas.microsoft.com/office/drawing/2010/main" w="9525">
+                <a14:hiddenLine xmlns:a14="http://schemas.microsoft.com/office/drawing/2010/main" xmlns="" w="9525">
                   <a:solidFill>
                     <a:srgbClr val="000000"/>
                   </a:solidFill>
@@ -3695,7 +3698,7 @@
             </a:ln>
             <a:extLst>
               <a:ext uri="{91240B29-F687-4f45-9708-019B960494DF}">
-                <a14:hiddenLine xmlns="" xmlns:a14="http://schemas.microsoft.com/office/drawing/2010/main" w="9525">
+                <a14:hiddenLine xmlns:a14="http://schemas.microsoft.com/office/drawing/2010/main" xmlns="" w="9525">
                   <a:solidFill>
                     <a:srgbClr val="000000"/>
                   </a:solidFill>
@@ -3757,7 +3760,7 @@
             </a:ln>
             <a:extLst>
               <a:ext uri="{91240B29-F687-4f45-9708-019B960494DF}">
-                <a14:hiddenLine xmlns="" xmlns:a14="http://schemas.microsoft.com/office/drawing/2010/main" w="9525">
+                <a14:hiddenLine xmlns:a14="http://schemas.microsoft.com/office/drawing/2010/main" xmlns="" w="9525">
                   <a:solidFill>
                     <a:srgbClr val="000000"/>
                   </a:solidFill>
@@ -3847,7 +3850,7 @@
             </a:ln>
             <a:extLst>
               <a:ext uri="{91240B29-F687-4f45-9708-019B960494DF}">
-                <a14:hiddenLine xmlns="" xmlns:a14="http://schemas.microsoft.com/office/drawing/2010/main" w="9525">
+                <a14:hiddenLine xmlns:a14="http://schemas.microsoft.com/office/drawing/2010/main" xmlns="" w="9525">
                   <a:solidFill>
                     <a:srgbClr val="000000"/>
                   </a:solidFill>
@@ -3937,7 +3940,7 @@
             </a:ln>
             <a:extLst>
               <a:ext uri="{91240B29-F687-4f45-9708-019B960494DF}">
-                <a14:hiddenLine xmlns="" xmlns:a14="http://schemas.microsoft.com/office/drawing/2010/main" w="9525">
+                <a14:hiddenLine xmlns:a14="http://schemas.microsoft.com/office/drawing/2010/main" xmlns="" w="9525">
                   <a:solidFill>
                     <a:srgbClr val="000000"/>
                   </a:solidFill>
@@ -3999,7 +4002,7 @@
             </a:ln>
             <a:extLst>
               <a:ext uri="{91240B29-F687-4f45-9708-019B960494DF}">
-                <a14:hiddenLine xmlns="" xmlns:a14="http://schemas.microsoft.com/office/drawing/2010/main" w="9525">
+                <a14:hiddenLine xmlns:a14="http://schemas.microsoft.com/office/drawing/2010/main" xmlns="" w="9525">
                   <a:solidFill>
                     <a:srgbClr val="000000"/>
                   </a:solidFill>
@@ -4119,7 +4122,7 @@
             </a:ln>
             <a:extLst>
               <a:ext uri="{91240B29-F687-4f45-9708-019B960494DF}">
-                <a14:hiddenLine xmlns="" xmlns:a14="http://schemas.microsoft.com/office/drawing/2010/main" w="9525">
+                <a14:hiddenLine xmlns:a14="http://schemas.microsoft.com/office/drawing/2010/main" xmlns="" w="9525">
                   <a:solidFill>
                     <a:srgbClr val="000000"/>
                   </a:solidFill>
@@ -4187,7 +4190,7 @@
             </a:ln>
             <a:extLst>
               <a:ext uri="{91240B29-F687-4f45-9708-019B960494DF}">
-                <a14:hiddenLine xmlns="" xmlns:a14="http://schemas.microsoft.com/office/drawing/2010/main" w="9525">
+                <a14:hiddenLine xmlns:a14="http://schemas.microsoft.com/office/drawing/2010/main" xmlns="" w="9525">
                   <a:solidFill>
                     <a:srgbClr val="000000"/>
                   </a:solidFill>
@@ -4277,7 +4280,7 @@
             </a:ln>
             <a:extLst>
               <a:ext uri="{91240B29-F687-4f45-9708-019B960494DF}">
-                <a14:hiddenLine xmlns="" xmlns:a14="http://schemas.microsoft.com/office/drawing/2010/main" w="9525">
+                <a14:hiddenLine xmlns:a14="http://schemas.microsoft.com/office/drawing/2010/main" xmlns="" w="9525">
                   <a:solidFill>
                     <a:srgbClr val="000000"/>
                   </a:solidFill>
@@ -4417,7 +4420,7 @@
           <a:p>
             <a:fld id="{48A87A34-81AB-432B-8DAE-1953F412C126}" type="datetimeFigureOut">
               <a:rPr lang="en-US" dirty="0"/>
-              <a:t>7/19/2019</a:t>
+              <a:t>7/29/2019</a:t>
             </a:fld>
             <a:endParaRPr lang="en-US" dirty="0"/>
           </a:p>
@@ -4679,7 +4682,7 @@
           <a:p>
             <a:fld id="{48A87A34-81AB-432B-8DAE-1953F412C126}" type="datetimeFigureOut">
               <a:rPr lang="en-US" dirty="0"/>
-              <a:t>7/19/2019</a:t>
+              <a:t>7/29/2019</a:t>
             </a:fld>
             <a:endParaRPr lang="en-US" dirty="0"/>
           </a:p>
@@ -4870,7 +4873,7 @@
           <a:p>
             <a:fld id="{48A87A34-81AB-432B-8DAE-1953F412C126}" type="datetimeFigureOut">
               <a:rPr lang="en-US" dirty="0"/>
-              <a:t>7/19/2019</a:t>
+              <a:t>7/29/2019</a:t>
             </a:fld>
             <a:endParaRPr lang="en-US" dirty="0"/>
           </a:p>
@@ -5128,7 +5131,7 @@
           <a:p>
             <a:fld id="{48A87A34-81AB-432B-8DAE-1953F412C126}" type="datetimeFigureOut">
               <a:rPr lang="en-US" dirty="0"/>
-              <a:t>7/19/2019</a:t>
+              <a:t>7/29/2019</a:t>
             </a:fld>
             <a:endParaRPr lang="en-US" dirty="0"/>
           </a:p>
@@ -5557,7 +5560,7 @@
           <a:p>
             <a:fld id="{48A87A34-81AB-432B-8DAE-1953F412C126}" type="datetimeFigureOut">
               <a:rPr lang="en-US" dirty="0"/>
-              <a:t>7/19/2019</a:t>
+              <a:t>7/29/2019</a:t>
             </a:fld>
             <a:endParaRPr lang="en-US" dirty="0"/>
           </a:p>
@@ -6098,7 +6101,7 @@
           <a:p>
             <a:fld id="{48A87A34-81AB-432B-8DAE-1953F412C126}" type="datetimeFigureOut">
               <a:rPr lang="en-US" dirty="0"/>
-              <a:t>7/19/2019</a:t>
+              <a:t>7/29/2019</a:t>
             </a:fld>
             <a:endParaRPr lang="en-US" dirty="0"/>
           </a:p>
@@ -6813,7 +6816,7 @@
           <a:p>
             <a:fld id="{48A87A34-81AB-432B-8DAE-1953F412C126}" type="datetimeFigureOut">
               <a:rPr lang="en-US" dirty="0"/>
-              <a:t>7/19/2019</a:t>
+              <a:t>7/29/2019</a:t>
             </a:fld>
             <a:endParaRPr lang="en-US" dirty="0"/>
           </a:p>
@@ -6978,7 +6981,7 @@
           <a:p>
             <a:fld id="{48A87A34-81AB-432B-8DAE-1953F412C126}" type="datetimeFigureOut">
               <a:rPr lang="en-US" dirty="0"/>
-              <a:t>7/19/2019</a:t>
+              <a:t>7/29/2019</a:t>
             </a:fld>
             <a:endParaRPr lang="en-US" dirty="0"/>
           </a:p>
@@ -7153,7 +7156,7 @@
           <a:p>
             <a:fld id="{48A87A34-81AB-432B-8DAE-1953F412C126}" type="datetimeFigureOut">
               <a:rPr lang="en-US" dirty="0"/>
-              <a:t>7/19/2019</a:t>
+              <a:t>7/29/2019</a:t>
             </a:fld>
             <a:endParaRPr lang="en-US" dirty="0"/>
           </a:p>
@@ -7318,7 +7321,7 @@
           <a:p>
             <a:fld id="{48A87A34-81AB-432B-8DAE-1953F412C126}" type="datetimeFigureOut">
               <a:rPr lang="en-US" dirty="0"/>
-              <a:t>7/19/2019</a:t>
+              <a:t>7/29/2019</a:t>
             </a:fld>
             <a:endParaRPr lang="en-US" dirty="0"/>
           </a:p>
@@ -7563,7 +7566,7 @@
           <a:p>
             <a:fld id="{48A87A34-81AB-432B-8DAE-1953F412C126}" type="datetimeFigureOut">
               <a:rPr lang="en-US" dirty="0"/>
-              <a:t>7/19/2019</a:t>
+              <a:t>7/29/2019</a:t>
             </a:fld>
             <a:endParaRPr lang="en-US" dirty="0"/>
           </a:p>
@@ -7790,7 +7793,7 @@
           <a:p>
             <a:fld id="{48A87A34-81AB-432B-8DAE-1953F412C126}" type="datetimeFigureOut">
               <a:rPr lang="en-US" dirty="0"/>
-              <a:t>7/19/2019</a:t>
+              <a:t>7/29/2019</a:t>
             </a:fld>
             <a:endParaRPr lang="en-US" dirty="0"/>
           </a:p>
@@ -8166,7 +8169,7 @@
           <a:p>
             <a:fld id="{48A87A34-81AB-432B-8DAE-1953F412C126}" type="datetimeFigureOut">
               <a:rPr lang="en-US" dirty="0"/>
-              <a:t>7/19/2019</a:t>
+              <a:t>7/29/2019</a:t>
             </a:fld>
             <a:endParaRPr lang="en-US" dirty="0"/>
           </a:p>
@@ -8279,7 +8282,7 @@
           <a:p>
             <a:fld id="{48A87A34-81AB-432B-8DAE-1953F412C126}" type="datetimeFigureOut">
               <a:rPr lang="en-US" dirty="0"/>
-              <a:t>7/19/2019</a:t>
+              <a:t>7/29/2019</a:t>
             </a:fld>
             <a:endParaRPr lang="en-US" dirty="0"/>
           </a:p>
@@ -8369,7 +8372,7 @@
           <a:p>
             <a:fld id="{48A87A34-81AB-432B-8DAE-1953F412C126}" type="datetimeFigureOut">
               <a:rPr lang="en-US" dirty="0"/>
-              <a:t>7/19/2019</a:t>
+              <a:t>7/29/2019</a:t>
             </a:fld>
             <a:endParaRPr lang="en-US" dirty="0"/>
           </a:p>
@@ -8613,7 +8616,7 @@
           <a:p>
             <a:fld id="{48A87A34-81AB-432B-8DAE-1953F412C126}" type="datetimeFigureOut">
               <a:rPr lang="en-US" dirty="0"/>
-              <a:t>7/19/2019</a:t>
+              <a:t>7/29/2019</a:t>
             </a:fld>
             <a:endParaRPr lang="en-US" dirty="0"/>
           </a:p>
@@ -8888,7 +8891,7 @@
           <a:p>
             <a:fld id="{48A87A34-81AB-432B-8DAE-1953F412C126}" type="datetimeFigureOut">
               <a:rPr lang="en-US" dirty="0"/>
-              <a:t>7/19/2019</a:t>
+              <a:t>7/29/2019</a:t>
             </a:fld>
             <a:endParaRPr lang="en-US" dirty="0"/>
           </a:p>
@@ -8999,7 +9002,7 @@
           <a:noFill/>
           <a:extLst>
             <a:ext uri="{909E8E84-426E-40dd-AFC4-6F175D3DCCD1}">
-              <a14:hiddenFill xmlns="" xmlns:a14="http://schemas.microsoft.com/office/drawing/2010/main">
+              <a14:hiddenFill xmlns:a14="http://schemas.microsoft.com/office/drawing/2010/main" xmlns="">
                 <a:solidFill>
                   <a:srgbClr val="FFFFFF"/>
                 </a:solidFill>
@@ -9073,7 +9076,7 @@
               </a:ln>
               <a:extLst>
                 <a:ext uri="{91240B29-F687-4f45-9708-019B960494DF}">
-                  <a14:hiddenLine xmlns="" xmlns:a14="http://schemas.microsoft.com/office/drawing/2010/main" w="9525">
+                  <a14:hiddenLine xmlns:a14="http://schemas.microsoft.com/office/drawing/2010/main" xmlns="" w="9525">
                     <a:solidFill>
                       <a:srgbClr val="000000"/>
                     </a:solidFill>
@@ -9163,7 +9166,7 @@
               </a:ln>
               <a:extLst>
                 <a:ext uri="{91240B29-F687-4f45-9708-019B960494DF}">
-                  <a14:hiddenLine xmlns="" xmlns:a14="http://schemas.microsoft.com/office/drawing/2010/main" w="9525">
+                  <a14:hiddenLine xmlns:a14="http://schemas.microsoft.com/office/drawing/2010/main" xmlns="" w="9525">
                     <a:solidFill>
                       <a:srgbClr val="000000"/>
                     </a:solidFill>
@@ -9253,7 +9256,7 @@
               </a:ln>
               <a:extLst>
                 <a:ext uri="{91240B29-F687-4f45-9708-019B960494DF}">
-                  <a14:hiddenLine xmlns="" xmlns:a14="http://schemas.microsoft.com/office/drawing/2010/main" w="9525">
+                  <a14:hiddenLine xmlns:a14="http://schemas.microsoft.com/office/drawing/2010/main" xmlns="" w="9525">
                     <a:solidFill>
                       <a:srgbClr val="000000"/>
                     </a:solidFill>
@@ -9315,7 +9318,7 @@
               </a:ln>
               <a:extLst>
                 <a:ext uri="{91240B29-F687-4f45-9708-019B960494DF}">
-                  <a14:hiddenLine xmlns="" xmlns:a14="http://schemas.microsoft.com/office/drawing/2010/main" w="9525">
+                  <a14:hiddenLine xmlns:a14="http://schemas.microsoft.com/office/drawing/2010/main" xmlns="" w="9525">
                     <a:solidFill>
                       <a:srgbClr val="000000"/>
                     </a:solidFill>
@@ -9405,7 +9408,7 @@
               </a:ln>
               <a:extLst>
                 <a:ext uri="{91240B29-F687-4f45-9708-019B960494DF}">
-                  <a14:hiddenLine xmlns="" xmlns:a14="http://schemas.microsoft.com/office/drawing/2010/main" w="9525">
+                  <a14:hiddenLine xmlns:a14="http://schemas.microsoft.com/office/drawing/2010/main" xmlns="" w="9525">
                     <a:solidFill>
                       <a:srgbClr val="000000"/>
                     </a:solidFill>
@@ -9467,7 +9470,7 @@
               </a:ln>
               <a:extLst>
                 <a:ext uri="{91240B29-F687-4f45-9708-019B960494DF}">
-                  <a14:hiddenLine xmlns="" xmlns:a14="http://schemas.microsoft.com/office/drawing/2010/main" w="9525">
+                  <a14:hiddenLine xmlns:a14="http://schemas.microsoft.com/office/drawing/2010/main" xmlns="" w="9525">
                     <a:solidFill>
                       <a:srgbClr val="000000"/>
                     </a:solidFill>
@@ -9529,7 +9532,7 @@
               </a:ln>
               <a:extLst>
                 <a:ext uri="{91240B29-F687-4f45-9708-019B960494DF}">
-                  <a14:hiddenLine xmlns="" xmlns:a14="http://schemas.microsoft.com/office/drawing/2010/main" w="9525">
+                  <a14:hiddenLine xmlns:a14="http://schemas.microsoft.com/office/drawing/2010/main" xmlns="" w="9525">
                     <a:solidFill>
                       <a:srgbClr val="000000"/>
                     </a:solidFill>
@@ -9619,7 +9622,7 @@
               </a:ln>
               <a:extLst>
                 <a:ext uri="{91240B29-F687-4f45-9708-019B960494DF}">
-                  <a14:hiddenLine xmlns="" xmlns:a14="http://schemas.microsoft.com/office/drawing/2010/main" w="9525">
+                  <a14:hiddenLine xmlns:a14="http://schemas.microsoft.com/office/drawing/2010/main" xmlns="" w="9525">
                     <a:solidFill>
                       <a:srgbClr val="000000"/>
                     </a:solidFill>
@@ -9709,7 +9712,7 @@
               </a:ln>
               <a:extLst>
                 <a:ext uri="{91240B29-F687-4f45-9708-019B960494DF}">
-                  <a14:hiddenLine xmlns="" xmlns:a14="http://schemas.microsoft.com/office/drawing/2010/main" w="9525">
+                  <a14:hiddenLine xmlns:a14="http://schemas.microsoft.com/office/drawing/2010/main" xmlns="" w="9525">
                     <a:solidFill>
                       <a:srgbClr val="000000"/>
                     </a:solidFill>
@@ -9771,7 +9774,7 @@
               </a:ln>
               <a:extLst>
                 <a:ext uri="{91240B29-F687-4f45-9708-019B960494DF}">
-                  <a14:hiddenLine xmlns="" xmlns:a14="http://schemas.microsoft.com/office/drawing/2010/main" w="9525">
+                  <a14:hiddenLine xmlns:a14="http://schemas.microsoft.com/office/drawing/2010/main" xmlns="" w="9525">
                     <a:solidFill>
                       <a:srgbClr val="000000"/>
                     </a:solidFill>
@@ -9881,7 +9884,7 @@
               </a:ln>
               <a:extLst>
                 <a:ext uri="{91240B29-F687-4f45-9708-019B960494DF}">
-                  <a14:hiddenLine xmlns="" xmlns:a14="http://schemas.microsoft.com/office/drawing/2010/main" w="9525">
+                  <a14:hiddenLine xmlns:a14="http://schemas.microsoft.com/office/drawing/2010/main" xmlns="" w="9525">
                     <a:solidFill>
                       <a:srgbClr val="000000"/>
                     </a:solidFill>
@@ -9965,7 +9968,7 @@
               </a:ln>
               <a:extLst>
                 <a:ext uri="{91240B29-F687-4f45-9708-019B960494DF}">
-                  <a14:hiddenLine xmlns="" xmlns:a14="http://schemas.microsoft.com/office/drawing/2010/main" w="9525">
+                  <a14:hiddenLine xmlns:a14="http://schemas.microsoft.com/office/drawing/2010/main" xmlns="" w="9525">
                     <a:solidFill>
                       <a:srgbClr val="000000"/>
                     </a:solidFill>
@@ -10027,7 +10030,7 @@
               </a:ln>
               <a:extLst>
                 <a:ext uri="{91240B29-F687-4f45-9708-019B960494DF}">
-                  <a14:hiddenLine xmlns="" xmlns:a14="http://schemas.microsoft.com/office/drawing/2010/main" w="9525">
+                  <a14:hiddenLine xmlns:a14="http://schemas.microsoft.com/office/drawing/2010/main" xmlns="" w="9525">
                     <a:solidFill>
                       <a:srgbClr val="000000"/>
                     </a:solidFill>
@@ -10089,7 +10092,7 @@
               </a:ln>
               <a:extLst>
                 <a:ext uri="{91240B29-F687-4f45-9708-019B960494DF}">
-                  <a14:hiddenLine xmlns="" xmlns:a14="http://schemas.microsoft.com/office/drawing/2010/main" w="9525">
+                  <a14:hiddenLine xmlns:a14="http://schemas.microsoft.com/office/drawing/2010/main" xmlns="" w="9525">
                     <a:solidFill>
                       <a:srgbClr val="000000"/>
                     </a:solidFill>
@@ -10179,7 +10182,7 @@
               </a:ln>
               <a:extLst>
                 <a:ext uri="{91240B29-F687-4f45-9708-019B960494DF}">
-                  <a14:hiddenLine xmlns="" xmlns:a14="http://schemas.microsoft.com/office/drawing/2010/main" w="9525">
+                  <a14:hiddenLine xmlns:a14="http://schemas.microsoft.com/office/drawing/2010/main" xmlns="" w="9525">
                     <a:solidFill>
                       <a:srgbClr val="000000"/>
                     </a:solidFill>
@@ -10213,7 +10216,7 @@
               </a:ln>
               <a:extLst>
                 <a:ext uri="{91240B29-F687-4f45-9708-019B960494DF}">
-                  <a14:hiddenLine xmlns="" xmlns:a14="http://schemas.microsoft.com/office/drawing/2010/main" w="9525">
+                  <a14:hiddenLine xmlns:a14="http://schemas.microsoft.com/office/drawing/2010/main" xmlns="" w="9525">
                     <a:solidFill>
                       <a:srgbClr val="000000"/>
                     </a:solidFill>
@@ -10278,7 +10281,7 @@
               </a:ln>
               <a:extLst>
                 <a:ext uri="{91240B29-F687-4f45-9708-019B960494DF}">
-                  <a14:hiddenLine xmlns="" xmlns:a14="http://schemas.microsoft.com/office/drawing/2010/main" w="9525">
+                  <a14:hiddenLine xmlns:a14="http://schemas.microsoft.com/office/drawing/2010/main" xmlns="" w="9525">
                     <a:solidFill>
                       <a:srgbClr val="000000"/>
                     </a:solidFill>
@@ -10368,7 +10371,7 @@
               </a:ln>
               <a:extLst>
                 <a:ext uri="{91240B29-F687-4f45-9708-019B960494DF}">
-                  <a14:hiddenLine xmlns="" xmlns:a14="http://schemas.microsoft.com/office/drawing/2010/main" w="9525">
+                  <a14:hiddenLine xmlns:a14="http://schemas.microsoft.com/office/drawing/2010/main" xmlns="" w="9525">
                     <a:solidFill>
                       <a:srgbClr val="000000"/>
                     </a:solidFill>
@@ -10430,7 +10433,7 @@
               </a:ln>
               <a:extLst>
                 <a:ext uri="{91240B29-F687-4f45-9708-019B960494DF}">
-                  <a14:hiddenLine xmlns="" xmlns:a14="http://schemas.microsoft.com/office/drawing/2010/main" w="9525">
+                  <a14:hiddenLine xmlns:a14="http://schemas.microsoft.com/office/drawing/2010/main" xmlns="" w="9525">
                     <a:solidFill>
                       <a:srgbClr val="000000"/>
                     </a:solidFill>
@@ -10520,7 +10523,7 @@
               </a:ln>
               <a:extLst>
                 <a:ext uri="{91240B29-F687-4f45-9708-019B960494DF}">
-                  <a14:hiddenLine xmlns="" xmlns:a14="http://schemas.microsoft.com/office/drawing/2010/main" w="9525">
+                  <a14:hiddenLine xmlns:a14="http://schemas.microsoft.com/office/drawing/2010/main" xmlns="" w="9525">
                     <a:solidFill>
                       <a:srgbClr val="000000"/>
                     </a:solidFill>
@@ -10585,7 +10588,7 @@
               </a:ln>
               <a:extLst>
                 <a:ext uri="{91240B29-F687-4f45-9708-019B960494DF}">
-                  <a14:hiddenLine xmlns="" xmlns:a14="http://schemas.microsoft.com/office/drawing/2010/main" w="9525">
+                  <a14:hiddenLine xmlns:a14="http://schemas.microsoft.com/office/drawing/2010/main" xmlns="" w="9525">
                     <a:solidFill>
                       <a:srgbClr val="000000"/>
                     </a:solidFill>
@@ -10647,7 +10650,7 @@
               </a:ln>
               <a:extLst>
                 <a:ext uri="{91240B29-F687-4f45-9708-019B960494DF}">
-                  <a14:hiddenLine xmlns="" xmlns:a14="http://schemas.microsoft.com/office/drawing/2010/main" w="9525">
+                  <a14:hiddenLine xmlns:a14="http://schemas.microsoft.com/office/drawing/2010/main" xmlns="" w="9525">
                     <a:solidFill>
                       <a:srgbClr val="000000"/>
                     </a:solidFill>
@@ -10737,7 +10740,7 @@
               </a:ln>
               <a:extLst>
                 <a:ext uri="{91240B29-F687-4f45-9708-019B960494DF}">
-                  <a14:hiddenLine xmlns="" xmlns:a14="http://schemas.microsoft.com/office/drawing/2010/main" w="9525">
+                  <a14:hiddenLine xmlns:a14="http://schemas.microsoft.com/office/drawing/2010/main" xmlns="" w="9525">
                     <a:solidFill>
                       <a:srgbClr val="000000"/>
                     </a:solidFill>
@@ -10827,7 +10830,7 @@
               </a:ln>
               <a:extLst>
                 <a:ext uri="{91240B29-F687-4f45-9708-019B960494DF}">
-                  <a14:hiddenLine xmlns="" xmlns:a14="http://schemas.microsoft.com/office/drawing/2010/main" w="9525">
+                  <a14:hiddenLine xmlns:a14="http://schemas.microsoft.com/office/drawing/2010/main" xmlns="" w="9525">
                     <a:solidFill>
                       <a:srgbClr val="000000"/>
                     </a:solidFill>
@@ -10892,7 +10895,7 @@
               </a:ln>
               <a:extLst>
                 <a:ext uri="{91240B29-F687-4f45-9708-019B960494DF}">
-                  <a14:hiddenLine xmlns="" xmlns:a14="http://schemas.microsoft.com/office/drawing/2010/main" w="9525">
+                  <a14:hiddenLine xmlns:a14="http://schemas.microsoft.com/office/drawing/2010/main" xmlns="" w="9525">
                     <a:solidFill>
                       <a:srgbClr val="000000"/>
                     </a:solidFill>
@@ -11012,7 +11015,7 @@
               </a:ln>
               <a:extLst>
                 <a:ext uri="{91240B29-F687-4f45-9708-019B960494DF}">
-                  <a14:hiddenLine xmlns="" xmlns:a14="http://schemas.microsoft.com/office/drawing/2010/main" w="9525">
+                  <a14:hiddenLine xmlns:a14="http://schemas.microsoft.com/office/drawing/2010/main" xmlns="" w="9525">
                     <a:solidFill>
                       <a:srgbClr val="000000"/>
                     </a:solidFill>
@@ -11110,7 +11113,7 @@
               </a:ln>
               <a:extLst>
                 <a:ext uri="{91240B29-F687-4f45-9708-019B960494DF}">
-                  <a14:hiddenLine xmlns="" xmlns:a14="http://schemas.microsoft.com/office/drawing/2010/main" w="9525">
+                  <a14:hiddenLine xmlns:a14="http://schemas.microsoft.com/office/drawing/2010/main" xmlns="" w="9525">
                     <a:solidFill>
                       <a:srgbClr val="000000"/>
                     </a:solidFill>
@@ -11225,7 +11228,7 @@
               </a:ln>
               <a:extLst>
                 <a:ext uri="{91240B29-F687-4f45-9708-019B960494DF}">
-                  <a14:hiddenLine xmlns="" xmlns:a14="http://schemas.microsoft.com/office/drawing/2010/main" w="9525">
+                  <a14:hiddenLine xmlns:a14="http://schemas.microsoft.com/office/drawing/2010/main" xmlns="" w="9525">
                     <a:solidFill>
                       <a:srgbClr val="000000"/>
                     </a:solidFill>
@@ -11315,7 +11318,7 @@
               </a:ln>
               <a:extLst>
                 <a:ext uri="{91240B29-F687-4f45-9708-019B960494DF}">
-                  <a14:hiddenLine xmlns="" xmlns:a14="http://schemas.microsoft.com/office/drawing/2010/main" w="9525">
+                  <a14:hiddenLine xmlns:a14="http://schemas.microsoft.com/office/drawing/2010/main" xmlns="" w="9525">
                     <a:solidFill>
                       <a:srgbClr val="000000"/>
                     </a:solidFill>
@@ -11380,7 +11383,7 @@
               </a:ln>
               <a:extLst>
                 <a:ext uri="{91240B29-F687-4f45-9708-019B960494DF}">
-                  <a14:hiddenLine xmlns="" xmlns:a14="http://schemas.microsoft.com/office/drawing/2010/main" w="9525">
+                  <a14:hiddenLine xmlns:a14="http://schemas.microsoft.com/office/drawing/2010/main" xmlns="" w="9525">
                     <a:solidFill>
                       <a:srgbClr val="000000"/>
                     </a:solidFill>
@@ -11470,7 +11473,7 @@
               </a:ln>
               <a:extLst>
                 <a:ext uri="{91240B29-F687-4f45-9708-019B960494DF}">
-                  <a14:hiddenLine xmlns="" xmlns:a14="http://schemas.microsoft.com/office/drawing/2010/main" w="9525">
+                  <a14:hiddenLine xmlns:a14="http://schemas.microsoft.com/office/drawing/2010/main" xmlns="" w="9525">
                     <a:solidFill>
                       <a:srgbClr val="000000"/>
                     </a:solidFill>
@@ -11538,7 +11541,7 @@
               </a:ln>
               <a:extLst>
                 <a:ext uri="{91240B29-F687-4f45-9708-019B960494DF}">
-                  <a14:hiddenLine xmlns="" xmlns:a14="http://schemas.microsoft.com/office/drawing/2010/main" w="9525">
+                  <a14:hiddenLine xmlns:a14="http://schemas.microsoft.com/office/drawing/2010/main" xmlns="" w="9525">
                     <a:solidFill>
                       <a:srgbClr val="000000"/>
                     </a:solidFill>
@@ -11628,7 +11631,7 @@
               </a:ln>
               <a:extLst>
                 <a:ext uri="{91240B29-F687-4f45-9708-019B960494DF}">
-                  <a14:hiddenLine xmlns="" xmlns:a14="http://schemas.microsoft.com/office/drawing/2010/main" w="9525">
+                  <a14:hiddenLine xmlns:a14="http://schemas.microsoft.com/office/drawing/2010/main" xmlns="" w="9525">
                     <a:solidFill>
                       <a:srgbClr val="000000"/>
                     </a:solidFill>
@@ -11696,7 +11699,7 @@
               </a:ln>
               <a:extLst>
                 <a:ext uri="{91240B29-F687-4f45-9708-019B960494DF}">
-                  <a14:hiddenLine xmlns="" xmlns:a14="http://schemas.microsoft.com/office/drawing/2010/main" w="9525">
+                  <a14:hiddenLine xmlns:a14="http://schemas.microsoft.com/office/drawing/2010/main" xmlns="" w="9525">
                     <a:solidFill>
                       <a:srgbClr val="000000"/>
                     </a:solidFill>
@@ -11786,7 +11789,7 @@
               </a:ln>
               <a:extLst>
                 <a:ext uri="{91240B29-F687-4f45-9708-019B960494DF}">
-                  <a14:hiddenLine xmlns="" xmlns:a14="http://schemas.microsoft.com/office/drawing/2010/main" w="9525">
+                  <a14:hiddenLine xmlns:a14="http://schemas.microsoft.com/office/drawing/2010/main" xmlns="" w="9525">
                     <a:solidFill>
                       <a:srgbClr val="000000"/>
                     </a:solidFill>
@@ -11820,7 +11823,7 @@
               </a:ln>
               <a:extLst>
                 <a:ext uri="{91240B29-F687-4f45-9708-019B960494DF}">
-                  <a14:hiddenLine xmlns="" xmlns:a14="http://schemas.microsoft.com/office/drawing/2010/main" w="9525">
+                  <a14:hiddenLine xmlns:a14="http://schemas.microsoft.com/office/drawing/2010/main" xmlns="" w="9525">
                     <a:solidFill>
                       <a:srgbClr val="000000"/>
                     </a:solidFill>
@@ -11961,7 +11964,7 @@
             <a:fld id="{48A87A34-81AB-432B-8DAE-1953F412C126}" type="datetimeFigureOut">
               <a:rPr lang="en-US" dirty="0"/>
               <a:pPr/>
-              <a:t>7/19/2019</a:t>
+              <a:t>7/29/2019</a:t>
             </a:fld>
             <a:endParaRPr lang="en-US" dirty="0"/>
           </a:p>
@@ -12487,12 +12490,8 @@
           <a:lstStyle/>
           <a:p>
             <a:r>
-              <a:rPr lang="en-US" dirty="0" err="1" smtClean="0"/>
-              <a:t>cIRCUIT</a:t>
-            </a:r>
-            <a:r>
               <a:rPr lang="en-US" dirty="0" smtClean="0"/>
-              <a:t> symbols</a:t>
+              <a:t>Intro to Raspberry pi</a:t>
             </a:r>
             <a:endParaRPr lang="en-US" dirty="0"/>
           </a:p>
@@ -12516,41 +12515,60 @@
             <a:pPr marL="0" indent="0">
               <a:buNone/>
             </a:pPr>
+            <a:r>
+              <a:rPr lang="en-US" dirty="0" smtClean="0"/>
+              <a:t>1) Plug in</a:t>
+            </a:r>
+          </a:p>
+          <a:p>
+            <a:pPr marL="0" indent="0">
+              <a:buNone/>
+            </a:pPr>
+            <a:r>
+              <a:rPr lang="en-US" dirty="0" smtClean="0"/>
+              <a:t>2) Console</a:t>
+            </a:r>
+          </a:p>
+          <a:p>
+            <a:pPr marL="0" indent="0">
+              <a:buNone/>
+            </a:pPr>
+            <a:r>
+              <a:rPr lang="en-US" dirty="0" smtClean="0"/>
+              <a:t>3) Blah </a:t>
+            </a:r>
+            <a:r>
+              <a:rPr lang="en-US" dirty="0" err="1" smtClean="0"/>
+              <a:t>blah</a:t>
+            </a:r>
+            <a:r>
+              <a:rPr lang="en-US" dirty="0" smtClean="0"/>
+              <a:t> </a:t>
+            </a:r>
+            <a:r>
+              <a:rPr lang="en-US" dirty="0" err="1" smtClean="0"/>
+              <a:t>blah</a:t>
+            </a:r>
             <a:endParaRPr lang="en-US" dirty="0" smtClean="0"/>
           </a:p>
           <a:p>
+            <a:pPr marL="0" indent="0">
+              <a:buNone/>
+            </a:pPr>
+            <a:r>
+              <a:rPr lang="en-US" dirty="0" smtClean="0"/>
+              <a:t>4) Clone the repo</a:t>
+            </a:r>
+          </a:p>
+          <a:p>
             <a:endParaRPr lang="en-US" dirty="0"/>
           </a:p>
         </p:txBody>
       </p:sp>
-      <p:pic>
-        <p:nvPicPr>
-          <p:cNvPr id="11" name="Picture 10"/>
-          <p:cNvPicPr>
-            <a:picLocks noChangeAspect="1"/>
-          </p:cNvPicPr>
-          <p:nvPr/>
-        </p:nvPicPr>
-        <p:blipFill>
-          <a:blip r:embed="rId2"/>
-          <a:stretch>
-            <a:fillRect/>
-          </a:stretch>
-        </p:blipFill>
-        <p:spPr>
-          <a:xfrm>
-            <a:off x="2758860" y="1698652"/>
-            <a:ext cx="6671101" cy="4643383"/>
-          </a:xfrm>
-          <a:prstGeom prst="rect">
-            <a:avLst/>
-          </a:prstGeom>
-        </p:spPr>
-      </p:pic>
     </p:spTree>
     <p:extLst>
       <p:ext uri="{BB962C8B-B14F-4D97-AF65-F5344CB8AC3E}">
-        <p14:creationId xmlns:p14="http://schemas.microsoft.com/office/powerpoint/2010/main" val="4205968302"/>
+        <p14:creationId xmlns:p14="http://schemas.microsoft.com/office/powerpoint/2010/main" val="2044859461"/>
       </p:ext>
     </p:extLst>
   </p:cSld>
@@ -12593,16 +12611,8 @@
           <a:lstStyle/>
           <a:p>
             <a:r>
-              <a:rPr lang="en-US" dirty="0" err="1" smtClean="0"/>
-              <a:t>cIRCUIT</a:t>
-            </a:r>
-            <a:r>
               <a:rPr lang="en-US" dirty="0" smtClean="0"/>
-              <a:t> </a:t>
-            </a:r>
-            <a:r>
-              <a:rPr lang="en-US" dirty="0" err="1" smtClean="0"/>
-              <a:t>diagramS</a:t>
+              <a:t>Raspberry Pi circuit</a:t>
             </a:r>
             <a:endParaRPr lang="en-US" dirty="0"/>
           </a:p>
@@ -12610,7 +12620,7 @@
       </p:sp>
       <p:sp>
         <p:nvSpPr>
-          <p:cNvPr id="3" name="Content Placeholder 2"/>
+          <p:cNvPr id="8" name="Content Placeholder 2"/>
           <p:cNvSpPr>
             <a:spLocks noGrp="1"/>
           </p:cNvSpPr>
@@ -12618,97 +12628,33 @@
             <p:ph idx="1"/>
           </p:nvPr>
         </p:nvSpPr>
-        <p:spPr/>
+        <p:spPr>
+          <a:xfrm>
+            <a:off x="1141412" y="2249487"/>
+            <a:ext cx="9905999" cy="3541714"/>
+          </a:xfrm>
+        </p:spPr>
         <p:txBody>
           <a:bodyPr/>
           <a:lstStyle/>
           <a:p>
-            <a:pPr marL="0" indent="0">
-              <a:buNone/>
-            </a:pPr>
-            <a:endParaRPr lang="en-US" dirty="0" smtClean="0"/>
-          </a:p>
-          <a:p>
-            <a:endParaRPr lang="en-US" dirty="0"/>
-          </a:p>
-        </p:txBody>
-      </p:sp>
-      <p:pic>
-        <p:nvPicPr>
-          <p:cNvPr id="5" name="Picture 4"/>
-          <p:cNvPicPr>
-            <a:picLocks noChangeAspect="1"/>
-          </p:cNvPicPr>
-          <p:nvPr/>
-        </p:nvPicPr>
-        <p:blipFill>
-          <a:blip r:embed="rId2"/>
-          <a:stretch>
-            <a:fillRect/>
-          </a:stretch>
-        </p:blipFill>
-        <p:spPr>
-          <a:xfrm>
-            <a:off x="1141412" y="1861839"/>
-            <a:ext cx="3907200" cy="1977326"/>
-          </a:xfrm>
-          <a:prstGeom prst="rect">
-            <a:avLst/>
-          </a:prstGeom>
-        </p:spPr>
-      </p:pic>
-      <p:pic>
-        <p:nvPicPr>
-          <p:cNvPr id="6" name="Picture 5"/>
-          <p:cNvPicPr>
-            <a:picLocks noChangeAspect="1"/>
-          </p:cNvPicPr>
-          <p:nvPr/>
-        </p:nvPicPr>
-        <p:blipFill>
-          <a:blip r:embed="rId3"/>
-          <a:stretch>
-            <a:fillRect/>
-          </a:stretch>
-        </p:blipFill>
-        <p:spPr>
-          <a:xfrm>
-            <a:off x="5691282" y="1861839"/>
-            <a:ext cx="3907200" cy="1977326"/>
-          </a:xfrm>
-          <a:prstGeom prst="rect">
-            <a:avLst/>
-          </a:prstGeom>
-        </p:spPr>
-      </p:pic>
-      <p:pic>
-        <p:nvPicPr>
-          <p:cNvPr id="7" name="Picture 6"/>
-          <p:cNvPicPr>
-            <a:picLocks noChangeAspect="1"/>
-          </p:cNvPicPr>
-          <p:nvPr/>
-        </p:nvPicPr>
-        <p:blipFill>
-          <a:blip r:embed="rId4"/>
-          <a:stretch>
-            <a:fillRect/>
-          </a:stretch>
-        </p:blipFill>
-        <p:spPr>
-          <a:xfrm>
-            <a:off x="3554571" y="4328000"/>
-            <a:ext cx="3907200" cy="2232823"/>
-          </a:xfrm>
-          <a:prstGeom prst="rect">
-            <a:avLst/>
-          </a:prstGeom>
-        </p:spPr>
-      </p:pic>
+            <a:r>
+              <a:rPr lang="en-US" dirty="0" smtClean="0"/>
+              <a:t>What will this look like? Draw the circuit diagram</a:t>
+            </a:r>
+          </a:p>
+          <a:p>
+            <a:r>
+              <a:rPr lang="en-US" dirty="0" smtClean="0"/>
+              <a:t>Now build it!</a:t>
+            </a:r>
+          </a:p>
+        </p:txBody>
+      </p:sp>
     </p:spTree>
     <p:extLst>
       <p:ext uri="{BB962C8B-B14F-4D97-AF65-F5344CB8AC3E}">
-        <p14:creationId xmlns:p14="http://schemas.microsoft.com/office/powerpoint/2010/main" val="1384871489"/>
+        <p14:creationId xmlns:p14="http://schemas.microsoft.com/office/powerpoint/2010/main" val="3169014870"/>
       </p:ext>
     </p:extLst>
   </p:cSld>
@@ -12752,49 +12698,95 @@
           <a:p>
             <a:r>
               <a:rPr lang="en-US" dirty="0" smtClean="0"/>
-              <a:t>Raspberry Pi circuit</a:t>
+              <a:t>Day 2: let’s code!</a:t>
+            </a:r>
+            <a:endParaRPr lang="en-GB" dirty="0"/>
+          </a:p>
+        </p:txBody>
+      </p:sp>
+      <p:sp>
+        <p:nvSpPr>
+          <p:cNvPr id="3" name="Content Placeholder 2"/>
+          <p:cNvSpPr>
+            <a:spLocks noGrp="1"/>
+          </p:cNvSpPr>
+          <p:nvPr>
+            <p:ph idx="1"/>
+          </p:nvPr>
+        </p:nvSpPr>
+        <p:spPr/>
+        <p:txBody>
+          <a:bodyPr>
+            <a:normAutofit fontScale="92500" lnSpcReduction="10000"/>
+          </a:bodyPr>
+          <a:lstStyle/>
+          <a:p>
+            <a:r>
+              <a:rPr lang="en-US" dirty="0" smtClean="0"/>
+              <a:t>Recap</a:t>
+            </a:r>
+          </a:p>
+          <a:p>
+            <a:r>
+              <a:rPr lang="en-US" dirty="0" smtClean="0"/>
+              <a:t>Programming concepts</a:t>
             </a:r>
             <a:endParaRPr lang="en-US" dirty="0"/>
           </a:p>
-        </p:txBody>
-      </p:sp>
-      <p:sp>
-        <p:nvSpPr>
-          <p:cNvPr id="8" name="Content Placeholder 2"/>
-          <p:cNvSpPr>
-            <a:spLocks noGrp="1"/>
-          </p:cNvSpPr>
-          <p:nvPr>
-            <p:ph idx="1"/>
-          </p:nvPr>
-        </p:nvSpPr>
-        <p:spPr>
-          <a:xfrm>
-            <a:off x="1141412" y="2249487"/>
-            <a:ext cx="9905999" cy="3541714"/>
-          </a:xfrm>
-        </p:spPr>
-        <p:txBody>
-          <a:bodyPr/>
-          <a:lstStyle/>
-          <a:p>
+          <a:p>
+            <a:pPr lvl="1"/>
+            <a:r>
+              <a:rPr lang="en-US" dirty="0"/>
+              <a:t>Functions</a:t>
+            </a:r>
+          </a:p>
+          <a:p>
+            <a:pPr lvl="1"/>
+            <a:r>
+              <a:rPr lang="en-US" dirty="0"/>
+              <a:t>Comments</a:t>
+            </a:r>
+          </a:p>
+          <a:p>
+            <a:pPr lvl="1"/>
+            <a:r>
+              <a:rPr lang="en-US" dirty="0"/>
+              <a:t>Variables</a:t>
+            </a:r>
+          </a:p>
+          <a:p>
+            <a:pPr lvl="1"/>
             <a:r>
               <a:rPr lang="en-US" dirty="0" smtClean="0"/>
-              <a:t>What will this look like? Draw the circuit diagram</a:t>
-            </a:r>
+              <a:t>Error Handling </a:t>
+            </a:r>
+            <a:endParaRPr lang="en-US" dirty="0"/>
           </a:p>
           <a:p>
             <a:r>
               <a:rPr lang="en-US" dirty="0" smtClean="0"/>
-              <a:t>Now build it!</a:t>
-            </a:r>
+              <a:t>Create </a:t>
+            </a:r>
+            <a:r>
+              <a:rPr lang="en-US" dirty="0"/>
+              <a:t>Email To Thom functionality</a:t>
+            </a:r>
+          </a:p>
+          <a:p>
+            <a:r>
+              <a:rPr lang="en-US" dirty="0"/>
+              <a:t>Send Email by Raspberry Pi</a:t>
+            </a:r>
+          </a:p>
+          <a:p>
+            <a:endParaRPr lang="en-GB" dirty="0"/>
           </a:p>
         </p:txBody>
       </p:sp>
     </p:spTree>
     <p:extLst>
       <p:ext uri="{BB962C8B-B14F-4D97-AF65-F5344CB8AC3E}">
-        <p14:creationId xmlns:p14="http://schemas.microsoft.com/office/powerpoint/2010/main" val="3169014870"/>
+        <p14:creationId xmlns:p14="http://schemas.microsoft.com/office/powerpoint/2010/main" val="1097960428"/>
       </p:ext>
     </p:extLst>
   </p:cSld>
@@ -12838,9 +12830,9 @@
           <a:p>
             <a:r>
               <a:rPr lang="en-US" dirty="0" smtClean="0"/>
-              <a:t>Day 2: let’s code!</a:t>
-            </a:r>
-            <a:endParaRPr lang="en-GB" dirty="0"/>
+              <a:t>Recap</a:t>
+            </a:r>
+            <a:endParaRPr lang="en-US" dirty="0"/>
           </a:p>
         </p:txBody>
       </p:sp>
@@ -12856,77 +12848,24 @@
         </p:nvSpPr>
         <p:spPr/>
         <p:txBody>
-          <a:bodyPr>
-            <a:normAutofit fontScale="92500" lnSpcReduction="10000"/>
-          </a:bodyPr>
+          <a:bodyPr/>
           <a:lstStyle/>
           <a:p>
+            <a:pPr marL="0" indent="0">
+              <a:buNone/>
+            </a:pPr>
             <a:r>
               <a:rPr lang="en-US" dirty="0" smtClean="0"/>
-              <a:t>Recap</a:t>
-            </a:r>
-          </a:p>
-          <a:p>
-            <a:r>
-              <a:rPr lang="en-US" dirty="0" smtClean="0"/>
-              <a:t>Programming concepts</a:t>
+              <a:t>What did we cover yesterday?</a:t>
             </a:r>
             <a:endParaRPr lang="en-US" dirty="0"/>
-          </a:p>
-          <a:p>
-            <a:pPr lvl="1"/>
-            <a:r>
-              <a:rPr lang="en-US" dirty="0"/>
-              <a:t>Functions</a:t>
-            </a:r>
-          </a:p>
-          <a:p>
-            <a:pPr lvl="1"/>
-            <a:r>
-              <a:rPr lang="en-US" dirty="0"/>
-              <a:t>Comments</a:t>
-            </a:r>
-          </a:p>
-          <a:p>
-            <a:pPr lvl="1"/>
-            <a:r>
-              <a:rPr lang="en-US" dirty="0"/>
-              <a:t>Variables</a:t>
-            </a:r>
-          </a:p>
-          <a:p>
-            <a:pPr lvl="1"/>
-            <a:r>
-              <a:rPr lang="en-US" dirty="0" smtClean="0"/>
-              <a:t>Error Handling </a:t>
-            </a:r>
-            <a:endParaRPr lang="en-US" dirty="0"/>
-          </a:p>
-          <a:p>
-            <a:r>
-              <a:rPr lang="en-US" dirty="0" smtClean="0"/>
-              <a:t>Create </a:t>
-            </a:r>
-            <a:r>
-              <a:rPr lang="en-US" dirty="0"/>
-              <a:t>Email To Thom functionality</a:t>
-            </a:r>
-          </a:p>
-          <a:p>
-            <a:r>
-              <a:rPr lang="en-US" dirty="0"/>
-              <a:t>Send Email by Raspberry Pi</a:t>
-            </a:r>
-          </a:p>
-          <a:p>
-            <a:endParaRPr lang="en-GB" dirty="0"/>
           </a:p>
         </p:txBody>
       </p:sp>
     </p:spTree>
     <p:extLst>
       <p:ext uri="{BB962C8B-B14F-4D97-AF65-F5344CB8AC3E}">
-        <p14:creationId xmlns:p14="http://schemas.microsoft.com/office/powerpoint/2010/main" val="1097960428"/>
+        <p14:creationId xmlns:p14="http://schemas.microsoft.com/office/powerpoint/2010/main" val="2180251118"/>
       </p:ext>
     </p:extLst>
   </p:cSld>
@@ -12970,7 +12909,7 @@
           <a:p>
             <a:r>
               <a:rPr lang="en-US" dirty="0" smtClean="0"/>
-              <a:t>Recap</a:t>
+              <a:t>Python</a:t>
             </a:r>
             <a:endParaRPr lang="en-US" dirty="0"/>
           </a:p>
@@ -12991,13 +12930,40 @@
           <a:bodyPr/>
           <a:lstStyle/>
           <a:p>
+            <a:r>
+              <a:rPr lang="en-US" dirty="0" smtClean="0"/>
+              <a:t>What is Python?</a:t>
+            </a:r>
+          </a:p>
+          <a:p>
+            <a:r>
+              <a:rPr lang="en-US" dirty="0" smtClean="0"/>
+              <a:t>Opening the text editor</a:t>
+            </a:r>
+          </a:p>
+          <a:p>
+            <a:r>
+              <a:rPr lang="en-US" dirty="0" smtClean="0"/>
+              <a:t>The first program: Hello World!</a:t>
+            </a:r>
+          </a:p>
+          <a:p>
+            <a:pPr lvl="1"/>
+            <a:r>
+              <a:rPr lang="en-US" dirty="0" smtClean="0"/>
+              <a:t>Notice the different colors of the words. Why is that?</a:t>
+            </a:r>
+          </a:p>
+          <a:p>
+            <a:r>
+              <a:rPr lang="en-US" dirty="0" smtClean="0"/>
+              <a:t>Running programs</a:t>
+            </a:r>
+          </a:p>
+          <a:p>
             <a:pPr marL="0" indent="0">
               <a:buNone/>
             </a:pPr>
-            <a:r>
-              <a:rPr lang="en-US" dirty="0" smtClean="0"/>
-              <a:t>What did we cover yesterday?</a:t>
-            </a:r>
             <a:endParaRPr lang="en-US" dirty="0"/>
           </a:p>
         </p:txBody>
@@ -13005,7 +12971,7 @@
     </p:spTree>
     <p:extLst>
       <p:ext uri="{BB962C8B-B14F-4D97-AF65-F5344CB8AC3E}">
-        <p14:creationId xmlns:p14="http://schemas.microsoft.com/office/powerpoint/2010/main" val="2180251118"/>
+        <p14:creationId xmlns:p14="http://schemas.microsoft.com/office/powerpoint/2010/main" val="1824136748"/>
       </p:ext>
     </p:extLst>
   </p:cSld>
@@ -14028,7 +13994,7 @@
           <a:p>
             <a:r>
               <a:rPr lang="en-US" dirty="0" smtClean="0"/>
-              <a:t>Service Management</a:t>
+              <a:t>Recap</a:t>
             </a:r>
             <a:endParaRPr lang="en-US" dirty="0"/>
           </a:p>
@@ -14049,54 +14015,14 @@
           <a:bodyPr/>
           <a:lstStyle/>
           <a:p>
-            <a:r>
-              <a:rPr lang="en-US" dirty="0" smtClean="0"/>
-              <a:t>Why is this needed?</a:t>
-            </a:r>
-          </a:p>
-          <a:p>
-            <a:r>
-              <a:rPr lang="en-US" dirty="0" smtClean="0"/>
-              <a:t>What does </a:t>
-            </a:r>
-            <a:r>
-              <a:rPr lang="en-US" dirty="0" err="1" smtClean="0"/>
-              <a:t>ServiceNow</a:t>
-            </a:r>
-            <a:r>
-              <a:rPr lang="en-US" dirty="0" smtClean="0"/>
-              <a:t> do?</a:t>
-            </a:r>
-          </a:p>
-          <a:p>
-            <a:r>
-              <a:rPr lang="en-US" dirty="0" smtClean="0"/>
-              <a:t>What is the issue lifecycle?</a:t>
-            </a:r>
-          </a:p>
-          <a:p>
-            <a:r>
-              <a:rPr lang="en-US" dirty="0" smtClean="0"/>
-              <a:t>How do we send an alert to </a:t>
-            </a:r>
-            <a:r>
-              <a:rPr lang="en-US" dirty="0" err="1" smtClean="0"/>
-              <a:t>ServiceNow</a:t>
-            </a:r>
-            <a:r>
-              <a:rPr lang="en-US" dirty="0" smtClean="0"/>
-              <a:t>?</a:t>
-            </a:r>
-          </a:p>
-          <a:p>
-            <a:endParaRPr lang="en-US" dirty="0"/>
+            <a:endParaRPr lang="en-US"/>
           </a:p>
         </p:txBody>
       </p:sp>
     </p:spTree>
     <p:extLst>
       <p:ext uri="{BB962C8B-B14F-4D97-AF65-F5344CB8AC3E}">
-        <p14:creationId xmlns:p14="http://schemas.microsoft.com/office/powerpoint/2010/main" val="1158526004"/>
+        <p14:creationId xmlns:p14="http://schemas.microsoft.com/office/powerpoint/2010/main" val="1318318161"/>
       </p:ext>
     </p:extLst>
   </p:cSld>
@@ -14140,7 +14066,7 @@
           <a:p>
             <a:r>
               <a:rPr lang="en-US" dirty="0" smtClean="0"/>
-              <a:t>Identifying unique devices </a:t>
+              <a:t>Service Management</a:t>
             </a:r>
             <a:endParaRPr lang="en-US" dirty="0"/>
           </a:p>
@@ -14161,13 +14087,46 @@
           <a:bodyPr/>
           <a:lstStyle/>
           <a:p>
-            <a:pPr marL="0" indent="0">
-              <a:buNone/>
-            </a:pPr>
             <a:r>
               <a:rPr lang="en-US" dirty="0" smtClean="0"/>
-              <a:t>If we placed each device in a different location, how could we tell which button was pressed to trigger an alert?</a:t>
-            </a:r>
+              <a:t>Why is this needed?</a:t>
+            </a:r>
+          </a:p>
+          <a:p>
+            <a:r>
+              <a:rPr lang="en-US" dirty="0" smtClean="0"/>
+              <a:t>What does </a:t>
+            </a:r>
+            <a:r>
+              <a:rPr lang="en-US" dirty="0" err="1" smtClean="0"/>
+              <a:t>ServiceNow</a:t>
+            </a:r>
+            <a:r>
+              <a:rPr lang="en-US" dirty="0" smtClean="0"/>
+              <a:t> do?</a:t>
+            </a:r>
+          </a:p>
+          <a:p>
+            <a:r>
+              <a:rPr lang="en-US" dirty="0" smtClean="0"/>
+              <a:t>What is the issue lifecycle?</a:t>
+            </a:r>
+          </a:p>
+          <a:p>
+            <a:r>
+              <a:rPr lang="en-US" dirty="0" smtClean="0"/>
+              <a:t>How do we send an alert to </a:t>
+            </a:r>
+            <a:r>
+              <a:rPr lang="en-US" dirty="0" err="1" smtClean="0"/>
+              <a:t>ServiceNow</a:t>
+            </a:r>
+            <a:r>
+              <a:rPr lang="en-US" dirty="0" smtClean="0"/>
+              <a:t>?</a:t>
+            </a:r>
+          </a:p>
+          <a:p>
             <a:endParaRPr lang="en-US" dirty="0"/>
           </a:p>
         </p:txBody>
@@ -14175,7 +14134,7 @@
     </p:spTree>
     <p:extLst>
       <p:ext uri="{BB962C8B-B14F-4D97-AF65-F5344CB8AC3E}">
-        <p14:creationId xmlns:p14="http://schemas.microsoft.com/office/powerpoint/2010/main" val="2115797855"/>
+        <p14:creationId xmlns:p14="http://schemas.microsoft.com/office/powerpoint/2010/main" val="1158526004"/>
       </p:ext>
     </p:extLst>
   </p:cSld>
@@ -14219,7 +14178,7 @@
           <a:p>
             <a:r>
               <a:rPr lang="en-US" dirty="0" smtClean="0"/>
-              <a:t>Repeated tickets</a:t>
+              <a:t>Identifying unique devices </a:t>
             </a:r>
             <a:endParaRPr lang="en-US" dirty="0"/>
           </a:p>
@@ -14245,32 +14204,8 @@
             </a:pPr>
             <a:r>
               <a:rPr lang="en-US" dirty="0" smtClean="0"/>
-              <a:t>Scenario 1: One person notices the coffee machine is broken and presses the button. A second person does the same, and a third person. All within five minutes. Three tickets are raised for one incident. </a:t>
-            </a:r>
-          </a:p>
-          <a:p>
-            <a:pPr marL="0" indent="0">
-              <a:buNone/>
-            </a:pPr>
-            <a:r>
-              <a:rPr lang="en-US" dirty="0" smtClean="0"/>
-              <a:t>Scenario 2: One person notices the coffee machine is broken. They really want coffee. They press the button repeatedly twenty times. Twenty tickets are raised for one incident.</a:t>
-            </a:r>
-          </a:p>
-          <a:p>
-            <a:pPr marL="0" indent="0">
-              <a:buNone/>
-            </a:pPr>
-            <a:r>
-              <a:rPr lang="en-US" dirty="0" smtClean="0"/>
-              <a:t>Q: How would we avoid these scenarios?</a:t>
-            </a:r>
-            <a:endParaRPr lang="en-US" dirty="0"/>
-          </a:p>
-          <a:p>
-            <a:pPr marL="0" indent="0">
-              <a:buNone/>
-            </a:pPr>
+              <a:t>If we placed each device in a different location, how could we tell which button was pressed to trigger an alert?</a:t>
+            </a:r>
             <a:endParaRPr lang="en-US" dirty="0"/>
           </a:p>
         </p:txBody>
@@ -14278,7 +14213,7 @@
     </p:spTree>
     <p:extLst>
       <p:ext uri="{BB962C8B-B14F-4D97-AF65-F5344CB8AC3E}">
-        <p14:creationId xmlns:p14="http://schemas.microsoft.com/office/powerpoint/2010/main" val="3955968203"/>
+        <p14:creationId xmlns:p14="http://schemas.microsoft.com/office/powerpoint/2010/main" val="2115797855"/>
       </p:ext>
     </p:extLst>
   </p:cSld>
@@ -14322,9 +14257,13 @@
           <a:p>
             <a:r>
               <a:rPr lang="en-US" dirty="0" smtClean="0"/>
-              <a:t>Day 4: maturing the model</a:t>
-            </a:r>
-            <a:endParaRPr lang="en-GB" dirty="0"/>
+              <a:t>Send emails to </a:t>
+            </a:r>
+            <a:r>
+              <a:rPr lang="en-US" dirty="0" err="1" smtClean="0"/>
+              <a:t>servicenow</a:t>
+            </a:r>
+            <a:endParaRPr lang="en-US" dirty="0"/>
           </a:p>
         </p:txBody>
       </p:sp>
@@ -14340,62 +14279,17 @@
         </p:nvSpPr>
         <p:spPr/>
         <p:txBody>
-          <a:bodyPr>
-            <a:normAutofit/>
-          </a:bodyPr>
+          <a:bodyPr/>
           <a:lstStyle/>
           <a:p>
-            <a:r>
-              <a:rPr lang="en-US" dirty="0"/>
-              <a:t>Using the Cloud to create </a:t>
-            </a:r>
-            <a:r>
-              <a:rPr lang="en-US" dirty="0" err="1"/>
-              <a:t>ServiceNow</a:t>
-            </a:r>
-            <a:r>
-              <a:rPr lang="en-US" dirty="0"/>
-              <a:t> </a:t>
-            </a:r>
-            <a:r>
-              <a:rPr lang="en-US" dirty="0" smtClean="0"/>
-              <a:t>tickets</a:t>
-            </a:r>
-          </a:p>
-          <a:p>
-            <a:r>
-              <a:rPr lang="en-US" dirty="0" smtClean="0"/>
-              <a:t>Reporting</a:t>
-            </a:r>
-            <a:endParaRPr lang="en-US" dirty="0"/>
-          </a:p>
-          <a:p>
-            <a:r>
-              <a:rPr lang="en-US" dirty="0"/>
-              <a:t>Wrapping up</a:t>
-            </a:r>
-          </a:p>
-          <a:p>
-            <a:r>
-              <a:rPr lang="en-US" dirty="0"/>
-              <a:t>Other things you can do with a Raspberry Pi</a:t>
-            </a:r>
-          </a:p>
-          <a:p>
-            <a:r>
-              <a:rPr lang="en-US" dirty="0"/>
-              <a:t>Participant Feedback</a:t>
-            </a:r>
-          </a:p>
-          <a:p>
-            <a:endParaRPr lang="en-GB" dirty="0"/>
+            <a:endParaRPr lang="en-US"/>
           </a:p>
         </p:txBody>
       </p:sp>
     </p:spTree>
     <p:extLst>
       <p:ext uri="{BB962C8B-B14F-4D97-AF65-F5344CB8AC3E}">
-        <p14:creationId xmlns:p14="http://schemas.microsoft.com/office/powerpoint/2010/main" val="1778859132"/>
+        <p14:creationId xmlns:p14="http://schemas.microsoft.com/office/powerpoint/2010/main" val="2870552506"/>
       </p:ext>
     </p:extLst>
   </p:cSld>
@@ -14439,7 +14333,7 @@
           <a:p>
             <a:r>
               <a:rPr lang="en-US" dirty="0" smtClean="0"/>
-              <a:t>Azure stuff</a:t>
+              <a:t>Repeated tickets</a:t>
             </a:r>
             <a:endParaRPr lang="en-US" dirty="0"/>
           </a:p>
@@ -14460,48 +14354,51 @@
           <a:bodyPr/>
           <a:lstStyle/>
           <a:p>
+            <a:pPr marL="0" indent="0">
+              <a:buNone/>
+            </a:pPr>
             <a:r>
               <a:rPr lang="en-US" dirty="0" smtClean="0"/>
-              <a:t>Why use back end system instead of emailing directly?</a:t>
-            </a:r>
-          </a:p>
-          <a:p>
+              <a:t>Scenario 1: One person notices the coffee machine is broken and presses the button. A second person does the same, and a third person. All within five minutes. Three tickets are raised for one incident. </a:t>
+            </a:r>
+          </a:p>
+          <a:p>
+            <a:pPr marL="0" indent="0">
+              <a:buNone/>
+            </a:pPr>
             <a:r>
               <a:rPr lang="en-US" dirty="0" smtClean="0"/>
-              <a:t>How do we talk to the back end system?</a:t>
-            </a:r>
-          </a:p>
-          <a:p>
+              <a:t>Scenario 2: One person notices the coffee machine is broken. They really want coffee. They press the button repeatedly twenty times. Twenty tickets are raised for one incident.</a:t>
+            </a:r>
+          </a:p>
+          <a:p>
+            <a:pPr marL="0" indent="0">
+              <a:buNone/>
+            </a:pPr>
             <a:r>
               <a:rPr lang="en-US" dirty="0" smtClean="0"/>
-              <a:t>What is the cloud?</a:t>
-            </a:r>
-          </a:p>
-          <a:p>
-            <a:r>
-              <a:rPr lang="en-US" dirty="0" smtClean="0"/>
-              <a:t>Update the Raspberry Pi to talk to the API to raise a ticket in ServiceNow</a:t>
-            </a:r>
+              <a:t>Q: How would we avoid these scenarios?</a:t>
+            </a:r>
+            <a:endParaRPr lang="en-US" dirty="0"/>
+          </a:p>
+          <a:p>
+            <a:pPr marL="0" indent="0">
+              <a:buNone/>
+            </a:pPr>
+            <a:endParaRPr lang="en-US" dirty="0"/>
           </a:p>
         </p:txBody>
       </p:sp>
     </p:spTree>
     <p:extLst>
       <p:ext uri="{BB962C8B-B14F-4D97-AF65-F5344CB8AC3E}">
-        <p14:creationId xmlns:p14="http://schemas.microsoft.com/office/powerpoint/2010/main" val="3358359096"/>
+        <p14:creationId xmlns:p14="http://schemas.microsoft.com/office/powerpoint/2010/main" val="3955968203"/>
       </p:ext>
     </p:extLst>
   </p:cSld>
   <p:clrMapOvr>
     <a:masterClrMapping/>
   </p:clrMapOvr>
-  <p:timing>
-    <p:tnLst>
-      <p:par>
-        <p:cTn id="1" dur="indefinite" restart="never" nodeType="tmRoot"/>
-      </p:par>
-    </p:tnLst>
-  </p:timing>
 </p:sld>
 </file>
 
@@ -14539,72 +14436,72 @@
           <a:p>
             <a:r>
               <a:rPr lang="en-US" dirty="0" smtClean="0"/>
+              <a:t>Day 4: maturing the model</a:t>
+            </a:r>
+            <a:endParaRPr lang="en-GB" dirty="0"/>
+          </a:p>
+        </p:txBody>
+      </p:sp>
+      <p:sp>
+        <p:nvSpPr>
+          <p:cNvPr id="3" name="Content Placeholder 2"/>
+          <p:cNvSpPr>
+            <a:spLocks noGrp="1"/>
+          </p:cNvSpPr>
+          <p:nvPr>
+            <p:ph idx="1"/>
+          </p:nvPr>
+        </p:nvSpPr>
+        <p:spPr/>
+        <p:txBody>
+          <a:bodyPr>
+            <a:normAutofit/>
+          </a:bodyPr>
+          <a:lstStyle/>
+          <a:p>
+            <a:r>
+              <a:rPr lang="en-US" dirty="0"/>
+              <a:t>Using the Cloud to create </a:t>
+            </a:r>
+            <a:r>
+              <a:rPr lang="en-US" dirty="0" err="1"/>
+              <a:t>ServiceNow</a:t>
+            </a:r>
+            <a:r>
+              <a:rPr lang="en-US" dirty="0"/>
+              <a:t> </a:t>
+            </a:r>
+            <a:r>
+              <a:rPr lang="en-US" dirty="0" smtClean="0"/>
+              <a:t>tickets</a:t>
+            </a:r>
+          </a:p>
+          <a:p>
+            <a:r>
+              <a:rPr lang="en-US" dirty="0" smtClean="0"/>
               <a:t>Reporting</a:t>
             </a:r>
-            <a:endParaRPr lang="en-GB" dirty="0"/>
-          </a:p>
-        </p:txBody>
-      </p:sp>
-      <p:sp>
-        <p:nvSpPr>
-          <p:cNvPr id="3" name="Content Placeholder 2"/>
-          <p:cNvSpPr>
-            <a:spLocks noGrp="1"/>
-          </p:cNvSpPr>
-          <p:nvPr>
-            <p:ph idx="1"/>
-          </p:nvPr>
-        </p:nvSpPr>
-        <p:spPr/>
-        <p:txBody>
-          <a:bodyPr/>
-          <a:lstStyle/>
-          <a:p>
-            <a:r>
-              <a:rPr lang="en-GB" dirty="0" smtClean="0"/>
-              <a:t>Where do you see reporting in your everyday life?</a:t>
-            </a:r>
-          </a:p>
-          <a:p>
-            <a:r>
-              <a:rPr lang="en-GB" dirty="0" smtClean="0"/>
-              <a:t>Why is it important?</a:t>
-            </a:r>
-          </a:p>
-          <a:p>
-            <a:r>
-              <a:rPr lang="en-GB" dirty="0" smtClean="0"/>
-              <a:t>What </a:t>
-            </a:r>
-            <a:r>
-              <a:rPr lang="en-GB" smtClean="0"/>
-              <a:t>does bad/good </a:t>
-            </a:r>
-            <a:r>
-              <a:rPr lang="en-GB" dirty="0" smtClean="0"/>
-              <a:t>reporting look like?</a:t>
-            </a:r>
-          </a:p>
-          <a:p>
-            <a:r>
-              <a:rPr lang="en-GB" dirty="0" smtClean="0"/>
-              <a:t>What do we want to </a:t>
-            </a:r>
-            <a:r>
-              <a:rPr lang="en-GB" dirty="0"/>
-              <a:t>learn from ServiceNow </a:t>
-            </a:r>
-            <a:r>
-              <a:rPr lang="en-GB" dirty="0" smtClean="0"/>
-              <a:t>data</a:t>
-            </a:r>
-            <a:endParaRPr lang="en-GB" dirty="0" smtClean="0"/>
-          </a:p>
-          <a:p>
-            <a:r>
-              <a:rPr lang="en-GB" dirty="0" smtClean="0"/>
-              <a:t>Create your own data visualizations</a:t>
-            </a:r>
+            <a:endParaRPr lang="en-US" dirty="0"/>
+          </a:p>
+          <a:p>
+            <a:r>
+              <a:rPr lang="en-US" dirty="0"/>
+              <a:t>Wrapping up</a:t>
+            </a:r>
+          </a:p>
+          <a:p>
+            <a:r>
+              <a:rPr lang="en-US" dirty="0"/>
+              <a:t>Other things you can do with a Raspberry Pi</a:t>
+            </a:r>
+          </a:p>
+          <a:p>
+            <a:r>
+              <a:rPr lang="en-US" dirty="0"/>
+              <a:t>Participant Feedback</a:t>
+            </a:r>
+          </a:p>
+          <a:p>
             <a:endParaRPr lang="en-GB" dirty="0"/>
           </a:p>
         </p:txBody>
@@ -14612,7 +14509,7 @@
     </p:spTree>
     <p:extLst>
       <p:ext uri="{BB962C8B-B14F-4D97-AF65-F5344CB8AC3E}">
-        <p14:creationId xmlns:p14="http://schemas.microsoft.com/office/powerpoint/2010/main" val="3197062606"/>
+        <p14:creationId xmlns:p14="http://schemas.microsoft.com/office/powerpoint/2010/main" val="1778859132"/>
       </p:ext>
     </p:extLst>
   </p:cSld>
@@ -14656,7 +14553,7 @@
           <a:p>
             <a:r>
               <a:rPr lang="en-US" dirty="0" smtClean="0"/>
-              <a:t>Other projects</a:t>
+              <a:t>Recap</a:t>
             </a:r>
             <a:endParaRPr lang="en-US" dirty="0"/>
           </a:p>
@@ -14677,52 +14574,6 @@
           <a:bodyPr/>
           <a:lstStyle/>
           <a:p>
-            <a:r>
-              <a:rPr lang="en-US" dirty="0" smtClean="0"/>
-              <a:t>Alien Invasion</a:t>
-            </a:r>
-          </a:p>
-          <a:p>
-            <a:r>
-              <a:rPr lang="en-US" dirty="0" err="1" smtClean="0"/>
-              <a:t>Kodi</a:t>
-            </a:r>
-            <a:r>
-              <a:rPr lang="en-US" dirty="0" smtClean="0"/>
-              <a:t> Media Center</a:t>
-            </a:r>
-          </a:p>
-          <a:p>
-            <a:r>
-              <a:rPr lang="en-US" dirty="0" smtClean="0"/>
-              <a:t>Steam link – stream your PC games to your TV</a:t>
-            </a:r>
-          </a:p>
-          <a:p>
-            <a:r>
-              <a:rPr lang="en-US" dirty="0" smtClean="0"/>
-              <a:t>Alexa: Build your own Amazon Echo/ Google assistant</a:t>
-            </a:r>
-          </a:p>
-          <a:p>
-            <a:r>
-              <a:rPr lang="en-US" dirty="0" smtClean="0"/>
-              <a:t>Pi-hole – network wide ad-blocker</a:t>
-            </a:r>
-          </a:p>
-          <a:p>
-            <a:r>
-              <a:rPr lang="en-US" dirty="0" err="1"/>
-              <a:t>Adafruit</a:t>
-            </a:r>
-            <a:r>
-              <a:rPr lang="en-US"/>
-              <a:t> for more </a:t>
-            </a:r>
-            <a:r>
-              <a:rPr lang="en-US" smtClean="0"/>
-              <a:t>accessories</a:t>
-            </a:r>
             <a:endParaRPr lang="en-US"/>
           </a:p>
         </p:txBody>
@@ -14730,7 +14581,7 @@
     </p:spTree>
     <p:extLst>
       <p:ext uri="{BB962C8B-B14F-4D97-AF65-F5344CB8AC3E}">
-        <p14:creationId xmlns:p14="http://schemas.microsoft.com/office/powerpoint/2010/main" val="4038175424"/>
+        <p14:creationId xmlns:p14="http://schemas.microsoft.com/office/powerpoint/2010/main" val="3901088632"/>
       </p:ext>
     </p:extLst>
   </p:cSld>
@@ -14831,6 +14682,340 @@
 </file>
 
 <file path=ppt/slides/slide30.xml><?xml version="1.0" encoding="utf-8"?>
+<p:sld xmlns:a="http://schemas.openxmlformats.org/drawingml/2006/main" xmlns:r="http://schemas.openxmlformats.org/officeDocument/2006/relationships" xmlns:p="http://schemas.openxmlformats.org/presentationml/2006/main">
+  <p:cSld>
+    <p:spTree>
+      <p:nvGrpSpPr>
+        <p:cNvPr id="1" name=""/>
+        <p:cNvGrpSpPr/>
+        <p:nvPr/>
+      </p:nvGrpSpPr>
+      <p:grpSpPr>
+        <a:xfrm>
+          <a:off x="0" y="0"/>
+          <a:ext cx="0" cy="0"/>
+          <a:chOff x="0" y="0"/>
+          <a:chExt cx="0" cy="0"/>
+        </a:xfrm>
+      </p:grpSpPr>
+      <p:sp>
+        <p:nvSpPr>
+          <p:cNvPr id="2" name="Title 1"/>
+          <p:cNvSpPr>
+            <a:spLocks noGrp="1"/>
+          </p:cNvSpPr>
+          <p:nvPr>
+            <p:ph type="title"/>
+          </p:nvPr>
+        </p:nvSpPr>
+        <p:spPr/>
+        <p:txBody>
+          <a:bodyPr/>
+          <a:lstStyle/>
+          <a:p>
+            <a:r>
+              <a:rPr lang="en-US" dirty="0" smtClean="0"/>
+              <a:t>Azure</a:t>
+            </a:r>
+            <a:endParaRPr lang="en-US" dirty="0"/>
+          </a:p>
+        </p:txBody>
+      </p:sp>
+      <p:sp>
+        <p:nvSpPr>
+          <p:cNvPr id="3" name="Content Placeholder 2"/>
+          <p:cNvSpPr>
+            <a:spLocks noGrp="1"/>
+          </p:cNvSpPr>
+          <p:nvPr>
+            <p:ph idx="1"/>
+          </p:nvPr>
+        </p:nvSpPr>
+        <p:spPr/>
+        <p:txBody>
+          <a:bodyPr/>
+          <a:lstStyle/>
+          <a:p>
+            <a:r>
+              <a:rPr lang="en-US" dirty="0" smtClean="0"/>
+              <a:t>Why use back end system instead of emailing directly?</a:t>
+            </a:r>
+          </a:p>
+          <a:p>
+            <a:r>
+              <a:rPr lang="en-US" dirty="0" smtClean="0"/>
+              <a:t>How do we talk to the back end system?</a:t>
+            </a:r>
+          </a:p>
+          <a:p>
+            <a:r>
+              <a:rPr lang="en-US" dirty="0" smtClean="0"/>
+              <a:t>What is the cloud?</a:t>
+            </a:r>
+          </a:p>
+          <a:p>
+            <a:r>
+              <a:rPr lang="en-US" dirty="0" smtClean="0"/>
+              <a:t>Update the Raspberry Pi to talk to the API to raise a ticket in ServiceNow</a:t>
+            </a:r>
+          </a:p>
+        </p:txBody>
+      </p:sp>
+    </p:spTree>
+    <p:extLst>
+      <p:ext uri="{BB962C8B-B14F-4D97-AF65-F5344CB8AC3E}">
+        <p14:creationId xmlns:p14="http://schemas.microsoft.com/office/powerpoint/2010/main" val="3358359096"/>
+      </p:ext>
+    </p:extLst>
+  </p:cSld>
+  <p:clrMapOvr>
+    <a:masterClrMapping/>
+  </p:clrMapOvr>
+  <p:timing>
+    <p:tnLst>
+      <p:par>
+        <p:cTn id="1" dur="indefinite" restart="never" nodeType="tmRoot"/>
+      </p:par>
+    </p:tnLst>
+  </p:timing>
+</p:sld>
+</file>
+
+<file path=ppt/slides/slide31.xml><?xml version="1.0" encoding="utf-8"?>
+<p:sld xmlns:a="http://schemas.openxmlformats.org/drawingml/2006/main" xmlns:r="http://schemas.openxmlformats.org/officeDocument/2006/relationships" xmlns:p="http://schemas.openxmlformats.org/presentationml/2006/main">
+  <p:cSld>
+    <p:spTree>
+      <p:nvGrpSpPr>
+        <p:cNvPr id="1" name=""/>
+        <p:cNvGrpSpPr/>
+        <p:nvPr/>
+      </p:nvGrpSpPr>
+      <p:grpSpPr>
+        <a:xfrm>
+          <a:off x="0" y="0"/>
+          <a:ext cx="0" cy="0"/>
+          <a:chOff x="0" y="0"/>
+          <a:chExt cx="0" cy="0"/>
+        </a:xfrm>
+      </p:grpSpPr>
+      <p:sp>
+        <p:nvSpPr>
+          <p:cNvPr id="2" name="Title 1"/>
+          <p:cNvSpPr>
+            <a:spLocks noGrp="1"/>
+          </p:cNvSpPr>
+          <p:nvPr>
+            <p:ph type="title"/>
+          </p:nvPr>
+        </p:nvSpPr>
+        <p:spPr/>
+        <p:txBody>
+          <a:bodyPr/>
+          <a:lstStyle/>
+          <a:p>
+            <a:r>
+              <a:rPr lang="en-US" dirty="0" smtClean="0"/>
+              <a:t>Reporting</a:t>
+            </a:r>
+            <a:endParaRPr lang="en-GB" dirty="0"/>
+          </a:p>
+        </p:txBody>
+      </p:sp>
+      <p:sp>
+        <p:nvSpPr>
+          <p:cNvPr id="3" name="Content Placeholder 2"/>
+          <p:cNvSpPr>
+            <a:spLocks noGrp="1"/>
+          </p:cNvSpPr>
+          <p:nvPr>
+            <p:ph idx="1"/>
+          </p:nvPr>
+        </p:nvSpPr>
+        <p:spPr/>
+        <p:txBody>
+          <a:bodyPr/>
+          <a:lstStyle/>
+          <a:p>
+            <a:r>
+              <a:rPr lang="en-GB" dirty="0" smtClean="0"/>
+              <a:t>Where do you see reporting in your everyday life?</a:t>
+            </a:r>
+          </a:p>
+          <a:p>
+            <a:r>
+              <a:rPr lang="en-GB" dirty="0" smtClean="0"/>
+              <a:t>Why is it important?</a:t>
+            </a:r>
+          </a:p>
+          <a:p>
+            <a:r>
+              <a:rPr lang="en-GB" dirty="0" smtClean="0"/>
+              <a:t>What </a:t>
+            </a:r>
+            <a:r>
+              <a:rPr lang="en-GB" smtClean="0"/>
+              <a:t>does bad/good </a:t>
+            </a:r>
+            <a:r>
+              <a:rPr lang="en-GB" dirty="0" smtClean="0"/>
+              <a:t>reporting look like?</a:t>
+            </a:r>
+          </a:p>
+          <a:p>
+            <a:r>
+              <a:rPr lang="en-GB" dirty="0" smtClean="0"/>
+              <a:t>What do we want to </a:t>
+            </a:r>
+            <a:r>
+              <a:rPr lang="en-GB" dirty="0"/>
+              <a:t>learn from ServiceNow </a:t>
+            </a:r>
+            <a:r>
+              <a:rPr lang="en-GB" dirty="0" smtClean="0"/>
+              <a:t>data</a:t>
+            </a:r>
+          </a:p>
+          <a:p>
+            <a:r>
+              <a:rPr lang="en-GB" dirty="0" smtClean="0"/>
+              <a:t>Create your own data visualizations</a:t>
+            </a:r>
+            <a:endParaRPr lang="en-GB" dirty="0"/>
+          </a:p>
+        </p:txBody>
+      </p:sp>
+    </p:spTree>
+    <p:extLst>
+      <p:ext uri="{BB962C8B-B14F-4D97-AF65-F5344CB8AC3E}">
+        <p14:creationId xmlns:p14="http://schemas.microsoft.com/office/powerpoint/2010/main" val="3197062606"/>
+      </p:ext>
+    </p:extLst>
+  </p:cSld>
+  <p:clrMapOvr>
+    <a:masterClrMapping/>
+  </p:clrMapOvr>
+</p:sld>
+</file>
+
+<file path=ppt/slides/slide32.xml><?xml version="1.0" encoding="utf-8"?>
+<p:sld xmlns:a="http://schemas.openxmlformats.org/drawingml/2006/main" xmlns:r="http://schemas.openxmlformats.org/officeDocument/2006/relationships" xmlns:p="http://schemas.openxmlformats.org/presentationml/2006/main">
+  <p:cSld>
+    <p:spTree>
+      <p:nvGrpSpPr>
+        <p:cNvPr id="1" name=""/>
+        <p:cNvGrpSpPr/>
+        <p:nvPr/>
+      </p:nvGrpSpPr>
+      <p:grpSpPr>
+        <a:xfrm>
+          <a:off x="0" y="0"/>
+          <a:ext cx="0" cy="0"/>
+          <a:chOff x="0" y="0"/>
+          <a:chExt cx="0" cy="0"/>
+        </a:xfrm>
+      </p:grpSpPr>
+      <p:sp>
+        <p:nvSpPr>
+          <p:cNvPr id="2" name="Title 1"/>
+          <p:cNvSpPr>
+            <a:spLocks noGrp="1"/>
+          </p:cNvSpPr>
+          <p:nvPr>
+            <p:ph type="title"/>
+          </p:nvPr>
+        </p:nvSpPr>
+        <p:spPr/>
+        <p:txBody>
+          <a:bodyPr/>
+          <a:lstStyle/>
+          <a:p>
+            <a:r>
+              <a:rPr lang="en-US" dirty="0" smtClean="0"/>
+              <a:t>Other projects</a:t>
+            </a:r>
+            <a:endParaRPr lang="en-US" dirty="0"/>
+          </a:p>
+        </p:txBody>
+      </p:sp>
+      <p:sp>
+        <p:nvSpPr>
+          <p:cNvPr id="3" name="Content Placeholder 2"/>
+          <p:cNvSpPr>
+            <a:spLocks noGrp="1"/>
+          </p:cNvSpPr>
+          <p:nvPr>
+            <p:ph idx="1"/>
+          </p:nvPr>
+        </p:nvSpPr>
+        <p:spPr/>
+        <p:txBody>
+          <a:bodyPr/>
+          <a:lstStyle/>
+          <a:p>
+            <a:r>
+              <a:rPr lang="en-US" dirty="0" smtClean="0"/>
+              <a:t>Alien Invasion</a:t>
+            </a:r>
+          </a:p>
+          <a:p>
+            <a:r>
+              <a:rPr lang="en-US" dirty="0" err="1" smtClean="0"/>
+              <a:t>Kodi</a:t>
+            </a:r>
+            <a:r>
+              <a:rPr lang="en-US" dirty="0" smtClean="0"/>
+              <a:t> Media Center</a:t>
+            </a:r>
+          </a:p>
+          <a:p>
+            <a:r>
+              <a:rPr lang="en-US" dirty="0" smtClean="0"/>
+              <a:t>Steam link – stream your PC games to your TV</a:t>
+            </a:r>
+          </a:p>
+          <a:p>
+            <a:r>
+              <a:rPr lang="en-US" dirty="0" smtClean="0"/>
+              <a:t>Alexa: Build your own Amazon Echo/ Google assistant</a:t>
+            </a:r>
+          </a:p>
+          <a:p>
+            <a:r>
+              <a:rPr lang="en-US" dirty="0" smtClean="0"/>
+              <a:t>Pi-hole – network wide ad-blocker</a:t>
+            </a:r>
+          </a:p>
+          <a:p>
+            <a:r>
+              <a:rPr lang="en-US" dirty="0" err="1"/>
+              <a:t>Adafruit</a:t>
+            </a:r>
+            <a:r>
+              <a:rPr lang="en-US"/>
+              <a:t> for more </a:t>
+            </a:r>
+            <a:r>
+              <a:rPr lang="en-US" smtClean="0"/>
+              <a:t>accessories</a:t>
+            </a:r>
+            <a:endParaRPr lang="en-US"/>
+          </a:p>
+        </p:txBody>
+      </p:sp>
+    </p:spTree>
+    <p:extLst>
+      <p:ext uri="{BB962C8B-B14F-4D97-AF65-F5344CB8AC3E}">
+        <p14:creationId xmlns:p14="http://schemas.microsoft.com/office/powerpoint/2010/main" val="4038175424"/>
+      </p:ext>
+    </p:extLst>
+  </p:cSld>
+  <p:clrMapOvr>
+    <a:masterClrMapping/>
+  </p:clrMapOvr>
+</p:sld>
+</file>
+
+<file path=ppt/slides/slide33.xml><?xml version="1.0" encoding="utf-8"?>
 <p:sld xmlns:a="http://schemas.openxmlformats.org/drawingml/2006/main" xmlns:r="http://schemas.openxmlformats.org/officeDocument/2006/relationships" xmlns:p="http://schemas.openxmlformats.org/presentationml/2006/main">
   <p:cSld>
     <p:spTree>
@@ -15417,8 +15602,12 @@
           <a:lstStyle/>
           <a:p>
             <a:r>
+              <a:rPr lang="en-US" dirty="0" err="1" smtClean="0"/>
+              <a:t>cIRCUIT</a:t>
+            </a:r>
+            <a:r>
               <a:rPr lang="en-US" dirty="0" smtClean="0"/>
-              <a:t>Intro to Raspberry pi</a:t>
+              <a:t> symbols</a:t>
             </a:r>
             <a:endParaRPr lang="en-US" dirty="0"/>
           </a:p>
@@ -15442,60 +15631,41 @@
             <a:pPr marL="0" indent="0">
               <a:buNone/>
             </a:pPr>
-            <a:r>
-              <a:rPr lang="en-US" dirty="0" smtClean="0"/>
-              <a:t>1) Plug in</a:t>
-            </a:r>
-          </a:p>
-          <a:p>
-            <a:pPr marL="0" indent="0">
-              <a:buNone/>
-            </a:pPr>
-            <a:r>
-              <a:rPr lang="en-US" dirty="0" smtClean="0"/>
-              <a:t>2) Console</a:t>
-            </a:r>
-          </a:p>
-          <a:p>
-            <a:pPr marL="0" indent="0">
-              <a:buNone/>
-            </a:pPr>
-            <a:r>
-              <a:rPr lang="en-US" dirty="0" smtClean="0"/>
-              <a:t>3) Blah </a:t>
-            </a:r>
-            <a:r>
-              <a:rPr lang="en-US" dirty="0" err="1" smtClean="0"/>
-              <a:t>blah</a:t>
-            </a:r>
-            <a:r>
-              <a:rPr lang="en-US" dirty="0" smtClean="0"/>
-              <a:t> </a:t>
-            </a:r>
-            <a:r>
-              <a:rPr lang="en-US" dirty="0" err="1" smtClean="0"/>
-              <a:t>blah</a:t>
-            </a:r>
             <a:endParaRPr lang="en-US" dirty="0" smtClean="0"/>
           </a:p>
           <a:p>
-            <a:pPr marL="0" indent="0">
-              <a:buNone/>
-            </a:pPr>
-            <a:r>
-              <a:rPr lang="en-US" dirty="0" smtClean="0"/>
-              <a:t>4) Clone the repo</a:t>
-            </a:r>
-          </a:p>
-          <a:p>
             <a:endParaRPr lang="en-US" dirty="0"/>
           </a:p>
         </p:txBody>
       </p:sp>
+      <p:pic>
+        <p:nvPicPr>
+          <p:cNvPr id="11" name="Picture 10"/>
+          <p:cNvPicPr>
+            <a:picLocks noChangeAspect="1"/>
+          </p:cNvPicPr>
+          <p:nvPr/>
+        </p:nvPicPr>
+        <p:blipFill>
+          <a:blip r:embed="rId2"/>
+          <a:stretch>
+            <a:fillRect/>
+          </a:stretch>
+        </p:blipFill>
+        <p:spPr>
+          <a:xfrm>
+            <a:off x="2758860" y="1698652"/>
+            <a:ext cx="6671101" cy="4643383"/>
+          </a:xfrm>
+          <a:prstGeom prst="rect">
+            <a:avLst/>
+          </a:prstGeom>
+        </p:spPr>
+      </p:pic>
     </p:spTree>
     <p:extLst>
       <p:ext uri="{BB962C8B-B14F-4D97-AF65-F5344CB8AC3E}">
-        <p14:creationId xmlns:p14="http://schemas.microsoft.com/office/powerpoint/2010/main" val="2044859461"/>
+        <p14:creationId xmlns:p14="http://schemas.microsoft.com/office/powerpoint/2010/main" val="4205968302"/>
       </p:ext>
     </p:extLst>
   </p:cSld>
@@ -15538,8 +15708,16 @@
           <a:lstStyle/>
           <a:p>
             <a:r>
+              <a:rPr lang="en-US" dirty="0" err="1" smtClean="0"/>
+              <a:t>cIRCUIT</a:t>
+            </a:r>
+            <a:r>
               <a:rPr lang="en-US" dirty="0" smtClean="0"/>
-              <a:t>Python</a:t>
+              <a:t> </a:t>
+            </a:r>
+            <a:r>
+              <a:rPr lang="en-US" dirty="0" err="1" smtClean="0"/>
+              <a:t>diagramS</a:t>
             </a:r>
             <a:endParaRPr lang="en-US" dirty="0"/>
           </a:p>
@@ -15560,48 +15738,92 @@
           <a:bodyPr/>
           <a:lstStyle/>
           <a:p>
-            <a:r>
-              <a:rPr lang="en-US" dirty="0" smtClean="0"/>
-              <a:t>What is Python?</a:t>
-            </a:r>
-          </a:p>
-          <a:p>
-            <a:r>
-              <a:rPr lang="en-US" dirty="0" smtClean="0"/>
-              <a:t>Opening the text editor</a:t>
-            </a:r>
-          </a:p>
-          <a:p>
-            <a:r>
-              <a:rPr lang="en-US" dirty="0" smtClean="0"/>
-              <a:t>The first program: Hello World!</a:t>
-            </a:r>
-          </a:p>
-          <a:p>
-            <a:pPr lvl="1"/>
-            <a:r>
-              <a:rPr lang="en-US" dirty="0" smtClean="0"/>
-              <a:t>Notice the different colors of the words. Why is that?</a:t>
-            </a:r>
-          </a:p>
-          <a:p>
-            <a:r>
-              <a:rPr lang="en-US" dirty="0" smtClean="0"/>
-              <a:t>Running programs</a:t>
-            </a:r>
-          </a:p>
-          <a:p>
             <a:pPr marL="0" indent="0">
               <a:buNone/>
             </a:pPr>
+            <a:endParaRPr lang="en-US" dirty="0" smtClean="0"/>
+          </a:p>
+          <a:p>
             <a:endParaRPr lang="en-US" dirty="0"/>
           </a:p>
         </p:txBody>
       </p:sp>
+      <p:pic>
+        <p:nvPicPr>
+          <p:cNvPr id="5" name="Picture 4"/>
+          <p:cNvPicPr>
+            <a:picLocks noChangeAspect="1"/>
+          </p:cNvPicPr>
+          <p:nvPr/>
+        </p:nvPicPr>
+        <p:blipFill>
+          <a:blip r:embed="rId2"/>
+          <a:stretch>
+            <a:fillRect/>
+          </a:stretch>
+        </p:blipFill>
+        <p:spPr>
+          <a:xfrm>
+            <a:off x="1141412" y="1861839"/>
+            <a:ext cx="3907200" cy="1977326"/>
+          </a:xfrm>
+          <a:prstGeom prst="rect">
+            <a:avLst/>
+          </a:prstGeom>
+        </p:spPr>
+      </p:pic>
+      <p:pic>
+        <p:nvPicPr>
+          <p:cNvPr id="6" name="Picture 5"/>
+          <p:cNvPicPr>
+            <a:picLocks noChangeAspect="1"/>
+          </p:cNvPicPr>
+          <p:nvPr/>
+        </p:nvPicPr>
+        <p:blipFill>
+          <a:blip r:embed="rId3"/>
+          <a:stretch>
+            <a:fillRect/>
+          </a:stretch>
+        </p:blipFill>
+        <p:spPr>
+          <a:xfrm>
+            <a:off x="5691282" y="1861839"/>
+            <a:ext cx="3907200" cy="1977326"/>
+          </a:xfrm>
+          <a:prstGeom prst="rect">
+            <a:avLst/>
+          </a:prstGeom>
+        </p:spPr>
+      </p:pic>
+      <p:pic>
+        <p:nvPicPr>
+          <p:cNvPr id="7" name="Picture 6"/>
+          <p:cNvPicPr>
+            <a:picLocks noChangeAspect="1"/>
+          </p:cNvPicPr>
+          <p:nvPr/>
+        </p:nvPicPr>
+        <p:blipFill>
+          <a:blip r:embed="rId4"/>
+          <a:stretch>
+            <a:fillRect/>
+          </a:stretch>
+        </p:blipFill>
+        <p:spPr>
+          <a:xfrm>
+            <a:off x="3554571" y="4328000"/>
+            <a:ext cx="3907200" cy="2232823"/>
+          </a:xfrm>
+          <a:prstGeom prst="rect">
+            <a:avLst/>
+          </a:prstGeom>
+        </p:spPr>
+      </p:pic>
     </p:spTree>
     <p:extLst>
       <p:ext uri="{BB962C8B-B14F-4D97-AF65-F5344CB8AC3E}">
-        <p14:creationId xmlns:p14="http://schemas.microsoft.com/office/powerpoint/2010/main" val="1824136748"/>
+        <p14:creationId xmlns:p14="http://schemas.microsoft.com/office/powerpoint/2010/main" val="1384871489"/>
       </p:ext>
     </p:extLst>
   </p:cSld>

--- a/docs/SMAP Materials Unbranded.pptx
+++ b/docs/SMAP Materials Unbranded.pptx
@@ -194,7 +194,7 @@
           <a:noFill/>
           <a:extLst>
             <a:ext uri="{909E8E84-426E-40dd-AFC4-6F175D3DCCD1}">
-              <a14:hiddenFill xmlns:a14="http://schemas.microsoft.com/office/drawing/2010/main" xmlns="">
+              <a14:hiddenFill xmlns="" xmlns:a14="http://schemas.microsoft.com/office/drawing/2010/main">
                 <a:solidFill>
                   <a:srgbClr val="FFFFFF"/>
                 </a:solidFill>
@@ -254,7 +254,7 @@
             </a:ln>
             <a:extLst>
               <a:ext uri="{91240B29-F687-4f45-9708-019B960494DF}">
-                <a14:hiddenLine xmlns:a14="http://schemas.microsoft.com/office/drawing/2010/main" xmlns="" w="9525">
+                <a14:hiddenLine xmlns="" xmlns:a14="http://schemas.microsoft.com/office/drawing/2010/main" w="9525">
                   <a:solidFill>
                     <a:srgbClr val="000000"/>
                   </a:solidFill>
@@ -344,7 +344,7 @@
             </a:ln>
             <a:extLst>
               <a:ext uri="{91240B29-F687-4f45-9708-019B960494DF}">
-                <a14:hiddenLine xmlns:a14="http://schemas.microsoft.com/office/drawing/2010/main" xmlns="" w="9525">
+                <a14:hiddenLine xmlns="" xmlns:a14="http://schemas.microsoft.com/office/drawing/2010/main" w="9525">
                   <a:solidFill>
                     <a:srgbClr val="000000"/>
                   </a:solidFill>
@@ -434,7 +434,7 @@
             </a:ln>
             <a:extLst>
               <a:ext uri="{91240B29-F687-4f45-9708-019B960494DF}">
-                <a14:hiddenLine xmlns:a14="http://schemas.microsoft.com/office/drawing/2010/main" xmlns="" w="9525">
+                <a14:hiddenLine xmlns="" xmlns:a14="http://schemas.microsoft.com/office/drawing/2010/main" w="9525">
                   <a:solidFill>
                     <a:srgbClr val="000000"/>
                   </a:solidFill>
@@ -468,7 +468,7 @@
             </a:ln>
             <a:extLst>
               <a:ext uri="{91240B29-F687-4f45-9708-019B960494DF}">
-                <a14:hiddenLine xmlns:a14="http://schemas.microsoft.com/office/drawing/2010/main" xmlns="" w="9525">
+                <a14:hiddenLine xmlns="" xmlns:a14="http://schemas.microsoft.com/office/drawing/2010/main" w="9525">
                   <a:solidFill>
                     <a:srgbClr val="000000"/>
                   </a:solidFill>
@@ -558,7 +558,7 @@
             </a:ln>
             <a:extLst>
               <a:ext uri="{91240B29-F687-4f45-9708-019B960494DF}">
-                <a14:hiddenLine xmlns:a14="http://schemas.microsoft.com/office/drawing/2010/main" xmlns="" w="9525">
+                <a14:hiddenLine xmlns="" xmlns:a14="http://schemas.microsoft.com/office/drawing/2010/main" w="9525">
                   <a:solidFill>
                     <a:srgbClr val="000000"/>
                   </a:solidFill>
@@ -620,7 +620,7 @@
             </a:ln>
             <a:extLst>
               <a:ext uri="{91240B29-F687-4f45-9708-019B960494DF}">
-                <a14:hiddenLine xmlns:a14="http://schemas.microsoft.com/office/drawing/2010/main" xmlns="" w="9525">
+                <a14:hiddenLine xmlns="" xmlns:a14="http://schemas.microsoft.com/office/drawing/2010/main" w="9525">
                   <a:solidFill>
                     <a:srgbClr val="000000"/>
                   </a:solidFill>
@@ -682,7 +682,7 @@
             </a:ln>
             <a:extLst>
               <a:ext uri="{91240B29-F687-4f45-9708-019B960494DF}">
-                <a14:hiddenLine xmlns:a14="http://schemas.microsoft.com/office/drawing/2010/main" xmlns="" w="9525">
+                <a14:hiddenLine xmlns="" xmlns:a14="http://schemas.microsoft.com/office/drawing/2010/main" w="9525">
                   <a:solidFill>
                     <a:srgbClr val="000000"/>
                   </a:solidFill>
@@ -772,7 +772,7 @@
             </a:ln>
             <a:extLst>
               <a:ext uri="{91240B29-F687-4f45-9708-019B960494DF}">
-                <a14:hiddenLine xmlns:a14="http://schemas.microsoft.com/office/drawing/2010/main" xmlns="" w="9525">
+                <a14:hiddenLine xmlns="" xmlns:a14="http://schemas.microsoft.com/office/drawing/2010/main" w="9525">
                   <a:solidFill>
                     <a:srgbClr val="000000"/>
                   </a:solidFill>
@@ -834,7 +834,7 @@
             </a:ln>
             <a:extLst>
               <a:ext uri="{91240B29-F687-4f45-9708-019B960494DF}">
-                <a14:hiddenLine xmlns:a14="http://schemas.microsoft.com/office/drawing/2010/main" xmlns="" w="9525">
+                <a14:hiddenLine xmlns="" xmlns:a14="http://schemas.microsoft.com/office/drawing/2010/main" w="9525">
                   <a:solidFill>
                     <a:srgbClr val="000000"/>
                   </a:solidFill>
@@ -896,7 +896,7 @@
             </a:ln>
             <a:extLst>
               <a:ext uri="{91240B29-F687-4f45-9708-019B960494DF}">
-                <a14:hiddenLine xmlns:a14="http://schemas.microsoft.com/office/drawing/2010/main" xmlns="" w="9525">
+                <a14:hiddenLine xmlns="" xmlns:a14="http://schemas.microsoft.com/office/drawing/2010/main" w="9525">
                   <a:solidFill>
                     <a:srgbClr val="000000"/>
                   </a:solidFill>
@@ -986,7 +986,7 @@
             </a:ln>
             <a:extLst>
               <a:ext uri="{91240B29-F687-4f45-9708-019B960494DF}">
-                <a14:hiddenLine xmlns:a14="http://schemas.microsoft.com/office/drawing/2010/main" xmlns="" w="9525">
+                <a14:hiddenLine xmlns="" xmlns:a14="http://schemas.microsoft.com/office/drawing/2010/main" w="9525">
                   <a:solidFill>
                     <a:srgbClr val="000000"/>
                   </a:solidFill>
@@ -1076,7 +1076,7 @@
             </a:ln>
             <a:extLst>
               <a:ext uri="{91240B29-F687-4f45-9708-019B960494DF}">
-                <a14:hiddenLine xmlns:a14="http://schemas.microsoft.com/office/drawing/2010/main" xmlns="" w="9525">
+                <a14:hiddenLine xmlns="" xmlns:a14="http://schemas.microsoft.com/office/drawing/2010/main" w="9525">
                   <a:solidFill>
                     <a:srgbClr val="000000"/>
                   </a:solidFill>
@@ -1138,7 +1138,7 @@
             </a:ln>
             <a:extLst>
               <a:ext uri="{91240B29-F687-4f45-9708-019B960494DF}">
-                <a14:hiddenLine xmlns:a14="http://schemas.microsoft.com/office/drawing/2010/main" xmlns="" w="9525">
+                <a14:hiddenLine xmlns="" xmlns:a14="http://schemas.microsoft.com/office/drawing/2010/main" w="9525">
                   <a:solidFill>
                     <a:srgbClr val="000000"/>
                   </a:solidFill>
@@ -1248,7 +1248,7 @@
             </a:ln>
             <a:extLst>
               <a:ext uri="{91240B29-F687-4f45-9708-019B960494DF}">
-                <a14:hiddenLine xmlns:a14="http://schemas.microsoft.com/office/drawing/2010/main" xmlns="" w="9525">
+                <a14:hiddenLine xmlns="" xmlns:a14="http://schemas.microsoft.com/office/drawing/2010/main" w="9525">
                   <a:solidFill>
                     <a:srgbClr val="000000"/>
                   </a:solidFill>
@@ -1310,7 +1310,7 @@
             </a:ln>
             <a:extLst>
               <a:ext uri="{91240B29-F687-4f45-9708-019B960494DF}">
-                <a14:hiddenLine xmlns:a14="http://schemas.microsoft.com/office/drawing/2010/main" xmlns="" w="9525">
+                <a14:hiddenLine xmlns="" xmlns:a14="http://schemas.microsoft.com/office/drawing/2010/main" w="9525">
                   <a:solidFill>
                     <a:srgbClr val="000000"/>
                   </a:solidFill>
@@ -1400,7 +1400,7 @@
             </a:ln>
             <a:extLst>
               <a:ext uri="{91240B29-F687-4f45-9708-019B960494DF}">
-                <a14:hiddenLine xmlns:a14="http://schemas.microsoft.com/office/drawing/2010/main" xmlns="" w="9525">
+                <a14:hiddenLine xmlns="" xmlns:a14="http://schemas.microsoft.com/office/drawing/2010/main" w="9525">
                   <a:solidFill>
                     <a:srgbClr val="000000"/>
                   </a:solidFill>
@@ -1490,7 +1490,7 @@
             </a:ln>
             <a:extLst>
               <a:ext uri="{91240B29-F687-4f45-9708-019B960494DF}">
-                <a14:hiddenLine xmlns:a14="http://schemas.microsoft.com/office/drawing/2010/main" xmlns="" w="9525">
+                <a14:hiddenLine xmlns="" xmlns:a14="http://schemas.microsoft.com/office/drawing/2010/main" w="9525">
                   <a:solidFill>
                     <a:srgbClr val="000000"/>
                   </a:solidFill>
@@ -1552,7 +1552,7 @@
             </a:ln>
             <a:extLst>
               <a:ext uri="{91240B29-F687-4f45-9708-019B960494DF}">
-                <a14:hiddenLine xmlns:a14="http://schemas.microsoft.com/office/drawing/2010/main" xmlns="" w="9525">
+                <a14:hiddenLine xmlns="" xmlns:a14="http://schemas.microsoft.com/office/drawing/2010/main" w="9525">
                   <a:solidFill>
                     <a:srgbClr val="000000"/>
                   </a:solidFill>
@@ -1642,7 +1642,7 @@
             </a:ln>
             <a:extLst>
               <a:ext uri="{91240B29-F687-4f45-9708-019B960494DF}">
-                <a14:hiddenLine xmlns:a14="http://schemas.microsoft.com/office/drawing/2010/main" xmlns="" w="9525">
+                <a14:hiddenLine xmlns="" xmlns:a14="http://schemas.microsoft.com/office/drawing/2010/main" w="9525">
                   <a:solidFill>
                     <a:srgbClr val="000000"/>
                   </a:solidFill>
@@ -1732,7 +1732,7 @@
             </a:ln>
             <a:extLst>
               <a:ext uri="{91240B29-F687-4f45-9708-019B960494DF}">
-                <a14:hiddenLine xmlns:a14="http://schemas.microsoft.com/office/drawing/2010/main" xmlns="" w="9525">
+                <a14:hiddenLine xmlns="" xmlns:a14="http://schemas.microsoft.com/office/drawing/2010/main" w="9525">
                   <a:solidFill>
                     <a:srgbClr val="000000"/>
                   </a:solidFill>
@@ -1788,7 +1788,7 @@
             </a:ln>
             <a:extLst>
               <a:ext uri="{91240B29-F687-4f45-9708-019B960494DF}">
-                <a14:hiddenLine xmlns:a14="http://schemas.microsoft.com/office/drawing/2010/main" xmlns="" w="9525">
+                <a14:hiddenLine xmlns="" xmlns:a14="http://schemas.microsoft.com/office/drawing/2010/main" w="9525">
                   <a:solidFill>
                     <a:srgbClr val="000000"/>
                   </a:solidFill>
@@ -1878,7 +1878,7 @@
             </a:ln>
             <a:extLst>
               <a:ext uri="{91240B29-F687-4f45-9708-019B960494DF}">
-                <a14:hiddenLine xmlns:a14="http://schemas.microsoft.com/office/drawing/2010/main" xmlns="" w="9525">
+                <a14:hiddenLine xmlns="" xmlns:a14="http://schemas.microsoft.com/office/drawing/2010/main" w="9525">
                   <a:solidFill>
                     <a:srgbClr val="000000"/>
                   </a:solidFill>
@@ -1934,7 +1934,7 @@
             </a:ln>
             <a:extLst>
               <a:ext uri="{91240B29-F687-4f45-9708-019B960494DF}">
-                <a14:hiddenLine xmlns:a14="http://schemas.microsoft.com/office/drawing/2010/main" xmlns="" w="9525">
+                <a14:hiddenLine xmlns="" xmlns:a14="http://schemas.microsoft.com/office/drawing/2010/main" w="9525">
                   <a:solidFill>
                     <a:srgbClr val="000000"/>
                   </a:solidFill>
@@ -2024,7 +2024,7 @@
             </a:ln>
             <a:extLst>
               <a:ext uri="{91240B29-F687-4f45-9708-019B960494DF}">
-                <a14:hiddenLine xmlns:a14="http://schemas.microsoft.com/office/drawing/2010/main" xmlns="" w="9525">
+                <a14:hiddenLine xmlns="" xmlns:a14="http://schemas.microsoft.com/office/drawing/2010/main" w="9525">
                   <a:solidFill>
                     <a:srgbClr val="000000"/>
                   </a:solidFill>
@@ -2092,7 +2092,7 @@
             </a:ln>
             <a:extLst>
               <a:ext uri="{91240B29-F687-4f45-9708-019B960494DF}">
-                <a14:hiddenLine xmlns:a14="http://schemas.microsoft.com/office/drawing/2010/main" xmlns="" w="9525">
+                <a14:hiddenLine xmlns="" xmlns:a14="http://schemas.microsoft.com/office/drawing/2010/main" w="9525">
                   <a:solidFill>
                     <a:srgbClr val="000000"/>
                   </a:solidFill>
@@ -2182,7 +2182,7 @@
             </a:ln>
             <a:extLst>
               <a:ext uri="{91240B29-F687-4f45-9708-019B960494DF}">
-                <a14:hiddenLine xmlns:a14="http://schemas.microsoft.com/office/drawing/2010/main" xmlns="" w="9525">
+                <a14:hiddenLine xmlns="" xmlns:a14="http://schemas.microsoft.com/office/drawing/2010/main" w="9525">
                   <a:solidFill>
                     <a:srgbClr val="000000"/>
                   </a:solidFill>
@@ -2250,7 +2250,7 @@
             </a:ln>
             <a:extLst>
               <a:ext uri="{91240B29-F687-4f45-9708-019B960494DF}">
-                <a14:hiddenLine xmlns:a14="http://schemas.microsoft.com/office/drawing/2010/main" xmlns="" w="9525">
+                <a14:hiddenLine xmlns="" xmlns:a14="http://schemas.microsoft.com/office/drawing/2010/main" w="9525">
                   <a:solidFill>
                     <a:srgbClr val="000000"/>
                   </a:solidFill>
@@ -2340,7 +2340,7 @@
             </a:ln>
             <a:extLst>
               <a:ext uri="{91240B29-F687-4f45-9708-019B960494DF}">
-                <a14:hiddenLine xmlns:a14="http://schemas.microsoft.com/office/drawing/2010/main" xmlns="" w="9525">
+                <a14:hiddenLine xmlns="" xmlns:a14="http://schemas.microsoft.com/office/drawing/2010/main" w="9525">
                   <a:solidFill>
                     <a:srgbClr val="000000"/>
                   </a:solidFill>
@@ -2374,7 +2374,7 @@
             </a:ln>
             <a:extLst>
               <a:ext uri="{91240B29-F687-4f45-9708-019B960494DF}">
-                <a14:hiddenLine xmlns:a14="http://schemas.microsoft.com/office/drawing/2010/main" xmlns="" w="9525">
+                <a14:hiddenLine xmlns="" xmlns:a14="http://schemas.microsoft.com/office/drawing/2010/main" w="9525">
                   <a:solidFill>
                     <a:srgbClr val="000000"/>
                   </a:solidFill>
@@ -2464,7 +2464,7 @@
             </a:ln>
             <a:extLst>
               <a:ext uri="{91240B29-F687-4f45-9708-019B960494DF}">
-                <a14:hiddenLine xmlns:a14="http://schemas.microsoft.com/office/drawing/2010/main" xmlns="" w="9525">
+                <a14:hiddenLine xmlns="" xmlns:a14="http://schemas.microsoft.com/office/drawing/2010/main" w="9525">
                   <a:solidFill>
                     <a:srgbClr val="000000"/>
                   </a:solidFill>
@@ -2526,7 +2526,7 @@
             </a:ln>
             <a:extLst>
               <a:ext uri="{91240B29-F687-4f45-9708-019B960494DF}">
-                <a14:hiddenLine xmlns:a14="http://schemas.microsoft.com/office/drawing/2010/main" xmlns="" w="9525">
+                <a14:hiddenLine xmlns="" xmlns:a14="http://schemas.microsoft.com/office/drawing/2010/main" w="9525">
                   <a:solidFill>
                     <a:srgbClr val="000000"/>
                   </a:solidFill>
@@ -2588,7 +2588,7 @@
             </a:ln>
             <a:extLst>
               <a:ext uri="{91240B29-F687-4f45-9708-019B960494DF}">
-                <a14:hiddenLine xmlns:a14="http://schemas.microsoft.com/office/drawing/2010/main" xmlns="" w="9525">
+                <a14:hiddenLine xmlns="" xmlns:a14="http://schemas.microsoft.com/office/drawing/2010/main" w="9525">
                   <a:solidFill>
                     <a:srgbClr val="000000"/>
                   </a:solidFill>
@@ -2678,7 +2678,7 @@
             </a:ln>
             <a:extLst>
               <a:ext uri="{91240B29-F687-4f45-9708-019B960494DF}">
-                <a14:hiddenLine xmlns:a14="http://schemas.microsoft.com/office/drawing/2010/main" xmlns="" w="9525">
+                <a14:hiddenLine xmlns="" xmlns:a14="http://schemas.microsoft.com/office/drawing/2010/main" w="9525">
                   <a:solidFill>
                     <a:srgbClr val="000000"/>
                   </a:solidFill>
@@ -2746,7 +2746,7 @@
             </a:ln>
             <a:extLst>
               <a:ext uri="{91240B29-F687-4f45-9708-019B960494DF}">
-                <a14:hiddenLine xmlns:a14="http://schemas.microsoft.com/office/drawing/2010/main" xmlns="" w="9525">
+                <a14:hiddenLine xmlns="" xmlns:a14="http://schemas.microsoft.com/office/drawing/2010/main" w="9525">
                   <a:solidFill>
                     <a:srgbClr val="000000"/>
                   </a:solidFill>
@@ -2808,7 +2808,7 @@
             </a:ln>
             <a:extLst>
               <a:ext uri="{91240B29-F687-4f45-9708-019B960494DF}">
-                <a14:hiddenLine xmlns:a14="http://schemas.microsoft.com/office/drawing/2010/main" xmlns="" w="9525">
+                <a14:hiddenLine xmlns="" xmlns:a14="http://schemas.microsoft.com/office/drawing/2010/main" w="9525">
                   <a:solidFill>
                     <a:srgbClr val="000000"/>
                   </a:solidFill>
@@ -2898,7 +2898,7 @@
             </a:ln>
             <a:extLst>
               <a:ext uri="{91240B29-F687-4f45-9708-019B960494DF}">
-                <a14:hiddenLine xmlns:a14="http://schemas.microsoft.com/office/drawing/2010/main" xmlns="" w="9525">
+                <a14:hiddenLine xmlns="" xmlns:a14="http://schemas.microsoft.com/office/drawing/2010/main" w="9525">
                   <a:solidFill>
                     <a:srgbClr val="000000"/>
                   </a:solidFill>
@@ -2960,7 +2960,7 @@
             </a:ln>
             <a:extLst>
               <a:ext uri="{91240B29-F687-4f45-9708-019B960494DF}">
-                <a14:hiddenLine xmlns:a14="http://schemas.microsoft.com/office/drawing/2010/main" xmlns="" w="9525">
+                <a14:hiddenLine xmlns="" xmlns:a14="http://schemas.microsoft.com/office/drawing/2010/main" w="9525">
                   <a:solidFill>
                     <a:srgbClr val="000000"/>
                   </a:solidFill>
@@ -3050,7 +3050,7 @@
             </a:ln>
             <a:extLst>
               <a:ext uri="{91240B29-F687-4f45-9708-019B960494DF}">
-                <a14:hiddenLine xmlns:a14="http://schemas.microsoft.com/office/drawing/2010/main" xmlns="" w="9525">
+                <a14:hiddenLine xmlns="" xmlns:a14="http://schemas.microsoft.com/office/drawing/2010/main" w="9525">
                   <a:solidFill>
                     <a:srgbClr val="000000"/>
                   </a:solidFill>
@@ -3112,7 +3112,7 @@
             </a:ln>
             <a:extLst>
               <a:ext uri="{91240B29-F687-4f45-9708-019B960494DF}">
-                <a14:hiddenLine xmlns:a14="http://schemas.microsoft.com/office/drawing/2010/main" xmlns="" w="9525">
+                <a14:hiddenLine xmlns="" xmlns:a14="http://schemas.microsoft.com/office/drawing/2010/main" w="9525">
                   <a:solidFill>
                     <a:srgbClr val="000000"/>
                   </a:solidFill>
@@ -3202,7 +3202,7 @@
             </a:ln>
             <a:extLst>
               <a:ext uri="{91240B29-F687-4f45-9708-019B960494DF}">
-                <a14:hiddenLine xmlns:a14="http://schemas.microsoft.com/office/drawing/2010/main" xmlns="" w="9525">
+                <a14:hiddenLine xmlns="" xmlns:a14="http://schemas.microsoft.com/office/drawing/2010/main" w="9525">
                   <a:solidFill>
                     <a:srgbClr val="000000"/>
                   </a:solidFill>
@@ -3236,7 +3236,7 @@
             </a:ln>
             <a:extLst>
               <a:ext uri="{91240B29-F687-4f45-9708-019B960494DF}">
-                <a14:hiddenLine xmlns:a14="http://schemas.microsoft.com/office/drawing/2010/main" xmlns="" w="9525">
+                <a14:hiddenLine xmlns="" xmlns:a14="http://schemas.microsoft.com/office/drawing/2010/main" w="9525">
                   <a:solidFill>
                     <a:srgbClr val="000000"/>
                   </a:solidFill>
@@ -3301,7 +3301,7 @@
             </a:ln>
             <a:extLst>
               <a:ext uri="{91240B29-F687-4f45-9708-019B960494DF}">
-                <a14:hiddenLine xmlns:a14="http://schemas.microsoft.com/office/drawing/2010/main" xmlns="" w="9525">
+                <a14:hiddenLine xmlns="" xmlns:a14="http://schemas.microsoft.com/office/drawing/2010/main" w="9525">
                   <a:solidFill>
                     <a:srgbClr val="000000"/>
                   </a:solidFill>
@@ -3391,7 +3391,7 @@
             </a:ln>
             <a:extLst>
               <a:ext uri="{91240B29-F687-4f45-9708-019B960494DF}">
-                <a14:hiddenLine xmlns:a14="http://schemas.microsoft.com/office/drawing/2010/main" xmlns="" w="9525">
+                <a14:hiddenLine xmlns="" xmlns:a14="http://schemas.microsoft.com/office/drawing/2010/main" w="9525">
                   <a:solidFill>
                     <a:srgbClr val="000000"/>
                   </a:solidFill>
@@ -3453,7 +3453,7 @@
             </a:ln>
             <a:extLst>
               <a:ext uri="{91240B29-F687-4f45-9708-019B960494DF}">
-                <a14:hiddenLine xmlns:a14="http://schemas.microsoft.com/office/drawing/2010/main" xmlns="" w="9525">
+                <a14:hiddenLine xmlns="" xmlns:a14="http://schemas.microsoft.com/office/drawing/2010/main" w="9525">
                   <a:solidFill>
                     <a:srgbClr val="000000"/>
                   </a:solidFill>
@@ -3543,7 +3543,7 @@
             </a:ln>
             <a:extLst>
               <a:ext uri="{91240B29-F687-4f45-9708-019B960494DF}">
-                <a14:hiddenLine xmlns:a14="http://schemas.microsoft.com/office/drawing/2010/main" xmlns="" w="9525">
+                <a14:hiddenLine xmlns="" xmlns:a14="http://schemas.microsoft.com/office/drawing/2010/main" w="9525">
                   <a:solidFill>
                     <a:srgbClr val="000000"/>
                   </a:solidFill>
@@ -3633,7 +3633,7 @@
             </a:ln>
             <a:extLst>
               <a:ext uri="{91240B29-F687-4f45-9708-019B960494DF}">
-                <a14:hiddenLine xmlns:a14="http://schemas.microsoft.com/office/drawing/2010/main" xmlns="" w="9525">
+                <a14:hiddenLine xmlns="" xmlns:a14="http://schemas.microsoft.com/office/drawing/2010/main" w="9525">
                   <a:solidFill>
                     <a:srgbClr val="000000"/>
                   </a:solidFill>
@@ -3698,7 +3698,7 @@
             </a:ln>
             <a:extLst>
               <a:ext uri="{91240B29-F687-4f45-9708-019B960494DF}">
-                <a14:hiddenLine xmlns:a14="http://schemas.microsoft.com/office/drawing/2010/main" xmlns="" w="9525">
+                <a14:hiddenLine xmlns="" xmlns:a14="http://schemas.microsoft.com/office/drawing/2010/main" w="9525">
                   <a:solidFill>
                     <a:srgbClr val="000000"/>
                   </a:solidFill>
@@ -3760,7 +3760,7 @@
             </a:ln>
             <a:extLst>
               <a:ext uri="{91240B29-F687-4f45-9708-019B960494DF}">
-                <a14:hiddenLine xmlns:a14="http://schemas.microsoft.com/office/drawing/2010/main" xmlns="" w="9525">
+                <a14:hiddenLine xmlns="" xmlns:a14="http://schemas.microsoft.com/office/drawing/2010/main" w="9525">
                   <a:solidFill>
                     <a:srgbClr val="000000"/>
                   </a:solidFill>
@@ -3850,7 +3850,7 @@
             </a:ln>
             <a:extLst>
               <a:ext uri="{91240B29-F687-4f45-9708-019B960494DF}">
-                <a14:hiddenLine xmlns:a14="http://schemas.microsoft.com/office/drawing/2010/main" xmlns="" w="9525">
+                <a14:hiddenLine xmlns="" xmlns:a14="http://schemas.microsoft.com/office/drawing/2010/main" w="9525">
                   <a:solidFill>
                     <a:srgbClr val="000000"/>
                   </a:solidFill>
@@ -3940,7 +3940,7 @@
             </a:ln>
             <a:extLst>
               <a:ext uri="{91240B29-F687-4f45-9708-019B960494DF}">
-                <a14:hiddenLine xmlns:a14="http://schemas.microsoft.com/office/drawing/2010/main" xmlns="" w="9525">
+                <a14:hiddenLine xmlns="" xmlns:a14="http://schemas.microsoft.com/office/drawing/2010/main" w="9525">
                   <a:solidFill>
                     <a:srgbClr val="000000"/>
                   </a:solidFill>
@@ -4002,7 +4002,7 @@
             </a:ln>
             <a:extLst>
               <a:ext uri="{91240B29-F687-4f45-9708-019B960494DF}">
-                <a14:hiddenLine xmlns:a14="http://schemas.microsoft.com/office/drawing/2010/main" xmlns="" w="9525">
+                <a14:hiddenLine xmlns="" xmlns:a14="http://schemas.microsoft.com/office/drawing/2010/main" w="9525">
                   <a:solidFill>
                     <a:srgbClr val="000000"/>
                   </a:solidFill>
@@ -4122,7 +4122,7 @@
             </a:ln>
             <a:extLst>
               <a:ext uri="{91240B29-F687-4f45-9708-019B960494DF}">
-                <a14:hiddenLine xmlns:a14="http://schemas.microsoft.com/office/drawing/2010/main" xmlns="" w="9525">
+                <a14:hiddenLine xmlns="" xmlns:a14="http://schemas.microsoft.com/office/drawing/2010/main" w="9525">
                   <a:solidFill>
                     <a:srgbClr val="000000"/>
                   </a:solidFill>
@@ -4190,7 +4190,7 @@
             </a:ln>
             <a:extLst>
               <a:ext uri="{91240B29-F687-4f45-9708-019B960494DF}">
-                <a14:hiddenLine xmlns:a14="http://schemas.microsoft.com/office/drawing/2010/main" xmlns="" w="9525">
+                <a14:hiddenLine xmlns="" xmlns:a14="http://schemas.microsoft.com/office/drawing/2010/main" w="9525">
                   <a:solidFill>
                     <a:srgbClr val="000000"/>
                   </a:solidFill>
@@ -4280,7 +4280,7 @@
             </a:ln>
             <a:extLst>
               <a:ext uri="{91240B29-F687-4f45-9708-019B960494DF}">
-                <a14:hiddenLine xmlns:a14="http://schemas.microsoft.com/office/drawing/2010/main" xmlns="" w="9525">
+                <a14:hiddenLine xmlns="" xmlns:a14="http://schemas.microsoft.com/office/drawing/2010/main" w="9525">
                   <a:solidFill>
                     <a:srgbClr val="000000"/>
                   </a:solidFill>
@@ -4420,7 +4420,7 @@
           <a:p>
             <a:fld id="{48A87A34-81AB-432B-8DAE-1953F412C126}" type="datetimeFigureOut">
               <a:rPr lang="en-US" dirty="0"/>
-              <a:t>7/29/2019</a:t>
+              <a:t>8/2/2019</a:t>
             </a:fld>
             <a:endParaRPr lang="en-US" dirty="0"/>
           </a:p>
@@ -4682,7 +4682,7 @@
           <a:p>
             <a:fld id="{48A87A34-81AB-432B-8DAE-1953F412C126}" type="datetimeFigureOut">
               <a:rPr lang="en-US" dirty="0"/>
-              <a:t>7/29/2019</a:t>
+              <a:t>8/2/2019</a:t>
             </a:fld>
             <a:endParaRPr lang="en-US" dirty="0"/>
           </a:p>
@@ -4873,7 +4873,7 @@
           <a:p>
             <a:fld id="{48A87A34-81AB-432B-8DAE-1953F412C126}" type="datetimeFigureOut">
               <a:rPr lang="en-US" dirty="0"/>
-              <a:t>7/29/2019</a:t>
+              <a:t>8/2/2019</a:t>
             </a:fld>
             <a:endParaRPr lang="en-US" dirty="0"/>
           </a:p>
@@ -5131,7 +5131,7 @@
           <a:p>
             <a:fld id="{48A87A34-81AB-432B-8DAE-1953F412C126}" type="datetimeFigureOut">
               <a:rPr lang="en-US" dirty="0"/>
-              <a:t>7/29/2019</a:t>
+              <a:t>8/2/2019</a:t>
             </a:fld>
             <a:endParaRPr lang="en-US" dirty="0"/>
           </a:p>
@@ -5560,7 +5560,7 @@
           <a:p>
             <a:fld id="{48A87A34-81AB-432B-8DAE-1953F412C126}" type="datetimeFigureOut">
               <a:rPr lang="en-US" dirty="0"/>
-              <a:t>7/29/2019</a:t>
+              <a:t>8/2/2019</a:t>
             </a:fld>
             <a:endParaRPr lang="en-US" dirty="0"/>
           </a:p>
@@ -6101,7 +6101,7 @@
           <a:p>
             <a:fld id="{48A87A34-81AB-432B-8DAE-1953F412C126}" type="datetimeFigureOut">
               <a:rPr lang="en-US" dirty="0"/>
-              <a:t>7/29/2019</a:t>
+              <a:t>8/2/2019</a:t>
             </a:fld>
             <a:endParaRPr lang="en-US" dirty="0"/>
           </a:p>
@@ -6816,7 +6816,7 @@
           <a:p>
             <a:fld id="{48A87A34-81AB-432B-8DAE-1953F412C126}" type="datetimeFigureOut">
               <a:rPr lang="en-US" dirty="0"/>
-              <a:t>7/29/2019</a:t>
+              <a:t>8/2/2019</a:t>
             </a:fld>
             <a:endParaRPr lang="en-US" dirty="0"/>
           </a:p>
@@ -6981,7 +6981,7 @@
           <a:p>
             <a:fld id="{48A87A34-81AB-432B-8DAE-1953F412C126}" type="datetimeFigureOut">
               <a:rPr lang="en-US" dirty="0"/>
-              <a:t>7/29/2019</a:t>
+              <a:t>8/2/2019</a:t>
             </a:fld>
             <a:endParaRPr lang="en-US" dirty="0"/>
           </a:p>
@@ -7156,7 +7156,7 @@
           <a:p>
             <a:fld id="{48A87A34-81AB-432B-8DAE-1953F412C126}" type="datetimeFigureOut">
               <a:rPr lang="en-US" dirty="0"/>
-              <a:t>7/29/2019</a:t>
+              <a:t>8/2/2019</a:t>
             </a:fld>
             <a:endParaRPr lang="en-US" dirty="0"/>
           </a:p>
@@ -7321,7 +7321,7 @@
           <a:p>
             <a:fld id="{48A87A34-81AB-432B-8DAE-1953F412C126}" type="datetimeFigureOut">
               <a:rPr lang="en-US" dirty="0"/>
-              <a:t>7/29/2019</a:t>
+              <a:t>8/2/2019</a:t>
             </a:fld>
             <a:endParaRPr lang="en-US" dirty="0"/>
           </a:p>
@@ -7566,7 +7566,7 @@
           <a:p>
             <a:fld id="{48A87A34-81AB-432B-8DAE-1953F412C126}" type="datetimeFigureOut">
               <a:rPr lang="en-US" dirty="0"/>
-              <a:t>7/29/2019</a:t>
+              <a:t>8/2/2019</a:t>
             </a:fld>
             <a:endParaRPr lang="en-US" dirty="0"/>
           </a:p>
@@ -7793,7 +7793,7 @@
           <a:p>
             <a:fld id="{48A87A34-81AB-432B-8DAE-1953F412C126}" type="datetimeFigureOut">
               <a:rPr lang="en-US" dirty="0"/>
-              <a:t>7/29/2019</a:t>
+              <a:t>8/2/2019</a:t>
             </a:fld>
             <a:endParaRPr lang="en-US" dirty="0"/>
           </a:p>
@@ -8169,7 +8169,7 @@
           <a:p>
             <a:fld id="{48A87A34-81AB-432B-8DAE-1953F412C126}" type="datetimeFigureOut">
               <a:rPr lang="en-US" dirty="0"/>
-              <a:t>7/29/2019</a:t>
+              <a:t>8/2/2019</a:t>
             </a:fld>
             <a:endParaRPr lang="en-US" dirty="0"/>
           </a:p>
@@ -8282,7 +8282,7 @@
           <a:p>
             <a:fld id="{48A87A34-81AB-432B-8DAE-1953F412C126}" type="datetimeFigureOut">
               <a:rPr lang="en-US" dirty="0"/>
-              <a:t>7/29/2019</a:t>
+              <a:t>8/2/2019</a:t>
             </a:fld>
             <a:endParaRPr lang="en-US" dirty="0"/>
           </a:p>
@@ -8372,7 +8372,7 @@
           <a:p>
             <a:fld id="{48A87A34-81AB-432B-8DAE-1953F412C126}" type="datetimeFigureOut">
               <a:rPr lang="en-US" dirty="0"/>
-              <a:t>7/29/2019</a:t>
+              <a:t>8/2/2019</a:t>
             </a:fld>
             <a:endParaRPr lang="en-US" dirty="0"/>
           </a:p>
@@ -8616,7 +8616,7 @@
           <a:p>
             <a:fld id="{48A87A34-81AB-432B-8DAE-1953F412C126}" type="datetimeFigureOut">
               <a:rPr lang="en-US" dirty="0"/>
-              <a:t>7/29/2019</a:t>
+              <a:t>8/2/2019</a:t>
             </a:fld>
             <a:endParaRPr lang="en-US" dirty="0"/>
           </a:p>
@@ -8891,7 +8891,7 @@
           <a:p>
             <a:fld id="{48A87A34-81AB-432B-8DAE-1953F412C126}" type="datetimeFigureOut">
               <a:rPr lang="en-US" dirty="0"/>
-              <a:t>7/29/2019</a:t>
+              <a:t>8/2/2019</a:t>
             </a:fld>
             <a:endParaRPr lang="en-US" dirty="0"/>
           </a:p>
@@ -9002,7 +9002,7 @@
           <a:noFill/>
           <a:extLst>
             <a:ext uri="{909E8E84-426E-40dd-AFC4-6F175D3DCCD1}">
-              <a14:hiddenFill xmlns:a14="http://schemas.microsoft.com/office/drawing/2010/main" xmlns="">
+              <a14:hiddenFill xmlns="" xmlns:a14="http://schemas.microsoft.com/office/drawing/2010/main">
                 <a:solidFill>
                   <a:srgbClr val="FFFFFF"/>
                 </a:solidFill>
@@ -9076,7 +9076,7 @@
               </a:ln>
               <a:extLst>
                 <a:ext uri="{91240B29-F687-4f45-9708-019B960494DF}">
-                  <a14:hiddenLine xmlns:a14="http://schemas.microsoft.com/office/drawing/2010/main" xmlns="" w="9525">
+                  <a14:hiddenLine xmlns="" xmlns:a14="http://schemas.microsoft.com/office/drawing/2010/main" w="9525">
                     <a:solidFill>
                       <a:srgbClr val="000000"/>
                     </a:solidFill>
@@ -9166,7 +9166,7 @@
               </a:ln>
               <a:extLst>
                 <a:ext uri="{91240B29-F687-4f45-9708-019B960494DF}">
-                  <a14:hiddenLine xmlns:a14="http://schemas.microsoft.com/office/drawing/2010/main" xmlns="" w="9525">
+                  <a14:hiddenLine xmlns="" xmlns:a14="http://schemas.microsoft.com/office/drawing/2010/main" w="9525">
                     <a:solidFill>
                       <a:srgbClr val="000000"/>
                     </a:solidFill>
@@ -9256,7 +9256,7 @@
               </a:ln>
               <a:extLst>
                 <a:ext uri="{91240B29-F687-4f45-9708-019B960494DF}">
-                  <a14:hiddenLine xmlns:a14="http://schemas.microsoft.com/office/drawing/2010/main" xmlns="" w="9525">
+                  <a14:hiddenLine xmlns="" xmlns:a14="http://schemas.microsoft.com/office/drawing/2010/main" w="9525">
                     <a:solidFill>
                       <a:srgbClr val="000000"/>
                     </a:solidFill>
@@ -9318,7 +9318,7 @@
               </a:ln>
               <a:extLst>
                 <a:ext uri="{91240B29-F687-4f45-9708-019B960494DF}">
-                  <a14:hiddenLine xmlns:a14="http://schemas.microsoft.com/office/drawing/2010/main" xmlns="" w="9525">
+                  <a14:hiddenLine xmlns="" xmlns:a14="http://schemas.microsoft.com/office/drawing/2010/main" w="9525">
                     <a:solidFill>
                       <a:srgbClr val="000000"/>
                     </a:solidFill>
@@ -9408,7 +9408,7 @@
               </a:ln>
               <a:extLst>
                 <a:ext uri="{91240B29-F687-4f45-9708-019B960494DF}">
-                  <a14:hiddenLine xmlns:a14="http://schemas.microsoft.com/office/drawing/2010/main" xmlns="" w="9525">
+                  <a14:hiddenLine xmlns="" xmlns:a14="http://schemas.microsoft.com/office/drawing/2010/main" w="9525">
                     <a:solidFill>
                       <a:srgbClr val="000000"/>
                     </a:solidFill>
@@ -9470,7 +9470,7 @@
               </a:ln>
               <a:extLst>
                 <a:ext uri="{91240B29-F687-4f45-9708-019B960494DF}">
-                  <a14:hiddenLine xmlns:a14="http://schemas.microsoft.com/office/drawing/2010/main" xmlns="" w="9525">
+                  <a14:hiddenLine xmlns="" xmlns:a14="http://schemas.microsoft.com/office/drawing/2010/main" w="9525">
                     <a:solidFill>
                       <a:srgbClr val="000000"/>
                     </a:solidFill>
@@ -9532,7 +9532,7 @@
               </a:ln>
               <a:extLst>
                 <a:ext uri="{91240B29-F687-4f45-9708-019B960494DF}">
-                  <a14:hiddenLine xmlns:a14="http://schemas.microsoft.com/office/drawing/2010/main" xmlns="" w="9525">
+                  <a14:hiddenLine xmlns="" xmlns:a14="http://schemas.microsoft.com/office/drawing/2010/main" w="9525">
                     <a:solidFill>
                       <a:srgbClr val="000000"/>
                     </a:solidFill>
@@ -9622,7 +9622,7 @@
               </a:ln>
               <a:extLst>
                 <a:ext uri="{91240B29-F687-4f45-9708-019B960494DF}">
-                  <a14:hiddenLine xmlns:a14="http://schemas.microsoft.com/office/drawing/2010/main" xmlns="" w="9525">
+                  <a14:hiddenLine xmlns="" xmlns:a14="http://schemas.microsoft.com/office/drawing/2010/main" w="9525">
                     <a:solidFill>
                       <a:srgbClr val="000000"/>
                     </a:solidFill>
@@ -9712,7 +9712,7 @@
               </a:ln>
               <a:extLst>
                 <a:ext uri="{91240B29-F687-4f45-9708-019B960494DF}">
-                  <a14:hiddenLine xmlns:a14="http://schemas.microsoft.com/office/drawing/2010/main" xmlns="" w="9525">
+                  <a14:hiddenLine xmlns="" xmlns:a14="http://schemas.microsoft.com/office/drawing/2010/main" w="9525">
                     <a:solidFill>
                       <a:srgbClr val="000000"/>
                     </a:solidFill>
@@ -9774,7 +9774,7 @@
               </a:ln>
               <a:extLst>
                 <a:ext uri="{91240B29-F687-4f45-9708-019B960494DF}">
-                  <a14:hiddenLine xmlns:a14="http://schemas.microsoft.com/office/drawing/2010/main" xmlns="" w="9525">
+                  <a14:hiddenLine xmlns="" xmlns:a14="http://schemas.microsoft.com/office/drawing/2010/main" w="9525">
                     <a:solidFill>
                       <a:srgbClr val="000000"/>
                     </a:solidFill>
@@ -9884,7 +9884,7 @@
               </a:ln>
               <a:extLst>
                 <a:ext uri="{91240B29-F687-4f45-9708-019B960494DF}">
-                  <a14:hiddenLine xmlns:a14="http://schemas.microsoft.com/office/drawing/2010/main" xmlns="" w="9525">
+                  <a14:hiddenLine xmlns="" xmlns:a14="http://schemas.microsoft.com/office/drawing/2010/main" w="9525">
                     <a:solidFill>
                       <a:srgbClr val="000000"/>
                     </a:solidFill>
@@ -9968,7 +9968,7 @@
               </a:ln>
               <a:extLst>
                 <a:ext uri="{91240B29-F687-4f45-9708-019B960494DF}">
-                  <a14:hiddenLine xmlns:a14="http://schemas.microsoft.com/office/drawing/2010/main" xmlns="" w="9525">
+                  <a14:hiddenLine xmlns="" xmlns:a14="http://schemas.microsoft.com/office/drawing/2010/main" w="9525">
                     <a:solidFill>
                       <a:srgbClr val="000000"/>
                     </a:solidFill>
@@ -10030,7 +10030,7 @@
               </a:ln>
               <a:extLst>
                 <a:ext uri="{91240B29-F687-4f45-9708-019B960494DF}">
-                  <a14:hiddenLine xmlns:a14="http://schemas.microsoft.com/office/drawing/2010/main" xmlns="" w="9525">
+                  <a14:hiddenLine xmlns="" xmlns:a14="http://schemas.microsoft.com/office/drawing/2010/main" w="9525">
                     <a:solidFill>
                       <a:srgbClr val="000000"/>
                     </a:solidFill>
@@ -10092,7 +10092,7 @@
               </a:ln>
               <a:extLst>
                 <a:ext uri="{91240B29-F687-4f45-9708-019B960494DF}">
-                  <a14:hiddenLine xmlns:a14="http://schemas.microsoft.com/office/drawing/2010/main" xmlns="" w="9525">
+                  <a14:hiddenLine xmlns="" xmlns:a14="http://schemas.microsoft.com/office/drawing/2010/main" w="9525">
                     <a:solidFill>
                       <a:srgbClr val="000000"/>
                     </a:solidFill>
@@ -10182,7 +10182,7 @@
               </a:ln>
               <a:extLst>
                 <a:ext uri="{91240B29-F687-4f45-9708-019B960494DF}">
-                  <a14:hiddenLine xmlns:a14="http://schemas.microsoft.com/office/drawing/2010/main" xmlns="" w="9525">
+                  <a14:hiddenLine xmlns="" xmlns:a14="http://schemas.microsoft.com/office/drawing/2010/main" w="9525">
                     <a:solidFill>
                       <a:srgbClr val="000000"/>
                     </a:solidFill>
@@ -10216,7 +10216,7 @@
               </a:ln>
               <a:extLst>
                 <a:ext uri="{91240B29-F687-4f45-9708-019B960494DF}">
-                  <a14:hiddenLine xmlns:a14="http://schemas.microsoft.com/office/drawing/2010/main" xmlns="" w="9525">
+                  <a14:hiddenLine xmlns="" xmlns:a14="http://schemas.microsoft.com/office/drawing/2010/main" w="9525">
                     <a:solidFill>
                       <a:srgbClr val="000000"/>
                     </a:solidFill>
@@ -10281,7 +10281,7 @@
               </a:ln>
               <a:extLst>
                 <a:ext uri="{91240B29-F687-4f45-9708-019B960494DF}">
-                  <a14:hiddenLine xmlns:a14="http://schemas.microsoft.com/office/drawing/2010/main" xmlns="" w="9525">
+                  <a14:hiddenLine xmlns="" xmlns:a14="http://schemas.microsoft.com/office/drawing/2010/main" w="9525">
                     <a:solidFill>
                       <a:srgbClr val="000000"/>
                     </a:solidFill>
@@ -10371,7 +10371,7 @@
               </a:ln>
               <a:extLst>
                 <a:ext uri="{91240B29-F687-4f45-9708-019B960494DF}">
-                  <a14:hiddenLine xmlns:a14="http://schemas.microsoft.com/office/drawing/2010/main" xmlns="" w="9525">
+                  <a14:hiddenLine xmlns="" xmlns:a14="http://schemas.microsoft.com/office/drawing/2010/main" w="9525">
                     <a:solidFill>
                       <a:srgbClr val="000000"/>
                     </a:solidFill>
@@ -10433,7 +10433,7 @@
               </a:ln>
               <a:extLst>
                 <a:ext uri="{91240B29-F687-4f45-9708-019B960494DF}">
-                  <a14:hiddenLine xmlns:a14="http://schemas.microsoft.com/office/drawing/2010/main" xmlns="" w="9525">
+                  <a14:hiddenLine xmlns="" xmlns:a14="http://schemas.microsoft.com/office/drawing/2010/main" w="9525">
                     <a:solidFill>
                       <a:srgbClr val="000000"/>
                     </a:solidFill>
@@ -10523,7 +10523,7 @@
               </a:ln>
               <a:extLst>
                 <a:ext uri="{91240B29-F687-4f45-9708-019B960494DF}">
-                  <a14:hiddenLine xmlns:a14="http://schemas.microsoft.com/office/drawing/2010/main" xmlns="" w="9525">
+                  <a14:hiddenLine xmlns="" xmlns:a14="http://schemas.microsoft.com/office/drawing/2010/main" w="9525">
                     <a:solidFill>
                       <a:srgbClr val="000000"/>
                     </a:solidFill>
@@ -10588,7 +10588,7 @@
               </a:ln>
               <a:extLst>
                 <a:ext uri="{91240B29-F687-4f45-9708-019B960494DF}">
-                  <a14:hiddenLine xmlns:a14="http://schemas.microsoft.com/office/drawing/2010/main" xmlns="" w="9525">
+                  <a14:hiddenLine xmlns="" xmlns:a14="http://schemas.microsoft.com/office/drawing/2010/main" w="9525">
                     <a:solidFill>
                       <a:srgbClr val="000000"/>
                     </a:solidFill>
@@ -10650,7 +10650,7 @@
               </a:ln>
               <a:extLst>
                 <a:ext uri="{91240B29-F687-4f45-9708-019B960494DF}">
-                  <a14:hiddenLine xmlns:a14="http://schemas.microsoft.com/office/drawing/2010/main" xmlns="" w="9525">
+                  <a14:hiddenLine xmlns="" xmlns:a14="http://schemas.microsoft.com/office/drawing/2010/main" w="9525">
                     <a:solidFill>
                       <a:srgbClr val="000000"/>
                     </a:solidFill>
@@ -10740,7 +10740,7 @@
               </a:ln>
               <a:extLst>
                 <a:ext uri="{91240B29-F687-4f45-9708-019B960494DF}">
-                  <a14:hiddenLine xmlns:a14="http://schemas.microsoft.com/office/drawing/2010/main" xmlns="" w="9525">
+                  <a14:hiddenLine xmlns="" xmlns:a14="http://schemas.microsoft.com/office/drawing/2010/main" w="9525">
                     <a:solidFill>
                       <a:srgbClr val="000000"/>
                     </a:solidFill>
@@ -10830,7 +10830,7 @@
               </a:ln>
               <a:extLst>
                 <a:ext uri="{91240B29-F687-4f45-9708-019B960494DF}">
-                  <a14:hiddenLine xmlns:a14="http://schemas.microsoft.com/office/drawing/2010/main" xmlns="" w="9525">
+                  <a14:hiddenLine xmlns="" xmlns:a14="http://schemas.microsoft.com/office/drawing/2010/main" w="9525">
                     <a:solidFill>
                       <a:srgbClr val="000000"/>
                     </a:solidFill>
@@ -10895,7 +10895,7 @@
               </a:ln>
               <a:extLst>
                 <a:ext uri="{91240B29-F687-4f45-9708-019B960494DF}">
-                  <a14:hiddenLine xmlns:a14="http://schemas.microsoft.com/office/drawing/2010/main" xmlns="" w="9525">
+                  <a14:hiddenLine xmlns="" xmlns:a14="http://schemas.microsoft.com/office/drawing/2010/main" w="9525">
                     <a:solidFill>
                       <a:srgbClr val="000000"/>
                     </a:solidFill>
@@ -11015,7 +11015,7 @@
               </a:ln>
               <a:extLst>
                 <a:ext uri="{91240B29-F687-4f45-9708-019B960494DF}">
-                  <a14:hiddenLine xmlns:a14="http://schemas.microsoft.com/office/drawing/2010/main" xmlns="" w="9525">
+                  <a14:hiddenLine xmlns="" xmlns:a14="http://schemas.microsoft.com/office/drawing/2010/main" w="9525">
                     <a:solidFill>
                       <a:srgbClr val="000000"/>
                     </a:solidFill>
@@ -11113,7 +11113,7 @@
               </a:ln>
               <a:extLst>
                 <a:ext uri="{91240B29-F687-4f45-9708-019B960494DF}">
-                  <a14:hiddenLine xmlns:a14="http://schemas.microsoft.com/office/drawing/2010/main" xmlns="" w="9525">
+                  <a14:hiddenLine xmlns="" xmlns:a14="http://schemas.microsoft.com/office/drawing/2010/main" w="9525">
                     <a:solidFill>
                       <a:srgbClr val="000000"/>
                     </a:solidFill>
@@ -11228,7 +11228,7 @@
               </a:ln>
               <a:extLst>
                 <a:ext uri="{91240B29-F687-4f45-9708-019B960494DF}">
-                  <a14:hiddenLine xmlns:a14="http://schemas.microsoft.com/office/drawing/2010/main" xmlns="" w="9525">
+                  <a14:hiddenLine xmlns="" xmlns:a14="http://schemas.microsoft.com/office/drawing/2010/main" w="9525">
                     <a:solidFill>
                       <a:srgbClr val="000000"/>
                     </a:solidFill>
@@ -11318,7 +11318,7 @@
               </a:ln>
               <a:extLst>
                 <a:ext uri="{91240B29-F687-4f45-9708-019B960494DF}">
-                  <a14:hiddenLine xmlns:a14="http://schemas.microsoft.com/office/drawing/2010/main" xmlns="" w="9525">
+                  <a14:hiddenLine xmlns="" xmlns:a14="http://schemas.microsoft.com/office/drawing/2010/main" w="9525">
                     <a:solidFill>
                       <a:srgbClr val="000000"/>
                     </a:solidFill>
@@ -11383,7 +11383,7 @@
               </a:ln>
               <a:extLst>
                 <a:ext uri="{91240B29-F687-4f45-9708-019B960494DF}">
-                  <a14:hiddenLine xmlns:a14="http://schemas.microsoft.com/office/drawing/2010/main" xmlns="" w="9525">
+                  <a14:hiddenLine xmlns="" xmlns:a14="http://schemas.microsoft.com/office/drawing/2010/main" w="9525">
                     <a:solidFill>
                       <a:srgbClr val="000000"/>
                     </a:solidFill>
@@ -11473,7 +11473,7 @@
               </a:ln>
               <a:extLst>
                 <a:ext uri="{91240B29-F687-4f45-9708-019B960494DF}">
-                  <a14:hiddenLine xmlns:a14="http://schemas.microsoft.com/office/drawing/2010/main" xmlns="" w="9525">
+                  <a14:hiddenLine xmlns="" xmlns:a14="http://schemas.microsoft.com/office/drawing/2010/main" w="9525">
                     <a:solidFill>
                       <a:srgbClr val="000000"/>
                     </a:solidFill>
@@ -11541,7 +11541,7 @@
               </a:ln>
               <a:extLst>
                 <a:ext uri="{91240B29-F687-4f45-9708-019B960494DF}">
-                  <a14:hiddenLine xmlns:a14="http://schemas.microsoft.com/office/drawing/2010/main" xmlns="" w="9525">
+                  <a14:hiddenLine xmlns="" xmlns:a14="http://schemas.microsoft.com/office/drawing/2010/main" w="9525">
                     <a:solidFill>
                       <a:srgbClr val="000000"/>
                     </a:solidFill>
@@ -11631,7 +11631,7 @@
               </a:ln>
               <a:extLst>
                 <a:ext uri="{91240B29-F687-4f45-9708-019B960494DF}">
-                  <a14:hiddenLine xmlns:a14="http://schemas.microsoft.com/office/drawing/2010/main" xmlns="" w="9525">
+                  <a14:hiddenLine xmlns="" xmlns:a14="http://schemas.microsoft.com/office/drawing/2010/main" w="9525">
                     <a:solidFill>
                       <a:srgbClr val="000000"/>
                     </a:solidFill>
@@ -11699,7 +11699,7 @@
               </a:ln>
               <a:extLst>
                 <a:ext uri="{91240B29-F687-4f45-9708-019B960494DF}">
-                  <a14:hiddenLine xmlns:a14="http://schemas.microsoft.com/office/drawing/2010/main" xmlns="" w="9525">
+                  <a14:hiddenLine xmlns="" xmlns:a14="http://schemas.microsoft.com/office/drawing/2010/main" w="9525">
                     <a:solidFill>
                       <a:srgbClr val="000000"/>
                     </a:solidFill>
@@ -11789,7 +11789,7 @@
               </a:ln>
               <a:extLst>
                 <a:ext uri="{91240B29-F687-4f45-9708-019B960494DF}">
-                  <a14:hiddenLine xmlns:a14="http://schemas.microsoft.com/office/drawing/2010/main" xmlns="" w="9525">
+                  <a14:hiddenLine xmlns="" xmlns:a14="http://schemas.microsoft.com/office/drawing/2010/main" w="9525">
                     <a:solidFill>
                       <a:srgbClr val="000000"/>
                     </a:solidFill>
@@ -11823,7 +11823,7 @@
               </a:ln>
               <a:extLst>
                 <a:ext uri="{91240B29-F687-4f45-9708-019B960494DF}">
-                  <a14:hiddenLine xmlns:a14="http://schemas.microsoft.com/office/drawing/2010/main" xmlns="" w="9525">
+                  <a14:hiddenLine xmlns="" xmlns:a14="http://schemas.microsoft.com/office/drawing/2010/main" w="9525">
                     <a:solidFill>
                       <a:srgbClr val="000000"/>
                     </a:solidFill>
@@ -11964,7 +11964,7 @@
             <a:fld id="{48A87A34-81AB-432B-8DAE-1953F412C126}" type="datetimeFigureOut">
               <a:rPr lang="en-US" dirty="0"/>
               <a:pPr/>
-              <a:t>7/29/2019</a:t>
+              <a:t>8/2/2019</a:t>
             </a:fld>
             <a:endParaRPr lang="en-US" dirty="0"/>
           </a:p>
@@ -15379,13 +15379,34 @@
           <a:p>
             <a:r>
               <a:rPr lang="en-US" dirty="0" smtClean="0"/>
-              <a:t>How will you keep track of progress?</a:t>
-            </a:r>
-          </a:p>
-          <a:p>
+              <a:t>How will you keep track of progress</a:t>
+            </a:r>
             <a:r>
               <a:rPr lang="en-US" dirty="0" smtClean="0"/>
-              <a:t>If you were running the project as a team, how would you split up the work?</a:t>
+              <a:t>? </a:t>
+            </a:r>
+            <a:r>
+              <a:rPr lang="en-US" dirty="0" smtClean="0">
+                <a:hlinkClick r:id="rId2"/>
+              </a:rPr>
+              <a:t>Azure DevOps</a:t>
+            </a:r>
+            <a:endParaRPr lang="en-US" dirty="0" smtClean="0"/>
+          </a:p>
+          <a:p>
+            <a:r>
+              <a:rPr lang="en-US" dirty="0" smtClean="0"/>
+              <a:t>If you were running the project as a team, how would you split up the work</a:t>
+            </a:r>
+            <a:r>
+              <a:rPr lang="en-US" dirty="0" smtClean="0"/>
+              <a:t>? </a:t>
+            </a:r>
+            <a:r>
+              <a:rPr lang="en-US" dirty="0" smtClean="0">
+                <a:hlinkClick r:id="rId3"/>
+              </a:rPr>
+              <a:t>Trello</a:t>
             </a:r>
             <a:endParaRPr lang="en-GB" dirty="0"/>
           </a:p>

--- a/docs/SMAP Materials Unbranded.pptx
+++ b/docs/SMAP Materials Unbranded.pptx
@@ -43,6 +43,11 @@
     <p:sldId id="288" r:id="rId37"/>
     <p:sldId id="289" r:id="rId38"/>
     <p:sldId id="290" r:id="rId39"/>
+    <p:sldId id="291" r:id="rId40"/>
+    <p:sldId id="292" r:id="rId41"/>
+    <p:sldId id="293" r:id="rId42"/>
+    <p:sldId id="294" r:id="rId43"/>
+    <p:sldId id="295" r:id="rId44"/>
   </p:sldIdLst>
   <p:sldSz cy="6858000" cx="12192000"/>
   <p:notesSz cx="6858000" cy="9144000"/>
@@ -277,7 +282,7 @@
   </p:defaultTextStyle>
   <p:extLst>
     <p:ext uri="http://customooxmlschemas.google.com/">
-      <go:slidesCustomData xmlns:go="http://customooxmlschemas.google.com/" r:id="rId40" roundtripDataSignature="AMtx7mgOr1AkfNVBPSseHZN+5ZQhEeJvEQ=="/>
+      <go:slidesCustomData xmlns:go="http://customooxmlschemas.google.com/" r:id="rId45" roundtripDataSignature="AMtx7mhOt56vh3uhC12JnQYxfzk/LL+m/w=="/>
     </p:ext>
   </p:extLst>
 </p:presentation>
@@ -828,47 +833,7 @@
       </p:grpSpPr>
       <p:sp>
         <p:nvSpPr>
-          <p:cNvPr id="294" name="Google Shape;294;p8:notes"/>
-          <p:cNvSpPr txBox="1"/>
-          <p:nvPr>
-            <p:ph idx="1" type="body"/>
-          </p:nvPr>
-        </p:nvSpPr>
-        <p:spPr>
-          <a:xfrm>
-            <a:off x="685800" y="4343400"/>
-            <a:ext cx="5486400" cy="4114800"/>
-          </a:xfrm>
-          <a:prstGeom prst="rect">
-            <a:avLst/>
-          </a:prstGeom>
-        </p:spPr>
-        <p:txBody>
-          <a:bodyPr anchorCtr="0" anchor="t" bIns="91425" lIns="91425" spcFirstLastPara="1" rIns="91425" wrap="square" tIns="91425">
-            <a:noAutofit/>
-          </a:bodyPr>
-          <a:lstStyle/>
-          <a:p>
-            <a:pPr indent="0" lvl="0" marL="0" rtl="0" algn="l">
-              <a:spcBef>
-                <a:spcPts val="0"/>
-              </a:spcBef>
-              <a:spcAft>
-                <a:spcPts val="0"/>
-              </a:spcAft>
-              <a:buNone/>
-            </a:pPr>
-            <a:r>
-              <a:rPr lang="en-US"/>
-              <a:t>KALPANA / FAYE</a:t>
-            </a:r>
-            <a:endParaRPr/>
-          </a:p>
-        </p:txBody>
-      </p:sp>
-      <p:sp>
-        <p:nvSpPr>
-          <p:cNvPr id="295" name="Google Shape;295;p8:notes"/>
+          <p:cNvPr id="294" name="Google Shape;294;g5f1623cf2d_0_36:notes"/>
           <p:cNvSpPr/>
           <p:nvPr>
             <p:ph idx="2" type="sldImg"/>
@@ -877,7 +842,7 @@
         <p:spPr>
           <a:xfrm>
             <a:off x="1143225" y="685800"/>
-            <a:ext cx="4572225" cy="3429000"/>
+            <a:ext cx="4572300" cy="3429000"/>
           </a:xfrm>
           <a:custGeom>
             <a:rect b="b" l="l" r="r" t="t"/>
@@ -900,6 +865,45 @@
             </a:pathLst>
           </a:custGeom>
         </p:spPr>
+      </p:sp>
+      <p:sp>
+        <p:nvSpPr>
+          <p:cNvPr id="295" name="Google Shape;295;g5f1623cf2d_0_36:notes"/>
+          <p:cNvSpPr txBox="1"/>
+          <p:nvPr>
+            <p:ph idx="1" type="body"/>
+          </p:nvPr>
+        </p:nvSpPr>
+        <p:spPr>
+          <a:xfrm>
+            <a:off x="685800" y="4343400"/>
+            <a:ext cx="5486400" cy="4114800"/>
+          </a:xfrm>
+          <a:prstGeom prst="rect">
+            <a:avLst/>
+          </a:prstGeom>
+        </p:spPr>
+        <p:txBody>
+          <a:bodyPr anchorCtr="0" anchor="t" bIns="91425" lIns="91425" spcFirstLastPara="1" rIns="91425" wrap="square" tIns="91425">
+            <a:noAutofit/>
+          </a:bodyPr>
+          <a:lstStyle/>
+          <a:p>
+            <a:pPr indent="0" lvl="0" marL="0" rtl="0" algn="l">
+              <a:spcBef>
+                <a:spcPts val="0"/>
+              </a:spcBef>
+              <a:spcAft>
+                <a:spcPts val="0"/>
+              </a:spcAft>
+              <a:buNone/>
+            </a:pPr>
+            <a:r>
+              <a:t/>
+            </a:r>
+            <a:endParaRPr/>
+          </a:p>
+        </p:txBody>
       </p:sp>
     </p:spTree>
   </p:cSld>
@@ -928,7 +932,7 @@
       </p:grpSpPr>
       <p:sp>
         <p:nvSpPr>
-          <p:cNvPr id="301" name="Google Shape;301;p9:notes"/>
+          <p:cNvPr id="301" name="Google Shape;301;p7:notes"/>
           <p:cNvSpPr txBox="1"/>
           <p:nvPr>
             <p:ph idx="1" type="body"/>
@@ -956,20 +960,11 @@
               <a:spcAft>
                 <a:spcPts val="0"/>
               </a:spcAft>
-              <a:buClr>
-                <a:schemeClr val="dk1"/>
-              </a:buClr>
-              <a:buSzPts val="1100"/>
-              <a:buFont typeface="Arial"/>
               <a:buNone/>
             </a:pPr>
             <a:r>
-              <a:rPr lang="en-US">
-                <a:solidFill>
-                  <a:schemeClr val="dk1"/>
-                </a:solidFill>
-              </a:rPr>
-              <a:t>KALPANA / FAYE</a:t>
+              <a:rPr lang="en-US"/>
+              <a:t>VLAD / KALPANA</a:t>
             </a:r>
             <a:endParaRPr/>
           </a:p>
@@ -977,7 +972,7 @@
       </p:sp>
       <p:sp>
         <p:nvSpPr>
-          <p:cNvPr id="302" name="Google Shape;302;p9:notes"/>
+          <p:cNvPr id="302" name="Google Shape;302;p7:notes"/>
           <p:cNvSpPr/>
           <p:nvPr>
             <p:ph idx="2" type="sldImg"/>
@@ -1037,7 +1032,7 @@
       </p:grpSpPr>
       <p:sp>
         <p:nvSpPr>
-          <p:cNvPr id="310" name="Google Shape;310;p10:notes"/>
+          <p:cNvPr id="310" name="Google Shape;310;p8:notes"/>
           <p:cNvSpPr txBox="1"/>
           <p:nvPr>
             <p:ph idx="1" type="body"/>
@@ -1069,7 +1064,7 @@
             </a:pPr>
             <a:r>
               <a:rPr lang="en-US"/>
-              <a:t>VLAD / KALPANA</a:t>
+              <a:t>KALPANA / FAYE</a:t>
             </a:r>
             <a:endParaRPr/>
           </a:p>
@@ -1077,7 +1072,7 @@
       </p:sp>
       <p:sp>
         <p:nvSpPr>
-          <p:cNvPr id="311" name="Google Shape;311;p10:notes"/>
+          <p:cNvPr id="311" name="Google Shape;311;p8:notes"/>
           <p:cNvSpPr/>
           <p:nvPr>
             <p:ph idx="2" type="sldImg"/>
@@ -1123,7 +1118,7 @@
   <p:cSld>
     <p:spTree>
       <p:nvGrpSpPr>
-        <p:cNvPr id="315" name="Shape 315"/>
+        <p:cNvPr id="316" name="Shape 316"/>
         <p:cNvGrpSpPr/>
         <p:nvPr/>
       </p:nvGrpSpPr>
@@ -1137,7 +1132,7 @@
       </p:grpSpPr>
       <p:sp>
         <p:nvSpPr>
-          <p:cNvPr id="316" name="Google Shape;316;p11:notes"/>
+          <p:cNvPr id="317" name="Google Shape;317;p9:notes"/>
           <p:cNvSpPr txBox="1"/>
           <p:nvPr>
             <p:ph idx="1" type="body"/>
@@ -1178,7 +1173,7 @@
                   <a:schemeClr val="dk1"/>
                 </a:solidFill>
               </a:rPr>
-              <a:t>VLAD / KALPANA</a:t>
+              <a:t>KALPANA / FAYE</a:t>
             </a:r>
             <a:endParaRPr/>
           </a:p>
@@ -1186,7 +1181,7 @@
       </p:sp>
       <p:sp>
         <p:nvSpPr>
-          <p:cNvPr id="317" name="Google Shape;317;p11:notes"/>
+          <p:cNvPr id="318" name="Google Shape;318;p9:notes"/>
           <p:cNvSpPr/>
           <p:nvPr>
             <p:ph idx="2" type="sldImg"/>
@@ -1232,7 +1227,7 @@
   <p:cSld>
     <p:spTree>
       <p:nvGrpSpPr>
-        <p:cNvPr id="321" name="Shape 321"/>
+        <p:cNvPr id="325" name="Shape 325"/>
         <p:cNvGrpSpPr/>
         <p:nvPr/>
       </p:nvGrpSpPr>
@@ -1246,7 +1241,7 @@
       </p:grpSpPr>
       <p:sp>
         <p:nvSpPr>
-          <p:cNvPr id="322" name="Google Shape;322;p12:notes"/>
+          <p:cNvPr id="326" name="Google Shape;326;p10:notes"/>
           <p:cNvSpPr txBox="1"/>
           <p:nvPr>
             <p:ph idx="1" type="body"/>
@@ -1278,7 +1273,7 @@
             </a:pPr>
             <a:r>
               <a:rPr lang="en-US"/>
-              <a:t>FAYE / ANDREW</a:t>
+              <a:t>VLAD / KALPANA</a:t>
             </a:r>
             <a:endParaRPr/>
           </a:p>
@@ -1286,7 +1281,7 @@
       </p:sp>
       <p:sp>
         <p:nvSpPr>
-          <p:cNvPr id="323" name="Google Shape;323;p12:notes"/>
+          <p:cNvPr id="327" name="Google Shape;327;p10:notes"/>
           <p:cNvSpPr/>
           <p:nvPr>
             <p:ph idx="2" type="sldImg"/>
@@ -1332,7 +1327,7 @@
   <p:cSld>
     <p:spTree>
       <p:nvGrpSpPr>
-        <p:cNvPr id="327" name="Shape 327"/>
+        <p:cNvPr id="331" name="Shape 331"/>
         <p:cNvGrpSpPr/>
         <p:nvPr/>
       </p:nvGrpSpPr>
@@ -1346,7 +1341,7 @@
       </p:grpSpPr>
       <p:sp>
         <p:nvSpPr>
-          <p:cNvPr id="328" name="Google Shape;328;p13:notes"/>
+          <p:cNvPr id="332" name="Google Shape;332;p11:notes"/>
           <p:cNvSpPr txBox="1"/>
           <p:nvPr>
             <p:ph idx="1" type="body"/>
@@ -1387,7 +1382,7 @@
                   <a:schemeClr val="dk1"/>
                 </a:solidFill>
               </a:rPr>
-              <a:t>FAYE / ANDREW</a:t>
+              <a:t>VLAD / KALPANA</a:t>
             </a:r>
             <a:endParaRPr/>
           </a:p>
@@ -1395,7 +1390,7 @@
       </p:sp>
       <p:sp>
         <p:nvSpPr>
-          <p:cNvPr id="329" name="Google Shape;329;p13:notes"/>
+          <p:cNvPr id="333" name="Google Shape;333;p11:notes"/>
           <p:cNvSpPr/>
           <p:nvPr>
             <p:ph idx="2" type="sldImg"/>
@@ -1441,7 +1436,7 @@
   <p:cSld>
     <p:spTree>
       <p:nvGrpSpPr>
-        <p:cNvPr id="333" name="Shape 333"/>
+        <p:cNvPr id="337" name="Shape 337"/>
         <p:cNvGrpSpPr/>
         <p:nvPr/>
       </p:nvGrpSpPr>
@@ -1455,47 +1450,7 @@
       </p:grpSpPr>
       <p:sp>
         <p:nvSpPr>
-          <p:cNvPr id="334" name="Google Shape;334;p14:notes"/>
-          <p:cNvSpPr txBox="1"/>
-          <p:nvPr>
-            <p:ph idx="1" type="body"/>
-          </p:nvPr>
-        </p:nvSpPr>
-        <p:spPr>
-          <a:xfrm>
-            <a:off x="685800" y="4343400"/>
-            <a:ext cx="5486400" cy="4114800"/>
-          </a:xfrm>
-          <a:prstGeom prst="rect">
-            <a:avLst/>
-          </a:prstGeom>
-        </p:spPr>
-        <p:txBody>
-          <a:bodyPr anchorCtr="0" anchor="t" bIns="91425" lIns="91425" spcFirstLastPara="1" rIns="91425" wrap="square" tIns="91425">
-            <a:noAutofit/>
-          </a:bodyPr>
-          <a:lstStyle/>
-          <a:p>
-            <a:pPr indent="0" lvl="0" marL="0" rtl="0" algn="l">
-              <a:spcBef>
-                <a:spcPts val="0"/>
-              </a:spcBef>
-              <a:spcAft>
-                <a:spcPts val="0"/>
-              </a:spcAft>
-              <a:buNone/>
-            </a:pPr>
-            <a:r>
-              <a:rPr lang="en-US"/>
-              <a:t>FAYE / KALPANA</a:t>
-            </a:r>
-            <a:endParaRPr/>
-          </a:p>
-        </p:txBody>
-      </p:sp>
-      <p:sp>
-        <p:nvSpPr>
-          <p:cNvPr id="335" name="Google Shape;335;p14:notes"/>
+          <p:cNvPr id="338" name="Google Shape;338;g5f1623cf2d_0_43:notes"/>
           <p:cNvSpPr/>
           <p:nvPr>
             <p:ph idx="2" type="sldImg"/>
@@ -1504,7 +1459,7 @@
         <p:spPr>
           <a:xfrm>
             <a:off x="1143225" y="685800"/>
-            <a:ext cx="4572225" cy="3429000"/>
+            <a:ext cx="4572300" cy="3429000"/>
           </a:xfrm>
           <a:custGeom>
             <a:rect b="b" l="l" r="r" t="t"/>
@@ -1528,34 +1483,9 @@
           </a:custGeom>
         </p:spPr>
       </p:sp>
-    </p:spTree>
-  </p:cSld>
-  <p:clrMapOvr>
-    <a:masterClrMapping/>
-  </p:clrMapOvr>
-</p:notes>
-</file>
-
-<file path=ppt/notesSlides/notesSlide17.xml><?xml version="1.0" encoding="utf-8"?>
-<p:notes xmlns:a="http://schemas.openxmlformats.org/drawingml/2006/main" xmlns:r="http://schemas.openxmlformats.org/officeDocument/2006/relationships" xmlns:mc="http://schemas.openxmlformats.org/markup-compatibility/2006" xmlns:mv="urn:schemas-microsoft-com:mac:vml" xmlns:p="http://schemas.openxmlformats.org/presentationml/2006/main" xmlns:c="http://schemas.openxmlformats.org/drawingml/2006/chart" xmlns:dgm="http://schemas.openxmlformats.org/drawingml/2006/diagram" xmlns:o="urn:schemas-microsoft-com:office:office" xmlns:v="urn:schemas-microsoft-com:vml" xmlns:pvml="urn:schemas-microsoft-com:office:powerpoint" xmlns:com="http://schemas.openxmlformats.org/drawingml/2006/compatibility" xmlns:p14="http://schemas.microsoft.com/office/powerpoint/2010/main" xmlns:p15="http://schemas.microsoft.com/office/powerpoint/2012/main" showMasterPhAnim="0" showMasterSp="0">
-  <p:cSld>
-    <p:spTree>
-      <p:nvGrpSpPr>
-        <p:cNvPr id="339" name="Shape 339"/>
-        <p:cNvGrpSpPr/>
-        <p:nvPr/>
-      </p:nvGrpSpPr>
-      <p:grpSpPr>
-        <a:xfrm>
-          <a:off x="0" y="0"/>
-          <a:ext cx="0" cy="0"/>
-          <a:chOff x="0" y="0"/>
-          <a:chExt cx="0" cy="0"/>
-        </a:xfrm>
-      </p:grpSpPr>
       <p:sp>
         <p:nvSpPr>
-          <p:cNvPr id="340" name="Google Shape;340;p15:notes"/>
+          <p:cNvPr id="339" name="Google Shape;339;g5f1623cf2d_0_43:notes"/>
           <p:cNvSpPr txBox="1"/>
           <p:nvPr>
             <p:ph idx="1" type="body"/>
@@ -1583,20 +1513,75 @@
               <a:spcAft>
                 <a:spcPts val="0"/>
               </a:spcAft>
-              <a:buClr>
-                <a:schemeClr val="dk1"/>
-              </a:buClr>
-              <a:buSzPts val="1100"/>
-              <a:buFont typeface="Arial"/>
               <a:buNone/>
             </a:pPr>
             <a:r>
-              <a:rPr lang="en-US">
-                <a:solidFill>
-                  <a:schemeClr val="dk1"/>
-                </a:solidFill>
-              </a:rPr>
-              <a:t>FAYE / KALPANA</a:t>
+              <a:t/>
+            </a:r>
+            <a:endParaRPr/>
+          </a:p>
+        </p:txBody>
+      </p:sp>
+    </p:spTree>
+  </p:cSld>
+  <p:clrMapOvr>
+    <a:masterClrMapping/>
+  </p:clrMapOvr>
+</p:notes>
+</file>
+
+<file path=ppt/notesSlides/notesSlide17.xml><?xml version="1.0" encoding="utf-8"?>
+<p:notes xmlns:a="http://schemas.openxmlformats.org/drawingml/2006/main" xmlns:r="http://schemas.openxmlformats.org/officeDocument/2006/relationships" xmlns:mc="http://schemas.openxmlformats.org/markup-compatibility/2006" xmlns:mv="urn:schemas-microsoft-com:mac:vml" xmlns:p="http://schemas.openxmlformats.org/presentationml/2006/main" xmlns:c="http://schemas.openxmlformats.org/drawingml/2006/chart" xmlns:dgm="http://schemas.openxmlformats.org/drawingml/2006/diagram" xmlns:o="urn:schemas-microsoft-com:office:office" xmlns:v="urn:schemas-microsoft-com:vml" xmlns:pvml="urn:schemas-microsoft-com:office:powerpoint" xmlns:com="http://schemas.openxmlformats.org/drawingml/2006/compatibility" xmlns:p14="http://schemas.microsoft.com/office/powerpoint/2010/main" xmlns:p15="http://schemas.microsoft.com/office/powerpoint/2012/main" showMasterPhAnim="0" showMasterSp="0">
+  <p:cSld>
+    <p:spTree>
+      <p:nvGrpSpPr>
+        <p:cNvPr id="343" name="Shape 343"/>
+        <p:cNvGrpSpPr/>
+        <p:nvPr/>
+      </p:nvGrpSpPr>
+      <p:grpSpPr>
+        <a:xfrm>
+          <a:off x="0" y="0"/>
+          <a:ext cx="0" cy="0"/>
+          <a:chOff x="0" y="0"/>
+          <a:chExt cx="0" cy="0"/>
+        </a:xfrm>
+      </p:grpSpPr>
+      <p:sp>
+        <p:nvSpPr>
+          <p:cNvPr id="344" name="Google Shape;344;p12:notes"/>
+          <p:cNvSpPr txBox="1"/>
+          <p:nvPr>
+            <p:ph idx="1" type="body"/>
+          </p:nvPr>
+        </p:nvSpPr>
+        <p:spPr>
+          <a:xfrm>
+            <a:off x="685800" y="4343400"/>
+            <a:ext cx="5486400" cy="4114800"/>
+          </a:xfrm>
+          <a:prstGeom prst="rect">
+            <a:avLst/>
+          </a:prstGeom>
+        </p:spPr>
+        <p:txBody>
+          <a:bodyPr anchorCtr="0" anchor="t" bIns="91425" lIns="91425" spcFirstLastPara="1" rIns="91425" wrap="square" tIns="91425">
+            <a:noAutofit/>
+          </a:bodyPr>
+          <a:lstStyle/>
+          <a:p>
+            <a:pPr indent="0" lvl="0" marL="0" rtl="0" algn="l">
+              <a:spcBef>
+                <a:spcPts val="0"/>
+              </a:spcBef>
+              <a:spcAft>
+                <a:spcPts val="0"/>
+              </a:spcAft>
+              <a:buNone/>
+            </a:pPr>
+            <a:r>
+              <a:rPr lang="en-US"/>
+              <a:t>FAYE / ANDREW</a:t>
             </a:r>
             <a:endParaRPr/>
           </a:p>
@@ -1604,7 +1589,7 @@
       </p:sp>
       <p:sp>
         <p:nvSpPr>
-          <p:cNvPr id="341" name="Google Shape;341;p15:notes"/>
+          <p:cNvPr id="345" name="Google Shape;345;p12:notes"/>
           <p:cNvSpPr/>
           <p:nvPr>
             <p:ph idx="2" type="sldImg"/>
@@ -1650,7 +1635,7 @@
   <p:cSld>
     <p:spTree>
       <p:nvGrpSpPr>
-        <p:cNvPr id="345" name="Shape 345"/>
+        <p:cNvPr id="349" name="Shape 349"/>
         <p:cNvGrpSpPr/>
         <p:nvPr/>
       </p:nvGrpSpPr>
@@ -1664,7 +1649,7 @@
       </p:grpSpPr>
       <p:sp>
         <p:nvSpPr>
-          <p:cNvPr id="346" name="Google Shape;346;p16:notes"/>
+          <p:cNvPr id="350" name="Google Shape;350;p13:notes"/>
           <p:cNvSpPr txBox="1"/>
           <p:nvPr>
             <p:ph idx="1" type="body"/>
@@ -1692,11 +1677,20 @@
               <a:spcAft>
                 <a:spcPts val="0"/>
               </a:spcAft>
+              <a:buClr>
+                <a:schemeClr val="dk1"/>
+              </a:buClr>
+              <a:buSzPts val="1100"/>
+              <a:buFont typeface="Arial"/>
               <a:buNone/>
             </a:pPr>
             <a:r>
-              <a:rPr lang="en-US"/>
-              <a:t>ANDREW / SAMI</a:t>
+              <a:rPr lang="en-US">
+                <a:solidFill>
+                  <a:schemeClr val="dk1"/>
+                </a:solidFill>
+              </a:rPr>
+              <a:t>FAYE / ANDREW</a:t>
             </a:r>
             <a:endParaRPr/>
           </a:p>
@@ -1704,7 +1698,7 @@
       </p:sp>
       <p:sp>
         <p:nvSpPr>
-          <p:cNvPr id="347" name="Google Shape;347;p16:notes"/>
+          <p:cNvPr id="351" name="Google Shape;351;p13:notes"/>
           <p:cNvSpPr/>
           <p:nvPr>
             <p:ph idx="2" type="sldImg"/>
@@ -1750,7 +1744,7 @@
   <p:cSld>
     <p:spTree>
       <p:nvGrpSpPr>
-        <p:cNvPr id="351" name="Shape 351"/>
+        <p:cNvPr id="355" name="Shape 355"/>
         <p:cNvGrpSpPr/>
         <p:nvPr/>
       </p:nvGrpSpPr>
@@ -1764,7 +1758,7 @@
       </p:grpSpPr>
       <p:sp>
         <p:nvSpPr>
-          <p:cNvPr id="352" name="Google Shape;352;p17:notes"/>
+          <p:cNvPr id="356" name="Google Shape;356;p14:notes"/>
           <p:cNvSpPr txBox="1"/>
           <p:nvPr>
             <p:ph idx="1" type="body"/>
@@ -1796,7 +1790,7 @@
             </a:pPr>
             <a:r>
               <a:rPr lang="en-US"/>
-              <a:t>ANDREW / SAMI</a:t>
+              <a:t>FAYE / KALPANA</a:t>
             </a:r>
             <a:endParaRPr/>
           </a:p>
@@ -1804,7 +1798,7 @@
       </p:sp>
       <p:sp>
         <p:nvSpPr>
-          <p:cNvPr id="353" name="Google Shape;353;p17:notes"/>
+          <p:cNvPr id="357" name="Google Shape;357;p14:notes"/>
           <p:cNvSpPr/>
           <p:nvPr>
             <p:ph idx="2" type="sldImg"/>
@@ -1950,7 +1944,7 @@
   <p:cSld>
     <p:spTree>
       <p:nvGrpSpPr>
-        <p:cNvPr id="357" name="Shape 357"/>
+        <p:cNvPr id="361" name="Shape 361"/>
         <p:cNvGrpSpPr/>
         <p:nvPr/>
       </p:nvGrpSpPr>
@@ -1964,7 +1958,7 @@
       </p:grpSpPr>
       <p:sp>
         <p:nvSpPr>
-          <p:cNvPr id="358" name="Google Shape;358;p18:notes"/>
+          <p:cNvPr id="362" name="Google Shape;362;p15:notes"/>
           <p:cNvSpPr txBox="1"/>
           <p:nvPr>
             <p:ph idx="1" type="body"/>
@@ -1992,11 +1986,20 @@
               <a:spcAft>
                 <a:spcPts val="0"/>
               </a:spcAft>
+              <a:buClr>
+                <a:schemeClr val="dk1"/>
+              </a:buClr>
+              <a:buSzPts val="1100"/>
+              <a:buFont typeface="Arial"/>
               <a:buNone/>
             </a:pPr>
             <a:r>
-              <a:rPr lang="en-US"/>
-              <a:t>JOSH / VLAD</a:t>
+              <a:rPr lang="en-US">
+                <a:solidFill>
+                  <a:schemeClr val="dk1"/>
+                </a:solidFill>
+              </a:rPr>
+              <a:t>FAYE / KALPANA</a:t>
             </a:r>
             <a:endParaRPr/>
           </a:p>
@@ -2004,7 +2007,7 @@
       </p:sp>
       <p:sp>
         <p:nvSpPr>
-          <p:cNvPr id="359" name="Google Shape;359;p18:notes"/>
+          <p:cNvPr id="363" name="Google Shape;363;p15:notes"/>
           <p:cNvSpPr/>
           <p:nvPr>
             <p:ph idx="2" type="sldImg"/>
@@ -2050,7 +2053,7 @@
   <p:cSld>
     <p:spTree>
       <p:nvGrpSpPr>
-        <p:cNvPr id="363" name="Shape 363"/>
+        <p:cNvPr id="367" name="Shape 367"/>
         <p:cNvGrpSpPr/>
         <p:nvPr/>
       </p:nvGrpSpPr>
@@ -2064,7 +2067,7 @@
       </p:grpSpPr>
       <p:sp>
         <p:nvSpPr>
-          <p:cNvPr id="364" name="Google Shape;364;p19:notes"/>
+          <p:cNvPr id="368" name="Google Shape;368;p16:notes"/>
           <p:cNvSpPr txBox="1"/>
           <p:nvPr>
             <p:ph idx="1" type="body"/>
@@ -2096,7 +2099,7 @@
             </a:pPr>
             <a:r>
               <a:rPr lang="en-US"/>
-              <a:t>JOSH /VLAD</a:t>
+              <a:t>ANDREW / SAMI</a:t>
             </a:r>
             <a:endParaRPr/>
           </a:p>
@@ -2104,7 +2107,7 @@
       </p:sp>
       <p:sp>
         <p:nvSpPr>
-          <p:cNvPr id="365" name="Google Shape;365;p19:notes"/>
+          <p:cNvPr id="369" name="Google Shape;369;p16:notes"/>
           <p:cNvSpPr/>
           <p:nvPr>
             <p:ph idx="2" type="sldImg"/>
@@ -2150,7 +2153,7 @@
   <p:cSld>
     <p:spTree>
       <p:nvGrpSpPr>
-        <p:cNvPr id="369" name="Shape 369"/>
+        <p:cNvPr id="373" name="Shape 373"/>
         <p:cNvGrpSpPr/>
         <p:nvPr/>
       </p:nvGrpSpPr>
@@ -2164,7 +2167,7 @@
       </p:grpSpPr>
       <p:sp>
         <p:nvSpPr>
-          <p:cNvPr id="370" name="Google Shape;370;p20:notes"/>
+          <p:cNvPr id="374" name="Google Shape;374;p17:notes"/>
           <p:cNvSpPr txBox="1"/>
           <p:nvPr>
             <p:ph idx="1" type="body"/>
@@ -2196,7 +2199,7 @@
             </a:pPr>
             <a:r>
               <a:rPr lang="en-US"/>
-              <a:t>ANDREW / KALPANA</a:t>
+              <a:t>ANDREW / SAMI</a:t>
             </a:r>
             <a:endParaRPr/>
           </a:p>
@@ -2204,7 +2207,7 @@
       </p:sp>
       <p:sp>
         <p:nvSpPr>
-          <p:cNvPr id="371" name="Google Shape;371;p20:notes"/>
+          <p:cNvPr id="375" name="Google Shape;375;p17:notes"/>
           <p:cNvSpPr/>
           <p:nvPr>
             <p:ph idx="2" type="sldImg"/>
@@ -2250,7 +2253,7 @@
   <p:cSld>
     <p:spTree>
       <p:nvGrpSpPr>
-        <p:cNvPr id="375" name="Shape 375"/>
+        <p:cNvPr id="379" name="Shape 379"/>
         <p:cNvGrpSpPr/>
         <p:nvPr/>
       </p:nvGrpSpPr>
@@ -2264,7 +2267,7 @@
       </p:grpSpPr>
       <p:sp>
         <p:nvSpPr>
-          <p:cNvPr id="376" name="Google Shape;376;p21:notes"/>
+          <p:cNvPr id="380" name="Google Shape;380;p18:notes"/>
           <p:cNvSpPr txBox="1"/>
           <p:nvPr>
             <p:ph idx="1" type="body"/>
@@ -2296,7 +2299,7 @@
             </a:pPr>
             <a:r>
               <a:rPr lang="en-US"/>
-              <a:t>SAMI / FAYE</a:t>
+              <a:t>JOSH / VLAD</a:t>
             </a:r>
             <a:endParaRPr/>
           </a:p>
@@ -2304,7 +2307,7 @@
       </p:sp>
       <p:sp>
         <p:nvSpPr>
-          <p:cNvPr id="377" name="Google Shape;377;p21:notes"/>
+          <p:cNvPr id="381" name="Google Shape;381;p18:notes"/>
           <p:cNvSpPr/>
           <p:nvPr>
             <p:ph idx="2" type="sldImg"/>
@@ -2350,7 +2353,7 @@
   <p:cSld>
     <p:spTree>
       <p:nvGrpSpPr>
-        <p:cNvPr id="381" name="Shape 381"/>
+        <p:cNvPr id="385" name="Shape 385"/>
         <p:cNvGrpSpPr/>
         <p:nvPr/>
       </p:nvGrpSpPr>
@@ -2364,7 +2367,7 @@
       </p:grpSpPr>
       <p:sp>
         <p:nvSpPr>
-          <p:cNvPr id="382" name="Google Shape;382;p22:notes"/>
+          <p:cNvPr id="386" name="Google Shape;386;p19:notes"/>
           <p:cNvSpPr txBox="1"/>
           <p:nvPr>
             <p:ph idx="1" type="body"/>
@@ -2396,7 +2399,7 @@
             </a:pPr>
             <a:r>
               <a:rPr lang="en-US"/>
-              <a:t>ANDREW </a:t>
+              <a:t>JOSH /VLAD</a:t>
             </a:r>
             <a:endParaRPr/>
           </a:p>
@@ -2404,7 +2407,7 @@
       </p:sp>
       <p:sp>
         <p:nvSpPr>
-          <p:cNvPr id="383" name="Google Shape;383;p22:notes"/>
+          <p:cNvPr id="387" name="Google Shape;387;p19:notes"/>
           <p:cNvSpPr/>
           <p:nvPr>
             <p:ph idx="2" type="sldImg"/>
@@ -2450,7 +2453,7 @@
   <p:cSld>
     <p:spTree>
       <p:nvGrpSpPr>
-        <p:cNvPr id="387" name="Shape 387"/>
+        <p:cNvPr id="391" name="Shape 391"/>
         <p:cNvGrpSpPr/>
         <p:nvPr/>
       </p:nvGrpSpPr>
@@ -2464,7 +2467,7 @@
       </p:grpSpPr>
       <p:sp>
         <p:nvSpPr>
-          <p:cNvPr id="388" name="Google Shape;388;p23:notes"/>
+          <p:cNvPr id="392" name="Google Shape;392;p20:notes"/>
           <p:cNvSpPr txBox="1"/>
           <p:nvPr>
             <p:ph idx="1" type="body"/>
@@ -2496,7 +2499,7 @@
             </a:pPr>
             <a:r>
               <a:rPr lang="en-US"/>
-              <a:t>ANDREW</a:t>
+              <a:t>ANDREW / KALPANA</a:t>
             </a:r>
             <a:endParaRPr/>
           </a:p>
@@ -2504,7 +2507,7 @@
       </p:sp>
       <p:sp>
         <p:nvSpPr>
-          <p:cNvPr id="389" name="Google Shape;389;p23:notes"/>
+          <p:cNvPr id="393" name="Google Shape;393;p20:notes"/>
           <p:cNvSpPr/>
           <p:nvPr>
             <p:ph idx="2" type="sldImg"/>
@@ -2550,7 +2553,7 @@
   <p:cSld>
     <p:spTree>
       <p:nvGrpSpPr>
-        <p:cNvPr id="393" name="Shape 393"/>
+        <p:cNvPr id="397" name="Shape 397"/>
         <p:cNvGrpSpPr/>
         <p:nvPr/>
       </p:nvGrpSpPr>
@@ -2564,7 +2567,7 @@
       </p:grpSpPr>
       <p:sp>
         <p:nvSpPr>
-          <p:cNvPr id="394" name="Google Shape;394;p24:notes"/>
+          <p:cNvPr id="398" name="Google Shape;398;p21:notes"/>
           <p:cNvSpPr txBox="1"/>
           <p:nvPr>
             <p:ph idx="1" type="body"/>
@@ -2596,7 +2599,7 @@
             </a:pPr>
             <a:r>
               <a:rPr lang="en-US"/>
-              <a:t>CHRIS / THOM</a:t>
+              <a:t>SAMI / FAYE</a:t>
             </a:r>
             <a:endParaRPr/>
           </a:p>
@@ -2604,7 +2607,7 @@
       </p:sp>
       <p:sp>
         <p:nvSpPr>
-          <p:cNvPr id="395" name="Google Shape;395;p24:notes"/>
+          <p:cNvPr id="399" name="Google Shape;399;p21:notes"/>
           <p:cNvSpPr/>
           <p:nvPr>
             <p:ph idx="2" type="sldImg"/>
@@ -2650,7 +2653,7 @@
   <p:cSld>
     <p:spTree>
       <p:nvGrpSpPr>
-        <p:cNvPr id="399" name="Shape 399"/>
+        <p:cNvPr id="403" name="Shape 403"/>
         <p:cNvGrpSpPr/>
         <p:nvPr/>
       </p:nvGrpSpPr>
@@ -2664,47 +2667,7 @@
       </p:grpSpPr>
       <p:sp>
         <p:nvSpPr>
-          <p:cNvPr id="400" name="Google Shape;400;p25:notes"/>
-          <p:cNvSpPr txBox="1"/>
-          <p:nvPr>
-            <p:ph idx="1" type="body"/>
-          </p:nvPr>
-        </p:nvSpPr>
-        <p:spPr>
-          <a:xfrm>
-            <a:off x="685800" y="4343400"/>
-            <a:ext cx="5486400" cy="4114800"/>
-          </a:xfrm>
-          <a:prstGeom prst="rect">
-            <a:avLst/>
-          </a:prstGeom>
-        </p:spPr>
-        <p:txBody>
-          <a:bodyPr anchorCtr="0" anchor="t" bIns="91425" lIns="91425" spcFirstLastPara="1" rIns="91425" wrap="square" tIns="91425">
-            <a:noAutofit/>
-          </a:bodyPr>
-          <a:lstStyle/>
-          <a:p>
-            <a:pPr indent="0" lvl="0" marL="0" rtl="0" algn="l">
-              <a:spcBef>
-                <a:spcPts val="0"/>
-              </a:spcBef>
-              <a:spcAft>
-                <a:spcPts val="0"/>
-              </a:spcAft>
-              <a:buNone/>
-            </a:pPr>
-            <a:r>
-              <a:rPr lang="en-US"/>
-              <a:t>JOSH / VLAD</a:t>
-            </a:r>
-            <a:endParaRPr/>
-          </a:p>
-        </p:txBody>
-      </p:sp>
-      <p:sp>
-        <p:nvSpPr>
-          <p:cNvPr id="401" name="Google Shape;401;p25:notes"/>
+          <p:cNvPr id="404" name="Google Shape;404;g5f1623cf2d_0_48:notes"/>
           <p:cNvSpPr/>
           <p:nvPr>
             <p:ph idx="2" type="sldImg"/>
@@ -2713,7 +2676,7 @@
         <p:spPr>
           <a:xfrm>
             <a:off x="1143225" y="685800"/>
-            <a:ext cx="4572225" cy="3429000"/>
+            <a:ext cx="4572300" cy="3429000"/>
           </a:xfrm>
           <a:custGeom>
             <a:rect b="b" l="l" r="r" t="t"/>
@@ -2737,34 +2700,9 @@
           </a:custGeom>
         </p:spPr>
       </p:sp>
-    </p:spTree>
-  </p:cSld>
-  <p:clrMapOvr>
-    <a:masterClrMapping/>
-  </p:clrMapOvr>
-</p:notes>
-</file>
-
-<file path=ppt/notesSlides/notesSlide28.xml><?xml version="1.0" encoding="utf-8"?>
-<p:notes xmlns:a="http://schemas.openxmlformats.org/drawingml/2006/main" xmlns:r="http://schemas.openxmlformats.org/officeDocument/2006/relationships" xmlns:mc="http://schemas.openxmlformats.org/markup-compatibility/2006" xmlns:mv="urn:schemas-microsoft-com:mac:vml" xmlns:p="http://schemas.openxmlformats.org/presentationml/2006/main" xmlns:c="http://schemas.openxmlformats.org/drawingml/2006/chart" xmlns:dgm="http://schemas.openxmlformats.org/drawingml/2006/diagram" xmlns:o="urn:schemas-microsoft-com:office:office" xmlns:v="urn:schemas-microsoft-com:vml" xmlns:pvml="urn:schemas-microsoft-com:office:powerpoint" xmlns:com="http://schemas.openxmlformats.org/drawingml/2006/compatibility" xmlns:p14="http://schemas.microsoft.com/office/powerpoint/2010/main" xmlns:p15="http://schemas.microsoft.com/office/powerpoint/2012/main" showMasterPhAnim="0" showMasterSp="0">
-  <p:cSld>
-    <p:spTree>
-      <p:nvGrpSpPr>
-        <p:cNvPr id="405" name="Shape 405"/>
-        <p:cNvGrpSpPr/>
-        <p:nvPr/>
-      </p:nvGrpSpPr>
-      <p:grpSpPr>
-        <a:xfrm>
-          <a:off x="0" y="0"/>
-          <a:ext cx="0" cy="0"/>
-          <a:chOff x="0" y="0"/>
-          <a:chExt cx="0" cy="0"/>
-        </a:xfrm>
-      </p:grpSpPr>
       <p:sp>
         <p:nvSpPr>
-          <p:cNvPr id="406" name="Google Shape;406;p26:notes"/>
+          <p:cNvPr id="405" name="Google Shape;405;g5f1623cf2d_0_48:notes"/>
           <p:cNvSpPr txBox="1"/>
           <p:nvPr>
             <p:ph idx="1" type="body"/>
@@ -2795,8 +2733,72 @@
               <a:buNone/>
             </a:pPr>
             <a:r>
+              <a:t/>
+            </a:r>
+            <a:endParaRPr/>
+          </a:p>
+        </p:txBody>
+      </p:sp>
+    </p:spTree>
+  </p:cSld>
+  <p:clrMapOvr>
+    <a:masterClrMapping/>
+  </p:clrMapOvr>
+</p:notes>
+</file>
+
+<file path=ppt/notesSlides/notesSlide28.xml><?xml version="1.0" encoding="utf-8"?>
+<p:notes xmlns:a="http://schemas.openxmlformats.org/drawingml/2006/main" xmlns:r="http://schemas.openxmlformats.org/officeDocument/2006/relationships" xmlns:mc="http://schemas.openxmlformats.org/markup-compatibility/2006" xmlns:mv="urn:schemas-microsoft-com:mac:vml" xmlns:p="http://schemas.openxmlformats.org/presentationml/2006/main" xmlns:c="http://schemas.openxmlformats.org/drawingml/2006/chart" xmlns:dgm="http://schemas.openxmlformats.org/drawingml/2006/diagram" xmlns:o="urn:schemas-microsoft-com:office:office" xmlns:v="urn:schemas-microsoft-com:vml" xmlns:pvml="urn:schemas-microsoft-com:office:powerpoint" xmlns:com="http://schemas.openxmlformats.org/drawingml/2006/compatibility" xmlns:p14="http://schemas.microsoft.com/office/powerpoint/2010/main" xmlns:p15="http://schemas.microsoft.com/office/powerpoint/2012/main" showMasterPhAnim="0" showMasterSp="0">
+  <p:cSld>
+    <p:spTree>
+      <p:nvGrpSpPr>
+        <p:cNvPr id="409" name="Shape 409"/>
+        <p:cNvGrpSpPr/>
+        <p:nvPr/>
+      </p:nvGrpSpPr>
+      <p:grpSpPr>
+        <a:xfrm>
+          <a:off x="0" y="0"/>
+          <a:ext cx="0" cy="0"/>
+          <a:chOff x="0" y="0"/>
+          <a:chExt cx="0" cy="0"/>
+        </a:xfrm>
+      </p:grpSpPr>
+      <p:sp>
+        <p:nvSpPr>
+          <p:cNvPr id="410" name="Google Shape;410;p22:notes"/>
+          <p:cNvSpPr txBox="1"/>
+          <p:nvPr>
+            <p:ph idx="1" type="body"/>
+          </p:nvPr>
+        </p:nvSpPr>
+        <p:spPr>
+          <a:xfrm>
+            <a:off x="685800" y="4343400"/>
+            <a:ext cx="5486400" cy="4114800"/>
+          </a:xfrm>
+          <a:prstGeom prst="rect">
+            <a:avLst/>
+          </a:prstGeom>
+        </p:spPr>
+        <p:txBody>
+          <a:bodyPr anchorCtr="0" anchor="t" bIns="91425" lIns="91425" spcFirstLastPara="1" rIns="91425" wrap="square" tIns="91425">
+            <a:noAutofit/>
+          </a:bodyPr>
+          <a:lstStyle/>
+          <a:p>
+            <a:pPr indent="0" lvl="0" marL="0" rtl="0" algn="l">
+              <a:spcBef>
+                <a:spcPts val="0"/>
+              </a:spcBef>
+              <a:spcAft>
+                <a:spcPts val="0"/>
+              </a:spcAft>
+              <a:buNone/>
+            </a:pPr>
+            <a:r>
               <a:rPr lang="en-US"/>
-              <a:t>ANDREW / CHRIS</a:t>
+              <a:t>ANDREW </a:t>
             </a:r>
             <a:endParaRPr/>
           </a:p>
@@ -2804,7 +2806,7 @@
       </p:sp>
       <p:sp>
         <p:nvSpPr>
-          <p:cNvPr id="407" name="Google Shape;407;p26:notes"/>
+          <p:cNvPr id="411" name="Google Shape;411;p22:notes"/>
           <p:cNvSpPr/>
           <p:nvPr>
             <p:ph idx="2" type="sldImg"/>
@@ -2850,7 +2852,7 @@
   <p:cSld>
     <p:spTree>
       <p:nvGrpSpPr>
-        <p:cNvPr id="411" name="Shape 411"/>
+        <p:cNvPr id="415" name="Shape 415"/>
         <p:cNvGrpSpPr/>
         <p:nvPr/>
       </p:nvGrpSpPr>
@@ -2864,7 +2866,7 @@
       </p:grpSpPr>
       <p:sp>
         <p:nvSpPr>
-          <p:cNvPr id="412" name="Google Shape;412;p27:notes"/>
+          <p:cNvPr id="416" name="Google Shape;416;p23:notes"/>
           <p:cNvSpPr txBox="1"/>
           <p:nvPr>
             <p:ph idx="1" type="body"/>
@@ -2896,7 +2898,7 @@
             </a:pPr>
             <a:r>
               <a:rPr lang="en-US"/>
-              <a:t>KALPANA / SAMI</a:t>
+              <a:t>ANDREW</a:t>
             </a:r>
             <a:endParaRPr/>
           </a:p>
@@ -2904,7 +2906,7 @@
       </p:sp>
       <p:sp>
         <p:nvSpPr>
-          <p:cNvPr id="413" name="Google Shape;413;p27:notes"/>
+          <p:cNvPr id="417" name="Google Shape;417;p23:notes"/>
           <p:cNvSpPr/>
           <p:nvPr>
             <p:ph idx="2" type="sldImg"/>
@@ -3050,7 +3052,7 @@
   <p:cSld>
     <p:spTree>
       <p:nvGrpSpPr>
-        <p:cNvPr id="417" name="Shape 417"/>
+        <p:cNvPr id="421" name="Shape 421"/>
         <p:cNvGrpSpPr/>
         <p:nvPr/>
       </p:nvGrpSpPr>
@@ -3064,7 +3066,7 @@
       </p:grpSpPr>
       <p:sp>
         <p:nvSpPr>
-          <p:cNvPr id="418" name="Google Shape;418;p28:notes"/>
+          <p:cNvPr id="422" name="Google Shape;422;p24:notes"/>
           <p:cNvSpPr txBox="1"/>
           <p:nvPr>
             <p:ph idx="1" type="body"/>
@@ -3096,7 +3098,7 @@
             </a:pPr>
             <a:r>
               <a:rPr lang="en-US"/>
-              <a:t>ANDREW</a:t>
+              <a:t>CHRIS / THOM</a:t>
             </a:r>
             <a:endParaRPr/>
           </a:p>
@@ -3104,7 +3106,7 @@
       </p:sp>
       <p:sp>
         <p:nvSpPr>
-          <p:cNvPr id="419" name="Google Shape;419;p28:notes"/>
+          <p:cNvPr id="423" name="Google Shape;423;p24:notes"/>
           <p:cNvSpPr/>
           <p:nvPr>
             <p:ph idx="2" type="sldImg"/>
@@ -3150,7 +3152,7 @@
   <p:cSld>
     <p:spTree>
       <p:nvGrpSpPr>
-        <p:cNvPr id="423" name="Shape 423"/>
+        <p:cNvPr id="427" name="Shape 427"/>
         <p:cNvGrpSpPr/>
         <p:nvPr/>
       </p:nvGrpSpPr>
@@ -3164,7 +3166,7 @@
       </p:grpSpPr>
       <p:sp>
         <p:nvSpPr>
-          <p:cNvPr id="424" name="Google Shape;424;p29:notes"/>
+          <p:cNvPr id="428" name="Google Shape;428;p25:notes"/>
           <p:cNvSpPr txBox="1"/>
           <p:nvPr>
             <p:ph idx="1" type="body"/>
@@ -3196,7 +3198,7 @@
             </a:pPr>
             <a:r>
               <a:rPr lang="en-US"/>
-              <a:t>ANDREW</a:t>
+              <a:t>JOSH / VLAD</a:t>
             </a:r>
             <a:endParaRPr/>
           </a:p>
@@ -3204,7 +3206,7 @@
       </p:sp>
       <p:sp>
         <p:nvSpPr>
-          <p:cNvPr id="425" name="Google Shape;425;p29:notes"/>
+          <p:cNvPr id="429" name="Google Shape;429;p25:notes"/>
           <p:cNvSpPr/>
           <p:nvPr>
             <p:ph idx="2" type="sldImg"/>
@@ -3250,7 +3252,7 @@
   <p:cSld>
     <p:spTree>
       <p:nvGrpSpPr>
-        <p:cNvPr id="429" name="Shape 429"/>
+        <p:cNvPr id="433" name="Shape 433"/>
         <p:cNvGrpSpPr/>
         <p:nvPr/>
       </p:nvGrpSpPr>
@@ -3264,7 +3266,7 @@
       </p:grpSpPr>
       <p:sp>
         <p:nvSpPr>
-          <p:cNvPr id="430" name="Google Shape;430;p30:notes"/>
+          <p:cNvPr id="434" name="Google Shape;434;p26:notes"/>
           <p:cNvSpPr txBox="1"/>
           <p:nvPr>
             <p:ph idx="1" type="body"/>
@@ -3296,7 +3298,7 @@
             </a:pPr>
             <a:r>
               <a:rPr lang="en-US"/>
-              <a:t>JOSH /VLAD</a:t>
+              <a:t>ANDREW / CHRIS</a:t>
             </a:r>
             <a:endParaRPr/>
           </a:p>
@@ -3304,7 +3306,7 @@
       </p:sp>
       <p:sp>
         <p:nvSpPr>
-          <p:cNvPr id="431" name="Google Shape;431;p30:notes"/>
+          <p:cNvPr id="435" name="Google Shape;435;p26:notes"/>
           <p:cNvSpPr/>
           <p:nvPr>
             <p:ph idx="2" type="sldImg"/>
@@ -3350,7 +3352,7 @@
   <p:cSld>
     <p:spTree>
       <p:nvGrpSpPr>
-        <p:cNvPr id="435" name="Shape 435"/>
+        <p:cNvPr id="439" name="Shape 439"/>
         <p:cNvGrpSpPr/>
         <p:nvPr/>
       </p:nvGrpSpPr>
@@ -3364,7 +3366,7 @@
       </p:grpSpPr>
       <p:sp>
         <p:nvSpPr>
-          <p:cNvPr id="436" name="Google Shape;436;p31:notes"/>
+          <p:cNvPr id="440" name="Google Shape;440;p27:notes"/>
           <p:cNvSpPr txBox="1"/>
           <p:nvPr>
             <p:ph idx="1" type="body"/>
@@ -3396,7 +3398,7 @@
             </a:pPr>
             <a:r>
               <a:rPr lang="en-US"/>
-              <a:t>KALPANA /FAYE</a:t>
+              <a:t>KALPANA / SAMI</a:t>
             </a:r>
             <a:endParaRPr/>
           </a:p>
@@ -3404,7 +3406,7 @@
       </p:sp>
       <p:sp>
         <p:nvSpPr>
-          <p:cNvPr id="437" name="Google Shape;437;p31:notes"/>
+          <p:cNvPr id="441" name="Google Shape;441;p27:notes"/>
           <p:cNvSpPr/>
           <p:nvPr>
             <p:ph idx="2" type="sldImg"/>
@@ -3450,7 +3452,7 @@
   <p:cSld>
     <p:spTree>
       <p:nvGrpSpPr>
-        <p:cNvPr id="441" name="Shape 441"/>
+        <p:cNvPr id="445" name="Shape 445"/>
         <p:cNvGrpSpPr/>
         <p:nvPr/>
       </p:nvGrpSpPr>
@@ -3464,7 +3466,42 @@
       </p:grpSpPr>
       <p:sp>
         <p:nvSpPr>
-          <p:cNvPr id="442" name="Google Shape;442;p32:notes"/>
+          <p:cNvPr id="446" name="Google Shape;446;g5f1623cf2d_0_53:notes"/>
+          <p:cNvSpPr/>
+          <p:nvPr>
+            <p:ph idx="2" type="sldImg"/>
+          </p:nvPr>
+        </p:nvSpPr>
+        <p:spPr>
+          <a:xfrm>
+            <a:off x="1143225" y="685800"/>
+            <a:ext cx="4572300" cy="3429000"/>
+          </a:xfrm>
+          <a:custGeom>
+            <a:rect b="b" l="l" r="r" t="t"/>
+            <a:pathLst>
+              <a:path extrusionOk="0" h="120000" w="120000">
+                <a:moveTo>
+                  <a:pt x="0" y="0"/>
+                </a:moveTo>
+                <a:lnTo>
+                  <a:pt x="120000" y="0"/>
+                </a:lnTo>
+                <a:lnTo>
+                  <a:pt x="120000" y="120000"/>
+                </a:lnTo>
+                <a:lnTo>
+                  <a:pt x="0" y="120000"/>
+                </a:lnTo>
+                <a:close/>
+              </a:path>
+            </a:pathLst>
+          </a:custGeom>
+        </p:spPr>
+      </p:sp>
+      <p:sp>
+        <p:nvSpPr>
+          <p:cNvPr id="447" name="Google Shape;447;g5f1623cf2d_0_53:notes"/>
           <p:cNvSpPr txBox="1"/>
           <p:nvPr>
             <p:ph idx="1" type="body"/>
@@ -3495,8 +3532,72 @@
               <a:buNone/>
             </a:pPr>
             <a:r>
+              <a:t/>
+            </a:r>
+            <a:endParaRPr/>
+          </a:p>
+        </p:txBody>
+      </p:sp>
+    </p:spTree>
+  </p:cSld>
+  <p:clrMapOvr>
+    <a:masterClrMapping/>
+  </p:clrMapOvr>
+</p:notes>
+</file>
+
+<file path=ppt/notesSlides/notesSlide35.xml><?xml version="1.0" encoding="utf-8"?>
+<p:notes xmlns:a="http://schemas.openxmlformats.org/drawingml/2006/main" xmlns:r="http://schemas.openxmlformats.org/officeDocument/2006/relationships" xmlns:mc="http://schemas.openxmlformats.org/markup-compatibility/2006" xmlns:mv="urn:schemas-microsoft-com:mac:vml" xmlns:p="http://schemas.openxmlformats.org/presentationml/2006/main" xmlns:c="http://schemas.openxmlformats.org/drawingml/2006/chart" xmlns:dgm="http://schemas.openxmlformats.org/drawingml/2006/diagram" xmlns:o="urn:schemas-microsoft-com:office:office" xmlns:v="urn:schemas-microsoft-com:vml" xmlns:pvml="urn:schemas-microsoft-com:office:powerpoint" xmlns:com="http://schemas.openxmlformats.org/drawingml/2006/compatibility" xmlns:p14="http://schemas.microsoft.com/office/powerpoint/2010/main" xmlns:p15="http://schemas.microsoft.com/office/powerpoint/2012/main" showMasterPhAnim="0" showMasterSp="0">
+  <p:cSld>
+    <p:spTree>
+      <p:nvGrpSpPr>
+        <p:cNvPr id="451" name="Shape 451"/>
+        <p:cNvGrpSpPr/>
+        <p:nvPr/>
+      </p:nvGrpSpPr>
+      <p:grpSpPr>
+        <a:xfrm>
+          <a:off x="0" y="0"/>
+          <a:ext cx="0" cy="0"/>
+          <a:chOff x="0" y="0"/>
+          <a:chExt cx="0" cy="0"/>
+        </a:xfrm>
+      </p:grpSpPr>
+      <p:sp>
+        <p:nvSpPr>
+          <p:cNvPr id="452" name="Google Shape;452;p28:notes"/>
+          <p:cNvSpPr txBox="1"/>
+          <p:nvPr>
+            <p:ph idx="1" type="body"/>
+          </p:nvPr>
+        </p:nvSpPr>
+        <p:spPr>
+          <a:xfrm>
+            <a:off x="685800" y="4343400"/>
+            <a:ext cx="5486400" cy="4114800"/>
+          </a:xfrm>
+          <a:prstGeom prst="rect">
+            <a:avLst/>
+          </a:prstGeom>
+        </p:spPr>
+        <p:txBody>
+          <a:bodyPr anchorCtr="0" anchor="t" bIns="91425" lIns="91425" spcFirstLastPara="1" rIns="91425" wrap="square" tIns="91425">
+            <a:noAutofit/>
+          </a:bodyPr>
+          <a:lstStyle/>
+          <a:p>
+            <a:pPr indent="0" lvl="0" marL="0" rtl="0" algn="l">
+              <a:spcBef>
+                <a:spcPts val="0"/>
+              </a:spcBef>
+              <a:spcAft>
+                <a:spcPts val="0"/>
+              </a:spcAft>
+              <a:buNone/>
+            </a:pPr>
+            <a:r>
               <a:rPr lang="en-US"/>
-              <a:t>FAYE / ANDREW</a:t>
+              <a:t>ANDREW</a:t>
             </a:r>
             <a:endParaRPr/>
           </a:p>
@@ -3504,7 +3605,7 @@
       </p:sp>
       <p:sp>
         <p:nvSpPr>
-          <p:cNvPr id="443" name="Google Shape;443;p32:notes"/>
+          <p:cNvPr id="453" name="Google Shape;453;p28:notes"/>
           <p:cNvSpPr/>
           <p:nvPr>
             <p:ph idx="2" type="sldImg"/>
@@ -3545,12 +3646,12 @@
 </p:notes>
 </file>
 
-<file path=ppt/notesSlides/notesSlide35.xml><?xml version="1.0" encoding="utf-8"?>
+<file path=ppt/notesSlides/notesSlide36.xml><?xml version="1.0" encoding="utf-8"?>
 <p:notes xmlns:a="http://schemas.openxmlformats.org/drawingml/2006/main" xmlns:r="http://schemas.openxmlformats.org/officeDocument/2006/relationships" xmlns:mc="http://schemas.openxmlformats.org/markup-compatibility/2006" xmlns:mv="urn:schemas-microsoft-com:mac:vml" xmlns:p="http://schemas.openxmlformats.org/presentationml/2006/main" xmlns:c="http://schemas.openxmlformats.org/drawingml/2006/chart" xmlns:dgm="http://schemas.openxmlformats.org/drawingml/2006/diagram" xmlns:o="urn:schemas-microsoft-com:office:office" xmlns:v="urn:schemas-microsoft-com:vml" xmlns:pvml="urn:schemas-microsoft-com:office:powerpoint" xmlns:com="http://schemas.openxmlformats.org/drawingml/2006/compatibility" xmlns:p14="http://schemas.microsoft.com/office/powerpoint/2010/main" xmlns:p15="http://schemas.microsoft.com/office/powerpoint/2012/main" showMasterPhAnim="0" showMasterSp="0">
   <p:cSld>
     <p:spTree>
       <p:nvGrpSpPr>
-        <p:cNvPr id="447" name="Shape 447"/>
+        <p:cNvPr id="457" name="Shape 457"/>
         <p:cNvGrpSpPr/>
         <p:nvPr/>
       </p:nvGrpSpPr>
@@ -3564,7 +3665,7 @@
       </p:grpSpPr>
       <p:sp>
         <p:nvSpPr>
-          <p:cNvPr id="448" name="Google Shape;448;p33:notes"/>
+          <p:cNvPr id="458" name="Google Shape;458;p29:notes"/>
           <p:cNvSpPr txBox="1"/>
           <p:nvPr>
             <p:ph idx="1" type="body"/>
@@ -3596,7 +3697,7 @@
             </a:pPr>
             <a:r>
               <a:rPr lang="en-US"/>
-              <a:t>ANDREW / FAYE</a:t>
+              <a:t>ANDREW</a:t>
             </a:r>
             <a:endParaRPr/>
           </a:p>
@@ -3604,7 +3705,307 @@
       </p:sp>
       <p:sp>
         <p:nvSpPr>
-          <p:cNvPr id="449" name="Google Shape;449;p33:notes"/>
+          <p:cNvPr id="459" name="Google Shape;459;p29:notes"/>
+          <p:cNvSpPr/>
+          <p:nvPr>
+            <p:ph idx="2" type="sldImg"/>
+          </p:nvPr>
+        </p:nvSpPr>
+        <p:spPr>
+          <a:xfrm>
+            <a:off x="1143225" y="685800"/>
+            <a:ext cx="4572225" cy="3429000"/>
+          </a:xfrm>
+          <a:custGeom>
+            <a:rect b="b" l="l" r="r" t="t"/>
+            <a:pathLst>
+              <a:path extrusionOk="0" h="120000" w="120000">
+                <a:moveTo>
+                  <a:pt x="0" y="0"/>
+                </a:moveTo>
+                <a:lnTo>
+                  <a:pt x="120000" y="0"/>
+                </a:lnTo>
+                <a:lnTo>
+                  <a:pt x="120000" y="120000"/>
+                </a:lnTo>
+                <a:lnTo>
+                  <a:pt x="0" y="120000"/>
+                </a:lnTo>
+                <a:close/>
+              </a:path>
+            </a:pathLst>
+          </a:custGeom>
+        </p:spPr>
+      </p:sp>
+    </p:spTree>
+  </p:cSld>
+  <p:clrMapOvr>
+    <a:masterClrMapping/>
+  </p:clrMapOvr>
+</p:notes>
+</file>
+
+<file path=ppt/notesSlides/notesSlide37.xml><?xml version="1.0" encoding="utf-8"?>
+<p:notes xmlns:a="http://schemas.openxmlformats.org/drawingml/2006/main" xmlns:r="http://schemas.openxmlformats.org/officeDocument/2006/relationships" xmlns:mc="http://schemas.openxmlformats.org/markup-compatibility/2006" xmlns:mv="urn:schemas-microsoft-com:mac:vml" xmlns:p="http://schemas.openxmlformats.org/presentationml/2006/main" xmlns:c="http://schemas.openxmlformats.org/drawingml/2006/chart" xmlns:dgm="http://schemas.openxmlformats.org/drawingml/2006/diagram" xmlns:o="urn:schemas-microsoft-com:office:office" xmlns:v="urn:schemas-microsoft-com:vml" xmlns:pvml="urn:schemas-microsoft-com:office:powerpoint" xmlns:com="http://schemas.openxmlformats.org/drawingml/2006/compatibility" xmlns:p14="http://schemas.microsoft.com/office/powerpoint/2010/main" xmlns:p15="http://schemas.microsoft.com/office/powerpoint/2012/main" showMasterPhAnim="0" showMasterSp="0">
+  <p:cSld>
+    <p:spTree>
+      <p:nvGrpSpPr>
+        <p:cNvPr id="463" name="Shape 463"/>
+        <p:cNvGrpSpPr/>
+        <p:nvPr/>
+      </p:nvGrpSpPr>
+      <p:grpSpPr>
+        <a:xfrm>
+          <a:off x="0" y="0"/>
+          <a:ext cx="0" cy="0"/>
+          <a:chOff x="0" y="0"/>
+          <a:chExt cx="0" cy="0"/>
+        </a:xfrm>
+      </p:grpSpPr>
+      <p:sp>
+        <p:nvSpPr>
+          <p:cNvPr id="464" name="Google Shape;464;p30:notes"/>
+          <p:cNvSpPr txBox="1"/>
+          <p:nvPr>
+            <p:ph idx="1" type="body"/>
+          </p:nvPr>
+        </p:nvSpPr>
+        <p:spPr>
+          <a:xfrm>
+            <a:off x="685800" y="4343400"/>
+            <a:ext cx="5486400" cy="4114800"/>
+          </a:xfrm>
+          <a:prstGeom prst="rect">
+            <a:avLst/>
+          </a:prstGeom>
+        </p:spPr>
+        <p:txBody>
+          <a:bodyPr anchorCtr="0" anchor="t" bIns="91425" lIns="91425" spcFirstLastPara="1" rIns="91425" wrap="square" tIns="91425">
+            <a:noAutofit/>
+          </a:bodyPr>
+          <a:lstStyle/>
+          <a:p>
+            <a:pPr indent="0" lvl="0" marL="0" rtl="0" algn="l">
+              <a:spcBef>
+                <a:spcPts val="0"/>
+              </a:spcBef>
+              <a:spcAft>
+                <a:spcPts val="0"/>
+              </a:spcAft>
+              <a:buNone/>
+            </a:pPr>
+            <a:r>
+              <a:rPr lang="en-US"/>
+              <a:t>JOSH /VLAD</a:t>
+            </a:r>
+            <a:endParaRPr/>
+          </a:p>
+        </p:txBody>
+      </p:sp>
+      <p:sp>
+        <p:nvSpPr>
+          <p:cNvPr id="465" name="Google Shape;465;p30:notes"/>
+          <p:cNvSpPr/>
+          <p:nvPr>
+            <p:ph idx="2" type="sldImg"/>
+          </p:nvPr>
+        </p:nvSpPr>
+        <p:spPr>
+          <a:xfrm>
+            <a:off x="1143225" y="685800"/>
+            <a:ext cx="4572225" cy="3429000"/>
+          </a:xfrm>
+          <a:custGeom>
+            <a:rect b="b" l="l" r="r" t="t"/>
+            <a:pathLst>
+              <a:path extrusionOk="0" h="120000" w="120000">
+                <a:moveTo>
+                  <a:pt x="0" y="0"/>
+                </a:moveTo>
+                <a:lnTo>
+                  <a:pt x="120000" y="0"/>
+                </a:lnTo>
+                <a:lnTo>
+                  <a:pt x="120000" y="120000"/>
+                </a:lnTo>
+                <a:lnTo>
+                  <a:pt x="0" y="120000"/>
+                </a:lnTo>
+                <a:close/>
+              </a:path>
+            </a:pathLst>
+          </a:custGeom>
+        </p:spPr>
+      </p:sp>
+    </p:spTree>
+  </p:cSld>
+  <p:clrMapOvr>
+    <a:masterClrMapping/>
+  </p:clrMapOvr>
+</p:notes>
+</file>
+
+<file path=ppt/notesSlides/notesSlide38.xml><?xml version="1.0" encoding="utf-8"?>
+<p:notes xmlns:a="http://schemas.openxmlformats.org/drawingml/2006/main" xmlns:r="http://schemas.openxmlformats.org/officeDocument/2006/relationships" xmlns:mc="http://schemas.openxmlformats.org/markup-compatibility/2006" xmlns:mv="urn:schemas-microsoft-com:mac:vml" xmlns:p="http://schemas.openxmlformats.org/presentationml/2006/main" xmlns:c="http://schemas.openxmlformats.org/drawingml/2006/chart" xmlns:dgm="http://schemas.openxmlformats.org/drawingml/2006/diagram" xmlns:o="urn:schemas-microsoft-com:office:office" xmlns:v="urn:schemas-microsoft-com:vml" xmlns:pvml="urn:schemas-microsoft-com:office:powerpoint" xmlns:com="http://schemas.openxmlformats.org/drawingml/2006/compatibility" xmlns:p14="http://schemas.microsoft.com/office/powerpoint/2010/main" xmlns:p15="http://schemas.microsoft.com/office/powerpoint/2012/main" showMasterPhAnim="0" showMasterSp="0">
+  <p:cSld>
+    <p:spTree>
+      <p:nvGrpSpPr>
+        <p:cNvPr id="469" name="Shape 469"/>
+        <p:cNvGrpSpPr/>
+        <p:nvPr/>
+      </p:nvGrpSpPr>
+      <p:grpSpPr>
+        <a:xfrm>
+          <a:off x="0" y="0"/>
+          <a:ext cx="0" cy="0"/>
+          <a:chOff x="0" y="0"/>
+          <a:chExt cx="0" cy="0"/>
+        </a:xfrm>
+      </p:grpSpPr>
+      <p:sp>
+        <p:nvSpPr>
+          <p:cNvPr id="470" name="Google Shape;470;p31:notes"/>
+          <p:cNvSpPr txBox="1"/>
+          <p:nvPr>
+            <p:ph idx="1" type="body"/>
+          </p:nvPr>
+        </p:nvSpPr>
+        <p:spPr>
+          <a:xfrm>
+            <a:off x="685800" y="4343400"/>
+            <a:ext cx="5486400" cy="4114800"/>
+          </a:xfrm>
+          <a:prstGeom prst="rect">
+            <a:avLst/>
+          </a:prstGeom>
+        </p:spPr>
+        <p:txBody>
+          <a:bodyPr anchorCtr="0" anchor="t" bIns="91425" lIns="91425" spcFirstLastPara="1" rIns="91425" wrap="square" tIns="91425">
+            <a:noAutofit/>
+          </a:bodyPr>
+          <a:lstStyle/>
+          <a:p>
+            <a:pPr indent="0" lvl="0" marL="0" rtl="0" algn="l">
+              <a:spcBef>
+                <a:spcPts val="0"/>
+              </a:spcBef>
+              <a:spcAft>
+                <a:spcPts val="0"/>
+              </a:spcAft>
+              <a:buNone/>
+            </a:pPr>
+            <a:r>
+              <a:rPr lang="en-US"/>
+              <a:t>KALPANA /FAYE</a:t>
+            </a:r>
+            <a:endParaRPr/>
+          </a:p>
+        </p:txBody>
+      </p:sp>
+      <p:sp>
+        <p:nvSpPr>
+          <p:cNvPr id="471" name="Google Shape;471;p31:notes"/>
+          <p:cNvSpPr/>
+          <p:nvPr>
+            <p:ph idx="2" type="sldImg"/>
+          </p:nvPr>
+        </p:nvSpPr>
+        <p:spPr>
+          <a:xfrm>
+            <a:off x="1143225" y="685800"/>
+            <a:ext cx="4572225" cy="3429000"/>
+          </a:xfrm>
+          <a:custGeom>
+            <a:rect b="b" l="l" r="r" t="t"/>
+            <a:pathLst>
+              <a:path extrusionOk="0" h="120000" w="120000">
+                <a:moveTo>
+                  <a:pt x="0" y="0"/>
+                </a:moveTo>
+                <a:lnTo>
+                  <a:pt x="120000" y="0"/>
+                </a:lnTo>
+                <a:lnTo>
+                  <a:pt x="120000" y="120000"/>
+                </a:lnTo>
+                <a:lnTo>
+                  <a:pt x="0" y="120000"/>
+                </a:lnTo>
+                <a:close/>
+              </a:path>
+            </a:pathLst>
+          </a:custGeom>
+        </p:spPr>
+      </p:sp>
+    </p:spTree>
+  </p:cSld>
+  <p:clrMapOvr>
+    <a:masterClrMapping/>
+  </p:clrMapOvr>
+</p:notes>
+</file>
+
+<file path=ppt/notesSlides/notesSlide39.xml><?xml version="1.0" encoding="utf-8"?>
+<p:notes xmlns:a="http://schemas.openxmlformats.org/drawingml/2006/main" xmlns:r="http://schemas.openxmlformats.org/officeDocument/2006/relationships" xmlns:mc="http://schemas.openxmlformats.org/markup-compatibility/2006" xmlns:mv="urn:schemas-microsoft-com:mac:vml" xmlns:p="http://schemas.openxmlformats.org/presentationml/2006/main" xmlns:c="http://schemas.openxmlformats.org/drawingml/2006/chart" xmlns:dgm="http://schemas.openxmlformats.org/drawingml/2006/diagram" xmlns:o="urn:schemas-microsoft-com:office:office" xmlns:v="urn:schemas-microsoft-com:vml" xmlns:pvml="urn:schemas-microsoft-com:office:powerpoint" xmlns:com="http://schemas.openxmlformats.org/drawingml/2006/compatibility" xmlns:p14="http://schemas.microsoft.com/office/powerpoint/2010/main" xmlns:p15="http://schemas.microsoft.com/office/powerpoint/2012/main" showMasterPhAnim="0" showMasterSp="0">
+  <p:cSld>
+    <p:spTree>
+      <p:nvGrpSpPr>
+        <p:cNvPr id="475" name="Shape 475"/>
+        <p:cNvGrpSpPr/>
+        <p:nvPr/>
+      </p:nvGrpSpPr>
+      <p:grpSpPr>
+        <a:xfrm>
+          <a:off x="0" y="0"/>
+          <a:ext cx="0" cy="0"/>
+          <a:chOff x="0" y="0"/>
+          <a:chExt cx="0" cy="0"/>
+        </a:xfrm>
+      </p:grpSpPr>
+      <p:sp>
+        <p:nvSpPr>
+          <p:cNvPr id="476" name="Google Shape;476;p32:notes"/>
+          <p:cNvSpPr txBox="1"/>
+          <p:nvPr>
+            <p:ph idx="1" type="body"/>
+          </p:nvPr>
+        </p:nvSpPr>
+        <p:spPr>
+          <a:xfrm>
+            <a:off x="685800" y="4343400"/>
+            <a:ext cx="5486400" cy="4114800"/>
+          </a:xfrm>
+          <a:prstGeom prst="rect">
+            <a:avLst/>
+          </a:prstGeom>
+        </p:spPr>
+        <p:txBody>
+          <a:bodyPr anchorCtr="0" anchor="t" bIns="91425" lIns="91425" spcFirstLastPara="1" rIns="91425" wrap="square" tIns="91425">
+            <a:noAutofit/>
+          </a:bodyPr>
+          <a:lstStyle/>
+          <a:p>
+            <a:pPr indent="0" lvl="0" marL="0" rtl="0" algn="l">
+              <a:spcBef>
+                <a:spcPts val="0"/>
+              </a:spcBef>
+              <a:spcAft>
+                <a:spcPts val="0"/>
+              </a:spcAft>
+              <a:buNone/>
+            </a:pPr>
+            <a:r>
+              <a:rPr lang="en-US"/>
+              <a:t>FAYE / ANDREW</a:t>
+            </a:r>
+            <a:endParaRPr/>
+          </a:p>
+        </p:txBody>
+      </p:sp>
+      <p:sp>
+        <p:nvSpPr>
+          <p:cNvPr id="477" name="Google Shape;477;p32:notes"/>
           <p:cNvSpPr/>
           <p:nvPr>
             <p:ph idx="2" type="sldImg"/>
@@ -3745,12 +4146,12 @@
 </p:notes>
 </file>
 
-<file path=ppt/notesSlides/notesSlide5.xml><?xml version="1.0" encoding="utf-8"?>
+<file path=ppt/notesSlides/notesSlide40.xml><?xml version="1.0" encoding="utf-8"?>
 <p:notes xmlns:a="http://schemas.openxmlformats.org/drawingml/2006/main" xmlns:r="http://schemas.openxmlformats.org/officeDocument/2006/relationships" xmlns:mc="http://schemas.openxmlformats.org/markup-compatibility/2006" xmlns:mv="urn:schemas-microsoft-com:mac:vml" xmlns:p="http://schemas.openxmlformats.org/presentationml/2006/main" xmlns:c="http://schemas.openxmlformats.org/drawingml/2006/chart" xmlns:dgm="http://schemas.openxmlformats.org/drawingml/2006/diagram" xmlns:o="urn:schemas-microsoft-com:office:office" xmlns:v="urn:schemas-microsoft-com:vml" xmlns:pvml="urn:schemas-microsoft-com:office:powerpoint" xmlns:com="http://schemas.openxmlformats.org/drawingml/2006/compatibility" xmlns:p14="http://schemas.microsoft.com/office/powerpoint/2010/main" xmlns:p15="http://schemas.microsoft.com/office/powerpoint/2012/main" showMasterPhAnim="0" showMasterSp="0">
   <p:cSld>
     <p:spTree>
       <p:nvGrpSpPr>
-        <p:cNvPr id="254" name="Shape 254"/>
+        <p:cNvPr id="481" name="Shape 481"/>
         <p:cNvGrpSpPr/>
         <p:nvPr/>
       </p:nvGrpSpPr>
@@ -3764,7 +4165,7 @@
       </p:grpSpPr>
       <p:sp>
         <p:nvSpPr>
-          <p:cNvPr id="255" name="Google Shape;255;p5:notes"/>
+          <p:cNvPr id="482" name="Google Shape;482;p33:notes"/>
           <p:cNvSpPr txBox="1"/>
           <p:nvPr>
             <p:ph idx="1" type="body"/>
@@ -3796,6 +4197,106 @@
             </a:pPr>
             <a:r>
               <a:rPr lang="en-US"/>
+              <a:t>ANDREW / FAYE</a:t>
+            </a:r>
+            <a:endParaRPr/>
+          </a:p>
+        </p:txBody>
+      </p:sp>
+      <p:sp>
+        <p:nvSpPr>
+          <p:cNvPr id="483" name="Google Shape;483;p33:notes"/>
+          <p:cNvSpPr/>
+          <p:nvPr>
+            <p:ph idx="2" type="sldImg"/>
+          </p:nvPr>
+        </p:nvSpPr>
+        <p:spPr>
+          <a:xfrm>
+            <a:off x="1143225" y="685800"/>
+            <a:ext cx="4572225" cy="3429000"/>
+          </a:xfrm>
+          <a:custGeom>
+            <a:rect b="b" l="l" r="r" t="t"/>
+            <a:pathLst>
+              <a:path extrusionOk="0" h="120000" w="120000">
+                <a:moveTo>
+                  <a:pt x="0" y="0"/>
+                </a:moveTo>
+                <a:lnTo>
+                  <a:pt x="120000" y="0"/>
+                </a:lnTo>
+                <a:lnTo>
+                  <a:pt x="120000" y="120000"/>
+                </a:lnTo>
+                <a:lnTo>
+                  <a:pt x="0" y="120000"/>
+                </a:lnTo>
+                <a:close/>
+              </a:path>
+            </a:pathLst>
+          </a:custGeom>
+        </p:spPr>
+      </p:sp>
+    </p:spTree>
+  </p:cSld>
+  <p:clrMapOvr>
+    <a:masterClrMapping/>
+  </p:clrMapOvr>
+</p:notes>
+</file>
+
+<file path=ppt/notesSlides/notesSlide5.xml><?xml version="1.0" encoding="utf-8"?>
+<p:notes xmlns:a="http://schemas.openxmlformats.org/drawingml/2006/main" xmlns:r="http://schemas.openxmlformats.org/officeDocument/2006/relationships" xmlns:mc="http://schemas.openxmlformats.org/markup-compatibility/2006" xmlns:mv="urn:schemas-microsoft-com:mac:vml" xmlns:p="http://schemas.openxmlformats.org/presentationml/2006/main" xmlns:c="http://schemas.openxmlformats.org/drawingml/2006/chart" xmlns:dgm="http://schemas.openxmlformats.org/drawingml/2006/diagram" xmlns:o="urn:schemas-microsoft-com:office:office" xmlns:v="urn:schemas-microsoft-com:vml" xmlns:pvml="urn:schemas-microsoft-com:office:powerpoint" xmlns:com="http://schemas.openxmlformats.org/drawingml/2006/compatibility" xmlns:p14="http://schemas.microsoft.com/office/powerpoint/2010/main" xmlns:p15="http://schemas.microsoft.com/office/powerpoint/2012/main" showMasterPhAnim="0" showMasterSp="0">
+  <p:cSld>
+    <p:spTree>
+      <p:nvGrpSpPr>
+        <p:cNvPr id="255" name="Shape 255"/>
+        <p:cNvGrpSpPr/>
+        <p:nvPr/>
+      </p:nvGrpSpPr>
+      <p:grpSpPr>
+        <a:xfrm>
+          <a:off x="0" y="0"/>
+          <a:ext cx="0" cy="0"/>
+          <a:chOff x="0" y="0"/>
+          <a:chExt cx="0" cy="0"/>
+        </a:xfrm>
+      </p:grpSpPr>
+      <p:sp>
+        <p:nvSpPr>
+          <p:cNvPr id="256" name="Google Shape;256;p5:notes"/>
+          <p:cNvSpPr txBox="1"/>
+          <p:nvPr>
+            <p:ph idx="1" type="body"/>
+          </p:nvPr>
+        </p:nvSpPr>
+        <p:spPr>
+          <a:xfrm>
+            <a:off x="685800" y="4343400"/>
+            <a:ext cx="5486400" cy="4114800"/>
+          </a:xfrm>
+          <a:prstGeom prst="rect">
+            <a:avLst/>
+          </a:prstGeom>
+        </p:spPr>
+        <p:txBody>
+          <a:bodyPr anchorCtr="0" anchor="t" bIns="91425" lIns="91425" spcFirstLastPara="1" rIns="91425" wrap="square" tIns="91425">
+            <a:noAutofit/>
+          </a:bodyPr>
+          <a:lstStyle/>
+          <a:p>
+            <a:pPr indent="0" lvl="0" marL="0" rtl="0" algn="l">
+              <a:spcBef>
+                <a:spcPts val="0"/>
+              </a:spcBef>
+              <a:spcAft>
+                <a:spcPts val="0"/>
+              </a:spcAft>
+              <a:buNone/>
+            </a:pPr>
+            <a:r>
+              <a:rPr lang="en-US"/>
               <a:t>THOM / ANDREW</a:t>
             </a:r>
             <a:endParaRPr/>
@@ -3804,7 +4305,7 @@
       </p:sp>
       <p:sp>
         <p:nvSpPr>
-          <p:cNvPr id="256" name="Google Shape;256;p5:notes"/>
+          <p:cNvPr id="257" name="Google Shape;257;p5:notes"/>
           <p:cNvSpPr/>
           <p:nvPr>
             <p:ph idx="2" type="sldImg"/>
@@ -3850,7 +4351,7 @@
   <p:cSld>
     <p:spTree>
       <p:nvGrpSpPr>
-        <p:cNvPr id="260" name="Shape 260"/>
+        <p:cNvPr id="261" name="Shape 261"/>
         <p:cNvGrpSpPr/>
         <p:nvPr/>
       </p:nvGrpSpPr>
@@ -3864,7 +4365,7 @@
       </p:grpSpPr>
       <p:sp>
         <p:nvSpPr>
-          <p:cNvPr id="261" name="Google Shape;261;g5f1623cf2d_0_17:notes"/>
+          <p:cNvPr id="262" name="Google Shape;262;g5f1623cf2d_0_17:notes"/>
           <p:cNvSpPr/>
           <p:nvPr>
             <p:ph idx="2" type="sldImg"/>
@@ -3899,7 +4400,7 @@
       </p:sp>
       <p:sp>
         <p:nvSpPr>
-          <p:cNvPr id="262" name="Google Shape;262;g5f1623cf2d_0_17:notes"/>
+          <p:cNvPr id="263" name="Google Shape;263;g5f1623cf2d_0_17:notes"/>
           <p:cNvSpPr txBox="1"/>
           <p:nvPr>
             <p:ph idx="1" type="body"/>
@@ -3950,7 +4451,7 @@
   <p:cSld>
     <p:spTree>
       <p:nvGrpSpPr>
-        <p:cNvPr id="266" name="Shape 266"/>
+        <p:cNvPr id="267" name="Shape 267"/>
         <p:cNvGrpSpPr/>
         <p:nvPr/>
       </p:nvGrpSpPr>
@@ -3964,7 +4465,7 @@
       </p:grpSpPr>
       <p:sp>
         <p:nvSpPr>
-          <p:cNvPr id="267" name="Google Shape;267;p6:notes"/>
+          <p:cNvPr id="268" name="Google Shape;268;p6:notes"/>
           <p:cNvSpPr txBox="1"/>
           <p:nvPr>
             <p:ph idx="1" type="body"/>
@@ -4004,7 +4505,7 @@
       </p:sp>
       <p:sp>
         <p:nvSpPr>
-          <p:cNvPr id="268" name="Google Shape;268;p6:notes"/>
+          <p:cNvPr id="269" name="Google Shape;269;p6:notes"/>
           <p:cNvSpPr/>
           <p:nvPr>
             <p:ph idx="2" type="sldImg"/>
@@ -4050,7 +4551,7 @@
   <p:cSld>
     <p:spTree>
       <p:nvGrpSpPr>
-        <p:cNvPr id="278" name="Shape 278"/>
+        <p:cNvPr id="279" name="Shape 279"/>
         <p:cNvGrpSpPr/>
         <p:nvPr/>
       </p:nvGrpSpPr>
@@ -4064,7 +4565,7 @@
       </p:grpSpPr>
       <p:sp>
         <p:nvSpPr>
-          <p:cNvPr id="279" name="Google Shape;279;g5f1623cf2d_0_0:notes"/>
+          <p:cNvPr id="280" name="Google Shape;280;g5f1623cf2d_0_0:notes"/>
           <p:cNvSpPr/>
           <p:nvPr>
             <p:ph idx="2" type="sldImg"/>
@@ -4099,7 +4600,7 @@
       </p:sp>
       <p:sp>
         <p:nvSpPr>
-          <p:cNvPr id="280" name="Google Shape;280;g5f1623cf2d_0_0:notes"/>
+          <p:cNvPr id="281" name="Google Shape;281;g5f1623cf2d_0_0:notes"/>
           <p:cNvSpPr txBox="1"/>
           <p:nvPr>
             <p:ph idx="1" type="body"/>
@@ -4150,7 +4651,7 @@
   <p:cSld>
     <p:spTree>
       <p:nvGrpSpPr>
-        <p:cNvPr id="284" name="Shape 284"/>
+        <p:cNvPr id="285" name="Shape 285"/>
         <p:cNvGrpSpPr/>
         <p:nvPr/>
       </p:nvGrpSpPr>
@@ -4164,47 +4665,7 @@
       </p:grpSpPr>
       <p:sp>
         <p:nvSpPr>
-          <p:cNvPr id="285" name="Google Shape;285;p7:notes"/>
-          <p:cNvSpPr txBox="1"/>
-          <p:nvPr>
-            <p:ph idx="1" type="body"/>
-          </p:nvPr>
-        </p:nvSpPr>
-        <p:spPr>
-          <a:xfrm>
-            <a:off x="685800" y="4343400"/>
-            <a:ext cx="5486400" cy="4114800"/>
-          </a:xfrm>
-          <a:prstGeom prst="rect">
-            <a:avLst/>
-          </a:prstGeom>
-        </p:spPr>
-        <p:txBody>
-          <a:bodyPr anchorCtr="0" anchor="t" bIns="91425" lIns="91425" spcFirstLastPara="1" rIns="91425" wrap="square" tIns="91425">
-            <a:noAutofit/>
-          </a:bodyPr>
-          <a:lstStyle/>
-          <a:p>
-            <a:pPr indent="0" lvl="0" marL="0" rtl="0" algn="l">
-              <a:spcBef>
-                <a:spcPts val="0"/>
-              </a:spcBef>
-              <a:spcAft>
-                <a:spcPts val="0"/>
-              </a:spcAft>
-              <a:buNone/>
-            </a:pPr>
-            <a:r>
-              <a:rPr lang="en-US"/>
-              <a:t>VLAD / KALPANA</a:t>
-            </a:r>
-            <a:endParaRPr/>
-          </a:p>
-        </p:txBody>
-      </p:sp>
-      <p:sp>
-        <p:nvSpPr>
-          <p:cNvPr id="286" name="Google Shape;286;p7:notes"/>
+          <p:cNvPr id="286" name="Google Shape;286;g5f1623cf2d_0_28:notes"/>
           <p:cNvSpPr/>
           <p:nvPr>
             <p:ph idx="2" type="sldImg"/>
@@ -4213,7 +4674,7 @@
         <p:spPr>
           <a:xfrm>
             <a:off x="1143225" y="685800"/>
-            <a:ext cx="4572225" cy="3429000"/>
+            <a:ext cx="4572300" cy="3429000"/>
           </a:xfrm>
           <a:custGeom>
             <a:rect b="b" l="l" r="r" t="t"/>
@@ -4236,6 +4697,45 @@
             </a:pathLst>
           </a:custGeom>
         </p:spPr>
+      </p:sp>
+      <p:sp>
+        <p:nvSpPr>
+          <p:cNvPr id="287" name="Google Shape;287;g5f1623cf2d_0_28:notes"/>
+          <p:cNvSpPr txBox="1"/>
+          <p:nvPr>
+            <p:ph idx="1" type="body"/>
+          </p:nvPr>
+        </p:nvSpPr>
+        <p:spPr>
+          <a:xfrm>
+            <a:off x="685800" y="4343400"/>
+            <a:ext cx="5486400" cy="4114800"/>
+          </a:xfrm>
+          <a:prstGeom prst="rect">
+            <a:avLst/>
+          </a:prstGeom>
+        </p:spPr>
+        <p:txBody>
+          <a:bodyPr anchorCtr="0" anchor="t" bIns="91425" lIns="91425" spcFirstLastPara="1" rIns="91425" wrap="square" tIns="91425">
+            <a:noAutofit/>
+          </a:bodyPr>
+          <a:lstStyle/>
+          <a:p>
+            <a:pPr indent="0" lvl="0" marL="0" rtl="0" algn="l">
+              <a:spcBef>
+                <a:spcPts val="0"/>
+              </a:spcBef>
+              <a:spcAft>
+                <a:spcPts val="0"/>
+              </a:spcAft>
+              <a:buNone/>
+            </a:pPr>
+            <a:r>
+              <a:t/>
+            </a:r>
+            <a:endParaRPr/>
+          </a:p>
+        </p:txBody>
       </p:sp>
     </p:spTree>
   </p:cSld>
@@ -29664,7 +30164,7 @@
       </p:grpSpPr>
       <p:sp>
         <p:nvSpPr>
-          <p:cNvPr id="297" name="Google Shape;297;p8"/>
+          <p:cNvPr id="297" name="Google Shape;297;g5f1623cf2d_0_36"/>
           <p:cNvSpPr txBox="1"/>
           <p:nvPr>
             <p:ph type="title"/>
@@ -29673,42 +30173,30 @@
         <p:spPr>
           <a:xfrm>
             <a:off x="1141413" y="618518"/>
-            <a:ext cx="9905998" cy="1478570"/>
+            <a:ext cx="9906000" cy="1478700"/>
           </a:xfrm>
           <a:prstGeom prst="rect">
             <a:avLst/>
           </a:prstGeom>
-          <a:noFill/>
-          <a:ln>
-            <a:noFill/>
-          </a:ln>
         </p:spPr>
         <p:txBody>
           <a:bodyPr anchorCtr="0" anchor="ctr" bIns="45700" lIns="91425" spcFirstLastPara="1" rIns="91425" wrap="square" tIns="45700">
-            <a:normAutofit/>
+            <a:noAutofit/>
           </a:bodyPr>
           <a:lstStyle/>
           <a:p>
             <a:pPr indent="0" lvl="0" marL="0" rtl="0" algn="l">
-              <a:lnSpc>
-                <a:spcPct val="90000"/>
-              </a:lnSpc>
-              <a:spcBef>
-                <a:spcPts val="0"/>
-              </a:spcBef>
-              <a:spcAft>
-                <a:spcPts val="0"/>
-              </a:spcAft>
-              <a:buClr>
-                <a:schemeClr val="lt1"/>
-              </a:buClr>
-              <a:buSzPts val="3600"/>
-              <a:buFont typeface="Twentieth Century"/>
+              <a:spcBef>
+                <a:spcPts val="0"/>
+              </a:spcBef>
+              <a:spcAft>
+                <a:spcPts val="0"/>
+              </a:spcAft>
               <a:buNone/>
             </a:pPr>
             <a:r>
               <a:rPr lang="en-US"/>
-              <a:t>CIRCUIT SYMBOLS</a:t>
+              <a:t>TRACKING TO COMPLETION</a:t>
             </a:r>
             <a:endParaRPr/>
           </a:p>
@@ -29716,7 +30204,7 @@
       </p:sp>
       <p:sp>
         <p:nvSpPr>
-          <p:cNvPr id="298" name="Google Shape;298;p8"/>
+          <p:cNvPr id="298" name="Google Shape;298;g5f1623cf2d_0_36"/>
           <p:cNvSpPr txBox="1"/>
           <p:nvPr>
             <p:ph idx="1" type="body"/>
@@ -29724,63 +30212,115 @@
         </p:nvSpPr>
         <p:spPr>
           <a:xfrm>
-            <a:off x="1141412" y="2249487"/>
-            <a:ext cx="9905999" cy="3541714"/>
+            <a:off x="1141410" y="2249486"/>
+            <a:ext cx="4878300" cy="3541800"/>
           </a:xfrm>
           <a:prstGeom prst="rect">
             <a:avLst/>
           </a:prstGeom>
-          <a:noFill/>
-          <a:ln>
-            <a:noFill/>
-          </a:ln>
         </p:spPr>
         <p:txBody>
           <a:bodyPr anchorCtr="0" anchor="t" bIns="45700" lIns="91425" spcFirstLastPara="1" rIns="91425" wrap="square" tIns="45700">
-            <a:normAutofit/>
+            <a:noAutofit/>
           </a:bodyPr>
           <a:lstStyle/>
           <a:p>
             <a:pPr indent="0" lvl="0" marL="0" rtl="0" algn="l">
-              <a:lnSpc>
-                <a:spcPct val="120000"/>
-              </a:lnSpc>
-              <a:spcBef>
-                <a:spcPts val="0"/>
-              </a:spcBef>
-              <a:spcAft>
-                <a:spcPts val="0"/>
-              </a:spcAft>
-              <a:buClr>
-                <a:schemeClr val="lt1"/>
-              </a:buClr>
-              <a:buSzPts val="3000"/>
+              <a:spcBef>
+                <a:spcPts val="1000"/>
+              </a:spcBef>
+              <a:spcAft>
+                <a:spcPts val="0"/>
+              </a:spcAft>
               <a:buNone/>
             </a:pPr>
             <a:r>
-              <a:t/>
+              <a:rPr lang="en-US"/>
+              <a:t>Each task must have:</a:t>
             </a:r>
             <a:endParaRPr/>
           </a:p>
           <a:p>
-            <a:pPr indent="-38100" lvl="0" marL="228600" rtl="0" algn="l">
-              <a:lnSpc>
-                <a:spcPct val="120000"/>
-              </a:lnSpc>
+            <a:pPr indent="-371475" lvl="0" marL="457200" rtl="0" algn="l">
               <a:spcBef>
                 <a:spcPts val="1000"/>
               </a:spcBef>
               <a:spcAft>
                 <a:spcPts val="0"/>
               </a:spcAft>
-              <a:buClr>
-                <a:schemeClr val="lt1"/>
-              </a:buClr>
-              <a:buSzPts val="3000"/>
-              <a:buNone/>
+              <a:buSzPts val="2250"/>
+              <a:buChar char="•"/>
             </a:pPr>
             <a:r>
-              <a:t/>
+              <a:rPr lang="en-US"/>
+              <a:t>Description</a:t>
+            </a:r>
+            <a:endParaRPr/>
+          </a:p>
+          <a:p>
+            <a:pPr indent="-371475" lvl="0" marL="457200" rtl="0" algn="l">
+              <a:spcBef>
+                <a:spcPts val="0"/>
+              </a:spcBef>
+              <a:spcAft>
+                <a:spcPts val="0"/>
+              </a:spcAft>
+              <a:buSzPts val="2250"/>
+              <a:buChar char="•"/>
+            </a:pPr>
+            <a:r>
+              <a:rPr lang="en-US"/>
+              <a:t>Sequence / Order</a:t>
+            </a:r>
+            <a:endParaRPr/>
+          </a:p>
+          <a:p>
+            <a:pPr indent="0" lvl="0" marL="0" rtl="0" algn="l">
+              <a:spcBef>
+                <a:spcPts val="1000"/>
+              </a:spcBef>
+              <a:spcAft>
+                <a:spcPts val="0"/>
+              </a:spcAft>
+              <a:buNone/>
+            </a:pPr>
+            <a:r>
+              <a:rPr lang="en-US"/>
+              <a:t>If needed, consider:</a:t>
+            </a:r>
+            <a:endParaRPr/>
+          </a:p>
+          <a:p>
+            <a:pPr indent="-371475" lvl="0" marL="457200" rtl="0" algn="l">
+              <a:spcBef>
+                <a:spcPts val="1000"/>
+              </a:spcBef>
+              <a:spcAft>
+                <a:spcPts val="0"/>
+              </a:spcAft>
+              <a:buSzPts val="2250"/>
+              <a:buChar char="•"/>
+            </a:pPr>
+            <a:r>
+              <a:rPr lang="en-US"/>
+              <a:t>Due date</a:t>
+            </a:r>
+            <a:endParaRPr/>
+          </a:p>
+          <a:p>
+            <a:pPr indent="-371475" lvl="0" marL="457200" rtl="0" algn="l">
+              <a:spcBef>
+                <a:spcPts val="0"/>
+              </a:spcBef>
+              <a:spcAft>
+                <a:spcPts val="0"/>
+              </a:spcAft>
+              <a:buSzPts val="2250"/>
+              <a:buChar char="•"/>
+            </a:pPr>
+            <a:r>
+              <a:rPr lang="en-US"/>
+              <a:t>Assignment</a:t>
             </a:r>
             <a:endParaRPr/>
           </a:p>
@@ -29788,21 +30328,22 @@
       </p:sp>
       <p:pic>
         <p:nvPicPr>
-          <p:cNvPr id="299" name="Google Shape;299;p8"/>
+          <p:cNvPr id="299" name="Google Shape;299;g5f1623cf2d_0_36"/>
           <p:cNvPicPr preferRelativeResize="0"/>
           <p:nvPr/>
         </p:nvPicPr>
-        <p:blipFill rotWithShape="1">
+        <p:blipFill>
           <a:blip r:embed="rId3">
             <a:alphaModFix/>
           </a:blip>
-          <a:srcRect b="0" l="0" r="0" t="0"/>
-          <a:stretch/>
+          <a:stretch>
+            <a:fillRect/>
+          </a:stretch>
         </p:blipFill>
         <p:spPr>
           <a:xfrm>
-            <a:off x="2758860" y="1698652"/>
-            <a:ext cx="6671101" cy="4643383"/>
+            <a:off x="6172110" y="2249618"/>
+            <a:ext cx="5867492" cy="3777198"/>
           </a:xfrm>
           <a:prstGeom prst="rect">
             <a:avLst/>
@@ -29840,7 +30381,7 @@
       </p:grpSpPr>
       <p:sp>
         <p:nvSpPr>
-          <p:cNvPr id="304" name="Google Shape;304;p9"/>
+          <p:cNvPr id="304" name="Google Shape;304;p7"/>
           <p:cNvSpPr txBox="1"/>
           <p:nvPr>
             <p:ph type="title"/>
@@ -29884,7 +30425,7 @@
             </a:pPr>
             <a:r>
               <a:rPr lang="en-US"/>
-              <a:t>CIRCUIT DIAGRAMS</a:t>
+              <a:t>TECHNOLOGY OVERVIEW</a:t>
             </a:r>
             <a:endParaRPr/>
           </a:p>
@@ -29892,7 +30433,7 @@
       </p:sp>
       <p:sp>
         <p:nvSpPr>
-          <p:cNvPr id="305" name="Google Shape;305;p9"/>
+          <p:cNvPr id="305" name="Google Shape;305;p7"/>
           <p:cNvSpPr txBox="1"/>
           <p:nvPr>
             <p:ph idx="1" type="body"/>
@@ -29917,7 +30458,7 @@
           </a:bodyPr>
           <a:lstStyle/>
           <a:p>
-            <a:pPr indent="0" lvl="0" marL="0" rtl="0" algn="l">
+            <a:pPr indent="-228600" lvl="0" marL="228600" rtl="0" algn="l">
               <a:lnSpc>
                 <a:spcPct val="120000"/>
               </a:lnSpc>
@@ -29931,32 +30472,11 @@
                 <a:schemeClr val="lt1"/>
               </a:buClr>
               <a:buSzPts val="3000"/>
-              <a:buNone/>
+              <a:buChar char="•"/>
             </a:pPr>
             <a:r>
-              <a:t/>
-            </a:r>
-            <a:endParaRPr/>
-          </a:p>
-          <a:p>
-            <a:pPr indent="-38100" lvl="0" marL="228600" rtl="0" algn="l">
-              <a:lnSpc>
-                <a:spcPct val="120000"/>
-              </a:lnSpc>
-              <a:spcBef>
-                <a:spcPts val="1000"/>
-              </a:spcBef>
-              <a:spcAft>
-                <a:spcPts val="0"/>
-              </a:spcAft>
-              <a:buClr>
-                <a:schemeClr val="lt1"/>
-              </a:buClr>
-              <a:buSzPts val="3000"/>
-              <a:buNone/>
-            </a:pPr>
-            <a:r>
-              <a:t/>
+              <a:rPr lang="en-US"/>
+              <a:t>What will we need to build a simple alerting system?</a:t>
             </a:r>
             <a:endParaRPr/>
           </a:p>
@@ -29964,7 +30484,7 @@
       </p:sp>
       <p:pic>
         <p:nvPicPr>
-          <p:cNvPr id="306" name="Google Shape;306;p9"/>
+          <p:cNvPr descr="Image result for raspberry pi logo" id="306" name="Google Shape;306;p7"/>
           <p:cNvPicPr preferRelativeResize="0"/>
           <p:nvPr/>
         </p:nvPicPr>
@@ -29977,8 +30497,8 @@
         </p:blipFill>
         <p:spPr>
           <a:xfrm>
-            <a:off x="1141412" y="1861839"/>
-            <a:ext cx="3907200" cy="1977326"/>
+            <a:off x="1548881" y="3384140"/>
+            <a:ext cx="1651000" cy="2076309"/>
           </a:xfrm>
           <a:prstGeom prst="rect">
             <a:avLst/>
@@ -29991,7 +30511,7 @@
       </p:pic>
       <p:pic>
         <p:nvPicPr>
-          <p:cNvPr id="307" name="Google Shape;307;p9"/>
+          <p:cNvPr id="307" name="Google Shape;307;p7"/>
           <p:cNvPicPr preferRelativeResize="0"/>
           <p:nvPr/>
         </p:nvPicPr>
@@ -30004,8 +30524,8 @@
         </p:blipFill>
         <p:spPr>
           <a:xfrm>
-            <a:off x="5691282" y="1861839"/>
-            <a:ext cx="3907200" cy="1977326"/>
+            <a:off x="4214035" y="4023923"/>
+            <a:ext cx="2765681" cy="930632"/>
           </a:xfrm>
           <a:prstGeom prst="rect">
             <a:avLst/>
@@ -30018,7 +30538,7 @@
       </p:pic>
       <p:pic>
         <p:nvPicPr>
-          <p:cNvPr id="308" name="Google Shape;308;p9"/>
+          <p:cNvPr id="308" name="Google Shape;308;p7"/>
           <p:cNvPicPr preferRelativeResize="0"/>
           <p:nvPr/>
         </p:nvPicPr>
@@ -30031,8 +30551,8 @@
         </p:blipFill>
         <p:spPr>
           <a:xfrm>
-            <a:off x="3554571" y="4328000"/>
-            <a:ext cx="3907200" cy="2232823"/>
+            <a:off x="7993870" y="3384140"/>
+            <a:ext cx="2279588" cy="1936989"/>
           </a:xfrm>
           <a:prstGeom prst="rect">
             <a:avLst/>
@@ -30070,7 +30590,7 @@
       </p:grpSpPr>
       <p:sp>
         <p:nvSpPr>
-          <p:cNvPr id="313" name="Google Shape;313;p10"/>
+          <p:cNvPr id="313" name="Google Shape;313;p8"/>
           <p:cNvSpPr txBox="1"/>
           <p:nvPr>
             <p:ph type="title"/>
@@ -30114,7 +30634,7 @@
             </a:pPr>
             <a:r>
               <a:rPr lang="en-US"/>
-              <a:t>INTRO TO RASPBERRY PI</a:t>
+              <a:t>CIRCUIT SYMBOLS</a:t>
             </a:r>
             <a:endParaRPr/>
           </a:p>
@@ -30122,7 +30642,7 @@
       </p:sp>
       <p:sp>
         <p:nvSpPr>
-          <p:cNvPr id="314" name="Google Shape;314;p10"/>
+          <p:cNvPr id="314" name="Google Shape;314;p8"/>
           <p:cNvSpPr txBox="1"/>
           <p:nvPr>
             <p:ph idx="1" type="body"/>
@@ -30164,77 +30684,7 @@
               <a:buNone/>
             </a:pPr>
             <a:r>
-              <a:rPr lang="en-US"/>
-              <a:t>1) Plug in</a:t>
-            </a:r>
-            <a:endParaRPr/>
-          </a:p>
-          <a:p>
-            <a:pPr indent="0" lvl="0" marL="0" rtl="0" algn="l">
-              <a:lnSpc>
-                <a:spcPct val="120000"/>
-              </a:lnSpc>
-              <a:spcBef>
-                <a:spcPts val="1000"/>
-              </a:spcBef>
-              <a:spcAft>
-                <a:spcPts val="0"/>
-              </a:spcAft>
-              <a:buClr>
-                <a:schemeClr val="lt1"/>
-              </a:buClr>
-              <a:buSzPts val="3000"/>
-              <a:buNone/>
-            </a:pPr>
-            <a:r>
-              <a:rPr lang="en-US"/>
-              <a:t>2) Console</a:t>
-            </a:r>
-            <a:endParaRPr/>
-          </a:p>
-          <a:p>
-            <a:pPr indent="0" lvl="0" marL="0" rtl="0" algn="l">
-              <a:lnSpc>
-                <a:spcPct val="120000"/>
-              </a:lnSpc>
-              <a:spcBef>
-                <a:spcPts val="1000"/>
-              </a:spcBef>
-              <a:spcAft>
-                <a:spcPts val="0"/>
-              </a:spcAft>
-              <a:buClr>
-                <a:schemeClr val="lt1"/>
-              </a:buClr>
-              <a:buSzPts val="3000"/>
-              <a:buNone/>
-            </a:pPr>
-            <a:r>
-              <a:rPr lang="en-US"/>
-              <a:t>3) Blah blah blah</a:t>
-            </a:r>
-            <a:endParaRPr/>
-          </a:p>
-          <a:p>
-            <a:pPr indent="0" lvl="0" marL="0" rtl="0" algn="l">
-              <a:lnSpc>
-                <a:spcPct val="120000"/>
-              </a:lnSpc>
-              <a:spcBef>
-                <a:spcPts val="1000"/>
-              </a:spcBef>
-              <a:spcAft>
-                <a:spcPts val="0"/>
-              </a:spcAft>
-              <a:buClr>
-                <a:schemeClr val="lt1"/>
-              </a:buClr>
-              <a:buSzPts val="3000"/>
-              <a:buNone/>
-            </a:pPr>
-            <a:r>
-              <a:rPr lang="en-US"/>
-              <a:t>4) Clone the repo</a:t>
+              <a:t/>
             </a:r>
             <a:endParaRPr/>
           </a:p>
@@ -30262,6 +30712,33 @@
           </a:p>
         </p:txBody>
       </p:sp>
+      <p:pic>
+        <p:nvPicPr>
+          <p:cNvPr id="315" name="Google Shape;315;p8"/>
+          <p:cNvPicPr preferRelativeResize="0"/>
+          <p:nvPr/>
+        </p:nvPicPr>
+        <p:blipFill rotWithShape="1">
+          <a:blip r:embed="rId3">
+            <a:alphaModFix/>
+          </a:blip>
+          <a:srcRect b="0" l="0" r="0" t="0"/>
+          <a:stretch/>
+        </p:blipFill>
+        <p:spPr>
+          <a:xfrm>
+            <a:off x="2758860" y="1698652"/>
+            <a:ext cx="6671101" cy="4643383"/>
+          </a:xfrm>
+          <a:prstGeom prst="rect">
+            <a:avLst/>
+          </a:prstGeom>
+          <a:noFill/>
+          <a:ln>
+            <a:noFill/>
+          </a:ln>
+        </p:spPr>
+      </p:pic>
     </p:spTree>
   </p:cSld>
   <p:clrMapOvr>
@@ -30275,7 +30752,7 @@
   <p:cSld>
     <p:spTree>
       <p:nvGrpSpPr>
-        <p:cNvPr id="318" name="Shape 318"/>
+        <p:cNvPr id="319" name="Shape 319"/>
         <p:cNvGrpSpPr/>
         <p:nvPr/>
       </p:nvGrpSpPr>
@@ -30289,7 +30766,7 @@
       </p:grpSpPr>
       <p:sp>
         <p:nvSpPr>
-          <p:cNvPr id="319" name="Google Shape;319;p11"/>
+          <p:cNvPr id="320" name="Google Shape;320;p9"/>
           <p:cNvSpPr txBox="1"/>
           <p:nvPr>
             <p:ph type="title"/>
@@ -30333,6 +30810,455 @@
             </a:pPr>
             <a:r>
               <a:rPr lang="en-US"/>
+              <a:t>CIRCUIT DIAGRAMS</a:t>
+            </a:r>
+            <a:endParaRPr/>
+          </a:p>
+        </p:txBody>
+      </p:sp>
+      <p:sp>
+        <p:nvSpPr>
+          <p:cNvPr id="321" name="Google Shape;321;p9"/>
+          <p:cNvSpPr txBox="1"/>
+          <p:nvPr>
+            <p:ph idx="1" type="body"/>
+          </p:nvPr>
+        </p:nvSpPr>
+        <p:spPr>
+          <a:xfrm>
+            <a:off x="1141412" y="2249487"/>
+            <a:ext cx="9905999" cy="3541714"/>
+          </a:xfrm>
+          <a:prstGeom prst="rect">
+            <a:avLst/>
+          </a:prstGeom>
+          <a:noFill/>
+          <a:ln>
+            <a:noFill/>
+          </a:ln>
+        </p:spPr>
+        <p:txBody>
+          <a:bodyPr anchorCtr="0" anchor="t" bIns="45700" lIns="91425" spcFirstLastPara="1" rIns="91425" wrap="square" tIns="45700">
+            <a:normAutofit/>
+          </a:bodyPr>
+          <a:lstStyle/>
+          <a:p>
+            <a:pPr indent="0" lvl="0" marL="0" rtl="0" algn="l">
+              <a:lnSpc>
+                <a:spcPct val="120000"/>
+              </a:lnSpc>
+              <a:spcBef>
+                <a:spcPts val="0"/>
+              </a:spcBef>
+              <a:spcAft>
+                <a:spcPts val="0"/>
+              </a:spcAft>
+              <a:buClr>
+                <a:schemeClr val="lt1"/>
+              </a:buClr>
+              <a:buSzPts val="3000"/>
+              <a:buNone/>
+            </a:pPr>
+            <a:r>
+              <a:t/>
+            </a:r>
+            <a:endParaRPr/>
+          </a:p>
+          <a:p>
+            <a:pPr indent="-38100" lvl="0" marL="228600" rtl="0" algn="l">
+              <a:lnSpc>
+                <a:spcPct val="120000"/>
+              </a:lnSpc>
+              <a:spcBef>
+                <a:spcPts val="1000"/>
+              </a:spcBef>
+              <a:spcAft>
+                <a:spcPts val="0"/>
+              </a:spcAft>
+              <a:buClr>
+                <a:schemeClr val="lt1"/>
+              </a:buClr>
+              <a:buSzPts val="3000"/>
+              <a:buNone/>
+            </a:pPr>
+            <a:r>
+              <a:t/>
+            </a:r>
+            <a:endParaRPr/>
+          </a:p>
+        </p:txBody>
+      </p:sp>
+      <p:pic>
+        <p:nvPicPr>
+          <p:cNvPr id="322" name="Google Shape;322;p9"/>
+          <p:cNvPicPr preferRelativeResize="0"/>
+          <p:nvPr/>
+        </p:nvPicPr>
+        <p:blipFill rotWithShape="1">
+          <a:blip r:embed="rId3">
+            <a:alphaModFix/>
+          </a:blip>
+          <a:srcRect b="0" l="0" r="0" t="0"/>
+          <a:stretch/>
+        </p:blipFill>
+        <p:spPr>
+          <a:xfrm>
+            <a:off x="1141412" y="1861839"/>
+            <a:ext cx="3907200" cy="1977326"/>
+          </a:xfrm>
+          <a:prstGeom prst="rect">
+            <a:avLst/>
+          </a:prstGeom>
+          <a:noFill/>
+          <a:ln>
+            <a:noFill/>
+          </a:ln>
+        </p:spPr>
+      </p:pic>
+      <p:pic>
+        <p:nvPicPr>
+          <p:cNvPr id="323" name="Google Shape;323;p9"/>
+          <p:cNvPicPr preferRelativeResize="0"/>
+          <p:nvPr/>
+        </p:nvPicPr>
+        <p:blipFill rotWithShape="1">
+          <a:blip r:embed="rId4">
+            <a:alphaModFix/>
+          </a:blip>
+          <a:srcRect b="0" l="0" r="0" t="0"/>
+          <a:stretch/>
+        </p:blipFill>
+        <p:spPr>
+          <a:xfrm>
+            <a:off x="5691282" y="1861839"/>
+            <a:ext cx="3907200" cy="1977326"/>
+          </a:xfrm>
+          <a:prstGeom prst="rect">
+            <a:avLst/>
+          </a:prstGeom>
+          <a:noFill/>
+          <a:ln>
+            <a:noFill/>
+          </a:ln>
+        </p:spPr>
+      </p:pic>
+      <p:pic>
+        <p:nvPicPr>
+          <p:cNvPr id="324" name="Google Shape;324;p9"/>
+          <p:cNvPicPr preferRelativeResize="0"/>
+          <p:nvPr/>
+        </p:nvPicPr>
+        <p:blipFill rotWithShape="1">
+          <a:blip r:embed="rId5">
+            <a:alphaModFix/>
+          </a:blip>
+          <a:srcRect b="0" l="0" r="0" t="0"/>
+          <a:stretch/>
+        </p:blipFill>
+        <p:spPr>
+          <a:xfrm>
+            <a:off x="3554571" y="4328000"/>
+            <a:ext cx="3907200" cy="2232823"/>
+          </a:xfrm>
+          <a:prstGeom prst="rect">
+            <a:avLst/>
+          </a:prstGeom>
+          <a:noFill/>
+          <a:ln>
+            <a:noFill/>
+          </a:ln>
+        </p:spPr>
+      </p:pic>
+    </p:spTree>
+  </p:cSld>
+  <p:clrMapOvr>
+    <a:masterClrMapping/>
+  </p:clrMapOvr>
+</p:sld>
+</file>
+
+<file path=ppt/slides/slide14.xml><?xml version="1.0" encoding="utf-8"?>
+<p:sld xmlns:a="http://schemas.openxmlformats.org/drawingml/2006/main" xmlns:r="http://schemas.openxmlformats.org/officeDocument/2006/relationships" xmlns:mc="http://schemas.openxmlformats.org/markup-compatibility/2006" xmlns:mv="urn:schemas-microsoft-com:mac:vml" xmlns:p="http://schemas.openxmlformats.org/presentationml/2006/main" xmlns:c="http://schemas.openxmlformats.org/drawingml/2006/chart" xmlns:dgm="http://schemas.openxmlformats.org/drawingml/2006/diagram" xmlns:o="urn:schemas-microsoft-com:office:office" xmlns:v="urn:schemas-microsoft-com:vml" xmlns:pvml="urn:schemas-microsoft-com:office:powerpoint" xmlns:com="http://schemas.openxmlformats.org/drawingml/2006/compatibility" xmlns:p14="http://schemas.microsoft.com/office/powerpoint/2010/main" xmlns:p15="http://schemas.microsoft.com/office/powerpoint/2012/main">
+  <p:cSld>
+    <p:spTree>
+      <p:nvGrpSpPr>
+        <p:cNvPr id="328" name="Shape 328"/>
+        <p:cNvGrpSpPr/>
+        <p:nvPr/>
+      </p:nvGrpSpPr>
+      <p:grpSpPr>
+        <a:xfrm>
+          <a:off x="0" y="0"/>
+          <a:ext cx="0" cy="0"/>
+          <a:chOff x="0" y="0"/>
+          <a:chExt cx="0" cy="0"/>
+        </a:xfrm>
+      </p:grpSpPr>
+      <p:sp>
+        <p:nvSpPr>
+          <p:cNvPr id="329" name="Google Shape;329;p10"/>
+          <p:cNvSpPr txBox="1"/>
+          <p:nvPr>
+            <p:ph type="title"/>
+          </p:nvPr>
+        </p:nvSpPr>
+        <p:spPr>
+          <a:xfrm>
+            <a:off x="1141413" y="618518"/>
+            <a:ext cx="9905998" cy="1478570"/>
+          </a:xfrm>
+          <a:prstGeom prst="rect">
+            <a:avLst/>
+          </a:prstGeom>
+          <a:noFill/>
+          <a:ln>
+            <a:noFill/>
+          </a:ln>
+        </p:spPr>
+        <p:txBody>
+          <a:bodyPr anchorCtr="0" anchor="ctr" bIns="45700" lIns="91425" spcFirstLastPara="1" rIns="91425" wrap="square" tIns="45700">
+            <a:normAutofit/>
+          </a:bodyPr>
+          <a:lstStyle/>
+          <a:p>
+            <a:pPr indent="0" lvl="0" marL="0" rtl="0" algn="l">
+              <a:lnSpc>
+                <a:spcPct val="90000"/>
+              </a:lnSpc>
+              <a:spcBef>
+                <a:spcPts val="0"/>
+              </a:spcBef>
+              <a:spcAft>
+                <a:spcPts val="0"/>
+              </a:spcAft>
+              <a:buClr>
+                <a:schemeClr val="lt1"/>
+              </a:buClr>
+              <a:buSzPts val="3600"/>
+              <a:buFont typeface="Twentieth Century"/>
+              <a:buNone/>
+            </a:pPr>
+            <a:r>
+              <a:rPr lang="en-US"/>
+              <a:t>INTRO TO RASPBERRY PI</a:t>
+            </a:r>
+            <a:endParaRPr/>
+          </a:p>
+        </p:txBody>
+      </p:sp>
+      <p:sp>
+        <p:nvSpPr>
+          <p:cNvPr id="330" name="Google Shape;330;p10"/>
+          <p:cNvSpPr txBox="1"/>
+          <p:nvPr>
+            <p:ph idx="1" type="body"/>
+          </p:nvPr>
+        </p:nvSpPr>
+        <p:spPr>
+          <a:xfrm>
+            <a:off x="1141412" y="2249487"/>
+            <a:ext cx="9905999" cy="3541714"/>
+          </a:xfrm>
+          <a:prstGeom prst="rect">
+            <a:avLst/>
+          </a:prstGeom>
+          <a:noFill/>
+          <a:ln>
+            <a:noFill/>
+          </a:ln>
+        </p:spPr>
+        <p:txBody>
+          <a:bodyPr anchorCtr="0" anchor="t" bIns="45700" lIns="91425" spcFirstLastPara="1" rIns="91425" wrap="square" tIns="45700">
+            <a:normAutofit/>
+          </a:bodyPr>
+          <a:lstStyle/>
+          <a:p>
+            <a:pPr indent="0" lvl="0" marL="0" rtl="0" algn="l">
+              <a:lnSpc>
+                <a:spcPct val="120000"/>
+              </a:lnSpc>
+              <a:spcBef>
+                <a:spcPts val="0"/>
+              </a:spcBef>
+              <a:spcAft>
+                <a:spcPts val="0"/>
+              </a:spcAft>
+              <a:buClr>
+                <a:schemeClr val="lt1"/>
+              </a:buClr>
+              <a:buSzPts val="3000"/>
+              <a:buNone/>
+            </a:pPr>
+            <a:r>
+              <a:rPr lang="en-US"/>
+              <a:t>1) Plug in</a:t>
+            </a:r>
+            <a:endParaRPr/>
+          </a:p>
+          <a:p>
+            <a:pPr indent="0" lvl="0" marL="0" rtl="0" algn="l">
+              <a:lnSpc>
+                <a:spcPct val="120000"/>
+              </a:lnSpc>
+              <a:spcBef>
+                <a:spcPts val="1000"/>
+              </a:spcBef>
+              <a:spcAft>
+                <a:spcPts val="0"/>
+              </a:spcAft>
+              <a:buClr>
+                <a:schemeClr val="lt1"/>
+              </a:buClr>
+              <a:buSzPts val="3000"/>
+              <a:buNone/>
+            </a:pPr>
+            <a:r>
+              <a:rPr lang="en-US"/>
+              <a:t>2) Console</a:t>
+            </a:r>
+            <a:endParaRPr/>
+          </a:p>
+          <a:p>
+            <a:pPr indent="0" lvl="0" marL="0" rtl="0" algn="l">
+              <a:lnSpc>
+                <a:spcPct val="120000"/>
+              </a:lnSpc>
+              <a:spcBef>
+                <a:spcPts val="1000"/>
+              </a:spcBef>
+              <a:spcAft>
+                <a:spcPts val="0"/>
+              </a:spcAft>
+              <a:buClr>
+                <a:schemeClr val="lt1"/>
+              </a:buClr>
+              <a:buSzPts val="3000"/>
+              <a:buNone/>
+            </a:pPr>
+            <a:r>
+              <a:rPr lang="en-US"/>
+              <a:t>3) Blah blah blah</a:t>
+            </a:r>
+            <a:endParaRPr/>
+          </a:p>
+          <a:p>
+            <a:pPr indent="0" lvl="0" marL="0" rtl="0" algn="l">
+              <a:lnSpc>
+                <a:spcPct val="120000"/>
+              </a:lnSpc>
+              <a:spcBef>
+                <a:spcPts val="1000"/>
+              </a:spcBef>
+              <a:spcAft>
+                <a:spcPts val="0"/>
+              </a:spcAft>
+              <a:buClr>
+                <a:schemeClr val="lt1"/>
+              </a:buClr>
+              <a:buSzPts val="3000"/>
+              <a:buNone/>
+            </a:pPr>
+            <a:r>
+              <a:rPr lang="en-US"/>
+              <a:t>4) Clone the repo</a:t>
+            </a:r>
+            <a:endParaRPr/>
+          </a:p>
+          <a:p>
+            <a:pPr indent="-38100" lvl="0" marL="228600" rtl="0" algn="l">
+              <a:lnSpc>
+                <a:spcPct val="120000"/>
+              </a:lnSpc>
+              <a:spcBef>
+                <a:spcPts val="1000"/>
+              </a:spcBef>
+              <a:spcAft>
+                <a:spcPts val="0"/>
+              </a:spcAft>
+              <a:buClr>
+                <a:schemeClr val="lt1"/>
+              </a:buClr>
+              <a:buSzPts val="3000"/>
+              <a:buNone/>
+            </a:pPr>
+            <a:r>
+              <a:t/>
+            </a:r>
+            <a:endParaRPr/>
+          </a:p>
+        </p:txBody>
+      </p:sp>
+    </p:spTree>
+  </p:cSld>
+  <p:clrMapOvr>
+    <a:masterClrMapping/>
+  </p:clrMapOvr>
+</p:sld>
+</file>
+
+<file path=ppt/slides/slide15.xml><?xml version="1.0" encoding="utf-8"?>
+<p:sld xmlns:a="http://schemas.openxmlformats.org/drawingml/2006/main" xmlns:r="http://schemas.openxmlformats.org/officeDocument/2006/relationships" xmlns:mc="http://schemas.openxmlformats.org/markup-compatibility/2006" xmlns:mv="urn:schemas-microsoft-com:mac:vml" xmlns:p="http://schemas.openxmlformats.org/presentationml/2006/main" xmlns:c="http://schemas.openxmlformats.org/drawingml/2006/chart" xmlns:dgm="http://schemas.openxmlformats.org/drawingml/2006/diagram" xmlns:o="urn:schemas-microsoft-com:office:office" xmlns:v="urn:schemas-microsoft-com:vml" xmlns:pvml="urn:schemas-microsoft-com:office:powerpoint" xmlns:com="http://schemas.openxmlformats.org/drawingml/2006/compatibility" xmlns:p14="http://schemas.microsoft.com/office/powerpoint/2010/main" xmlns:p15="http://schemas.microsoft.com/office/powerpoint/2012/main">
+  <p:cSld>
+    <p:spTree>
+      <p:nvGrpSpPr>
+        <p:cNvPr id="334" name="Shape 334"/>
+        <p:cNvGrpSpPr/>
+        <p:nvPr/>
+      </p:nvGrpSpPr>
+      <p:grpSpPr>
+        <a:xfrm>
+          <a:off x="0" y="0"/>
+          <a:ext cx="0" cy="0"/>
+          <a:chOff x="0" y="0"/>
+          <a:chExt cx="0" cy="0"/>
+        </a:xfrm>
+      </p:grpSpPr>
+      <p:sp>
+        <p:nvSpPr>
+          <p:cNvPr id="335" name="Google Shape;335;p11"/>
+          <p:cNvSpPr txBox="1"/>
+          <p:nvPr>
+            <p:ph type="title"/>
+          </p:nvPr>
+        </p:nvSpPr>
+        <p:spPr>
+          <a:xfrm>
+            <a:off x="1141413" y="618518"/>
+            <a:ext cx="9905998" cy="1478570"/>
+          </a:xfrm>
+          <a:prstGeom prst="rect">
+            <a:avLst/>
+          </a:prstGeom>
+          <a:noFill/>
+          <a:ln>
+            <a:noFill/>
+          </a:ln>
+        </p:spPr>
+        <p:txBody>
+          <a:bodyPr anchorCtr="0" anchor="ctr" bIns="45700" lIns="91425" spcFirstLastPara="1" rIns="91425" wrap="square" tIns="45700">
+            <a:normAutofit/>
+          </a:bodyPr>
+          <a:lstStyle/>
+          <a:p>
+            <a:pPr indent="0" lvl="0" marL="0" rtl="0" algn="l">
+              <a:lnSpc>
+                <a:spcPct val="90000"/>
+              </a:lnSpc>
+              <a:spcBef>
+                <a:spcPts val="0"/>
+              </a:spcBef>
+              <a:spcAft>
+                <a:spcPts val="0"/>
+              </a:spcAft>
+              <a:buClr>
+                <a:schemeClr val="lt1"/>
+              </a:buClr>
+              <a:buSzPts val="3600"/>
+              <a:buFont typeface="Twentieth Century"/>
+              <a:buNone/>
+            </a:pPr>
+            <a:r>
+              <a:rPr lang="en-US"/>
               <a:t>RASPBERRY PI CIRCUIT</a:t>
             </a:r>
             <a:endParaRPr/>
@@ -30341,7 +31267,7 @@
       </p:sp>
       <p:sp>
         <p:nvSpPr>
-          <p:cNvPr id="320" name="Google Shape;320;p11"/>
+          <p:cNvPr id="336" name="Google Shape;336;p11"/>
           <p:cNvSpPr txBox="1"/>
           <p:nvPr>
             <p:ph idx="1" type="body"/>
@@ -30421,12 +31347,12 @@
 </p:sld>
 </file>
 
-<file path=ppt/slides/slide14.xml><?xml version="1.0" encoding="utf-8"?>
+<file path=ppt/slides/slide16.xml><?xml version="1.0" encoding="utf-8"?>
 <p:sld xmlns:a="http://schemas.openxmlformats.org/drawingml/2006/main" xmlns:r="http://schemas.openxmlformats.org/officeDocument/2006/relationships" xmlns:mc="http://schemas.openxmlformats.org/markup-compatibility/2006" xmlns:mv="urn:schemas-microsoft-com:mac:vml" xmlns:p="http://schemas.openxmlformats.org/presentationml/2006/main" xmlns:c="http://schemas.openxmlformats.org/drawingml/2006/chart" xmlns:dgm="http://schemas.openxmlformats.org/drawingml/2006/diagram" xmlns:o="urn:schemas-microsoft-com:office:office" xmlns:v="urn:schemas-microsoft-com:vml" xmlns:pvml="urn:schemas-microsoft-com:office:powerpoint" xmlns:com="http://schemas.openxmlformats.org/drawingml/2006/compatibility" xmlns:p14="http://schemas.microsoft.com/office/powerpoint/2010/main" xmlns:p15="http://schemas.microsoft.com/office/powerpoint/2012/main">
   <p:cSld>
     <p:spTree>
       <p:nvGrpSpPr>
-        <p:cNvPr id="324" name="Shape 324"/>
+        <p:cNvPr id="340" name="Shape 340"/>
         <p:cNvGrpSpPr/>
         <p:nvPr/>
       </p:nvGrpSpPr>
@@ -30440,7 +31366,160 @@
       </p:grpSpPr>
       <p:sp>
         <p:nvSpPr>
-          <p:cNvPr id="325" name="Google Shape;325;p12"/>
+          <p:cNvPr id="341" name="Google Shape;341;g5f1623cf2d_0_43"/>
+          <p:cNvSpPr txBox="1"/>
+          <p:nvPr>
+            <p:ph type="title"/>
+          </p:nvPr>
+        </p:nvSpPr>
+        <p:spPr>
+          <a:xfrm>
+            <a:off x="1141413" y="618518"/>
+            <a:ext cx="9906000" cy="1478700"/>
+          </a:xfrm>
+          <a:prstGeom prst="rect">
+            <a:avLst/>
+          </a:prstGeom>
+        </p:spPr>
+        <p:txBody>
+          <a:bodyPr anchorCtr="0" anchor="ctr" bIns="45700" lIns="91425" spcFirstLastPara="1" rIns="91425" wrap="square" tIns="45700">
+            <a:noAutofit/>
+          </a:bodyPr>
+          <a:lstStyle/>
+          <a:p>
+            <a:pPr indent="0" lvl="0" marL="0" rtl="0" algn="l">
+              <a:spcBef>
+                <a:spcPts val="0"/>
+              </a:spcBef>
+              <a:spcAft>
+                <a:spcPts val="0"/>
+              </a:spcAft>
+              <a:buNone/>
+            </a:pPr>
+            <a:r>
+              <a:rPr lang="en-US"/>
+              <a:t>Retrospective</a:t>
+            </a:r>
+            <a:endParaRPr/>
+          </a:p>
+        </p:txBody>
+      </p:sp>
+      <p:sp>
+        <p:nvSpPr>
+          <p:cNvPr id="342" name="Google Shape;342;g5f1623cf2d_0_43"/>
+          <p:cNvSpPr txBox="1"/>
+          <p:nvPr>
+            <p:ph idx="1" type="body"/>
+          </p:nvPr>
+        </p:nvSpPr>
+        <p:spPr>
+          <a:xfrm>
+            <a:off x="1141412" y="2249487"/>
+            <a:ext cx="9906000" cy="3541800"/>
+          </a:xfrm>
+          <a:prstGeom prst="rect">
+            <a:avLst/>
+          </a:prstGeom>
+        </p:spPr>
+        <p:txBody>
+          <a:bodyPr anchorCtr="0" anchor="t" bIns="45700" lIns="91425" spcFirstLastPara="1" rIns="91425" wrap="square" tIns="45700">
+            <a:noAutofit/>
+          </a:bodyPr>
+          <a:lstStyle/>
+          <a:p>
+            <a:pPr indent="0" lvl="0" marL="0" rtl="0" algn="l">
+              <a:spcBef>
+                <a:spcPts val="1000"/>
+              </a:spcBef>
+              <a:spcAft>
+                <a:spcPts val="0"/>
+              </a:spcAft>
+              <a:buNone/>
+            </a:pPr>
+            <a:r>
+              <a:rPr lang="en-US"/>
+              <a:t>Check the parking lot?</a:t>
+            </a:r>
+            <a:endParaRPr/>
+          </a:p>
+          <a:p>
+            <a:pPr indent="0" lvl="0" marL="0" rtl="0" algn="l">
+              <a:spcBef>
+                <a:spcPts val="1000"/>
+              </a:spcBef>
+              <a:spcAft>
+                <a:spcPts val="0"/>
+              </a:spcAft>
+              <a:buNone/>
+            </a:pPr>
+            <a:r>
+              <a:rPr lang="en-US"/>
+              <a:t>What did we learn?</a:t>
+            </a:r>
+            <a:endParaRPr/>
+          </a:p>
+          <a:p>
+            <a:pPr indent="0" lvl="0" marL="0" rtl="0" algn="l">
+              <a:spcBef>
+                <a:spcPts val="1000"/>
+              </a:spcBef>
+              <a:spcAft>
+                <a:spcPts val="0"/>
+              </a:spcAft>
+              <a:buNone/>
+            </a:pPr>
+            <a:r>
+              <a:rPr lang="en-US"/>
+              <a:t>What worked well?</a:t>
+            </a:r>
+            <a:endParaRPr/>
+          </a:p>
+          <a:p>
+            <a:pPr indent="0" lvl="0" marL="0" rtl="0" algn="l">
+              <a:spcBef>
+                <a:spcPts val="1000"/>
+              </a:spcBef>
+              <a:spcAft>
+                <a:spcPts val="0"/>
+              </a:spcAft>
+              <a:buNone/>
+            </a:pPr>
+            <a:r>
+              <a:rPr lang="en-US"/>
+              <a:t>What could we do better?</a:t>
+            </a:r>
+            <a:endParaRPr/>
+          </a:p>
+        </p:txBody>
+      </p:sp>
+    </p:spTree>
+  </p:cSld>
+  <p:clrMapOvr>
+    <a:masterClrMapping/>
+  </p:clrMapOvr>
+</p:sld>
+</file>
+
+<file path=ppt/slides/slide17.xml><?xml version="1.0" encoding="utf-8"?>
+<p:sld xmlns:a="http://schemas.openxmlformats.org/drawingml/2006/main" xmlns:r="http://schemas.openxmlformats.org/officeDocument/2006/relationships" xmlns:mc="http://schemas.openxmlformats.org/markup-compatibility/2006" xmlns:mv="urn:schemas-microsoft-com:mac:vml" xmlns:p="http://schemas.openxmlformats.org/presentationml/2006/main" xmlns:c="http://schemas.openxmlformats.org/drawingml/2006/chart" xmlns:dgm="http://schemas.openxmlformats.org/drawingml/2006/diagram" xmlns:o="urn:schemas-microsoft-com:office:office" xmlns:v="urn:schemas-microsoft-com:vml" xmlns:pvml="urn:schemas-microsoft-com:office:powerpoint" xmlns:com="http://schemas.openxmlformats.org/drawingml/2006/compatibility" xmlns:p14="http://schemas.microsoft.com/office/powerpoint/2010/main" xmlns:p15="http://schemas.microsoft.com/office/powerpoint/2012/main">
+  <p:cSld>
+    <p:spTree>
+      <p:nvGrpSpPr>
+        <p:cNvPr id="346" name="Shape 346"/>
+        <p:cNvGrpSpPr/>
+        <p:nvPr/>
+      </p:nvGrpSpPr>
+      <p:grpSpPr>
+        <a:xfrm>
+          <a:off x="0" y="0"/>
+          <a:ext cx="0" cy="0"/>
+          <a:chOff x="0" y="0"/>
+          <a:chExt cx="0" cy="0"/>
+        </a:xfrm>
+      </p:grpSpPr>
+      <p:sp>
+        <p:nvSpPr>
+          <p:cNvPr id="347" name="Google Shape;347;p12"/>
           <p:cNvSpPr txBox="1"/>
           <p:nvPr>
             <p:ph type="title"/>
@@ -30492,7 +31571,7 @@
       </p:sp>
       <p:sp>
         <p:nvSpPr>
-          <p:cNvPr id="326" name="Google Shape;326;p12"/>
+          <p:cNvPr id="348" name="Google Shape;348;p12"/>
           <p:cNvSpPr txBox="1"/>
           <p:nvPr>
             <p:ph idx="1" type="body"/>
@@ -30732,12 +31811,12 @@
 </p:sld>
 </file>
 
-<file path=ppt/slides/slide15.xml><?xml version="1.0" encoding="utf-8"?>
+<file path=ppt/slides/slide18.xml><?xml version="1.0" encoding="utf-8"?>
 <p:sld xmlns:a="http://schemas.openxmlformats.org/drawingml/2006/main" xmlns:r="http://schemas.openxmlformats.org/officeDocument/2006/relationships" xmlns:mc="http://schemas.openxmlformats.org/markup-compatibility/2006" xmlns:mv="urn:schemas-microsoft-com:mac:vml" xmlns:p="http://schemas.openxmlformats.org/presentationml/2006/main" xmlns:c="http://schemas.openxmlformats.org/drawingml/2006/chart" xmlns:dgm="http://schemas.openxmlformats.org/drawingml/2006/diagram" xmlns:o="urn:schemas-microsoft-com:office:office" xmlns:v="urn:schemas-microsoft-com:vml" xmlns:pvml="urn:schemas-microsoft-com:office:powerpoint" xmlns:com="http://schemas.openxmlformats.org/drawingml/2006/compatibility" xmlns:p14="http://schemas.microsoft.com/office/powerpoint/2010/main" xmlns:p15="http://schemas.microsoft.com/office/powerpoint/2012/main">
   <p:cSld>
     <p:spTree>
       <p:nvGrpSpPr>
-        <p:cNvPr id="330" name="Shape 330"/>
+        <p:cNvPr id="352" name="Shape 352"/>
         <p:cNvGrpSpPr/>
         <p:nvPr/>
       </p:nvGrpSpPr>
@@ -30751,7 +31830,7 @@
       </p:grpSpPr>
       <p:sp>
         <p:nvSpPr>
-          <p:cNvPr id="331" name="Google Shape;331;p13"/>
+          <p:cNvPr id="353" name="Google Shape;353;p13"/>
           <p:cNvSpPr txBox="1"/>
           <p:nvPr>
             <p:ph type="title"/>
@@ -30803,7 +31882,7 @@
       </p:sp>
       <p:sp>
         <p:nvSpPr>
-          <p:cNvPr id="332" name="Google Shape;332;p13"/>
+          <p:cNvPr id="354" name="Google Shape;354;p13"/>
           <p:cNvSpPr txBox="1"/>
           <p:nvPr>
             <p:ph idx="1" type="body"/>
@@ -30860,12 +31939,12 @@
 </p:sld>
 </file>
 
-<file path=ppt/slides/slide16.xml><?xml version="1.0" encoding="utf-8"?>
+<file path=ppt/slides/slide19.xml><?xml version="1.0" encoding="utf-8"?>
 <p:sld xmlns:a="http://schemas.openxmlformats.org/drawingml/2006/main" xmlns:r="http://schemas.openxmlformats.org/officeDocument/2006/relationships" xmlns:mc="http://schemas.openxmlformats.org/markup-compatibility/2006" xmlns:mv="urn:schemas-microsoft-com:mac:vml" xmlns:p="http://schemas.openxmlformats.org/presentationml/2006/main" xmlns:c="http://schemas.openxmlformats.org/drawingml/2006/chart" xmlns:dgm="http://schemas.openxmlformats.org/drawingml/2006/diagram" xmlns:o="urn:schemas-microsoft-com:office:office" xmlns:v="urn:schemas-microsoft-com:vml" xmlns:pvml="urn:schemas-microsoft-com:office:powerpoint" xmlns:com="http://schemas.openxmlformats.org/drawingml/2006/compatibility" xmlns:p14="http://schemas.microsoft.com/office/powerpoint/2010/main" xmlns:p15="http://schemas.microsoft.com/office/powerpoint/2012/main">
   <p:cSld>
     <p:spTree>
       <p:nvGrpSpPr>
-        <p:cNvPr id="336" name="Shape 336"/>
+        <p:cNvPr id="358" name="Shape 358"/>
         <p:cNvGrpSpPr/>
         <p:nvPr/>
       </p:nvGrpSpPr>
@@ -30879,7 +31958,7 @@
       </p:grpSpPr>
       <p:sp>
         <p:nvSpPr>
-          <p:cNvPr id="337" name="Google Shape;337;p14"/>
+          <p:cNvPr id="359" name="Google Shape;359;p14"/>
           <p:cNvSpPr txBox="1"/>
           <p:nvPr>
             <p:ph type="title"/>
@@ -30931,7 +32010,7 @@
       </p:sp>
       <p:sp>
         <p:nvSpPr>
-          <p:cNvPr id="338" name="Google Shape;338;p14"/>
+          <p:cNvPr id="360" name="Google Shape;360;p14"/>
           <p:cNvSpPr txBox="1"/>
           <p:nvPr>
             <p:ph idx="1" type="body"/>
@@ -31089,620 +32168,6 @@
             </a:pPr>
             <a:r>
               <a:t/>
-            </a:r>
-            <a:endParaRPr/>
-          </a:p>
-        </p:txBody>
-      </p:sp>
-    </p:spTree>
-  </p:cSld>
-  <p:clrMapOvr>
-    <a:masterClrMapping/>
-  </p:clrMapOvr>
-</p:sld>
-</file>
-
-<file path=ppt/slides/slide17.xml><?xml version="1.0" encoding="utf-8"?>
-<p:sld xmlns:a="http://schemas.openxmlformats.org/drawingml/2006/main" xmlns:r="http://schemas.openxmlformats.org/officeDocument/2006/relationships" xmlns:mc="http://schemas.openxmlformats.org/markup-compatibility/2006" xmlns:mv="urn:schemas-microsoft-com:mac:vml" xmlns:p="http://schemas.openxmlformats.org/presentationml/2006/main" xmlns:c="http://schemas.openxmlformats.org/drawingml/2006/chart" xmlns:dgm="http://schemas.openxmlformats.org/drawingml/2006/diagram" xmlns:o="urn:schemas-microsoft-com:office:office" xmlns:v="urn:schemas-microsoft-com:vml" xmlns:pvml="urn:schemas-microsoft-com:office:powerpoint" xmlns:com="http://schemas.openxmlformats.org/drawingml/2006/compatibility" xmlns:p14="http://schemas.microsoft.com/office/powerpoint/2010/main" xmlns:p15="http://schemas.microsoft.com/office/powerpoint/2012/main">
-  <p:cSld>
-    <p:spTree>
-      <p:nvGrpSpPr>
-        <p:cNvPr id="342" name="Shape 342"/>
-        <p:cNvGrpSpPr/>
-        <p:nvPr/>
-      </p:nvGrpSpPr>
-      <p:grpSpPr>
-        <a:xfrm>
-          <a:off x="0" y="0"/>
-          <a:ext cx="0" cy="0"/>
-          <a:chOff x="0" y="0"/>
-          <a:chExt cx="0" cy="0"/>
-        </a:xfrm>
-      </p:grpSpPr>
-      <p:sp>
-        <p:nvSpPr>
-          <p:cNvPr id="343" name="Google Shape;343;p15"/>
-          <p:cNvSpPr txBox="1"/>
-          <p:nvPr>
-            <p:ph type="title"/>
-          </p:nvPr>
-        </p:nvSpPr>
-        <p:spPr>
-          <a:xfrm>
-            <a:off x="1141413" y="618518"/>
-            <a:ext cx="9905998" cy="1478570"/>
-          </a:xfrm>
-          <a:prstGeom prst="rect">
-            <a:avLst/>
-          </a:prstGeom>
-          <a:noFill/>
-          <a:ln>
-            <a:noFill/>
-          </a:ln>
-        </p:spPr>
-        <p:txBody>
-          <a:bodyPr anchorCtr="0" anchor="ctr" bIns="45700" lIns="91425" spcFirstLastPara="1" rIns="91425" wrap="square" tIns="45700">
-            <a:normAutofit/>
-          </a:bodyPr>
-          <a:lstStyle/>
-          <a:p>
-            <a:pPr indent="0" lvl="0" marL="0" rtl="0" algn="l">
-              <a:lnSpc>
-                <a:spcPct val="90000"/>
-              </a:lnSpc>
-              <a:spcBef>
-                <a:spcPts val="0"/>
-              </a:spcBef>
-              <a:spcAft>
-                <a:spcPts val="0"/>
-              </a:spcAft>
-              <a:buClr>
-                <a:schemeClr val="lt1"/>
-              </a:buClr>
-              <a:buSzPts val="3600"/>
-              <a:buFont typeface="Twentieth Century"/>
-              <a:buNone/>
-            </a:pPr>
-            <a:r>
-              <a:rPr lang="en-US"/>
-              <a:t>PROGRAMMING BASICS</a:t>
-            </a:r>
-            <a:endParaRPr/>
-          </a:p>
-        </p:txBody>
-      </p:sp>
-      <p:sp>
-        <p:nvSpPr>
-          <p:cNvPr id="344" name="Google Shape;344;p15"/>
-          <p:cNvSpPr txBox="1"/>
-          <p:nvPr>
-            <p:ph idx="1" type="body"/>
-          </p:nvPr>
-        </p:nvSpPr>
-        <p:spPr>
-          <a:xfrm>
-            <a:off x="1141412" y="2249487"/>
-            <a:ext cx="9905999" cy="3541714"/>
-          </a:xfrm>
-          <a:prstGeom prst="rect">
-            <a:avLst/>
-          </a:prstGeom>
-          <a:noFill/>
-          <a:ln>
-            <a:noFill/>
-          </a:ln>
-        </p:spPr>
-        <p:txBody>
-          <a:bodyPr anchorCtr="0" anchor="t" bIns="45700" lIns="91425" spcFirstLastPara="1" rIns="91425" wrap="square" tIns="45700">
-            <a:normAutofit/>
-          </a:bodyPr>
-          <a:lstStyle/>
-          <a:p>
-            <a:pPr indent="-228600" lvl="0" marL="228600" rtl="0" algn="l">
-              <a:lnSpc>
-                <a:spcPct val="120000"/>
-              </a:lnSpc>
-              <a:spcBef>
-                <a:spcPts val="0"/>
-              </a:spcBef>
-              <a:spcAft>
-                <a:spcPts val="0"/>
-              </a:spcAft>
-              <a:buClr>
-                <a:schemeClr val="lt1"/>
-              </a:buClr>
-              <a:buSzPts val="3000"/>
-              <a:buChar char="•"/>
-            </a:pPr>
-            <a:r>
-              <a:rPr lang="en-US"/>
-              <a:t>Keywords – which keyword have we already come across?</a:t>
-            </a:r>
-            <a:endParaRPr/>
-          </a:p>
-          <a:p>
-            <a:pPr indent="-228600" lvl="0" marL="228600" rtl="0" algn="l">
-              <a:lnSpc>
-                <a:spcPct val="120000"/>
-              </a:lnSpc>
-              <a:spcBef>
-                <a:spcPts val="1000"/>
-              </a:spcBef>
-              <a:spcAft>
-                <a:spcPts val="0"/>
-              </a:spcAft>
-              <a:buClr>
-                <a:schemeClr val="lt1"/>
-              </a:buClr>
-              <a:buSzPts val="3000"/>
-              <a:buChar char="•"/>
-            </a:pPr>
-            <a:r>
-              <a:rPr lang="en-US"/>
-              <a:t>Strings / Numbers – how can you tell the difference?</a:t>
-            </a:r>
-            <a:endParaRPr/>
-          </a:p>
-          <a:p>
-            <a:pPr indent="-228600" lvl="0" marL="228600" rtl="0" algn="l">
-              <a:lnSpc>
-                <a:spcPct val="120000"/>
-              </a:lnSpc>
-              <a:spcBef>
-                <a:spcPts val="1000"/>
-              </a:spcBef>
-              <a:spcAft>
-                <a:spcPts val="0"/>
-              </a:spcAft>
-              <a:buClr>
-                <a:schemeClr val="lt1"/>
-              </a:buClr>
-              <a:buSzPts val="3000"/>
-              <a:buChar char="•"/>
-            </a:pPr>
-            <a:r>
-              <a:rPr lang="en-US"/>
-              <a:t>Variables – why would you need these?</a:t>
-            </a:r>
-            <a:endParaRPr/>
-          </a:p>
-          <a:p>
-            <a:pPr indent="-228600" lvl="0" marL="228600" rtl="0" algn="l">
-              <a:lnSpc>
-                <a:spcPct val="120000"/>
-              </a:lnSpc>
-              <a:spcBef>
-                <a:spcPts val="1000"/>
-              </a:spcBef>
-              <a:spcAft>
-                <a:spcPts val="0"/>
-              </a:spcAft>
-              <a:buClr>
-                <a:schemeClr val="lt1"/>
-              </a:buClr>
-              <a:buSzPts val="3000"/>
-              <a:buChar char="•"/>
-            </a:pPr>
-            <a:r>
-              <a:rPr lang="en-US"/>
-              <a:t>Comments – why would you need these?</a:t>
-            </a:r>
-            <a:endParaRPr/>
-          </a:p>
-        </p:txBody>
-      </p:sp>
-    </p:spTree>
-  </p:cSld>
-  <p:clrMapOvr>
-    <a:masterClrMapping/>
-  </p:clrMapOvr>
-</p:sld>
-</file>
-
-<file path=ppt/slides/slide18.xml><?xml version="1.0" encoding="utf-8"?>
-<p:sld xmlns:a="http://schemas.openxmlformats.org/drawingml/2006/main" xmlns:r="http://schemas.openxmlformats.org/officeDocument/2006/relationships" xmlns:mc="http://schemas.openxmlformats.org/markup-compatibility/2006" xmlns:mv="urn:schemas-microsoft-com:mac:vml" xmlns:p="http://schemas.openxmlformats.org/presentationml/2006/main" xmlns:c="http://schemas.openxmlformats.org/drawingml/2006/chart" xmlns:dgm="http://schemas.openxmlformats.org/drawingml/2006/diagram" xmlns:o="urn:schemas-microsoft-com:office:office" xmlns:v="urn:schemas-microsoft-com:vml" xmlns:pvml="urn:schemas-microsoft-com:office:powerpoint" xmlns:com="http://schemas.openxmlformats.org/drawingml/2006/compatibility" xmlns:p14="http://schemas.microsoft.com/office/powerpoint/2010/main" xmlns:p15="http://schemas.microsoft.com/office/powerpoint/2012/main">
-  <p:cSld>
-    <p:spTree>
-      <p:nvGrpSpPr>
-        <p:cNvPr id="348" name="Shape 348"/>
-        <p:cNvGrpSpPr/>
-        <p:nvPr/>
-      </p:nvGrpSpPr>
-      <p:grpSpPr>
-        <a:xfrm>
-          <a:off x="0" y="0"/>
-          <a:ext cx="0" cy="0"/>
-          <a:chOff x="0" y="0"/>
-          <a:chExt cx="0" cy="0"/>
-        </a:xfrm>
-      </p:grpSpPr>
-      <p:sp>
-        <p:nvSpPr>
-          <p:cNvPr id="349" name="Google Shape;349;p16"/>
-          <p:cNvSpPr txBox="1"/>
-          <p:nvPr>
-            <p:ph type="title"/>
-          </p:nvPr>
-        </p:nvSpPr>
-        <p:spPr>
-          <a:xfrm>
-            <a:off x="1141413" y="618518"/>
-            <a:ext cx="9905998" cy="1478570"/>
-          </a:xfrm>
-          <a:prstGeom prst="rect">
-            <a:avLst/>
-          </a:prstGeom>
-          <a:noFill/>
-          <a:ln>
-            <a:noFill/>
-          </a:ln>
-        </p:spPr>
-        <p:txBody>
-          <a:bodyPr anchorCtr="0" anchor="ctr" bIns="45700" lIns="91425" spcFirstLastPara="1" rIns="91425" wrap="square" tIns="45700">
-            <a:normAutofit/>
-          </a:bodyPr>
-          <a:lstStyle/>
-          <a:p>
-            <a:pPr indent="0" lvl="0" marL="0" rtl="0" algn="l">
-              <a:lnSpc>
-                <a:spcPct val="90000"/>
-              </a:lnSpc>
-              <a:spcBef>
-                <a:spcPts val="0"/>
-              </a:spcBef>
-              <a:spcAft>
-                <a:spcPts val="0"/>
-              </a:spcAft>
-              <a:buClr>
-                <a:schemeClr val="lt1"/>
-              </a:buClr>
-              <a:buSzPts val="3600"/>
-              <a:buFont typeface="Twentieth Century"/>
-              <a:buNone/>
-            </a:pPr>
-            <a:r>
-              <a:rPr lang="en-US"/>
-              <a:t>PROGRAMMING FUNCTIONS</a:t>
-            </a:r>
-            <a:endParaRPr/>
-          </a:p>
-        </p:txBody>
-      </p:sp>
-      <p:sp>
-        <p:nvSpPr>
-          <p:cNvPr id="350" name="Google Shape;350;p16"/>
-          <p:cNvSpPr txBox="1"/>
-          <p:nvPr>
-            <p:ph idx="1" type="body"/>
-          </p:nvPr>
-        </p:nvSpPr>
-        <p:spPr>
-          <a:xfrm>
-            <a:off x="1141412" y="2249487"/>
-            <a:ext cx="9905999" cy="3541714"/>
-          </a:xfrm>
-          <a:prstGeom prst="rect">
-            <a:avLst/>
-          </a:prstGeom>
-          <a:noFill/>
-          <a:ln>
-            <a:noFill/>
-          </a:ln>
-        </p:spPr>
-        <p:txBody>
-          <a:bodyPr anchorCtr="0" anchor="t" bIns="45700" lIns="91425" spcFirstLastPara="1" rIns="91425" wrap="square" tIns="45700">
-            <a:normAutofit/>
-          </a:bodyPr>
-          <a:lstStyle/>
-          <a:p>
-            <a:pPr indent="-228600" lvl="0" marL="228600" rtl="0" algn="l">
-              <a:lnSpc>
-                <a:spcPct val="120000"/>
-              </a:lnSpc>
-              <a:spcBef>
-                <a:spcPts val="0"/>
-              </a:spcBef>
-              <a:spcAft>
-                <a:spcPts val="0"/>
-              </a:spcAft>
-              <a:buClr>
-                <a:schemeClr val="lt1"/>
-              </a:buClr>
-              <a:buSzPts val="3000"/>
-              <a:buChar char="•"/>
-            </a:pPr>
-            <a:r>
-              <a:rPr lang="en-US"/>
-              <a:t>How do you write a function?</a:t>
-            </a:r>
-            <a:endParaRPr/>
-          </a:p>
-          <a:p>
-            <a:pPr indent="-228600" lvl="0" marL="228600" rtl="0" algn="l">
-              <a:lnSpc>
-                <a:spcPct val="120000"/>
-              </a:lnSpc>
-              <a:spcBef>
-                <a:spcPts val="1000"/>
-              </a:spcBef>
-              <a:spcAft>
-                <a:spcPts val="0"/>
-              </a:spcAft>
-              <a:buClr>
-                <a:schemeClr val="lt1"/>
-              </a:buClr>
-              <a:buSzPts val="3000"/>
-              <a:buChar char="•"/>
-            </a:pPr>
-            <a:r>
-              <a:rPr lang="en-US"/>
-              <a:t>How do you call a function?</a:t>
-            </a:r>
-            <a:endParaRPr/>
-          </a:p>
-          <a:p>
-            <a:pPr indent="-228600" lvl="0" marL="228600" rtl="0" algn="l">
-              <a:lnSpc>
-                <a:spcPct val="120000"/>
-              </a:lnSpc>
-              <a:spcBef>
-                <a:spcPts val="1000"/>
-              </a:spcBef>
-              <a:spcAft>
-                <a:spcPts val="0"/>
-              </a:spcAft>
-              <a:buClr>
-                <a:schemeClr val="lt1"/>
-              </a:buClr>
-              <a:buSzPts val="3000"/>
-              <a:buChar char="•"/>
-            </a:pPr>
-            <a:r>
-              <a:rPr lang="en-US"/>
-              <a:t>How do you use parameters within functions? And why would you want to?</a:t>
-            </a:r>
-            <a:endParaRPr/>
-          </a:p>
-          <a:p>
-            <a:pPr indent="-228600" lvl="0" marL="228600" rtl="0" algn="l">
-              <a:lnSpc>
-                <a:spcPct val="120000"/>
-              </a:lnSpc>
-              <a:spcBef>
-                <a:spcPts val="1000"/>
-              </a:spcBef>
-              <a:spcAft>
-                <a:spcPts val="0"/>
-              </a:spcAft>
-              <a:buClr>
-                <a:schemeClr val="lt1"/>
-              </a:buClr>
-              <a:buSzPts val="3000"/>
-              <a:buChar char="•"/>
-            </a:pPr>
-            <a:r>
-              <a:rPr lang="en-US"/>
-              <a:t>How do you return values from functions? And why would you want to?</a:t>
-            </a:r>
-            <a:endParaRPr/>
-          </a:p>
-          <a:p>
-            <a:pPr indent="0" lvl="0" marL="0" rtl="0" algn="l">
-              <a:lnSpc>
-                <a:spcPct val="120000"/>
-              </a:lnSpc>
-              <a:spcBef>
-                <a:spcPts val="1000"/>
-              </a:spcBef>
-              <a:spcAft>
-                <a:spcPts val="0"/>
-              </a:spcAft>
-              <a:buClr>
-                <a:schemeClr val="lt1"/>
-              </a:buClr>
-              <a:buSzPts val="3000"/>
-              <a:buNone/>
-            </a:pPr>
-            <a:r>
-              <a:rPr lang="en-US"/>
-              <a:t>Q: What is the difference between a variable, a parameter and a value?</a:t>
-            </a:r>
-            <a:endParaRPr/>
-          </a:p>
-        </p:txBody>
-      </p:sp>
-    </p:spTree>
-  </p:cSld>
-  <p:clrMapOvr>
-    <a:masterClrMapping/>
-  </p:clrMapOvr>
-</p:sld>
-</file>
-
-<file path=ppt/slides/slide19.xml><?xml version="1.0" encoding="utf-8"?>
-<p:sld xmlns:a="http://schemas.openxmlformats.org/drawingml/2006/main" xmlns:r="http://schemas.openxmlformats.org/officeDocument/2006/relationships" xmlns:mc="http://schemas.openxmlformats.org/markup-compatibility/2006" xmlns:mv="urn:schemas-microsoft-com:mac:vml" xmlns:p="http://schemas.openxmlformats.org/presentationml/2006/main" xmlns:c="http://schemas.openxmlformats.org/drawingml/2006/chart" xmlns:dgm="http://schemas.openxmlformats.org/drawingml/2006/diagram" xmlns:o="urn:schemas-microsoft-com:office:office" xmlns:v="urn:schemas-microsoft-com:vml" xmlns:pvml="urn:schemas-microsoft-com:office:powerpoint" xmlns:com="http://schemas.openxmlformats.org/drawingml/2006/compatibility" xmlns:p14="http://schemas.microsoft.com/office/powerpoint/2010/main" xmlns:p15="http://schemas.microsoft.com/office/powerpoint/2012/main">
-  <p:cSld>
-    <p:spTree>
-      <p:nvGrpSpPr>
-        <p:cNvPr id="354" name="Shape 354"/>
-        <p:cNvGrpSpPr/>
-        <p:nvPr/>
-      </p:nvGrpSpPr>
-      <p:grpSpPr>
-        <a:xfrm>
-          <a:off x="0" y="0"/>
-          <a:ext cx="0" cy="0"/>
-          <a:chOff x="0" y="0"/>
-          <a:chExt cx="0" cy="0"/>
-        </a:xfrm>
-      </p:grpSpPr>
-      <p:sp>
-        <p:nvSpPr>
-          <p:cNvPr id="355" name="Google Shape;355;p17"/>
-          <p:cNvSpPr txBox="1"/>
-          <p:nvPr>
-            <p:ph type="title"/>
-          </p:nvPr>
-        </p:nvSpPr>
-        <p:spPr>
-          <a:xfrm>
-            <a:off x="1141413" y="618518"/>
-            <a:ext cx="9905998" cy="1478570"/>
-          </a:xfrm>
-          <a:prstGeom prst="rect">
-            <a:avLst/>
-          </a:prstGeom>
-          <a:noFill/>
-          <a:ln>
-            <a:noFill/>
-          </a:ln>
-        </p:spPr>
-        <p:txBody>
-          <a:bodyPr anchorCtr="0" anchor="ctr" bIns="45700" lIns="91425" spcFirstLastPara="1" rIns="91425" wrap="square" tIns="45700">
-            <a:normAutofit/>
-          </a:bodyPr>
-          <a:lstStyle/>
-          <a:p>
-            <a:pPr indent="0" lvl="0" marL="0" rtl="0" algn="l">
-              <a:lnSpc>
-                <a:spcPct val="90000"/>
-              </a:lnSpc>
-              <a:spcBef>
-                <a:spcPts val="0"/>
-              </a:spcBef>
-              <a:spcAft>
-                <a:spcPts val="0"/>
-              </a:spcAft>
-              <a:buClr>
-                <a:schemeClr val="lt1"/>
-              </a:buClr>
-              <a:buSzPts val="3600"/>
-              <a:buFont typeface="Twentieth Century"/>
-              <a:buNone/>
-            </a:pPr>
-            <a:r>
-              <a:rPr lang="en-US"/>
-              <a:t>IMPORTING LIBRARIES</a:t>
-            </a:r>
-            <a:endParaRPr/>
-          </a:p>
-        </p:txBody>
-      </p:sp>
-      <p:sp>
-        <p:nvSpPr>
-          <p:cNvPr id="356" name="Google Shape;356;p17"/>
-          <p:cNvSpPr txBox="1"/>
-          <p:nvPr>
-            <p:ph idx="1" type="body"/>
-          </p:nvPr>
-        </p:nvSpPr>
-        <p:spPr>
-          <a:xfrm>
-            <a:off x="1141412" y="2249487"/>
-            <a:ext cx="9905999" cy="3541714"/>
-          </a:xfrm>
-          <a:prstGeom prst="rect">
-            <a:avLst/>
-          </a:prstGeom>
-          <a:noFill/>
-          <a:ln>
-            <a:noFill/>
-          </a:ln>
-        </p:spPr>
-        <p:txBody>
-          <a:bodyPr anchorCtr="0" anchor="t" bIns="45700" lIns="91425" spcFirstLastPara="1" rIns="91425" wrap="square" tIns="45700">
-            <a:normAutofit/>
-          </a:bodyPr>
-          <a:lstStyle/>
-          <a:p>
-            <a:pPr indent="-228600" lvl="0" marL="228600" rtl="0" algn="l">
-              <a:lnSpc>
-                <a:spcPct val="120000"/>
-              </a:lnSpc>
-              <a:spcBef>
-                <a:spcPts val="0"/>
-              </a:spcBef>
-              <a:spcAft>
-                <a:spcPts val="0"/>
-              </a:spcAft>
-              <a:buClr>
-                <a:schemeClr val="lt1"/>
-              </a:buClr>
-              <a:buSzPts val="3000"/>
-              <a:buChar char="•"/>
-            </a:pPr>
-            <a:r>
-              <a:rPr lang="en-US"/>
-              <a:t>What is a library?</a:t>
-            </a:r>
-            <a:endParaRPr/>
-          </a:p>
-          <a:p>
-            <a:pPr indent="-228600" lvl="0" marL="228600" rtl="0" algn="l">
-              <a:lnSpc>
-                <a:spcPct val="120000"/>
-              </a:lnSpc>
-              <a:spcBef>
-                <a:spcPts val="1000"/>
-              </a:spcBef>
-              <a:spcAft>
-                <a:spcPts val="0"/>
-              </a:spcAft>
-              <a:buClr>
-                <a:schemeClr val="lt1"/>
-              </a:buClr>
-              <a:buSzPts val="3000"/>
-              <a:buChar char="•"/>
-            </a:pPr>
-            <a:r>
-              <a:rPr lang="en-US"/>
-              <a:t>Why would you want to use one?</a:t>
-            </a:r>
-            <a:endParaRPr/>
-          </a:p>
-          <a:p>
-            <a:pPr indent="-228600" lvl="0" marL="228600" rtl="0" algn="l">
-              <a:lnSpc>
-                <a:spcPct val="120000"/>
-              </a:lnSpc>
-              <a:spcBef>
-                <a:spcPts val="1000"/>
-              </a:spcBef>
-              <a:spcAft>
-                <a:spcPts val="0"/>
-              </a:spcAft>
-              <a:buClr>
-                <a:schemeClr val="lt1"/>
-              </a:buClr>
-              <a:buSzPts val="3000"/>
-              <a:buChar char="•"/>
-            </a:pPr>
-            <a:r>
-              <a:rPr lang="en-US"/>
-              <a:t>Where is this code stored?</a:t>
-            </a:r>
-            <a:endParaRPr/>
-          </a:p>
-          <a:p>
-            <a:pPr indent="-228600" lvl="0" marL="228600" rtl="0" algn="l">
-              <a:lnSpc>
-                <a:spcPct val="120000"/>
-              </a:lnSpc>
-              <a:spcBef>
-                <a:spcPts val="1000"/>
-              </a:spcBef>
-              <a:spcAft>
-                <a:spcPts val="0"/>
-              </a:spcAft>
-              <a:buClr>
-                <a:schemeClr val="lt1"/>
-              </a:buClr>
-              <a:buSzPts val="3000"/>
-              <a:buChar char="•"/>
-            </a:pPr>
-            <a:r>
-              <a:rPr lang="en-US"/>
-              <a:t>Can you build your own?</a:t>
             </a:r>
             <a:endParaRPr/>
           </a:p>
@@ -32032,7 +32497,7 @@
   <p:cSld>
     <p:spTree>
       <p:nvGrpSpPr>
-        <p:cNvPr id="360" name="Shape 360"/>
+        <p:cNvPr id="364" name="Shape 364"/>
         <p:cNvGrpSpPr/>
         <p:nvPr/>
       </p:nvGrpSpPr>
@@ -32046,7 +32511,7 @@
       </p:grpSpPr>
       <p:sp>
         <p:nvSpPr>
-          <p:cNvPr id="361" name="Google Shape;361;p18"/>
+          <p:cNvPr id="365" name="Google Shape;365;p15"/>
           <p:cNvSpPr txBox="1"/>
           <p:nvPr>
             <p:ph type="title"/>
@@ -32090,6 +32555,620 @@
             </a:pPr>
             <a:r>
               <a:rPr lang="en-US"/>
+              <a:t>PROGRAMMING BASICS</a:t>
+            </a:r>
+            <a:endParaRPr/>
+          </a:p>
+        </p:txBody>
+      </p:sp>
+      <p:sp>
+        <p:nvSpPr>
+          <p:cNvPr id="366" name="Google Shape;366;p15"/>
+          <p:cNvSpPr txBox="1"/>
+          <p:nvPr>
+            <p:ph idx="1" type="body"/>
+          </p:nvPr>
+        </p:nvSpPr>
+        <p:spPr>
+          <a:xfrm>
+            <a:off x="1141412" y="2249487"/>
+            <a:ext cx="9905999" cy="3541714"/>
+          </a:xfrm>
+          <a:prstGeom prst="rect">
+            <a:avLst/>
+          </a:prstGeom>
+          <a:noFill/>
+          <a:ln>
+            <a:noFill/>
+          </a:ln>
+        </p:spPr>
+        <p:txBody>
+          <a:bodyPr anchorCtr="0" anchor="t" bIns="45700" lIns="91425" spcFirstLastPara="1" rIns="91425" wrap="square" tIns="45700">
+            <a:normAutofit/>
+          </a:bodyPr>
+          <a:lstStyle/>
+          <a:p>
+            <a:pPr indent="-228600" lvl="0" marL="228600" rtl="0" algn="l">
+              <a:lnSpc>
+                <a:spcPct val="120000"/>
+              </a:lnSpc>
+              <a:spcBef>
+                <a:spcPts val="0"/>
+              </a:spcBef>
+              <a:spcAft>
+                <a:spcPts val="0"/>
+              </a:spcAft>
+              <a:buClr>
+                <a:schemeClr val="lt1"/>
+              </a:buClr>
+              <a:buSzPts val="3000"/>
+              <a:buChar char="•"/>
+            </a:pPr>
+            <a:r>
+              <a:rPr lang="en-US"/>
+              <a:t>Keywords – which keyword have we already come across?</a:t>
+            </a:r>
+            <a:endParaRPr/>
+          </a:p>
+          <a:p>
+            <a:pPr indent="-228600" lvl="0" marL="228600" rtl="0" algn="l">
+              <a:lnSpc>
+                <a:spcPct val="120000"/>
+              </a:lnSpc>
+              <a:spcBef>
+                <a:spcPts val="1000"/>
+              </a:spcBef>
+              <a:spcAft>
+                <a:spcPts val="0"/>
+              </a:spcAft>
+              <a:buClr>
+                <a:schemeClr val="lt1"/>
+              </a:buClr>
+              <a:buSzPts val="3000"/>
+              <a:buChar char="•"/>
+            </a:pPr>
+            <a:r>
+              <a:rPr lang="en-US"/>
+              <a:t>Strings / Numbers – how can you tell the difference?</a:t>
+            </a:r>
+            <a:endParaRPr/>
+          </a:p>
+          <a:p>
+            <a:pPr indent="-228600" lvl="0" marL="228600" rtl="0" algn="l">
+              <a:lnSpc>
+                <a:spcPct val="120000"/>
+              </a:lnSpc>
+              <a:spcBef>
+                <a:spcPts val="1000"/>
+              </a:spcBef>
+              <a:spcAft>
+                <a:spcPts val="0"/>
+              </a:spcAft>
+              <a:buClr>
+                <a:schemeClr val="lt1"/>
+              </a:buClr>
+              <a:buSzPts val="3000"/>
+              <a:buChar char="•"/>
+            </a:pPr>
+            <a:r>
+              <a:rPr lang="en-US"/>
+              <a:t>Variables – why would you need these?</a:t>
+            </a:r>
+            <a:endParaRPr/>
+          </a:p>
+          <a:p>
+            <a:pPr indent="-228600" lvl="0" marL="228600" rtl="0" algn="l">
+              <a:lnSpc>
+                <a:spcPct val="120000"/>
+              </a:lnSpc>
+              <a:spcBef>
+                <a:spcPts val="1000"/>
+              </a:spcBef>
+              <a:spcAft>
+                <a:spcPts val="0"/>
+              </a:spcAft>
+              <a:buClr>
+                <a:schemeClr val="lt1"/>
+              </a:buClr>
+              <a:buSzPts val="3000"/>
+              <a:buChar char="•"/>
+            </a:pPr>
+            <a:r>
+              <a:rPr lang="en-US"/>
+              <a:t>Comments – why would you need these?</a:t>
+            </a:r>
+            <a:endParaRPr/>
+          </a:p>
+        </p:txBody>
+      </p:sp>
+    </p:spTree>
+  </p:cSld>
+  <p:clrMapOvr>
+    <a:masterClrMapping/>
+  </p:clrMapOvr>
+</p:sld>
+</file>
+
+<file path=ppt/slides/slide21.xml><?xml version="1.0" encoding="utf-8"?>
+<p:sld xmlns:a="http://schemas.openxmlformats.org/drawingml/2006/main" xmlns:r="http://schemas.openxmlformats.org/officeDocument/2006/relationships" xmlns:mc="http://schemas.openxmlformats.org/markup-compatibility/2006" xmlns:mv="urn:schemas-microsoft-com:mac:vml" xmlns:p="http://schemas.openxmlformats.org/presentationml/2006/main" xmlns:c="http://schemas.openxmlformats.org/drawingml/2006/chart" xmlns:dgm="http://schemas.openxmlformats.org/drawingml/2006/diagram" xmlns:o="urn:schemas-microsoft-com:office:office" xmlns:v="urn:schemas-microsoft-com:vml" xmlns:pvml="urn:schemas-microsoft-com:office:powerpoint" xmlns:com="http://schemas.openxmlformats.org/drawingml/2006/compatibility" xmlns:p14="http://schemas.microsoft.com/office/powerpoint/2010/main" xmlns:p15="http://schemas.microsoft.com/office/powerpoint/2012/main">
+  <p:cSld>
+    <p:spTree>
+      <p:nvGrpSpPr>
+        <p:cNvPr id="370" name="Shape 370"/>
+        <p:cNvGrpSpPr/>
+        <p:nvPr/>
+      </p:nvGrpSpPr>
+      <p:grpSpPr>
+        <a:xfrm>
+          <a:off x="0" y="0"/>
+          <a:ext cx="0" cy="0"/>
+          <a:chOff x="0" y="0"/>
+          <a:chExt cx="0" cy="0"/>
+        </a:xfrm>
+      </p:grpSpPr>
+      <p:sp>
+        <p:nvSpPr>
+          <p:cNvPr id="371" name="Google Shape;371;p16"/>
+          <p:cNvSpPr txBox="1"/>
+          <p:nvPr>
+            <p:ph type="title"/>
+          </p:nvPr>
+        </p:nvSpPr>
+        <p:spPr>
+          <a:xfrm>
+            <a:off x="1141413" y="618518"/>
+            <a:ext cx="9905998" cy="1478570"/>
+          </a:xfrm>
+          <a:prstGeom prst="rect">
+            <a:avLst/>
+          </a:prstGeom>
+          <a:noFill/>
+          <a:ln>
+            <a:noFill/>
+          </a:ln>
+        </p:spPr>
+        <p:txBody>
+          <a:bodyPr anchorCtr="0" anchor="ctr" bIns="45700" lIns="91425" spcFirstLastPara="1" rIns="91425" wrap="square" tIns="45700">
+            <a:normAutofit/>
+          </a:bodyPr>
+          <a:lstStyle/>
+          <a:p>
+            <a:pPr indent="0" lvl="0" marL="0" rtl="0" algn="l">
+              <a:lnSpc>
+                <a:spcPct val="90000"/>
+              </a:lnSpc>
+              <a:spcBef>
+                <a:spcPts val="0"/>
+              </a:spcBef>
+              <a:spcAft>
+                <a:spcPts val="0"/>
+              </a:spcAft>
+              <a:buClr>
+                <a:schemeClr val="lt1"/>
+              </a:buClr>
+              <a:buSzPts val="3600"/>
+              <a:buFont typeface="Twentieth Century"/>
+              <a:buNone/>
+            </a:pPr>
+            <a:r>
+              <a:rPr lang="en-US"/>
+              <a:t>PROGRAMMING FUNCTIONS</a:t>
+            </a:r>
+            <a:endParaRPr/>
+          </a:p>
+        </p:txBody>
+      </p:sp>
+      <p:sp>
+        <p:nvSpPr>
+          <p:cNvPr id="372" name="Google Shape;372;p16"/>
+          <p:cNvSpPr txBox="1"/>
+          <p:nvPr>
+            <p:ph idx="1" type="body"/>
+          </p:nvPr>
+        </p:nvSpPr>
+        <p:spPr>
+          <a:xfrm>
+            <a:off x="1141412" y="2249487"/>
+            <a:ext cx="9905999" cy="3541714"/>
+          </a:xfrm>
+          <a:prstGeom prst="rect">
+            <a:avLst/>
+          </a:prstGeom>
+          <a:noFill/>
+          <a:ln>
+            <a:noFill/>
+          </a:ln>
+        </p:spPr>
+        <p:txBody>
+          <a:bodyPr anchorCtr="0" anchor="t" bIns="45700" lIns="91425" spcFirstLastPara="1" rIns="91425" wrap="square" tIns="45700">
+            <a:normAutofit/>
+          </a:bodyPr>
+          <a:lstStyle/>
+          <a:p>
+            <a:pPr indent="-228600" lvl="0" marL="228600" rtl="0" algn="l">
+              <a:lnSpc>
+                <a:spcPct val="120000"/>
+              </a:lnSpc>
+              <a:spcBef>
+                <a:spcPts val="0"/>
+              </a:spcBef>
+              <a:spcAft>
+                <a:spcPts val="0"/>
+              </a:spcAft>
+              <a:buClr>
+                <a:schemeClr val="lt1"/>
+              </a:buClr>
+              <a:buSzPts val="3000"/>
+              <a:buChar char="•"/>
+            </a:pPr>
+            <a:r>
+              <a:rPr lang="en-US"/>
+              <a:t>How do you write a function?</a:t>
+            </a:r>
+            <a:endParaRPr/>
+          </a:p>
+          <a:p>
+            <a:pPr indent="-228600" lvl="0" marL="228600" rtl="0" algn="l">
+              <a:lnSpc>
+                <a:spcPct val="120000"/>
+              </a:lnSpc>
+              <a:spcBef>
+                <a:spcPts val="1000"/>
+              </a:spcBef>
+              <a:spcAft>
+                <a:spcPts val="0"/>
+              </a:spcAft>
+              <a:buClr>
+                <a:schemeClr val="lt1"/>
+              </a:buClr>
+              <a:buSzPts val="3000"/>
+              <a:buChar char="•"/>
+            </a:pPr>
+            <a:r>
+              <a:rPr lang="en-US"/>
+              <a:t>How do you call a function?</a:t>
+            </a:r>
+            <a:endParaRPr/>
+          </a:p>
+          <a:p>
+            <a:pPr indent="-228600" lvl="0" marL="228600" rtl="0" algn="l">
+              <a:lnSpc>
+                <a:spcPct val="120000"/>
+              </a:lnSpc>
+              <a:spcBef>
+                <a:spcPts val="1000"/>
+              </a:spcBef>
+              <a:spcAft>
+                <a:spcPts val="0"/>
+              </a:spcAft>
+              <a:buClr>
+                <a:schemeClr val="lt1"/>
+              </a:buClr>
+              <a:buSzPts val="3000"/>
+              <a:buChar char="•"/>
+            </a:pPr>
+            <a:r>
+              <a:rPr lang="en-US"/>
+              <a:t>How do you use parameters within functions? And why would you want to?</a:t>
+            </a:r>
+            <a:endParaRPr/>
+          </a:p>
+          <a:p>
+            <a:pPr indent="-228600" lvl="0" marL="228600" rtl="0" algn="l">
+              <a:lnSpc>
+                <a:spcPct val="120000"/>
+              </a:lnSpc>
+              <a:spcBef>
+                <a:spcPts val="1000"/>
+              </a:spcBef>
+              <a:spcAft>
+                <a:spcPts val="0"/>
+              </a:spcAft>
+              <a:buClr>
+                <a:schemeClr val="lt1"/>
+              </a:buClr>
+              <a:buSzPts val="3000"/>
+              <a:buChar char="•"/>
+            </a:pPr>
+            <a:r>
+              <a:rPr lang="en-US"/>
+              <a:t>How do you return values from functions? And why would you want to?</a:t>
+            </a:r>
+            <a:endParaRPr/>
+          </a:p>
+          <a:p>
+            <a:pPr indent="0" lvl="0" marL="0" rtl="0" algn="l">
+              <a:lnSpc>
+                <a:spcPct val="120000"/>
+              </a:lnSpc>
+              <a:spcBef>
+                <a:spcPts val="1000"/>
+              </a:spcBef>
+              <a:spcAft>
+                <a:spcPts val="0"/>
+              </a:spcAft>
+              <a:buClr>
+                <a:schemeClr val="lt1"/>
+              </a:buClr>
+              <a:buSzPts val="3000"/>
+              <a:buNone/>
+            </a:pPr>
+            <a:r>
+              <a:rPr lang="en-US"/>
+              <a:t>Q: What is the difference between a variable, a parameter and a value?</a:t>
+            </a:r>
+            <a:endParaRPr/>
+          </a:p>
+        </p:txBody>
+      </p:sp>
+    </p:spTree>
+  </p:cSld>
+  <p:clrMapOvr>
+    <a:masterClrMapping/>
+  </p:clrMapOvr>
+</p:sld>
+</file>
+
+<file path=ppt/slides/slide22.xml><?xml version="1.0" encoding="utf-8"?>
+<p:sld xmlns:a="http://schemas.openxmlformats.org/drawingml/2006/main" xmlns:r="http://schemas.openxmlformats.org/officeDocument/2006/relationships" xmlns:mc="http://schemas.openxmlformats.org/markup-compatibility/2006" xmlns:mv="urn:schemas-microsoft-com:mac:vml" xmlns:p="http://schemas.openxmlformats.org/presentationml/2006/main" xmlns:c="http://schemas.openxmlformats.org/drawingml/2006/chart" xmlns:dgm="http://schemas.openxmlformats.org/drawingml/2006/diagram" xmlns:o="urn:schemas-microsoft-com:office:office" xmlns:v="urn:schemas-microsoft-com:vml" xmlns:pvml="urn:schemas-microsoft-com:office:powerpoint" xmlns:com="http://schemas.openxmlformats.org/drawingml/2006/compatibility" xmlns:p14="http://schemas.microsoft.com/office/powerpoint/2010/main" xmlns:p15="http://schemas.microsoft.com/office/powerpoint/2012/main">
+  <p:cSld>
+    <p:spTree>
+      <p:nvGrpSpPr>
+        <p:cNvPr id="376" name="Shape 376"/>
+        <p:cNvGrpSpPr/>
+        <p:nvPr/>
+      </p:nvGrpSpPr>
+      <p:grpSpPr>
+        <a:xfrm>
+          <a:off x="0" y="0"/>
+          <a:ext cx="0" cy="0"/>
+          <a:chOff x="0" y="0"/>
+          <a:chExt cx="0" cy="0"/>
+        </a:xfrm>
+      </p:grpSpPr>
+      <p:sp>
+        <p:nvSpPr>
+          <p:cNvPr id="377" name="Google Shape;377;p17"/>
+          <p:cNvSpPr txBox="1"/>
+          <p:nvPr>
+            <p:ph type="title"/>
+          </p:nvPr>
+        </p:nvSpPr>
+        <p:spPr>
+          <a:xfrm>
+            <a:off x="1141413" y="618518"/>
+            <a:ext cx="9905998" cy="1478570"/>
+          </a:xfrm>
+          <a:prstGeom prst="rect">
+            <a:avLst/>
+          </a:prstGeom>
+          <a:noFill/>
+          <a:ln>
+            <a:noFill/>
+          </a:ln>
+        </p:spPr>
+        <p:txBody>
+          <a:bodyPr anchorCtr="0" anchor="ctr" bIns="45700" lIns="91425" spcFirstLastPara="1" rIns="91425" wrap="square" tIns="45700">
+            <a:normAutofit/>
+          </a:bodyPr>
+          <a:lstStyle/>
+          <a:p>
+            <a:pPr indent="0" lvl="0" marL="0" rtl="0" algn="l">
+              <a:lnSpc>
+                <a:spcPct val="90000"/>
+              </a:lnSpc>
+              <a:spcBef>
+                <a:spcPts val="0"/>
+              </a:spcBef>
+              <a:spcAft>
+                <a:spcPts val="0"/>
+              </a:spcAft>
+              <a:buClr>
+                <a:schemeClr val="lt1"/>
+              </a:buClr>
+              <a:buSzPts val="3600"/>
+              <a:buFont typeface="Twentieth Century"/>
+              <a:buNone/>
+            </a:pPr>
+            <a:r>
+              <a:rPr lang="en-US"/>
+              <a:t>IMPORTING LIBRARIES</a:t>
+            </a:r>
+            <a:endParaRPr/>
+          </a:p>
+        </p:txBody>
+      </p:sp>
+      <p:sp>
+        <p:nvSpPr>
+          <p:cNvPr id="378" name="Google Shape;378;p17"/>
+          <p:cNvSpPr txBox="1"/>
+          <p:nvPr>
+            <p:ph idx="1" type="body"/>
+          </p:nvPr>
+        </p:nvSpPr>
+        <p:spPr>
+          <a:xfrm>
+            <a:off x="1141412" y="2249487"/>
+            <a:ext cx="9905999" cy="3541714"/>
+          </a:xfrm>
+          <a:prstGeom prst="rect">
+            <a:avLst/>
+          </a:prstGeom>
+          <a:noFill/>
+          <a:ln>
+            <a:noFill/>
+          </a:ln>
+        </p:spPr>
+        <p:txBody>
+          <a:bodyPr anchorCtr="0" anchor="t" bIns="45700" lIns="91425" spcFirstLastPara="1" rIns="91425" wrap="square" tIns="45700">
+            <a:normAutofit/>
+          </a:bodyPr>
+          <a:lstStyle/>
+          <a:p>
+            <a:pPr indent="-228600" lvl="0" marL="228600" rtl="0" algn="l">
+              <a:lnSpc>
+                <a:spcPct val="120000"/>
+              </a:lnSpc>
+              <a:spcBef>
+                <a:spcPts val="0"/>
+              </a:spcBef>
+              <a:spcAft>
+                <a:spcPts val="0"/>
+              </a:spcAft>
+              <a:buClr>
+                <a:schemeClr val="lt1"/>
+              </a:buClr>
+              <a:buSzPts val="3000"/>
+              <a:buChar char="•"/>
+            </a:pPr>
+            <a:r>
+              <a:rPr lang="en-US"/>
+              <a:t>What is a library?</a:t>
+            </a:r>
+            <a:endParaRPr/>
+          </a:p>
+          <a:p>
+            <a:pPr indent="-228600" lvl="0" marL="228600" rtl="0" algn="l">
+              <a:lnSpc>
+                <a:spcPct val="120000"/>
+              </a:lnSpc>
+              <a:spcBef>
+                <a:spcPts val="1000"/>
+              </a:spcBef>
+              <a:spcAft>
+                <a:spcPts val="0"/>
+              </a:spcAft>
+              <a:buClr>
+                <a:schemeClr val="lt1"/>
+              </a:buClr>
+              <a:buSzPts val="3000"/>
+              <a:buChar char="•"/>
+            </a:pPr>
+            <a:r>
+              <a:rPr lang="en-US"/>
+              <a:t>Why would you want to use one?</a:t>
+            </a:r>
+            <a:endParaRPr/>
+          </a:p>
+          <a:p>
+            <a:pPr indent="-228600" lvl="0" marL="228600" rtl="0" algn="l">
+              <a:lnSpc>
+                <a:spcPct val="120000"/>
+              </a:lnSpc>
+              <a:spcBef>
+                <a:spcPts val="1000"/>
+              </a:spcBef>
+              <a:spcAft>
+                <a:spcPts val="0"/>
+              </a:spcAft>
+              <a:buClr>
+                <a:schemeClr val="lt1"/>
+              </a:buClr>
+              <a:buSzPts val="3000"/>
+              <a:buChar char="•"/>
+            </a:pPr>
+            <a:r>
+              <a:rPr lang="en-US"/>
+              <a:t>Where is this code stored?</a:t>
+            </a:r>
+            <a:endParaRPr/>
+          </a:p>
+          <a:p>
+            <a:pPr indent="-228600" lvl="0" marL="228600" rtl="0" algn="l">
+              <a:lnSpc>
+                <a:spcPct val="120000"/>
+              </a:lnSpc>
+              <a:spcBef>
+                <a:spcPts val="1000"/>
+              </a:spcBef>
+              <a:spcAft>
+                <a:spcPts val="0"/>
+              </a:spcAft>
+              <a:buClr>
+                <a:schemeClr val="lt1"/>
+              </a:buClr>
+              <a:buSzPts val="3000"/>
+              <a:buChar char="•"/>
+            </a:pPr>
+            <a:r>
+              <a:rPr lang="en-US"/>
+              <a:t>Can you build your own?</a:t>
+            </a:r>
+            <a:endParaRPr/>
+          </a:p>
+        </p:txBody>
+      </p:sp>
+    </p:spTree>
+  </p:cSld>
+  <p:clrMapOvr>
+    <a:masterClrMapping/>
+  </p:clrMapOvr>
+</p:sld>
+</file>
+
+<file path=ppt/slides/slide23.xml><?xml version="1.0" encoding="utf-8"?>
+<p:sld xmlns:a="http://schemas.openxmlformats.org/drawingml/2006/main" xmlns:r="http://schemas.openxmlformats.org/officeDocument/2006/relationships" xmlns:mc="http://schemas.openxmlformats.org/markup-compatibility/2006" xmlns:mv="urn:schemas-microsoft-com:mac:vml" xmlns:p="http://schemas.openxmlformats.org/presentationml/2006/main" xmlns:c="http://schemas.openxmlformats.org/drawingml/2006/chart" xmlns:dgm="http://schemas.openxmlformats.org/drawingml/2006/diagram" xmlns:o="urn:schemas-microsoft-com:office:office" xmlns:v="urn:schemas-microsoft-com:vml" xmlns:pvml="urn:schemas-microsoft-com:office:powerpoint" xmlns:com="http://schemas.openxmlformats.org/drawingml/2006/compatibility" xmlns:p14="http://schemas.microsoft.com/office/powerpoint/2010/main" xmlns:p15="http://schemas.microsoft.com/office/powerpoint/2012/main">
+  <p:cSld>
+    <p:spTree>
+      <p:nvGrpSpPr>
+        <p:cNvPr id="382" name="Shape 382"/>
+        <p:cNvGrpSpPr/>
+        <p:nvPr/>
+      </p:nvGrpSpPr>
+      <p:grpSpPr>
+        <a:xfrm>
+          <a:off x="0" y="0"/>
+          <a:ext cx="0" cy="0"/>
+          <a:chOff x="0" y="0"/>
+          <a:chExt cx="0" cy="0"/>
+        </a:xfrm>
+      </p:grpSpPr>
+      <p:sp>
+        <p:nvSpPr>
+          <p:cNvPr id="383" name="Google Shape;383;p18"/>
+          <p:cNvSpPr txBox="1"/>
+          <p:nvPr>
+            <p:ph type="title"/>
+          </p:nvPr>
+        </p:nvSpPr>
+        <p:spPr>
+          <a:xfrm>
+            <a:off x="1141413" y="618518"/>
+            <a:ext cx="9905998" cy="1478570"/>
+          </a:xfrm>
+          <a:prstGeom prst="rect">
+            <a:avLst/>
+          </a:prstGeom>
+          <a:noFill/>
+          <a:ln>
+            <a:noFill/>
+          </a:ln>
+        </p:spPr>
+        <p:txBody>
+          <a:bodyPr anchorCtr="0" anchor="ctr" bIns="45700" lIns="91425" spcFirstLastPara="1" rIns="91425" wrap="square" tIns="45700">
+            <a:normAutofit/>
+          </a:bodyPr>
+          <a:lstStyle/>
+          <a:p>
+            <a:pPr indent="0" lvl="0" marL="0" rtl="0" algn="l">
+              <a:lnSpc>
+                <a:spcPct val="90000"/>
+              </a:lnSpc>
+              <a:spcBef>
+                <a:spcPts val="0"/>
+              </a:spcBef>
+              <a:spcAft>
+                <a:spcPts val="0"/>
+              </a:spcAft>
+              <a:buClr>
+                <a:schemeClr val="lt1"/>
+              </a:buClr>
+              <a:buSzPts val="3600"/>
+              <a:buFont typeface="Twentieth Century"/>
+              <a:buNone/>
+            </a:pPr>
+            <a:r>
+              <a:rPr lang="en-US"/>
               <a:t>RASPBERRY PI SOFTWARE</a:t>
             </a:r>
             <a:endParaRPr/>
@@ -32098,7 +33177,7 @@
       </p:sp>
       <p:sp>
         <p:nvSpPr>
-          <p:cNvPr id="362" name="Google Shape;362;p18"/>
+          <p:cNvPr id="384" name="Google Shape;384;p18"/>
           <p:cNvSpPr txBox="1"/>
           <p:nvPr>
             <p:ph idx="1" type="body"/>
@@ -32247,12 +33326,12 @@
 </p:sld>
 </file>
 
-<file path=ppt/slides/slide21.xml><?xml version="1.0" encoding="utf-8"?>
+<file path=ppt/slides/slide24.xml><?xml version="1.0" encoding="utf-8"?>
 <p:sld xmlns:a="http://schemas.openxmlformats.org/drawingml/2006/main" xmlns:r="http://schemas.openxmlformats.org/officeDocument/2006/relationships" xmlns:mc="http://schemas.openxmlformats.org/markup-compatibility/2006" xmlns:mv="urn:schemas-microsoft-com:mac:vml" xmlns:p="http://schemas.openxmlformats.org/presentationml/2006/main" xmlns:c="http://schemas.openxmlformats.org/drawingml/2006/chart" xmlns:dgm="http://schemas.openxmlformats.org/drawingml/2006/diagram" xmlns:o="urn:schemas-microsoft-com:office:office" xmlns:v="urn:schemas-microsoft-com:vml" xmlns:pvml="urn:schemas-microsoft-com:office:powerpoint" xmlns:com="http://schemas.openxmlformats.org/drawingml/2006/compatibility" xmlns:p14="http://schemas.microsoft.com/office/powerpoint/2010/main" xmlns:p15="http://schemas.microsoft.com/office/powerpoint/2012/main">
   <p:cSld>
     <p:spTree>
       <p:nvGrpSpPr>
-        <p:cNvPr id="366" name="Shape 366"/>
+        <p:cNvPr id="388" name="Shape 388"/>
         <p:cNvGrpSpPr/>
         <p:nvPr/>
       </p:nvGrpSpPr>
@@ -32266,7 +33345,7 @@
       </p:grpSpPr>
       <p:sp>
         <p:nvSpPr>
-          <p:cNvPr id="367" name="Google Shape;367;p19"/>
+          <p:cNvPr id="389" name="Google Shape;389;p19"/>
           <p:cNvSpPr txBox="1"/>
           <p:nvPr>
             <p:ph type="title"/>
@@ -32318,7 +33397,7 @@
       </p:sp>
       <p:sp>
         <p:nvSpPr>
-          <p:cNvPr id="368" name="Google Shape;368;p19"/>
+          <p:cNvPr id="390" name="Google Shape;390;p19"/>
           <p:cNvSpPr txBox="1"/>
           <p:nvPr>
             <p:ph idx="1" type="body"/>
@@ -32522,12 +33601,12 @@
 </p:sld>
 </file>
 
-<file path=ppt/slides/slide22.xml><?xml version="1.0" encoding="utf-8"?>
+<file path=ppt/slides/slide25.xml><?xml version="1.0" encoding="utf-8"?>
 <p:sld xmlns:a="http://schemas.openxmlformats.org/drawingml/2006/main" xmlns:r="http://schemas.openxmlformats.org/officeDocument/2006/relationships" xmlns:mc="http://schemas.openxmlformats.org/markup-compatibility/2006" xmlns:mv="urn:schemas-microsoft-com:mac:vml" xmlns:p="http://schemas.openxmlformats.org/presentationml/2006/main" xmlns:c="http://schemas.openxmlformats.org/drawingml/2006/chart" xmlns:dgm="http://schemas.openxmlformats.org/drawingml/2006/diagram" xmlns:o="urn:schemas-microsoft-com:office:office" xmlns:v="urn:schemas-microsoft-com:vml" xmlns:pvml="urn:schemas-microsoft-com:office:powerpoint" xmlns:com="http://schemas.openxmlformats.org/drawingml/2006/compatibility" xmlns:p14="http://schemas.microsoft.com/office/powerpoint/2010/main" xmlns:p15="http://schemas.microsoft.com/office/powerpoint/2012/main">
   <p:cSld>
     <p:spTree>
       <p:nvGrpSpPr>
-        <p:cNvPr id="372" name="Shape 372"/>
+        <p:cNvPr id="394" name="Shape 394"/>
         <p:cNvGrpSpPr/>
         <p:nvPr/>
       </p:nvGrpSpPr>
@@ -32541,7 +33620,7 @@
       </p:grpSpPr>
       <p:sp>
         <p:nvSpPr>
-          <p:cNvPr id="373" name="Google Shape;373;p20"/>
+          <p:cNvPr id="395" name="Google Shape;395;p20"/>
           <p:cNvSpPr txBox="1"/>
           <p:nvPr>
             <p:ph type="title"/>
@@ -32593,7 +33672,7 @@
       </p:sp>
       <p:sp>
         <p:nvSpPr>
-          <p:cNvPr id="374" name="Google Shape;374;p20"/>
+          <p:cNvPr id="396" name="Google Shape;396;p20"/>
           <p:cNvSpPr txBox="1"/>
           <p:nvPr>
             <p:ph idx="1" type="body"/>
@@ -32719,12 +33798,12 @@
 </p:sld>
 </file>
 
-<file path=ppt/slides/slide23.xml><?xml version="1.0" encoding="utf-8"?>
+<file path=ppt/slides/slide26.xml><?xml version="1.0" encoding="utf-8"?>
 <p:sld xmlns:a="http://schemas.openxmlformats.org/drawingml/2006/main" xmlns:r="http://schemas.openxmlformats.org/officeDocument/2006/relationships" xmlns:mc="http://schemas.openxmlformats.org/markup-compatibility/2006" xmlns:mv="urn:schemas-microsoft-com:mac:vml" xmlns:p="http://schemas.openxmlformats.org/presentationml/2006/main" xmlns:c="http://schemas.openxmlformats.org/drawingml/2006/chart" xmlns:dgm="http://schemas.openxmlformats.org/drawingml/2006/diagram" xmlns:o="urn:schemas-microsoft-com:office:office" xmlns:v="urn:schemas-microsoft-com:vml" xmlns:pvml="urn:schemas-microsoft-com:office:powerpoint" xmlns:com="http://schemas.openxmlformats.org/drawingml/2006/compatibility" xmlns:p14="http://schemas.microsoft.com/office/powerpoint/2010/main" xmlns:p15="http://schemas.microsoft.com/office/powerpoint/2012/main">
   <p:cSld>
     <p:spTree>
       <p:nvGrpSpPr>
-        <p:cNvPr id="378" name="Shape 378"/>
+        <p:cNvPr id="400" name="Shape 400"/>
         <p:cNvGrpSpPr/>
         <p:nvPr/>
       </p:nvGrpSpPr>
@@ -32738,7 +33817,7 @@
       </p:grpSpPr>
       <p:sp>
         <p:nvSpPr>
-          <p:cNvPr id="379" name="Google Shape;379;p21"/>
+          <p:cNvPr id="401" name="Google Shape;401;p21"/>
           <p:cNvSpPr txBox="1"/>
           <p:nvPr>
             <p:ph type="title"/>
@@ -32790,7 +33869,7 @@
       </p:sp>
       <p:sp>
         <p:nvSpPr>
-          <p:cNvPr id="380" name="Google Shape;380;p21"/>
+          <p:cNvPr id="402" name="Google Shape;402;p21"/>
           <p:cNvSpPr txBox="1"/>
           <p:nvPr>
             <p:ph idx="1" type="body"/>
@@ -32916,12 +33995,12 @@
 </p:sld>
 </file>
 
-<file path=ppt/slides/slide24.xml><?xml version="1.0" encoding="utf-8"?>
+<file path=ppt/slides/slide27.xml><?xml version="1.0" encoding="utf-8"?>
 <p:sld xmlns:a="http://schemas.openxmlformats.org/drawingml/2006/main" xmlns:r="http://schemas.openxmlformats.org/officeDocument/2006/relationships" xmlns:mc="http://schemas.openxmlformats.org/markup-compatibility/2006" xmlns:mv="urn:schemas-microsoft-com:mac:vml" xmlns:p="http://schemas.openxmlformats.org/presentationml/2006/main" xmlns:c="http://schemas.openxmlformats.org/drawingml/2006/chart" xmlns:dgm="http://schemas.openxmlformats.org/drawingml/2006/diagram" xmlns:o="urn:schemas-microsoft-com:office:office" xmlns:v="urn:schemas-microsoft-com:vml" xmlns:pvml="urn:schemas-microsoft-com:office:powerpoint" xmlns:com="http://schemas.openxmlformats.org/drawingml/2006/compatibility" xmlns:p14="http://schemas.microsoft.com/office/powerpoint/2010/main" xmlns:p15="http://schemas.microsoft.com/office/powerpoint/2012/main">
   <p:cSld>
     <p:spTree>
       <p:nvGrpSpPr>
-        <p:cNvPr id="384" name="Shape 384"/>
+        <p:cNvPr id="406" name="Shape 406"/>
         <p:cNvGrpSpPr/>
         <p:nvPr/>
       </p:nvGrpSpPr>
@@ -32935,7 +34014,160 @@
       </p:grpSpPr>
       <p:sp>
         <p:nvSpPr>
-          <p:cNvPr id="385" name="Google Shape;385;p22"/>
+          <p:cNvPr id="407" name="Google Shape;407;g5f1623cf2d_0_48"/>
+          <p:cNvSpPr txBox="1"/>
+          <p:nvPr>
+            <p:ph type="title"/>
+          </p:nvPr>
+        </p:nvSpPr>
+        <p:spPr>
+          <a:xfrm>
+            <a:off x="1141413" y="618518"/>
+            <a:ext cx="9906000" cy="1478700"/>
+          </a:xfrm>
+          <a:prstGeom prst="rect">
+            <a:avLst/>
+          </a:prstGeom>
+        </p:spPr>
+        <p:txBody>
+          <a:bodyPr anchorCtr="0" anchor="ctr" bIns="45700" lIns="91425" spcFirstLastPara="1" rIns="91425" wrap="square" tIns="45700">
+            <a:noAutofit/>
+          </a:bodyPr>
+          <a:lstStyle/>
+          <a:p>
+            <a:pPr indent="0" lvl="0" marL="0" rtl="0" algn="l">
+              <a:spcBef>
+                <a:spcPts val="0"/>
+              </a:spcBef>
+              <a:spcAft>
+                <a:spcPts val="0"/>
+              </a:spcAft>
+              <a:buNone/>
+            </a:pPr>
+            <a:r>
+              <a:rPr lang="en-US"/>
+              <a:t>Retrospective</a:t>
+            </a:r>
+            <a:endParaRPr/>
+          </a:p>
+        </p:txBody>
+      </p:sp>
+      <p:sp>
+        <p:nvSpPr>
+          <p:cNvPr id="408" name="Google Shape;408;g5f1623cf2d_0_48"/>
+          <p:cNvSpPr txBox="1"/>
+          <p:nvPr>
+            <p:ph idx="1" type="body"/>
+          </p:nvPr>
+        </p:nvSpPr>
+        <p:spPr>
+          <a:xfrm>
+            <a:off x="1141412" y="2249487"/>
+            <a:ext cx="9906000" cy="3541800"/>
+          </a:xfrm>
+          <a:prstGeom prst="rect">
+            <a:avLst/>
+          </a:prstGeom>
+        </p:spPr>
+        <p:txBody>
+          <a:bodyPr anchorCtr="0" anchor="t" bIns="45700" lIns="91425" spcFirstLastPara="1" rIns="91425" wrap="square" tIns="45700">
+            <a:noAutofit/>
+          </a:bodyPr>
+          <a:lstStyle/>
+          <a:p>
+            <a:pPr indent="0" lvl="0" marL="0" rtl="0" algn="l">
+              <a:spcBef>
+                <a:spcPts val="1000"/>
+              </a:spcBef>
+              <a:spcAft>
+                <a:spcPts val="0"/>
+              </a:spcAft>
+              <a:buNone/>
+            </a:pPr>
+            <a:r>
+              <a:rPr lang="en-US"/>
+              <a:t>Check the parking lot?</a:t>
+            </a:r>
+            <a:endParaRPr/>
+          </a:p>
+          <a:p>
+            <a:pPr indent="0" lvl="0" marL="0" rtl="0" algn="l">
+              <a:spcBef>
+                <a:spcPts val="1000"/>
+              </a:spcBef>
+              <a:spcAft>
+                <a:spcPts val="0"/>
+              </a:spcAft>
+              <a:buNone/>
+            </a:pPr>
+            <a:r>
+              <a:rPr lang="en-US"/>
+              <a:t>What did we learn?</a:t>
+            </a:r>
+            <a:endParaRPr/>
+          </a:p>
+          <a:p>
+            <a:pPr indent="0" lvl="0" marL="0" rtl="0" algn="l">
+              <a:spcBef>
+                <a:spcPts val="1000"/>
+              </a:spcBef>
+              <a:spcAft>
+                <a:spcPts val="0"/>
+              </a:spcAft>
+              <a:buNone/>
+            </a:pPr>
+            <a:r>
+              <a:rPr lang="en-US"/>
+              <a:t>What worked well?</a:t>
+            </a:r>
+            <a:endParaRPr/>
+          </a:p>
+          <a:p>
+            <a:pPr indent="0" lvl="0" marL="0" rtl="0" algn="l">
+              <a:spcBef>
+                <a:spcPts val="1000"/>
+              </a:spcBef>
+              <a:spcAft>
+                <a:spcPts val="0"/>
+              </a:spcAft>
+              <a:buNone/>
+            </a:pPr>
+            <a:r>
+              <a:rPr lang="en-US"/>
+              <a:t>What could we do better?</a:t>
+            </a:r>
+            <a:endParaRPr/>
+          </a:p>
+        </p:txBody>
+      </p:sp>
+    </p:spTree>
+  </p:cSld>
+  <p:clrMapOvr>
+    <a:masterClrMapping/>
+  </p:clrMapOvr>
+</p:sld>
+</file>
+
+<file path=ppt/slides/slide28.xml><?xml version="1.0" encoding="utf-8"?>
+<p:sld xmlns:a="http://schemas.openxmlformats.org/drawingml/2006/main" xmlns:r="http://schemas.openxmlformats.org/officeDocument/2006/relationships" xmlns:mc="http://schemas.openxmlformats.org/markup-compatibility/2006" xmlns:mv="urn:schemas-microsoft-com:mac:vml" xmlns:p="http://schemas.openxmlformats.org/presentationml/2006/main" xmlns:c="http://schemas.openxmlformats.org/drawingml/2006/chart" xmlns:dgm="http://schemas.openxmlformats.org/drawingml/2006/diagram" xmlns:o="urn:schemas-microsoft-com:office:office" xmlns:v="urn:schemas-microsoft-com:vml" xmlns:pvml="urn:schemas-microsoft-com:office:powerpoint" xmlns:com="http://schemas.openxmlformats.org/drawingml/2006/compatibility" xmlns:p14="http://schemas.microsoft.com/office/powerpoint/2010/main" xmlns:p15="http://schemas.microsoft.com/office/powerpoint/2012/main">
+  <p:cSld>
+    <p:spTree>
+      <p:nvGrpSpPr>
+        <p:cNvPr id="412" name="Shape 412"/>
+        <p:cNvGrpSpPr/>
+        <p:nvPr/>
+      </p:nvGrpSpPr>
+      <p:grpSpPr>
+        <a:xfrm>
+          <a:off x="0" y="0"/>
+          <a:ext cx="0" cy="0"/>
+          <a:chOff x="0" y="0"/>
+          <a:chExt cx="0" cy="0"/>
+        </a:xfrm>
+      </p:grpSpPr>
+      <p:sp>
+        <p:nvSpPr>
+          <p:cNvPr id="413" name="Google Shape;413;p22"/>
           <p:cNvSpPr txBox="1"/>
           <p:nvPr>
             <p:ph type="title"/>
@@ -32987,7 +34219,7 @@
       </p:sp>
       <p:sp>
         <p:nvSpPr>
-          <p:cNvPr id="386" name="Google Shape;386;p22"/>
+          <p:cNvPr id="414" name="Google Shape;414;p22"/>
           <p:cNvSpPr txBox="1"/>
           <p:nvPr>
             <p:ph idx="1" type="body"/>
@@ -33203,12 +34435,12 @@
 </p:sld>
 </file>
 
-<file path=ppt/slides/slide25.xml><?xml version="1.0" encoding="utf-8"?>
+<file path=ppt/slides/slide29.xml><?xml version="1.0" encoding="utf-8"?>
 <p:sld xmlns:a="http://schemas.openxmlformats.org/drawingml/2006/main" xmlns:r="http://schemas.openxmlformats.org/officeDocument/2006/relationships" xmlns:mc="http://schemas.openxmlformats.org/markup-compatibility/2006" xmlns:mv="urn:schemas-microsoft-com:mac:vml" xmlns:p="http://schemas.openxmlformats.org/presentationml/2006/main" xmlns:c="http://schemas.openxmlformats.org/drawingml/2006/chart" xmlns:dgm="http://schemas.openxmlformats.org/drawingml/2006/diagram" xmlns:o="urn:schemas-microsoft-com:office:office" xmlns:v="urn:schemas-microsoft-com:vml" xmlns:pvml="urn:schemas-microsoft-com:office:powerpoint" xmlns:com="http://schemas.openxmlformats.org/drawingml/2006/compatibility" xmlns:p14="http://schemas.microsoft.com/office/powerpoint/2010/main" xmlns:p15="http://schemas.microsoft.com/office/powerpoint/2012/main">
   <p:cSld>
     <p:spTree>
       <p:nvGrpSpPr>
-        <p:cNvPr id="390" name="Shape 390"/>
+        <p:cNvPr id="418" name="Shape 418"/>
         <p:cNvGrpSpPr/>
         <p:nvPr/>
       </p:nvGrpSpPr>
@@ -33222,7 +34454,7 @@
       </p:grpSpPr>
       <p:sp>
         <p:nvSpPr>
-          <p:cNvPr id="391" name="Google Shape;391;p23"/>
+          <p:cNvPr id="419" name="Google Shape;419;p23"/>
           <p:cNvSpPr txBox="1"/>
           <p:nvPr>
             <p:ph type="title"/>
@@ -33274,7 +34506,7 @@
       </p:sp>
       <p:sp>
         <p:nvSpPr>
-          <p:cNvPr id="392" name="Google Shape;392;p23"/>
+          <p:cNvPr id="420" name="Google Shape;420;p23"/>
           <p:cNvSpPr txBox="1"/>
           <p:nvPr>
             <p:ph idx="1" type="body"/>
@@ -33305,676 +34537,6 @@
               </a:lnSpc>
               <a:spcBef>
                 <a:spcPts val="0"/>
-              </a:spcBef>
-              <a:spcAft>
-                <a:spcPts val="0"/>
-              </a:spcAft>
-              <a:buClr>
-                <a:schemeClr val="lt1"/>
-              </a:buClr>
-              <a:buSzPts val="3000"/>
-              <a:buNone/>
-            </a:pPr>
-            <a:r>
-              <a:t/>
-            </a:r>
-            <a:endParaRPr/>
-          </a:p>
-        </p:txBody>
-      </p:sp>
-    </p:spTree>
-  </p:cSld>
-  <p:clrMapOvr>
-    <a:masterClrMapping/>
-  </p:clrMapOvr>
-</p:sld>
-</file>
-
-<file path=ppt/slides/slide26.xml><?xml version="1.0" encoding="utf-8"?>
-<p:sld xmlns:a="http://schemas.openxmlformats.org/drawingml/2006/main" xmlns:r="http://schemas.openxmlformats.org/officeDocument/2006/relationships" xmlns:mc="http://schemas.openxmlformats.org/markup-compatibility/2006" xmlns:mv="urn:schemas-microsoft-com:mac:vml" xmlns:p="http://schemas.openxmlformats.org/presentationml/2006/main" xmlns:c="http://schemas.openxmlformats.org/drawingml/2006/chart" xmlns:dgm="http://schemas.openxmlformats.org/drawingml/2006/diagram" xmlns:o="urn:schemas-microsoft-com:office:office" xmlns:v="urn:schemas-microsoft-com:vml" xmlns:pvml="urn:schemas-microsoft-com:office:powerpoint" xmlns:com="http://schemas.openxmlformats.org/drawingml/2006/compatibility" xmlns:p14="http://schemas.microsoft.com/office/powerpoint/2010/main" xmlns:p15="http://schemas.microsoft.com/office/powerpoint/2012/main">
-  <p:cSld>
-    <p:spTree>
-      <p:nvGrpSpPr>
-        <p:cNvPr id="396" name="Shape 396"/>
-        <p:cNvGrpSpPr/>
-        <p:nvPr/>
-      </p:nvGrpSpPr>
-      <p:grpSpPr>
-        <a:xfrm>
-          <a:off x="0" y="0"/>
-          <a:ext cx="0" cy="0"/>
-          <a:chOff x="0" y="0"/>
-          <a:chExt cx="0" cy="0"/>
-        </a:xfrm>
-      </p:grpSpPr>
-      <p:sp>
-        <p:nvSpPr>
-          <p:cNvPr id="397" name="Google Shape;397;p24"/>
-          <p:cNvSpPr txBox="1"/>
-          <p:nvPr>
-            <p:ph type="title"/>
-          </p:nvPr>
-        </p:nvSpPr>
-        <p:spPr>
-          <a:xfrm>
-            <a:off x="1141413" y="618518"/>
-            <a:ext cx="9905998" cy="1478570"/>
-          </a:xfrm>
-          <a:prstGeom prst="rect">
-            <a:avLst/>
-          </a:prstGeom>
-          <a:noFill/>
-          <a:ln>
-            <a:noFill/>
-          </a:ln>
-        </p:spPr>
-        <p:txBody>
-          <a:bodyPr anchorCtr="0" anchor="ctr" bIns="45700" lIns="91425" spcFirstLastPara="1" rIns="91425" wrap="square" tIns="45700">
-            <a:normAutofit/>
-          </a:bodyPr>
-          <a:lstStyle/>
-          <a:p>
-            <a:pPr indent="0" lvl="0" marL="0" rtl="0" algn="l">
-              <a:lnSpc>
-                <a:spcPct val="90000"/>
-              </a:lnSpc>
-              <a:spcBef>
-                <a:spcPts val="0"/>
-              </a:spcBef>
-              <a:spcAft>
-                <a:spcPts val="0"/>
-              </a:spcAft>
-              <a:buClr>
-                <a:schemeClr val="lt1"/>
-              </a:buClr>
-              <a:buSzPts val="3600"/>
-              <a:buFont typeface="Twentieth Century"/>
-              <a:buNone/>
-            </a:pPr>
-            <a:r>
-              <a:rPr lang="en-US"/>
-              <a:t>SERVICE MANAGEMENT</a:t>
-            </a:r>
-            <a:endParaRPr/>
-          </a:p>
-        </p:txBody>
-      </p:sp>
-      <p:sp>
-        <p:nvSpPr>
-          <p:cNvPr id="398" name="Google Shape;398;p24"/>
-          <p:cNvSpPr txBox="1"/>
-          <p:nvPr>
-            <p:ph idx="1" type="body"/>
-          </p:nvPr>
-        </p:nvSpPr>
-        <p:spPr>
-          <a:xfrm>
-            <a:off x="1141412" y="2249487"/>
-            <a:ext cx="9905999" cy="3541714"/>
-          </a:xfrm>
-          <a:prstGeom prst="rect">
-            <a:avLst/>
-          </a:prstGeom>
-          <a:noFill/>
-          <a:ln>
-            <a:noFill/>
-          </a:ln>
-        </p:spPr>
-        <p:txBody>
-          <a:bodyPr anchorCtr="0" anchor="t" bIns="45700" lIns="91425" spcFirstLastPara="1" rIns="91425" wrap="square" tIns="45700">
-            <a:normAutofit/>
-          </a:bodyPr>
-          <a:lstStyle/>
-          <a:p>
-            <a:pPr indent="-228600" lvl="0" marL="228600" rtl="0" algn="l">
-              <a:lnSpc>
-                <a:spcPct val="120000"/>
-              </a:lnSpc>
-              <a:spcBef>
-                <a:spcPts val="0"/>
-              </a:spcBef>
-              <a:spcAft>
-                <a:spcPts val="0"/>
-              </a:spcAft>
-              <a:buClr>
-                <a:schemeClr val="lt1"/>
-              </a:buClr>
-              <a:buSzPts val="3000"/>
-              <a:buChar char="•"/>
-            </a:pPr>
-            <a:r>
-              <a:rPr lang="en-US"/>
-              <a:t>Why is this needed?</a:t>
-            </a:r>
-            <a:endParaRPr/>
-          </a:p>
-          <a:p>
-            <a:pPr indent="-228600" lvl="0" marL="228600" rtl="0" algn="l">
-              <a:lnSpc>
-                <a:spcPct val="120000"/>
-              </a:lnSpc>
-              <a:spcBef>
-                <a:spcPts val="1000"/>
-              </a:spcBef>
-              <a:spcAft>
-                <a:spcPts val="0"/>
-              </a:spcAft>
-              <a:buClr>
-                <a:schemeClr val="lt1"/>
-              </a:buClr>
-              <a:buSzPts val="3000"/>
-              <a:buChar char="•"/>
-            </a:pPr>
-            <a:r>
-              <a:rPr lang="en-US"/>
-              <a:t>What does ServiceNow do?</a:t>
-            </a:r>
-            <a:endParaRPr/>
-          </a:p>
-          <a:p>
-            <a:pPr indent="-228600" lvl="0" marL="228600" rtl="0" algn="l">
-              <a:lnSpc>
-                <a:spcPct val="120000"/>
-              </a:lnSpc>
-              <a:spcBef>
-                <a:spcPts val="1000"/>
-              </a:spcBef>
-              <a:spcAft>
-                <a:spcPts val="0"/>
-              </a:spcAft>
-              <a:buClr>
-                <a:schemeClr val="lt1"/>
-              </a:buClr>
-              <a:buSzPts val="3000"/>
-              <a:buChar char="•"/>
-            </a:pPr>
-            <a:r>
-              <a:rPr lang="en-US"/>
-              <a:t>What is the issue lifecycle?</a:t>
-            </a:r>
-            <a:endParaRPr/>
-          </a:p>
-          <a:p>
-            <a:pPr indent="-228600" lvl="0" marL="228600" rtl="0" algn="l">
-              <a:lnSpc>
-                <a:spcPct val="120000"/>
-              </a:lnSpc>
-              <a:spcBef>
-                <a:spcPts val="1000"/>
-              </a:spcBef>
-              <a:spcAft>
-                <a:spcPts val="0"/>
-              </a:spcAft>
-              <a:buClr>
-                <a:schemeClr val="lt1"/>
-              </a:buClr>
-              <a:buSzPts val="3000"/>
-              <a:buChar char="•"/>
-            </a:pPr>
-            <a:r>
-              <a:rPr lang="en-US"/>
-              <a:t>How do we send an alert to ServiceNow?</a:t>
-            </a:r>
-            <a:endParaRPr/>
-          </a:p>
-          <a:p>
-            <a:pPr indent="-38100" lvl="0" marL="228600" rtl="0" algn="l">
-              <a:lnSpc>
-                <a:spcPct val="120000"/>
-              </a:lnSpc>
-              <a:spcBef>
-                <a:spcPts val="1000"/>
-              </a:spcBef>
-              <a:spcAft>
-                <a:spcPts val="0"/>
-              </a:spcAft>
-              <a:buClr>
-                <a:schemeClr val="lt1"/>
-              </a:buClr>
-              <a:buSzPts val="3000"/>
-              <a:buNone/>
-            </a:pPr>
-            <a:r>
-              <a:t/>
-            </a:r>
-            <a:endParaRPr/>
-          </a:p>
-        </p:txBody>
-      </p:sp>
-    </p:spTree>
-  </p:cSld>
-  <p:clrMapOvr>
-    <a:masterClrMapping/>
-  </p:clrMapOvr>
-</p:sld>
-</file>
-
-<file path=ppt/slides/slide27.xml><?xml version="1.0" encoding="utf-8"?>
-<p:sld xmlns:a="http://schemas.openxmlformats.org/drawingml/2006/main" xmlns:r="http://schemas.openxmlformats.org/officeDocument/2006/relationships" xmlns:mc="http://schemas.openxmlformats.org/markup-compatibility/2006" xmlns:mv="urn:schemas-microsoft-com:mac:vml" xmlns:p="http://schemas.openxmlformats.org/presentationml/2006/main" xmlns:c="http://schemas.openxmlformats.org/drawingml/2006/chart" xmlns:dgm="http://schemas.openxmlformats.org/drawingml/2006/diagram" xmlns:o="urn:schemas-microsoft-com:office:office" xmlns:v="urn:schemas-microsoft-com:vml" xmlns:pvml="urn:schemas-microsoft-com:office:powerpoint" xmlns:com="http://schemas.openxmlformats.org/drawingml/2006/compatibility" xmlns:p14="http://schemas.microsoft.com/office/powerpoint/2010/main" xmlns:p15="http://schemas.microsoft.com/office/powerpoint/2012/main">
-  <p:cSld>
-    <p:spTree>
-      <p:nvGrpSpPr>
-        <p:cNvPr id="402" name="Shape 402"/>
-        <p:cNvGrpSpPr/>
-        <p:nvPr/>
-      </p:nvGrpSpPr>
-      <p:grpSpPr>
-        <a:xfrm>
-          <a:off x="0" y="0"/>
-          <a:ext cx="0" cy="0"/>
-          <a:chOff x="0" y="0"/>
-          <a:chExt cx="0" cy="0"/>
-        </a:xfrm>
-      </p:grpSpPr>
-      <p:sp>
-        <p:nvSpPr>
-          <p:cNvPr id="403" name="Google Shape;403;p25"/>
-          <p:cNvSpPr txBox="1"/>
-          <p:nvPr>
-            <p:ph type="title"/>
-          </p:nvPr>
-        </p:nvSpPr>
-        <p:spPr>
-          <a:xfrm>
-            <a:off x="1141413" y="618518"/>
-            <a:ext cx="9905998" cy="1478570"/>
-          </a:xfrm>
-          <a:prstGeom prst="rect">
-            <a:avLst/>
-          </a:prstGeom>
-          <a:noFill/>
-          <a:ln>
-            <a:noFill/>
-          </a:ln>
-        </p:spPr>
-        <p:txBody>
-          <a:bodyPr anchorCtr="0" anchor="ctr" bIns="45700" lIns="91425" spcFirstLastPara="1" rIns="91425" wrap="square" tIns="45700">
-            <a:normAutofit/>
-          </a:bodyPr>
-          <a:lstStyle/>
-          <a:p>
-            <a:pPr indent="0" lvl="0" marL="0" rtl="0" algn="l">
-              <a:lnSpc>
-                <a:spcPct val="90000"/>
-              </a:lnSpc>
-              <a:spcBef>
-                <a:spcPts val="0"/>
-              </a:spcBef>
-              <a:spcAft>
-                <a:spcPts val="0"/>
-              </a:spcAft>
-              <a:buClr>
-                <a:schemeClr val="lt1"/>
-              </a:buClr>
-              <a:buSzPts val="3600"/>
-              <a:buFont typeface="Twentieth Century"/>
-              <a:buNone/>
-            </a:pPr>
-            <a:r>
-              <a:rPr lang="en-US"/>
-              <a:t>IDENTIFYING UNIQUE DEVICES </a:t>
-            </a:r>
-            <a:endParaRPr/>
-          </a:p>
-        </p:txBody>
-      </p:sp>
-      <p:sp>
-        <p:nvSpPr>
-          <p:cNvPr id="404" name="Google Shape;404;p25"/>
-          <p:cNvSpPr txBox="1"/>
-          <p:nvPr>
-            <p:ph idx="1" type="body"/>
-          </p:nvPr>
-        </p:nvSpPr>
-        <p:spPr>
-          <a:xfrm>
-            <a:off x="1141412" y="2249487"/>
-            <a:ext cx="9905999" cy="3541714"/>
-          </a:xfrm>
-          <a:prstGeom prst="rect">
-            <a:avLst/>
-          </a:prstGeom>
-          <a:noFill/>
-          <a:ln>
-            <a:noFill/>
-          </a:ln>
-        </p:spPr>
-        <p:txBody>
-          <a:bodyPr anchorCtr="0" anchor="t" bIns="45700" lIns="91425" spcFirstLastPara="1" rIns="91425" wrap="square" tIns="45700">
-            <a:normAutofit/>
-          </a:bodyPr>
-          <a:lstStyle/>
-          <a:p>
-            <a:pPr indent="0" lvl="0" marL="0" rtl="0" algn="l">
-              <a:lnSpc>
-                <a:spcPct val="120000"/>
-              </a:lnSpc>
-              <a:spcBef>
-                <a:spcPts val="0"/>
-              </a:spcBef>
-              <a:spcAft>
-                <a:spcPts val="0"/>
-              </a:spcAft>
-              <a:buClr>
-                <a:schemeClr val="lt1"/>
-              </a:buClr>
-              <a:buSzPts val="3000"/>
-              <a:buNone/>
-            </a:pPr>
-            <a:r>
-              <a:rPr lang="en-US"/>
-              <a:t>If we placed each device in a different location, how could we tell which button was pressed to trigger an alert?</a:t>
-            </a:r>
-            <a:endParaRPr/>
-          </a:p>
-        </p:txBody>
-      </p:sp>
-    </p:spTree>
-  </p:cSld>
-  <p:clrMapOvr>
-    <a:masterClrMapping/>
-  </p:clrMapOvr>
-</p:sld>
-</file>
-
-<file path=ppt/slides/slide28.xml><?xml version="1.0" encoding="utf-8"?>
-<p:sld xmlns:a="http://schemas.openxmlformats.org/drawingml/2006/main" xmlns:r="http://schemas.openxmlformats.org/officeDocument/2006/relationships" xmlns:mc="http://schemas.openxmlformats.org/markup-compatibility/2006" xmlns:mv="urn:schemas-microsoft-com:mac:vml" xmlns:p="http://schemas.openxmlformats.org/presentationml/2006/main" xmlns:c="http://schemas.openxmlformats.org/drawingml/2006/chart" xmlns:dgm="http://schemas.openxmlformats.org/drawingml/2006/diagram" xmlns:o="urn:schemas-microsoft-com:office:office" xmlns:v="urn:schemas-microsoft-com:vml" xmlns:pvml="urn:schemas-microsoft-com:office:powerpoint" xmlns:com="http://schemas.openxmlformats.org/drawingml/2006/compatibility" xmlns:p14="http://schemas.microsoft.com/office/powerpoint/2010/main" xmlns:p15="http://schemas.microsoft.com/office/powerpoint/2012/main">
-  <p:cSld>
-    <p:spTree>
-      <p:nvGrpSpPr>
-        <p:cNvPr id="408" name="Shape 408"/>
-        <p:cNvGrpSpPr/>
-        <p:nvPr/>
-      </p:nvGrpSpPr>
-      <p:grpSpPr>
-        <a:xfrm>
-          <a:off x="0" y="0"/>
-          <a:ext cx="0" cy="0"/>
-          <a:chOff x="0" y="0"/>
-          <a:chExt cx="0" cy="0"/>
-        </a:xfrm>
-      </p:grpSpPr>
-      <p:sp>
-        <p:nvSpPr>
-          <p:cNvPr id="409" name="Google Shape;409;p26"/>
-          <p:cNvSpPr txBox="1"/>
-          <p:nvPr>
-            <p:ph type="title"/>
-          </p:nvPr>
-        </p:nvSpPr>
-        <p:spPr>
-          <a:xfrm>
-            <a:off x="1141413" y="618518"/>
-            <a:ext cx="9905998" cy="1478570"/>
-          </a:xfrm>
-          <a:prstGeom prst="rect">
-            <a:avLst/>
-          </a:prstGeom>
-          <a:noFill/>
-          <a:ln>
-            <a:noFill/>
-          </a:ln>
-        </p:spPr>
-        <p:txBody>
-          <a:bodyPr anchorCtr="0" anchor="ctr" bIns="45700" lIns="91425" spcFirstLastPara="1" rIns="91425" wrap="square" tIns="45700">
-            <a:normAutofit/>
-          </a:bodyPr>
-          <a:lstStyle/>
-          <a:p>
-            <a:pPr indent="0" lvl="0" marL="0" rtl="0" algn="l">
-              <a:lnSpc>
-                <a:spcPct val="90000"/>
-              </a:lnSpc>
-              <a:spcBef>
-                <a:spcPts val="0"/>
-              </a:spcBef>
-              <a:spcAft>
-                <a:spcPts val="0"/>
-              </a:spcAft>
-              <a:buClr>
-                <a:schemeClr val="lt1"/>
-              </a:buClr>
-              <a:buSzPts val="3600"/>
-              <a:buFont typeface="Twentieth Century"/>
-              <a:buNone/>
-            </a:pPr>
-            <a:r>
-              <a:rPr lang="en-US"/>
-              <a:t>SEND EMAILS TO SERVICENOW</a:t>
-            </a:r>
-            <a:endParaRPr/>
-          </a:p>
-        </p:txBody>
-      </p:sp>
-      <p:sp>
-        <p:nvSpPr>
-          <p:cNvPr id="410" name="Google Shape;410;p26"/>
-          <p:cNvSpPr txBox="1"/>
-          <p:nvPr>
-            <p:ph idx="1" type="body"/>
-          </p:nvPr>
-        </p:nvSpPr>
-        <p:spPr>
-          <a:xfrm>
-            <a:off x="1141412" y="2249487"/>
-            <a:ext cx="9905999" cy="3541714"/>
-          </a:xfrm>
-          <a:prstGeom prst="rect">
-            <a:avLst/>
-          </a:prstGeom>
-          <a:noFill/>
-          <a:ln>
-            <a:noFill/>
-          </a:ln>
-        </p:spPr>
-        <p:txBody>
-          <a:bodyPr anchorCtr="0" anchor="t" bIns="45700" lIns="91425" spcFirstLastPara="1" rIns="91425" wrap="square" tIns="45700">
-            <a:normAutofit/>
-          </a:bodyPr>
-          <a:lstStyle/>
-          <a:p>
-            <a:pPr indent="-38100" lvl="0" marL="228600" rtl="0" algn="l">
-              <a:lnSpc>
-                <a:spcPct val="120000"/>
-              </a:lnSpc>
-              <a:spcBef>
-                <a:spcPts val="0"/>
-              </a:spcBef>
-              <a:spcAft>
-                <a:spcPts val="0"/>
-              </a:spcAft>
-              <a:buClr>
-                <a:schemeClr val="lt1"/>
-              </a:buClr>
-              <a:buSzPts val="3000"/>
-              <a:buNone/>
-            </a:pPr>
-            <a:r>
-              <a:t/>
-            </a:r>
-            <a:endParaRPr/>
-          </a:p>
-        </p:txBody>
-      </p:sp>
-    </p:spTree>
-  </p:cSld>
-  <p:clrMapOvr>
-    <a:masterClrMapping/>
-  </p:clrMapOvr>
-</p:sld>
-</file>
-
-<file path=ppt/slides/slide29.xml><?xml version="1.0" encoding="utf-8"?>
-<p:sld xmlns:a="http://schemas.openxmlformats.org/drawingml/2006/main" xmlns:r="http://schemas.openxmlformats.org/officeDocument/2006/relationships" xmlns:mc="http://schemas.openxmlformats.org/markup-compatibility/2006" xmlns:mv="urn:schemas-microsoft-com:mac:vml" xmlns:p="http://schemas.openxmlformats.org/presentationml/2006/main" xmlns:c="http://schemas.openxmlformats.org/drawingml/2006/chart" xmlns:dgm="http://schemas.openxmlformats.org/drawingml/2006/diagram" xmlns:o="urn:schemas-microsoft-com:office:office" xmlns:v="urn:schemas-microsoft-com:vml" xmlns:pvml="urn:schemas-microsoft-com:office:powerpoint" xmlns:com="http://schemas.openxmlformats.org/drawingml/2006/compatibility" xmlns:p14="http://schemas.microsoft.com/office/powerpoint/2010/main" xmlns:p15="http://schemas.microsoft.com/office/powerpoint/2012/main">
-  <p:cSld>
-    <p:spTree>
-      <p:nvGrpSpPr>
-        <p:cNvPr id="414" name="Shape 414"/>
-        <p:cNvGrpSpPr/>
-        <p:nvPr/>
-      </p:nvGrpSpPr>
-      <p:grpSpPr>
-        <a:xfrm>
-          <a:off x="0" y="0"/>
-          <a:ext cx="0" cy="0"/>
-          <a:chOff x="0" y="0"/>
-          <a:chExt cx="0" cy="0"/>
-        </a:xfrm>
-      </p:grpSpPr>
-      <p:sp>
-        <p:nvSpPr>
-          <p:cNvPr id="415" name="Google Shape;415;p27"/>
-          <p:cNvSpPr txBox="1"/>
-          <p:nvPr>
-            <p:ph type="title"/>
-          </p:nvPr>
-        </p:nvSpPr>
-        <p:spPr>
-          <a:xfrm>
-            <a:off x="1141413" y="618518"/>
-            <a:ext cx="9905998" cy="1478570"/>
-          </a:xfrm>
-          <a:prstGeom prst="rect">
-            <a:avLst/>
-          </a:prstGeom>
-          <a:noFill/>
-          <a:ln>
-            <a:noFill/>
-          </a:ln>
-        </p:spPr>
-        <p:txBody>
-          <a:bodyPr anchorCtr="0" anchor="ctr" bIns="45700" lIns="91425" spcFirstLastPara="1" rIns="91425" wrap="square" tIns="45700">
-            <a:normAutofit/>
-          </a:bodyPr>
-          <a:lstStyle/>
-          <a:p>
-            <a:pPr indent="0" lvl="0" marL="0" rtl="0" algn="l">
-              <a:lnSpc>
-                <a:spcPct val="90000"/>
-              </a:lnSpc>
-              <a:spcBef>
-                <a:spcPts val="0"/>
-              </a:spcBef>
-              <a:spcAft>
-                <a:spcPts val="0"/>
-              </a:spcAft>
-              <a:buClr>
-                <a:schemeClr val="lt1"/>
-              </a:buClr>
-              <a:buSzPts val="3600"/>
-              <a:buFont typeface="Twentieth Century"/>
-              <a:buNone/>
-            </a:pPr>
-            <a:r>
-              <a:rPr lang="en-US"/>
-              <a:t>REPEATED TICKETS</a:t>
-            </a:r>
-            <a:endParaRPr/>
-          </a:p>
-        </p:txBody>
-      </p:sp>
-      <p:sp>
-        <p:nvSpPr>
-          <p:cNvPr id="416" name="Google Shape;416;p27"/>
-          <p:cNvSpPr txBox="1"/>
-          <p:nvPr>
-            <p:ph idx="1" type="body"/>
-          </p:nvPr>
-        </p:nvSpPr>
-        <p:spPr>
-          <a:xfrm>
-            <a:off x="1141412" y="2249487"/>
-            <a:ext cx="9905999" cy="3541714"/>
-          </a:xfrm>
-          <a:prstGeom prst="rect">
-            <a:avLst/>
-          </a:prstGeom>
-          <a:noFill/>
-          <a:ln>
-            <a:noFill/>
-          </a:ln>
-        </p:spPr>
-        <p:txBody>
-          <a:bodyPr anchorCtr="0" anchor="t" bIns="45700" lIns="91425" spcFirstLastPara="1" rIns="91425" wrap="square" tIns="45700">
-            <a:normAutofit/>
-          </a:bodyPr>
-          <a:lstStyle/>
-          <a:p>
-            <a:pPr indent="0" lvl="0" marL="0" rtl="0" algn="l">
-              <a:lnSpc>
-                <a:spcPct val="120000"/>
-              </a:lnSpc>
-              <a:spcBef>
-                <a:spcPts val="0"/>
-              </a:spcBef>
-              <a:spcAft>
-                <a:spcPts val="0"/>
-              </a:spcAft>
-              <a:buClr>
-                <a:schemeClr val="lt1"/>
-              </a:buClr>
-              <a:buSzPts val="3000"/>
-              <a:buNone/>
-            </a:pPr>
-            <a:r>
-              <a:rPr lang="en-US"/>
-              <a:t>Scenario 1: One person notices the coffee machine is broken and presses the button. A second person does the same, and a third person. All within five minutes. Three tickets are raised for one incident. </a:t>
-            </a:r>
-            <a:endParaRPr/>
-          </a:p>
-          <a:p>
-            <a:pPr indent="0" lvl="0" marL="0" rtl="0" algn="l">
-              <a:lnSpc>
-                <a:spcPct val="120000"/>
-              </a:lnSpc>
-              <a:spcBef>
-                <a:spcPts val="1000"/>
-              </a:spcBef>
-              <a:spcAft>
-                <a:spcPts val="0"/>
-              </a:spcAft>
-              <a:buClr>
-                <a:schemeClr val="lt1"/>
-              </a:buClr>
-              <a:buSzPts val="3000"/>
-              <a:buNone/>
-            </a:pPr>
-            <a:r>
-              <a:rPr lang="en-US"/>
-              <a:t>Scenario 2: One person notices the coffee machine is broken. They really want coffee. They press the button repeatedly twenty times. Twenty tickets are raised for one incident.</a:t>
-            </a:r>
-            <a:endParaRPr/>
-          </a:p>
-          <a:p>
-            <a:pPr indent="0" lvl="0" marL="0" rtl="0" algn="l">
-              <a:lnSpc>
-                <a:spcPct val="120000"/>
-              </a:lnSpc>
-              <a:spcBef>
-                <a:spcPts val="1000"/>
-              </a:spcBef>
-              <a:spcAft>
-                <a:spcPts val="0"/>
-              </a:spcAft>
-              <a:buClr>
-                <a:schemeClr val="lt1"/>
-              </a:buClr>
-              <a:buSzPts val="3000"/>
-              <a:buNone/>
-            </a:pPr>
-            <a:r>
-              <a:rPr lang="en-US"/>
-              <a:t>Q: How would we avoid these scenarios?</a:t>
-            </a:r>
-            <a:endParaRPr/>
-          </a:p>
-          <a:p>
-            <a:pPr indent="0" lvl="0" marL="0" rtl="0" algn="l">
-              <a:lnSpc>
-                <a:spcPct val="120000"/>
-              </a:lnSpc>
-              <a:spcBef>
-                <a:spcPts val="1000"/>
               </a:spcBef>
               <a:spcAft>
                 <a:spcPts val="0"/>
@@ -34179,7 +34741,7 @@
   <p:cSld>
     <p:spTree>
       <p:nvGrpSpPr>
-        <p:cNvPr id="420" name="Shape 420"/>
+        <p:cNvPr id="424" name="Shape 424"/>
         <p:cNvGrpSpPr/>
         <p:nvPr/>
       </p:nvGrpSpPr>
@@ -34193,7 +34755,7 @@
       </p:grpSpPr>
       <p:sp>
         <p:nvSpPr>
-          <p:cNvPr id="421" name="Google Shape;421;p28"/>
+          <p:cNvPr id="425" name="Google Shape;425;p24"/>
           <p:cNvSpPr txBox="1"/>
           <p:nvPr>
             <p:ph type="title"/>
@@ -34237,7 +34799,7 @@
             </a:pPr>
             <a:r>
               <a:rPr lang="en-US"/>
-              <a:t>DAY 4: MATURING THE MODEL</a:t>
+              <a:t>SERVICE MANAGEMENT</a:t>
             </a:r>
             <a:endParaRPr/>
           </a:p>
@@ -34245,7 +34807,7 @@
       </p:sp>
       <p:sp>
         <p:nvSpPr>
-          <p:cNvPr id="422" name="Google Shape;422;p28"/>
+          <p:cNvPr id="426" name="Google Shape;426;p24"/>
           <p:cNvSpPr txBox="1"/>
           <p:nvPr>
             <p:ph idx="1" type="body"/>
@@ -34288,7 +34850,7 @@
             </a:pPr>
             <a:r>
               <a:rPr lang="en-US"/>
-              <a:t>Using the Cloud to create ServiceNow tickets</a:t>
+              <a:t>Why is this needed?</a:t>
             </a:r>
             <a:endParaRPr/>
           </a:p>
@@ -34311,7 +34873,7 @@
             </a:pPr>
             <a:r>
               <a:rPr lang="en-US"/>
-              <a:t>Reporting</a:t>
+              <a:t>What does ServiceNow do?</a:t>
             </a:r>
             <a:endParaRPr/>
           </a:p>
@@ -34334,7 +34896,7 @@
             </a:pPr>
             <a:r>
               <a:rPr lang="en-US"/>
-              <a:t>Wrapping up</a:t>
+              <a:t>What is the issue lifecycle?</a:t>
             </a:r>
             <a:endParaRPr/>
           </a:p>
@@ -34357,30 +34919,7 @@
             </a:pPr>
             <a:r>
               <a:rPr lang="en-US"/>
-              <a:t>Other things you can do with a Raspberry Pi</a:t>
-            </a:r>
-            <a:endParaRPr/>
-          </a:p>
-          <a:p>
-            <a:pPr indent="-228600" lvl="0" marL="228600" rtl="0" algn="l">
-              <a:lnSpc>
-                <a:spcPct val="120000"/>
-              </a:lnSpc>
-              <a:spcBef>
-                <a:spcPts val="1000"/>
-              </a:spcBef>
-              <a:spcAft>
-                <a:spcPts val="0"/>
-              </a:spcAft>
-              <a:buClr>
-                <a:schemeClr val="lt1"/>
-              </a:buClr>
-              <a:buSzPts val="3000"/>
-              <a:buChar char="•"/>
-            </a:pPr>
-            <a:r>
-              <a:rPr lang="en-US"/>
-              <a:t>Participant Feedback</a:t>
+              <a:t>How do we send an alert to ServiceNow?</a:t>
             </a:r>
             <a:endParaRPr/>
           </a:p>
@@ -34421,7 +34960,7 @@
   <p:cSld>
     <p:spTree>
       <p:nvGrpSpPr>
-        <p:cNvPr id="426" name="Shape 426"/>
+        <p:cNvPr id="430" name="Shape 430"/>
         <p:cNvGrpSpPr/>
         <p:nvPr/>
       </p:nvGrpSpPr>
@@ -34435,7 +34974,7 @@
       </p:grpSpPr>
       <p:sp>
         <p:nvSpPr>
-          <p:cNvPr id="427" name="Google Shape;427;p29"/>
+          <p:cNvPr id="431" name="Google Shape;431;p25"/>
           <p:cNvSpPr txBox="1"/>
           <p:nvPr>
             <p:ph type="title"/>
@@ -34479,7 +35018,7 @@
             </a:pPr>
             <a:r>
               <a:rPr lang="en-US"/>
-              <a:t>RECAP</a:t>
+              <a:t>IDENTIFYING UNIQUE DEVICES </a:t>
             </a:r>
             <a:endParaRPr/>
           </a:p>
@@ -34487,7 +35026,135 @@
       </p:sp>
       <p:sp>
         <p:nvSpPr>
-          <p:cNvPr id="428" name="Google Shape;428;p29"/>
+          <p:cNvPr id="432" name="Google Shape;432;p25"/>
+          <p:cNvSpPr txBox="1"/>
+          <p:nvPr>
+            <p:ph idx="1" type="body"/>
+          </p:nvPr>
+        </p:nvSpPr>
+        <p:spPr>
+          <a:xfrm>
+            <a:off x="1141412" y="2249487"/>
+            <a:ext cx="9905999" cy="3541714"/>
+          </a:xfrm>
+          <a:prstGeom prst="rect">
+            <a:avLst/>
+          </a:prstGeom>
+          <a:noFill/>
+          <a:ln>
+            <a:noFill/>
+          </a:ln>
+        </p:spPr>
+        <p:txBody>
+          <a:bodyPr anchorCtr="0" anchor="t" bIns="45700" lIns="91425" spcFirstLastPara="1" rIns="91425" wrap="square" tIns="45700">
+            <a:normAutofit/>
+          </a:bodyPr>
+          <a:lstStyle/>
+          <a:p>
+            <a:pPr indent="0" lvl="0" marL="0" rtl="0" algn="l">
+              <a:lnSpc>
+                <a:spcPct val="120000"/>
+              </a:lnSpc>
+              <a:spcBef>
+                <a:spcPts val="0"/>
+              </a:spcBef>
+              <a:spcAft>
+                <a:spcPts val="0"/>
+              </a:spcAft>
+              <a:buClr>
+                <a:schemeClr val="lt1"/>
+              </a:buClr>
+              <a:buSzPts val="3000"/>
+              <a:buNone/>
+            </a:pPr>
+            <a:r>
+              <a:rPr lang="en-US"/>
+              <a:t>If we placed each device in a different location, how could we tell which button was pressed to trigger an alert?</a:t>
+            </a:r>
+            <a:endParaRPr/>
+          </a:p>
+        </p:txBody>
+      </p:sp>
+    </p:spTree>
+  </p:cSld>
+  <p:clrMapOvr>
+    <a:masterClrMapping/>
+  </p:clrMapOvr>
+</p:sld>
+</file>
+
+<file path=ppt/slides/slide32.xml><?xml version="1.0" encoding="utf-8"?>
+<p:sld xmlns:a="http://schemas.openxmlformats.org/drawingml/2006/main" xmlns:r="http://schemas.openxmlformats.org/officeDocument/2006/relationships" xmlns:mc="http://schemas.openxmlformats.org/markup-compatibility/2006" xmlns:mv="urn:schemas-microsoft-com:mac:vml" xmlns:p="http://schemas.openxmlformats.org/presentationml/2006/main" xmlns:c="http://schemas.openxmlformats.org/drawingml/2006/chart" xmlns:dgm="http://schemas.openxmlformats.org/drawingml/2006/diagram" xmlns:o="urn:schemas-microsoft-com:office:office" xmlns:v="urn:schemas-microsoft-com:vml" xmlns:pvml="urn:schemas-microsoft-com:office:powerpoint" xmlns:com="http://schemas.openxmlformats.org/drawingml/2006/compatibility" xmlns:p14="http://schemas.microsoft.com/office/powerpoint/2010/main" xmlns:p15="http://schemas.microsoft.com/office/powerpoint/2012/main">
+  <p:cSld>
+    <p:spTree>
+      <p:nvGrpSpPr>
+        <p:cNvPr id="436" name="Shape 436"/>
+        <p:cNvGrpSpPr/>
+        <p:nvPr/>
+      </p:nvGrpSpPr>
+      <p:grpSpPr>
+        <a:xfrm>
+          <a:off x="0" y="0"/>
+          <a:ext cx="0" cy="0"/>
+          <a:chOff x="0" y="0"/>
+          <a:chExt cx="0" cy="0"/>
+        </a:xfrm>
+      </p:grpSpPr>
+      <p:sp>
+        <p:nvSpPr>
+          <p:cNvPr id="437" name="Google Shape;437;p26"/>
+          <p:cNvSpPr txBox="1"/>
+          <p:nvPr>
+            <p:ph type="title"/>
+          </p:nvPr>
+        </p:nvSpPr>
+        <p:spPr>
+          <a:xfrm>
+            <a:off x="1141413" y="618518"/>
+            <a:ext cx="9905998" cy="1478570"/>
+          </a:xfrm>
+          <a:prstGeom prst="rect">
+            <a:avLst/>
+          </a:prstGeom>
+          <a:noFill/>
+          <a:ln>
+            <a:noFill/>
+          </a:ln>
+        </p:spPr>
+        <p:txBody>
+          <a:bodyPr anchorCtr="0" anchor="ctr" bIns="45700" lIns="91425" spcFirstLastPara="1" rIns="91425" wrap="square" tIns="45700">
+            <a:normAutofit/>
+          </a:bodyPr>
+          <a:lstStyle/>
+          <a:p>
+            <a:pPr indent="0" lvl="0" marL="0" rtl="0" algn="l">
+              <a:lnSpc>
+                <a:spcPct val="90000"/>
+              </a:lnSpc>
+              <a:spcBef>
+                <a:spcPts val="0"/>
+              </a:spcBef>
+              <a:spcAft>
+                <a:spcPts val="0"/>
+              </a:spcAft>
+              <a:buClr>
+                <a:schemeClr val="lt1"/>
+              </a:buClr>
+              <a:buSzPts val="3600"/>
+              <a:buFont typeface="Twentieth Century"/>
+              <a:buNone/>
+            </a:pPr>
+            <a:r>
+              <a:rPr lang="en-US"/>
+              <a:t>SEND EMAILS TO SERVICENOW</a:t>
+            </a:r>
+            <a:endParaRPr/>
+          </a:p>
+        </p:txBody>
+      </p:sp>
+      <p:sp>
+        <p:nvSpPr>
+          <p:cNvPr id="438" name="Google Shape;438;p26"/>
           <p:cNvSpPr txBox="1"/>
           <p:nvPr>
             <p:ph idx="1" type="body"/>
@@ -34543,12 +35210,12 @@
 </p:sld>
 </file>
 
-<file path=ppt/slides/slide32.xml><?xml version="1.0" encoding="utf-8"?>
+<file path=ppt/slides/slide33.xml><?xml version="1.0" encoding="utf-8"?>
 <p:sld xmlns:a="http://schemas.openxmlformats.org/drawingml/2006/main" xmlns:r="http://schemas.openxmlformats.org/officeDocument/2006/relationships" xmlns:mc="http://schemas.openxmlformats.org/markup-compatibility/2006" xmlns:mv="urn:schemas-microsoft-com:mac:vml" xmlns:p="http://schemas.openxmlformats.org/presentationml/2006/main" xmlns:c="http://schemas.openxmlformats.org/drawingml/2006/chart" xmlns:dgm="http://schemas.openxmlformats.org/drawingml/2006/diagram" xmlns:o="urn:schemas-microsoft-com:office:office" xmlns:v="urn:schemas-microsoft-com:vml" xmlns:pvml="urn:schemas-microsoft-com:office:powerpoint" xmlns:com="http://schemas.openxmlformats.org/drawingml/2006/compatibility" xmlns:p14="http://schemas.microsoft.com/office/powerpoint/2010/main" xmlns:p15="http://schemas.microsoft.com/office/powerpoint/2012/main">
   <p:cSld>
     <p:spTree>
       <p:nvGrpSpPr>
-        <p:cNvPr id="432" name="Shape 432"/>
+        <p:cNvPr id="442" name="Shape 442"/>
         <p:cNvGrpSpPr/>
         <p:nvPr/>
       </p:nvGrpSpPr>
@@ -34562,7 +35229,7 @@
       </p:grpSpPr>
       <p:sp>
         <p:nvSpPr>
-          <p:cNvPr id="433" name="Google Shape;433;p30"/>
+          <p:cNvPr id="443" name="Google Shape;443;p27"/>
           <p:cNvSpPr txBox="1"/>
           <p:nvPr>
             <p:ph type="title"/>
@@ -34606,7 +35273,7 @@
             </a:pPr>
             <a:r>
               <a:rPr lang="en-US"/>
-              <a:t>AZURE</a:t>
+              <a:t>REPEATED TICKETS</a:t>
             </a:r>
             <a:endParaRPr/>
           </a:p>
@@ -34614,7 +35281,356 @@
       </p:sp>
       <p:sp>
         <p:nvSpPr>
-          <p:cNvPr id="434" name="Google Shape;434;p30"/>
+          <p:cNvPr id="444" name="Google Shape;444;p27"/>
+          <p:cNvSpPr txBox="1"/>
+          <p:nvPr>
+            <p:ph idx="1" type="body"/>
+          </p:nvPr>
+        </p:nvSpPr>
+        <p:spPr>
+          <a:xfrm>
+            <a:off x="1141412" y="2249487"/>
+            <a:ext cx="9905999" cy="3541714"/>
+          </a:xfrm>
+          <a:prstGeom prst="rect">
+            <a:avLst/>
+          </a:prstGeom>
+          <a:noFill/>
+          <a:ln>
+            <a:noFill/>
+          </a:ln>
+        </p:spPr>
+        <p:txBody>
+          <a:bodyPr anchorCtr="0" anchor="t" bIns="45700" lIns="91425" spcFirstLastPara="1" rIns="91425" wrap="square" tIns="45700">
+            <a:normAutofit/>
+          </a:bodyPr>
+          <a:lstStyle/>
+          <a:p>
+            <a:pPr indent="0" lvl="0" marL="0" rtl="0" algn="l">
+              <a:lnSpc>
+                <a:spcPct val="120000"/>
+              </a:lnSpc>
+              <a:spcBef>
+                <a:spcPts val="0"/>
+              </a:spcBef>
+              <a:spcAft>
+                <a:spcPts val="0"/>
+              </a:spcAft>
+              <a:buClr>
+                <a:schemeClr val="lt1"/>
+              </a:buClr>
+              <a:buSzPts val="3000"/>
+              <a:buNone/>
+            </a:pPr>
+            <a:r>
+              <a:rPr lang="en-US"/>
+              <a:t>Scenario 1: One person notices the coffee machine is broken and presses the button. A second person does the same, and a third person. All within five minutes. Three tickets are raised for one incident. </a:t>
+            </a:r>
+            <a:endParaRPr/>
+          </a:p>
+          <a:p>
+            <a:pPr indent="0" lvl="0" marL="0" rtl="0" algn="l">
+              <a:lnSpc>
+                <a:spcPct val="120000"/>
+              </a:lnSpc>
+              <a:spcBef>
+                <a:spcPts val="1000"/>
+              </a:spcBef>
+              <a:spcAft>
+                <a:spcPts val="0"/>
+              </a:spcAft>
+              <a:buClr>
+                <a:schemeClr val="lt1"/>
+              </a:buClr>
+              <a:buSzPts val="3000"/>
+              <a:buNone/>
+            </a:pPr>
+            <a:r>
+              <a:rPr lang="en-US"/>
+              <a:t>Scenario 2: One person notices the coffee machine is broken. They really want coffee. They press the button repeatedly twenty times. Twenty tickets are raised for one incident.</a:t>
+            </a:r>
+            <a:endParaRPr/>
+          </a:p>
+          <a:p>
+            <a:pPr indent="0" lvl="0" marL="0" rtl="0" algn="l">
+              <a:lnSpc>
+                <a:spcPct val="120000"/>
+              </a:lnSpc>
+              <a:spcBef>
+                <a:spcPts val="1000"/>
+              </a:spcBef>
+              <a:spcAft>
+                <a:spcPts val="0"/>
+              </a:spcAft>
+              <a:buClr>
+                <a:schemeClr val="lt1"/>
+              </a:buClr>
+              <a:buSzPts val="3000"/>
+              <a:buNone/>
+            </a:pPr>
+            <a:r>
+              <a:rPr lang="en-US"/>
+              <a:t>Q: How would we avoid these scenarios?</a:t>
+            </a:r>
+            <a:endParaRPr/>
+          </a:p>
+          <a:p>
+            <a:pPr indent="0" lvl="0" marL="0" rtl="0" algn="l">
+              <a:lnSpc>
+                <a:spcPct val="120000"/>
+              </a:lnSpc>
+              <a:spcBef>
+                <a:spcPts val="1000"/>
+              </a:spcBef>
+              <a:spcAft>
+                <a:spcPts val="0"/>
+              </a:spcAft>
+              <a:buClr>
+                <a:schemeClr val="lt1"/>
+              </a:buClr>
+              <a:buSzPts val="3000"/>
+              <a:buNone/>
+            </a:pPr>
+            <a:r>
+              <a:t/>
+            </a:r>
+            <a:endParaRPr/>
+          </a:p>
+        </p:txBody>
+      </p:sp>
+    </p:spTree>
+  </p:cSld>
+  <p:clrMapOvr>
+    <a:masterClrMapping/>
+  </p:clrMapOvr>
+</p:sld>
+</file>
+
+<file path=ppt/slides/slide34.xml><?xml version="1.0" encoding="utf-8"?>
+<p:sld xmlns:a="http://schemas.openxmlformats.org/drawingml/2006/main" xmlns:r="http://schemas.openxmlformats.org/officeDocument/2006/relationships" xmlns:mc="http://schemas.openxmlformats.org/markup-compatibility/2006" xmlns:mv="urn:schemas-microsoft-com:mac:vml" xmlns:p="http://schemas.openxmlformats.org/presentationml/2006/main" xmlns:c="http://schemas.openxmlformats.org/drawingml/2006/chart" xmlns:dgm="http://schemas.openxmlformats.org/drawingml/2006/diagram" xmlns:o="urn:schemas-microsoft-com:office:office" xmlns:v="urn:schemas-microsoft-com:vml" xmlns:pvml="urn:schemas-microsoft-com:office:powerpoint" xmlns:com="http://schemas.openxmlformats.org/drawingml/2006/compatibility" xmlns:p14="http://schemas.microsoft.com/office/powerpoint/2010/main" xmlns:p15="http://schemas.microsoft.com/office/powerpoint/2012/main">
+  <p:cSld>
+    <p:spTree>
+      <p:nvGrpSpPr>
+        <p:cNvPr id="448" name="Shape 448"/>
+        <p:cNvGrpSpPr/>
+        <p:nvPr/>
+      </p:nvGrpSpPr>
+      <p:grpSpPr>
+        <a:xfrm>
+          <a:off x="0" y="0"/>
+          <a:ext cx="0" cy="0"/>
+          <a:chOff x="0" y="0"/>
+          <a:chExt cx="0" cy="0"/>
+        </a:xfrm>
+      </p:grpSpPr>
+      <p:sp>
+        <p:nvSpPr>
+          <p:cNvPr id="449" name="Google Shape;449;g5f1623cf2d_0_53"/>
+          <p:cNvSpPr txBox="1"/>
+          <p:nvPr>
+            <p:ph type="title"/>
+          </p:nvPr>
+        </p:nvSpPr>
+        <p:spPr>
+          <a:xfrm>
+            <a:off x="1141413" y="618518"/>
+            <a:ext cx="9906000" cy="1478700"/>
+          </a:xfrm>
+          <a:prstGeom prst="rect">
+            <a:avLst/>
+          </a:prstGeom>
+        </p:spPr>
+        <p:txBody>
+          <a:bodyPr anchorCtr="0" anchor="ctr" bIns="45700" lIns="91425" spcFirstLastPara="1" rIns="91425" wrap="square" tIns="45700">
+            <a:noAutofit/>
+          </a:bodyPr>
+          <a:lstStyle/>
+          <a:p>
+            <a:pPr indent="0" lvl="0" marL="0" rtl="0" algn="l">
+              <a:spcBef>
+                <a:spcPts val="0"/>
+              </a:spcBef>
+              <a:spcAft>
+                <a:spcPts val="0"/>
+              </a:spcAft>
+              <a:buNone/>
+            </a:pPr>
+            <a:r>
+              <a:rPr lang="en-US"/>
+              <a:t>Retrospective</a:t>
+            </a:r>
+            <a:endParaRPr/>
+          </a:p>
+        </p:txBody>
+      </p:sp>
+      <p:sp>
+        <p:nvSpPr>
+          <p:cNvPr id="450" name="Google Shape;450;g5f1623cf2d_0_53"/>
+          <p:cNvSpPr txBox="1"/>
+          <p:nvPr>
+            <p:ph idx="1" type="body"/>
+          </p:nvPr>
+        </p:nvSpPr>
+        <p:spPr>
+          <a:xfrm>
+            <a:off x="1141412" y="2249487"/>
+            <a:ext cx="9906000" cy="3541800"/>
+          </a:xfrm>
+          <a:prstGeom prst="rect">
+            <a:avLst/>
+          </a:prstGeom>
+        </p:spPr>
+        <p:txBody>
+          <a:bodyPr anchorCtr="0" anchor="t" bIns="45700" lIns="91425" spcFirstLastPara="1" rIns="91425" wrap="square" tIns="45700">
+            <a:noAutofit/>
+          </a:bodyPr>
+          <a:lstStyle/>
+          <a:p>
+            <a:pPr indent="0" lvl="0" marL="0" rtl="0" algn="l">
+              <a:spcBef>
+                <a:spcPts val="1000"/>
+              </a:spcBef>
+              <a:spcAft>
+                <a:spcPts val="0"/>
+              </a:spcAft>
+              <a:buNone/>
+            </a:pPr>
+            <a:r>
+              <a:rPr lang="en-US"/>
+              <a:t>Check the parking lot?</a:t>
+            </a:r>
+            <a:endParaRPr/>
+          </a:p>
+          <a:p>
+            <a:pPr indent="0" lvl="0" marL="0" rtl="0" algn="l">
+              <a:spcBef>
+                <a:spcPts val="1000"/>
+              </a:spcBef>
+              <a:spcAft>
+                <a:spcPts val="0"/>
+              </a:spcAft>
+              <a:buNone/>
+            </a:pPr>
+            <a:r>
+              <a:rPr lang="en-US"/>
+              <a:t>What did we learn?</a:t>
+            </a:r>
+            <a:endParaRPr/>
+          </a:p>
+          <a:p>
+            <a:pPr indent="0" lvl="0" marL="0" rtl="0" algn="l">
+              <a:spcBef>
+                <a:spcPts val="1000"/>
+              </a:spcBef>
+              <a:spcAft>
+                <a:spcPts val="0"/>
+              </a:spcAft>
+              <a:buNone/>
+            </a:pPr>
+            <a:r>
+              <a:rPr lang="en-US"/>
+              <a:t>What worked well?</a:t>
+            </a:r>
+            <a:endParaRPr/>
+          </a:p>
+          <a:p>
+            <a:pPr indent="0" lvl="0" marL="0" rtl="0" algn="l">
+              <a:spcBef>
+                <a:spcPts val="1000"/>
+              </a:spcBef>
+              <a:spcAft>
+                <a:spcPts val="0"/>
+              </a:spcAft>
+              <a:buNone/>
+            </a:pPr>
+            <a:r>
+              <a:rPr lang="en-US"/>
+              <a:t>What could we do better?</a:t>
+            </a:r>
+            <a:endParaRPr/>
+          </a:p>
+        </p:txBody>
+      </p:sp>
+    </p:spTree>
+  </p:cSld>
+  <p:clrMapOvr>
+    <a:masterClrMapping/>
+  </p:clrMapOvr>
+</p:sld>
+</file>
+
+<file path=ppt/slides/slide35.xml><?xml version="1.0" encoding="utf-8"?>
+<p:sld xmlns:a="http://schemas.openxmlformats.org/drawingml/2006/main" xmlns:r="http://schemas.openxmlformats.org/officeDocument/2006/relationships" xmlns:mc="http://schemas.openxmlformats.org/markup-compatibility/2006" xmlns:mv="urn:schemas-microsoft-com:mac:vml" xmlns:p="http://schemas.openxmlformats.org/presentationml/2006/main" xmlns:c="http://schemas.openxmlformats.org/drawingml/2006/chart" xmlns:dgm="http://schemas.openxmlformats.org/drawingml/2006/diagram" xmlns:o="urn:schemas-microsoft-com:office:office" xmlns:v="urn:schemas-microsoft-com:vml" xmlns:pvml="urn:schemas-microsoft-com:office:powerpoint" xmlns:com="http://schemas.openxmlformats.org/drawingml/2006/compatibility" xmlns:p14="http://schemas.microsoft.com/office/powerpoint/2010/main" xmlns:p15="http://schemas.microsoft.com/office/powerpoint/2012/main">
+  <p:cSld>
+    <p:spTree>
+      <p:nvGrpSpPr>
+        <p:cNvPr id="454" name="Shape 454"/>
+        <p:cNvGrpSpPr/>
+        <p:nvPr/>
+      </p:nvGrpSpPr>
+      <p:grpSpPr>
+        <a:xfrm>
+          <a:off x="0" y="0"/>
+          <a:ext cx="0" cy="0"/>
+          <a:chOff x="0" y="0"/>
+          <a:chExt cx="0" cy="0"/>
+        </a:xfrm>
+      </p:grpSpPr>
+      <p:sp>
+        <p:nvSpPr>
+          <p:cNvPr id="455" name="Google Shape;455;p28"/>
+          <p:cNvSpPr txBox="1"/>
+          <p:nvPr>
+            <p:ph type="title"/>
+          </p:nvPr>
+        </p:nvSpPr>
+        <p:spPr>
+          <a:xfrm>
+            <a:off x="1141413" y="618518"/>
+            <a:ext cx="9905998" cy="1478570"/>
+          </a:xfrm>
+          <a:prstGeom prst="rect">
+            <a:avLst/>
+          </a:prstGeom>
+          <a:noFill/>
+          <a:ln>
+            <a:noFill/>
+          </a:ln>
+        </p:spPr>
+        <p:txBody>
+          <a:bodyPr anchorCtr="0" anchor="ctr" bIns="45700" lIns="91425" spcFirstLastPara="1" rIns="91425" wrap="square" tIns="45700">
+            <a:normAutofit/>
+          </a:bodyPr>
+          <a:lstStyle/>
+          <a:p>
+            <a:pPr indent="0" lvl="0" marL="0" rtl="0" algn="l">
+              <a:lnSpc>
+                <a:spcPct val="90000"/>
+              </a:lnSpc>
+              <a:spcBef>
+                <a:spcPts val="0"/>
+              </a:spcBef>
+              <a:spcAft>
+                <a:spcPts val="0"/>
+              </a:spcAft>
+              <a:buClr>
+                <a:schemeClr val="lt1"/>
+              </a:buClr>
+              <a:buSzPts val="3600"/>
+              <a:buFont typeface="Twentieth Century"/>
+              <a:buNone/>
+            </a:pPr>
+            <a:r>
+              <a:rPr lang="en-US"/>
+              <a:t>DAY 4: MATURING THE MODEL</a:t>
+            </a:r>
+            <a:endParaRPr/>
+          </a:p>
+        </p:txBody>
+      </p:sp>
+      <p:sp>
+        <p:nvSpPr>
+          <p:cNvPr id="456" name="Google Shape;456;p28"/>
           <p:cNvSpPr txBox="1"/>
           <p:nvPr>
             <p:ph idx="1" type="body"/>
@@ -34657,7 +35673,7 @@
             </a:pPr>
             <a:r>
               <a:rPr lang="en-US"/>
-              <a:t>Why use back end system instead of emailing directly?</a:t>
+              <a:t>Using the Cloud to create ServiceNow tickets</a:t>
             </a:r>
             <a:endParaRPr/>
           </a:p>
@@ -34680,7 +35696,7 @@
             </a:pPr>
             <a:r>
               <a:rPr lang="en-US"/>
-              <a:t>How do we talk to the back end system?</a:t>
+              <a:t>Reporting</a:t>
             </a:r>
             <a:endParaRPr/>
           </a:p>
@@ -34703,7 +35719,7 @@
             </a:pPr>
             <a:r>
               <a:rPr lang="en-US"/>
-              <a:t>What is the cloud?</a:t>
+              <a:t>Wrapping up</a:t>
             </a:r>
             <a:endParaRPr/>
           </a:p>
@@ -34726,7 +35742,52 @@
             </a:pPr>
             <a:r>
               <a:rPr lang="en-US"/>
-              <a:t>Update the Raspberry Pi to talk to the API to raise a ticket in ServiceNow</a:t>
+              <a:t>Other things you can do with a Raspberry Pi</a:t>
+            </a:r>
+            <a:endParaRPr/>
+          </a:p>
+          <a:p>
+            <a:pPr indent="-228600" lvl="0" marL="228600" rtl="0" algn="l">
+              <a:lnSpc>
+                <a:spcPct val="120000"/>
+              </a:lnSpc>
+              <a:spcBef>
+                <a:spcPts val="1000"/>
+              </a:spcBef>
+              <a:spcAft>
+                <a:spcPts val="0"/>
+              </a:spcAft>
+              <a:buClr>
+                <a:schemeClr val="lt1"/>
+              </a:buClr>
+              <a:buSzPts val="3000"/>
+              <a:buChar char="•"/>
+            </a:pPr>
+            <a:r>
+              <a:rPr lang="en-US"/>
+              <a:t>Participant Feedback</a:t>
+            </a:r>
+            <a:endParaRPr/>
+          </a:p>
+          <a:p>
+            <a:pPr indent="-38100" lvl="0" marL="228600" rtl="0" algn="l">
+              <a:lnSpc>
+                <a:spcPct val="120000"/>
+              </a:lnSpc>
+              <a:spcBef>
+                <a:spcPts val="1000"/>
+              </a:spcBef>
+              <a:spcAft>
+                <a:spcPts val="0"/>
+              </a:spcAft>
+              <a:buClr>
+                <a:schemeClr val="lt1"/>
+              </a:buClr>
+              <a:buSzPts val="3000"/>
+              <a:buNone/>
+            </a:pPr>
+            <a:r>
+              <a:t/>
             </a:r>
             <a:endParaRPr/>
           </a:p>
@@ -34740,12 +35801,12 @@
 </p:sld>
 </file>
 
-<file path=ppt/slides/slide33.xml><?xml version="1.0" encoding="utf-8"?>
+<file path=ppt/slides/slide36.xml><?xml version="1.0" encoding="utf-8"?>
 <p:sld xmlns:a="http://schemas.openxmlformats.org/drawingml/2006/main" xmlns:r="http://schemas.openxmlformats.org/officeDocument/2006/relationships" xmlns:mc="http://schemas.openxmlformats.org/markup-compatibility/2006" xmlns:mv="urn:schemas-microsoft-com:mac:vml" xmlns:p="http://schemas.openxmlformats.org/presentationml/2006/main" xmlns:c="http://schemas.openxmlformats.org/drawingml/2006/chart" xmlns:dgm="http://schemas.openxmlformats.org/drawingml/2006/diagram" xmlns:o="urn:schemas-microsoft-com:office:office" xmlns:v="urn:schemas-microsoft-com:vml" xmlns:pvml="urn:schemas-microsoft-com:office:powerpoint" xmlns:com="http://schemas.openxmlformats.org/drawingml/2006/compatibility" xmlns:p14="http://schemas.microsoft.com/office/powerpoint/2010/main" xmlns:p15="http://schemas.microsoft.com/office/powerpoint/2012/main">
   <p:cSld>
     <p:spTree>
       <p:nvGrpSpPr>
-        <p:cNvPr id="438" name="Shape 438"/>
+        <p:cNvPr id="460" name="Shape 460"/>
         <p:cNvGrpSpPr/>
         <p:nvPr/>
       </p:nvGrpSpPr>
@@ -34759,7 +35820,7 @@
       </p:grpSpPr>
       <p:sp>
         <p:nvSpPr>
-          <p:cNvPr id="439" name="Google Shape;439;p31"/>
+          <p:cNvPr id="461" name="Google Shape;461;p29"/>
           <p:cNvSpPr txBox="1"/>
           <p:nvPr>
             <p:ph type="title"/>
@@ -34803,7 +35864,7 @@
             </a:pPr>
             <a:r>
               <a:rPr lang="en-US"/>
-              <a:t>REPORTING</a:t>
+              <a:t>RECAP</a:t>
             </a:r>
             <a:endParaRPr/>
           </a:p>
@@ -34811,7 +35872,134 @@
       </p:sp>
       <p:sp>
         <p:nvSpPr>
-          <p:cNvPr id="440" name="Google Shape;440;p31"/>
+          <p:cNvPr id="462" name="Google Shape;462;p29"/>
+          <p:cNvSpPr txBox="1"/>
+          <p:nvPr>
+            <p:ph idx="1" type="body"/>
+          </p:nvPr>
+        </p:nvSpPr>
+        <p:spPr>
+          <a:xfrm>
+            <a:off x="1141412" y="2249487"/>
+            <a:ext cx="9905999" cy="3541714"/>
+          </a:xfrm>
+          <a:prstGeom prst="rect">
+            <a:avLst/>
+          </a:prstGeom>
+          <a:noFill/>
+          <a:ln>
+            <a:noFill/>
+          </a:ln>
+        </p:spPr>
+        <p:txBody>
+          <a:bodyPr anchorCtr="0" anchor="t" bIns="45700" lIns="91425" spcFirstLastPara="1" rIns="91425" wrap="square" tIns="45700">
+            <a:normAutofit/>
+          </a:bodyPr>
+          <a:lstStyle/>
+          <a:p>
+            <a:pPr indent="-38100" lvl="0" marL="228600" rtl="0" algn="l">
+              <a:lnSpc>
+                <a:spcPct val="120000"/>
+              </a:lnSpc>
+              <a:spcBef>
+                <a:spcPts val="0"/>
+              </a:spcBef>
+              <a:spcAft>
+                <a:spcPts val="0"/>
+              </a:spcAft>
+              <a:buClr>
+                <a:schemeClr val="lt1"/>
+              </a:buClr>
+              <a:buSzPts val="3000"/>
+              <a:buNone/>
+            </a:pPr>
+            <a:r>
+              <a:t/>
+            </a:r>
+            <a:endParaRPr/>
+          </a:p>
+        </p:txBody>
+      </p:sp>
+    </p:spTree>
+  </p:cSld>
+  <p:clrMapOvr>
+    <a:masterClrMapping/>
+  </p:clrMapOvr>
+</p:sld>
+</file>
+
+<file path=ppt/slides/slide37.xml><?xml version="1.0" encoding="utf-8"?>
+<p:sld xmlns:a="http://schemas.openxmlformats.org/drawingml/2006/main" xmlns:r="http://schemas.openxmlformats.org/officeDocument/2006/relationships" xmlns:mc="http://schemas.openxmlformats.org/markup-compatibility/2006" xmlns:mv="urn:schemas-microsoft-com:mac:vml" xmlns:p="http://schemas.openxmlformats.org/presentationml/2006/main" xmlns:c="http://schemas.openxmlformats.org/drawingml/2006/chart" xmlns:dgm="http://schemas.openxmlformats.org/drawingml/2006/diagram" xmlns:o="urn:schemas-microsoft-com:office:office" xmlns:v="urn:schemas-microsoft-com:vml" xmlns:pvml="urn:schemas-microsoft-com:office:powerpoint" xmlns:com="http://schemas.openxmlformats.org/drawingml/2006/compatibility" xmlns:p14="http://schemas.microsoft.com/office/powerpoint/2010/main" xmlns:p15="http://schemas.microsoft.com/office/powerpoint/2012/main">
+  <p:cSld>
+    <p:spTree>
+      <p:nvGrpSpPr>
+        <p:cNvPr id="466" name="Shape 466"/>
+        <p:cNvGrpSpPr/>
+        <p:nvPr/>
+      </p:nvGrpSpPr>
+      <p:grpSpPr>
+        <a:xfrm>
+          <a:off x="0" y="0"/>
+          <a:ext cx="0" cy="0"/>
+          <a:chOff x="0" y="0"/>
+          <a:chExt cx="0" cy="0"/>
+        </a:xfrm>
+      </p:grpSpPr>
+      <p:sp>
+        <p:nvSpPr>
+          <p:cNvPr id="467" name="Google Shape;467;p30"/>
+          <p:cNvSpPr txBox="1"/>
+          <p:nvPr>
+            <p:ph type="title"/>
+          </p:nvPr>
+        </p:nvSpPr>
+        <p:spPr>
+          <a:xfrm>
+            <a:off x="1141413" y="618518"/>
+            <a:ext cx="9905998" cy="1478570"/>
+          </a:xfrm>
+          <a:prstGeom prst="rect">
+            <a:avLst/>
+          </a:prstGeom>
+          <a:noFill/>
+          <a:ln>
+            <a:noFill/>
+          </a:ln>
+        </p:spPr>
+        <p:txBody>
+          <a:bodyPr anchorCtr="0" anchor="ctr" bIns="45700" lIns="91425" spcFirstLastPara="1" rIns="91425" wrap="square" tIns="45700">
+            <a:normAutofit/>
+          </a:bodyPr>
+          <a:lstStyle/>
+          <a:p>
+            <a:pPr indent="0" lvl="0" marL="0" rtl="0" algn="l">
+              <a:lnSpc>
+                <a:spcPct val="90000"/>
+              </a:lnSpc>
+              <a:spcBef>
+                <a:spcPts val="0"/>
+              </a:spcBef>
+              <a:spcAft>
+                <a:spcPts val="0"/>
+              </a:spcAft>
+              <a:buClr>
+                <a:schemeClr val="lt1"/>
+              </a:buClr>
+              <a:buSzPts val="3600"/>
+              <a:buFont typeface="Twentieth Century"/>
+              <a:buNone/>
+            </a:pPr>
+            <a:r>
+              <a:rPr lang="en-US"/>
+              <a:t>AZURE</a:t>
+            </a:r>
+            <a:endParaRPr/>
+          </a:p>
+        </p:txBody>
+      </p:sp>
+      <p:sp>
+        <p:nvSpPr>
+          <p:cNvPr id="468" name="Google Shape;468;p30"/>
           <p:cNvSpPr txBox="1"/>
           <p:nvPr>
             <p:ph idx="1" type="body"/>
@@ -34854,7 +36042,7 @@
             </a:pPr>
             <a:r>
               <a:rPr lang="en-US"/>
-              <a:t>Where do you see reporting in your everyday life?</a:t>
+              <a:t>Why use back end system instead of emailing directly?</a:t>
             </a:r>
             <a:endParaRPr/>
           </a:p>
@@ -34877,7 +36065,7 @@
             </a:pPr>
             <a:r>
               <a:rPr lang="en-US"/>
-              <a:t>Why is it important?</a:t>
+              <a:t>How do we talk to the back end system?</a:t>
             </a:r>
             <a:endParaRPr/>
           </a:p>
@@ -34900,7 +36088,7 @@
             </a:pPr>
             <a:r>
               <a:rPr lang="en-US"/>
-              <a:t>What does bad/good reporting look like?</a:t>
+              <a:t>What is the cloud?</a:t>
             </a:r>
             <a:endParaRPr/>
           </a:p>
@@ -34923,30 +36111,7 @@
             </a:pPr>
             <a:r>
               <a:rPr lang="en-US"/>
-              <a:t>What do we want to learn from ServiceNow data</a:t>
-            </a:r>
-            <a:endParaRPr/>
-          </a:p>
-          <a:p>
-            <a:pPr indent="-228600" lvl="0" marL="228600" rtl="0" algn="l">
-              <a:lnSpc>
-                <a:spcPct val="120000"/>
-              </a:lnSpc>
-              <a:spcBef>
-                <a:spcPts val="1000"/>
-              </a:spcBef>
-              <a:spcAft>
-                <a:spcPts val="0"/>
-              </a:spcAft>
-              <a:buClr>
-                <a:schemeClr val="lt1"/>
-              </a:buClr>
-              <a:buSzPts val="3000"/>
-              <a:buChar char="•"/>
-            </a:pPr>
-            <a:r>
-              <a:rPr lang="en-US"/>
-              <a:t>Create your own data visualizations</a:t>
+              <a:t>Update the Raspberry Pi to talk to the API to raise a ticket in ServiceNow</a:t>
             </a:r>
             <a:endParaRPr/>
           </a:p>
@@ -34960,12 +36125,12 @@
 </p:sld>
 </file>
 
-<file path=ppt/slides/slide34.xml><?xml version="1.0" encoding="utf-8"?>
+<file path=ppt/slides/slide38.xml><?xml version="1.0" encoding="utf-8"?>
 <p:sld xmlns:a="http://schemas.openxmlformats.org/drawingml/2006/main" xmlns:r="http://schemas.openxmlformats.org/officeDocument/2006/relationships" xmlns:mc="http://schemas.openxmlformats.org/markup-compatibility/2006" xmlns:mv="urn:schemas-microsoft-com:mac:vml" xmlns:p="http://schemas.openxmlformats.org/presentationml/2006/main" xmlns:c="http://schemas.openxmlformats.org/drawingml/2006/chart" xmlns:dgm="http://schemas.openxmlformats.org/drawingml/2006/diagram" xmlns:o="urn:schemas-microsoft-com:office:office" xmlns:v="urn:schemas-microsoft-com:vml" xmlns:pvml="urn:schemas-microsoft-com:office:powerpoint" xmlns:com="http://schemas.openxmlformats.org/drawingml/2006/compatibility" xmlns:p14="http://schemas.microsoft.com/office/powerpoint/2010/main" xmlns:p15="http://schemas.microsoft.com/office/powerpoint/2012/main">
   <p:cSld>
     <p:spTree>
       <p:nvGrpSpPr>
-        <p:cNvPr id="444" name="Shape 444"/>
+        <p:cNvPr id="472" name="Shape 472"/>
         <p:cNvGrpSpPr/>
         <p:nvPr/>
       </p:nvGrpSpPr>
@@ -34979,7 +36144,7 @@
       </p:grpSpPr>
       <p:sp>
         <p:nvSpPr>
-          <p:cNvPr id="445" name="Google Shape;445;p32"/>
+          <p:cNvPr id="473" name="Google Shape;473;p31"/>
           <p:cNvSpPr txBox="1"/>
           <p:nvPr>
             <p:ph type="title"/>
@@ -35023,7 +36188,7 @@
             </a:pPr>
             <a:r>
               <a:rPr lang="en-US"/>
-              <a:t>OTHER PROJECTS</a:t>
+              <a:t>REPORTING</a:t>
             </a:r>
             <a:endParaRPr/>
           </a:p>
@@ -35031,7 +36196,7 @@
       </p:sp>
       <p:sp>
         <p:nvSpPr>
-          <p:cNvPr id="446" name="Google Shape;446;p32"/>
+          <p:cNvPr id="474" name="Google Shape;474;p31"/>
           <p:cNvSpPr txBox="1"/>
           <p:nvPr>
             <p:ph idx="1" type="body"/>
@@ -35074,7 +36239,7 @@
             </a:pPr>
             <a:r>
               <a:rPr lang="en-US"/>
-              <a:t>Alien Invasion</a:t>
+              <a:t>Where do you see reporting in your everyday life?</a:t>
             </a:r>
             <a:endParaRPr/>
           </a:p>
@@ -35097,7 +36262,7 @@
             </a:pPr>
             <a:r>
               <a:rPr lang="en-US"/>
-              <a:t>Kodi Media Center</a:t>
+              <a:t>Why is it important?</a:t>
             </a:r>
             <a:endParaRPr/>
           </a:p>
@@ -35120,7 +36285,7 @@
             </a:pPr>
             <a:r>
               <a:rPr lang="en-US"/>
-              <a:t>Steam link – stream your PC games to your TV</a:t>
+              <a:t>What does bad/good reporting look like?</a:t>
             </a:r>
             <a:endParaRPr/>
           </a:p>
@@ -35143,7 +36308,7 @@
             </a:pPr>
             <a:r>
               <a:rPr lang="en-US"/>
-              <a:t>Alexa: Build your own Amazon Echo/ Google assistant</a:t>
+              <a:t>What do we want to learn from ServiceNow data</a:t>
             </a:r>
             <a:endParaRPr/>
           </a:p>
@@ -35166,30 +36331,7 @@
             </a:pPr>
             <a:r>
               <a:rPr lang="en-US"/>
-              <a:t>Pi-hole – network wide ad-blocker</a:t>
-            </a:r>
-            <a:endParaRPr/>
-          </a:p>
-          <a:p>
-            <a:pPr indent="-228600" lvl="0" marL="228600" rtl="0" algn="l">
-              <a:lnSpc>
-                <a:spcPct val="120000"/>
-              </a:lnSpc>
-              <a:spcBef>
-                <a:spcPts val="1000"/>
-              </a:spcBef>
-              <a:spcAft>
-                <a:spcPts val="0"/>
-              </a:spcAft>
-              <a:buClr>
-                <a:schemeClr val="lt1"/>
-              </a:buClr>
-              <a:buSzPts val="3000"/>
-              <a:buChar char="•"/>
-            </a:pPr>
-            <a:r>
-              <a:rPr lang="en-US"/>
-              <a:t>Adafruit for more accessories</a:t>
+              <a:t>Create your own data visualizations</a:t>
             </a:r>
             <a:endParaRPr/>
           </a:p>
@@ -35203,12 +36345,12 @@
 </p:sld>
 </file>
 
-<file path=ppt/slides/slide35.xml><?xml version="1.0" encoding="utf-8"?>
+<file path=ppt/slides/slide39.xml><?xml version="1.0" encoding="utf-8"?>
 <p:sld xmlns:a="http://schemas.openxmlformats.org/drawingml/2006/main" xmlns:r="http://schemas.openxmlformats.org/officeDocument/2006/relationships" xmlns:mc="http://schemas.openxmlformats.org/markup-compatibility/2006" xmlns:mv="urn:schemas-microsoft-com:mac:vml" xmlns:p="http://schemas.openxmlformats.org/presentationml/2006/main" xmlns:c="http://schemas.openxmlformats.org/drawingml/2006/chart" xmlns:dgm="http://schemas.openxmlformats.org/drawingml/2006/diagram" xmlns:o="urn:schemas-microsoft-com:office:office" xmlns:v="urn:schemas-microsoft-com:vml" xmlns:pvml="urn:schemas-microsoft-com:office:powerpoint" xmlns:com="http://schemas.openxmlformats.org/drawingml/2006/compatibility" xmlns:p14="http://schemas.microsoft.com/office/powerpoint/2010/main" xmlns:p15="http://schemas.microsoft.com/office/powerpoint/2012/main">
   <p:cSld>
     <p:spTree>
       <p:nvGrpSpPr>
-        <p:cNvPr id="450" name="Shape 450"/>
+        <p:cNvPr id="478" name="Shape 478"/>
         <p:cNvGrpSpPr/>
         <p:nvPr/>
       </p:nvGrpSpPr>
@@ -35222,7 +36364,7 @@
       </p:grpSpPr>
       <p:sp>
         <p:nvSpPr>
-          <p:cNvPr id="451" name="Google Shape;451;p33"/>
+          <p:cNvPr id="479" name="Google Shape;479;p32"/>
           <p:cNvSpPr txBox="1"/>
           <p:nvPr>
             <p:ph type="title"/>
@@ -35266,7 +36408,7 @@
             </a:pPr>
             <a:r>
               <a:rPr lang="en-US"/>
-              <a:t>THANK YOU</a:t>
+              <a:t>OTHER PROJECTS</a:t>
             </a:r>
             <a:endParaRPr/>
           </a:p>
@@ -35274,7 +36416,7 @@
       </p:sp>
       <p:sp>
         <p:nvSpPr>
-          <p:cNvPr id="452" name="Google Shape;452;p33"/>
+          <p:cNvPr id="480" name="Google Shape;480;p32"/>
           <p:cNvSpPr txBox="1"/>
           <p:nvPr>
             <p:ph idx="1" type="body"/>
@@ -35299,7 +36441,7 @@
           </a:bodyPr>
           <a:lstStyle/>
           <a:p>
-            <a:pPr indent="0" lvl="0" marL="0" rtl="0" algn="l">
+            <a:pPr indent="-228600" lvl="0" marL="228600" rtl="0" algn="l">
               <a:lnSpc>
                 <a:spcPct val="120000"/>
               </a:lnSpc>
@@ -35313,16 +36455,16 @@
                 <a:schemeClr val="lt1"/>
               </a:buClr>
               <a:buSzPts val="3000"/>
-              <a:buNone/>
+              <a:buChar char="•"/>
             </a:pPr>
             <a:r>
               <a:rPr lang="en-US"/>
-              <a:t>Thank you for taking part in our first collaboration with Read Alliance. </a:t>
+              <a:t>Alien Invasion</a:t>
             </a:r>
             <a:endParaRPr/>
           </a:p>
           <a:p>
-            <a:pPr indent="0" lvl="0" marL="0" rtl="0" algn="l">
+            <a:pPr indent="-228600" lvl="0" marL="228600" rtl="0" algn="l">
               <a:lnSpc>
                 <a:spcPct val="120000"/>
               </a:lnSpc>
@@ -35336,15 +36478,16 @@
                 <a:schemeClr val="lt1"/>
               </a:buClr>
               <a:buSzPts val="3000"/>
-              <a:buNone/>
+              <a:buChar char="•"/>
             </a:pPr>
             <a:r>
-              <a:t/>
+              <a:rPr lang="en-US"/>
+              <a:t>Kodi Media Center</a:t>
             </a:r>
             <a:endParaRPr/>
           </a:p>
           <a:p>
-            <a:pPr indent="0" lvl="0" marL="0" rtl="0" algn="l">
+            <a:pPr indent="-228600" lvl="0" marL="228600" rtl="0" algn="l">
               <a:lnSpc>
                 <a:spcPct val="120000"/>
               </a:lnSpc>
@@ -35358,11 +36501,80 @@
                 <a:schemeClr val="lt1"/>
               </a:buClr>
               <a:buSzPts val="3000"/>
-              <a:buNone/>
+              <a:buChar char="•"/>
             </a:pPr>
             <a:r>
               <a:rPr lang="en-US"/>
-              <a:t>Please provide any feedback on the forms provided.</a:t>
+              <a:t>Steam link – stream your PC games to your TV</a:t>
+            </a:r>
+            <a:endParaRPr/>
+          </a:p>
+          <a:p>
+            <a:pPr indent="-228600" lvl="0" marL="228600" rtl="0" algn="l">
+              <a:lnSpc>
+                <a:spcPct val="120000"/>
+              </a:lnSpc>
+              <a:spcBef>
+                <a:spcPts val="1000"/>
+              </a:spcBef>
+              <a:spcAft>
+                <a:spcPts val="0"/>
+              </a:spcAft>
+              <a:buClr>
+                <a:schemeClr val="lt1"/>
+              </a:buClr>
+              <a:buSzPts val="3000"/>
+              <a:buChar char="•"/>
+            </a:pPr>
+            <a:r>
+              <a:rPr lang="en-US"/>
+              <a:t>Alexa: Build your own Amazon Echo/ Google assistant</a:t>
+            </a:r>
+            <a:endParaRPr/>
+          </a:p>
+          <a:p>
+            <a:pPr indent="-228600" lvl="0" marL="228600" rtl="0" algn="l">
+              <a:lnSpc>
+                <a:spcPct val="120000"/>
+              </a:lnSpc>
+              <a:spcBef>
+                <a:spcPts val="1000"/>
+              </a:spcBef>
+              <a:spcAft>
+                <a:spcPts val="0"/>
+              </a:spcAft>
+              <a:buClr>
+                <a:schemeClr val="lt1"/>
+              </a:buClr>
+              <a:buSzPts val="3000"/>
+              <a:buChar char="•"/>
+            </a:pPr>
+            <a:r>
+              <a:rPr lang="en-US"/>
+              <a:t>Pi-hole – network wide ad-blocker</a:t>
+            </a:r>
+            <a:endParaRPr/>
+          </a:p>
+          <a:p>
+            <a:pPr indent="-228600" lvl="0" marL="228600" rtl="0" algn="l">
+              <a:lnSpc>
+                <a:spcPct val="120000"/>
+              </a:lnSpc>
+              <a:spcBef>
+                <a:spcPts val="1000"/>
+              </a:spcBef>
+              <a:spcAft>
+                <a:spcPts val="0"/>
+              </a:spcAft>
+              <a:buClr>
+                <a:schemeClr val="lt1"/>
+              </a:buClr>
+              <a:buSzPts val="3000"/>
+              <a:buChar char="•"/>
+            </a:pPr>
+            <a:r>
+              <a:rPr lang="en-US"/>
+              <a:t>Adafruit for more accessories</a:t>
             </a:r>
             <a:endParaRPr/>
           </a:p>
@@ -35634,6 +36846,34 @@
           </a:p>
         </p:txBody>
       </p:sp>
+      <p:pic>
+        <p:nvPicPr>
+          <p:cNvPr id="254" name="Google Shape;254;p4"/>
+          <p:cNvPicPr preferRelativeResize="0"/>
+          <p:nvPr/>
+        </p:nvPicPr>
+        <p:blipFill>
+          <a:blip r:embed="rId3">
+            <a:alphaModFix/>
+          </a:blip>
+          <a:stretch>
+            <a:fillRect/>
+          </a:stretch>
+        </p:blipFill>
+        <p:spPr>
+          <a:xfrm>
+            <a:off x="7900400" y="2005487"/>
+            <a:ext cx="3619500" cy="4029700"/>
+          </a:xfrm>
+          <a:prstGeom prst="rect">
+            <a:avLst/>
+          </a:prstGeom>
+          <a:noFill/>
+          <a:ln>
+            <a:noFill/>
+          </a:ln>
+        </p:spPr>
+      </p:pic>
     </p:spTree>
   </p:cSld>
   <p:clrMapOvr>
@@ -35642,12 +36882,12 @@
 </p:sld>
 </file>
 
-<file path=ppt/slides/slide5.xml><?xml version="1.0" encoding="utf-8"?>
+<file path=ppt/slides/slide40.xml><?xml version="1.0" encoding="utf-8"?>
 <p:sld xmlns:a="http://schemas.openxmlformats.org/drawingml/2006/main" xmlns:r="http://schemas.openxmlformats.org/officeDocument/2006/relationships" xmlns:mc="http://schemas.openxmlformats.org/markup-compatibility/2006" xmlns:mv="urn:schemas-microsoft-com:mac:vml" xmlns:p="http://schemas.openxmlformats.org/presentationml/2006/main" xmlns:c="http://schemas.openxmlformats.org/drawingml/2006/chart" xmlns:dgm="http://schemas.openxmlformats.org/drawingml/2006/diagram" xmlns:o="urn:schemas-microsoft-com:office:office" xmlns:v="urn:schemas-microsoft-com:vml" xmlns:pvml="urn:schemas-microsoft-com:office:powerpoint" xmlns:com="http://schemas.openxmlformats.org/drawingml/2006/compatibility" xmlns:p14="http://schemas.microsoft.com/office/powerpoint/2010/main" xmlns:p15="http://schemas.microsoft.com/office/powerpoint/2012/main">
   <p:cSld>
     <p:spTree>
       <p:nvGrpSpPr>
-        <p:cNvPr id="257" name="Shape 257"/>
+        <p:cNvPr id="484" name="Shape 484"/>
         <p:cNvGrpSpPr/>
         <p:nvPr/>
       </p:nvGrpSpPr>
@@ -35661,7 +36901,7 @@
       </p:grpSpPr>
       <p:sp>
         <p:nvSpPr>
-          <p:cNvPr id="258" name="Google Shape;258;p5"/>
+          <p:cNvPr id="485" name="Google Shape;485;p33"/>
           <p:cNvSpPr txBox="1"/>
           <p:nvPr>
             <p:ph type="title"/>
@@ -35705,6 +36945,179 @@
             </a:pPr>
             <a:r>
               <a:rPr lang="en-US"/>
+              <a:t>THANK YOU</a:t>
+            </a:r>
+            <a:endParaRPr/>
+          </a:p>
+        </p:txBody>
+      </p:sp>
+      <p:sp>
+        <p:nvSpPr>
+          <p:cNvPr id="486" name="Google Shape;486;p33"/>
+          <p:cNvSpPr txBox="1"/>
+          <p:nvPr>
+            <p:ph idx="1" type="body"/>
+          </p:nvPr>
+        </p:nvSpPr>
+        <p:spPr>
+          <a:xfrm>
+            <a:off x="1141412" y="2249487"/>
+            <a:ext cx="9905999" cy="3541714"/>
+          </a:xfrm>
+          <a:prstGeom prst="rect">
+            <a:avLst/>
+          </a:prstGeom>
+          <a:noFill/>
+          <a:ln>
+            <a:noFill/>
+          </a:ln>
+        </p:spPr>
+        <p:txBody>
+          <a:bodyPr anchorCtr="0" anchor="t" bIns="45700" lIns="91425" spcFirstLastPara="1" rIns="91425" wrap="square" tIns="45700">
+            <a:normAutofit/>
+          </a:bodyPr>
+          <a:lstStyle/>
+          <a:p>
+            <a:pPr indent="0" lvl="0" marL="0" rtl="0" algn="l">
+              <a:lnSpc>
+                <a:spcPct val="120000"/>
+              </a:lnSpc>
+              <a:spcBef>
+                <a:spcPts val="0"/>
+              </a:spcBef>
+              <a:spcAft>
+                <a:spcPts val="0"/>
+              </a:spcAft>
+              <a:buClr>
+                <a:schemeClr val="lt1"/>
+              </a:buClr>
+              <a:buSzPts val="3000"/>
+              <a:buNone/>
+            </a:pPr>
+            <a:r>
+              <a:rPr lang="en-US"/>
+              <a:t>Thank you for taking part in our first collaboration with Read Alliance. </a:t>
+            </a:r>
+            <a:endParaRPr/>
+          </a:p>
+          <a:p>
+            <a:pPr indent="0" lvl="0" marL="0" rtl="0" algn="l">
+              <a:lnSpc>
+                <a:spcPct val="120000"/>
+              </a:lnSpc>
+              <a:spcBef>
+                <a:spcPts val="1000"/>
+              </a:spcBef>
+              <a:spcAft>
+                <a:spcPts val="0"/>
+              </a:spcAft>
+              <a:buClr>
+                <a:schemeClr val="lt1"/>
+              </a:buClr>
+              <a:buSzPts val="3000"/>
+              <a:buNone/>
+            </a:pPr>
+            <a:r>
+              <a:t/>
+            </a:r>
+            <a:endParaRPr/>
+          </a:p>
+          <a:p>
+            <a:pPr indent="0" lvl="0" marL="0" rtl="0" algn="l">
+              <a:lnSpc>
+                <a:spcPct val="120000"/>
+              </a:lnSpc>
+              <a:spcBef>
+                <a:spcPts val="1000"/>
+              </a:spcBef>
+              <a:spcAft>
+                <a:spcPts val="0"/>
+              </a:spcAft>
+              <a:buClr>
+                <a:schemeClr val="lt1"/>
+              </a:buClr>
+              <a:buSzPts val="3000"/>
+              <a:buNone/>
+            </a:pPr>
+            <a:r>
+              <a:rPr lang="en-US"/>
+              <a:t>Please provide any feedback on the forms provided.</a:t>
+            </a:r>
+            <a:endParaRPr/>
+          </a:p>
+        </p:txBody>
+      </p:sp>
+    </p:spTree>
+  </p:cSld>
+  <p:clrMapOvr>
+    <a:masterClrMapping/>
+  </p:clrMapOvr>
+</p:sld>
+</file>
+
+<file path=ppt/slides/slide5.xml><?xml version="1.0" encoding="utf-8"?>
+<p:sld xmlns:a="http://schemas.openxmlformats.org/drawingml/2006/main" xmlns:r="http://schemas.openxmlformats.org/officeDocument/2006/relationships" xmlns:mc="http://schemas.openxmlformats.org/markup-compatibility/2006" xmlns:mv="urn:schemas-microsoft-com:mac:vml" xmlns:p="http://schemas.openxmlformats.org/presentationml/2006/main" xmlns:c="http://schemas.openxmlformats.org/drawingml/2006/chart" xmlns:dgm="http://schemas.openxmlformats.org/drawingml/2006/diagram" xmlns:o="urn:schemas-microsoft-com:office:office" xmlns:v="urn:schemas-microsoft-com:vml" xmlns:pvml="urn:schemas-microsoft-com:office:powerpoint" xmlns:com="http://schemas.openxmlformats.org/drawingml/2006/compatibility" xmlns:p14="http://schemas.microsoft.com/office/powerpoint/2010/main" xmlns:p15="http://schemas.microsoft.com/office/powerpoint/2012/main">
+  <p:cSld>
+    <p:spTree>
+      <p:nvGrpSpPr>
+        <p:cNvPr id="258" name="Shape 258"/>
+        <p:cNvGrpSpPr/>
+        <p:nvPr/>
+      </p:nvGrpSpPr>
+      <p:grpSpPr>
+        <a:xfrm>
+          <a:off x="0" y="0"/>
+          <a:ext cx="0" cy="0"/>
+          <a:chOff x="0" y="0"/>
+          <a:chExt cx="0" cy="0"/>
+        </a:xfrm>
+      </p:grpSpPr>
+      <p:sp>
+        <p:nvSpPr>
+          <p:cNvPr id="259" name="Google Shape;259;p5"/>
+          <p:cNvSpPr txBox="1"/>
+          <p:nvPr>
+            <p:ph type="title"/>
+          </p:nvPr>
+        </p:nvSpPr>
+        <p:spPr>
+          <a:xfrm>
+            <a:off x="1141413" y="618518"/>
+            <a:ext cx="9905998" cy="1478570"/>
+          </a:xfrm>
+          <a:prstGeom prst="rect">
+            <a:avLst/>
+          </a:prstGeom>
+          <a:noFill/>
+          <a:ln>
+            <a:noFill/>
+          </a:ln>
+        </p:spPr>
+        <p:txBody>
+          <a:bodyPr anchorCtr="0" anchor="ctr" bIns="45700" lIns="91425" spcFirstLastPara="1" rIns="91425" wrap="square" tIns="45700">
+            <a:normAutofit/>
+          </a:bodyPr>
+          <a:lstStyle/>
+          <a:p>
+            <a:pPr indent="0" lvl="0" marL="0" rtl="0" algn="l">
+              <a:lnSpc>
+                <a:spcPct val="90000"/>
+              </a:lnSpc>
+              <a:spcBef>
+                <a:spcPts val="0"/>
+              </a:spcBef>
+              <a:spcAft>
+                <a:spcPts val="0"/>
+              </a:spcAft>
+              <a:buClr>
+                <a:schemeClr val="lt1"/>
+              </a:buClr>
+              <a:buSzPts val="3600"/>
+              <a:buFont typeface="Twentieth Century"/>
+              <a:buNone/>
+            </a:pPr>
+            <a:r>
+              <a:rPr lang="en-US"/>
               <a:t>BUSINESS BACKGROUND</a:t>
             </a:r>
             <a:endParaRPr/>
@@ -35713,7 +37126,7 @@
       </p:sp>
       <p:sp>
         <p:nvSpPr>
-          <p:cNvPr id="259" name="Google Shape;259;p5"/>
+          <p:cNvPr id="260" name="Google Shape;260;p5"/>
           <p:cNvSpPr txBox="1"/>
           <p:nvPr>
             <p:ph idx="1" type="body"/>
@@ -35879,7 +37292,7 @@
   <p:cSld>
     <p:spTree>
       <p:nvGrpSpPr>
-        <p:cNvPr id="263" name="Shape 263"/>
+        <p:cNvPr id="264" name="Shape 264"/>
         <p:cNvGrpSpPr/>
         <p:nvPr/>
       </p:nvGrpSpPr>
@@ -35893,7 +37306,7 @@
       </p:grpSpPr>
       <p:sp>
         <p:nvSpPr>
-          <p:cNvPr id="264" name="Google Shape;264;g5f1623cf2d_0_17"/>
+          <p:cNvPr id="265" name="Google Shape;265;g5f1623cf2d_0_17"/>
           <p:cNvSpPr txBox="1"/>
           <p:nvPr>
             <p:ph type="title"/>
@@ -35933,7 +37346,7 @@
       </p:sp>
       <p:sp>
         <p:nvSpPr>
-          <p:cNvPr id="265" name="Google Shape;265;g5f1623cf2d_0_17"/>
+          <p:cNvPr id="266" name="Google Shape;266;g5f1623cf2d_0_17"/>
           <p:cNvSpPr txBox="1"/>
           <p:nvPr>
             <p:ph idx="1" type="body"/>
@@ -36046,7 +37459,7 @@
   <p:cSld>
     <p:spTree>
       <p:nvGrpSpPr>
-        <p:cNvPr id="269" name="Shape 269"/>
+        <p:cNvPr id="270" name="Shape 270"/>
         <p:cNvGrpSpPr/>
         <p:nvPr/>
       </p:nvGrpSpPr>
@@ -36060,7 +37473,7 @@
       </p:grpSpPr>
       <p:sp>
         <p:nvSpPr>
-          <p:cNvPr id="270" name="Google Shape;270;p6"/>
+          <p:cNvPr id="271" name="Google Shape;271;p6"/>
           <p:cNvSpPr txBox="1"/>
           <p:nvPr>
             <p:ph type="title"/>
@@ -36104,7 +37517,7 @@
             </a:pPr>
             <a:r>
               <a:rPr lang="en-US"/>
-              <a:t>COMPLETING A PROJECT </a:t>
+              <a:t>DOING A PROJECT </a:t>
             </a:r>
             <a:endParaRPr/>
           </a:p>
@@ -36112,7 +37525,7 @@
       </p:sp>
       <p:sp>
         <p:nvSpPr>
-          <p:cNvPr id="271" name="Google Shape;271;p6"/>
+          <p:cNvPr id="272" name="Google Shape;272;p6"/>
           <p:cNvSpPr txBox="1"/>
           <p:nvPr>
             <p:ph idx="1" type="body"/>
@@ -36152,7 +37565,7 @@
       </p:sp>
       <p:sp>
         <p:nvSpPr>
-          <p:cNvPr id="272" name="Google Shape;272;p6"/>
+          <p:cNvPr id="273" name="Google Shape;273;p6"/>
           <p:cNvSpPr txBox="1"/>
           <p:nvPr>
             <p:ph idx="2" type="body"/>
@@ -36183,7 +37596,56 @@
               <a:buNone/>
             </a:pPr>
             <a:r>
-              <a:t/>
+              <a:rPr lang="en-US"/>
+              <a:t>What must be done?</a:t>
+            </a:r>
+            <a:endParaRPr/>
+          </a:p>
+          <a:p>
+            <a:pPr indent="0" lvl="0" marL="0" rtl="0" algn="l">
+              <a:spcBef>
+                <a:spcPts val="1000"/>
+              </a:spcBef>
+              <a:spcAft>
+                <a:spcPts val="0"/>
+              </a:spcAft>
+              <a:buNone/>
+            </a:pPr>
+            <a:r>
+              <a:rPr lang="en-US"/>
+              <a:t>What can be done?</a:t>
+            </a:r>
+            <a:endParaRPr/>
+          </a:p>
+          <a:p>
+            <a:pPr indent="0" lvl="0" marL="0" rtl="0" algn="l">
+              <a:spcBef>
+                <a:spcPts val="1000"/>
+              </a:spcBef>
+              <a:spcAft>
+                <a:spcPts val="0"/>
+              </a:spcAft>
+              <a:buNone/>
+            </a:pPr>
+            <a:r>
+              <a:rPr lang="en-US"/>
+              <a:t>What can we commit to do in the time given with the people and resources we have?</a:t>
+            </a:r>
+            <a:endParaRPr/>
+          </a:p>
+          <a:p>
+            <a:pPr indent="0" lvl="0" marL="0" rtl="0" algn="l">
+              <a:spcBef>
+                <a:spcPts val="1000"/>
+              </a:spcBef>
+              <a:spcAft>
+                <a:spcPts val="0"/>
+              </a:spcAft>
+              <a:buNone/>
+            </a:pPr>
+            <a:r>
+              <a:rPr lang="en-US"/>
+              <a:t>Agree to the scope</a:t>
             </a:r>
             <a:endParaRPr/>
           </a:p>
@@ -36191,7 +37653,7 @@
       </p:sp>
       <p:sp>
         <p:nvSpPr>
-          <p:cNvPr id="273" name="Google Shape;273;p6"/>
+          <p:cNvPr id="274" name="Google Shape;274;p6"/>
           <p:cNvSpPr txBox="1"/>
           <p:nvPr>
             <p:ph idx="3" type="body"/>
@@ -36231,7 +37693,7 @@
       </p:sp>
       <p:sp>
         <p:nvSpPr>
-          <p:cNvPr id="274" name="Google Shape;274;p6"/>
+          <p:cNvPr id="275" name="Google Shape;275;p6"/>
           <p:cNvSpPr txBox="1"/>
           <p:nvPr>
             <p:ph idx="4" type="body"/>
@@ -36262,7 +37724,92 @@
               <a:buNone/>
             </a:pPr>
             <a:r>
-              <a:t/>
+              <a:rPr lang="en-US"/>
+              <a:t>List what: </a:t>
+            </a:r>
+            <a:endParaRPr/>
+          </a:p>
+          <a:p>
+            <a:pPr indent="-339725" lvl="0" marL="457200" rtl="0" algn="l">
+              <a:spcBef>
+                <a:spcPts val="1000"/>
+              </a:spcBef>
+              <a:spcAft>
+                <a:spcPts val="0"/>
+              </a:spcAft>
+              <a:buSzPts val="1750"/>
+              <a:buChar char="●"/>
+            </a:pPr>
+            <a:r>
+              <a:rPr lang="en-US"/>
+              <a:t>Is pending</a:t>
+            </a:r>
+            <a:endParaRPr/>
+          </a:p>
+          <a:p>
+            <a:pPr indent="-339725" lvl="0" marL="457200" rtl="0" algn="l">
+              <a:spcBef>
+                <a:spcPts val="0"/>
+              </a:spcBef>
+              <a:spcAft>
+                <a:spcPts val="0"/>
+              </a:spcAft>
+              <a:buSzPts val="1750"/>
+              <a:buChar char="●"/>
+            </a:pPr>
+            <a:r>
+              <a:rPr lang="en-US"/>
+              <a:t>Is being worked on</a:t>
+            </a:r>
+            <a:endParaRPr/>
+          </a:p>
+          <a:p>
+            <a:pPr indent="-339725" lvl="0" marL="457200" rtl="0" algn="l">
+              <a:spcBef>
+                <a:spcPts val="0"/>
+              </a:spcBef>
+              <a:spcAft>
+                <a:spcPts val="0"/>
+              </a:spcAft>
+              <a:buSzPts val="1750"/>
+              <a:buChar char="●"/>
+            </a:pPr>
+            <a:r>
+              <a:rPr lang="en-US"/>
+              <a:t>Is done</a:t>
+            </a:r>
+            <a:endParaRPr/>
+          </a:p>
+          <a:p>
+            <a:pPr indent="0" lvl="0" marL="0" rtl="0" algn="l">
+              <a:spcBef>
+                <a:spcPts val="1000"/>
+              </a:spcBef>
+              <a:spcAft>
+                <a:spcPts val="0"/>
+              </a:spcAft>
+              <a:buNone/>
+            </a:pPr>
+            <a:r>
+              <a:rPr lang="en-US"/>
+              <a:t>Blockers / Problems / Issues</a:t>
+            </a:r>
+            <a:endParaRPr/>
+          </a:p>
+          <a:p>
+            <a:pPr indent="-339725" lvl="0" marL="457200" rtl="0" algn="l">
+              <a:spcBef>
+                <a:spcPts val="1000"/>
+              </a:spcBef>
+              <a:spcAft>
+                <a:spcPts val="0"/>
+              </a:spcAft>
+              <a:buSzPts val="1750"/>
+              <a:buChar char="●"/>
+            </a:pPr>
+            <a:r>
+              <a:rPr lang="en-US"/>
+              <a:t>Who is fixing these?</a:t>
             </a:r>
             <a:endParaRPr/>
           </a:p>
@@ -36270,7 +37817,7 @@
       </p:sp>
       <p:sp>
         <p:nvSpPr>
-          <p:cNvPr id="275" name="Google Shape;275;p6"/>
+          <p:cNvPr id="276" name="Google Shape;276;p6"/>
           <p:cNvSpPr txBox="1"/>
           <p:nvPr>
             <p:ph idx="5" type="body"/>
@@ -36310,7 +37857,7 @@
       </p:sp>
       <p:sp>
         <p:nvSpPr>
-          <p:cNvPr id="276" name="Google Shape;276;p6"/>
+          <p:cNvPr id="277" name="Google Shape;277;p6"/>
           <p:cNvSpPr txBox="1"/>
           <p:nvPr>
             <p:ph idx="6" type="body"/>
@@ -36341,7 +37888,72 @@
               <a:buNone/>
             </a:pPr>
             <a:r>
-              <a:t/>
+              <a:rPr lang="en-US"/>
+              <a:t>What did we expect to do?</a:t>
+            </a:r>
+            <a:endParaRPr/>
+          </a:p>
+          <a:p>
+            <a:pPr indent="0" lvl="0" marL="0" rtl="0" algn="l">
+              <a:spcBef>
+                <a:spcPts val="1000"/>
+              </a:spcBef>
+              <a:spcAft>
+                <a:spcPts val="0"/>
+              </a:spcAft>
+              <a:buNone/>
+            </a:pPr>
+            <a:r>
+              <a:rPr lang="en-US"/>
+              <a:t>Did we do it?</a:t>
+            </a:r>
+            <a:endParaRPr/>
+          </a:p>
+          <a:p>
+            <a:pPr indent="0" lvl="0" marL="0" rtl="0" algn="l">
+              <a:spcBef>
+                <a:spcPts val="1000"/>
+              </a:spcBef>
+              <a:spcAft>
+                <a:spcPts val="0"/>
+              </a:spcAft>
+              <a:buNone/>
+            </a:pPr>
+            <a:r>
+              <a:rPr lang="en-US"/>
+              <a:t>Was it “good enough?”</a:t>
+            </a:r>
+            <a:endParaRPr/>
+          </a:p>
+          <a:p>
+            <a:pPr indent="0" lvl="0" marL="0" rtl="0" algn="l">
+              <a:spcBef>
+                <a:spcPts val="1000"/>
+              </a:spcBef>
+              <a:spcAft>
+                <a:spcPts val="0"/>
+              </a:spcAft>
+              <a:buNone/>
+            </a:pPr>
+            <a:r>
+              <a:rPr lang="en-US"/>
+              <a:t>How can we improve?</a:t>
+            </a:r>
+            <a:endParaRPr/>
+          </a:p>
+          <a:p>
+            <a:pPr indent="0" lvl="0" marL="0" rtl="0" algn="l">
+              <a:spcBef>
+                <a:spcPts val="1000"/>
+              </a:spcBef>
+              <a:spcAft>
+                <a:spcPts val="0"/>
+              </a:spcAft>
+              <a:buNone/>
+            </a:pPr>
+            <a:r>
+              <a:rPr lang="en-US"/>
+              <a:t>Determine actions for improving</a:t>
             </a:r>
             <a:endParaRPr/>
           </a:p>
@@ -36349,7 +37961,7 @@
       </p:sp>
       <p:pic>
         <p:nvPicPr>
-          <p:cNvPr id="277" name="Google Shape;277;p6"/>
+          <p:cNvPr id="278" name="Google Shape;278;p6"/>
           <p:cNvPicPr preferRelativeResize="0"/>
           <p:nvPr/>
         </p:nvPicPr>
@@ -36387,7 +37999,7 @@
   <p:cSld>
     <p:spTree>
       <p:nvGrpSpPr>
-        <p:cNvPr id="281" name="Shape 281"/>
+        <p:cNvPr id="282" name="Shape 282"/>
         <p:cNvGrpSpPr/>
         <p:nvPr/>
       </p:nvGrpSpPr>
@@ -36401,7 +38013,7 @@
       </p:grpSpPr>
       <p:sp>
         <p:nvSpPr>
-          <p:cNvPr id="282" name="Google Shape;282;g5f1623cf2d_0_0"/>
+          <p:cNvPr id="283" name="Google Shape;283;g5f1623cf2d_0_0"/>
           <p:cNvSpPr txBox="1"/>
           <p:nvPr>
             <p:ph type="title"/>
@@ -36441,7 +38053,7 @@
       </p:sp>
       <p:pic>
         <p:nvPicPr>
-          <p:cNvPr id="283" name="Google Shape;283;g5f1623cf2d_0_0"/>
+          <p:cNvPr id="284" name="Google Shape;284;g5f1623cf2d_0_0"/>
           <p:cNvPicPr preferRelativeResize="0"/>
           <p:nvPr/>
         </p:nvPicPr>
@@ -36480,7 +38092,7 @@
   <p:cSld>
     <p:spTree>
       <p:nvGrpSpPr>
-        <p:cNvPr id="287" name="Shape 287"/>
+        <p:cNvPr id="288" name="Shape 288"/>
         <p:cNvGrpSpPr/>
         <p:nvPr/>
       </p:nvGrpSpPr>
@@ -36494,7 +38106,7 @@
       </p:grpSpPr>
       <p:sp>
         <p:nvSpPr>
-          <p:cNvPr id="288" name="Google Shape;288;p7"/>
+          <p:cNvPr id="289" name="Google Shape;289;g5f1623cf2d_0_28"/>
           <p:cNvSpPr txBox="1"/>
           <p:nvPr>
             <p:ph type="title"/>
@@ -36503,42 +38115,30 @@
         <p:spPr>
           <a:xfrm>
             <a:off x="1141413" y="618518"/>
-            <a:ext cx="9905998" cy="1478570"/>
+            <a:ext cx="9906000" cy="1478700"/>
           </a:xfrm>
           <a:prstGeom prst="rect">
             <a:avLst/>
           </a:prstGeom>
-          <a:noFill/>
-          <a:ln>
-            <a:noFill/>
-          </a:ln>
         </p:spPr>
         <p:txBody>
           <a:bodyPr anchorCtr="0" anchor="ctr" bIns="45700" lIns="91425" spcFirstLastPara="1" rIns="91425" wrap="square" tIns="45700">
-            <a:normAutofit/>
+            <a:noAutofit/>
           </a:bodyPr>
           <a:lstStyle/>
           <a:p>
             <a:pPr indent="0" lvl="0" marL="0" rtl="0" algn="l">
-              <a:lnSpc>
-                <a:spcPct val="90000"/>
-              </a:lnSpc>
-              <a:spcBef>
-                <a:spcPts val="0"/>
-              </a:spcBef>
-              <a:spcAft>
-                <a:spcPts val="0"/>
-              </a:spcAft>
-              <a:buClr>
-                <a:schemeClr val="lt1"/>
-              </a:buClr>
-              <a:buSzPts val="3600"/>
-              <a:buFont typeface="Twentieth Century"/>
+              <a:spcBef>
+                <a:spcPts val="0"/>
+              </a:spcBef>
+              <a:spcAft>
+                <a:spcPts val="0"/>
+              </a:spcAft>
               <a:buNone/>
             </a:pPr>
             <a:r>
               <a:rPr lang="en-US"/>
-              <a:t>TECHNOLOGY OVERVIEW</a:t>
+              <a:t>HOW TO DOCUMENT SCOPE</a:t>
             </a:r>
             <a:endParaRPr/>
           </a:p>
@@ -36546,7 +38146,7 @@
       </p:sp>
       <p:sp>
         <p:nvSpPr>
-          <p:cNvPr id="289" name="Google Shape;289;p7"/>
+          <p:cNvPr id="290" name="Google Shape;290;g5f1623cf2d_0_28"/>
           <p:cNvSpPr txBox="1"/>
           <p:nvPr>
             <p:ph idx="1" type="body"/>
@@ -36555,41 +38155,30 @@
         <p:spPr>
           <a:xfrm>
             <a:off x="1141412" y="2249487"/>
-            <a:ext cx="9905999" cy="3541714"/>
+            <a:ext cx="9906000" cy="3541800"/>
           </a:xfrm>
           <a:prstGeom prst="rect">
             <a:avLst/>
           </a:prstGeom>
-          <a:noFill/>
-          <a:ln>
-            <a:noFill/>
-          </a:ln>
         </p:spPr>
         <p:txBody>
           <a:bodyPr anchorCtr="0" anchor="t" bIns="45700" lIns="91425" spcFirstLastPara="1" rIns="91425" wrap="square" tIns="45700">
-            <a:normAutofit/>
+            <a:noAutofit/>
           </a:bodyPr>
           <a:lstStyle/>
           <a:p>
-            <a:pPr indent="-228600" lvl="0" marL="228600" rtl="0" algn="l">
-              <a:lnSpc>
-                <a:spcPct val="120000"/>
-              </a:lnSpc>
-              <a:spcBef>
-                <a:spcPts val="0"/>
-              </a:spcBef>
-              <a:spcAft>
-                <a:spcPts val="0"/>
-              </a:spcAft>
-              <a:buClr>
-                <a:schemeClr val="lt1"/>
-              </a:buClr>
-              <a:buSzPts val="3000"/>
-              <a:buChar char="•"/>
+            <a:pPr indent="0" lvl="0" marL="0" rtl="0" algn="l">
+              <a:spcBef>
+                <a:spcPts val="1000"/>
+              </a:spcBef>
+              <a:spcAft>
+                <a:spcPts val="0"/>
+              </a:spcAft>
+              <a:buNone/>
             </a:pPr>
             <a:r>
               <a:rPr lang="en-US"/>
-              <a:t>What will we need to build a simple alerting system?</a:t>
+              <a:t>Let’s determine the scope of our Service Management Alert Project</a:t>
             </a:r>
             <a:endParaRPr/>
           </a:p>
@@ -36597,21 +38186,22 @@
       </p:sp>
       <p:pic>
         <p:nvPicPr>
-          <p:cNvPr descr="Image result for raspberry pi logo" id="290" name="Google Shape;290;p7"/>
+          <p:cNvPr id="291" name="Google Shape;291;g5f1623cf2d_0_28"/>
           <p:cNvPicPr preferRelativeResize="0"/>
           <p:nvPr/>
         </p:nvPicPr>
-        <p:blipFill rotWithShape="1">
+        <p:blipFill>
           <a:blip r:embed="rId3">
             <a:alphaModFix/>
           </a:blip>
-          <a:srcRect b="0" l="0" r="0" t="0"/>
-          <a:stretch/>
+          <a:stretch>
+            <a:fillRect/>
+          </a:stretch>
         </p:blipFill>
         <p:spPr>
           <a:xfrm>
-            <a:off x="1548881" y="3384140"/>
-            <a:ext cx="1651000" cy="2076309"/>
+            <a:off x="1141425" y="2907521"/>
+            <a:ext cx="4743351" cy="2581725"/>
           </a:xfrm>
           <a:prstGeom prst="rect">
             <a:avLst/>
@@ -36624,48 +38214,22 @@
       </p:pic>
       <p:pic>
         <p:nvPicPr>
-          <p:cNvPr id="291" name="Google Shape;291;p7"/>
+          <p:cNvPr id="292" name="Google Shape;292;g5f1623cf2d_0_28"/>
           <p:cNvPicPr preferRelativeResize="0"/>
           <p:nvPr/>
         </p:nvPicPr>
-        <p:blipFill rotWithShape="1">
+        <p:blipFill>
           <a:blip r:embed="rId4">
             <a:alphaModFix/>
           </a:blip>
-          <a:srcRect b="0" l="0" r="0" t="0"/>
-          <a:stretch/>
+          <a:stretch>
+            <a:fillRect/>
+          </a:stretch>
         </p:blipFill>
         <p:spPr>
           <a:xfrm>
-            <a:off x="4214035" y="4023923"/>
-            <a:ext cx="2765681" cy="930632"/>
-          </a:xfrm>
-          <a:prstGeom prst="rect">
-            <a:avLst/>
-          </a:prstGeom>
-          <a:noFill/>
-          <a:ln>
-            <a:noFill/>
-          </a:ln>
-        </p:spPr>
-      </p:pic>
-      <p:pic>
-        <p:nvPicPr>
-          <p:cNvPr id="292" name="Google Shape;292;p7"/>
-          <p:cNvPicPr preferRelativeResize="0"/>
-          <p:nvPr/>
-        </p:nvPicPr>
-        <p:blipFill rotWithShape="1">
-          <a:blip r:embed="rId5">
-            <a:alphaModFix/>
-          </a:blip>
-          <a:srcRect b="0" l="0" r="0" t="0"/>
-          <a:stretch/>
-        </p:blipFill>
-        <p:spPr>
-          <a:xfrm>
-            <a:off x="7993870" y="3384140"/>
-            <a:ext cx="2279588" cy="1936989"/>
+            <a:off x="6928228" y="2907523"/>
+            <a:ext cx="3987773" cy="2581725"/>
           </a:xfrm>
           <a:prstGeom prst="rect">
             <a:avLst/>

--- a/docs/SMAP Materials Unbranded.pptx
+++ b/docs/SMAP Materials Unbranded.pptx
@@ -287,8 +287,11 @@
     </a:lvl9pPr>
   </p:defaultTextStyle>
   <p:extLst>
+    <p:ext uri="{EFAFB233-063F-42B5-8137-9DF3F51BA10A}">
+      <p15:sldGuideLst xmlns:p15="http://schemas.microsoft.com/office/powerpoint/2012/main"/>
+    </p:ext>
     <p:ext uri="http://customooxmlschemas.google.com/">
-      <go:slidesCustomData xmlns:go="http://customooxmlschemas.google.com/" xmlns:p15="http://schemas.microsoft.com/office/powerpoint/2012/main" xmlns:p14="http://schemas.microsoft.com/office/powerpoint/2010/main" xmlns:com="http://schemas.openxmlformats.org/drawingml/2006/compatibility" xmlns:pvml="urn:schemas-microsoft-com:office:powerpoint" xmlns:v="urn:schemas-microsoft-com:vml" xmlns:o="urn:schemas-microsoft-com:office:office" xmlns:dgm="http://schemas.openxmlformats.org/drawingml/2006/diagram" xmlns:c="http://schemas.openxmlformats.org/drawingml/2006/chart" xmlns:mv="urn:schemas-microsoft-com:mac:vml" xmlns:mc="http://schemas.openxmlformats.org/markup-compatibility/2006" xmlns="" r:id="rId49" roundtripDataSignature="AMtx7mgmvVC4a0x0NLXhxJWwW2VCjrmSOg=="/>
+      <go:slidesCustomData xmlns="" xmlns:mc="http://schemas.openxmlformats.org/markup-compatibility/2006" xmlns:mv="urn:schemas-microsoft-com:mac:vml" xmlns:c="http://schemas.openxmlformats.org/drawingml/2006/chart" xmlns:dgm="http://schemas.openxmlformats.org/drawingml/2006/diagram" xmlns:o="urn:schemas-microsoft-com:office:office" xmlns:v="urn:schemas-microsoft-com:vml" xmlns:pvml="urn:schemas-microsoft-com:office:powerpoint" xmlns:com="http://schemas.openxmlformats.org/drawingml/2006/compatibility" xmlns:p14="http://schemas.microsoft.com/office/powerpoint/2010/main" xmlns:p15="http://schemas.microsoft.com/office/powerpoint/2012/main" xmlns:go="http://customooxmlschemas.google.com/" r:id="rId49" roundtripDataSignature="AMtx7mgmvVC4a0x0NLXhxJWwW2VCjrmSOg=="/>
     </p:ext>
   </p:extLst>
 </p:presentation>
@@ -3794,7 +3797,12 @@
             <p:ph type="sldImg"/>
           </p:nvPr>
         </p:nvSpPr>
-        <p:spPr/>
+        <p:spPr>
+          <a:xfrm>
+            <a:off x="381000" y="685800"/>
+            <a:ext cx="6096000" cy="3429000"/>
+          </a:xfrm>
+        </p:spPr>
       </p:sp>
       <p:sp>
         <p:nvSpPr>
@@ -3964,7 +3972,12 @@
             <p:ph type="sldImg"/>
           </p:nvPr>
         </p:nvSpPr>
-        <p:spPr/>
+        <p:spPr>
+          <a:xfrm>
+            <a:off x="381000" y="685800"/>
+            <a:ext cx="6096000" cy="3429000"/>
+          </a:xfrm>
+        </p:spPr>
       </p:sp>
       <p:sp>
         <p:nvSpPr>
@@ -33183,7 +33196,7 @@
         </p:spPr>
         <p:txBody>
           <a:bodyPr spcFirstLastPara="1" wrap="square" lIns="91425" tIns="45700" rIns="91425" bIns="45700" anchor="t" anchorCtr="0">
-            <a:normAutofit/>
+            <a:normAutofit fontScale="92500" lnSpcReduction="10000"/>
           </a:bodyPr>
           <a:lstStyle/>
           <a:p>
@@ -33204,10 +33217,9 @@
               <a:buChar char="•"/>
             </a:pPr>
             <a:r>
-              <a:rPr lang="en-US" sz="2220"/>
+              <a:rPr lang="en-US" sz="2220" dirty="0" smtClean="0"/>
               <a:t>Recap</a:t>
             </a:r>
-            <a:endParaRPr/>
           </a:p>
           <a:p>
             <a:pPr marL="228600" lvl="0" indent="-228600" algn="l" rtl="0">
@@ -33215,7 +33227,7 @@
                 <a:spcPct val="110000"/>
               </a:lnSpc>
               <a:spcBef>
-                <a:spcPts val="1000"/>
+                <a:spcPts val="0"/>
               </a:spcBef>
               <a:spcAft>
                 <a:spcPts val="0"/>
@@ -33227,10 +33239,33 @@
               <a:buChar char="•"/>
             </a:pPr>
             <a:r>
-              <a:rPr lang="en-US" sz="2220"/>
+              <a:rPr lang="en-US" sz="2220" dirty="0" smtClean="0"/>
+              <a:t>Intro to Python</a:t>
+            </a:r>
+            <a:endParaRPr dirty="0"/>
+          </a:p>
+          <a:p>
+            <a:pPr marL="228600" lvl="0" indent="-228600" algn="l" rtl="0">
+              <a:lnSpc>
+                <a:spcPct val="110000"/>
+              </a:lnSpc>
+              <a:spcBef>
+                <a:spcPts val="1000"/>
+              </a:spcBef>
+              <a:spcAft>
+                <a:spcPts val="0"/>
+              </a:spcAft>
+              <a:buClr>
+                <a:schemeClr val="lt1"/>
+              </a:buClr>
+              <a:buSzPts val="2775"/>
+              <a:buChar char="•"/>
+            </a:pPr>
+            <a:r>
+              <a:rPr lang="en-US" sz="2220" dirty="0"/>
               <a:t>Programming concepts</a:t>
             </a:r>
-            <a:endParaRPr sz="2220"/>
+            <a:endParaRPr sz="2220" dirty="0"/>
           </a:p>
           <a:p>
             <a:pPr marL="685800" lvl="1" indent="-228600" algn="l" rtl="0">
@@ -33250,10 +33285,10 @@
               <a:buChar char="•"/>
             </a:pPr>
             <a:r>
-              <a:rPr lang="en-US" sz="1850"/>
+              <a:rPr lang="en-US" sz="1850" dirty="0"/>
               <a:t>Functions</a:t>
             </a:r>
-            <a:endParaRPr/>
+            <a:endParaRPr dirty="0"/>
           </a:p>
           <a:p>
             <a:pPr marL="685800" lvl="1" indent="-228600" algn="l" rtl="0">
@@ -33273,10 +33308,10 @@
               <a:buChar char="•"/>
             </a:pPr>
             <a:r>
-              <a:rPr lang="en-US" sz="1850"/>
+              <a:rPr lang="en-US" sz="1850" dirty="0"/>
               <a:t>Comments</a:t>
             </a:r>
-            <a:endParaRPr/>
+            <a:endParaRPr dirty="0"/>
           </a:p>
           <a:p>
             <a:pPr marL="685800" lvl="1" indent="-228600" algn="l" rtl="0">
@@ -33296,10 +33331,10 @@
               <a:buChar char="•"/>
             </a:pPr>
             <a:r>
-              <a:rPr lang="en-US" sz="1850"/>
+              <a:rPr lang="en-US" sz="1850" dirty="0"/>
               <a:t>Variables</a:t>
             </a:r>
-            <a:endParaRPr/>
+            <a:endParaRPr dirty="0"/>
           </a:p>
           <a:p>
             <a:pPr marL="685800" lvl="1" indent="-228600" algn="l" rtl="0">
@@ -33319,10 +33354,10 @@
               <a:buChar char="•"/>
             </a:pPr>
             <a:r>
-              <a:rPr lang="en-US" sz="1850"/>
+              <a:rPr lang="en-US" sz="1850" dirty="0"/>
               <a:t>Error Handling </a:t>
             </a:r>
-            <a:endParaRPr sz="1850"/>
+            <a:endParaRPr sz="1850" dirty="0"/>
           </a:p>
           <a:p>
             <a:pPr marL="228600" lvl="0" indent="-228600" algn="l" rtl="0">
@@ -33342,10 +33377,10 @@
               <a:buChar char="•"/>
             </a:pPr>
             <a:r>
-              <a:rPr lang="en-US" sz="2220"/>
+              <a:rPr lang="en-US" sz="2220" dirty="0"/>
               <a:t>Create Email To Thom functionality</a:t>
             </a:r>
-            <a:endParaRPr/>
+            <a:endParaRPr dirty="0"/>
           </a:p>
           <a:p>
             <a:pPr marL="228600" lvl="0" indent="-228600" algn="l" rtl="0">
@@ -33365,10 +33400,10 @@
               <a:buChar char="•"/>
             </a:pPr>
             <a:r>
-              <a:rPr lang="en-US" sz="2220"/>
+              <a:rPr lang="en-US" sz="2220" dirty="0"/>
               <a:t>Send Email by Raspberry Pi</a:t>
             </a:r>
-            <a:endParaRPr/>
+            <a:endParaRPr dirty="0"/>
           </a:p>
           <a:p>
             <a:pPr marL="228600" lvl="0" indent="-52387" algn="l" rtl="0">
@@ -33387,7 +33422,7 @@
               <a:buSzPts val="2775"/>
               <a:buNone/>
             </a:pPr>
-            <a:endParaRPr sz="2220"/>
+            <a:endParaRPr sz="2220" dirty="0"/>
           </a:p>
         </p:txBody>
       </p:sp>
@@ -33891,10 +33926,10 @@
               <a:buChar char="•"/>
             </a:pPr>
             <a:r>
-              <a:rPr lang="en-US" sz="2040"/>
+              <a:rPr lang="en-US" sz="2040" dirty="0"/>
               <a:t>Introductions</a:t>
             </a:r>
-            <a:endParaRPr sz="2040"/>
+            <a:endParaRPr sz="2040" dirty="0"/>
           </a:p>
           <a:p>
             <a:pPr marL="228600" lvl="0" indent="-228600" algn="l" rtl="0">
@@ -33914,10 +33949,14 @@
               <a:buChar char="•"/>
             </a:pPr>
             <a:r>
-              <a:rPr lang="en-US" sz="2040"/>
-              <a:t>Project outline</a:t>
+              <a:rPr lang="en-US" sz="2040" dirty="0" smtClean="0"/>
+              <a:t>Workshop </a:t>
             </a:r>
-            <a:endParaRPr sz="2040"/>
+            <a:r>
+              <a:rPr lang="en-US" sz="2040" dirty="0"/>
+              <a:t>outline</a:t>
+            </a:r>
+            <a:endParaRPr sz="2040" dirty="0"/>
           </a:p>
           <a:p>
             <a:pPr marL="228600" lvl="0" indent="-228600" algn="l" rtl="0">
@@ -33937,10 +33976,13 @@
               <a:buChar char="•"/>
             </a:pPr>
             <a:r>
-              <a:rPr lang="en-US" sz="2040"/>
-              <a:t>Business background</a:t>
+              <a:rPr lang="en-US" sz="2040" dirty="0"/>
+              <a:t>Business </a:t>
             </a:r>
-            <a:endParaRPr sz="2040"/>
+            <a:r>
+              <a:rPr lang="en-US" sz="2040" dirty="0" smtClean="0"/>
+              <a:t>background</a:t>
+            </a:r>
           </a:p>
           <a:p>
             <a:pPr marL="228600" lvl="0" indent="-228600" algn="l" rtl="0">
@@ -33960,10 +34002,10 @@
               <a:buChar char="•"/>
             </a:pPr>
             <a:r>
-              <a:rPr lang="en-US" sz="2040"/>
-              <a:t>Technology overview</a:t>
+              <a:rPr lang="en-US" sz="2040" dirty="0" smtClean="0"/>
+              <a:t>Project management</a:t>
             </a:r>
-            <a:endParaRPr sz="2040"/>
+            <a:endParaRPr sz="2040" dirty="0"/>
           </a:p>
           <a:p>
             <a:pPr marL="228600" lvl="0" indent="-228600" algn="l" rtl="0">
@@ -33983,10 +34025,10 @@
               <a:buChar char="•"/>
             </a:pPr>
             <a:r>
-              <a:rPr lang="en-US" sz="2040"/>
-              <a:t>Intro to Raspberry Pi</a:t>
+              <a:rPr lang="en-US" sz="2040" dirty="0"/>
+              <a:t>Technology overview</a:t>
             </a:r>
-            <a:endParaRPr sz="2040"/>
+            <a:endParaRPr sz="2040" dirty="0"/>
           </a:p>
           <a:p>
             <a:pPr marL="228600" lvl="0" indent="-228600" algn="l" rtl="0">
@@ -34006,10 +34048,10 @@
               <a:buChar char="•"/>
             </a:pPr>
             <a:r>
-              <a:rPr lang="en-US" sz="2040"/>
-              <a:t>Python</a:t>
+              <a:rPr lang="en-US" sz="2040" dirty="0"/>
+              <a:t>Intro to Raspberry Pi</a:t>
             </a:r>
-            <a:endParaRPr/>
+            <a:endParaRPr sz="2040" dirty="0"/>
           </a:p>
           <a:p>
             <a:pPr marL="228600" lvl="0" indent="-228600" algn="l" rtl="0">
@@ -34029,10 +34071,10 @@
               <a:buChar char="•"/>
             </a:pPr>
             <a:r>
-              <a:rPr lang="en-US" sz="2040"/>
+              <a:rPr lang="en-US" sz="2040" dirty="0" smtClean="0"/>
               <a:t>Circuits</a:t>
             </a:r>
-            <a:endParaRPr/>
+            <a:endParaRPr dirty="0"/>
           </a:p>
           <a:p>
             <a:pPr marL="228600" lvl="0" indent="-228600" algn="l" rtl="0">
@@ -34052,10 +34094,10 @@
               <a:buChar char="•"/>
             </a:pPr>
             <a:r>
-              <a:rPr lang="en-US" sz="2040"/>
+              <a:rPr lang="en-US" sz="2040" dirty="0"/>
               <a:t>Raspberry Pi circuit</a:t>
             </a:r>
-            <a:endParaRPr/>
+            <a:endParaRPr dirty="0"/>
           </a:p>
           <a:p>
             <a:pPr marL="0" lvl="0" indent="0" algn="l" rtl="0">
@@ -34074,7 +34116,7 @@
               <a:buSzPts val="2550"/>
               <a:buNone/>
             </a:pPr>
-            <a:endParaRPr sz="2040"/>
+            <a:endParaRPr sz="2040" dirty="0"/>
           </a:p>
         </p:txBody>
       </p:sp>
